--- a/01 Classes/Aula 08 Desenvolvimento Web PHP - JS.pptx
+++ b/01 Classes/Aula 08 Desenvolvimento Web PHP - JS.pptx
@@ -7381,17 +7381,37 @@
                 <a:latin typeface="Times New Roman" panose="02020603050405020304" pitchFamily="18" charset="0"/>
                 <a:cs typeface="Times New Roman" panose="02020603050405020304" pitchFamily="18" charset="0"/>
               </a:rPr>
-              <a:t>Criada, em meados da década de 90 pela Netscape, originalmente para funcionar do lado do usuário, ou seja, nos navegadores. Atualmente, segue as, que visam garantir o suporte entre os diferentes </a:t>
-            </a:r>
-            <a:r>
-              <a:rPr lang="pt-BR" sz="2400" dirty="0" err="1">
+              <a:t>Criada, em meados da década de 90 pela </a:t>
+            </a:r>
+            <a:r>
+              <a:rPr lang="pt-BR" sz="2400" b="1" dirty="0">
+                <a:solidFill>
+                  <a:srgbClr val="FF0000"/>
+                </a:solidFill>
+                <a:latin typeface="Times New Roman" panose="02020603050405020304" pitchFamily="18" charset="0"/>
+                <a:cs typeface="Times New Roman" panose="02020603050405020304" pitchFamily="18" charset="0"/>
+              </a:rPr>
+              <a:t>Netscape</a:t>
+            </a:r>
+            <a:r>
+              <a:rPr lang="pt-BR" sz="2400" dirty="0">
                 <a:solidFill>
                   <a:schemeClr val="tx1"/>
                 </a:solidFill>
                 <a:latin typeface="Times New Roman" panose="02020603050405020304" pitchFamily="18" charset="0"/>
                 <a:cs typeface="Times New Roman" panose="02020603050405020304" pitchFamily="18" charset="0"/>
               </a:rPr>
-              <a:t>navegador</a:t>
+              <a:t>, originalmente para funcionar do lado do usuário, ou seja, nos navegadores. Atualmente, segue as </a:t>
+            </a:r>
+            <a:r>
+              <a:rPr lang="pt-BR" sz="2400" b="1" dirty="0">
+                <a:solidFill>
+                  <a:schemeClr val="tx1"/>
+                </a:solidFill>
+                <a:latin typeface="Times New Roman" panose="02020603050405020304" pitchFamily="18" charset="0"/>
+                <a:cs typeface="Times New Roman" panose="02020603050405020304" pitchFamily="18" charset="0"/>
+              </a:rPr>
+              <a:t>especificações </a:t>
             </a:r>
             <a:r>
               <a:rPr lang="pt-BR" sz="2400" b="1" dirty="0" err="1">
@@ -7401,47 +7421,17 @@
                 <a:latin typeface="Times New Roman" panose="02020603050405020304" pitchFamily="18" charset="0"/>
                 <a:cs typeface="Times New Roman" panose="02020603050405020304" pitchFamily="18" charset="0"/>
               </a:rPr>
-              <a:t>especificações</a:t>
-            </a:r>
-            <a:r>
-              <a:rPr lang="pt-BR" sz="2400" b="1" dirty="0">
+              <a:t>ECMAScript</a:t>
+            </a:r>
+            <a:r>
+              <a:rPr lang="pt-BR" sz="2400" dirty="0">
                 <a:solidFill>
                   <a:schemeClr val="tx1"/>
                 </a:solidFill>
                 <a:latin typeface="Times New Roman" panose="02020603050405020304" pitchFamily="18" charset="0"/>
                 <a:cs typeface="Times New Roman" panose="02020603050405020304" pitchFamily="18" charset="0"/>
               </a:rPr>
-              <a:t> </a:t>
-            </a:r>
-            <a:r>
-              <a:rPr lang="pt-BR" sz="2400" b="1" dirty="0" err="1">
-                <a:solidFill>
-                  <a:schemeClr val="tx1"/>
-                </a:solidFill>
-                <a:latin typeface="Times New Roman" panose="02020603050405020304" pitchFamily="18" charset="0"/>
-                <a:cs typeface="Times New Roman" panose="02020603050405020304" pitchFamily="18" charset="0"/>
-              </a:rPr>
-              <a:t>ECMAScript</a:t>
-            </a:r>
-            <a:r>
-              <a:rPr lang="pt-BR" sz="2400" dirty="0" err="1">
-                <a:solidFill>
-                  <a:schemeClr val="tx1"/>
-                </a:solidFill>
-                <a:latin typeface="Times New Roman" panose="02020603050405020304" pitchFamily="18" charset="0"/>
-                <a:cs typeface="Times New Roman" panose="02020603050405020304" pitchFamily="18" charset="0"/>
-              </a:rPr>
-              <a:t>es</a:t>
-            </a:r>
-            <a:r>
-              <a:rPr lang="pt-BR" sz="2400" dirty="0">
-                <a:solidFill>
-                  <a:schemeClr val="tx1"/>
-                </a:solidFill>
-                <a:latin typeface="Times New Roman" panose="02020603050405020304" pitchFamily="18" charset="0"/>
-                <a:cs typeface="Times New Roman" panose="02020603050405020304" pitchFamily="18" charset="0"/>
-              </a:rPr>
-              <a:t>.</a:t>
+              <a:t>, que visam garantir o suporte entre os diferentes navegadores.</a:t>
             </a:r>
           </a:p>
           <a:p>
@@ -7761,6 +7751,55 @@
               </a:rPr>
               <a:t> também pode enviar e receber dados do servidor de maneira síncrona e assíncrona, processando, validando e exibindo as informações em tempo real.</a:t>
             </a:r>
+          </a:p>
+          <a:p>
+            <a:pPr marL="0" indent="0" algn="just">
+              <a:buNone/>
+            </a:pPr>
+            <a:endParaRPr lang="pt-BR" sz="2400" dirty="0">
+              <a:solidFill>
+                <a:schemeClr val="tx1"/>
+              </a:solidFill>
+              <a:latin typeface="Times New Roman" panose="02020603050405020304" pitchFamily="18" charset="0"/>
+              <a:cs typeface="Times New Roman" panose="02020603050405020304" pitchFamily="18" charset="0"/>
+            </a:endParaRPr>
+          </a:p>
+          <a:p>
+            <a:pPr marL="0" indent="0" algn="just">
+              <a:buNone/>
+            </a:pPr>
+            <a:r>
+              <a:rPr lang="pt-BR" sz="2400" b="1" dirty="0">
+                <a:solidFill>
+                  <a:schemeClr val="tx1"/>
+                </a:solidFill>
+                <a:latin typeface="Times New Roman" panose="02020603050405020304" pitchFamily="18" charset="0"/>
+                <a:cs typeface="Times New Roman" panose="02020603050405020304" pitchFamily="18" charset="0"/>
+              </a:rPr>
+              <a:t>Nome do arquivo</a:t>
+            </a:r>
+            <a:r>
+              <a:rPr lang="pt-BR" sz="2400" dirty="0">
+                <a:solidFill>
+                  <a:schemeClr val="tx1"/>
+                </a:solidFill>
+                <a:latin typeface="Times New Roman" panose="02020603050405020304" pitchFamily="18" charset="0"/>
+                <a:cs typeface="Times New Roman" panose="02020603050405020304" pitchFamily="18" charset="0"/>
+              </a:rPr>
+              <a:t>: arquivo.js</a:t>
+            </a:r>
+          </a:p>
+          <a:p>
+            <a:pPr marL="0" indent="0" algn="just">
+              <a:buNone/>
+            </a:pPr>
+            <a:endParaRPr lang="pt-BR" sz="2400" dirty="0">
+              <a:solidFill>
+                <a:schemeClr val="tx1"/>
+              </a:solidFill>
+              <a:latin typeface="Times New Roman" panose="02020603050405020304" pitchFamily="18" charset="0"/>
+              <a:cs typeface="Times New Roman" panose="02020603050405020304" pitchFamily="18" charset="0"/>
+            </a:endParaRPr>
           </a:p>
         </p:txBody>
       </p:sp>

--- a/01 Classes/Aula 08 Desenvolvimento Web PHP - JS.pptx
+++ b/01 Classes/Aula 08 Desenvolvimento Web PHP - JS.pptx
@@ -7769,6 +7769,53 @@
               <a:buNone/>
             </a:pPr>
             <a:r>
+              <a:rPr lang="pt-BR" sz="2400" dirty="0">
+                <a:solidFill>
+                  <a:schemeClr val="tx1"/>
+                </a:solidFill>
+                <a:latin typeface="Times New Roman" panose="02020603050405020304" pitchFamily="18" charset="0"/>
+                <a:cs typeface="Times New Roman" panose="02020603050405020304" pitchFamily="18" charset="0"/>
+              </a:rPr>
+              <a:t>O Javascript é case </a:t>
+            </a:r>
+            <a:r>
+              <a:rPr lang="pt-BR" sz="2400" dirty="0" err="1">
+                <a:solidFill>
+                  <a:schemeClr val="tx1"/>
+                </a:solidFill>
+                <a:latin typeface="Times New Roman" panose="02020603050405020304" pitchFamily="18" charset="0"/>
+                <a:cs typeface="Times New Roman" panose="02020603050405020304" pitchFamily="18" charset="0"/>
+              </a:rPr>
+              <a:t>sensitive</a:t>
+            </a:r>
+            <a:r>
+              <a:rPr lang="pt-BR" sz="2400" dirty="0">
+                <a:solidFill>
+                  <a:schemeClr val="tx1"/>
+                </a:solidFill>
+                <a:latin typeface="Times New Roman" panose="02020603050405020304" pitchFamily="18" charset="0"/>
+                <a:cs typeface="Times New Roman" panose="02020603050405020304" pitchFamily="18" charset="0"/>
+              </a:rPr>
+              <a:t>.</a:t>
+            </a:r>
+          </a:p>
+          <a:p>
+            <a:pPr marL="0" indent="0" algn="just">
+              <a:buNone/>
+            </a:pPr>
+            <a:endParaRPr lang="pt-BR" sz="2400" dirty="0">
+              <a:solidFill>
+                <a:schemeClr val="tx1"/>
+              </a:solidFill>
+              <a:latin typeface="Times New Roman" panose="02020603050405020304" pitchFamily="18" charset="0"/>
+              <a:cs typeface="Times New Roman" panose="02020603050405020304" pitchFamily="18" charset="0"/>
+            </a:endParaRPr>
+          </a:p>
+          <a:p>
+            <a:pPr marL="0" indent="0" algn="just">
+              <a:buNone/>
+            </a:pPr>
+            <a:r>
               <a:rPr lang="pt-BR" sz="2400" b="1" dirty="0">
                 <a:solidFill>
                   <a:schemeClr val="tx1"/>

--- a/01 Classes/Aula 08 Desenvolvimento Web PHP - JS.pptx
+++ b/01 Classes/Aula 08 Desenvolvimento Web PHP - JS.pptx
@@ -5,26 +5,30 @@
     <p:sldMasterId id="2147483648" r:id="rId1"/>
   </p:sldMasterIdLst>
   <p:notesMasterIdLst>
-    <p:notesMasterId r:id="rId19"/>
+    <p:notesMasterId r:id="rId23"/>
   </p:notesMasterIdLst>
   <p:sldIdLst>
     <p:sldId id="256" r:id="rId2"/>
     <p:sldId id="291" r:id="rId3"/>
     <p:sldId id="393" r:id="rId4"/>
     <p:sldId id="402" r:id="rId5"/>
-    <p:sldId id="395" r:id="rId6"/>
-    <p:sldId id="394" r:id="rId7"/>
-    <p:sldId id="396" r:id="rId8"/>
-    <p:sldId id="398" r:id="rId9"/>
-    <p:sldId id="397" r:id="rId10"/>
-    <p:sldId id="401" r:id="rId11"/>
-    <p:sldId id="399" r:id="rId12"/>
-    <p:sldId id="400" r:id="rId13"/>
-    <p:sldId id="333" r:id="rId14"/>
-    <p:sldId id="323" r:id="rId15"/>
-    <p:sldId id="334" r:id="rId16"/>
-    <p:sldId id="337" r:id="rId17"/>
-    <p:sldId id="309" r:id="rId18"/>
+    <p:sldId id="405" r:id="rId6"/>
+    <p:sldId id="406" r:id="rId7"/>
+    <p:sldId id="403" r:id="rId8"/>
+    <p:sldId id="404" r:id="rId9"/>
+    <p:sldId id="395" r:id="rId10"/>
+    <p:sldId id="394" r:id="rId11"/>
+    <p:sldId id="396" r:id="rId12"/>
+    <p:sldId id="398" r:id="rId13"/>
+    <p:sldId id="397" r:id="rId14"/>
+    <p:sldId id="401" r:id="rId15"/>
+    <p:sldId id="399" r:id="rId16"/>
+    <p:sldId id="400" r:id="rId17"/>
+    <p:sldId id="333" r:id="rId18"/>
+    <p:sldId id="323" r:id="rId19"/>
+    <p:sldId id="334" r:id="rId20"/>
+    <p:sldId id="337" r:id="rId21"/>
+    <p:sldId id="309" r:id="rId22"/>
   </p:sldIdLst>
   <p:sldSz cx="9144000" cy="5143500" type="screen16x9"/>
   <p:notesSz cx="6858000" cy="9144000"/>
@@ -632,7 +636,7 @@
     </p:spTree>
     <p:extLst>
       <p:ext uri="{BB962C8B-B14F-4D97-AF65-F5344CB8AC3E}">
-        <p14:creationId xmlns:p14="http://schemas.microsoft.com/office/powerpoint/2010/main" val="480528951"/>
+        <p14:creationId xmlns:p14="http://schemas.microsoft.com/office/powerpoint/2010/main" val="1477022798"/>
       </p:ext>
     </p:extLst>
   </p:cSld>
@@ -698,7 +702,7 @@
     </p:spTree>
     <p:extLst>
       <p:ext uri="{BB962C8B-B14F-4D97-AF65-F5344CB8AC3E}">
-        <p14:creationId xmlns:p14="http://schemas.microsoft.com/office/powerpoint/2010/main" val="585304384"/>
+        <p14:creationId xmlns:p14="http://schemas.microsoft.com/office/powerpoint/2010/main" val="3135278533"/>
       </p:ext>
     </p:extLst>
   </p:cSld>
@@ -764,7 +768,7 @@
     </p:spTree>
     <p:extLst>
       <p:ext uri="{BB962C8B-B14F-4D97-AF65-F5344CB8AC3E}">
-        <p14:creationId xmlns:p14="http://schemas.microsoft.com/office/powerpoint/2010/main" val="2709569597"/>
+        <p14:creationId xmlns:p14="http://schemas.microsoft.com/office/powerpoint/2010/main" val="3604707891"/>
       </p:ext>
     </p:extLst>
   </p:cSld>
@@ -830,6 +834,270 @@
     </p:spTree>
     <p:extLst>
       <p:ext uri="{BB962C8B-B14F-4D97-AF65-F5344CB8AC3E}">
+        <p14:creationId xmlns:p14="http://schemas.microsoft.com/office/powerpoint/2010/main" val="688134159"/>
+      </p:ext>
+    </p:extLst>
+  </p:cSld>
+  <p:clrMapOvr>
+    <a:masterClrMapping/>
+  </p:clrMapOvr>
+</p:notes>
+</file>
+
+<file path=ppt/notesSlides/notesSlide14.xml><?xml version="1.0" encoding="utf-8"?>
+<p:notes xmlns:a="http://schemas.openxmlformats.org/drawingml/2006/main" xmlns:r="http://schemas.openxmlformats.org/officeDocument/2006/relationships" xmlns:p="http://schemas.openxmlformats.org/presentationml/2006/main">
+  <p:cSld>
+    <p:spTree>
+      <p:nvGrpSpPr>
+        <p:cNvPr id="1" name=""/>
+        <p:cNvGrpSpPr/>
+        <p:nvPr/>
+      </p:nvGrpSpPr>
+      <p:grpSpPr>
+        <a:xfrm>
+          <a:off x="0" y="0"/>
+          <a:ext cx="0" cy="0"/>
+          <a:chOff x="0" y="0"/>
+          <a:chExt cx="0" cy="0"/>
+        </a:xfrm>
+      </p:grpSpPr>
+      <p:sp>
+        <p:nvSpPr>
+          <p:cNvPr id="2" name="Espaço Reservado para Imagem de Slide 1"/>
+          <p:cNvSpPr>
+            <a:spLocks noGrp="1" noRot="1" noChangeAspect="1"/>
+          </p:cNvSpPr>
+          <p:nvPr>
+            <p:ph type="sldImg"/>
+          </p:nvPr>
+        </p:nvSpPr>
+        <p:spPr>
+          <a:xfrm>
+            <a:off x="381000" y="685800"/>
+            <a:ext cx="6096000" cy="3429000"/>
+          </a:xfrm>
+        </p:spPr>
+      </p:sp>
+      <p:sp>
+        <p:nvSpPr>
+          <p:cNvPr id="3" name="Espaço Reservado para Anotações 2"/>
+          <p:cNvSpPr>
+            <a:spLocks noGrp="1"/>
+          </p:cNvSpPr>
+          <p:nvPr>
+            <p:ph type="body" idx="1"/>
+          </p:nvPr>
+        </p:nvSpPr>
+        <p:spPr/>
+        <p:txBody>
+          <a:bodyPr/>
+          <a:lstStyle/>
+          <a:p>
+            <a:endParaRPr lang="pt-BR" dirty="0"/>
+          </a:p>
+        </p:txBody>
+      </p:sp>
+    </p:spTree>
+    <p:extLst>
+      <p:ext uri="{BB962C8B-B14F-4D97-AF65-F5344CB8AC3E}">
+        <p14:creationId xmlns:p14="http://schemas.microsoft.com/office/powerpoint/2010/main" val="480528951"/>
+      </p:ext>
+    </p:extLst>
+  </p:cSld>
+  <p:clrMapOvr>
+    <a:masterClrMapping/>
+  </p:clrMapOvr>
+</p:notes>
+</file>
+
+<file path=ppt/notesSlides/notesSlide15.xml><?xml version="1.0" encoding="utf-8"?>
+<p:notes xmlns:a="http://schemas.openxmlformats.org/drawingml/2006/main" xmlns:r="http://schemas.openxmlformats.org/officeDocument/2006/relationships" xmlns:p="http://schemas.openxmlformats.org/presentationml/2006/main">
+  <p:cSld>
+    <p:spTree>
+      <p:nvGrpSpPr>
+        <p:cNvPr id="1" name=""/>
+        <p:cNvGrpSpPr/>
+        <p:nvPr/>
+      </p:nvGrpSpPr>
+      <p:grpSpPr>
+        <a:xfrm>
+          <a:off x="0" y="0"/>
+          <a:ext cx="0" cy="0"/>
+          <a:chOff x="0" y="0"/>
+          <a:chExt cx="0" cy="0"/>
+        </a:xfrm>
+      </p:grpSpPr>
+      <p:sp>
+        <p:nvSpPr>
+          <p:cNvPr id="2" name="Espaço Reservado para Imagem de Slide 1"/>
+          <p:cNvSpPr>
+            <a:spLocks noGrp="1" noRot="1" noChangeAspect="1"/>
+          </p:cNvSpPr>
+          <p:nvPr>
+            <p:ph type="sldImg"/>
+          </p:nvPr>
+        </p:nvSpPr>
+        <p:spPr>
+          <a:xfrm>
+            <a:off x="381000" y="685800"/>
+            <a:ext cx="6096000" cy="3429000"/>
+          </a:xfrm>
+        </p:spPr>
+      </p:sp>
+      <p:sp>
+        <p:nvSpPr>
+          <p:cNvPr id="3" name="Espaço Reservado para Anotações 2"/>
+          <p:cNvSpPr>
+            <a:spLocks noGrp="1"/>
+          </p:cNvSpPr>
+          <p:nvPr>
+            <p:ph type="body" idx="1"/>
+          </p:nvPr>
+        </p:nvSpPr>
+        <p:spPr/>
+        <p:txBody>
+          <a:bodyPr/>
+          <a:lstStyle/>
+          <a:p>
+            <a:endParaRPr lang="pt-BR" dirty="0"/>
+          </a:p>
+        </p:txBody>
+      </p:sp>
+    </p:spTree>
+    <p:extLst>
+      <p:ext uri="{BB962C8B-B14F-4D97-AF65-F5344CB8AC3E}">
+        <p14:creationId xmlns:p14="http://schemas.microsoft.com/office/powerpoint/2010/main" val="585304384"/>
+      </p:ext>
+    </p:extLst>
+  </p:cSld>
+  <p:clrMapOvr>
+    <a:masterClrMapping/>
+  </p:clrMapOvr>
+</p:notes>
+</file>
+
+<file path=ppt/notesSlides/notesSlide16.xml><?xml version="1.0" encoding="utf-8"?>
+<p:notes xmlns:a="http://schemas.openxmlformats.org/drawingml/2006/main" xmlns:r="http://schemas.openxmlformats.org/officeDocument/2006/relationships" xmlns:p="http://schemas.openxmlformats.org/presentationml/2006/main">
+  <p:cSld>
+    <p:spTree>
+      <p:nvGrpSpPr>
+        <p:cNvPr id="1" name=""/>
+        <p:cNvGrpSpPr/>
+        <p:nvPr/>
+      </p:nvGrpSpPr>
+      <p:grpSpPr>
+        <a:xfrm>
+          <a:off x="0" y="0"/>
+          <a:ext cx="0" cy="0"/>
+          <a:chOff x="0" y="0"/>
+          <a:chExt cx="0" cy="0"/>
+        </a:xfrm>
+      </p:grpSpPr>
+      <p:sp>
+        <p:nvSpPr>
+          <p:cNvPr id="2" name="Espaço Reservado para Imagem de Slide 1"/>
+          <p:cNvSpPr>
+            <a:spLocks noGrp="1" noRot="1" noChangeAspect="1"/>
+          </p:cNvSpPr>
+          <p:nvPr>
+            <p:ph type="sldImg"/>
+          </p:nvPr>
+        </p:nvSpPr>
+        <p:spPr>
+          <a:xfrm>
+            <a:off x="381000" y="685800"/>
+            <a:ext cx="6096000" cy="3429000"/>
+          </a:xfrm>
+        </p:spPr>
+      </p:sp>
+      <p:sp>
+        <p:nvSpPr>
+          <p:cNvPr id="3" name="Espaço Reservado para Anotações 2"/>
+          <p:cNvSpPr>
+            <a:spLocks noGrp="1"/>
+          </p:cNvSpPr>
+          <p:nvPr>
+            <p:ph type="body" idx="1"/>
+          </p:nvPr>
+        </p:nvSpPr>
+        <p:spPr/>
+        <p:txBody>
+          <a:bodyPr/>
+          <a:lstStyle/>
+          <a:p>
+            <a:endParaRPr lang="pt-BR" dirty="0"/>
+          </a:p>
+        </p:txBody>
+      </p:sp>
+    </p:spTree>
+    <p:extLst>
+      <p:ext uri="{BB962C8B-B14F-4D97-AF65-F5344CB8AC3E}">
+        <p14:creationId xmlns:p14="http://schemas.microsoft.com/office/powerpoint/2010/main" val="2709569597"/>
+      </p:ext>
+    </p:extLst>
+  </p:cSld>
+  <p:clrMapOvr>
+    <a:masterClrMapping/>
+  </p:clrMapOvr>
+</p:notes>
+</file>
+
+<file path=ppt/notesSlides/notesSlide17.xml><?xml version="1.0" encoding="utf-8"?>
+<p:notes xmlns:a="http://schemas.openxmlformats.org/drawingml/2006/main" xmlns:r="http://schemas.openxmlformats.org/officeDocument/2006/relationships" xmlns:p="http://schemas.openxmlformats.org/presentationml/2006/main">
+  <p:cSld>
+    <p:spTree>
+      <p:nvGrpSpPr>
+        <p:cNvPr id="1" name=""/>
+        <p:cNvGrpSpPr/>
+        <p:nvPr/>
+      </p:nvGrpSpPr>
+      <p:grpSpPr>
+        <a:xfrm>
+          <a:off x="0" y="0"/>
+          <a:ext cx="0" cy="0"/>
+          <a:chOff x="0" y="0"/>
+          <a:chExt cx="0" cy="0"/>
+        </a:xfrm>
+      </p:grpSpPr>
+      <p:sp>
+        <p:nvSpPr>
+          <p:cNvPr id="2" name="Espaço Reservado para Imagem de Slide 1"/>
+          <p:cNvSpPr>
+            <a:spLocks noGrp="1" noRot="1" noChangeAspect="1"/>
+          </p:cNvSpPr>
+          <p:nvPr>
+            <p:ph type="sldImg"/>
+          </p:nvPr>
+        </p:nvSpPr>
+        <p:spPr>
+          <a:xfrm>
+            <a:off x="381000" y="685800"/>
+            <a:ext cx="6096000" cy="3429000"/>
+          </a:xfrm>
+        </p:spPr>
+      </p:sp>
+      <p:sp>
+        <p:nvSpPr>
+          <p:cNvPr id="3" name="Espaço Reservado para Anotações 2"/>
+          <p:cNvSpPr>
+            <a:spLocks noGrp="1"/>
+          </p:cNvSpPr>
+          <p:nvPr>
+            <p:ph type="body" idx="1"/>
+          </p:nvPr>
+        </p:nvSpPr>
+        <p:spPr/>
+        <p:txBody>
+          <a:bodyPr/>
+          <a:lstStyle/>
+          <a:p>
+            <a:endParaRPr lang="pt-BR" dirty="0"/>
+          </a:p>
+        </p:txBody>
+      </p:sp>
+    </p:spTree>
+    <p:extLst>
+      <p:ext uri="{BB962C8B-B14F-4D97-AF65-F5344CB8AC3E}">
         <p14:creationId xmlns:p14="http://schemas.microsoft.com/office/powerpoint/2010/main" val="2296249050"/>
       </p:ext>
     </p:extLst>
@@ -840,7 +1108,7 @@
 </p:notes>
 </file>
 
-<file path=ppt/notesSlides/notesSlide14.xml><?xml version="1.0" encoding="utf-8"?>
+<file path=ppt/notesSlides/notesSlide18.xml><?xml version="1.0" encoding="utf-8"?>
 <p:notes xmlns:a="http://schemas.openxmlformats.org/drawingml/2006/main" xmlns:r="http://schemas.openxmlformats.org/officeDocument/2006/relationships" xmlns:p="http://schemas.openxmlformats.org/presentationml/2006/main">
   <p:cSld>
     <p:spTree>
@@ -1028,7 +1296,7 @@
     </p:spTree>
     <p:extLst>
       <p:ext uri="{BB962C8B-B14F-4D97-AF65-F5344CB8AC3E}">
-        <p14:creationId xmlns:p14="http://schemas.microsoft.com/office/powerpoint/2010/main" val="699752377"/>
+        <p14:creationId xmlns:p14="http://schemas.microsoft.com/office/powerpoint/2010/main" val="3856283829"/>
       </p:ext>
     </p:extLst>
   </p:cSld>
@@ -1094,7 +1362,7 @@
     </p:spTree>
     <p:extLst>
       <p:ext uri="{BB962C8B-B14F-4D97-AF65-F5344CB8AC3E}">
-        <p14:creationId xmlns:p14="http://schemas.microsoft.com/office/powerpoint/2010/main" val="3505445807"/>
+        <p14:creationId xmlns:p14="http://schemas.microsoft.com/office/powerpoint/2010/main" val="2821272172"/>
       </p:ext>
     </p:extLst>
   </p:cSld>
@@ -1160,7 +1428,7 @@
     </p:spTree>
     <p:extLst>
       <p:ext uri="{BB962C8B-B14F-4D97-AF65-F5344CB8AC3E}">
-        <p14:creationId xmlns:p14="http://schemas.microsoft.com/office/powerpoint/2010/main" val="12106691"/>
+        <p14:creationId xmlns:p14="http://schemas.microsoft.com/office/powerpoint/2010/main" val="2740106699"/>
       </p:ext>
     </p:extLst>
   </p:cSld>
@@ -1226,7 +1494,7 @@
     </p:spTree>
     <p:extLst>
       <p:ext uri="{BB962C8B-B14F-4D97-AF65-F5344CB8AC3E}">
-        <p14:creationId xmlns:p14="http://schemas.microsoft.com/office/powerpoint/2010/main" val="1477022798"/>
+        <p14:creationId xmlns:p14="http://schemas.microsoft.com/office/powerpoint/2010/main" val="3914841246"/>
       </p:ext>
     </p:extLst>
   </p:cSld>
@@ -1292,7 +1560,7 @@
     </p:spTree>
     <p:extLst>
       <p:ext uri="{BB962C8B-B14F-4D97-AF65-F5344CB8AC3E}">
-        <p14:creationId xmlns:p14="http://schemas.microsoft.com/office/powerpoint/2010/main" val="3135278533"/>
+        <p14:creationId xmlns:p14="http://schemas.microsoft.com/office/powerpoint/2010/main" val="699752377"/>
       </p:ext>
     </p:extLst>
   </p:cSld>
@@ -1358,7 +1626,7 @@
     </p:spTree>
     <p:extLst>
       <p:ext uri="{BB962C8B-B14F-4D97-AF65-F5344CB8AC3E}">
-        <p14:creationId xmlns:p14="http://schemas.microsoft.com/office/powerpoint/2010/main" val="3604707891"/>
+        <p14:creationId xmlns:p14="http://schemas.microsoft.com/office/powerpoint/2010/main" val="3505445807"/>
       </p:ext>
     </p:extLst>
   </p:cSld>
@@ -1424,7 +1692,7 @@
     </p:spTree>
     <p:extLst>
       <p:ext uri="{BB962C8B-B14F-4D97-AF65-F5344CB8AC3E}">
-        <p14:creationId xmlns:p14="http://schemas.microsoft.com/office/powerpoint/2010/main" val="688134159"/>
+        <p14:creationId xmlns:p14="http://schemas.microsoft.com/office/powerpoint/2010/main" val="12106691"/>
       </p:ext>
     </p:extLst>
   </p:cSld>
@@ -4291,16 +4559,6 @@
               <a:buNone/>
             </a:pPr>
             <a:r>
-              <a:rPr lang="pt-BR" sz="2400" b="1" dirty="0">
-                <a:solidFill>
-                  <a:schemeClr val="tx1"/>
-                </a:solidFill>
-                <a:latin typeface="Times New Roman" panose="02020603050405020304" pitchFamily="18" charset="0"/>
-                <a:cs typeface="Times New Roman" panose="02020603050405020304" pitchFamily="18" charset="0"/>
-              </a:rPr>
-              <a:t>Outros Exemplos</a:t>
-            </a:r>
-            <a:r>
               <a:rPr lang="pt-BR" sz="2400" dirty="0">
                 <a:solidFill>
                   <a:schemeClr val="tx1"/>
@@ -4308,316 +4566,27 @@
                 <a:latin typeface="Times New Roman" panose="02020603050405020304" pitchFamily="18" charset="0"/>
                 <a:cs typeface="Times New Roman" panose="02020603050405020304" pitchFamily="18" charset="0"/>
               </a:rPr>
-              <a:t>:</a:t>
-            </a:r>
-          </a:p>
-          <a:p>
-            <a:pPr marL="0" indent="0" algn="just">
-              <a:buNone/>
-            </a:pPr>
-            <a:r>
-              <a:rPr lang="pt-BR" sz="2000" dirty="0">
-                <a:solidFill>
-                  <a:schemeClr val="tx1"/>
-                </a:solidFill>
-                <a:latin typeface="Times New Roman" panose="02020603050405020304" pitchFamily="18" charset="0"/>
-                <a:cs typeface="Times New Roman" panose="02020603050405020304" pitchFamily="18" charset="0"/>
-              </a:rPr>
-              <a:t> &lt;script&gt;</a:t>
-            </a:r>
-          </a:p>
-          <a:p>
-            <a:pPr marL="0" indent="0" algn="just">
-              <a:buNone/>
-            </a:pPr>
-            <a:r>
-              <a:rPr lang="pt-BR" sz="2000" dirty="0">
-                <a:solidFill>
-                  <a:schemeClr val="tx1"/>
-                </a:solidFill>
-                <a:latin typeface="Times New Roman" panose="02020603050405020304" pitchFamily="18" charset="0"/>
-                <a:cs typeface="Times New Roman" panose="02020603050405020304" pitchFamily="18" charset="0"/>
-              </a:rPr>
-              <a:t>      </a:t>
-            </a:r>
-            <a:r>
-              <a:rPr lang="pt-BR" sz="2000" dirty="0" err="1">
-                <a:solidFill>
-                  <a:schemeClr val="tx1"/>
-                </a:solidFill>
-                <a:latin typeface="Times New Roman" panose="02020603050405020304" pitchFamily="18" charset="0"/>
-                <a:cs typeface="Times New Roman" panose="02020603050405020304" pitchFamily="18" charset="0"/>
-              </a:rPr>
-              <a:t>alert</a:t>
-            </a:r>
-            <a:r>
-              <a:rPr lang="pt-BR" sz="2000" dirty="0">
-                <a:solidFill>
-                  <a:schemeClr val="tx1"/>
-                </a:solidFill>
-                <a:latin typeface="Times New Roman" panose="02020603050405020304" pitchFamily="18" charset="0"/>
-                <a:cs typeface="Times New Roman" panose="02020603050405020304" pitchFamily="18" charset="0"/>
-              </a:rPr>
-              <a:t>(‘Olá, mundo!!!’)</a:t>
-            </a:r>
-          </a:p>
-          <a:p>
-            <a:pPr marL="0" indent="0" algn="just">
-              <a:buNone/>
-            </a:pPr>
-            <a:r>
-              <a:rPr lang="pt-BR" sz="2000" dirty="0">
-                <a:solidFill>
-                  <a:schemeClr val="tx1"/>
-                </a:solidFill>
-                <a:latin typeface="Times New Roman" panose="02020603050405020304" pitchFamily="18" charset="0"/>
-                <a:cs typeface="Times New Roman" panose="02020603050405020304" pitchFamily="18" charset="0"/>
-              </a:rPr>
-              <a:t>&lt;/script&gt;</a:t>
-            </a:r>
-          </a:p>
-          <a:p>
-            <a:pPr marL="0" indent="0" algn="just">
-              <a:buNone/>
-            </a:pPr>
-            <a:endParaRPr lang="pt-BR" sz="2000" dirty="0">
-              <a:solidFill>
-                <a:schemeClr val="tx1"/>
-              </a:solidFill>
-              <a:latin typeface="Times New Roman" panose="02020603050405020304" pitchFamily="18" charset="0"/>
-              <a:cs typeface="Times New Roman" panose="02020603050405020304" pitchFamily="18" charset="0"/>
-            </a:endParaRPr>
-          </a:p>
-          <a:p>
-            <a:pPr marL="0" indent="0" algn="just">
-              <a:buNone/>
-            </a:pPr>
-            <a:r>
-              <a:rPr lang="pt-BR" sz="2000" dirty="0">
-                <a:solidFill>
-                  <a:schemeClr val="tx1"/>
-                </a:solidFill>
-                <a:latin typeface="Times New Roman" panose="02020603050405020304" pitchFamily="18" charset="0"/>
-                <a:cs typeface="Times New Roman" panose="02020603050405020304" pitchFamily="18" charset="0"/>
-              </a:rPr>
-              <a:t> &lt;script&gt;</a:t>
-            </a:r>
-          </a:p>
-          <a:p>
-            <a:pPr marL="0" indent="0" algn="just">
-              <a:buNone/>
-            </a:pPr>
-            <a:r>
-              <a:rPr lang="pt-BR" sz="2000" dirty="0">
-                <a:solidFill>
-                  <a:schemeClr val="tx1"/>
-                </a:solidFill>
-                <a:latin typeface="Times New Roman" panose="02020603050405020304" pitchFamily="18" charset="0"/>
-                <a:cs typeface="Times New Roman" panose="02020603050405020304" pitchFamily="18" charset="0"/>
-              </a:rPr>
-              <a:t> 	</a:t>
-            </a:r>
-            <a:r>
-              <a:rPr lang="pt-BR" sz="2000" dirty="0" err="1">
-                <a:solidFill>
-                  <a:schemeClr val="tx1"/>
-                </a:solidFill>
-                <a:latin typeface="Times New Roman" panose="02020603050405020304" pitchFamily="18" charset="0"/>
-                <a:cs typeface="Times New Roman" panose="02020603050405020304" pitchFamily="18" charset="0"/>
-              </a:rPr>
-              <a:t>document.body.style.backgroud</a:t>
-            </a:r>
-            <a:r>
-              <a:rPr lang="pt-BR" sz="2000" dirty="0">
-                <a:solidFill>
-                  <a:schemeClr val="tx1"/>
-                </a:solidFill>
-                <a:latin typeface="Times New Roman" panose="02020603050405020304" pitchFamily="18" charset="0"/>
-                <a:cs typeface="Times New Roman" panose="02020603050405020304" pitchFamily="18" charset="0"/>
-              </a:rPr>
-              <a:t>= ‘blue’</a:t>
-            </a:r>
-          </a:p>
-          <a:p>
-            <a:pPr marL="0" indent="0" algn="just">
-              <a:buNone/>
-            </a:pPr>
-            <a:r>
-              <a:rPr lang="pt-BR" sz="2000" dirty="0">
-                <a:solidFill>
-                  <a:schemeClr val="tx1"/>
-                </a:solidFill>
-                <a:latin typeface="Times New Roman" panose="02020603050405020304" pitchFamily="18" charset="0"/>
-                <a:cs typeface="Times New Roman" panose="02020603050405020304" pitchFamily="18" charset="0"/>
-              </a:rPr>
-              <a:t> 	</a:t>
-            </a:r>
-            <a:r>
-              <a:rPr lang="pt-BR" sz="2000" dirty="0" err="1">
-                <a:solidFill>
-                  <a:schemeClr val="tx1"/>
-                </a:solidFill>
-                <a:latin typeface="Times New Roman" panose="02020603050405020304" pitchFamily="18" charset="0"/>
-                <a:cs typeface="Times New Roman" panose="02020603050405020304" pitchFamily="18" charset="0"/>
-              </a:rPr>
-              <a:t>document.querySelector</a:t>
-            </a:r>
-            <a:r>
-              <a:rPr lang="pt-BR" sz="2000" dirty="0">
-                <a:solidFill>
-                  <a:schemeClr val="tx1"/>
-                </a:solidFill>
-                <a:latin typeface="Times New Roman" panose="02020603050405020304" pitchFamily="18" charset="0"/>
-                <a:cs typeface="Times New Roman" panose="02020603050405020304" pitchFamily="18" charset="0"/>
-              </a:rPr>
-              <a:t>(‘</a:t>
-            </a:r>
-            <a:r>
-              <a:rPr lang="pt-BR" sz="2000" dirty="0" err="1">
-                <a:solidFill>
-                  <a:schemeClr val="tx1"/>
-                </a:solidFill>
-                <a:latin typeface="Times New Roman" panose="02020603050405020304" pitchFamily="18" charset="0"/>
-                <a:cs typeface="Times New Roman" panose="02020603050405020304" pitchFamily="18" charset="0"/>
-              </a:rPr>
-              <a:t>img#idImagem</a:t>
-            </a:r>
-            <a:r>
-              <a:rPr lang="pt-BR" sz="2000" dirty="0">
-                <a:solidFill>
-                  <a:schemeClr val="tx1"/>
-                </a:solidFill>
-                <a:latin typeface="Times New Roman" panose="02020603050405020304" pitchFamily="18" charset="0"/>
-                <a:cs typeface="Times New Roman" panose="02020603050405020304" pitchFamily="18" charset="0"/>
-              </a:rPr>
-              <a:t>’).</a:t>
-            </a:r>
-            <a:r>
-              <a:rPr lang="pt-BR" sz="2000" dirty="0" err="1">
-                <a:solidFill>
-                  <a:schemeClr val="tx1"/>
-                </a:solidFill>
-                <a:latin typeface="Times New Roman" panose="02020603050405020304" pitchFamily="18" charset="0"/>
-                <a:cs typeface="Times New Roman" panose="02020603050405020304" pitchFamily="18" charset="0"/>
-              </a:rPr>
-              <a:t>style.visibility</a:t>
-            </a:r>
-            <a:r>
-              <a:rPr lang="pt-BR" sz="2000" dirty="0">
-                <a:solidFill>
-                  <a:schemeClr val="tx1"/>
-                </a:solidFill>
-                <a:latin typeface="Times New Roman" panose="02020603050405020304" pitchFamily="18" charset="0"/>
-                <a:cs typeface="Times New Roman" panose="02020603050405020304" pitchFamily="18" charset="0"/>
-              </a:rPr>
-              <a:t> = ‘</a:t>
-            </a:r>
-            <a:r>
-              <a:rPr lang="pt-BR" sz="2000" dirty="0" err="1">
-                <a:solidFill>
-                  <a:schemeClr val="tx1"/>
-                </a:solidFill>
-                <a:latin typeface="Times New Roman" panose="02020603050405020304" pitchFamily="18" charset="0"/>
-                <a:cs typeface="Times New Roman" panose="02020603050405020304" pitchFamily="18" charset="0"/>
-              </a:rPr>
-              <a:t>hidden</a:t>
-            </a:r>
-            <a:r>
-              <a:rPr lang="pt-BR" sz="2000" dirty="0">
-                <a:solidFill>
-                  <a:schemeClr val="tx1"/>
-                </a:solidFill>
-                <a:latin typeface="Times New Roman" panose="02020603050405020304" pitchFamily="18" charset="0"/>
-                <a:cs typeface="Times New Roman" panose="02020603050405020304" pitchFamily="18" charset="0"/>
-              </a:rPr>
-              <a:t>’</a:t>
-            </a:r>
-          </a:p>
-          <a:p>
-            <a:pPr marL="0" indent="0" algn="just">
-              <a:buNone/>
-            </a:pPr>
-            <a:r>
-              <a:rPr lang="pt-BR" sz="2000" dirty="0">
-                <a:solidFill>
-                  <a:schemeClr val="tx1"/>
-                </a:solidFill>
-                <a:latin typeface="Times New Roman" panose="02020603050405020304" pitchFamily="18" charset="0"/>
-                <a:cs typeface="Times New Roman" panose="02020603050405020304" pitchFamily="18" charset="0"/>
-              </a:rPr>
-              <a:t> 	</a:t>
-            </a:r>
-            <a:r>
-              <a:rPr lang="pt-BR" sz="2000" dirty="0" err="1">
-                <a:solidFill>
-                  <a:schemeClr val="tx1"/>
-                </a:solidFill>
-                <a:latin typeface="Times New Roman" panose="02020603050405020304" pitchFamily="18" charset="0"/>
-                <a:cs typeface="Times New Roman" panose="02020603050405020304" pitchFamily="18" charset="0"/>
-              </a:rPr>
-              <a:t>document.querySelector</a:t>
-            </a:r>
-            <a:r>
-              <a:rPr lang="pt-BR" sz="2000" dirty="0">
-                <a:solidFill>
-                  <a:schemeClr val="tx1"/>
-                </a:solidFill>
-                <a:latin typeface="Times New Roman" panose="02020603050405020304" pitchFamily="18" charset="0"/>
-                <a:cs typeface="Times New Roman" panose="02020603050405020304" pitchFamily="18" charset="0"/>
-              </a:rPr>
-              <a:t>(‘h1.idH1’).</a:t>
-            </a:r>
-            <a:r>
-              <a:rPr lang="pt-BR" sz="2000" dirty="0" err="1">
-                <a:solidFill>
-                  <a:schemeClr val="tx1"/>
-                </a:solidFill>
-                <a:latin typeface="Times New Roman" panose="02020603050405020304" pitchFamily="18" charset="0"/>
-                <a:cs typeface="Times New Roman" panose="02020603050405020304" pitchFamily="18" charset="0"/>
-              </a:rPr>
-              <a:t>innerText</a:t>
-            </a:r>
-            <a:r>
-              <a:rPr lang="pt-BR" sz="2000" dirty="0">
-                <a:solidFill>
-                  <a:schemeClr val="tx1"/>
-                </a:solidFill>
-                <a:latin typeface="Times New Roman" panose="02020603050405020304" pitchFamily="18" charset="0"/>
-                <a:cs typeface="Times New Roman" panose="02020603050405020304" pitchFamily="18" charset="0"/>
-              </a:rPr>
-              <a:t> = </a:t>
-            </a:r>
-            <a:r>
-              <a:rPr lang="pt-BR" sz="2000">
-                <a:solidFill>
-                  <a:schemeClr val="tx1"/>
-                </a:solidFill>
-                <a:latin typeface="Times New Roman" panose="02020603050405020304" pitchFamily="18" charset="0"/>
-                <a:cs typeface="Times New Roman" panose="02020603050405020304" pitchFamily="18" charset="0"/>
-              </a:rPr>
-              <a:t>‘Texto’</a:t>
-            </a:r>
-            <a:endParaRPr lang="pt-BR" sz="2000" dirty="0">
-              <a:solidFill>
-                <a:schemeClr val="tx1"/>
-              </a:solidFill>
-              <a:latin typeface="Times New Roman" panose="02020603050405020304" pitchFamily="18" charset="0"/>
-              <a:cs typeface="Times New Roman" panose="02020603050405020304" pitchFamily="18" charset="0"/>
-            </a:endParaRPr>
-          </a:p>
-          <a:p>
-            <a:pPr marL="0" indent="0" algn="just">
-              <a:buNone/>
-            </a:pPr>
-            <a:r>
-              <a:rPr lang="pt-BR" sz="2000" dirty="0">
-                <a:solidFill>
-                  <a:schemeClr val="tx1"/>
-                </a:solidFill>
-                <a:latin typeface="Times New Roman" panose="02020603050405020304" pitchFamily="18" charset="0"/>
-                <a:cs typeface="Times New Roman" panose="02020603050405020304" pitchFamily="18" charset="0"/>
-              </a:rPr>
-              <a:t>&lt;/script&gt;</a:t>
+              <a:t>O </a:t>
+            </a:r>
+            <a:r>
+              <a:rPr lang="pt-BR" sz="2400" b="1" dirty="0" err="1">
+                <a:solidFill>
+                  <a:srgbClr val="FF0000"/>
+                </a:solidFill>
+                <a:latin typeface="Times New Roman" panose="02020603050405020304" pitchFamily="18" charset="0"/>
+                <a:cs typeface="Times New Roman" panose="02020603050405020304" pitchFamily="18" charset="0"/>
+              </a:rPr>
+              <a:t>JavaScript</a:t>
+            </a:r>
+            <a:r>
+              <a:rPr lang="pt-BR" sz="2400" dirty="0">
+                <a:solidFill>
+                  <a:schemeClr val="tx1"/>
+                </a:solidFill>
+                <a:latin typeface="Times New Roman" panose="02020603050405020304" pitchFamily="18" charset="0"/>
+                <a:cs typeface="Times New Roman" panose="02020603050405020304" pitchFamily="18" charset="0"/>
+              </a:rPr>
+              <a:t> permite controlar os elementos de uma página em tempo real, sem necessariamente ter que receber os dados ou uma resposta do servidor. </a:t>
             </a:r>
           </a:p>
           <a:p>
@@ -4632,12 +4601,27 @@
               <a:cs typeface="Times New Roman" panose="02020603050405020304" pitchFamily="18" charset="0"/>
             </a:endParaRPr>
           </a:p>
+          <a:p>
+            <a:pPr marL="0" indent="0" algn="just">
+              <a:buNone/>
+            </a:pPr>
+            <a:r>
+              <a:rPr lang="pt-BR" sz="2400" dirty="0">
+                <a:solidFill>
+                  <a:schemeClr val="tx1"/>
+                </a:solidFill>
+                <a:latin typeface="Times New Roman" panose="02020603050405020304" pitchFamily="18" charset="0"/>
+                <a:cs typeface="Times New Roman" panose="02020603050405020304" pitchFamily="18" charset="0"/>
+              </a:rPr>
+              <a:t>Por exemplo, é possível atualizar o conteúdo de uma página web sem precisar recarregá-la por completo ao preencher um formulário.</a:t>
+            </a:r>
+          </a:p>
         </p:txBody>
       </p:sp>
     </p:spTree>
     <p:extLst>
       <p:ext uri="{BB962C8B-B14F-4D97-AF65-F5344CB8AC3E}">
-        <p14:creationId xmlns:p14="http://schemas.microsoft.com/office/powerpoint/2010/main" val="2698757165"/>
+        <p14:creationId xmlns:p14="http://schemas.microsoft.com/office/powerpoint/2010/main" val="2915126893"/>
       </p:ext>
     </p:extLst>
   </p:cSld>
@@ -4731,32 +4715,12 @@
                 <a:latin typeface="Times New Roman" panose="02020603050405020304" pitchFamily="18" charset="0"/>
                 <a:cs typeface="Times New Roman" panose="02020603050405020304" pitchFamily="18" charset="0"/>
               </a:rPr>
-              <a:t>Devido a enorme quantidade de bibliotecas, costuma-se nomear como “</a:t>
+              <a:t>Um código </a:t>
             </a:r>
             <a:r>
               <a:rPr lang="pt-BR" sz="2400" b="1" dirty="0" err="1">
                 <a:solidFill>
-                  <a:schemeClr val="tx1"/>
-                </a:solidFill>
-                <a:latin typeface="Times New Roman" panose="02020603050405020304" pitchFamily="18" charset="0"/>
-                <a:cs typeface="Times New Roman" panose="02020603050405020304" pitchFamily="18" charset="0"/>
-              </a:rPr>
-              <a:t>Vanilla</a:t>
-            </a:r>
-            <a:r>
-              <a:rPr lang="pt-BR" sz="2400" b="1" dirty="0">
-                <a:solidFill>
-                  <a:schemeClr val="tx1"/>
-                </a:solidFill>
-                <a:latin typeface="Times New Roman" panose="02020603050405020304" pitchFamily="18" charset="0"/>
-                <a:cs typeface="Times New Roman" panose="02020603050405020304" pitchFamily="18" charset="0"/>
-              </a:rPr>
-              <a:t> </a:t>
-            </a:r>
-            <a:r>
-              <a:rPr lang="pt-BR" sz="2400" b="1" dirty="0" err="1">
-                <a:solidFill>
-                  <a:schemeClr val="tx1"/>
+                  <a:srgbClr val="FF0000"/>
                 </a:solidFill>
                 <a:latin typeface="Times New Roman" panose="02020603050405020304" pitchFamily="18" charset="0"/>
                 <a:cs typeface="Times New Roman" panose="02020603050405020304" pitchFamily="18" charset="0"/>
@@ -4771,57 +4735,7 @@
                 <a:latin typeface="Times New Roman" panose="02020603050405020304" pitchFamily="18" charset="0"/>
                 <a:cs typeface="Times New Roman" panose="02020603050405020304" pitchFamily="18" charset="0"/>
               </a:rPr>
-              <a:t>” ou “</a:t>
-            </a:r>
-            <a:r>
-              <a:rPr lang="pt-BR" sz="2400" b="1" dirty="0" err="1">
-                <a:solidFill>
-                  <a:schemeClr val="tx1"/>
-                </a:solidFill>
-                <a:latin typeface="Times New Roman" panose="02020603050405020304" pitchFamily="18" charset="0"/>
-                <a:cs typeface="Times New Roman" panose="02020603050405020304" pitchFamily="18" charset="0"/>
-              </a:rPr>
-              <a:t>Vanilla</a:t>
-            </a:r>
-            <a:r>
-              <a:rPr lang="pt-BR" sz="2400" b="1" dirty="0">
-                <a:solidFill>
-                  <a:schemeClr val="tx1"/>
-                </a:solidFill>
-                <a:latin typeface="Times New Roman" panose="02020603050405020304" pitchFamily="18" charset="0"/>
-                <a:cs typeface="Times New Roman" panose="02020603050405020304" pitchFamily="18" charset="0"/>
-              </a:rPr>
-              <a:t> JS</a:t>
-            </a:r>
-            <a:r>
-              <a:rPr lang="pt-BR" sz="2400" dirty="0">
-                <a:solidFill>
-                  <a:schemeClr val="tx1"/>
-                </a:solidFill>
-                <a:latin typeface="Times New Roman" panose="02020603050405020304" pitchFamily="18" charset="0"/>
-                <a:cs typeface="Times New Roman" panose="02020603050405020304" pitchFamily="18" charset="0"/>
-              </a:rPr>
-              <a:t>” o código escrito em </a:t>
-            </a:r>
-            <a:r>
-              <a:rPr lang="pt-BR" sz="2400" dirty="0" err="1">
-                <a:solidFill>
-                  <a:schemeClr val="tx1"/>
-                </a:solidFill>
-                <a:latin typeface="Times New Roman" panose="02020603050405020304" pitchFamily="18" charset="0"/>
-                <a:cs typeface="Times New Roman" panose="02020603050405020304" pitchFamily="18" charset="0"/>
-              </a:rPr>
-              <a:t>JavaScript</a:t>
-            </a:r>
-            <a:r>
-              <a:rPr lang="pt-BR" sz="2400" dirty="0">
-                <a:solidFill>
-                  <a:schemeClr val="tx1"/>
-                </a:solidFill>
-                <a:latin typeface="Times New Roman" panose="02020603050405020304" pitchFamily="18" charset="0"/>
-                <a:cs typeface="Times New Roman" panose="02020603050405020304" pitchFamily="18" charset="0"/>
-              </a:rPr>
-              <a:t> puro, sem o auxílio de frameworks. </a:t>
+              <a:t> também pode enviar e receber dados do servidor de maneira síncrona e assíncrona, processando, validando e exibindo as informações em tempo real.</a:t>
             </a:r>
           </a:p>
           <a:p>
@@ -4848,15 +4762,84 @@
                 <a:latin typeface="Times New Roman" panose="02020603050405020304" pitchFamily="18" charset="0"/>
                 <a:cs typeface="Times New Roman" panose="02020603050405020304" pitchFamily="18" charset="0"/>
               </a:rPr>
-              <a:t>Atualmente, a linguagem é fundamental para a web moderna, sem a qual muitos dos sites que conhecemos sequer existiriam.</a:t>
-            </a:r>
+              <a:t>O Javascript é case </a:t>
+            </a:r>
+            <a:r>
+              <a:rPr lang="pt-BR" sz="2400" dirty="0" err="1">
+                <a:solidFill>
+                  <a:schemeClr val="tx1"/>
+                </a:solidFill>
+                <a:latin typeface="Times New Roman" panose="02020603050405020304" pitchFamily="18" charset="0"/>
+                <a:cs typeface="Times New Roman" panose="02020603050405020304" pitchFamily="18" charset="0"/>
+              </a:rPr>
+              <a:t>sensitive</a:t>
+            </a:r>
+            <a:r>
+              <a:rPr lang="pt-BR" sz="2400" dirty="0">
+                <a:solidFill>
+                  <a:schemeClr val="tx1"/>
+                </a:solidFill>
+                <a:latin typeface="Times New Roman" panose="02020603050405020304" pitchFamily="18" charset="0"/>
+                <a:cs typeface="Times New Roman" panose="02020603050405020304" pitchFamily="18" charset="0"/>
+              </a:rPr>
+              <a:t>.</a:t>
+            </a:r>
+          </a:p>
+          <a:p>
+            <a:pPr marL="0" indent="0" algn="just">
+              <a:buNone/>
+            </a:pPr>
+            <a:endParaRPr lang="pt-BR" sz="2400" dirty="0">
+              <a:solidFill>
+                <a:schemeClr val="tx1"/>
+              </a:solidFill>
+              <a:latin typeface="Times New Roman" panose="02020603050405020304" pitchFamily="18" charset="0"/>
+              <a:cs typeface="Times New Roman" panose="02020603050405020304" pitchFamily="18" charset="0"/>
+            </a:endParaRPr>
+          </a:p>
+          <a:p>
+            <a:pPr marL="0" indent="0" algn="just">
+              <a:buNone/>
+            </a:pPr>
+            <a:r>
+              <a:rPr lang="pt-BR" sz="2400" b="1" dirty="0">
+                <a:solidFill>
+                  <a:schemeClr val="tx1"/>
+                </a:solidFill>
+                <a:latin typeface="Times New Roman" panose="02020603050405020304" pitchFamily="18" charset="0"/>
+                <a:cs typeface="Times New Roman" panose="02020603050405020304" pitchFamily="18" charset="0"/>
+              </a:rPr>
+              <a:t>Nome do arquivo</a:t>
+            </a:r>
+            <a:r>
+              <a:rPr lang="pt-BR" sz="2400" dirty="0">
+                <a:solidFill>
+                  <a:schemeClr val="tx1"/>
+                </a:solidFill>
+                <a:latin typeface="Times New Roman" panose="02020603050405020304" pitchFamily="18" charset="0"/>
+                <a:cs typeface="Times New Roman" panose="02020603050405020304" pitchFamily="18" charset="0"/>
+              </a:rPr>
+              <a:t>: arquivo.js</a:t>
+            </a:r>
+          </a:p>
+          <a:p>
+            <a:pPr marL="0" indent="0" algn="just">
+              <a:buNone/>
+            </a:pPr>
+            <a:endParaRPr lang="pt-BR" sz="2400" dirty="0">
+              <a:solidFill>
+                <a:schemeClr val="tx1"/>
+              </a:solidFill>
+              <a:latin typeface="Times New Roman" panose="02020603050405020304" pitchFamily="18" charset="0"/>
+              <a:cs typeface="Times New Roman" panose="02020603050405020304" pitchFamily="18" charset="0"/>
+            </a:endParaRPr>
           </a:p>
         </p:txBody>
       </p:sp>
     </p:spTree>
     <p:extLst>
       <p:ext uri="{BB962C8B-B14F-4D97-AF65-F5344CB8AC3E}">
-        <p14:creationId xmlns:p14="http://schemas.microsoft.com/office/powerpoint/2010/main" val="2564788332"/>
+        <p14:creationId xmlns:p14="http://schemas.microsoft.com/office/powerpoint/2010/main" val="3827469259"/>
       </p:ext>
     </p:extLst>
   </p:cSld>
@@ -4912,7 +4895,7 @@
                   <a:srgbClr val="0070C0"/>
                 </a:solidFill>
               </a:rPr>
-              <a:t>JS - </a:t>
+              <a:t>JS</a:t>
             </a:r>
           </a:p>
         </p:txBody>
@@ -4943,26 +4926,6 @@
               <a:buNone/>
             </a:pPr>
             <a:r>
-              <a:rPr lang="pt-BR" sz="2400" dirty="0">
-                <a:solidFill>
-                  <a:schemeClr val="tx1"/>
-                </a:solidFill>
-                <a:latin typeface="Times New Roman" panose="02020603050405020304" pitchFamily="18" charset="0"/>
-                <a:cs typeface="Times New Roman" panose="02020603050405020304" pitchFamily="18" charset="0"/>
-              </a:rPr>
-              <a:t>Devido a enorme quantidade de bibliotecas, costuma-se nomear como “</a:t>
-            </a:r>
-            <a:r>
-              <a:rPr lang="pt-BR" sz="2400" b="1" dirty="0" err="1">
-                <a:solidFill>
-                  <a:schemeClr val="tx1"/>
-                </a:solidFill>
-                <a:latin typeface="Times New Roman" panose="02020603050405020304" pitchFamily="18" charset="0"/>
-                <a:cs typeface="Times New Roman" panose="02020603050405020304" pitchFamily="18" charset="0"/>
-              </a:rPr>
-              <a:t>Vanilla</a:t>
-            </a:r>
-            <a:r>
               <a:rPr lang="pt-BR" sz="2400" b="1" dirty="0">
                 <a:solidFill>
                   <a:schemeClr val="tx1"/>
@@ -4970,77 +4933,7 @@
                 <a:latin typeface="Times New Roman" panose="02020603050405020304" pitchFamily="18" charset="0"/>
                 <a:cs typeface="Times New Roman" panose="02020603050405020304" pitchFamily="18" charset="0"/>
               </a:rPr>
-              <a:t> </a:t>
-            </a:r>
-            <a:r>
-              <a:rPr lang="pt-BR" sz="2400" b="1" dirty="0" err="1">
-                <a:solidFill>
-                  <a:schemeClr val="tx1"/>
-                </a:solidFill>
-                <a:latin typeface="Times New Roman" panose="02020603050405020304" pitchFamily="18" charset="0"/>
-                <a:cs typeface="Times New Roman" panose="02020603050405020304" pitchFamily="18" charset="0"/>
-              </a:rPr>
-              <a:t>JavaScript</a:t>
-            </a:r>
-            <a:r>
-              <a:rPr lang="pt-BR" sz="2400" dirty="0">
-                <a:solidFill>
-                  <a:schemeClr val="tx1"/>
-                </a:solidFill>
-                <a:latin typeface="Times New Roman" panose="02020603050405020304" pitchFamily="18" charset="0"/>
-                <a:cs typeface="Times New Roman" panose="02020603050405020304" pitchFamily="18" charset="0"/>
-              </a:rPr>
-              <a:t>” ou “</a:t>
-            </a:r>
-            <a:r>
-              <a:rPr lang="pt-BR" sz="2400" b="1" dirty="0" err="1">
-                <a:solidFill>
-                  <a:schemeClr val="tx1"/>
-                </a:solidFill>
-                <a:latin typeface="Times New Roman" panose="02020603050405020304" pitchFamily="18" charset="0"/>
-                <a:cs typeface="Times New Roman" panose="02020603050405020304" pitchFamily="18" charset="0"/>
-              </a:rPr>
-              <a:t>Vanilla</a:t>
-            </a:r>
-            <a:r>
-              <a:rPr lang="pt-BR" sz="2400" b="1" dirty="0">
-                <a:solidFill>
-                  <a:schemeClr val="tx1"/>
-                </a:solidFill>
-                <a:latin typeface="Times New Roman" panose="02020603050405020304" pitchFamily="18" charset="0"/>
-                <a:cs typeface="Times New Roman" panose="02020603050405020304" pitchFamily="18" charset="0"/>
-              </a:rPr>
-              <a:t> JS</a:t>
-            </a:r>
-            <a:r>
-              <a:rPr lang="pt-BR" sz="2400" dirty="0">
-                <a:solidFill>
-                  <a:schemeClr val="tx1"/>
-                </a:solidFill>
-                <a:latin typeface="Times New Roman" panose="02020603050405020304" pitchFamily="18" charset="0"/>
-                <a:cs typeface="Times New Roman" panose="02020603050405020304" pitchFamily="18" charset="0"/>
-              </a:rPr>
-              <a:t>” o código escrito em </a:t>
-            </a:r>
-            <a:r>
-              <a:rPr lang="pt-BR" sz="2400" dirty="0" err="1">
-                <a:solidFill>
-                  <a:schemeClr val="tx1"/>
-                </a:solidFill>
-                <a:latin typeface="Times New Roman" panose="02020603050405020304" pitchFamily="18" charset="0"/>
-                <a:cs typeface="Times New Roman" panose="02020603050405020304" pitchFamily="18" charset="0"/>
-              </a:rPr>
-              <a:t>JavaScript</a:t>
-            </a:r>
-            <a:r>
-              <a:rPr lang="pt-BR" sz="2400" dirty="0">
-                <a:solidFill>
-                  <a:schemeClr val="tx1"/>
-                </a:solidFill>
-                <a:latin typeface="Times New Roman" panose="02020603050405020304" pitchFamily="18" charset="0"/>
-                <a:cs typeface="Times New Roman" panose="02020603050405020304" pitchFamily="18" charset="0"/>
-              </a:rPr>
-              <a:t> puro, sem o auxílio de frameworks. </a:t>
+              <a:t>Principais frameworks</a:t>
             </a:r>
           </a:p>
           <a:p>
@@ -5067,15 +4960,247 @@
                 <a:latin typeface="Times New Roman" panose="02020603050405020304" pitchFamily="18" charset="0"/>
                 <a:cs typeface="Times New Roman" panose="02020603050405020304" pitchFamily="18" charset="0"/>
               </a:rPr>
-              <a:t>Atualmente, a linguagem é fundamental para a web moderna, sem a qual muitos dos sites que conhecemos sequer existiriam.</a:t>
-            </a:r>
+              <a:t>Com a ampla adoção do </a:t>
+            </a:r>
+            <a:r>
+              <a:rPr lang="pt-BR" sz="2400" b="1" dirty="0" err="1">
+                <a:solidFill>
+                  <a:schemeClr val="tx1"/>
+                </a:solidFill>
+                <a:latin typeface="Times New Roman" panose="02020603050405020304" pitchFamily="18" charset="0"/>
+                <a:cs typeface="Times New Roman" panose="02020603050405020304" pitchFamily="18" charset="0"/>
+              </a:rPr>
+              <a:t>ECMAScript</a:t>
+            </a:r>
+            <a:r>
+              <a:rPr lang="pt-BR" sz="2400" dirty="0">
+                <a:solidFill>
+                  <a:schemeClr val="tx1"/>
+                </a:solidFill>
+                <a:latin typeface="Times New Roman" panose="02020603050405020304" pitchFamily="18" charset="0"/>
+                <a:cs typeface="Times New Roman" panose="02020603050405020304" pitchFamily="18" charset="0"/>
+              </a:rPr>
+              <a:t> como uma das principais tecnologias da web, a linguagem também passou a ser utilizada em outras </a:t>
+            </a:r>
+            <a:r>
+              <a:rPr lang="pt-BR" sz="2400" b="1" dirty="0">
+                <a:solidFill>
+                  <a:srgbClr val="FF0000"/>
+                </a:solidFill>
+                <a:latin typeface="Times New Roman" panose="02020603050405020304" pitchFamily="18" charset="0"/>
+                <a:cs typeface="Times New Roman" panose="02020603050405020304" pitchFamily="18" charset="0"/>
+              </a:rPr>
+              <a:t>áreas</a:t>
+            </a:r>
+            <a:r>
+              <a:rPr lang="pt-BR" sz="2400" dirty="0">
+                <a:solidFill>
+                  <a:schemeClr val="tx1"/>
+                </a:solidFill>
+                <a:latin typeface="Times New Roman" panose="02020603050405020304" pitchFamily="18" charset="0"/>
+                <a:cs typeface="Times New Roman" panose="02020603050405020304" pitchFamily="18" charset="0"/>
+              </a:rPr>
+              <a:t>, como </a:t>
+            </a:r>
+            <a:r>
+              <a:rPr lang="pt-BR" sz="2400" b="1" dirty="0">
+                <a:solidFill>
+                  <a:srgbClr val="FF0000"/>
+                </a:solidFill>
+                <a:latin typeface="Times New Roman" panose="02020603050405020304" pitchFamily="18" charset="0"/>
+                <a:cs typeface="Times New Roman" panose="02020603050405020304" pitchFamily="18" charset="0"/>
+              </a:rPr>
+              <a:t>servidores (Node.js), desktops (</a:t>
+            </a:r>
+            <a:r>
+              <a:rPr lang="pt-BR" sz="2400" b="1" dirty="0" err="1">
+                <a:solidFill>
+                  <a:srgbClr val="FF0000"/>
+                </a:solidFill>
+                <a:latin typeface="Times New Roman" panose="02020603050405020304" pitchFamily="18" charset="0"/>
+                <a:cs typeface="Times New Roman" panose="02020603050405020304" pitchFamily="18" charset="0"/>
+              </a:rPr>
+              <a:t>Electron</a:t>
+            </a:r>
+            <a:r>
+              <a:rPr lang="pt-BR" sz="2400" b="1" dirty="0">
+                <a:solidFill>
+                  <a:srgbClr val="FF0000"/>
+                </a:solidFill>
+                <a:latin typeface="Times New Roman" panose="02020603050405020304" pitchFamily="18" charset="0"/>
+                <a:cs typeface="Times New Roman" panose="02020603050405020304" pitchFamily="18" charset="0"/>
+              </a:rPr>
+              <a:t>) e mobile (</a:t>
+            </a:r>
+            <a:r>
+              <a:rPr lang="pt-BR" sz="2400" b="1" dirty="0" err="1">
+                <a:solidFill>
+                  <a:srgbClr val="FF0000"/>
+                </a:solidFill>
+                <a:latin typeface="Times New Roman" panose="02020603050405020304" pitchFamily="18" charset="0"/>
+                <a:cs typeface="Times New Roman" panose="02020603050405020304" pitchFamily="18" charset="0"/>
+              </a:rPr>
+              <a:t>Cordova</a:t>
+            </a:r>
+            <a:r>
+              <a:rPr lang="pt-BR" sz="2400" b="1" dirty="0">
+                <a:solidFill>
+                  <a:srgbClr val="FF0000"/>
+                </a:solidFill>
+                <a:latin typeface="Times New Roman" panose="02020603050405020304" pitchFamily="18" charset="0"/>
+                <a:cs typeface="Times New Roman" panose="02020603050405020304" pitchFamily="18" charset="0"/>
+              </a:rPr>
+              <a:t>)</a:t>
+            </a:r>
+            <a:r>
+              <a:rPr lang="pt-BR" sz="2400" dirty="0">
+                <a:solidFill>
+                  <a:schemeClr val="tx1"/>
+                </a:solidFill>
+                <a:latin typeface="Times New Roman" panose="02020603050405020304" pitchFamily="18" charset="0"/>
+                <a:cs typeface="Times New Roman" panose="02020603050405020304" pitchFamily="18" charset="0"/>
+              </a:rPr>
+              <a:t>. Além disso, foram sendo criados outros tipos de </a:t>
+            </a:r>
+            <a:r>
+              <a:rPr lang="pt-BR" sz="2400" b="1" dirty="0">
+                <a:solidFill>
+                  <a:schemeClr val="tx1"/>
+                </a:solidFill>
+                <a:latin typeface="Times New Roman" panose="02020603050405020304" pitchFamily="18" charset="0"/>
+                <a:cs typeface="Times New Roman" panose="02020603050405020304" pitchFamily="18" charset="0"/>
+              </a:rPr>
+              <a:t>frameworks</a:t>
+            </a:r>
+            <a:r>
+              <a:rPr lang="pt-BR" sz="2400" dirty="0">
+                <a:solidFill>
+                  <a:schemeClr val="tx1"/>
+                </a:solidFill>
+                <a:latin typeface="Times New Roman" panose="02020603050405020304" pitchFamily="18" charset="0"/>
+                <a:cs typeface="Times New Roman" panose="02020603050405020304" pitchFamily="18" charset="0"/>
+              </a:rPr>
+              <a:t>, que ampliaram ainda mais as ferramentas, os recursos e o acesso à tecnologia, como </a:t>
+            </a:r>
+            <a:r>
+              <a:rPr lang="pt-BR" sz="2400" b="1" dirty="0">
+                <a:solidFill>
+                  <a:srgbClr val="FF0000"/>
+                </a:solidFill>
+                <a:latin typeface="Times New Roman" panose="02020603050405020304" pitchFamily="18" charset="0"/>
+                <a:cs typeface="Times New Roman" panose="02020603050405020304" pitchFamily="18" charset="0"/>
+              </a:rPr>
+              <a:t>Vue.js </a:t>
+            </a:r>
+            <a:r>
+              <a:rPr lang="pt-BR" sz="2400" dirty="0">
+                <a:solidFill>
+                  <a:srgbClr val="FF0000"/>
+                </a:solidFill>
+                <a:latin typeface="Times New Roman" panose="02020603050405020304" pitchFamily="18" charset="0"/>
+                <a:cs typeface="Times New Roman" panose="02020603050405020304" pitchFamily="18" charset="0"/>
+              </a:rPr>
+              <a:t>e</a:t>
+            </a:r>
+            <a:r>
+              <a:rPr lang="pt-BR" sz="2400" b="1" dirty="0">
+                <a:solidFill>
+                  <a:srgbClr val="FF0000"/>
+                </a:solidFill>
+                <a:latin typeface="Times New Roman" panose="02020603050405020304" pitchFamily="18" charset="0"/>
+                <a:cs typeface="Times New Roman" panose="02020603050405020304" pitchFamily="18" charset="0"/>
+              </a:rPr>
+              <a:t> Angular</a:t>
+            </a:r>
+            <a:r>
+              <a:rPr lang="pt-BR" sz="2400" b="1" dirty="0">
+                <a:solidFill>
+                  <a:schemeClr val="tx1"/>
+                </a:solidFill>
+                <a:latin typeface="Times New Roman" panose="02020603050405020304" pitchFamily="18" charset="0"/>
+                <a:cs typeface="Times New Roman" panose="02020603050405020304" pitchFamily="18" charset="0"/>
+              </a:rPr>
+              <a:t> e bibliotecas, </a:t>
+            </a:r>
+            <a:r>
+              <a:rPr lang="pt-BR" sz="2400" dirty="0">
+                <a:solidFill>
+                  <a:schemeClr val="tx1"/>
+                </a:solidFill>
+                <a:latin typeface="Times New Roman" panose="02020603050405020304" pitchFamily="18" charset="0"/>
+                <a:cs typeface="Times New Roman" panose="02020603050405020304" pitchFamily="18" charset="0"/>
+              </a:rPr>
+              <a:t>tais, como,</a:t>
+            </a:r>
+            <a:r>
+              <a:rPr lang="pt-BR" sz="2400" b="1" dirty="0">
+                <a:solidFill>
+                  <a:schemeClr val="tx1"/>
+                </a:solidFill>
+                <a:latin typeface="Times New Roman" panose="02020603050405020304" pitchFamily="18" charset="0"/>
+                <a:cs typeface="Times New Roman" panose="02020603050405020304" pitchFamily="18" charset="0"/>
+              </a:rPr>
+              <a:t> </a:t>
+            </a:r>
+            <a:r>
+              <a:rPr lang="pt-BR" sz="2400" b="1" dirty="0" err="1">
+                <a:solidFill>
+                  <a:srgbClr val="FF0000"/>
+                </a:solidFill>
+                <a:latin typeface="Times New Roman" panose="02020603050405020304" pitchFamily="18" charset="0"/>
+                <a:cs typeface="Times New Roman" panose="02020603050405020304" pitchFamily="18" charset="0"/>
+              </a:rPr>
+              <a:t>JQuery</a:t>
+            </a:r>
+            <a:r>
+              <a:rPr lang="pt-BR" sz="2400" b="1" dirty="0">
+                <a:solidFill>
+                  <a:srgbClr val="FF0000"/>
+                </a:solidFill>
+                <a:latin typeface="Times New Roman" panose="02020603050405020304" pitchFamily="18" charset="0"/>
+                <a:cs typeface="Times New Roman" panose="02020603050405020304" pitchFamily="18" charset="0"/>
+              </a:rPr>
+              <a:t>, </a:t>
+            </a:r>
+            <a:r>
+              <a:rPr lang="pt-BR" sz="2400" b="1" dirty="0" err="1">
+                <a:solidFill>
+                  <a:srgbClr val="FF0000"/>
+                </a:solidFill>
+                <a:latin typeface="Times New Roman" panose="02020603050405020304" pitchFamily="18" charset="0"/>
+                <a:cs typeface="Times New Roman" panose="02020603050405020304" pitchFamily="18" charset="0"/>
+              </a:rPr>
+              <a:t>React</a:t>
+            </a:r>
+            <a:r>
+              <a:rPr lang="pt-BR" sz="2400" dirty="0">
+                <a:solidFill>
+                  <a:schemeClr val="tx1"/>
+                </a:solidFill>
+                <a:latin typeface="Times New Roman" panose="02020603050405020304" pitchFamily="18" charset="0"/>
+                <a:cs typeface="Times New Roman" panose="02020603050405020304" pitchFamily="18" charset="0"/>
+              </a:rPr>
+              <a:t>.</a:t>
+            </a:r>
+          </a:p>
+          <a:p>
+            <a:pPr marL="0" indent="0" algn="just">
+              <a:buNone/>
+            </a:pPr>
+            <a:endParaRPr lang="pt-BR" sz="2400" dirty="0">
+              <a:solidFill>
+                <a:schemeClr val="tx1"/>
+              </a:solidFill>
+              <a:latin typeface="Times New Roman" panose="02020603050405020304" pitchFamily="18" charset="0"/>
+              <a:cs typeface="Times New Roman" panose="02020603050405020304" pitchFamily="18" charset="0"/>
+            </a:endParaRPr>
           </a:p>
         </p:txBody>
       </p:sp>
     </p:spTree>
     <p:extLst>
       <p:ext uri="{BB962C8B-B14F-4D97-AF65-F5344CB8AC3E}">
-        <p14:creationId xmlns:p14="http://schemas.microsoft.com/office/powerpoint/2010/main" val="1393275988"/>
+        <p14:creationId xmlns:p14="http://schemas.microsoft.com/office/powerpoint/2010/main" val="127770343"/>
       </p:ext>
     </p:extLst>
   </p:cSld>
@@ -5126,34 +5251,13 @@
           <a:lstStyle/>
           <a:p>
             <a:r>
-              <a:rPr lang="en-US" b="1" dirty="0" err="1">
+              <a:rPr lang="en-US" b="1" dirty="0">
                 <a:solidFill>
                   <a:srgbClr val="0070C0"/>
                 </a:solidFill>
               </a:rPr>
-              <a:t>Leitura</a:t>
-            </a:r>
-            <a:r>
-              <a:rPr lang="en-US" b="1" dirty="0">
-                <a:solidFill>
-                  <a:srgbClr val="0070C0"/>
-                </a:solidFill>
-              </a:rPr>
-              <a:t> </a:t>
-            </a:r>
-            <a:r>
-              <a:rPr lang="en-US" b="1" dirty="0" err="1">
-                <a:solidFill>
-                  <a:srgbClr val="0070C0"/>
-                </a:solidFill>
-              </a:rPr>
-              <a:t>Específica</a:t>
-            </a:r>
-            <a:endParaRPr lang="en-US" b="1" dirty="0">
-              <a:solidFill>
-                <a:srgbClr val="0070C0"/>
-              </a:solidFill>
-            </a:endParaRPr>
+              <a:t>JS</a:t>
+            </a:r>
           </a:p>
         </p:txBody>
       </p:sp>
@@ -5169,8 +5273,8 @@
         </p:nvSpPr>
         <p:spPr>
           <a:xfrm>
-            <a:off x="142865" y="1012261"/>
-            <a:ext cx="8865056" cy="3835312"/>
+            <a:off x="142865" y="1037312"/>
+            <a:ext cx="8865056" cy="3900208"/>
           </a:xfrm>
         </p:spPr>
         <p:txBody>
@@ -5183,25 +5287,94 @@
               <a:buNone/>
             </a:pPr>
             <a:r>
+              <a:rPr lang="pt-BR" sz="2400" b="1" dirty="0">
+                <a:solidFill>
+                  <a:schemeClr val="tx1"/>
+                </a:solidFill>
+                <a:latin typeface="Times New Roman" panose="02020603050405020304" pitchFamily="18" charset="0"/>
+                <a:cs typeface="Times New Roman" panose="02020603050405020304" pitchFamily="18" charset="0"/>
+              </a:rPr>
+              <a:t>Exemplo de código</a:t>
+            </a:r>
+            <a:r>
+              <a:rPr lang="pt-BR" sz="2400" dirty="0">
+                <a:solidFill>
+                  <a:schemeClr val="tx1"/>
+                </a:solidFill>
+                <a:latin typeface="Times New Roman" panose="02020603050405020304" pitchFamily="18" charset="0"/>
+                <a:cs typeface="Times New Roman" panose="02020603050405020304" pitchFamily="18" charset="0"/>
+              </a:rPr>
+              <a:t>:</a:t>
+            </a:r>
+          </a:p>
+          <a:p>
+            <a:pPr marL="0" indent="0" algn="just">
+              <a:buNone/>
+            </a:pPr>
+            <a:r>
               <a:rPr lang="pt-BR" sz="2000" dirty="0">
-                <a:latin typeface="Times New Roman" panose="02020603050405020304" pitchFamily="18" charset="0"/>
-                <a:cs typeface="Times New Roman" panose="02020603050405020304" pitchFamily="18" charset="0"/>
-              </a:rPr>
-              <a:t>[1] </a:t>
-            </a:r>
-            <a:r>
-              <a:rPr lang="pt-BR" sz="2000" b="1" dirty="0">
-                <a:latin typeface="Times New Roman" panose="02020603050405020304" pitchFamily="18" charset="0"/>
-                <a:cs typeface="Times New Roman" panose="02020603050405020304" pitchFamily="18" charset="0"/>
-              </a:rPr>
-              <a:t>Site Devmedia</a:t>
-            </a:r>
+                <a:solidFill>
+                  <a:schemeClr val="tx1"/>
+                </a:solidFill>
+                <a:latin typeface="Times New Roman" panose="02020603050405020304" pitchFamily="18" charset="0"/>
+                <a:cs typeface="Times New Roman" panose="02020603050405020304" pitchFamily="18" charset="0"/>
+              </a:rPr>
+              <a:t> &lt;script&gt;</a:t>
+            </a:r>
+          </a:p>
+          <a:p>
+            <a:pPr marL="0" indent="0" algn="just">
+              <a:buNone/>
+            </a:pPr>
             <a:r>
               <a:rPr lang="pt-BR" sz="2000" dirty="0">
-                <a:latin typeface="Times New Roman" panose="02020603050405020304" pitchFamily="18" charset="0"/>
-                <a:cs typeface="Times New Roman" panose="02020603050405020304" pitchFamily="18" charset="0"/>
-              </a:rPr>
-              <a:t>. 	</a:t>
+                <a:solidFill>
+                  <a:schemeClr val="tx1"/>
+                </a:solidFill>
+                <a:latin typeface="Times New Roman" panose="02020603050405020304" pitchFamily="18" charset="0"/>
+                <a:cs typeface="Times New Roman" panose="02020603050405020304" pitchFamily="18" charset="0"/>
+              </a:rPr>
+              <a:t>      </a:t>
+            </a:r>
+            <a:r>
+              <a:rPr lang="pt-BR" sz="2000" dirty="0" err="1">
+                <a:solidFill>
+                  <a:schemeClr val="tx1"/>
+                </a:solidFill>
+                <a:latin typeface="Times New Roman" panose="02020603050405020304" pitchFamily="18" charset="0"/>
+                <a:cs typeface="Times New Roman" panose="02020603050405020304" pitchFamily="18" charset="0"/>
+              </a:rPr>
+              <a:t>if</a:t>
+            </a:r>
+            <a:r>
+              <a:rPr lang="pt-BR" sz="2000" dirty="0">
+                <a:solidFill>
+                  <a:schemeClr val="tx1"/>
+                </a:solidFill>
+                <a:latin typeface="Times New Roman" panose="02020603050405020304" pitchFamily="18" charset="0"/>
+                <a:cs typeface="Times New Roman" panose="02020603050405020304" pitchFamily="18" charset="0"/>
+              </a:rPr>
+              <a:t> (</a:t>
+            </a:r>
+            <a:r>
+              <a:rPr lang="pt-BR" sz="2000" dirty="0" err="1">
+                <a:solidFill>
+                  <a:schemeClr val="tx1"/>
+                </a:solidFill>
+                <a:latin typeface="Times New Roman" panose="02020603050405020304" pitchFamily="18" charset="0"/>
+                <a:cs typeface="Times New Roman" panose="02020603050405020304" pitchFamily="18" charset="0"/>
+              </a:rPr>
+              <a:t>confirm</a:t>
+            </a:r>
+            <a:r>
+              <a:rPr lang="pt-BR" sz="2000" dirty="0">
+                <a:solidFill>
+                  <a:schemeClr val="tx1"/>
+                </a:solidFill>
+                <a:latin typeface="Times New Roman" panose="02020603050405020304" pitchFamily="18" charset="0"/>
+                <a:cs typeface="Times New Roman" panose="02020603050405020304" pitchFamily="18" charset="0"/>
+              </a:rPr>
+              <a:t>('Você tem certeza?')) {</a:t>
             </a:r>
           </a:p>
           <a:p>
@@ -5209,40 +5382,50 @@
               <a:buNone/>
             </a:pPr>
             <a:r>
-              <a:rPr lang="pt-BR" sz="2000" b="1" dirty="0">
-                <a:latin typeface="Times New Roman" panose="02020603050405020304" pitchFamily="18" charset="0"/>
-                <a:cs typeface="Times New Roman" panose="02020603050405020304" pitchFamily="18" charset="0"/>
-              </a:rPr>
-              <a:t>	Disponível em</a:t>
-            </a:r>
-            <a:r>
               <a:rPr lang="pt-BR" sz="2000" dirty="0">
-                <a:latin typeface="Times New Roman" panose="02020603050405020304" pitchFamily="18" charset="0"/>
-                <a:cs typeface="Times New Roman" panose="02020603050405020304" pitchFamily="18" charset="0"/>
-              </a:rPr>
-              <a:t>: </a:t>
+                <a:solidFill>
+                  <a:schemeClr val="tx1"/>
+                </a:solidFill>
+                <a:latin typeface="Times New Roman" panose="02020603050405020304" pitchFamily="18" charset="0"/>
+                <a:cs typeface="Times New Roman" panose="02020603050405020304" pitchFamily="18" charset="0"/>
+              </a:rPr>
+              <a:t>        	</a:t>
+            </a:r>
+            <a:r>
+              <a:rPr lang="pt-BR" sz="2000" dirty="0" err="1">
+                <a:solidFill>
+                  <a:schemeClr val="tx1"/>
+                </a:solidFill>
+                <a:latin typeface="Times New Roman" panose="02020603050405020304" pitchFamily="18" charset="0"/>
+                <a:cs typeface="Times New Roman" panose="02020603050405020304" pitchFamily="18" charset="0"/>
+              </a:rPr>
+              <a:t>alert</a:t>
             </a:r>
             <a:r>
               <a:rPr lang="pt-BR" sz="2000" dirty="0">
-                <a:latin typeface="Times New Roman" panose="02020603050405020304" pitchFamily="18" charset="0"/>
-                <a:cs typeface="Times New Roman" panose="02020603050405020304" pitchFamily="18" charset="0"/>
-                <a:hlinkClick r:id="rId3"/>
-              </a:rPr>
-              <a:t>https://www.devmedia.com.br/javascript/</a:t>
-            </a:r>
-            <a:endParaRPr lang="pt-BR" sz="2000" dirty="0">
-              <a:latin typeface="Times New Roman" panose="02020603050405020304" pitchFamily="18" charset="0"/>
-              <a:cs typeface="Times New Roman" panose="02020603050405020304" pitchFamily="18" charset="0"/>
-            </a:endParaRPr>
+                <a:solidFill>
+                  <a:schemeClr val="tx1"/>
+                </a:solidFill>
+                <a:latin typeface="Times New Roman" panose="02020603050405020304" pitchFamily="18" charset="0"/>
+                <a:cs typeface="Times New Roman" panose="02020603050405020304" pitchFamily="18" charset="0"/>
+              </a:rPr>
+              <a:t>('Confirmado');</a:t>
+            </a:r>
           </a:p>
           <a:p>
             <a:pPr marL="0" indent="0" algn="just">
               <a:buNone/>
             </a:pPr>
-            <a:endParaRPr lang="pt-BR" sz="2000" dirty="0">
-              <a:latin typeface="Times New Roman" panose="02020603050405020304" pitchFamily="18" charset="0"/>
-              <a:cs typeface="Times New Roman" panose="02020603050405020304" pitchFamily="18" charset="0"/>
-            </a:endParaRPr>
+            <a:r>
+              <a:rPr lang="pt-BR" sz="2000" dirty="0">
+                <a:solidFill>
+                  <a:schemeClr val="tx1"/>
+                </a:solidFill>
+                <a:latin typeface="Times New Roman" panose="02020603050405020304" pitchFamily="18" charset="0"/>
+                <a:cs typeface="Times New Roman" panose="02020603050405020304" pitchFamily="18" charset="0"/>
+              </a:rPr>
+              <a:t>        	resposta = 'Sim';</a:t>
+            </a:r>
           </a:p>
           <a:p>
             <a:pPr marL="0" indent="0" algn="just">
@@ -5250,38 +5433,68 @@
             </a:pPr>
             <a:r>
               <a:rPr lang="pt-BR" sz="2000" dirty="0">
-                <a:latin typeface="Times New Roman" panose="02020603050405020304" pitchFamily="18" charset="0"/>
-                <a:cs typeface="Times New Roman" panose="02020603050405020304" pitchFamily="18" charset="0"/>
-              </a:rPr>
-              <a:t>[2] </a:t>
-            </a:r>
-            <a:r>
-              <a:rPr lang="pt-BR" sz="2000" b="1" dirty="0">
-                <a:latin typeface="Times New Roman" panose="02020603050405020304" pitchFamily="18" charset="0"/>
-                <a:cs typeface="Times New Roman" panose="02020603050405020304" pitchFamily="18" charset="0"/>
-              </a:rPr>
-              <a:t>COSTA, </a:t>
+                <a:solidFill>
+                  <a:schemeClr val="tx1"/>
+                </a:solidFill>
+                <a:latin typeface="Times New Roman" panose="02020603050405020304" pitchFamily="18" charset="0"/>
+                <a:cs typeface="Times New Roman" panose="02020603050405020304" pitchFamily="18" charset="0"/>
+              </a:rPr>
+              <a:t>      } </a:t>
+            </a:r>
+            <a:r>
+              <a:rPr lang="pt-BR" sz="2000" dirty="0" err="1">
+                <a:solidFill>
+                  <a:schemeClr val="tx1"/>
+                </a:solidFill>
+                <a:latin typeface="Times New Roman" panose="02020603050405020304" pitchFamily="18" charset="0"/>
+                <a:cs typeface="Times New Roman" panose="02020603050405020304" pitchFamily="18" charset="0"/>
+              </a:rPr>
+              <a:t>else</a:t>
             </a:r>
             <a:r>
               <a:rPr lang="pt-BR" sz="2000" dirty="0">
-                <a:latin typeface="Times New Roman" panose="02020603050405020304" pitchFamily="18" charset="0"/>
-                <a:cs typeface="Times New Roman" panose="02020603050405020304" pitchFamily="18" charset="0"/>
-              </a:rPr>
-              <a:t>Jean Carlos Borba Guimarães da. A Linguagem </a:t>
+                <a:solidFill>
+                  <a:schemeClr val="tx1"/>
+                </a:solidFill>
+                <a:latin typeface="Times New Roman" panose="02020603050405020304" pitchFamily="18" charset="0"/>
+                <a:cs typeface="Times New Roman" panose="02020603050405020304" pitchFamily="18" charset="0"/>
+              </a:rPr>
+              <a:t> {</a:t>
+            </a:r>
+          </a:p>
+          <a:p>
+            <a:pPr marL="0" indent="0" algn="just">
+              <a:buNone/>
+            </a:pPr>
+            <a:r>
+              <a:rPr lang="pt-BR" sz="2000" dirty="0">
+                <a:solidFill>
+                  <a:schemeClr val="tx1"/>
+                </a:solidFill>
+                <a:latin typeface="Times New Roman" panose="02020603050405020304" pitchFamily="18" charset="0"/>
+                <a:cs typeface="Times New Roman" panose="02020603050405020304" pitchFamily="18" charset="0"/>
+              </a:rPr>
+              <a:t>        	</a:t>
             </a:r>
             <a:r>
               <a:rPr lang="pt-BR" sz="2000" dirty="0" err="1">
-                <a:latin typeface="Times New Roman" panose="02020603050405020304" pitchFamily="18" charset="0"/>
-                <a:cs typeface="Times New Roman" panose="02020603050405020304" pitchFamily="18" charset="0"/>
-              </a:rPr>
-              <a:t>JavaScript</a:t>
+                <a:solidFill>
+                  <a:schemeClr val="tx1"/>
+                </a:solidFill>
+                <a:latin typeface="Times New Roman" panose="02020603050405020304" pitchFamily="18" charset="0"/>
+                <a:cs typeface="Times New Roman" panose="02020603050405020304" pitchFamily="18" charset="0"/>
+              </a:rPr>
+              <a:t>alert</a:t>
             </a:r>
             <a:r>
               <a:rPr lang="pt-BR" sz="2000" dirty="0">
-                <a:latin typeface="Times New Roman" panose="02020603050405020304" pitchFamily="18" charset="0"/>
-                <a:cs typeface="Times New Roman" panose="02020603050405020304" pitchFamily="18" charset="0"/>
-              </a:rPr>
-              <a:t> e seu Ecossistema. 2019. 	</a:t>
+                <a:solidFill>
+                  <a:schemeClr val="tx1"/>
+                </a:solidFill>
+                <a:latin typeface="Times New Roman" panose="02020603050405020304" pitchFamily="18" charset="0"/>
+                <a:cs typeface="Times New Roman" panose="02020603050405020304" pitchFamily="18" charset="0"/>
+              </a:rPr>
+              <a:t>('Cancelado');</a:t>
             </a:r>
           </a:p>
           <a:p>
@@ -5289,18 +5502,14 @@
               <a:buNone/>
             </a:pPr>
             <a:r>
-              <a:rPr lang="pt-BR" sz="2000" b="1" dirty="0">
-                <a:latin typeface="Times New Roman" panose="02020603050405020304" pitchFamily="18" charset="0"/>
-                <a:cs typeface="Times New Roman" panose="02020603050405020304" pitchFamily="18" charset="0"/>
-              </a:rPr>
-              <a:t>	Disponível em</a:t>
-            </a:r>
-            <a:r>
               <a:rPr lang="pt-BR" sz="2000" dirty="0">
-                <a:latin typeface="Times New Roman" panose="02020603050405020304" pitchFamily="18" charset="0"/>
-                <a:cs typeface="Times New Roman" panose="02020603050405020304" pitchFamily="18" charset="0"/>
-              </a:rPr>
-              <a:t>: </a:t>
+                <a:solidFill>
+                  <a:schemeClr val="tx1"/>
+                </a:solidFill>
+                <a:latin typeface="Times New Roman" panose="02020603050405020304" pitchFamily="18" charset="0"/>
+                <a:cs typeface="Times New Roman" panose="02020603050405020304" pitchFamily="18" charset="0"/>
+              </a:rPr>
+              <a:t>        	resposta = 'Não';</a:t>
             </a:r>
           </a:p>
           <a:p>
@@ -5309,22 +5518,33 @@
             </a:pPr>
             <a:r>
               <a:rPr lang="pt-BR" sz="2000" dirty="0">
-                <a:latin typeface="Times New Roman" panose="02020603050405020304" pitchFamily="18" charset="0"/>
-                <a:cs typeface="Times New Roman" panose="02020603050405020304" pitchFamily="18" charset="0"/>
-                <a:hlinkClick r:id="rId4"/>
-              </a:rPr>
-              <a:t>https://repositorio.uniube.br/bitstream/123456789/1546/1/A%20Linguagem%20JavaScript%20e%20seu%20Ecossistema%20.PDF</a:t>
-            </a:r>
-            <a:endParaRPr lang="pt-BR" sz="2000" dirty="0">
-              <a:latin typeface="Times New Roman" panose="02020603050405020304" pitchFamily="18" charset="0"/>
-              <a:cs typeface="Times New Roman" panose="02020603050405020304" pitchFamily="18" charset="0"/>
-            </a:endParaRPr>
+                <a:solidFill>
+                  <a:schemeClr val="tx1"/>
+                </a:solidFill>
+                <a:latin typeface="Times New Roman" panose="02020603050405020304" pitchFamily="18" charset="0"/>
+                <a:cs typeface="Times New Roman" panose="02020603050405020304" pitchFamily="18" charset="0"/>
+              </a:rPr>
+              <a:t>      }</a:t>
+            </a:r>
           </a:p>
           <a:p>
             <a:pPr marL="0" indent="0" algn="just">
               <a:buNone/>
             </a:pPr>
-            <a:endParaRPr lang="pt-BR" sz="2000" dirty="0">
+            <a:r>
+              <a:rPr lang="pt-BR" sz="2000" dirty="0">
+                <a:solidFill>
+                  <a:schemeClr val="tx1"/>
+                </a:solidFill>
+                <a:latin typeface="Times New Roman" panose="02020603050405020304" pitchFamily="18" charset="0"/>
+                <a:cs typeface="Times New Roman" panose="02020603050405020304" pitchFamily="18" charset="0"/>
+              </a:rPr>
+              <a:t>&lt;/script&gt;</a:t>
+            </a:r>
+            <a:endParaRPr lang="pt-BR" sz="2400" dirty="0">
+              <a:solidFill>
+                <a:schemeClr val="tx1"/>
+              </a:solidFill>
               <a:latin typeface="Times New Roman" panose="02020603050405020304" pitchFamily="18" charset="0"/>
               <a:cs typeface="Times New Roman" panose="02020603050405020304" pitchFamily="18" charset="0"/>
             </a:endParaRPr>
@@ -5334,7 +5554,7 @@
     </p:spTree>
     <p:extLst>
       <p:ext uri="{BB962C8B-B14F-4D97-AF65-F5344CB8AC3E}">
-        <p14:creationId xmlns:p14="http://schemas.microsoft.com/office/powerpoint/2010/main" val="3680270425"/>
+        <p14:creationId xmlns:p14="http://schemas.microsoft.com/office/powerpoint/2010/main" val="1193155176"/>
       </p:ext>
     </p:extLst>
   </p:cSld>
@@ -5385,20 +5605,12 @@
           <a:lstStyle/>
           <a:p>
             <a:r>
-              <a:rPr lang="en-US" b="1" dirty="0" err="1">
+              <a:rPr lang="en-US" b="1" dirty="0">
                 <a:solidFill>
                   <a:srgbClr val="0070C0"/>
                 </a:solidFill>
               </a:rPr>
-              <a:t>Aprenda</a:t>
-            </a:r>
-            <a:r>
-              <a:rPr lang="en-US" b="1" dirty="0">
-                <a:solidFill>
-                  <a:srgbClr val="0070C0"/>
-                </a:solidFill>
-              </a:rPr>
-              <a:t>+</a:t>
+              <a:t>JS</a:t>
             </a:r>
           </a:p>
         </p:txBody>
@@ -5415,8 +5627,8 @@
         </p:nvSpPr>
         <p:spPr>
           <a:xfrm>
-            <a:off x="142865" y="1200151"/>
-            <a:ext cx="8865056" cy="3394472"/>
+            <a:off x="142865" y="1037312"/>
+            <a:ext cx="8865056" cy="3900208"/>
           </a:xfrm>
         </p:spPr>
         <p:txBody>
@@ -5428,7 +5640,100 @@
             <a:pPr marL="0" indent="0" algn="just">
               <a:buNone/>
             </a:pPr>
-            <a:endParaRPr lang="pt-BR" sz="2400" dirty="0">
+            <a:r>
+              <a:rPr lang="pt-BR" sz="2400" b="1" dirty="0">
+                <a:solidFill>
+                  <a:schemeClr val="tx1"/>
+                </a:solidFill>
+                <a:latin typeface="Times New Roman" panose="02020603050405020304" pitchFamily="18" charset="0"/>
+                <a:cs typeface="Times New Roman" panose="02020603050405020304" pitchFamily="18" charset="0"/>
+              </a:rPr>
+              <a:t>Outros Exemplos</a:t>
+            </a:r>
+            <a:r>
+              <a:rPr lang="pt-BR" sz="2400" dirty="0">
+                <a:solidFill>
+                  <a:schemeClr val="tx1"/>
+                </a:solidFill>
+                <a:latin typeface="Times New Roman" panose="02020603050405020304" pitchFamily="18" charset="0"/>
+                <a:cs typeface="Times New Roman" panose="02020603050405020304" pitchFamily="18" charset="0"/>
+              </a:rPr>
+              <a:t>:</a:t>
+            </a:r>
+          </a:p>
+          <a:p>
+            <a:pPr marL="0" indent="0" algn="just">
+              <a:buNone/>
+            </a:pPr>
+            <a:r>
+              <a:rPr lang="pt-BR" sz="2000" dirty="0">
+                <a:solidFill>
+                  <a:schemeClr val="tx1"/>
+                </a:solidFill>
+                <a:latin typeface="Times New Roman" panose="02020603050405020304" pitchFamily="18" charset="0"/>
+                <a:cs typeface="Times New Roman" panose="02020603050405020304" pitchFamily="18" charset="0"/>
+              </a:rPr>
+              <a:t> &lt;script&gt;</a:t>
+            </a:r>
+          </a:p>
+          <a:p>
+            <a:pPr marL="0" indent="0" algn="just">
+              <a:buNone/>
+            </a:pPr>
+            <a:r>
+              <a:rPr lang="pt-BR" sz="2000" dirty="0">
+                <a:solidFill>
+                  <a:schemeClr val="tx1"/>
+                </a:solidFill>
+                <a:latin typeface="Times New Roman" panose="02020603050405020304" pitchFamily="18" charset="0"/>
+                <a:cs typeface="Times New Roman" panose="02020603050405020304" pitchFamily="18" charset="0"/>
+              </a:rPr>
+              <a:t>      </a:t>
+            </a:r>
+            <a:r>
+              <a:rPr lang="pt-BR" sz="2000" dirty="0" err="1">
+                <a:solidFill>
+                  <a:schemeClr val="tx1"/>
+                </a:solidFill>
+                <a:latin typeface="Times New Roman" panose="02020603050405020304" pitchFamily="18" charset="0"/>
+                <a:cs typeface="Times New Roman" panose="02020603050405020304" pitchFamily="18" charset="0"/>
+              </a:rPr>
+              <a:t>alert</a:t>
+            </a:r>
+            <a:r>
+              <a:rPr lang="pt-BR" sz="2000" dirty="0">
+                <a:solidFill>
+                  <a:schemeClr val="tx1"/>
+                </a:solidFill>
+                <a:latin typeface="Times New Roman" panose="02020603050405020304" pitchFamily="18" charset="0"/>
+                <a:cs typeface="Times New Roman" panose="02020603050405020304" pitchFamily="18" charset="0"/>
+              </a:rPr>
+              <a:t>(‘Olá, mundo!!!’)</a:t>
+            </a:r>
+          </a:p>
+          <a:p>
+            <a:pPr marL="0" indent="0" algn="just">
+              <a:buNone/>
+            </a:pPr>
+            <a:r>
+              <a:rPr lang="pt-BR" sz="2000" dirty="0">
+                <a:solidFill>
+                  <a:schemeClr val="tx1"/>
+                </a:solidFill>
+                <a:latin typeface="Times New Roman" panose="02020603050405020304" pitchFamily="18" charset="0"/>
+                <a:cs typeface="Times New Roman" panose="02020603050405020304" pitchFamily="18" charset="0"/>
+              </a:rPr>
+              <a:t>&lt;/script&gt;</a:t>
+            </a:r>
+          </a:p>
+          <a:p>
+            <a:pPr marL="0" indent="0" algn="just">
+              <a:buNone/>
+            </a:pPr>
+            <a:endParaRPr lang="pt-BR" sz="2000" dirty="0">
+              <a:solidFill>
+                <a:schemeClr val="tx1"/>
+              </a:solidFill>
               <a:latin typeface="Times New Roman" panose="02020603050405020304" pitchFamily="18" charset="0"/>
               <a:cs typeface="Times New Roman" panose="02020603050405020304" pitchFamily="18" charset="0"/>
             </a:endParaRPr>
@@ -5438,33 +5743,214 @@
               <a:buNone/>
             </a:pPr>
             <a:r>
-              <a:rPr lang="pt-BR" sz="2400" dirty="0">
-                <a:latin typeface="Times New Roman" panose="02020603050405020304" pitchFamily="18" charset="0"/>
-                <a:cs typeface="Times New Roman" panose="02020603050405020304" pitchFamily="18" charset="0"/>
-              </a:rPr>
-              <a:t>[1] </a:t>
-            </a:r>
-            <a:r>
-              <a:rPr lang="pt-BR" sz="2400" dirty="0">
-                <a:latin typeface="Times New Roman" panose="02020603050405020304" pitchFamily="18" charset="0"/>
-                <a:cs typeface="Times New Roman" panose="02020603050405020304" pitchFamily="18" charset="0"/>
-                <a:hlinkClick r:id="rId3"/>
-              </a:rPr>
-              <a:t>https://www.youtube.com/watch?v=W6NZfCO5SIk</a:t>
-            </a:r>
-            <a:r>
-              <a:rPr lang="pt-BR" sz="2400" dirty="0">
-                <a:latin typeface="Times New Roman" panose="02020603050405020304" pitchFamily="18" charset="0"/>
-                <a:cs typeface="Times New Roman" panose="02020603050405020304" pitchFamily="18" charset="0"/>
-              </a:rPr>
-              <a:t> (JS)</a:t>
+              <a:rPr lang="pt-BR" sz="2000" dirty="0">
+                <a:solidFill>
+                  <a:schemeClr val="tx1"/>
+                </a:solidFill>
+                <a:latin typeface="Times New Roman" panose="02020603050405020304" pitchFamily="18" charset="0"/>
+                <a:cs typeface="Times New Roman" panose="02020603050405020304" pitchFamily="18" charset="0"/>
+              </a:rPr>
+              <a:t> &lt;script&gt;</a:t>
             </a:r>
           </a:p>
           <a:p>
             <a:pPr marL="0" indent="0" algn="just">
               <a:buNone/>
             </a:pPr>
-            <a:endParaRPr lang="pt-BR" sz="2400" dirty="0">
+            <a:r>
+              <a:rPr lang="pt-BR" sz="2000" dirty="0">
+                <a:solidFill>
+                  <a:schemeClr val="tx1"/>
+                </a:solidFill>
+                <a:latin typeface="Times New Roman" panose="02020603050405020304" pitchFamily="18" charset="0"/>
+                <a:cs typeface="Times New Roman" panose="02020603050405020304" pitchFamily="18" charset="0"/>
+              </a:rPr>
+              <a:t> 	</a:t>
+            </a:r>
+            <a:r>
+              <a:rPr lang="pt-BR" sz="2000" dirty="0" err="1">
+                <a:solidFill>
+                  <a:schemeClr val="tx1"/>
+                </a:solidFill>
+                <a:latin typeface="Times New Roman" panose="02020603050405020304" pitchFamily="18" charset="0"/>
+                <a:cs typeface="Times New Roman" panose="02020603050405020304" pitchFamily="18" charset="0"/>
+              </a:rPr>
+              <a:t>document.body.style.backgroud</a:t>
+            </a:r>
+            <a:r>
+              <a:rPr lang="pt-BR" sz="2000" dirty="0">
+                <a:solidFill>
+                  <a:schemeClr val="tx1"/>
+                </a:solidFill>
+                <a:latin typeface="Times New Roman" panose="02020603050405020304" pitchFamily="18" charset="0"/>
+                <a:cs typeface="Times New Roman" panose="02020603050405020304" pitchFamily="18" charset="0"/>
+              </a:rPr>
+              <a:t>= ‘blue’</a:t>
+            </a:r>
+          </a:p>
+          <a:p>
+            <a:pPr marL="0" indent="0" algn="just">
+              <a:buNone/>
+            </a:pPr>
+            <a:r>
+              <a:rPr lang="pt-BR" sz="2000" dirty="0">
+                <a:solidFill>
+                  <a:schemeClr val="tx1"/>
+                </a:solidFill>
+                <a:latin typeface="Times New Roman" panose="02020603050405020304" pitchFamily="18" charset="0"/>
+                <a:cs typeface="Times New Roman" panose="02020603050405020304" pitchFamily="18" charset="0"/>
+              </a:rPr>
+              <a:t> 	</a:t>
+            </a:r>
+            <a:r>
+              <a:rPr lang="pt-BR" sz="2000" dirty="0" err="1">
+                <a:solidFill>
+                  <a:schemeClr val="tx1"/>
+                </a:solidFill>
+                <a:latin typeface="Times New Roman" panose="02020603050405020304" pitchFamily="18" charset="0"/>
+                <a:cs typeface="Times New Roman" panose="02020603050405020304" pitchFamily="18" charset="0"/>
+              </a:rPr>
+              <a:t>document.querySelector</a:t>
+            </a:r>
+            <a:r>
+              <a:rPr lang="pt-BR" sz="2000" dirty="0">
+                <a:solidFill>
+                  <a:schemeClr val="tx1"/>
+                </a:solidFill>
+                <a:latin typeface="Times New Roman" panose="02020603050405020304" pitchFamily="18" charset="0"/>
+                <a:cs typeface="Times New Roman" panose="02020603050405020304" pitchFamily="18" charset="0"/>
+              </a:rPr>
+              <a:t>(‘</a:t>
+            </a:r>
+            <a:r>
+              <a:rPr lang="pt-BR" sz="2000" dirty="0" err="1">
+                <a:solidFill>
+                  <a:schemeClr val="tx1"/>
+                </a:solidFill>
+                <a:latin typeface="Times New Roman" panose="02020603050405020304" pitchFamily="18" charset="0"/>
+                <a:cs typeface="Times New Roman" panose="02020603050405020304" pitchFamily="18" charset="0"/>
+              </a:rPr>
+              <a:t>img#idImagem</a:t>
+            </a:r>
+            <a:r>
+              <a:rPr lang="pt-BR" sz="2000" dirty="0">
+                <a:solidFill>
+                  <a:schemeClr val="tx1"/>
+                </a:solidFill>
+                <a:latin typeface="Times New Roman" panose="02020603050405020304" pitchFamily="18" charset="0"/>
+                <a:cs typeface="Times New Roman" panose="02020603050405020304" pitchFamily="18" charset="0"/>
+              </a:rPr>
+              <a:t>’).</a:t>
+            </a:r>
+            <a:r>
+              <a:rPr lang="pt-BR" sz="2000" dirty="0" err="1">
+                <a:solidFill>
+                  <a:schemeClr val="tx1"/>
+                </a:solidFill>
+                <a:latin typeface="Times New Roman" panose="02020603050405020304" pitchFamily="18" charset="0"/>
+                <a:cs typeface="Times New Roman" panose="02020603050405020304" pitchFamily="18" charset="0"/>
+              </a:rPr>
+              <a:t>style.visibility</a:t>
+            </a:r>
+            <a:r>
+              <a:rPr lang="pt-BR" sz="2000" dirty="0">
+                <a:solidFill>
+                  <a:schemeClr val="tx1"/>
+                </a:solidFill>
+                <a:latin typeface="Times New Roman" panose="02020603050405020304" pitchFamily="18" charset="0"/>
+                <a:cs typeface="Times New Roman" panose="02020603050405020304" pitchFamily="18" charset="0"/>
+              </a:rPr>
+              <a:t> = ‘</a:t>
+            </a:r>
+            <a:r>
+              <a:rPr lang="pt-BR" sz="2000" dirty="0" err="1">
+                <a:solidFill>
+                  <a:schemeClr val="tx1"/>
+                </a:solidFill>
+                <a:latin typeface="Times New Roman" panose="02020603050405020304" pitchFamily="18" charset="0"/>
+                <a:cs typeface="Times New Roman" panose="02020603050405020304" pitchFamily="18" charset="0"/>
+              </a:rPr>
+              <a:t>hidden</a:t>
+            </a:r>
+            <a:r>
+              <a:rPr lang="pt-BR" sz="2000" dirty="0">
+                <a:solidFill>
+                  <a:schemeClr val="tx1"/>
+                </a:solidFill>
+                <a:latin typeface="Times New Roman" panose="02020603050405020304" pitchFamily="18" charset="0"/>
+                <a:cs typeface="Times New Roman" panose="02020603050405020304" pitchFamily="18" charset="0"/>
+              </a:rPr>
+              <a:t>’</a:t>
+            </a:r>
+          </a:p>
+          <a:p>
+            <a:pPr marL="0" indent="0" algn="just">
+              <a:buNone/>
+            </a:pPr>
+            <a:r>
+              <a:rPr lang="pt-BR" sz="2000" dirty="0">
+                <a:solidFill>
+                  <a:schemeClr val="tx1"/>
+                </a:solidFill>
+                <a:latin typeface="Times New Roman" panose="02020603050405020304" pitchFamily="18" charset="0"/>
+                <a:cs typeface="Times New Roman" panose="02020603050405020304" pitchFamily="18" charset="0"/>
+              </a:rPr>
+              <a:t> 	</a:t>
+            </a:r>
+            <a:r>
+              <a:rPr lang="pt-BR" sz="2000" dirty="0" err="1">
+                <a:solidFill>
+                  <a:schemeClr val="tx1"/>
+                </a:solidFill>
+                <a:latin typeface="Times New Roman" panose="02020603050405020304" pitchFamily="18" charset="0"/>
+                <a:cs typeface="Times New Roman" panose="02020603050405020304" pitchFamily="18" charset="0"/>
+              </a:rPr>
+              <a:t>document.querySelector</a:t>
+            </a:r>
+            <a:r>
+              <a:rPr lang="pt-BR" sz="2000" dirty="0">
+                <a:solidFill>
+                  <a:schemeClr val="tx1"/>
+                </a:solidFill>
+                <a:latin typeface="Times New Roman" panose="02020603050405020304" pitchFamily="18" charset="0"/>
+                <a:cs typeface="Times New Roman" panose="02020603050405020304" pitchFamily="18" charset="0"/>
+              </a:rPr>
+              <a:t>(‘h1.idH1’).</a:t>
+            </a:r>
+            <a:r>
+              <a:rPr lang="pt-BR" sz="2000" dirty="0" err="1">
+                <a:solidFill>
+                  <a:schemeClr val="tx1"/>
+                </a:solidFill>
+                <a:latin typeface="Times New Roman" panose="02020603050405020304" pitchFamily="18" charset="0"/>
+                <a:cs typeface="Times New Roman" panose="02020603050405020304" pitchFamily="18" charset="0"/>
+              </a:rPr>
+              <a:t>innerText</a:t>
+            </a:r>
+            <a:r>
+              <a:rPr lang="pt-BR" sz="2000" dirty="0">
+                <a:solidFill>
+                  <a:schemeClr val="tx1"/>
+                </a:solidFill>
+                <a:latin typeface="Times New Roman" panose="02020603050405020304" pitchFamily="18" charset="0"/>
+                <a:cs typeface="Times New Roman" panose="02020603050405020304" pitchFamily="18" charset="0"/>
+              </a:rPr>
+              <a:t> = </a:t>
+            </a:r>
+            <a:r>
+              <a:rPr lang="pt-BR" sz="2000">
+                <a:solidFill>
+                  <a:schemeClr val="tx1"/>
+                </a:solidFill>
+                <a:latin typeface="Times New Roman" panose="02020603050405020304" pitchFamily="18" charset="0"/>
+                <a:cs typeface="Times New Roman" panose="02020603050405020304" pitchFamily="18" charset="0"/>
+              </a:rPr>
+              <a:t>‘Texto’</a:t>
+            </a:r>
+            <a:endParaRPr lang="pt-BR" sz="2000" dirty="0">
+              <a:solidFill>
+                <a:schemeClr val="tx1"/>
+              </a:solidFill>
               <a:latin typeface="Times New Roman" panose="02020603050405020304" pitchFamily="18" charset="0"/>
               <a:cs typeface="Times New Roman" panose="02020603050405020304" pitchFamily="18" charset="0"/>
             </a:endParaRPr>
@@ -5473,36 +5959,15 @@
             <a:pPr marL="0" indent="0" algn="just">
               <a:buNone/>
             </a:pPr>
-            <a:endParaRPr lang="pt-BR" sz="2400" dirty="0">
-              <a:latin typeface="Times New Roman" panose="02020603050405020304" pitchFamily="18" charset="0"/>
-              <a:cs typeface="Times New Roman" panose="02020603050405020304" pitchFamily="18" charset="0"/>
-            </a:endParaRPr>
-          </a:p>
-          <a:p>
-            <a:pPr marL="0" indent="0" algn="just">
-              <a:buNone/>
-            </a:pPr>
-            <a:r>
-              <a:rPr lang="pt-BR" sz="2400" dirty="0">
-                <a:latin typeface="Times New Roman" panose="02020603050405020304" pitchFamily="18" charset="0"/>
-                <a:cs typeface="Times New Roman" panose="02020603050405020304" pitchFamily="18" charset="0"/>
-              </a:rPr>
-              <a:t>[2] </a:t>
-            </a:r>
-            <a:r>
-              <a:rPr lang="pt-BR" sz="2400" dirty="0">
-                <a:latin typeface="Times New Roman" panose="02020603050405020304" pitchFamily="18" charset="0"/>
-                <a:cs typeface="Times New Roman" panose="02020603050405020304" pitchFamily="18" charset="0"/>
-                <a:hlinkClick r:id="rId4"/>
-              </a:rPr>
-              <a:t>https://www.youtube.com/watch?v=gYZhIVCPlFY</a:t>
-            </a:r>
-            <a:r>
-              <a:rPr lang="pt-BR" sz="2400" dirty="0">
-                <a:latin typeface="Times New Roman" panose="02020603050405020304" pitchFamily="18" charset="0"/>
-                <a:cs typeface="Times New Roman" panose="02020603050405020304" pitchFamily="18" charset="0"/>
-              </a:rPr>
-              <a:t> (JS)</a:t>
+            <a:r>
+              <a:rPr lang="pt-BR" sz="2000" dirty="0">
+                <a:solidFill>
+                  <a:schemeClr val="tx1"/>
+                </a:solidFill>
+                <a:latin typeface="Times New Roman" panose="02020603050405020304" pitchFamily="18" charset="0"/>
+                <a:cs typeface="Times New Roman" panose="02020603050405020304" pitchFamily="18" charset="0"/>
+              </a:rPr>
+              <a:t>&lt;/script&gt;</a:t>
             </a:r>
           </a:p>
           <a:p>
@@ -5510,15 +5975,9 @@
               <a:buNone/>
             </a:pPr>
             <a:endParaRPr lang="pt-BR" sz="2400" dirty="0">
-              <a:latin typeface="Times New Roman" panose="02020603050405020304" pitchFamily="18" charset="0"/>
-              <a:cs typeface="Times New Roman" panose="02020603050405020304" pitchFamily="18" charset="0"/>
-            </a:endParaRPr>
-          </a:p>
-          <a:p>
-            <a:pPr marL="0" indent="0" algn="just">
-              <a:buNone/>
-            </a:pPr>
-            <a:endParaRPr lang="pt-BR" sz="2400" dirty="0">
+              <a:solidFill>
+                <a:schemeClr val="tx1"/>
+              </a:solidFill>
               <a:latin typeface="Times New Roman" panose="02020603050405020304" pitchFamily="18" charset="0"/>
               <a:cs typeface="Times New Roman" panose="02020603050405020304" pitchFamily="18" charset="0"/>
             </a:endParaRPr>
@@ -5528,7 +5987,7 @@
     </p:spTree>
     <p:extLst>
       <p:ext uri="{BB962C8B-B14F-4D97-AF65-F5344CB8AC3E}">
-        <p14:creationId xmlns:p14="http://schemas.microsoft.com/office/powerpoint/2010/main" val="2747596967"/>
+        <p14:creationId xmlns:p14="http://schemas.microsoft.com/office/powerpoint/2010/main" val="2698757165"/>
       </p:ext>
     </p:extLst>
   </p:cSld>
@@ -5579,34 +6038,13 @@
           <a:lstStyle/>
           <a:p>
             <a:r>
-              <a:rPr lang="en-US" b="1" dirty="0" err="1">
+              <a:rPr lang="en-US" b="1" dirty="0">
                 <a:solidFill>
                   <a:srgbClr val="0070C0"/>
                 </a:solidFill>
               </a:rPr>
-              <a:t>Dinâmica</a:t>
-            </a:r>
-            <a:r>
-              <a:rPr lang="en-US" b="1" dirty="0">
-                <a:solidFill>
-                  <a:srgbClr val="0070C0"/>
-                </a:solidFill>
-              </a:rPr>
-              <a:t>/</a:t>
-            </a:r>
-            <a:r>
-              <a:rPr lang="en-US" b="1" dirty="0" err="1">
-                <a:solidFill>
-                  <a:srgbClr val="0070C0"/>
-                </a:solidFill>
-              </a:rPr>
-              <a:t>Atividades</a:t>
-            </a:r>
-            <a:endParaRPr lang="en-US" b="1" dirty="0">
-              <a:solidFill>
-                <a:srgbClr val="0070C0"/>
-              </a:solidFill>
-            </a:endParaRPr>
+              <a:t>JS</a:t>
+            </a:r>
           </a:p>
         </p:txBody>
       </p:sp>
@@ -5622,8 +6060,8 @@
         </p:nvSpPr>
         <p:spPr>
           <a:xfrm>
-            <a:off x="139472" y="1063230"/>
-            <a:ext cx="8865056" cy="3606305"/>
+            <a:off x="142865" y="1037312"/>
+            <a:ext cx="8865056" cy="3900208"/>
           </a:xfrm>
         </p:spPr>
         <p:txBody>
@@ -5632,100 +6070,143 @@
           </a:bodyPr>
           <a:lstStyle/>
           <a:p>
-            <a:pPr algn="just">
-              <a:buFontTx/>
-              <a:buChar char="-"/>
+            <a:pPr marL="0" indent="0" algn="just">
+              <a:buNone/>
             </a:pPr>
             <a:r>
-              <a:rPr lang="pt-BR" dirty="0">
-                <a:latin typeface="Times New Roman" panose="02020603050405020304" pitchFamily="18" charset="0"/>
-                <a:cs typeface="Times New Roman" panose="02020603050405020304" pitchFamily="18" charset="0"/>
-              </a:rPr>
-              <a:t>Exercícios de Fixação </a:t>
-            </a:r>
-            <a:r>
-              <a:rPr lang="pt-BR" b="1" dirty="0">
-                <a:latin typeface="Times New Roman" panose="02020603050405020304" pitchFamily="18" charset="0"/>
-                <a:cs typeface="Times New Roman" panose="02020603050405020304" pitchFamily="18" charset="0"/>
-              </a:rPr>
-              <a:t>JS</a:t>
+              <a:rPr lang="pt-BR" sz="2400" dirty="0">
+                <a:solidFill>
+                  <a:schemeClr val="tx1"/>
+                </a:solidFill>
+                <a:latin typeface="Times New Roman" panose="02020603050405020304" pitchFamily="18" charset="0"/>
+                <a:cs typeface="Times New Roman" panose="02020603050405020304" pitchFamily="18" charset="0"/>
+              </a:rPr>
+              <a:t>Devido a enorme quantidade de bibliotecas, costuma-se nomear como “</a:t>
+            </a:r>
+            <a:r>
+              <a:rPr lang="pt-BR" sz="2400" b="1" dirty="0" err="1">
+                <a:solidFill>
+                  <a:schemeClr val="tx1"/>
+                </a:solidFill>
+                <a:latin typeface="Times New Roman" panose="02020603050405020304" pitchFamily="18" charset="0"/>
+                <a:cs typeface="Times New Roman" panose="02020603050405020304" pitchFamily="18" charset="0"/>
+              </a:rPr>
+              <a:t>Vanilla</a:t>
+            </a:r>
+            <a:r>
+              <a:rPr lang="pt-BR" sz="2400" b="1" dirty="0">
+                <a:solidFill>
+                  <a:schemeClr val="tx1"/>
+                </a:solidFill>
+                <a:latin typeface="Times New Roman" panose="02020603050405020304" pitchFamily="18" charset="0"/>
+                <a:cs typeface="Times New Roman" panose="02020603050405020304" pitchFamily="18" charset="0"/>
+              </a:rPr>
+              <a:t> </a:t>
+            </a:r>
+            <a:r>
+              <a:rPr lang="pt-BR" sz="2400" b="1" dirty="0" err="1">
+                <a:solidFill>
+                  <a:schemeClr val="tx1"/>
+                </a:solidFill>
+                <a:latin typeface="Times New Roman" panose="02020603050405020304" pitchFamily="18" charset="0"/>
+                <a:cs typeface="Times New Roman" panose="02020603050405020304" pitchFamily="18" charset="0"/>
+              </a:rPr>
+              <a:t>JavaScript</a:t>
+            </a:r>
+            <a:r>
+              <a:rPr lang="pt-BR" sz="2400" dirty="0">
+                <a:solidFill>
+                  <a:schemeClr val="tx1"/>
+                </a:solidFill>
+                <a:latin typeface="Times New Roman" panose="02020603050405020304" pitchFamily="18" charset="0"/>
+                <a:cs typeface="Times New Roman" panose="02020603050405020304" pitchFamily="18" charset="0"/>
+              </a:rPr>
+              <a:t>” ou “</a:t>
+            </a:r>
+            <a:r>
+              <a:rPr lang="pt-BR" sz="2400" b="1" dirty="0" err="1">
+                <a:solidFill>
+                  <a:schemeClr val="tx1"/>
+                </a:solidFill>
+                <a:latin typeface="Times New Roman" panose="02020603050405020304" pitchFamily="18" charset="0"/>
+                <a:cs typeface="Times New Roman" panose="02020603050405020304" pitchFamily="18" charset="0"/>
+              </a:rPr>
+              <a:t>Vanilla</a:t>
+            </a:r>
+            <a:r>
+              <a:rPr lang="pt-BR" sz="2400" b="1" dirty="0">
+                <a:solidFill>
+                  <a:schemeClr val="tx1"/>
+                </a:solidFill>
+                <a:latin typeface="Times New Roman" panose="02020603050405020304" pitchFamily="18" charset="0"/>
+                <a:cs typeface="Times New Roman" panose="02020603050405020304" pitchFamily="18" charset="0"/>
+              </a:rPr>
+              <a:t> JS</a:t>
+            </a:r>
+            <a:r>
+              <a:rPr lang="pt-BR" sz="2400" dirty="0">
+                <a:solidFill>
+                  <a:schemeClr val="tx1"/>
+                </a:solidFill>
+                <a:latin typeface="Times New Roman" panose="02020603050405020304" pitchFamily="18" charset="0"/>
+                <a:cs typeface="Times New Roman" panose="02020603050405020304" pitchFamily="18" charset="0"/>
+              </a:rPr>
+              <a:t>” o código escrito em </a:t>
+            </a:r>
+            <a:r>
+              <a:rPr lang="pt-BR" sz="2400" dirty="0" err="1">
+                <a:solidFill>
+                  <a:schemeClr val="tx1"/>
+                </a:solidFill>
+                <a:latin typeface="Times New Roman" panose="02020603050405020304" pitchFamily="18" charset="0"/>
+                <a:cs typeface="Times New Roman" panose="02020603050405020304" pitchFamily="18" charset="0"/>
+              </a:rPr>
+              <a:t>JavaScript</a:t>
+            </a:r>
+            <a:r>
+              <a:rPr lang="pt-BR" sz="2400" dirty="0">
+                <a:solidFill>
+                  <a:schemeClr val="tx1"/>
+                </a:solidFill>
+                <a:latin typeface="Times New Roman" panose="02020603050405020304" pitchFamily="18" charset="0"/>
+                <a:cs typeface="Times New Roman" panose="02020603050405020304" pitchFamily="18" charset="0"/>
+              </a:rPr>
+              <a:t> puro, sem o auxílio de frameworks. </a:t>
             </a:r>
           </a:p>
           <a:p>
             <a:pPr marL="0" indent="0" algn="just">
               <a:buNone/>
             </a:pPr>
-            <a:r>
-              <a:rPr lang="pt-BR" dirty="0">
-                <a:latin typeface="Times New Roman" panose="02020603050405020304" pitchFamily="18" charset="0"/>
-                <a:cs typeface="Times New Roman" panose="02020603050405020304" pitchFamily="18" charset="0"/>
-              </a:rPr>
-              <a:t>	</a:t>
-            </a:r>
-            <a:r>
-              <a:rPr lang="pt-BR" b="1" dirty="0">
-                <a:solidFill>
-                  <a:srgbClr val="FF0000"/>
-                </a:solidFill>
-                <a:latin typeface="Times New Roman" panose="02020603050405020304" pitchFamily="18" charset="0"/>
-                <a:cs typeface="Times New Roman" panose="02020603050405020304" pitchFamily="18" charset="0"/>
-              </a:rPr>
-              <a:t>Desafios em Sala de Aula</a:t>
-            </a:r>
-            <a:r>
-              <a:rPr lang="pt-BR" dirty="0">
-                <a:latin typeface="Times New Roman" panose="02020603050405020304" pitchFamily="18" charset="0"/>
-                <a:cs typeface="Times New Roman" panose="02020603050405020304" pitchFamily="18" charset="0"/>
-              </a:rPr>
-              <a:t>.</a:t>
-            </a:r>
+            <a:endParaRPr lang="pt-BR" sz="2400" dirty="0">
+              <a:solidFill>
+                <a:schemeClr val="tx1"/>
+              </a:solidFill>
+              <a:latin typeface="Times New Roman" panose="02020603050405020304" pitchFamily="18" charset="0"/>
+              <a:cs typeface="Times New Roman" panose="02020603050405020304" pitchFamily="18" charset="0"/>
+            </a:endParaRPr>
           </a:p>
           <a:p>
             <a:pPr marL="0" indent="0" algn="just">
               <a:buNone/>
             </a:pPr>
             <a:r>
-              <a:rPr lang="pt-BR" dirty="0">
-                <a:latin typeface="Times New Roman" panose="02020603050405020304" pitchFamily="18" charset="0"/>
-                <a:cs typeface="Times New Roman" panose="02020603050405020304" pitchFamily="18" charset="0"/>
-              </a:rPr>
-              <a:t>	</a:t>
-            </a:r>
-          </a:p>
-          <a:p>
-            <a:pPr marL="0" indent="0" algn="just">
-              <a:buNone/>
-            </a:pPr>
-            <a:r>
-              <a:rPr lang="es-ES" dirty="0">
-                <a:latin typeface="Times New Roman" panose="02020603050405020304" pitchFamily="18" charset="0"/>
-                <a:cs typeface="Times New Roman" panose="02020603050405020304" pitchFamily="18" charset="0"/>
-              </a:rPr>
-              <a:t>- Quiz JS</a:t>
-            </a:r>
-          </a:p>
-          <a:p>
-            <a:pPr marL="0" indent="0" algn="just">
-              <a:buNone/>
-            </a:pPr>
-            <a:r>
-              <a:rPr lang="es-ES" dirty="0">
-                <a:latin typeface="Times New Roman" panose="02020603050405020304" pitchFamily="18" charset="0"/>
-                <a:cs typeface="Times New Roman" panose="02020603050405020304" pitchFamily="18" charset="0"/>
-                <a:hlinkClick r:id="rId3"/>
-              </a:rPr>
-              <a:t>https://www.w3schools.com/js/js_quiz.asp</a:t>
-            </a:r>
-            <a:endParaRPr lang="pt-BR" dirty="0">
-              <a:latin typeface="Calibri" panose="020F0502020204030204" pitchFamily="34" charset="0"/>
-            </a:endParaRPr>
+              <a:rPr lang="pt-BR" sz="2400" dirty="0">
+                <a:solidFill>
+                  <a:schemeClr val="tx1"/>
+                </a:solidFill>
+                <a:latin typeface="Times New Roman" panose="02020603050405020304" pitchFamily="18" charset="0"/>
+                <a:cs typeface="Times New Roman" panose="02020603050405020304" pitchFamily="18" charset="0"/>
+              </a:rPr>
+              <a:t>Atualmente, a linguagem é fundamental para a web moderna, sem a qual muitos dos sites que conhecemos sequer existiriam.</a:t>
+            </a:r>
           </a:p>
         </p:txBody>
       </p:sp>
     </p:spTree>
     <p:extLst>
       <p:ext uri="{BB962C8B-B14F-4D97-AF65-F5344CB8AC3E}">
-        <p14:creationId xmlns:p14="http://schemas.microsoft.com/office/powerpoint/2010/main" val="2470652989"/>
+        <p14:creationId xmlns:p14="http://schemas.microsoft.com/office/powerpoint/2010/main" val="2564788332"/>
       </p:ext>
     </p:extLst>
   </p:cSld>
@@ -5776,34 +6257,13 @@
           <a:lstStyle/>
           <a:p>
             <a:r>
-              <a:rPr lang="en-US" b="1" dirty="0" err="1">
+              <a:rPr lang="en-US" b="1" dirty="0">
                 <a:solidFill>
                   <a:srgbClr val="0070C0"/>
                 </a:solidFill>
               </a:rPr>
-              <a:t>Referências</a:t>
-            </a:r>
-            <a:r>
-              <a:rPr lang="en-US" b="1" dirty="0">
-                <a:solidFill>
-                  <a:srgbClr val="0070C0"/>
-                </a:solidFill>
-              </a:rPr>
-              <a:t> </a:t>
-            </a:r>
-            <a:r>
-              <a:rPr lang="en-US" b="1" dirty="0" err="1">
-                <a:solidFill>
-                  <a:srgbClr val="0070C0"/>
-                </a:solidFill>
-              </a:rPr>
-              <a:t>Bibliográficas</a:t>
-            </a:r>
-            <a:endParaRPr lang="en-US" b="1" dirty="0">
-              <a:solidFill>
-                <a:srgbClr val="0070C0"/>
-              </a:solidFill>
-            </a:endParaRPr>
+              <a:t>JS - </a:t>
+            </a:r>
           </a:p>
         </p:txBody>
       </p:sp>
@@ -5819,8 +6279,8 @@
         </p:nvSpPr>
         <p:spPr>
           <a:xfrm>
-            <a:off x="142865" y="1200151"/>
-            <a:ext cx="8865056" cy="3394472"/>
+            <a:off x="142865" y="1037312"/>
+            <a:ext cx="8865056" cy="3900208"/>
           </a:xfrm>
         </p:spPr>
         <p:txBody>
@@ -5832,7 +6292,115 @@
             <a:pPr marL="0" indent="0" algn="just">
               <a:buNone/>
             </a:pPr>
+            <a:r>
+              <a:rPr lang="pt-BR" sz="2400" dirty="0">
+                <a:solidFill>
+                  <a:schemeClr val="tx1"/>
+                </a:solidFill>
+                <a:latin typeface="Times New Roman" panose="02020603050405020304" pitchFamily="18" charset="0"/>
+                <a:cs typeface="Times New Roman" panose="02020603050405020304" pitchFamily="18" charset="0"/>
+              </a:rPr>
+              <a:t>Devido a enorme quantidade de bibliotecas, costuma-se nomear como “</a:t>
+            </a:r>
+            <a:r>
+              <a:rPr lang="pt-BR" sz="2400" b="1" dirty="0" err="1">
+                <a:solidFill>
+                  <a:schemeClr val="tx1"/>
+                </a:solidFill>
+                <a:latin typeface="Times New Roman" panose="02020603050405020304" pitchFamily="18" charset="0"/>
+                <a:cs typeface="Times New Roman" panose="02020603050405020304" pitchFamily="18" charset="0"/>
+              </a:rPr>
+              <a:t>Vanilla</a:t>
+            </a:r>
+            <a:r>
+              <a:rPr lang="pt-BR" sz="2400" b="1" dirty="0">
+                <a:solidFill>
+                  <a:schemeClr val="tx1"/>
+                </a:solidFill>
+                <a:latin typeface="Times New Roman" panose="02020603050405020304" pitchFamily="18" charset="0"/>
+                <a:cs typeface="Times New Roman" panose="02020603050405020304" pitchFamily="18" charset="0"/>
+              </a:rPr>
+              <a:t> </a:t>
+            </a:r>
+            <a:r>
+              <a:rPr lang="pt-BR" sz="2400" b="1" dirty="0" err="1">
+                <a:solidFill>
+                  <a:schemeClr val="tx1"/>
+                </a:solidFill>
+                <a:latin typeface="Times New Roman" panose="02020603050405020304" pitchFamily="18" charset="0"/>
+                <a:cs typeface="Times New Roman" panose="02020603050405020304" pitchFamily="18" charset="0"/>
+              </a:rPr>
+              <a:t>JavaScript</a:t>
+            </a:r>
+            <a:r>
+              <a:rPr lang="pt-BR" sz="2400" dirty="0">
+                <a:solidFill>
+                  <a:schemeClr val="tx1"/>
+                </a:solidFill>
+                <a:latin typeface="Times New Roman" panose="02020603050405020304" pitchFamily="18" charset="0"/>
+                <a:cs typeface="Times New Roman" panose="02020603050405020304" pitchFamily="18" charset="0"/>
+              </a:rPr>
+              <a:t>” ou “</a:t>
+            </a:r>
+            <a:r>
+              <a:rPr lang="pt-BR" sz="2400" b="1" dirty="0" err="1">
+                <a:solidFill>
+                  <a:schemeClr val="tx1"/>
+                </a:solidFill>
+                <a:latin typeface="Times New Roman" panose="02020603050405020304" pitchFamily="18" charset="0"/>
+                <a:cs typeface="Times New Roman" panose="02020603050405020304" pitchFamily="18" charset="0"/>
+              </a:rPr>
+              <a:t>Vanilla</a:t>
+            </a:r>
+            <a:r>
+              <a:rPr lang="pt-BR" sz="2400" b="1" dirty="0">
+                <a:solidFill>
+                  <a:schemeClr val="tx1"/>
+                </a:solidFill>
+                <a:latin typeface="Times New Roman" panose="02020603050405020304" pitchFamily="18" charset="0"/>
+                <a:cs typeface="Times New Roman" panose="02020603050405020304" pitchFamily="18" charset="0"/>
+              </a:rPr>
+              <a:t> JS</a:t>
+            </a:r>
+            <a:r>
+              <a:rPr lang="pt-BR" sz="2400" dirty="0">
+                <a:solidFill>
+                  <a:schemeClr val="tx1"/>
+                </a:solidFill>
+                <a:latin typeface="Times New Roman" panose="02020603050405020304" pitchFamily="18" charset="0"/>
+                <a:cs typeface="Times New Roman" panose="02020603050405020304" pitchFamily="18" charset="0"/>
+              </a:rPr>
+              <a:t>” o código escrito em </a:t>
+            </a:r>
+            <a:r>
+              <a:rPr lang="pt-BR" sz="2400" dirty="0" err="1">
+                <a:solidFill>
+                  <a:schemeClr val="tx1"/>
+                </a:solidFill>
+                <a:latin typeface="Times New Roman" panose="02020603050405020304" pitchFamily="18" charset="0"/>
+                <a:cs typeface="Times New Roman" panose="02020603050405020304" pitchFamily="18" charset="0"/>
+              </a:rPr>
+              <a:t>JavaScript</a:t>
+            </a:r>
+            <a:r>
+              <a:rPr lang="pt-BR" sz="2400" dirty="0">
+                <a:solidFill>
+                  <a:schemeClr val="tx1"/>
+                </a:solidFill>
+                <a:latin typeface="Times New Roman" panose="02020603050405020304" pitchFamily="18" charset="0"/>
+                <a:cs typeface="Times New Roman" panose="02020603050405020304" pitchFamily="18" charset="0"/>
+              </a:rPr>
+              <a:t> puro, sem o auxílio de frameworks. </a:t>
+            </a:r>
+          </a:p>
+          <a:p>
+            <a:pPr marL="0" indent="0" algn="just">
+              <a:buNone/>
+            </a:pPr>
             <a:endParaRPr lang="pt-BR" sz="2400" dirty="0">
+              <a:solidFill>
+                <a:schemeClr val="tx1"/>
+              </a:solidFill>
               <a:latin typeface="Times New Roman" panose="02020603050405020304" pitchFamily="18" charset="0"/>
               <a:cs typeface="Times New Roman" panose="02020603050405020304" pitchFamily="18" charset="0"/>
             </a:endParaRPr>
@@ -5843,72 +6411,21 @@
             </a:pPr>
             <a:r>
               <a:rPr lang="pt-BR" sz="2400" dirty="0">
-                <a:latin typeface="Times New Roman" panose="02020603050405020304" pitchFamily="18" charset="0"/>
-                <a:cs typeface="Times New Roman" panose="02020603050405020304" pitchFamily="18" charset="0"/>
-              </a:rPr>
-              <a:t>[1] Site: </a:t>
-            </a:r>
-            <a:r>
-              <a:rPr lang="pt-BR" sz="2400" dirty="0">
-                <a:latin typeface="Times New Roman" panose="02020603050405020304" pitchFamily="18" charset="0"/>
-                <a:cs typeface="Times New Roman" panose="02020603050405020304" pitchFamily="18" charset="0"/>
-                <a:hlinkClick r:id="rId3"/>
-              </a:rPr>
-              <a:t>https://developer.mozilla.org/pt-BR/docs/Web/JavaScript</a:t>
-            </a:r>
-            <a:endParaRPr lang="pt-BR" sz="2400" dirty="0">
-              <a:latin typeface="Times New Roman" panose="02020603050405020304" pitchFamily="18" charset="0"/>
-              <a:cs typeface="Times New Roman" panose="02020603050405020304" pitchFamily="18" charset="0"/>
-            </a:endParaRPr>
-          </a:p>
-          <a:p>
-            <a:pPr marL="0" indent="0" algn="just">
-              <a:buNone/>
-            </a:pPr>
-            <a:endParaRPr lang="pt-BR" sz="2400" dirty="0">
-              <a:latin typeface="Times New Roman" panose="02020603050405020304" pitchFamily="18" charset="0"/>
-              <a:cs typeface="Times New Roman" panose="02020603050405020304" pitchFamily="18" charset="0"/>
-            </a:endParaRPr>
-          </a:p>
-          <a:p>
-            <a:pPr marL="0" indent="0" algn="just">
-              <a:buNone/>
-            </a:pPr>
-            <a:endParaRPr lang="pt-BR" sz="2400" dirty="0">
-              <a:latin typeface="Times New Roman" panose="02020603050405020304" pitchFamily="18" charset="0"/>
-              <a:cs typeface="Times New Roman" panose="02020603050405020304" pitchFamily="18" charset="0"/>
-            </a:endParaRPr>
-          </a:p>
-          <a:p>
-            <a:pPr marL="0" indent="0" algn="just">
-              <a:buNone/>
-            </a:pPr>
-            <a:r>
-              <a:rPr lang="pt-BR" sz="2400" dirty="0">
-                <a:latin typeface="Times New Roman" panose="02020603050405020304" pitchFamily="18" charset="0"/>
-                <a:cs typeface="Times New Roman" panose="02020603050405020304" pitchFamily="18" charset="0"/>
-              </a:rPr>
-              <a:t>[2] Site: </a:t>
-            </a:r>
-            <a:r>
-              <a:rPr lang="pt-BR" sz="2400" dirty="0">
-                <a:latin typeface="Times New Roman" panose="02020603050405020304" pitchFamily="18" charset="0"/>
-                <a:cs typeface="Times New Roman" panose="02020603050405020304" pitchFamily="18" charset="0"/>
-                <a:hlinkClick r:id="rId4"/>
-              </a:rPr>
-              <a:t>https://www.w3schools.com/jsref/</a:t>
-            </a:r>
-            <a:endParaRPr lang="pt-BR" sz="2400" dirty="0">
-              <a:latin typeface="Times New Roman" panose="02020603050405020304" pitchFamily="18" charset="0"/>
-              <a:cs typeface="Times New Roman" panose="02020603050405020304" pitchFamily="18" charset="0"/>
-            </a:endParaRPr>
+                <a:solidFill>
+                  <a:schemeClr val="tx1"/>
+                </a:solidFill>
+                <a:latin typeface="Times New Roman" panose="02020603050405020304" pitchFamily="18" charset="0"/>
+                <a:cs typeface="Times New Roman" panose="02020603050405020304" pitchFamily="18" charset="0"/>
+              </a:rPr>
+              <a:t>Atualmente, a linguagem é fundamental para a web moderna, sem a qual muitos dos sites que conhecemos sequer existiriam.</a:t>
+            </a:r>
           </a:p>
         </p:txBody>
       </p:sp>
     </p:spTree>
     <p:extLst>
       <p:ext uri="{BB962C8B-B14F-4D97-AF65-F5344CB8AC3E}">
-        <p14:creationId xmlns:p14="http://schemas.microsoft.com/office/powerpoint/2010/main" val="1115311843"/>
+        <p14:creationId xmlns:p14="http://schemas.microsoft.com/office/powerpoint/2010/main" val="1393275988"/>
       </p:ext>
     </p:extLst>
   </p:cSld>
@@ -5936,96 +6453,9 @@
           <a:chExt cx="0" cy="0"/>
         </a:xfrm>
       </p:grpSpPr>
-      <p:pic>
-        <p:nvPicPr>
-          <p:cNvPr id="112" name="Picture 6" descr="Picture 6"/>
-          <p:cNvPicPr>
-            <a:picLocks noChangeAspect="1"/>
-          </p:cNvPicPr>
-          <p:nvPr/>
-        </p:nvPicPr>
-        <p:blipFill>
-          <a:blip r:embed="rId2"/>
-          <a:stretch>
-            <a:fillRect/>
-          </a:stretch>
-        </p:blipFill>
-        <p:spPr>
-          <a:xfrm>
-            <a:off x="0" y="0"/>
-            <a:ext cx="9144000" cy="5143500"/>
-          </a:xfrm>
-          <a:prstGeom prst="rect">
-            <a:avLst/>
-          </a:prstGeom>
-          <a:ln w="12700">
-            <a:miter lim="400000"/>
-            <a:headEnd/>
-            <a:tailEnd/>
-          </a:ln>
-        </p:spPr>
-      </p:pic>
-      <p:pic>
-        <p:nvPicPr>
-          <p:cNvPr id="114" name="Picture 5" descr="Picture 5"/>
-          <p:cNvPicPr>
-            <a:picLocks noChangeAspect="1"/>
-          </p:cNvPicPr>
-          <p:nvPr/>
-        </p:nvPicPr>
-        <p:blipFill>
-          <a:blip r:embed="rId3"/>
-          <a:stretch>
-            <a:fillRect/>
-          </a:stretch>
-        </p:blipFill>
-        <p:spPr>
-          <a:xfrm>
-            <a:off x="469900" y="0"/>
-            <a:ext cx="4391984" cy="171450"/>
-          </a:xfrm>
-          <a:prstGeom prst="rect">
-            <a:avLst/>
-          </a:prstGeom>
-          <a:ln w="12700">
-            <a:miter lim="400000"/>
-            <a:headEnd/>
-            <a:tailEnd/>
-          </a:ln>
-        </p:spPr>
-      </p:pic>
-      <p:pic>
-        <p:nvPicPr>
-          <p:cNvPr id="115" name="Imagem" descr="Imagem"/>
-          <p:cNvPicPr>
-            <a:picLocks noChangeAspect="1"/>
-          </p:cNvPicPr>
-          <p:nvPr/>
-        </p:nvPicPr>
-        <p:blipFill>
-          <a:blip r:embed="rId4"/>
-          <a:stretch>
-            <a:fillRect/>
-          </a:stretch>
-        </p:blipFill>
-        <p:spPr>
-          <a:xfrm>
-            <a:off x="823046" y="300823"/>
-            <a:ext cx="3685692" cy="1189055"/>
-          </a:xfrm>
-          <a:prstGeom prst="rect">
-            <a:avLst/>
-          </a:prstGeom>
-          <a:ln w="12700">
-            <a:miter lim="400000"/>
-            <a:headEnd/>
-            <a:tailEnd/>
-          </a:ln>
-        </p:spPr>
-      </p:pic>
       <p:sp>
         <p:nvSpPr>
-          <p:cNvPr id="3" name="Título 2"/>
+          <p:cNvPr id="6" name="Title 1"/>
           <p:cNvSpPr>
             <a:spLocks noGrp="1"/>
           </p:cNvSpPr>
@@ -6035,8 +6465,62 @@
         </p:nvSpPr>
         <p:spPr>
           <a:xfrm>
-            <a:off x="285751" y="2386770"/>
-            <a:ext cx="8615364" cy="1102519"/>
+            <a:off x="457200" y="205980"/>
+            <a:ext cx="8229600" cy="857251"/>
+          </a:xfrm>
+        </p:spPr>
+        <p:txBody>
+          <a:bodyPr>
+            <a:normAutofit/>
+          </a:bodyPr>
+          <a:lstStyle/>
+          <a:p>
+            <a:r>
+              <a:rPr lang="en-US" b="1" dirty="0" err="1">
+                <a:solidFill>
+                  <a:srgbClr val="0070C0"/>
+                </a:solidFill>
+              </a:rPr>
+              <a:t>Leitura</a:t>
+            </a:r>
+            <a:r>
+              <a:rPr lang="en-US" b="1" dirty="0">
+                <a:solidFill>
+                  <a:srgbClr val="0070C0"/>
+                </a:solidFill>
+              </a:rPr>
+              <a:t> </a:t>
+            </a:r>
+            <a:r>
+              <a:rPr lang="en-US" b="1" dirty="0" err="1">
+                <a:solidFill>
+                  <a:srgbClr val="0070C0"/>
+                </a:solidFill>
+              </a:rPr>
+              <a:t>Específica</a:t>
+            </a:r>
+            <a:endParaRPr lang="en-US" b="1" dirty="0">
+              <a:solidFill>
+                <a:srgbClr val="0070C0"/>
+              </a:solidFill>
+            </a:endParaRPr>
+          </a:p>
+        </p:txBody>
+      </p:sp>
+      <p:sp>
+        <p:nvSpPr>
+          <p:cNvPr id="8" name="Text Placeholder 2"/>
+          <p:cNvSpPr>
+            <a:spLocks noGrp="1"/>
+          </p:cNvSpPr>
+          <p:nvPr>
+            <p:ph type="body" sz="half" idx="1"/>
+          </p:nvPr>
+        </p:nvSpPr>
+        <p:spPr>
+          <a:xfrm>
+            <a:off x="142865" y="1012261"/>
+            <a:ext cx="8865056" cy="3835312"/>
           </a:xfrm>
         </p:spPr>
         <p:txBody>
@@ -6045,338 +6529,555 @@
           </a:bodyPr>
           <a:lstStyle/>
           <a:p>
-            <a:r>
-              <a:rPr lang="pt-BR" sz="4800" b="1" dirty="0">
-                <a:solidFill>
-                  <a:schemeClr val="bg1"/>
-                </a:solidFill>
-              </a:rPr>
-              <a:t>Desenvolvimento Web </a:t>
-            </a:r>
-            <a:br>
-              <a:rPr lang="pt-BR" sz="4800" b="1" dirty="0">
-                <a:solidFill>
-                  <a:schemeClr val="bg1"/>
-                </a:solidFill>
-              </a:rPr>
-            </a:br>
-            <a:r>
-              <a:rPr lang="pt-BR" sz="4800" b="1" dirty="0">
-                <a:solidFill>
-                  <a:schemeClr val="bg1"/>
-                </a:solidFill>
-              </a:rPr>
-              <a:t>JS</a:t>
+            <a:pPr marL="0" indent="0" algn="just">
+              <a:buNone/>
+            </a:pPr>
+            <a:r>
+              <a:rPr lang="pt-BR" sz="2000" dirty="0">
+                <a:latin typeface="Times New Roman" panose="02020603050405020304" pitchFamily="18" charset="0"/>
+                <a:cs typeface="Times New Roman" panose="02020603050405020304" pitchFamily="18" charset="0"/>
+              </a:rPr>
+              <a:t>[1] </a:t>
+            </a:r>
+            <a:r>
+              <a:rPr lang="pt-BR" sz="2000" b="1" dirty="0">
+                <a:latin typeface="Times New Roman" panose="02020603050405020304" pitchFamily="18" charset="0"/>
+                <a:cs typeface="Times New Roman" panose="02020603050405020304" pitchFamily="18" charset="0"/>
+              </a:rPr>
+              <a:t>Site Devmedia</a:t>
+            </a:r>
+            <a:r>
+              <a:rPr lang="pt-BR" sz="2000" dirty="0">
+                <a:latin typeface="Times New Roman" panose="02020603050405020304" pitchFamily="18" charset="0"/>
+                <a:cs typeface="Times New Roman" panose="02020603050405020304" pitchFamily="18" charset="0"/>
+              </a:rPr>
+              <a:t>. 	</a:t>
+            </a:r>
+          </a:p>
+          <a:p>
+            <a:pPr marL="0" indent="0" algn="just">
+              <a:buNone/>
+            </a:pPr>
+            <a:r>
+              <a:rPr lang="pt-BR" sz="2000" b="1" dirty="0">
+                <a:latin typeface="Times New Roman" panose="02020603050405020304" pitchFamily="18" charset="0"/>
+                <a:cs typeface="Times New Roman" panose="02020603050405020304" pitchFamily="18" charset="0"/>
+              </a:rPr>
+              <a:t>	Disponível em</a:t>
+            </a:r>
+            <a:r>
+              <a:rPr lang="pt-BR" sz="2000" dirty="0">
+                <a:latin typeface="Times New Roman" panose="02020603050405020304" pitchFamily="18" charset="0"/>
+                <a:cs typeface="Times New Roman" panose="02020603050405020304" pitchFamily="18" charset="0"/>
+              </a:rPr>
+              <a:t>: </a:t>
+            </a:r>
+            <a:r>
+              <a:rPr lang="pt-BR" sz="2000" dirty="0">
+                <a:latin typeface="Times New Roman" panose="02020603050405020304" pitchFamily="18" charset="0"/>
+                <a:cs typeface="Times New Roman" panose="02020603050405020304" pitchFamily="18" charset="0"/>
+                <a:hlinkClick r:id="rId3"/>
+              </a:rPr>
+              <a:t>https://www.devmedia.com.br/javascript/</a:t>
+            </a:r>
+            <a:endParaRPr lang="pt-BR" sz="2000" dirty="0">
+              <a:latin typeface="Times New Roman" panose="02020603050405020304" pitchFamily="18" charset="0"/>
+              <a:cs typeface="Times New Roman" panose="02020603050405020304" pitchFamily="18" charset="0"/>
+            </a:endParaRPr>
+          </a:p>
+          <a:p>
+            <a:pPr marL="0" indent="0" algn="just">
+              <a:buNone/>
+            </a:pPr>
+            <a:endParaRPr lang="pt-BR" sz="2000" dirty="0">
+              <a:latin typeface="Times New Roman" panose="02020603050405020304" pitchFamily="18" charset="0"/>
+              <a:cs typeface="Times New Roman" panose="02020603050405020304" pitchFamily="18" charset="0"/>
+            </a:endParaRPr>
+          </a:p>
+          <a:p>
+            <a:pPr marL="0" indent="0" algn="just">
+              <a:buNone/>
+            </a:pPr>
+            <a:r>
+              <a:rPr lang="pt-BR" sz="2000" dirty="0">
+                <a:latin typeface="Times New Roman" panose="02020603050405020304" pitchFamily="18" charset="0"/>
+                <a:cs typeface="Times New Roman" panose="02020603050405020304" pitchFamily="18" charset="0"/>
+              </a:rPr>
+              <a:t>[2] </a:t>
+            </a:r>
+            <a:r>
+              <a:rPr lang="pt-BR" sz="2000" b="1" dirty="0">
+                <a:latin typeface="Times New Roman" panose="02020603050405020304" pitchFamily="18" charset="0"/>
+                <a:cs typeface="Times New Roman" panose="02020603050405020304" pitchFamily="18" charset="0"/>
+              </a:rPr>
+              <a:t>COSTA, </a:t>
+            </a:r>
+            <a:r>
+              <a:rPr lang="pt-BR" sz="2000" dirty="0">
+                <a:latin typeface="Times New Roman" panose="02020603050405020304" pitchFamily="18" charset="0"/>
+                <a:cs typeface="Times New Roman" panose="02020603050405020304" pitchFamily="18" charset="0"/>
+              </a:rPr>
+              <a:t>Jean Carlos Borba Guimarães da. A Linguagem </a:t>
+            </a:r>
+            <a:r>
+              <a:rPr lang="pt-BR" sz="2000" dirty="0" err="1">
+                <a:latin typeface="Times New Roman" panose="02020603050405020304" pitchFamily="18" charset="0"/>
+                <a:cs typeface="Times New Roman" panose="02020603050405020304" pitchFamily="18" charset="0"/>
+              </a:rPr>
+              <a:t>JavaScript</a:t>
+            </a:r>
+            <a:r>
+              <a:rPr lang="pt-BR" sz="2000" dirty="0">
+                <a:latin typeface="Times New Roman" panose="02020603050405020304" pitchFamily="18" charset="0"/>
+                <a:cs typeface="Times New Roman" panose="02020603050405020304" pitchFamily="18" charset="0"/>
+              </a:rPr>
+              <a:t> e seu Ecossistema. 2019. 	</a:t>
+            </a:r>
+          </a:p>
+          <a:p>
+            <a:pPr marL="0" indent="0" algn="just">
+              <a:buNone/>
+            </a:pPr>
+            <a:r>
+              <a:rPr lang="pt-BR" sz="2000" b="1" dirty="0">
+                <a:latin typeface="Times New Roman" panose="02020603050405020304" pitchFamily="18" charset="0"/>
+                <a:cs typeface="Times New Roman" panose="02020603050405020304" pitchFamily="18" charset="0"/>
+              </a:rPr>
+              <a:t>	Disponível em</a:t>
+            </a:r>
+            <a:r>
+              <a:rPr lang="pt-BR" sz="2000" dirty="0">
+                <a:latin typeface="Times New Roman" panose="02020603050405020304" pitchFamily="18" charset="0"/>
+                <a:cs typeface="Times New Roman" panose="02020603050405020304" pitchFamily="18" charset="0"/>
+              </a:rPr>
+              <a:t>: </a:t>
+            </a:r>
+          </a:p>
+          <a:p>
+            <a:pPr marL="0" indent="0" algn="just">
+              <a:buNone/>
+            </a:pPr>
+            <a:r>
+              <a:rPr lang="pt-BR" sz="2000" dirty="0">
+                <a:latin typeface="Times New Roman" panose="02020603050405020304" pitchFamily="18" charset="0"/>
+                <a:cs typeface="Times New Roman" panose="02020603050405020304" pitchFamily="18" charset="0"/>
+                <a:hlinkClick r:id="rId4"/>
+              </a:rPr>
+              <a:t>https://repositorio.uniube.br/bitstream/123456789/1546/1/A%20Linguagem%20JavaScript%20e%20seu%20Ecossistema%20.PDF</a:t>
+            </a:r>
+            <a:endParaRPr lang="pt-BR" sz="2000" dirty="0">
+              <a:latin typeface="Times New Roman" panose="02020603050405020304" pitchFamily="18" charset="0"/>
+              <a:cs typeface="Times New Roman" panose="02020603050405020304" pitchFamily="18" charset="0"/>
+            </a:endParaRPr>
+          </a:p>
+          <a:p>
+            <a:pPr marL="0" indent="0" algn="just">
+              <a:buNone/>
+            </a:pPr>
+            <a:endParaRPr lang="pt-BR" sz="2000" dirty="0">
+              <a:latin typeface="Times New Roman" panose="02020603050405020304" pitchFamily="18" charset="0"/>
+              <a:cs typeface="Times New Roman" panose="02020603050405020304" pitchFamily="18" charset="0"/>
+            </a:endParaRPr>
+          </a:p>
+        </p:txBody>
+      </p:sp>
+    </p:spTree>
+    <p:extLst>
+      <p:ext uri="{BB962C8B-B14F-4D97-AF65-F5344CB8AC3E}">
+        <p14:creationId xmlns:p14="http://schemas.microsoft.com/office/powerpoint/2010/main" val="3680270425"/>
+      </p:ext>
+    </p:extLst>
+  </p:cSld>
+  <p:clrMapOvr>
+    <a:masterClrMapping/>
+  </p:clrMapOvr>
+  <p:transition spd="med"/>
+</p:sld>
+</file>
+
+<file path=ppt/slides/slide18.xml><?xml version="1.0" encoding="utf-8"?>
+<p:sld xmlns:a="http://schemas.openxmlformats.org/drawingml/2006/main" xmlns:r="http://schemas.openxmlformats.org/officeDocument/2006/relationships" xmlns:p="http://schemas.openxmlformats.org/presentationml/2006/main">
+  <p:cSld>
+    <p:spTree>
+      <p:nvGrpSpPr>
+        <p:cNvPr id="1" name=""/>
+        <p:cNvGrpSpPr/>
+        <p:nvPr/>
+      </p:nvGrpSpPr>
+      <p:grpSpPr>
+        <a:xfrm>
+          <a:off x="0" y="0"/>
+          <a:ext cx="0" cy="0"/>
+          <a:chOff x="0" y="0"/>
+          <a:chExt cx="0" cy="0"/>
+        </a:xfrm>
+      </p:grpSpPr>
+      <p:sp>
+        <p:nvSpPr>
+          <p:cNvPr id="6" name="Title 1"/>
+          <p:cNvSpPr>
+            <a:spLocks noGrp="1"/>
+          </p:cNvSpPr>
+          <p:nvPr>
+            <p:ph type="title"/>
+          </p:nvPr>
+        </p:nvSpPr>
+        <p:spPr>
+          <a:xfrm>
+            <a:off x="457200" y="205980"/>
+            <a:ext cx="8229600" cy="857251"/>
+          </a:xfrm>
+        </p:spPr>
+        <p:txBody>
+          <a:bodyPr>
+            <a:normAutofit/>
+          </a:bodyPr>
+          <a:lstStyle/>
+          <a:p>
+            <a:r>
+              <a:rPr lang="en-US" b="1" dirty="0" err="1">
+                <a:solidFill>
+                  <a:srgbClr val="0070C0"/>
+                </a:solidFill>
+              </a:rPr>
+              <a:t>Aprenda</a:t>
+            </a:r>
+            <a:r>
+              <a:rPr lang="en-US" b="1" dirty="0">
+                <a:solidFill>
+                  <a:srgbClr val="0070C0"/>
+                </a:solidFill>
+              </a:rPr>
+              <a:t>+</a:t>
             </a:r>
           </a:p>
         </p:txBody>
       </p:sp>
       <p:sp>
         <p:nvSpPr>
-          <p:cNvPr id="6" name="Título 2"/>
-          <p:cNvSpPr txBox="1"/>
-          <p:nvPr/>
+          <p:cNvPr id="8" name="Text Placeholder 2"/>
+          <p:cNvSpPr>
+            <a:spLocks noGrp="1"/>
+          </p:cNvSpPr>
+          <p:nvPr>
+            <p:ph type="body" sz="half" idx="1"/>
+          </p:nvPr>
         </p:nvSpPr>
         <p:spPr>
           <a:xfrm>
-            <a:off x="975683" y="3866663"/>
-            <a:ext cx="7772400" cy="1102519"/>
+            <a:off x="142865" y="1200151"/>
+            <a:ext cx="8865056" cy="3394472"/>
           </a:xfrm>
-          <a:prstGeom prst="rect">
-            <a:avLst/>
-          </a:prstGeom>
-          <a:ln w="12700">
-            <a:miter lim="400000"/>
-          </a:ln>
         </p:spPr>
         <p:txBody>
-          <a:bodyPr lIns="45718" tIns="45718" rIns="45718" bIns="45718" anchor="ctr">
+          <a:bodyPr>
             <a:noAutofit/>
           </a:bodyPr>
-          <a:lstStyle>
-            <a:lvl1pPr marL="0" marR="0" indent="0" algn="ctr" defTabSz="457200" rtl="0" latinLnBrk="0">
-              <a:lnSpc>
-                <a:spcPct val="100000"/>
-              </a:lnSpc>
-              <a:spcBef>
-                <a:spcPts val="0"/>
-              </a:spcBef>
-              <a:spcAft>
-                <a:spcPts val="0"/>
-              </a:spcAft>
-              <a:buClrTx/>
-              <a:buSzTx/>
-              <a:buFontTx/>
-              <a:buNone/>
-              <a:defRPr sz="4400" b="0" i="0" u="none" strike="noStrike" cap="none" spc="0" baseline="0">
-                <a:ln>
-                  <a:noFill/>
-                </a:ln>
-                <a:solidFill>
-                  <a:srgbClr val="000000"/>
-                </a:solidFill>
-                <a:uFillTx/>
-                <a:latin typeface="+mj-lt"/>
-                <a:ea typeface="+mj-ea"/>
-                <a:cs typeface="+mj-cs"/>
-                <a:sym typeface="Calibri"/>
-              </a:defRPr>
-            </a:lvl1pPr>
-            <a:lvl2pPr marL="0" marR="0" indent="0" algn="ctr" defTabSz="457200" rtl="0" latinLnBrk="0">
-              <a:lnSpc>
-                <a:spcPct val="100000"/>
-              </a:lnSpc>
-              <a:spcBef>
-                <a:spcPts val="0"/>
-              </a:spcBef>
-              <a:spcAft>
-                <a:spcPts val="0"/>
-              </a:spcAft>
-              <a:buClrTx/>
-              <a:buSzTx/>
-              <a:buFontTx/>
-              <a:buNone/>
-              <a:defRPr sz="4400" b="0" i="0" u="none" strike="noStrike" cap="none" spc="0" baseline="0">
-                <a:ln>
-                  <a:noFill/>
-                </a:ln>
-                <a:solidFill>
-                  <a:srgbClr val="000000"/>
-                </a:solidFill>
-                <a:uFillTx/>
-                <a:latin typeface="+mj-lt"/>
-                <a:ea typeface="+mj-ea"/>
-                <a:cs typeface="+mj-cs"/>
-                <a:sym typeface="Calibri"/>
-              </a:defRPr>
-            </a:lvl2pPr>
-            <a:lvl3pPr marL="0" marR="0" indent="0" algn="ctr" defTabSz="457200" rtl="0" latinLnBrk="0">
-              <a:lnSpc>
-                <a:spcPct val="100000"/>
-              </a:lnSpc>
-              <a:spcBef>
-                <a:spcPts val="0"/>
-              </a:spcBef>
-              <a:spcAft>
-                <a:spcPts val="0"/>
-              </a:spcAft>
-              <a:buClrTx/>
-              <a:buSzTx/>
-              <a:buFontTx/>
-              <a:buNone/>
-              <a:defRPr sz="4400" b="0" i="0" u="none" strike="noStrike" cap="none" spc="0" baseline="0">
-                <a:ln>
-                  <a:noFill/>
-                </a:ln>
-                <a:solidFill>
-                  <a:srgbClr val="000000"/>
-                </a:solidFill>
-                <a:uFillTx/>
-                <a:latin typeface="+mj-lt"/>
-                <a:ea typeface="+mj-ea"/>
-                <a:cs typeface="+mj-cs"/>
-                <a:sym typeface="Calibri"/>
-              </a:defRPr>
-            </a:lvl3pPr>
-            <a:lvl4pPr marL="0" marR="0" indent="0" algn="ctr" defTabSz="457200" rtl="0" latinLnBrk="0">
-              <a:lnSpc>
-                <a:spcPct val="100000"/>
-              </a:lnSpc>
-              <a:spcBef>
-                <a:spcPts val="0"/>
-              </a:spcBef>
-              <a:spcAft>
-                <a:spcPts val="0"/>
-              </a:spcAft>
-              <a:buClrTx/>
-              <a:buSzTx/>
-              <a:buFontTx/>
-              <a:buNone/>
-              <a:defRPr sz="4400" b="0" i="0" u="none" strike="noStrike" cap="none" spc="0" baseline="0">
-                <a:ln>
-                  <a:noFill/>
-                </a:ln>
-                <a:solidFill>
-                  <a:srgbClr val="000000"/>
-                </a:solidFill>
-                <a:uFillTx/>
-                <a:latin typeface="+mj-lt"/>
-                <a:ea typeface="+mj-ea"/>
-                <a:cs typeface="+mj-cs"/>
-                <a:sym typeface="Calibri"/>
-              </a:defRPr>
-            </a:lvl4pPr>
-            <a:lvl5pPr marL="0" marR="0" indent="0" algn="ctr" defTabSz="457200" rtl="0" latinLnBrk="0">
-              <a:lnSpc>
-                <a:spcPct val="100000"/>
-              </a:lnSpc>
-              <a:spcBef>
-                <a:spcPts val="0"/>
-              </a:spcBef>
-              <a:spcAft>
-                <a:spcPts val="0"/>
-              </a:spcAft>
-              <a:buClrTx/>
-              <a:buSzTx/>
-              <a:buFontTx/>
-              <a:buNone/>
-              <a:defRPr sz="4400" b="0" i="0" u="none" strike="noStrike" cap="none" spc="0" baseline="0">
-                <a:ln>
-                  <a:noFill/>
-                </a:ln>
-                <a:solidFill>
-                  <a:srgbClr val="000000"/>
-                </a:solidFill>
-                <a:uFillTx/>
-                <a:latin typeface="+mj-lt"/>
-                <a:ea typeface="+mj-ea"/>
-                <a:cs typeface="+mj-cs"/>
-                <a:sym typeface="Calibri"/>
-              </a:defRPr>
-            </a:lvl5pPr>
-            <a:lvl6pPr marL="0" marR="0" indent="0" algn="ctr" defTabSz="457200" rtl="0" latinLnBrk="0">
-              <a:lnSpc>
-                <a:spcPct val="100000"/>
-              </a:lnSpc>
-              <a:spcBef>
-                <a:spcPts val="0"/>
-              </a:spcBef>
-              <a:spcAft>
-                <a:spcPts val="0"/>
-              </a:spcAft>
-              <a:buClrTx/>
-              <a:buSzTx/>
-              <a:buFontTx/>
-              <a:buNone/>
-              <a:defRPr sz="4400" b="0" i="0" u="none" strike="noStrike" cap="none" spc="0" baseline="0">
-                <a:ln>
-                  <a:noFill/>
-                </a:ln>
-                <a:solidFill>
-                  <a:srgbClr val="000000"/>
-                </a:solidFill>
-                <a:uFillTx/>
-                <a:latin typeface="+mj-lt"/>
-                <a:ea typeface="+mj-ea"/>
-                <a:cs typeface="+mj-cs"/>
-                <a:sym typeface="Calibri"/>
-              </a:defRPr>
-            </a:lvl6pPr>
-            <a:lvl7pPr marL="0" marR="0" indent="0" algn="ctr" defTabSz="457200" rtl="0" latinLnBrk="0">
-              <a:lnSpc>
-                <a:spcPct val="100000"/>
-              </a:lnSpc>
-              <a:spcBef>
-                <a:spcPts val="0"/>
-              </a:spcBef>
-              <a:spcAft>
-                <a:spcPts val="0"/>
-              </a:spcAft>
-              <a:buClrTx/>
-              <a:buSzTx/>
-              <a:buFontTx/>
-              <a:buNone/>
-              <a:defRPr sz="4400" b="0" i="0" u="none" strike="noStrike" cap="none" spc="0" baseline="0">
-                <a:ln>
-                  <a:noFill/>
-                </a:ln>
-                <a:solidFill>
-                  <a:srgbClr val="000000"/>
-                </a:solidFill>
-                <a:uFillTx/>
-                <a:latin typeface="+mj-lt"/>
-                <a:ea typeface="+mj-ea"/>
-                <a:cs typeface="+mj-cs"/>
-                <a:sym typeface="Calibri"/>
-              </a:defRPr>
-            </a:lvl7pPr>
-            <a:lvl8pPr marL="0" marR="0" indent="0" algn="ctr" defTabSz="457200" rtl="0" latinLnBrk="0">
-              <a:lnSpc>
-                <a:spcPct val="100000"/>
-              </a:lnSpc>
-              <a:spcBef>
-                <a:spcPts val="0"/>
-              </a:spcBef>
-              <a:spcAft>
-                <a:spcPts val="0"/>
-              </a:spcAft>
-              <a:buClrTx/>
-              <a:buSzTx/>
-              <a:buFontTx/>
-              <a:buNone/>
-              <a:defRPr sz="4400" b="0" i="0" u="none" strike="noStrike" cap="none" spc="0" baseline="0">
-                <a:ln>
-                  <a:noFill/>
-                </a:ln>
-                <a:solidFill>
-                  <a:srgbClr val="000000"/>
-                </a:solidFill>
-                <a:uFillTx/>
-                <a:latin typeface="+mj-lt"/>
-                <a:ea typeface="+mj-ea"/>
-                <a:cs typeface="+mj-cs"/>
-                <a:sym typeface="Calibri"/>
-              </a:defRPr>
-            </a:lvl8pPr>
-            <a:lvl9pPr marL="0" marR="0" indent="0" algn="ctr" defTabSz="457200" rtl="0" latinLnBrk="0">
-              <a:lnSpc>
-                <a:spcPct val="100000"/>
-              </a:lnSpc>
-              <a:spcBef>
-                <a:spcPts val="0"/>
-              </a:spcBef>
-              <a:spcAft>
-                <a:spcPts val="0"/>
-              </a:spcAft>
-              <a:buClrTx/>
-              <a:buSzTx/>
-              <a:buFontTx/>
-              <a:buNone/>
-              <a:defRPr sz="4400" b="0" i="0" u="none" strike="noStrike" cap="none" spc="0" baseline="0">
-                <a:ln>
-                  <a:noFill/>
-                </a:ln>
-                <a:solidFill>
-                  <a:srgbClr val="000000"/>
-                </a:solidFill>
-                <a:uFillTx/>
-                <a:latin typeface="+mj-lt"/>
-                <a:ea typeface="+mj-ea"/>
-                <a:cs typeface="+mj-cs"/>
-                <a:sym typeface="Calibri"/>
-              </a:defRPr>
-            </a:lvl9pPr>
-          </a:lstStyle>
-          <a:p>
-            <a:pPr algn="r" hangingPunct="1"/>
-            <a:r>
-              <a:rPr lang="pt-BR" sz="2000" b="1" dirty="0">
-                <a:solidFill>
-                  <a:schemeClr val="bg1"/>
-                </a:solidFill>
-              </a:rPr>
-              <a:t>Professor </a:t>
-            </a:r>
-            <a:r>
-              <a:rPr lang="pt-BR" sz="2000" b="1">
-                <a:solidFill>
-                  <a:schemeClr val="bg1"/>
-                </a:solidFill>
-              </a:rPr>
-              <a:t>M.Sc</a:t>
-            </a:r>
-            <a:r>
-              <a:rPr lang="pt-BR" sz="2000" b="1" dirty="0">
-                <a:solidFill>
-                  <a:schemeClr val="bg1"/>
-                </a:solidFill>
-              </a:rPr>
-              <a:t>. Heleno Cardoso</a:t>
-            </a:r>
+          <a:lstStyle/>
+          <a:p>
+            <a:pPr marL="0" indent="0" algn="just">
+              <a:buNone/>
+            </a:pPr>
+            <a:endParaRPr lang="pt-BR" sz="2400" dirty="0">
+              <a:latin typeface="Times New Roman" panose="02020603050405020304" pitchFamily="18" charset="0"/>
+              <a:cs typeface="Times New Roman" panose="02020603050405020304" pitchFamily="18" charset="0"/>
+            </a:endParaRPr>
+          </a:p>
+          <a:p>
+            <a:pPr marL="0" indent="0" algn="just">
+              <a:buNone/>
+            </a:pPr>
+            <a:r>
+              <a:rPr lang="pt-BR" sz="2400" dirty="0">
+                <a:latin typeface="Times New Roman" panose="02020603050405020304" pitchFamily="18" charset="0"/>
+                <a:cs typeface="Times New Roman" panose="02020603050405020304" pitchFamily="18" charset="0"/>
+              </a:rPr>
+              <a:t>[1] </a:t>
+            </a:r>
+            <a:r>
+              <a:rPr lang="pt-BR" sz="2400" dirty="0">
+                <a:latin typeface="Times New Roman" panose="02020603050405020304" pitchFamily="18" charset="0"/>
+                <a:cs typeface="Times New Roman" panose="02020603050405020304" pitchFamily="18" charset="0"/>
+                <a:hlinkClick r:id="rId3"/>
+              </a:rPr>
+              <a:t>https://www.youtube.com/watch?v=W6NZfCO5SIk</a:t>
+            </a:r>
+            <a:r>
+              <a:rPr lang="pt-BR" sz="2400" dirty="0">
+                <a:latin typeface="Times New Roman" panose="02020603050405020304" pitchFamily="18" charset="0"/>
+                <a:cs typeface="Times New Roman" panose="02020603050405020304" pitchFamily="18" charset="0"/>
+              </a:rPr>
+              <a:t> (JS)</a:t>
+            </a:r>
+          </a:p>
+          <a:p>
+            <a:pPr marL="0" indent="0" algn="just">
+              <a:buNone/>
+            </a:pPr>
+            <a:endParaRPr lang="pt-BR" sz="2400" dirty="0">
+              <a:latin typeface="Times New Roman" panose="02020603050405020304" pitchFamily="18" charset="0"/>
+              <a:cs typeface="Times New Roman" panose="02020603050405020304" pitchFamily="18" charset="0"/>
+            </a:endParaRPr>
+          </a:p>
+          <a:p>
+            <a:pPr marL="0" indent="0" algn="just">
+              <a:buNone/>
+            </a:pPr>
+            <a:endParaRPr lang="pt-BR" sz="2400" dirty="0">
+              <a:latin typeface="Times New Roman" panose="02020603050405020304" pitchFamily="18" charset="0"/>
+              <a:cs typeface="Times New Roman" panose="02020603050405020304" pitchFamily="18" charset="0"/>
+            </a:endParaRPr>
+          </a:p>
+          <a:p>
+            <a:pPr marL="0" indent="0" algn="just">
+              <a:buNone/>
+            </a:pPr>
+            <a:r>
+              <a:rPr lang="pt-BR" sz="2400" dirty="0">
+                <a:latin typeface="Times New Roman" panose="02020603050405020304" pitchFamily="18" charset="0"/>
+                <a:cs typeface="Times New Roman" panose="02020603050405020304" pitchFamily="18" charset="0"/>
+              </a:rPr>
+              <a:t>[2] </a:t>
+            </a:r>
+            <a:r>
+              <a:rPr lang="pt-BR" sz="2400" dirty="0">
+                <a:latin typeface="Times New Roman" panose="02020603050405020304" pitchFamily="18" charset="0"/>
+                <a:cs typeface="Times New Roman" panose="02020603050405020304" pitchFamily="18" charset="0"/>
+                <a:hlinkClick r:id="rId4"/>
+              </a:rPr>
+              <a:t>https://www.youtube.com/watch?v=gYZhIVCPlFY</a:t>
+            </a:r>
+            <a:r>
+              <a:rPr lang="pt-BR" sz="2400" dirty="0">
+                <a:latin typeface="Times New Roman" panose="02020603050405020304" pitchFamily="18" charset="0"/>
+                <a:cs typeface="Times New Roman" panose="02020603050405020304" pitchFamily="18" charset="0"/>
+              </a:rPr>
+              <a:t> (JS)</a:t>
+            </a:r>
+          </a:p>
+          <a:p>
+            <a:pPr marL="0" indent="0" algn="just">
+              <a:buNone/>
+            </a:pPr>
+            <a:endParaRPr lang="pt-BR" sz="2400" dirty="0">
+              <a:latin typeface="Times New Roman" panose="02020603050405020304" pitchFamily="18" charset="0"/>
+              <a:cs typeface="Times New Roman" panose="02020603050405020304" pitchFamily="18" charset="0"/>
+            </a:endParaRPr>
+          </a:p>
+          <a:p>
+            <a:pPr marL="0" indent="0" algn="just">
+              <a:buNone/>
+            </a:pPr>
+            <a:endParaRPr lang="pt-BR" sz="2400" dirty="0">
+              <a:latin typeface="Times New Roman" panose="02020603050405020304" pitchFamily="18" charset="0"/>
+              <a:cs typeface="Times New Roman" panose="02020603050405020304" pitchFamily="18" charset="0"/>
+            </a:endParaRPr>
           </a:p>
         </p:txBody>
       </p:sp>
     </p:spTree>
+    <p:extLst>
+      <p:ext uri="{BB962C8B-B14F-4D97-AF65-F5344CB8AC3E}">
+        <p14:creationId xmlns:p14="http://schemas.microsoft.com/office/powerpoint/2010/main" val="2747596967"/>
+      </p:ext>
+    </p:extLst>
+  </p:cSld>
+  <p:clrMapOvr>
+    <a:masterClrMapping/>
+  </p:clrMapOvr>
+  <p:transition spd="med"/>
+</p:sld>
+</file>
+
+<file path=ppt/slides/slide19.xml><?xml version="1.0" encoding="utf-8"?>
+<p:sld xmlns:a="http://schemas.openxmlformats.org/drawingml/2006/main" xmlns:r="http://schemas.openxmlformats.org/officeDocument/2006/relationships" xmlns:p="http://schemas.openxmlformats.org/presentationml/2006/main">
+  <p:cSld>
+    <p:spTree>
+      <p:nvGrpSpPr>
+        <p:cNvPr id="1" name=""/>
+        <p:cNvGrpSpPr/>
+        <p:nvPr/>
+      </p:nvGrpSpPr>
+      <p:grpSpPr>
+        <a:xfrm>
+          <a:off x="0" y="0"/>
+          <a:ext cx="0" cy="0"/>
+          <a:chOff x="0" y="0"/>
+          <a:chExt cx="0" cy="0"/>
+        </a:xfrm>
+      </p:grpSpPr>
+      <p:sp>
+        <p:nvSpPr>
+          <p:cNvPr id="6" name="Title 1"/>
+          <p:cNvSpPr>
+            <a:spLocks noGrp="1"/>
+          </p:cNvSpPr>
+          <p:nvPr>
+            <p:ph type="title"/>
+          </p:nvPr>
+        </p:nvSpPr>
+        <p:spPr>
+          <a:xfrm>
+            <a:off x="457200" y="205980"/>
+            <a:ext cx="8229600" cy="857251"/>
+          </a:xfrm>
+        </p:spPr>
+        <p:txBody>
+          <a:bodyPr>
+            <a:normAutofit/>
+          </a:bodyPr>
+          <a:lstStyle/>
+          <a:p>
+            <a:r>
+              <a:rPr lang="en-US" b="1" dirty="0" err="1">
+                <a:solidFill>
+                  <a:srgbClr val="0070C0"/>
+                </a:solidFill>
+              </a:rPr>
+              <a:t>Dinâmica</a:t>
+            </a:r>
+            <a:r>
+              <a:rPr lang="en-US" b="1" dirty="0">
+                <a:solidFill>
+                  <a:srgbClr val="0070C0"/>
+                </a:solidFill>
+              </a:rPr>
+              <a:t>/</a:t>
+            </a:r>
+            <a:r>
+              <a:rPr lang="en-US" b="1" dirty="0" err="1">
+                <a:solidFill>
+                  <a:srgbClr val="0070C0"/>
+                </a:solidFill>
+              </a:rPr>
+              <a:t>Atividades</a:t>
+            </a:r>
+            <a:endParaRPr lang="en-US" b="1" dirty="0">
+              <a:solidFill>
+                <a:srgbClr val="0070C0"/>
+              </a:solidFill>
+            </a:endParaRPr>
+          </a:p>
+        </p:txBody>
+      </p:sp>
+      <p:sp>
+        <p:nvSpPr>
+          <p:cNvPr id="8" name="Text Placeholder 2"/>
+          <p:cNvSpPr>
+            <a:spLocks noGrp="1"/>
+          </p:cNvSpPr>
+          <p:nvPr>
+            <p:ph type="body" sz="half" idx="1"/>
+          </p:nvPr>
+        </p:nvSpPr>
+        <p:spPr>
+          <a:xfrm>
+            <a:off x="139472" y="1063230"/>
+            <a:ext cx="8865056" cy="3606305"/>
+          </a:xfrm>
+        </p:spPr>
+        <p:txBody>
+          <a:bodyPr>
+            <a:noAutofit/>
+          </a:bodyPr>
+          <a:lstStyle/>
+          <a:p>
+            <a:pPr algn="just">
+              <a:buFontTx/>
+              <a:buChar char="-"/>
+            </a:pPr>
+            <a:r>
+              <a:rPr lang="pt-BR" dirty="0">
+                <a:latin typeface="Times New Roman" panose="02020603050405020304" pitchFamily="18" charset="0"/>
+                <a:cs typeface="Times New Roman" panose="02020603050405020304" pitchFamily="18" charset="0"/>
+              </a:rPr>
+              <a:t>Exercícios de Fixação </a:t>
+            </a:r>
+            <a:r>
+              <a:rPr lang="pt-BR" b="1" dirty="0">
+                <a:latin typeface="Times New Roman" panose="02020603050405020304" pitchFamily="18" charset="0"/>
+                <a:cs typeface="Times New Roman" panose="02020603050405020304" pitchFamily="18" charset="0"/>
+              </a:rPr>
+              <a:t>JS</a:t>
+            </a:r>
+          </a:p>
+          <a:p>
+            <a:pPr marL="0" indent="0" algn="just">
+              <a:buNone/>
+            </a:pPr>
+            <a:r>
+              <a:rPr lang="pt-BR" dirty="0">
+                <a:latin typeface="Times New Roman" panose="02020603050405020304" pitchFamily="18" charset="0"/>
+                <a:cs typeface="Times New Roman" panose="02020603050405020304" pitchFamily="18" charset="0"/>
+              </a:rPr>
+              <a:t>	</a:t>
+            </a:r>
+            <a:r>
+              <a:rPr lang="pt-BR" b="1" dirty="0">
+                <a:solidFill>
+                  <a:srgbClr val="FF0000"/>
+                </a:solidFill>
+                <a:latin typeface="Times New Roman" panose="02020603050405020304" pitchFamily="18" charset="0"/>
+                <a:cs typeface="Times New Roman" panose="02020603050405020304" pitchFamily="18" charset="0"/>
+              </a:rPr>
+              <a:t>Desafios em Sala de Aula</a:t>
+            </a:r>
+            <a:r>
+              <a:rPr lang="pt-BR" dirty="0">
+                <a:latin typeface="Times New Roman" panose="02020603050405020304" pitchFamily="18" charset="0"/>
+                <a:cs typeface="Times New Roman" panose="02020603050405020304" pitchFamily="18" charset="0"/>
+              </a:rPr>
+              <a:t>.</a:t>
+            </a:r>
+          </a:p>
+          <a:p>
+            <a:pPr marL="0" indent="0" algn="just">
+              <a:buNone/>
+            </a:pPr>
+            <a:r>
+              <a:rPr lang="pt-BR" dirty="0">
+                <a:latin typeface="Times New Roman" panose="02020603050405020304" pitchFamily="18" charset="0"/>
+                <a:cs typeface="Times New Roman" panose="02020603050405020304" pitchFamily="18" charset="0"/>
+              </a:rPr>
+              <a:t>	</a:t>
+            </a:r>
+          </a:p>
+          <a:p>
+            <a:pPr marL="0" indent="0" algn="just">
+              <a:buNone/>
+            </a:pPr>
+            <a:r>
+              <a:rPr lang="es-ES" dirty="0">
+                <a:latin typeface="Times New Roman" panose="02020603050405020304" pitchFamily="18" charset="0"/>
+                <a:cs typeface="Times New Roman" panose="02020603050405020304" pitchFamily="18" charset="0"/>
+              </a:rPr>
+              <a:t>- Quiz JS</a:t>
+            </a:r>
+          </a:p>
+          <a:p>
+            <a:pPr marL="0" indent="0" algn="just">
+              <a:buNone/>
+            </a:pPr>
+            <a:r>
+              <a:rPr lang="es-ES" dirty="0">
+                <a:latin typeface="Times New Roman" panose="02020603050405020304" pitchFamily="18" charset="0"/>
+                <a:cs typeface="Times New Roman" panose="02020603050405020304" pitchFamily="18" charset="0"/>
+                <a:hlinkClick r:id="rId3"/>
+              </a:rPr>
+              <a:t>https://www.w3schools.com/js/js_quiz.asp</a:t>
+            </a:r>
+            <a:endParaRPr lang="pt-BR" dirty="0">
+              <a:latin typeface="Calibri" panose="020F0502020204030204" pitchFamily="34" charset="0"/>
+            </a:endParaRPr>
+          </a:p>
+        </p:txBody>
+      </p:sp>
+    </p:spTree>
+    <p:extLst>
+      <p:ext uri="{BB962C8B-B14F-4D97-AF65-F5344CB8AC3E}">
+        <p14:creationId xmlns:p14="http://schemas.microsoft.com/office/powerpoint/2010/main" val="2470652989"/>
+      </p:ext>
+    </p:extLst>
   </p:cSld>
   <p:clrMapOvr>
     <a:masterClrMapping/>
@@ -6857,6 +7558,655 @@
 </p:sld>
 </file>
 
+<file path=ppt/slides/slide20.xml><?xml version="1.0" encoding="utf-8"?>
+<p:sld xmlns:a="http://schemas.openxmlformats.org/drawingml/2006/main" xmlns:r="http://schemas.openxmlformats.org/officeDocument/2006/relationships" xmlns:p="http://schemas.openxmlformats.org/presentationml/2006/main">
+  <p:cSld>
+    <p:spTree>
+      <p:nvGrpSpPr>
+        <p:cNvPr id="1" name=""/>
+        <p:cNvGrpSpPr/>
+        <p:nvPr/>
+      </p:nvGrpSpPr>
+      <p:grpSpPr>
+        <a:xfrm>
+          <a:off x="0" y="0"/>
+          <a:ext cx="0" cy="0"/>
+          <a:chOff x="0" y="0"/>
+          <a:chExt cx="0" cy="0"/>
+        </a:xfrm>
+      </p:grpSpPr>
+      <p:sp>
+        <p:nvSpPr>
+          <p:cNvPr id="6" name="Title 1"/>
+          <p:cNvSpPr>
+            <a:spLocks noGrp="1"/>
+          </p:cNvSpPr>
+          <p:nvPr>
+            <p:ph type="title"/>
+          </p:nvPr>
+        </p:nvSpPr>
+        <p:spPr>
+          <a:xfrm>
+            <a:off x="457200" y="205980"/>
+            <a:ext cx="8229600" cy="857251"/>
+          </a:xfrm>
+        </p:spPr>
+        <p:txBody>
+          <a:bodyPr>
+            <a:normAutofit/>
+          </a:bodyPr>
+          <a:lstStyle/>
+          <a:p>
+            <a:r>
+              <a:rPr lang="en-US" b="1" dirty="0" err="1">
+                <a:solidFill>
+                  <a:srgbClr val="0070C0"/>
+                </a:solidFill>
+              </a:rPr>
+              <a:t>Referências</a:t>
+            </a:r>
+            <a:r>
+              <a:rPr lang="en-US" b="1" dirty="0">
+                <a:solidFill>
+                  <a:srgbClr val="0070C0"/>
+                </a:solidFill>
+              </a:rPr>
+              <a:t> </a:t>
+            </a:r>
+            <a:r>
+              <a:rPr lang="en-US" b="1" dirty="0" err="1">
+                <a:solidFill>
+                  <a:srgbClr val="0070C0"/>
+                </a:solidFill>
+              </a:rPr>
+              <a:t>Bibliográficas</a:t>
+            </a:r>
+            <a:endParaRPr lang="en-US" b="1" dirty="0">
+              <a:solidFill>
+                <a:srgbClr val="0070C0"/>
+              </a:solidFill>
+            </a:endParaRPr>
+          </a:p>
+        </p:txBody>
+      </p:sp>
+      <p:sp>
+        <p:nvSpPr>
+          <p:cNvPr id="8" name="Text Placeholder 2"/>
+          <p:cNvSpPr>
+            <a:spLocks noGrp="1"/>
+          </p:cNvSpPr>
+          <p:nvPr>
+            <p:ph type="body" sz="half" idx="1"/>
+          </p:nvPr>
+        </p:nvSpPr>
+        <p:spPr>
+          <a:xfrm>
+            <a:off x="142865" y="1200151"/>
+            <a:ext cx="8865056" cy="3394472"/>
+          </a:xfrm>
+        </p:spPr>
+        <p:txBody>
+          <a:bodyPr>
+            <a:noAutofit/>
+          </a:bodyPr>
+          <a:lstStyle/>
+          <a:p>
+            <a:pPr marL="0" indent="0" algn="just">
+              <a:buNone/>
+            </a:pPr>
+            <a:endParaRPr lang="pt-BR" sz="2400" dirty="0">
+              <a:latin typeface="Times New Roman" panose="02020603050405020304" pitchFamily="18" charset="0"/>
+              <a:cs typeface="Times New Roman" panose="02020603050405020304" pitchFamily="18" charset="0"/>
+            </a:endParaRPr>
+          </a:p>
+          <a:p>
+            <a:pPr marL="0" indent="0" algn="just">
+              <a:buNone/>
+            </a:pPr>
+            <a:r>
+              <a:rPr lang="pt-BR" sz="2400" dirty="0">
+                <a:latin typeface="Times New Roman" panose="02020603050405020304" pitchFamily="18" charset="0"/>
+                <a:cs typeface="Times New Roman" panose="02020603050405020304" pitchFamily="18" charset="0"/>
+              </a:rPr>
+              <a:t>[1] Site: </a:t>
+            </a:r>
+            <a:r>
+              <a:rPr lang="pt-BR" sz="2400" dirty="0">
+                <a:latin typeface="Times New Roman" panose="02020603050405020304" pitchFamily="18" charset="0"/>
+                <a:cs typeface="Times New Roman" panose="02020603050405020304" pitchFamily="18" charset="0"/>
+                <a:hlinkClick r:id="rId3"/>
+              </a:rPr>
+              <a:t>https://developer.mozilla.org/pt-BR/docs/Web/JavaScript</a:t>
+            </a:r>
+            <a:endParaRPr lang="pt-BR" sz="2400" dirty="0">
+              <a:latin typeface="Times New Roman" panose="02020603050405020304" pitchFamily="18" charset="0"/>
+              <a:cs typeface="Times New Roman" panose="02020603050405020304" pitchFamily="18" charset="0"/>
+            </a:endParaRPr>
+          </a:p>
+          <a:p>
+            <a:pPr marL="0" indent="0" algn="just">
+              <a:buNone/>
+            </a:pPr>
+            <a:endParaRPr lang="pt-BR" sz="2400" dirty="0">
+              <a:latin typeface="Times New Roman" panose="02020603050405020304" pitchFamily="18" charset="0"/>
+              <a:cs typeface="Times New Roman" panose="02020603050405020304" pitchFamily="18" charset="0"/>
+            </a:endParaRPr>
+          </a:p>
+          <a:p>
+            <a:pPr marL="0" indent="0" algn="just">
+              <a:buNone/>
+            </a:pPr>
+            <a:endParaRPr lang="pt-BR" sz="2400" dirty="0">
+              <a:latin typeface="Times New Roman" panose="02020603050405020304" pitchFamily="18" charset="0"/>
+              <a:cs typeface="Times New Roman" panose="02020603050405020304" pitchFamily="18" charset="0"/>
+            </a:endParaRPr>
+          </a:p>
+          <a:p>
+            <a:pPr marL="0" indent="0" algn="just">
+              <a:buNone/>
+            </a:pPr>
+            <a:r>
+              <a:rPr lang="pt-BR" sz="2400" dirty="0">
+                <a:latin typeface="Times New Roman" panose="02020603050405020304" pitchFamily="18" charset="0"/>
+                <a:cs typeface="Times New Roman" panose="02020603050405020304" pitchFamily="18" charset="0"/>
+              </a:rPr>
+              <a:t>[2] Site: </a:t>
+            </a:r>
+            <a:r>
+              <a:rPr lang="pt-BR" sz="2400" dirty="0">
+                <a:latin typeface="Times New Roman" panose="02020603050405020304" pitchFamily="18" charset="0"/>
+                <a:cs typeface="Times New Roman" panose="02020603050405020304" pitchFamily="18" charset="0"/>
+                <a:hlinkClick r:id="rId4"/>
+              </a:rPr>
+              <a:t>https://www.w3schools.com/jsref/</a:t>
+            </a:r>
+            <a:endParaRPr lang="pt-BR" sz="2400" dirty="0">
+              <a:latin typeface="Times New Roman" panose="02020603050405020304" pitchFamily="18" charset="0"/>
+              <a:cs typeface="Times New Roman" panose="02020603050405020304" pitchFamily="18" charset="0"/>
+            </a:endParaRPr>
+          </a:p>
+        </p:txBody>
+      </p:sp>
+    </p:spTree>
+    <p:extLst>
+      <p:ext uri="{BB962C8B-B14F-4D97-AF65-F5344CB8AC3E}">
+        <p14:creationId xmlns:p14="http://schemas.microsoft.com/office/powerpoint/2010/main" val="1115311843"/>
+      </p:ext>
+    </p:extLst>
+  </p:cSld>
+  <p:clrMapOvr>
+    <a:masterClrMapping/>
+  </p:clrMapOvr>
+  <p:transition spd="med"/>
+</p:sld>
+</file>
+
+<file path=ppt/slides/slide21.xml><?xml version="1.0" encoding="utf-8"?>
+<p:sld xmlns:a="http://schemas.openxmlformats.org/drawingml/2006/main" xmlns:r="http://schemas.openxmlformats.org/officeDocument/2006/relationships" xmlns:p="http://schemas.openxmlformats.org/presentationml/2006/main">
+  <p:cSld>
+    <p:spTree>
+      <p:nvGrpSpPr>
+        <p:cNvPr id="1" name=""/>
+        <p:cNvGrpSpPr/>
+        <p:nvPr/>
+      </p:nvGrpSpPr>
+      <p:grpSpPr>
+        <a:xfrm>
+          <a:off x="0" y="0"/>
+          <a:ext cx="0" cy="0"/>
+          <a:chOff x="0" y="0"/>
+          <a:chExt cx="0" cy="0"/>
+        </a:xfrm>
+      </p:grpSpPr>
+      <p:pic>
+        <p:nvPicPr>
+          <p:cNvPr id="112" name="Picture 6" descr="Picture 6"/>
+          <p:cNvPicPr>
+            <a:picLocks noChangeAspect="1"/>
+          </p:cNvPicPr>
+          <p:nvPr/>
+        </p:nvPicPr>
+        <p:blipFill>
+          <a:blip r:embed="rId2"/>
+          <a:stretch>
+            <a:fillRect/>
+          </a:stretch>
+        </p:blipFill>
+        <p:spPr>
+          <a:xfrm>
+            <a:off x="0" y="0"/>
+            <a:ext cx="9144000" cy="5143500"/>
+          </a:xfrm>
+          <a:prstGeom prst="rect">
+            <a:avLst/>
+          </a:prstGeom>
+          <a:ln w="12700">
+            <a:miter lim="400000"/>
+            <a:headEnd/>
+            <a:tailEnd/>
+          </a:ln>
+        </p:spPr>
+      </p:pic>
+      <p:pic>
+        <p:nvPicPr>
+          <p:cNvPr id="114" name="Picture 5" descr="Picture 5"/>
+          <p:cNvPicPr>
+            <a:picLocks noChangeAspect="1"/>
+          </p:cNvPicPr>
+          <p:nvPr/>
+        </p:nvPicPr>
+        <p:blipFill>
+          <a:blip r:embed="rId3"/>
+          <a:stretch>
+            <a:fillRect/>
+          </a:stretch>
+        </p:blipFill>
+        <p:spPr>
+          <a:xfrm>
+            <a:off x="469900" y="0"/>
+            <a:ext cx="4391984" cy="171450"/>
+          </a:xfrm>
+          <a:prstGeom prst="rect">
+            <a:avLst/>
+          </a:prstGeom>
+          <a:ln w="12700">
+            <a:miter lim="400000"/>
+            <a:headEnd/>
+            <a:tailEnd/>
+          </a:ln>
+        </p:spPr>
+      </p:pic>
+      <p:pic>
+        <p:nvPicPr>
+          <p:cNvPr id="115" name="Imagem" descr="Imagem"/>
+          <p:cNvPicPr>
+            <a:picLocks noChangeAspect="1"/>
+          </p:cNvPicPr>
+          <p:nvPr/>
+        </p:nvPicPr>
+        <p:blipFill>
+          <a:blip r:embed="rId4"/>
+          <a:stretch>
+            <a:fillRect/>
+          </a:stretch>
+        </p:blipFill>
+        <p:spPr>
+          <a:xfrm>
+            <a:off x="823046" y="300823"/>
+            <a:ext cx="3685692" cy="1189055"/>
+          </a:xfrm>
+          <a:prstGeom prst="rect">
+            <a:avLst/>
+          </a:prstGeom>
+          <a:ln w="12700">
+            <a:miter lim="400000"/>
+            <a:headEnd/>
+            <a:tailEnd/>
+          </a:ln>
+        </p:spPr>
+      </p:pic>
+      <p:sp>
+        <p:nvSpPr>
+          <p:cNvPr id="3" name="Título 2"/>
+          <p:cNvSpPr>
+            <a:spLocks noGrp="1"/>
+          </p:cNvSpPr>
+          <p:nvPr>
+            <p:ph type="title"/>
+          </p:nvPr>
+        </p:nvSpPr>
+        <p:spPr>
+          <a:xfrm>
+            <a:off x="285751" y="2386770"/>
+            <a:ext cx="8615364" cy="1102519"/>
+          </a:xfrm>
+        </p:spPr>
+        <p:txBody>
+          <a:bodyPr>
+            <a:noAutofit/>
+          </a:bodyPr>
+          <a:lstStyle/>
+          <a:p>
+            <a:r>
+              <a:rPr lang="pt-BR" sz="4800" b="1" dirty="0">
+                <a:solidFill>
+                  <a:schemeClr val="bg1"/>
+                </a:solidFill>
+              </a:rPr>
+              <a:t>Desenvolvimento Web </a:t>
+            </a:r>
+            <a:br>
+              <a:rPr lang="pt-BR" sz="4800" b="1" dirty="0">
+                <a:solidFill>
+                  <a:schemeClr val="bg1"/>
+                </a:solidFill>
+              </a:rPr>
+            </a:br>
+            <a:r>
+              <a:rPr lang="pt-BR" sz="4800" b="1" dirty="0">
+                <a:solidFill>
+                  <a:schemeClr val="bg1"/>
+                </a:solidFill>
+              </a:rPr>
+              <a:t>JS</a:t>
+            </a:r>
+          </a:p>
+        </p:txBody>
+      </p:sp>
+      <p:sp>
+        <p:nvSpPr>
+          <p:cNvPr id="6" name="Título 2"/>
+          <p:cNvSpPr txBox="1"/>
+          <p:nvPr/>
+        </p:nvSpPr>
+        <p:spPr>
+          <a:xfrm>
+            <a:off x="975683" y="3866663"/>
+            <a:ext cx="7772400" cy="1102519"/>
+          </a:xfrm>
+          <a:prstGeom prst="rect">
+            <a:avLst/>
+          </a:prstGeom>
+          <a:ln w="12700">
+            <a:miter lim="400000"/>
+          </a:ln>
+        </p:spPr>
+        <p:txBody>
+          <a:bodyPr lIns="45718" tIns="45718" rIns="45718" bIns="45718" anchor="ctr">
+            <a:noAutofit/>
+          </a:bodyPr>
+          <a:lstStyle>
+            <a:lvl1pPr marL="0" marR="0" indent="0" algn="ctr" defTabSz="457200" rtl="0" latinLnBrk="0">
+              <a:lnSpc>
+                <a:spcPct val="100000"/>
+              </a:lnSpc>
+              <a:spcBef>
+                <a:spcPts val="0"/>
+              </a:spcBef>
+              <a:spcAft>
+                <a:spcPts val="0"/>
+              </a:spcAft>
+              <a:buClrTx/>
+              <a:buSzTx/>
+              <a:buFontTx/>
+              <a:buNone/>
+              <a:defRPr sz="4400" b="0" i="0" u="none" strike="noStrike" cap="none" spc="0" baseline="0">
+                <a:ln>
+                  <a:noFill/>
+                </a:ln>
+                <a:solidFill>
+                  <a:srgbClr val="000000"/>
+                </a:solidFill>
+                <a:uFillTx/>
+                <a:latin typeface="+mj-lt"/>
+                <a:ea typeface="+mj-ea"/>
+                <a:cs typeface="+mj-cs"/>
+                <a:sym typeface="Calibri"/>
+              </a:defRPr>
+            </a:lvl1pPr>
+            <a:lvl2pPr marL="0" marR="0" indent="0" algn="ctr" defTabSz="457200" rtl="0" latinLnBrk="0">
+              <a:lnSpc>
+                <a:spcPct val="100000"/>
+              </a:lnSpc>
+              <a:spcBef>
+                <a:spcPts val="0"/>
+              </a:spcBef>
+              <a:spcAft>
+                <a:spcPts val="0"/>
+              </a:spcAft>
+              <a:buClrTx/>
+              <a:buSzTx/>
+              <a:buFontTx/>
+              <a:buNone/>
+              <a:defRPr sz="4400" b="0" i="0" u="none" strike="noStrike" cap="none" spc="0" baseline="0">
+                <a:ln>
+                  <a:noFill/>
+                </a:ln>
+                <a:solidFill>
+                  <a:srgbClr val="000000"/>
+                </a:solidFill>
+                <a:uFillTx/>
+                <a:latin typeface="+mj-lt"/>
+                <a:ea typeface="+mj-ea"/>
+                <a:cs typeface="+mj-cs"/>
+                <a:sym typeface="Calibri"/>
+              </a:defRPr>
+            </a:lvl2pPr>
+            <a:lvl3pPr marL="0" marR="0" indent="0" algn="ctr" defTabSz="457200" rtl="0" latinLnBrk="0">
+              <a:lnSpc>
+                <a:spcPct val="100000"/>
+              </a:lnSpc>
+              <a:spcBef>
+                <a:spcPts val="0"/>
+              </a:spcBef>
+              <a:spcAft>
+                <a:spcPts val="0"/>
+              </a:spcAft>
+              <a:buClrTx/>
+              <a:buSzTx/>
+              <a:buFontTx/>
+              <a:buNone/>
+              <a:defRPr sz="4400" b="0" i="0" u="none" strike="noStrike" cap="none" spc="0" baseline="0">
+                <a:ln>
+                  <a:noFill/>
+                </a:ln>
+                <a:solidFill>
+                  <a:srgbClr val="000000"/>
+                </a:solidFill>
+                <a:uFillTx/>
+                <a:latin typeface="+mj-lt"/>
+                <a:ea typeface="+mj-ea"/>
+                <a:cs typeface="+mj-cs"/>
+                <a:sym typeface="Calibri"/>
+              </a:defRPr>
+            </a:lvl3pPr>
+            <a:lvl4pPr marL="0" marR="0" indent="0" algn="ctr" defTabSz="457200" rtl="0" latinLnBrk="0">
+              <a:lnSpc>
+                <a:spcPct val="100000"/>
+              </a:lnSpc>
+              <a:spcBef>
+                <a:spcPts val="0"/>
+              </a:spcBef>
+              <a:spcAft>
+                <a:spcPts val="0"/>
+              </a:spcAft>
+              <a:buClrTx/>
+              <a:buSzTx/>
+              <a:buFontTx/>
+              <a:buNone/>
+              <a:defRPr sz="4400" b="0" i="0" u="none" strike="noStrike" cap="none" spc="0" baseline="0">
+                <a:ln>
+                  <a:noFill/>
+                </a:ln>
+                <a:solidFill>
+                  <a:srgbClr val="000000"/>
+                </a:solidFill>
+                <a:uFillTx/>
+                <a:latin typeface="+mj-lt"/>
+                <a:ea typeface="+mj-ea"/>
+                <a:cs typeface="+mj-cs"/>
+                <a:sym typeface="Calibri"/>
+              </a:defRPr>
+            </a:lvl4pPr>
+            <a:lvl5pPr marL="0" marR="0" indent="0" algn="ctr" defTabSz="457200" rtl="0" latinLnBrk="0">
+              <a:lnSpc>
+                <a:spcPct val="100000"/>
+              </a:lnSpc>
+              <a:spcBef>
+                <a:spcPts val="0"/>
+              </a:spcBef>
+              <a:spcAft>
+                <a:spcPts val="0"/>
+              </a:spcAft>
+              <a:buClrTx/>
+              <a:buSzTx/>
+              <a:buFontTx/>
+              <a:buNone/>
+              <a:defRPr sz="4400" b="0" i="0" u="none" strike="noStrike" cap="none" spc="0" baseline="0">
+                <a:ln>
+                  <a:noFill/>
+                </a:ln>
+                <a:solidFill>
+                  <a:srgbClr val="000000"/>
+                </a:solidFill>
+                <a:uFillTx/>
+                <a:latin typeface="+mj-lt"/>
+                <a:ea typeface="+mj-ea"/>
+                <a:cs typeface="+mj-cs"/>
+                <a:sym typeface="Calibri"/>
+              </a:defRPr>
+            </a:lvl5pPr>
+            <a:lvl6pPr marL="0" marR="0" indent="0" algn="ctr" defTabSz="457200" rtl="0" latinLnBrk="0">
+              <a:lnSpc>
+                <a:spcPct val="100000"/>
+              </a:lnSpc>
+              <a:spcBef>
+                <a:spcPts val="0"/>
+              </a:spcBef>
+              <a:spcAft>
+                <a:spcPts val="0"/>
+              </a:spcAft>
+              <a:buClrTx/>
+              <a:buSzTx/>
+              <a:buFontTx/>
+              <a:buNone/>
+              <a:defRPr sz="4400" b="0" i="0" u="none" strike="noStrike" cap="none" spc="0" baseline="0">
+                <a:ln>
+                  <a:noFill/>
+                </a:ln>
+                <a:solidFill>
+                  <a:srgbClr val="000000"/>
+                </a:solidFill>
+                <a:uFillTx/>
+                <a:latin typeface="+mj-lt"/>
+                <a:ea typeface="+mj-ea"/>
+                <a:cs typeface="+mj-cs"/>
+                <a:sym typeface="Calibri"/>
+              </a:defRPr>
+            </a:lvl6pPr>
+            <a:lvl7pPr marL="0" marR="0" indent="0" algn="ctr" defTabSz="457200" rtl="0" latinLnBrk="0">
+              <a:lnSpc>
+                <a:spcPct val="100000"/>
+              </a:lnSpc>
+              <a:spcBef>
+                <a:spcPts val="0"/>
+              </a:spcBef>
+              <a:spcAft>
+                <a:spcPts val="0"/>
+              </a:spcAft>
+              <a:buClrTx/>
+              <a:buSzTx/>
+              <a:buFontTx/>
+              <a:buNone/>
+              <a:defRPr sz="4400" b="0" i="0" u="none" strike="noStrike" cap="none" spc="0" baseline="0">
+                <a:ln>
+                  <a:noFill/>
+                </a:ln>
+                <a:solidFill>
+                  <a:srgbClr val="000000"/>
+                </a:solidFill>
+                <a:uFillTx/>
+                <a:latin typeface="+mj-lt"/>
+                <a:ea typeface="+mj-ea"/>
+                <a:cs typeface="+mj-cs"/>
+                <a:sym typeface="Calibri"/>
+              </a:defRPr>
+            </a:lvl7pPr>
+            <a:lvl8pPr marL="0" marR="0" indent="0" algn="ctr" defTabSz="457200" rtl="0" latinLnBrk="0">
+              <a:lnSpc>
+                <a:spcPct val="100000"/>
+              </a:lnSpc>
+              <a:spcBef>
+                <a:spcPts val="0"/>
+              </a:spcBef>
+              <a:spcAft>
+                <a:spcPts val="0"/>
+              </a:spcAft>
+              <a:buClrTx/>
+              <a:buSzTx/>
+              <a:buFontTx/>
+              <a:buNone/>
+              <a:defRPr sz="4400" b="0" i="0" u="none" strike="noStrike" cap="none" spc="0" baseline="0">
+                <a:ln>
+                  <a:noFill/>
+                </a:ln>
+                <a:solidFill>
+                  <a:srgbClr val="000000"/>
+                </a:solidFill>
+                <a:uFillTx/>
+                <a:latin typeface="+mj-lt"/>
+                <a:ea typeface="+mj-ea"/>
+                <a:cs typeface="+mj-cs"/>
+                <a:sym typeface="Calibri"/>
+              </a:defRPr>
+            </a:lvl8pPr>
+            <a:lvl9pPr marL="0" marR="0" indent="0" algn="ctr" defTabSz="457200" rtl="0" latinLnBrk="0">
+              <a:lnSpc>
+                <a:spcPct val="100000"/>
+              </a:lnSpc>
+              <a:spcBef>
+                <a:spcPts val="0"/>
+              </a:spcBef>
+              <a:spcAft>
+                <a:spcPts val="0"/>
+              </a:spcAft>
+              <a:buClrTx/>
+              <a:buSzTx/>
+              <a:buFontTx/>
+              <a:buNone/>
+              <a:defRPr sz="4400" b="0" i="0" u="none" strike="noStrike" cap="none" spc="0" baseline="0">
+                <a:ln>
+                  <a:noFill/>
+                </a:ln>
+                <a:solidFill>
+                  <a:srgbClr val="000000"/>
+                </a:solidFill>
+                <a:uFillTx/>
+                <a:latin typeface="+mj-lt"/>
+                <a:ea typeface="+mj-ea"/>
+                <a:cs typeface="+mj-cs"/>
+                <a:sym typeface="Calibri"/>
+              </a:defRPr>
+            </a:lvl9pPr>
+          </a:lstStyle>
+          <a:p>
+            <a:pPr algn="r" hangingPunct="1"/>
+            <a:r>
+              <a:rPr lang="pt-BR" sz="2000" b="1" dirty="0">
+                <a:solidFill>
+                  <a:schemeClr val="bg1"/>
+                </a:solidFill>
+              </a:rPr>
+              <a:t>Professor </a:t>
+            </a:r>
+            <a:r>
+              <a:rPr lang="pt-BR" sz="2000" b="1">
+                <a:solidFill>
+                  <a:schemeClr val="bg1"/>
+                </a:solidFill>
+              </a:rPr>
+              <a:t>M.Sc</a:t>
+            </a:r>
+            <a:r>
+              <a:rPr lang="pt-BR" sz="2000" b="1" dirty="0">
+                <a:solidFill>
+                  <a:schemeClr val="bg1"/>
+                </a:solidFill>
+              </a:rPr>
+              <a:t>. Heleno Cardoso</a:t>
+            </a:r>
+          </a:p>
+        </p:txBody>
+      </p:sp>
+    </p:spTree>
+  </p:cSld>
+  <p:clrMapOvr>
+    <a:masterClrMapping/>
+  </p:clrMapOvr>
+  <p:transition spd="med"/>
+</p:sld>
+</file>
+
 <file path=ppt/slides/slide3.xml><?xml version="1.0" encoding="utf-8"?>
 <p:sld xmlns:a="http://schemas.openxmlformats.org/drawingml/2006/main" xmlns:r="http://schemas.openxmlformats.org/officeDocument/2006/relationships" xmlns:p="http://schemas.openxmlformats.org/presentationml/2006/main">
   <p:cSld>
@@ -6970,6 +8320,102 @@
             </a:endParaRPr>
           </a:p>
           <a:p>
+            <a:pPr algn="just">
+              <a:buFont typeface="Wingdings" panose="05000000000000000000" pitchFamily="2" charset="2"/>
+              <a:buChar char="§"/>
+            </a:pPr>
+            <a:r>
+              <a:rPr lang="pt-BR" sz="2400" b="1" dirty="0" err="1">
+                <a:solidFill>
+                  <a:srgbClr val="FF0000"/>
+                </a:solidFill>
+                <a:latin typeface="Times New Roman" panose="02020603050405020304" pitchFamily="18" charset="0"/>
+                <a:cs typeface="Times New Roman" panose="02020603050405020304" pitchFamily="18" charset="0"/>
+              </a:rPr>
+              <a:t>Deploy</a:t>
+            </a:r>
+            <a:r>
+              <a:rPr lang="pt-BR" sz="2400" b="1" dirty="0">
+                <a:solidFill>
+                  <a:srgbClr val="FF0000"/>
+                </a:solidFill>
+                <a:latin typeface="Times New Roman" panose="02020603050405020304" pitchFamily="18" charset="0"/>
+                <a:cs typeface="Times New Roman" panose="02020603050405020304" pitchFamily="18" charset="0"/>
+              </a:rPr>
+              <a:t> do Site: </a:t>
+            </a:r>
+            <a:r>
+              <a:rPr lang="pt-BR" sz="2400" b="1" dirty="0" err="1">
+                <a:solidFill>
+                  <a:srgbClr val="FF0000"/>
+                </a:solidFill>
+                <a:latin typeface="Times New Roman" panose="02020603050405020304" pitchFamily="18" charset="0"/>
+                <a:cs typeface="Times New Roman" panose="02020603050405020304" pitchFamily="18" charset="0"/>
+              </a:rPr>
+              <a:t>Netlify</a:t>
+            </a:r>
+            <a:r>
+              <a:rPr lang="pt-BR" sz="2400" b="1" dirty="0">
+                <a:solidFill>
+                  <a:srgbClr val="FF0000"/>
+                </a:solidFill>
+                <a:latin typeface="Times New Roman" panose="02020603050405020304" pitchFamily="18" charset="0"/>
+                <a:cs typeface="Times New Roman" panose="02020603050405020304" pitchFamily="18" charset="0"/>
+              </a:rPr>
+              <a:t>/</a:t>
+            </a:r>
+            <a:r>
+              <a:rPr lang="pt-BR" sz="2400" b="1" dirty="0" err="1">
+                <a:solidFill>
+                  <a:srgbClr val="FF0000"/>
+                </a:solidFill>
+                <a:latin typeface="Times New Roman" panose="02020603050405020304" pitchFamily="18" charset="0"/>
+                <a:cs typeface="Times New Roman" panose="02020603050405020304" pitchFamily="18" charset="0"/>
+              </a:rPr>
+              <a:t>Github</a:t>
+            </a:r>
+            <a:endParaRPr lang="pt-BR" sz="2400" b="1" dirty="0">
+              <a:solidFill>
+                <a:srgbClr val="FF0000"/>
+              </a:solidFill>
+              <a:latin typeface="Times New Roman" panose="02020603050405020304" pitchFamily="18" charset="0"/>
+              <a:cs typeface="Times New Roman" panose="02020603050405020304" pitchFamily="18" charset="0"/>
+            </a:endParaRPr>
+          </a:p>
+          <a:p>
+            <a:pPr algn="just">
+              <a:buFont typeface="Wingdings" panose="05000000000000000000" pitchFamily="2" charset="2"/>
+              <a:buChar char="§"/>
+            </a:pPr>
+            <a:r>
+              <a:rPr lang="pt-BR" sz="2400" b="1" dirty="0">
+                <a:solidFill>
+                  <a:srgbClr val="FF0000"/>
+                </a:solidFill>
+                <a:latin typeface="Times New Roman" panose="02020603050405020304" pitchFamily="18" charset="0"/>
+                <a:cs typeface="Times New Roman" panose="02020603050405020304" pitchFamily="18" charset="0"/>
+              </a:rPr>
+              <a:t>Exercícios: CSS/</a:t>
+            </a:r>
+            <a:r>
+              <a:rPr lang="pt-BR" sz="2400" b="1" dirty="0" err="1">
+                <a:solidFill>
+                  <a:srgbClr val="FF0000"/>
+                </a:solidFill>
+                <a:latin typeface="Times New Roman" panose="02020603050405020304" pitchFamily="18" charset="0"/>
+                <a:cs typeface="Times New Roman" panose="02020603050405020304" pitchFamily="18" charset="0"/>
+              </a:rPr>
+              <a:t>Bootstrap</a:t>
+            </a:r>
+            <a:endParaRPr lang="pt-BR" sz="2400" b="1" dirty="0">
+              <a:solidFill>
+                <a:srgbClr val="FF0000"/>
+              </a:solidFill>
+              <a:latin typeface="Times New Roman" panose="02020603050405020304" pitchFamily="18" charset="0"/>
+              <a:cs typeface="Times New Roman" panose="02020603050405020304" pitchFamily="18" charset="0"/>
+            </a:endParaRPr>
+          </a:p>
+          <a:p>
             <a:pPr marL="0" indent="0" algn="just">
               <a:buNone/>
             </a:pPr>
@@ -6985,6 +8431,316 @@
             <a:pPr marL="0" indent="0" algn="just">
               <a:buNone/>
             </a:pPr>
+            <a:r>
+              <a:rPr lang="pt-BR" sz="2400" b="1" dirty="0">
+                <a:solidFill>
+                  <a:schemeClr val="tx1"/>
+                </a:solidFill>
+                <a:latin typeface="Times New Roman" panose="02020603050405020304" pitchFamily="18" charset="0"/>
+                <a:cs typeface="Times New Roman" panose="02020603050405020304" pitchFamily="18" charset="0"/>
+              </a:rPr>
+              <a:t>Nota</a:t>
+            </a:r>
+            <a:r>
+              <a:rPr lang="pt-BR" sz="2400" dirty="0">
+                <a:solidFill>
+                  <a:schemeClr val="tx1"/>
+                </a:solidFill>
+                <a:latin typeface="Times New Roman" panose="02020603050405020304" pitchFamily="18" charset="0"/>
+                <a:cs typeface="Times New Roman" panose="02020603050405020304" pitchFamily="18" charset="0"/>
+              </a:rPr>
+              <a:t>: </a:t>
+            </a:r>
+            <a:r>
+              <a:rPr lang="pt-BR" sz="2400" dirty="0" err="1">
+                <a:solidFill>
+                  <a:schemeClr val="tx1"/>
+                </a:solidFill>
+                <a:latin typeface="Times New Roman" panose="02020603050405020304" pitchFamily="18" charset="0"/>
+                <a:cs typeface="Times New Roman" panose="02020603050405020304" pitchFamily="18" charset="0"/>
+              </a:rPr>
+              <a:t>AngularJS</a:t>
+            </a:r>
+            <a:r>
+              <a:rPr lang="pt-BR" sz="2400" dirty="0">
+                <a:solidFill>
+                  <a:schemeClr val="tx1"/>
+                </a:solidFill>
+                <a:latin typeface="Times New Roman" panose="02020603050405020304" pitchFamily="18" charset="0"/>
+                <a:cs typeface="Times New Roman" panose="02020603050405020304" pitchFamily="18" charset="0"/>
+              </a:rPr>
+              <a:t> (</a:t>
+            </a:r>
+            <a:r>
+              <a:rPr lang="pt-BR" sz="2400" b="1" dirty="0">
+                <a:solidFill>
+                  <a:schemeClr val="tx1"/>
+                </a:solidFill>
+                <a:latin typeface="Times New Roman" panose="02020603050405020304" pitchFamily="18" charset="0"/>
+                <a:cs typeface="Times New Roman" panose="02020603050405020304" pitchFamily="18" charset="0"/>
+              </a:rPr>
+              <a:t>Google</a:t>
+            </a:r>
+            <a:r>
+              <a:rPr lang="pt-BR" sz="2400" dirty="0">
+                <a:solidFill>
+                  <a:schemeClr val="tx1"/>
+                </a:solidFill>
+                <a:latin typeface="Times New Roman" panose="02020603050405020304" pitchFamily="18" charset="0"/>
+                <a:cs typeface="Times New Roman" panose="02020603050405020304" pitchFamily="18" charset="0"/>
+              </a:rPr>
+              <a:t>); React.JS/</a:t>
+            </a:r>
+            <a:r>
+              <a:rPr lang="pt-BR" sz="2400" dirty="0" err="1">
+                <a:solidFill>
+                  <a:schemeClr val="tx1"/>
+                </a:solidFill>
+                <a:latin typeface="Times New Roman" panose="02020603050405020304" pitchFamily="18" charset="0"/>
+                <a:cs typeface="Times New Roman" panose="02020603050405020304" pitchFamily="18" charset="0"/>
+              </a:rPr>
+              <a:t>React</a:t>
+            </a:r>
+            <a:r>
+              <a:rPr lang="pt-BR" sz="2400" dirty="0">
+                <a:solidFill>
+                  <a:schemeClr val="tx1"/>
+                </a:solidFill>
+                <a:latin typeface="Times New Roman" panose="02020603050405020304" pitchFamily="18" charset="0"/>
+                <a:cs typeface="Times New Roman" panose="02020603050405020304" pitchFamily="18" charset="0"/>
+              </a:rPr>
+              <a:t> </a:t>
+            </a:r>
+            <a:r>
+              <a:rPr lang="pt-BR" sz="2400" dirty="0" err="1">
+                <a:solidFill>
+                  <a:schemeClr val="tx1"/>
+                </a:solidFill>
+                <a:latin typeface="Times New Roman" panose="02020603050405020304" pitchFamily="18" charset="0"/>
+                <a:cs typeface="Times New Roman" panose="02020603050405020304" pitchFamily="18" charset="0"/>
+              </a:rPr>
+              <a:t>Native</a:t>
+            </a:r>
+            <a:r>
+              <a:rPr lang="pt-BR" sz="2400" dirty="0">
+                <a:solidFill>
+                  <a:schemeClr val="tx1"/>
+                </a:solidFill>
+                <a:latin typeface="Times New Roman" panose="02020603050405020304" pitchFamily="18" charset="0"/>
+                <a:cs typeface="Times New Roman" panose="02020603050405020304" pitchFamily="18" charset="0"/>
+              </a:rPr>
+              <a:t> (</a:t>
+            </a:r>
+            <a:r>
+              <a:rPr lang="pt-BR" sz="2400" b="1" dirty="0">
+                <a:solidFill>
+                  <a:schemeClr val="tx1"/>
+                </a:solidFill>
+                <a:latin typeface="Times New Roman" panose="02020603050405020304" pitchFamily="18" charset="0"/>
+                <a:cs typeface="Times New Roman" panose="02020603050405020304" pitchFamily="18" charset="0"/>
+              </a:rPr>
+              <a:t>Facebook</a:t>
+            </a:r>
+            <a:r>
+              <a:rPr lang="pt-BR" sz="2400" dirty="0">
+                <a:solidFill>
+                  <a:schemeClr val="tx1"/>
+                </a:solidFill>
+                <a:latin typeface="Times New Roman" panose="02020603050405020304" pitchFamily="18" charset="0"/>
+                <a:cs typeface="Times New Roman" panose="02020603050405020304" pitchFamily="18" charset="0"/>
+              </a:rPr>
+              <a:t>); </a:t>
+            </a:r>
+          </a:p>
+          <a:p>
+            <a:pPr marL="0" indent="0" algn="just">
+              <a:buNone/>
+            </a:pPr>
+            <a:r>
+              <a:rPr lang="pt-BR" sz="2400" dirty="0">
+                <a:solidFill>
+                  <a:schemeClr val="tx1"/>
+                </a:solidFill>
+                <a:latin typeface="Times New Roman" panose="02020603050405020304" pitchFamily="18" charset="0"/>
+                <a:cs typeface="Times New Roman" panose="02020603050405020304" pitchFamily="18" charset="0"/>
+              </a:rPr>
+              <a:t>	    Vue.JS (</a:t>
+            </a:r>
+            <a:r>
+              <a:rPr lang="pt-BR" sz="2400" b="1" dirty="0">
+                <a:solidFill>
+                  <a:schemeClr val="tx1"/>
+                </a:solidFill>
+                <a:latin typeface="Times New Roman" panose="02020603050405020304" pitchFamily="18" charset="0"/>
+                <a:cs typeface="Times New Roman" panose="02020603050405020304" pitchFamily="18" charset="0"/>
+              </a:rPr>
+              <a:t>Evan </a:t>
+            </a:r>
+            <a:r>
+              <a:rPr lang="pt-BR" sz="2400" b="1" dirty="0" err="1">
+                <a:solidFill>
+                  <a:schemeClr val="tx1"/>
+                </a:solidFill>
+                <a:latin typeface="Times New Roman" panose="02020603050405020304" pitchFamily="18" charset="0"/>
+                <a:cs typeface="Times New Roman" panose="02020603050405020304" pitchFamily="18" charset="0"/>
+              </a:rPr>
+              <a:t>You</a:t>
+            </a:r>
+            <a:r>
+              <a:rPr lang="pt-BR" sz="2400" b="1" dirty="0">
+                <a:solidFill>
+                  <a:schemeClr val="tx1"/>
+                </a:solidFill>
+                <a:latin typeface="Times New Roman" panose="02020603050405020304" pitchFamily="18" charset="0"/>
+                <a:cs typeface="Times New Roman" panose="02020603050405020304" pitchFamily="18" charset="0"/>
+              </a:rPr>
+              <a:t> / Comunidade / </a:t>
+            </a:r>
+            <a:r>
+              <a:rPr lang="pt-BR" sz="2400" b="1" dirty="0" err="1">
+                <a:solidFill>
+                  <a:schemeClr val="tx1"/>
+                </a:solidFill>
+                <a:latin typeface="Times New Roman" panose="02020603050405020304" pitchFamily="18" charset="0"/>
+                <a:cs typeface="Times New Roman" panose="02020603050405020304" pitchFamily="18" charset="0"/>
+              </a:rPr>
+              <a:t>Alibaba</a:t>
+            </a:r>
+            <a:r>
+              <a:rPr lang="pt-BR" sz="2400" dirty="0">
+                <a:solidFill>
+                  <a:schemeClr val="tx1"/>
+                </a:solidFill>
+                <a:latin typeface="Times New Roman" panose="02020603050405020304" pitchFamily="18" charset="0"/>
+                <a:cs typeface="Times New Roman" panose="02020603050405020304" pitchFamily="18" charset="0"/>
+              </a:rPr>
+              <a:t>);	</a:t>
+            </a:r>
+            <a:r>
+              <a:rPr lang="pt-BR" sz="2400" dirty="0" err="1">
+                <a:solidFill>
+                  <a:schemeClr val="tx1"/>
+                </a:solidFill>
+                <a:latin typeface="Times New Roman" panose="02020603050405020304" pitchFamily="18" charset="0"/>
+                <a:cs typeface="Times New Roman" panose="02020603050405020304" pitchFamily="18" charset="0"/>
+              </a:rPr>
+              <a:t>Electon</a:t>
+            </a:r>
+            <a:r>
+              <a:rPr lang="pt-BR" sz="2400" dirty="0">
+                <a:solidFill>
+                  <a:schemeClr val="tx1"/>
+                </a:solidFill>
+                <a:latin typeface="Times New Roman" panose="02020603050405020304" pitchFamily="18" charset="0"/>
+                <a:cs typeface="Times New Roman" panose="02020603050405020304" pitchFamily="18" charset="0"/>
+              </a:rPr>
+              <a:t> (</a:t>
+            </a:r>
+            <a:r>
+              <a:rPr lang="pt-BR" sz="2400" b="1" dirty="0" err="1">
+                <a:solidFill>
+                  <a:schemeClr val="tx1"/>
+                </a:solidFill>
+                <a:latin typeface="Times New Roman" panose="02020603050405020304" pitchFamily="18" charset="0"/>
+                <a:cs typeface="Times New Roman" panose="02020603050405020304" pitchFamily="18" charset="0"/>
+              </a:rPr>
+              <a:t>Github</a:t>
+            </a:r>
+            <a:r>
+              <a:rPr lang="pt-BR" sz="2400" dirty="0">
+                <a:solidFill>
+                  <a:schemeClr val="tx1"/>
+                </a:solidFill>
+                <a:latin typeface="Times New Roman" panose="02020603050405020304" pitchFamily="18" charset="0"/>
+                <a:cs typeface="Times New Roman" panose="02020603050405020304" pitchFamily="18" charset="0"/>
+              </a:rPr>
+              <a:t>,   e.g.: </a:t>
+            </a:r>
+            <a:r>
+              <a:rPr lang="pt-BR" sz="2400" dirty="0" err="1">
+                <a:solidFill>
+                  <a:schemeClr val="tx1"/>
+                </a:solidFill>
+                <a:latin typeface="Times New Roman" panose="02020603050405020304" pitchFamily="18" charset="0"/>
+                <a:cs typeface="Times New Roman" panose="02020603050405020304" pitchFamily="18" charset="0"/>
+              </a:rPr>
+              <a:t>VSCode</a:t>
+            </a:r>
+            <a:r>
+              <a:rPr lang="pt-BR" sz="2400" dirty="0">
+                <a:solidFill>
+                  <a:schemeClr val="tx1"/>
+                </a:solidFill>
+                <a:latin typeface="Times New Roman" panose="02020603050405020304" pitchFamily="18" charset="0"/>
+                <a:cs typeface="Times New Roman" panose="02020603050405020304" pitchFamily="18" charset="0"/>
+              </a:rPr>
+              <a:t>, WhatsApp p/Computador, Chat </a:t>
+            </a:r>
+            <a:r>
+              <a:rPr lang="pt-BR" sz="2400" dirty="0" err="1">
+                <a:solidFill>
+                  <a:schemeClr val="tx1"/>
+                </a:solidFill>
+                <a:latin typeface="Times New Roman" panose="02020603050405020304" pitchFamily="18" charset="0"/>
+                <a:cs typeface="Times New Roman" panose="02020603050405020304" pitchFamily="18" charset="0"/>
+              </a:rPr>
+              <a:t>Discord</a:t>
+            </a:r>
+            <a:r>
+              <a:rPr lang="pt-BR" sz="2400" dirty="0">
+                <a:solidFill>
+                  <a:schemeClr val="tx1"/>
+                </a:solidFill>
+                <a:latin typeface="Times New Roman" panose="02020603050405020304" pitchFamily="18" charset="0"/>
+                <a:cs typeface="Times New Roman" panose="02020603050405020304" pitchFamily="18" charset="0"/>
+              </a:rPr>
+              <a:t>);</a:t>
+            </a:r>
+          </a:p>
+          <a:p>
+            <a:pPr marL="0" indent="0" algn="just">
+              <a:buNone/>
+            </a:pPr>
+            <a:r>
+              <a:rPr lang="pt-BR" sz="2400" dirty="0">
+                <a:solidFill>
+                  <a:schemeClr val="tx1"/>
+                </a:solidFill>
+                <a:latin typeface="Times New Roman" panose="02020603050405020304" pitchFamily="18" charset="0"/>
+                <a:cs typeface="Times New Roman" panose="02020603050405020304" pitchFamily="18" charset="0"/>
+              </a:rPr>
+              <a:t>	    </a:t>
+            </a:r>
+            <a:r>
+              <a:rPr lang="pt-BR" sz="2400" dirty="0" err="1">
+                <a:solidFill>
+                  <a:schemeClr val="tx1"/>
+                </a:solidFill>
+                <a:latin typeface="Times New Roman" panose="02020603050405020304" pitchFamily="18" charset="0"/>
+                <a:cs typeface="Times New Roman" panose="02020603050405020304" pitchFamily="18" charset="0"/>
+              </a:rPr>
+              <a:t>Jquery</a:t>
+            </a:r>
+            <a:r>
+              <a:rPr lang="pt-BR" sz="2400" dirty="0">
+                <a:solidFill>
+                  <a:schemeClr val="tx1"/>
+                </a:solidFill>
+                <a:latin typeface="Times New Roman" panose="02020603050405020304" pitchFamily="18" charset="0"/>
+                <a:cs typeface="Times New Roman" panose="02020603050405020304" pitchFamily="18" charset="0"/>
+              </a:rPr>
+              <a:t>  (Bibliotecas/Mozilla); D3.JS; </a:t>
+            </a:r>
+            <a:r>
+              <a:rPr lang="pt-BR" sz="2400" dirty="0" err="1">
+                <a:solidFill>
+                  <a:schemeClr val="tx1"/>
+                </a:solidFill>
+                <a:latin typeface="Times New Roman" panose="02020603050405020304" pitchFamily="18" charset="0"/>
+                <a:cs typeface="Times New Roman" panose="02020603050405020304" pitchFamily="18" charset="0"/>
+              </a:rPr>
+              <a:t>Bootstrap</a:t>
+            </a:r>
             <a:endParaRPr lang="pt-BR" sz="2400" dirty="0">
               <a:solidFill>
                 <a:schemeClr val="tx1"/>
@@ -6994,117 +8750,9 @@
             </a:endParaRPr>
           </a:p>
           <a:p>
-            <a:pPr algn="just">
-              <a:buFont typeface="Wingdings" panose="05000000000000000000" pitchFamily="2" charset="2"/>
-              <a:buChar char="§"/>
+            <a:pPr marL="0" indent="0" algn="just">
+              <a:buNone/>
             </a:pPr>
-            <a:r>
-              <a:rPr lang="pt-BR" sz="2400" b="1" dirty="0" err="1">
-                <a:solidFill>
-                  <a:srgbClr val="FF0000"/>
-                </a:solidFill>
-                <a:latin typeface="Times New Roman" panose="02020603050405020304" pitchFamily="18" charset="0"/>
-                <a:cs typeface="Times New Roman" panose="02020603050405020304" pitchFamily="18" charset="0"/>
-              </a:rPr>
-              <a:t>Deploy</a:t>
-            </a:r>
-            <a:r>
-              <a:rPr lang="pt-BR" sz="2400" b="1" dirty="0">
-                <a:solidFill>
-                  <a:srgbClr val="FF0000"/>
-                </a:solidFill>
-                <a:latin typeface="Times New Roman" panose="02020603050405020304" pitchFamily="18" charset="0"/>
-                <a:cs typeface="Times New Roman" panose="02020603050405020304" pitchFamily="18" charset="0"/>
-              </a:rPr>
-              <a:t> do Site: </a:t>
-            </a:r>
-            <a:r>
-              <a:rPr lang="pt-BR" sz="2400" b="1" dirty="0" err="1">
-                <a:solidFill>
-                  <a:srgbClr val="FF0000"/>
-                </a:solidFill>
-                <a:latin typeface="Times New Roman" panose="02020603050405020304" pitchFamily="18" charset="0"/>
-                <a:cs typeface="Times New Roman" panose="02020603050405020304" pitchFamily="18" charset="0"/>
-              </a:rPr>
-              <a:t>Netlify</a:t>
-            </a:r>
-            <a:r>
-              <a:rPr lang="pt-BR" sz="2400" b="1" dirty="0">
-                <a:solidFill>
-                  <a:srgbClr val="FF0000"/>
-                </a:solidFill>
-                <a:latin typeface="Times New Roman" panose="02020603050405020304" pitchFamily="18" charset="0"/>
-                <a:cs typeface="Times New Roman" panose="02020603050405020304" pitchFamily="18" charset="0"/>
-              </a:rPr>
-              <a:t>/</a:t>
-            </a:r>
-            <a:r>
-              <a:rPr lang="pt-BR" sz="2400" b="1" dirty="0" err="1">
-                <a:solidFill>
-                  <a:srgbClr val="FF0000"/>
-                </a:solidFill>
-                <a:latin typeface="Times New Roman" panose="02020603050405020304" pitchFamily="18" charset="0"/>
-                <a:cs typeface="Times New Roman" panose="02020603050405020304" pitchFamily="18" charset="0"/>
-              </a:rPr>
-              <a:t>Github</a:t>
-            </a:r>
-            <a:endParaRPr lang="pt-BR" sz="2400" b="1" dirty="0">
-              <a:solidFill>
-                <a:srgbClr val="FF0000"/>
-              </a:solidFill>
-              <a:latin typeface="Times New Roman" panose="02020603050405020304" pitchFamily="18" charset="0"/>
-              <a:cs typeface="Times New Roman" panose="02020603050405020304" pitchFamily="18" charset="0"/>
-            </a:endParaRPr>
-          </a:p>
-          <a:p>
-            <a:pPr marL="0" indent="0" algn="just">
-              <a:buNone/>
-            </a:pPr>
-            <a:endParaRPr lang="pt-BR" sz="2400" dirty="0">
-              <a:solidFill>
-                <a:schemeClr val="tx1"/>
-              </a:solidFill>
-              <a:latin typeface="Times New Roman" panose="02020603050405020304" pitchFamily="18" charset="0"/>
-              <a:cs typeface="Times New Roman" panose="02020603050405020304" pitchFamily="18" charset="0"/>
-            </a:endParaRPr>
-          </a:p>
-          <a:p>
-            <a:pPr marL="0" indent="0" algn="just">
-              <a:buNone/>
-            </a:pPr>
-            <a:endParaRPr lang="pt-BR" sz="2400" dirty="0">
-              <a:solidFill>
-                <a:schemeClr val="tx1"/>
-              </a:solidFill>
-              <a:latin typeface="Times New Roman" panose="02020603050405020304" pitchFamily="18" charset="0"/>
-              <a:cs typeface="Times New Roman" panose="02020603050405020304" pitchFamily="18" charset="0"/>
-            </a:endParaRPr>
-          </a:p>
-          <a:p>
-            <a:pPr algn="just">
-              <a:buFont typeface="Wingdings" panose="05000000000000000000" pitchFamily="2" charset="2"/>
-              <a:buChar char="§"/>
-            </a:pPr>
-            <a:r>
-              <a:rPr lang="pt-BR" sz="2400" b="1" dirty="0">
-                <a:solidFill>
-                  <a:srgbClr val="FF0000"/>
-                </a:solidFill>
-                <a:latin typeface="Times New Roman" panose="02020603050405020304" pitchFamily="18" charset="0"/>
-                <a:cs typeface="Times New Roman" panose="02020603050405020304" pitchFamily="18" charset="0"/>
-              </a:rPr>
-              <a:t>Exercícios: CSS/</a:t>
-            </a:r>
-            <a:r>
-              <a:rPr lang="pt-BR" sz="2400" b="1" dirty="0" err="1">
-                <a:solidFill>
-                  <a:srgbClr val="FF0000"/>
-                </a:solidFill>
-                <a:latin typeface="Times New Roman" panose="02020603050405020304" pitchFamily="18" charset="0"/>
-                <a:cs typeface="Times New Roman" panose="02020603050405020304" pitchFamily="18" charset="0"/>
-              </a:rPr>
-              <a:t>Bootstrap</a:t>
-            </a:r>
             <a:endParaRPr lang="pt-BR" sz="2400" dirty="0">
               <a:solidFill>
                 <a:schemeClr val="tx1"/>
@@ -7174,7 +8822,23 @@
                   <a:srgbClr val="0070C0"/>
                 </a:solidFill>
               </a:rPr>
-              <a:t>JS</a:t>
+              <a:t>Breve </a:t>
+            </a:r>
+            <a:r>
+              <a:rPr lang="en-US" b="1" dirty="0" err="1">
+                <a:solidFill>
+                  <a:srgbClr val="0070C0"/>
+                </a:solidFill>
+              </a:rPr>
+              <a:t>Histórico</a:t>
+            </a:r>
+            <a:r>
+              <a:rPr lang="en-US" b="1" dirty="0">
+                <a:solidFill>
+                  <a:srgbClr val="0070C0"/>
+                </a:solidFill>
+              </a:rPr>
+              <a:t> Web</a:t>
             </a:r>
           </a:p>
         </p:txBody>
@@ -7191,8 +8855,8 @@
         </p:nvSpPr>
         <p:spPr>
           <a:xfrm>
-            <a:off x="142865" y="1037312"/>
-            <a:ext cx="8865056" cy="3900208"/>
+            <a:off x="142865" y="1037311"/>
+            <a:ext cx="8865056" cy="3998151"/>
           </a:xfrm>
         </p:spPr>
         <p:txBody>
@@ -7212,12 +8876,312 @@
                 <a:latin typeface="Times New Roman" panose="02020603050405020304" pitchFamily="18" charset="0"/>
                 <a:cs typeface="Times New Roman" panose="02020603050405020304" pitchFamily="18" charset="0"/>
               </a:rPr>
-              <a:t>O </a:t>
+              <a:t>1970: </a:t>
+            </a:r>
+            <a:r>
+              <a:rPr lang="pt-BR" sz="2400" b="1" dirty="0">
+                <a:solidFill>
+                  <a:schemeClr val="tx1"/>
+                </a:solidFill>
+                <a:latin typeface="Times New Roman" panose="02020603050405020304" pitchFamily="18" charset="0"/>
+                <a:cs typeface="Times New Roman" panose="02020603050405020304" pitchFamily="18" charset="0"/>
+              </a:rPr>
+              <a:t>DARPA</a:t>
+            </a:r>
+            <a:r>
+              <a:rPr lang="pt-BR" sz="2400" dirty="0">
+                <a:solidFill>
+                  <a:schemeClr val="tx1"/>
+                </a:solidFill>
+                <a:latin typeface="Times New Roman" panose="02020603050405020304" pitchFamily="18" charset="0"/>
+                <a:cs typeface="Times New Roman" panose="02020603050405020304" pitchFamily="18" charset="0"/>
+              </a:rPr>
+              <a:t>/ARPANET (</a:t>
+            </a:r>
+            <a:r>
+              <a:rPr lang="pt-BR" sz="2400" b="1" dirty="0">
+                <a:solidFill>
+                  <a:srgbClr val="FF0000"/>
+                </a:solidFill>
+                <a:latin typeface="Times New Roman" panose="02020603050405020304" pitchFamily="18" charset="0"/>
+                <a:cs typeface="Times New Roman" panose="02020603050405020304" pitchFamily="18" charset="0"/>
+              </a:rPr>
+              <a:t>Internet</a:t>
+            </a:r>
+            <a:r>
+              <a:rPr lang="pt-BR" sz="2400" dirty="0">
+                <a:solidFill>
+                  <a:schemeClr val="tx1"/>
+                </a:solidFill>
+                <a:latin typeface="Times New Roman" panose="02020603050405020304" pitchFamily="18" charset="0"/>
+                <a:cs typeface="Times New Roman" panose="02020603050405020304" pitchFamily="18" charset="0"/>
+              </a:rPr>
+              <a:t>)</a:t>
+            </a:r>
+          </a:p>
+          <a:p>
+            <a:pPr marL="0" indent="0" algn="just">
+              <a:buNone/>
+            </a:pPr>
+            <a:r>
+              <a:rPr lang="pt-BR" sz="2400" dirty="0">
+                <a:solidFill>
+                  <a:schemeClr val="tx1"/>
+                </a:solidFill>
+                <a:latin typeface="Times New Roman" panose="02020603050405020304" pitchFamily="18" charset="0"/>
+                <a:cs typeface="Times New Roman" panose="02020603050405020304" pitchFamily="18" charset="0"/>
+              </a:rPr>
+              <a:t>1993: </a:t>
+            </a:r>
+            <a:r>
+              <a:rPr lang="pt-BR" sz="2400" b="1" dirty="0">
+                <a:solidFill>
+                  <a:schemeClr val="tx1"/>
+                </a:solidFill>
+                <a:latin typeface="Times New Roman" panose="02020603050405020304" pitchFamily="18" charset="0"/>
+                <a:cs typeface="Times New Roman" panose="02020603050405020304" pitchFamily="18" charset="0"/>
+              </a:rPr>
+              <a:t>HTML</a:t>
+            </a:r>
+            <a:r>
+              <a:rPr lang="pt-BR" sz="2400" dirty="0">
+                <a:solidFill>
+                  <a:schemeClr val="tx1"/>
+                </a:solidFill>
+                <a:latin typeface="Times New Roman" panose="02020603050405020304" pitchFamily="18" charset="0"/>
+                <a:cs typeface="Times New Roman" panose="02020603050405020304" pitchFamily="18" charset="0"/>
+              </a:rPr>
+              <a:t> / </a:t>
+            </a:r>
+            <a:r>
+              <a:rPr lang="pt-BR" sz="2400" b="1" dirty="0">
+                <a:solidFill>
+                  <a:schemeClr val="tx1"/>
+                </a:solidFill>
+                <a:latin typeface="Times New Roman" panose="02020603050405020304" pitchFamily="18" charset="0"/>
+                <a:cs typeface="Times New Roman" panose="02020603050405020304" pitchFamily="18" charset="0"/>
+              </a:rPr>
+              <a:t>HTTP / TCP/IP</a:t>
+            </a:r>
+            <a:r>
+              <a:rPr lang="pt-BR" sz="2400" dirty="0">
+                <a:solidFill>
+                  <a:schemeClr val="tx1"/>
+                </a:solidFill>
+                <a:latin typeface="Times New Roman" panose="02020603050405020304" pitchFamily="18" charset="0"/>
+                <a:cs typeface="Times New Roman" panose="02020603050405020304" pitchFamily="18" charset="0"/>
+              </a:rPr>
+              <a:t>; </a:t>
             </a:r>
             <a:r>
               <a:rPr lang="pt-BR" sz="2400" b="1" dirty="0" err="1">
                 <a:solidFill>
-                  <a:srgbClr val="FF0000"/>
+                  <a:schemeClr val="tx1"/>
+                </a:solidFill>
+                <a:latin typeface="Times New Roman" panose="02020603050405020304" pitchFamily="18" charset="0"/>
+                <a:cs typeface="Times New Roman" panose="02020603050405020304" pitchFamily="18" charset="0"/>
+              </a:rPr>
+              <a:t>www</a:t>
+            </a:r>
+            <a:r>
+              <a:rPr lang="pt-BR" sz="2400" dirty="0">
+                <a:solidFill>
+                  <a:schemeClr val="tx1"/>
+                </a:solidFill>
+                <a:latin typeface="Times New Roman" panose="02020603050405020304" pitchFamily="18" charset="0"/>
+                <a:cs typeface="Times New Roman" panose="02020603050405020304" pitchFamily="18" charset="0"/>
+              </a:rPr>
+              <a:t>; (Tim Berners-Lee); </a:t>
+            </a:r>
+            <a:r>
+              <a:rPr lang="pt-BR" sz="2400" b="1" dirty="0">
+                <a:solidFill>
+                  <a:schemeClr val="tx1"/>
+                </a:solidFill>
+                <a:latin typeface="Times New Roman" panose="02020603050405020304" pitchFamily="18" charset="0"/>
+                <a:cs typeface="Times New Roman" panose="02020603050405020304" pitchFamily="18" charset="0"/>
+              </a:rPr>
+              <a:t>CERN</a:t>
+            </a:r>
+          </a:p>
+          <a:p>
+            <a:pPr marL="0" indent="0" algn="just">
+              <a:buNone/>
+            </a:pPr>
+            <a:r>
+              <a:rPr lang="pt-BR" sz="2400" dirty="0">
+                <a:solidFill>
+                  <a:schemeClr val="tx1"/>
+                </a:solidFill>
+                <a:latin typeface="Times New Roman" panose="02020603050405020304" pitchFamily="18" charset="0"/>
+                <a:cs typeface="Times New Roman" panose="02020603050405020304" pitchFamily="18" charset="0"/>
+              </a:rPr>
+              <a:t>1993: </a:t>
+            </a:r>
+            <a:r>
+              <a:rPr lang="pt-BR" sz="2400" b="1" dirty="0">
+                <a:solidFill>
+                  <a:schemeClr val="tx1"/>
+                </a:solidFill>
+                <a:latin typeface="Times New Roman" panose="02020603050405020304" pitchFamily="18" charset="0"/>
+                <a:cs typeface="Times New Roman" panose="02020603050405020304" pitchFamily="18" charset="0"/>
+              </a:rPr>
+              <a:t>Browser</a:t>
+            </a:r>
+            <a:r>
+              <a:rPr lang="pt-BR" sz="2400" dirty="0">
+                <a:solidFill>
+                  <a:schemeClr val="tx1"/>
+                </a:solidFill>
+                <a:latin typeface="Times New Roman" panose="02020603050405020304" pitchFamily="18" charset="0"/>
+                <a:cs typeface="Times New Roman" panose="02020603050405020304" pitchFamily="18" charset="0"/>
+              </a:rPr>
+              <a:t> (</a:t>
+            </a:r>
+            <a:r>
+              <a:rPr lang="pt-BR" sz="2400" dirty="0" err="1">
+                <a:solidFill>
+                  <a:schemeClr val="tx1"/>
+                </a:solidFill>
+                <a:latin typeface="Times New Roman" panose="02020603050405020304" pitchFamily="18" charset="0"/>
+                <a:cs typeface="Times New Roman" panose="02020603050405020304" pitchFamily="18" charset="0"/>
+              </a:rPr>
+              <a:t>Mosaic</a:t>
+            </a:r>
+            <a:r>
+              <a:rPr lang="pt-BR" sz="2400" dirty="0">
+                <a:solidFill>
+                  <a:schemeClr val="tx1"/>
+                </a:solidFill>
+                <a:latin typeface="Times New Roman" panose="02020603050405020304" pitchFamily="18" charset="0"/>
+                <a:cs typeface="Times New Roman" panose="02020603050405020304" pitchFamily="18" charset="0"/>
+              </a:rPr>
+              <a:t>) (Marc </a:t>
+            </a:r>
+            <a:r>
+              <a:rPr lang="pt-BR" sz="2400" dirty="0" err="1">
+                <a:solidFill>
+                  <a:schemeClr val="tx1"/>
+                </a:solidFill>
+                <a:latin typeface="Times New Roman" panose="02020603050405020304" pitchFamily="18" charset="0"/>
+                <a:cs typeface="Times New Roman" panose="02020603050405020304" pitchFamily="18" charset="0"/>
+              </a:rPr>
+              <a:t>Andreessen</a:t>
+            </a:r>
+            <a:r>
+              <a:rPr lang="pt-BR" sz="2400" dirty="0">
+                <a:solidFill>
+                  <a:schemeClr val="tx1"/>
+                </a:solidFill>
+                <a:latin typeface="Times New Roman" panose="02020603050405020304" pitchFamily="18" charset="0"/>
+                <a:cs typeface="Times New Roman" panose="02020603050405020304" pitchFamily="18" charset="0"/>
+              </a:rPr>
+              <a:t>); </a:t>
+            </a:r>
+            <a:r>
+              <a:rPr lang="pt-BR" sz="2400" b="1" dirty="0">
+                <a:solidFill>
+                  <a:schemeClr val="tx1"/>
+                </a:solidFill>
+                <a:latin typeface="Times New Roman" panose="02020603050405020304" pitchFamily="18" charset="0"/>
+                <a:cs typeface="Times New Roman" panose="02020603050405020304" pitchFamily="18" charset="0"/>
+              </a:rPr>
+              <a:t>NCSA</a:t>
+            </a:r>
+          </a:p>
+          <a:p>
+            <a:pPr marL="0" indent="0" algn="just">
+              <a:buNone/>
+            </a:pPr>
+            <a:r>
+              <a:rPr lang="pt-BR" sz="2400" dirty="0">
+                <a:solidFill>
+                  <a:schemeClr val="tx1"/>
+                </a:solidFill>
+                <a:latin typeface="Times New Roman" panose="02020603050405020304" pitchFamily="18" charset="0"/>
+                <a:cs typeface="Times New Roman" panose="02020603050405020304" pitchFamily="18" charset="0"/>
+              </a:rPr>
+              <a:t>1994: </a:t>
+            </a:r>
+            <a:r>
+              <a:rPr lang="pt-BR" sz="2400" b="1" dirty="0">
+                <a:solidFill>
+                  <a:schemeClr val="tx1"/>
+                </a:solidFill>
+                <a:latin typeface="Times New Roman" panose="02020603050405020304" pitchFamily="18" charset="0"/>
+                <a:cs typeface="Times New Roman" panose="02020603050405020304" pitchFamily="18" charset="0"/>
+              </a:rPr>
+              <a:t>Browser</a:t>
+            </a:r>
+            <a:r>
+              <a:rPr lang="pt-BR" sz="2400" dirty="0">
+                <a:solidFill>
+                  <a:schemeClr val="tx1"/>
+                </a:solidFill>
+                <a:latin typeface="Times New Roman" panose="02020603050405020304" pitchFamily="18" charset="0"/>
+                <a:cs typeface="Times New Roman" panose="02020603050405020304" pitchFamily="18" charset="0"/>
+              </a:rPr>
+              <a:t> (Netscape) (Jim Clark/ Marc </a:t>
+            </a:r>
+            <a:r>
+              <a:rPr lang="pt-BR" sz="2400" dirty="0" err="1">
+                <a:solidFill>
+                  <a:schemeClr val="tx1"/>
+                </a:solidFill>
+                <a:latin typeface="Times New Roman" panose="02020603050405020304" pitchFamily="18" charset="0"/>
+                <a:cs typeface="Times New Roman" panose="02020603050405020304" pitchFamily="18" charset="0"/>
+              </a:rPr>
+              <a:t>Andreessen</a:t>
+            </a:r>
+            <a:r>
+              <a:rPr lang="pt-BR" sz="2400" dirty="0">
+                <a:solidFill>
+                  <a:schemeClr val="tx1"/>
+                </a:solidFill>
+                <a:latin typeface="Times New Roman" panose="02020603050405020304" pitchFamily="18" charset="0"/>
+                <a:cs typeface="Times New Roman" panose="02020603050405020304" pitchFamily="18" charset="0"/>
+              </a:rPr>
+              <a:t>) </a:t>
+            </a:r>
+          </a:p>
+          <a:p>
+            <a:pPr marL="0" indent="0" algn="just">
+              <a:buNone/>
+            </a:pPr>
+            <a:r>
+              <a:rPr lang="pt-BR" sz="2400" dirty="0">
+                <a:solidFill>
+                  <a:schemeClr val="tx1"/>
+                </a:solidFill>
+                <a:latin typeface="Times New Roman" panose="02020603050405020304" pitchFamily="18" charset="0"/>
+                <a:cs typeface="Times New Roman" panose="02020603050405020304" pitchFamily="18" charset="0"/>
+              </a:rPr>
+              <a:t>1995: Brandon Eich (Linguagem Mocha/</a:t>
+            </a:r>
+            <a:r>
+              <a:rPr lang="pt-BR" sz="2400" dirty="0" err="1">
+                <a:solidFill>
+                  <a:schemeClr val="tx1"/>
+                </a:solidFill>
+                <a:latin typeface="Times New Roman" panose="02020603050405020304" pitchFamily="18" charset="0"/>
+                <a:cs typeface="Times New Roman" panose="02020603050405020304" pitchFamily="18" charset="0"/>
+              </a:rPr>
+              <a:t>LiveScript</a:t>
+            </a:r>
+            <a:r>
+              <a:rPr lang="pt-BR" sz="2400" dirty="0">
+                <a:solidFill>
+                  <a:schemeClr val="tx1"/>
+                </a:solidFill>
+                <a:latin typeface="Times New Roman" panose="02020603050405020304" pitchFamily="18" charset="0"/>
+                <a:cs typeface="Times New Roman" panose="02020603050405020304" pitchFamily="18" charset="0"/>
+              </a:rPr>
+              <a:t>/</a:t>
+            </a:r>
+            <a:r>
+              <a:rPr lang="pt-BR" sz="2400" dirty="0" err="1">
+                <a:solidFill>
+                  <a:schemeClr val="tx1"/>
                 </a:solidFill>
                 <a:latin typeface="Times New Roman" panose="02020603050405020304" pitchFamily="18" charset="0"/>
                 <a:cs typeface="Times New Roman" panose="02020603050405020304" pitchFamily="18" charset="0"/>
@@ -7232,7 +9196,22 @@
                 <a:latin typeface="Times New Roman" panose="02020603050405020304" pitchFamily="18" charset="0"/>
                 <a:cs typeface="Times New Roman" panose="02020603050405020304" pitchFamily="18" charset="0"/>
               </a:rPr>
-              <a:t> é uma linguagem de programação </a:t>
+              <a:t>); base C</a:t>
+            </a:r>
+          </a:p>
+          <a:p>
+            <a:pPr marL="0" indent="0" algn="just">
+              <a:buNone/>
+            </a:pPr>
+            <a:r>
+              <a:rPr lang="pt-BR" sz="2400" dirty="0">
+                <a:solidFill>
+                  <a:schemeClr val="tx1"/>
+                </a:solidFill>
+                <a:latin typeface="Times New Roman" panose="02020603050405020304" pitchFamily="18" charset="0"/>
+                <a:cs typeface="Times New Roman" panose="02020603050405020304" pitchFamily="18" charset="0"/>
+              </a:rPr>
+              <a:t>1995: MS (</a:t>
             </a:r>
             <a:r>
               <a:rPr lang="pt-BR" sz="2400" dirty="0" err="1">
@@ -7242,7 +9221,7 @@
                 <a:latin typeface="Times New Roman" panose="02020603050405020304" pitchFamily="18" charset="0"/>
                 <a:cs typeface="Times New Roman" panose="02020603050405020304" pitchFamily="18" charset="0"/>
               </a:rPr>
-              <a:t>multiparadigma</a:t>
+              <a:t>Mosaic</a:t>
             </a:r>
             <a:r>
               <a:rPr lang="pt-BR" sz="2400" dirty="0">
@@ -7252,7 +9231,142 @@
                 <a:latin typeface="Times New Roman" panose="02020603050405020304" pitchFamily="18" charset="0"/>
                 <a:cs typeface="Times New Roman" panose="02020603050405020304" pitchFamily="18" charset="0"/>
               </a:rPr>
-              <a:t>, interpretada, orientada a eventos, funcionais e imperativos.</a:t>
+              <a:t>=&gt;</a:t>
+            </a:r>
+            <a:r>
+              <a:rPr lang="pt-BR" sz="2400" b="1" dirty="0">
+                <a:solidFill>
+                  <a:schemeClr val="tx1"/>
+                </a:solidFill>
+                <a:latin typeface="Times New Roman" panose="02020603050405020304" pitchFamily="18" charset="0"/>
+                <a:cs typeface="Times New Roman" panose="02020603050405020304" pitchFamily="18" charset="0"/>
+              </a:rPr>
+              <a:t>Internet Explorer</a:t>
+            </a:r>
+            <a:r>
+              <a:rPr lang="pt-BR" sz="2400" dirty="0">
+                <a:solidFill>
+                  <a:schemeClr val="tx1"/>
+                </a:solidFill>
+                <a:latin typeface="Times New Roman" panose="02020603050405020304" pitchFamily="18" charset="0"/>
+                <a:cs typeface="Times New Roman" panose="02020603050405020304" pitchFamily="18" charset="0"/>
+              </a:rPr>
+              <a:t>); </a:t>
+            </a:r>
+            <a:r>
+              <a:rPr lang="pt-BR" sz="2400" b="1" dirty="0">
+                <a:solidFill>
+                  <a:schemeClr val="tx1"/>
+                </a:solidFill>
+                <a:latin typeface="Times New Roman" panose="02020603050405020304" pitchFamily="18" charset="0"/>
+                <a:cs typeface="Times New Roman" panose="02020603050405020304" pitchFamily="18" charset="0"/>
+              </a:rPr>
+              <a:t>JScript</a:t>
+            </a:r>
+            <a:r>
+              <a:rPr lang="pt-BR" sz="2400" dirty="0">
+                <a:solidFill>
+                  <a:schemeClr val="tx1"/>
+                </a:solidFill>
+                <a:latin typeface="Times New Roman" panose="02020603050405020304" pitchFamily="18" charset="0"/>
+                <a:cs typeface="Times New Roman" panose="02020603050405020304" pitchFamily="18" charset="0"/>
+              </a:rPr>
+              <a:t>;</a:t>
+            </a:r>
+          </a:p>
+          <a:p>
+            <a:pPr marL="0" indent="0" algn="just">
+              <a:buNone/>
+            </a:pPr>
+            <a:r>
+              <a:rPr lang="pt-BR" sz="2400" dirty="0">
+                <a:solidFill>
+                  <a:schemeClr val="tx1"/>
+                </a:solidFill>
+                <a:latin typeface="Times New Roman" panose="02020603050405020304" pitchFamily="18" charset="0"/>
+                <a:cs typeface="Times New Roman" panose="02020603050405020304" pitchFamily="18" charset="0"/>
+              </a:rPr>
+              <a:t>1997: Netscape =&gt; ECMA; ISO (</a:t>
+            </a:r>
+            <a:r>
+              <a:rPr lang="pt-BR" sz="2400" b="1" dirty="0" err="1">
+                <a:solidFill>
+                  <a:schemeClr val="tx1"/>
+                </a:solidFill>
+                <a:latin typeface="Times New Roman" panose="02020603050405020304" pitchFamily="18" charset="0"/>
+                <a:cs typeface="Times New Roman" panose="02020603050405020304" pitchFamily="18" charset="0"/>
+              </a:rPr>
+              <a:t>ECMAScript</a:t>
+            </a:r>
+            <a:r>
+              <a:rPr lang="pt-BR" sz="2400" dirty="0">
+                <a:solidFill>
+                  <a:schemeClr val="tx1"/>
+                </a:solidFill>
+                <a:latin typeface="Times New Roman" panose="02020603050405020304" pitchFamily="18" charset="0"/>
+                <a:cs typeface="Times New Roman" panose="02020603050405020304" pitchFamily="18" charset="0"/>
+              </a:rPr>
+              <a:t>)</a:t>
+            </a:r>
+          </a:p>
+          <a:p>
+            <a:pPr marL="0" indent="0" algn="just">
+              <a:buNone/>
+            </a:pPr>
+            <a:r>
+              <a:rPr lang="pt-BR" sz="2400" dirty="0">
+                <a:solidFill>
+                  <a:schemeClr val="tx1"/>
+                </a:solidFill>
+                <a:latin typeface="Times New Roman" panose="02020603050405020304" pitchFamily="18" charset="0"/>
+                <a:cs typeface="Times New Roman" panose="02020603050405020304" pitchFamily="18" charset="0"/>
+              </a:rPr>
+              <a:t>2002: Netscape =&gt; Fundação Mozilla =&gt; Browser </a:t>
+            </a:r>
+            <a:r>
+              <a:rPr lang="pt-BR" sz="2400" b="1" dirty="0">
+                <a:solidFill>
+                  <a:schemeClr val="tx1"/>
+                </a:solidFill>
+                <a:latin typeface="Times New Roman" panose="02020603050405020304" pitchFamily="18" charset="0"/>
+                <a:cs typeface="Times New Roman" panose="02020603050405020304" pitchFamily="18" charset="0"/>
+              </a:rPr>
+              <a:t>Firefox</a:t>
+            </a:r>
+          </a:p>
+          <a:p>
+            <a:pPr marL="0" indent="0" algn="just">
+              <a:buNone/>
+            </a:pPr>
+            <a:r>
+              <a:rPr lang="pt-BR" sz="2400" dirty="0">
+                <a:solidFill>
+                  <a:schemeClr val="tx1"/>
+                </a:solidFill>
+                <a:latin typeface="Times New Roman" panose="02020603050405020304" pitchFamily="18" charset="0"/>
+                <a:cs typeface="Times New Roman" panose="02020603050405020304" pitchFamily="18" charset="0"/>
+              </a:rPr>
+              <a:t>2008: </a:t>
+            </a:r>
+            <a:r>
+              <a:rPr lang="pt-BR" sz="2400" b="1" dirty="0">
+                <a:solidFill>
+                  <a:schemeClr val="tx1"/>
+                </a:solidFill>
+                <a:latin typeface="Times New Roman" panose="02020603050405020304" pitchFamily="18" charset="0"/>
+                <a:cs typeface="Times New Roman" panose="02020603050405020304" pitchFamily="18" charset="0"/>
+              </a:rPr>
+              <a:t>Browser</a:t>
+            </a:r>
+            <a:r>
+              <a:rPr lang="pt-BR" sz="2400" dirty="0">
+                <a:solidFill>
+                  <a:schemeClr val="tx1"/>
+                </a:solidFill>
+                <a:latin typeface="Times New Roman" panose="02020603050405020304" pitchFamily="18" charset="0"/>
+                <a:cs typeface="Times New Roman" panose="02020603050405020304" pitchFamily="18" charset="0"/>
+              </a:rPr>
+              <a:t> (Google Chrome) =&gt; Google</a:t>
             </a:r>
           </a:p>
           <a:p>
@@ -7266,21 +9380,6 @@
               <a:latin typeface="Times New Roman" panose="02020603050405020304" pitchFamily="18" charset="0"/>
               <a:cs typeface="Times New Roman" panose="02020603050405020304" pitchFamily="18" charset="0"/>
             </a:endParaRPr>
-          </a:p>
-          <a:p>
-            <a:pPr marL="0" indent="0" algn="just">
-              <a:buNone/>
-            </a:pPr>
-            <a:r>
-              <a:rPr lang="pt-BR" sz="2400" dirty="0">
-                <a:solidFill>
-                  <a:schemeClr val="tx1"/>
-                </a:solidFill>
-                <a:latin typeface="Times New Roman" panose="02020603050405020304" pitchFamily="18" charset="0"/>
-                <a:cs typeface="Times New Roman" panose="02020603050405020304" pitchFamily="18" charset="0"/>
-              </a:rPr>
-              <a:t>De alto nível voltada para o desenvolvimento web, com tipagem dinâmica.</a:t>
-            </a:r>
           </a:p>
         </p:txBody>
       </p:sp>
@@ -7343,7 +9442,7 @@
                   <a:srgbClr val="0070C0"/>
                 </a:solidFill>
               </a:rPr>
-              <a:t>JS</a:t>
+              <a:t>JS / Motor</a:t>
             </a:r>
           </a:p>
         </p:txBody>
@@ -7360,8 +9459,8 @@
         </p:nvSpPr>
         <p:spPr>
           <a:xfrm>
-            <a:off x="142865" y="1037312"/>
-            <a:ext cx="8865056" cy="3900208"/>
+            <a:off x="142865" y="1037311"/>
+            <a:ext cx="8865056" cy="3973099"/>
           </a:xfrm>
         </p:spPr>
         <p:txBody>
@@ -7370,10 +9469,21 @@
           </a:bodyPr>
           <a:lstStyle/>
           <a:p>
-            <a:pPr marL="0" indent="0" algn="just">
-              <a:buNone/>
+            <a:pPr algn="just">
+              <a:buFont typeface="Wingdings" panose="05000000000000000000" pitchFamily="2" charset="2"/>
+              <a:buChar char="§"/>
             </a:pPr>
             <a:r>
+              <a:rPr lang="pt-BR" sz="2400" b="1" dirty="0">
+                <a:solidFill>
+                  <a:srgbClr val="FF0000"/>
+                </a:solidFill>
+                <a:latin typeface="Times New Roman" panose="02020603050405020304" pitchFamily="18" charset="0"/>
+                <a:cs typeface="Times New Roman" panose="02020603050405020304" pitchFamily="18" charset="0"/>
+              </a:rPr>
+              <a:t>V8</a:t>
+            </a:r>
+            <a:r>
               <a:rPr lang="pt-BR" sz="2400" dirty="0">
                 <a:solidFill>
                   <a:schemeClr val="tx1"/>
@@ -7381,17 +9491,17 @@
                 <a:latin typeface="Times New Roman" panose="02020603050405020304" pitchFamily="18" charset="0"/>
                 <a:cs typeface="Times New Roman" panose="02020603050405020304" pitchFamily="18" charset="0"/>
               </a:rPr>
-              <a:t>Criada, em meados da década de 90 pela </a:t>
-            </a:r>
-            <a:r>
-              <a:rPr lang="pt-BR" sz="2400" b="1" dirty="0">
-                <a:solidFill>
-                  <a:srgbClr val="FF0000"/>
-                </a:solidFill>
-                <a:latin typeface="Times New Roman" panose="02020603050405020304" pitchFamily="18" charset="0"/>
-                <a:cs typeface="Times New Roman" panose="02020603050405020304" pitchFamily="18" charset="0"/>
-              </a:rPr>
-              <a:t>Netscape</a:t>
+              <a:t>, open </a:t>
+            </a:r>
+            <a:r>
+              <a:rPr lang="pt-BR" sz="2400" dirty="0" err="1">
+                <a:solidFill>
+                  <a:schemeClr val="tx1"/>
+                </a:solidFill>
+                <a:latin typeface="Times New Roman" panose="02020603050405020304" pitchFamily="18" charset="0"/>
+                <a:cs typeface="Times New Roman" panose="02020603050405020304" pitchFamily="18" charset="0"/>
+              </a:rPr>
+              <a:t>source</a:t>
             </a:r>
             <a:r>
               <a:rPr lang="pt-BR" sz="2400" dirty="0">
@@ -7401,42 +9511,30 @@
                 <a:latin typeface="Times New Roman" panose="02020603050405020304" pitchFamily="18" charset="0"/>
                 <a:cs typeface="Times New Roman" panose="02020603050405020304" pitchFamily="18" charset="0"/>
               </a:rPr>
-              <a:t>, originalmente para funcionar do lado do usuário, ou seja, nos navegadores. Atualmente, segue as </a:t>
-            </a:r>
-            <a:r>
-              <a:rPr lang="pt-BR" sz="2400" b="1" dirty="0">
-                <a:solidFill>
-                  <a:schemeClr val="tx1"/>
-                </a:solidFill>
-                <a:latin typeface="Times New Roman" panose="02020603050405020304" pitchFamily="18" charset="0"/>
-                <a:cs typeface="Times New Roman" panose="02020603050405020304" pitchFamily="18" charset="0"/>
-              </a:rPr>
-              <a:t>especificações </a:t>
-            </a:r>
-            <a:r>
-              <a:rPr lang="pt-BR" sz="2400" b="1" dirty="0" err="1">
-                <a:solidFill>
-                  <a:schemeClr val="tx1"/>
-                </a:solidFill>
-                <a:latin typeface="Times New Roman" panose="02020603050405020304" pitchFamily="18" charset="0"/>
-                <a:cs typeface="Times New Roman" panose="02020603050405020304" pitchFamily="18" charset="0"/>
-              </a:rPr>
-              <a:t>ECMAScript</a:t>
-            </a:r>
-            <a:r>
-              <a:rPr lang="pt-BR" sz="2400" dirty="0">
-                <a:solidFill>
-                  <a:schemeClr val="tx1"/>
-                </a:solidFill>
-                <a:latin typeface="Times New Roman" panose="02020603050405020304" pitchFamily="18" charset="0"/>
-                <a:cs typeface="Times New Roman" panose="02020603050405020304" pitchFamily="18" charset="0"/>
-              </a:rPr>
-              <a:t>, que visam garantir o suporte entre os diferentes navegadores.</a:t>
-            </a:r>
-          </a:p>
-          <a:p>
-            <a:pPr marL="0" indent="0" algn="just">
-              <a:buNone/>
+              <a:t>, (Google) – 2009; JIT =&gt; </a:t>
+            </a:r>
+            <a:r>
+              <a:rPr lang="pt-BR" sz="2400" dirty="0" err="1">
+                <a:solidFill>
+                  <a:schemeClr val="tx1"/>
+                </a:solidFill>
+                <a:latin typeface="Times New Roman" panose="02020603050405020304" pitchFamily="18" charset="0"/>
+                <a:cs typeface="Times New Roman" panose="02020603050405020304" pitchFamily="18" charset="0"/>
+              </a:rPr>
+              <a:t>NodeJS</a:t>
+            </a:r>
+            <a:endParaRPr lang="pt-BR" sz="2400" dirty="0">
+              <a:solidFill>
+                <a:schemeClr val="tx1"/>
+              </a:solidFill>
+              <a:latin typeface="Times New Roman" panose="02020603050405020304" pitchFamily="18" charset="0"/>
+              <a:cs typeface="Times New Roman" panose="02020603050405020304" pitchFamily="18" charset="0"/>
+            </a:endParaRPr>
+          </a:p>
+          <a:p>
+            <a:pPr algn="just">
+              <a:buFont typeface="Wingdings" panose="05000000000000000000" pitchFamily="2" charset="2"/>
+              <a:buChar char="§"/>
             </a:pPr>
             <a:endParaRPr lang="pt-BR" sz="2400" dirty="0">
               <a:solidFill>
@@ -7447,10 +9545,21 @@
             </a:endParaRPr>
           </a:p>
           <a:p>
-            <a:pPr marL="0" indent="0" algn="just">
-              <a:buNone/>
+            <a:pPr algn="just">
+              <a:buFont typeface="Wingdings" panose="05000000000000000000" pitchFamily="2" charset="2"/>
+              <a:buChar char="§"/>
             </a:pPr>
             <a:r>
+              <a:rPr lang="pt-BR" sz="2400" b="1" dirty="0" err="1">
+                <a:solidFill>
+                  <a:srgbClr val="FF0000"/>
+                </a:solidFill>
+                <a:latin typeface="Times New Roman" panose="02020603050405020304" pitchFamily="18" charset="0"/>
+                <a:cs typeface="Times New Roman" panose="02020603050405020304" pitchFamily="18" charset="0"/>
+              </a:rPr>
+              <a:t>SpiderMonkey</a:t>
+            </a:r>
+            <a:r>
               <a:rPr lang="pt-BR" sz="2400" dirty="0">
                 <a:solidFill>
                   <a:schemeClr val="tx1"/>
@@ -7458,8 +9567,27 @@
                 <a:latin typeface="Times New Roman" panose="02020603050405020304" pitchFamily="18" charset="0"/>
                 <a:cs typeface="Times New Roman" panose="02020603050405020304" pitchFamily="18" charset="0"/>
               </a:rPr>
-              <a:t>Junto do HTML e do CSS, é uma das principais tecnologias da web, permitindo a </a:t>
-            </a:r>
+              <a:t> (Firefox)</a:t>
+            </a:r>
+          </a:p>
+          <a:p>
+            <a:pPr algn="just">
+              <a:buFont typeface="Wingdings" panose="05000000000000000000" pitchFamily="2" charset="2"/>
+              <a:buChar char="§"/>
+            </a:pPr>
+            <a:endParaRPr lang="pt-BR" sz="2400" dirty="0">
+              <a:solidFill>
+                <a:schemeClr val="tx1"/>
+              </a:solidFill>
+              <a:latin typeface="Times New Roman" panose="02020603050405020304" pitchFamily="18" charset="0"/>
+              <a:cs typeface="Times New Roman" panose="02020603050405020304" pitchFamily="18" charset="0"/>
+            </a:endParaRPr>
+          </a:p>
+          <a:p>
+            <a:pPr algn="just">
+              <a:buFont typeface="Wingdings" panose="05000000000000000000" pitchFamily="2" charset="2"/>
+              <a:buChar char="§"/>
+            </a:pPr>
             <a:r>
               <a:rPr lang="pt-BR" sz="2400" b="1" dirty="0">
                 <a:solidFill>
@@ -7468,7 +9596,7 @@
                 <a:latin typeface="Times New Roman" panose="02020603050405020304" pitchFamily="18" charset="0"/>
                 <a:cs typeface="Times New Roman" panose="02020603050405020304" pitchFamily="18" charset="0"/>
               </a:rPr>
-              <a:t>criação de páginas interativas com elementos dinâmicos </a:t>
+              <a:t>Nitro</a:t>
             </a:r>
             <a:r>
               <a:rPr lang="pt-BR" sz="2400" dirty="0">
@@ -7478,15 +9606,126 @@
                 <a:latin typeface="Times New Roman" panose="02020603050405020304" pitchFamily="18" charset="0"/>
                 <a:cs typeface="Times New Roman" panose="02020603050405020304" pitchFamily="18" charset="0"/>
               </a:rPr>
-              <a:t>e boa performance.</a:t>
-            </a:r>
+              <a:t> (Safari)</a:t>
+            </a:r>
+          </a:p>
+          <a:p>
+            <a:pPr algn="just">
+              <a:buFont typeface="Wingdings" panose="05000000000000000000" pitchFamily="2" charset="2"/>
+              <a:buChar char="§"/>
+            </a:pPr>
+            <a:endParaRPr lang="pt-BR" sz="2400" dirty="0">
+              <a:solidFill>
+                <a:schemeClr val="tx1"/>
+              </a:solidFill>
+              <a:latin typeface="Times New Roman" panose="02020603050405020304" pitchFamily="18" charset="0"/>
+              <a:cs typeface="Times New Roman" panose="02020603050405020304" pitchFamily="18" charset="0"/>
+            </a:endParaRPr>
+          </a:p>
+          <a:p>
+            <a:pPr algn="just">
+              <a:buFont typeface="Wingdings" panose="05000000000000000000" pitchFamily="2" charset="2"/>
+              <a:buChar char="§"/>
+            </a:pPr>
+            <a:r>
+              <a:rPr lang="pt-BR" sz="2400" b="1" dirty="0" err="1">
+                <a:solidFill>
+                  <a:srgbClr val="FF0000"/>
+                </a:solidFill>
+                <a:latin typeface="Times New Roman" panose="02020603050405020304" pitchFamily="18" charset="0"/>
+                <a:cs typeface="Times New Roman" panose="02020603050405020304" pitchFamily="18" charset="0"/>
+              </a:rPr>
+              <a:t>Karakan</a:t>
+            </a:r>
+            <a:r>
+              <a:rPr lang="pt-BR" sz="2400" dirty="0">
+                <a:solidFill>
+                  <a:schemeClr val="tx1"/>
+                </a:solidFill>
+                <a:latin typeface="Times New Roman" panose="02020603050405020304" pitchFamily="18" charset="0"/>
+                <a:cs typeface="Times New Roman" panose="02020603050405020304" pitchFamily="18" charset="0"/>
+              </a:rPr>
+              <a:t> (Opera)</a:t>
+            </a:r>
+          </a:p>
+          <a:p>
+            <a:pPr algn="just">
+              <a:buFont typeface="Wingdings" panose="05000000000000000000" pitchFamily="2" charset="2"/>
+              <a:buChar char="§"/>
+            </a:pPr>
+            <a:endParaRPr lang="pt-BR" sz="2400" dirty="0">
+              <a:solidFill>
+                <a:schemeClr val="tx1"/>
+              </a:solidFill>
+              <a:latin typeface="Times New Roman" panose="02020603050405020304" pitchFamily="18" charset="0"/>
+              <a:cs typeface="Times New Roman" panose="02020603050405020304" pitchFamily="18" charset="0"/>
+            </a:endParaRPr>
+          </a:p>
+          <a:p>
+            <a:pPr algn="just">
+              <a:buFont typeface="Wingdings" panose="05000000000000000000" pitchFamily="2" charset="2"/>
+              <a:buChar char="§"/>
+            </a:pPr>
+            <a:r>
+              <a:rPr lang="pt-BR" sz="2400" dirty="0">
+                <a:solidFill>
+                  <a:srgbClr val="FF0000"/>
+                </a:solidFill>
+                <a:latin typeface="Times New Roman" panose="02020603050405020304" pitchFamily="18" charset="0"/>
+                <a:cs typeface="Times New Roman" panose="02020603050405020304" pitchFamily="18" charset="0"/>
+              </a:rPr>
+              <a:t> </a:t>
+            </a:r>
+            <a:r>
+              <a:rPr lang="pt-BR" sz="2400" b="1" dirty="0">
+                <a:solidFill>
+                  <a:srgbClr val="FF0000"/>
+                </a:solidFill>
+                <a:latin typeface="Times New Roman" panose="02020603050405020304" pitchFamily="18" charset="0"/>
+                <a:cs typeface="Times New Roman" panose="02020603050405020304" pitchFamily="18" charset="0"/>
+              </a:rPr>
+              <a:t>Chakra</a:t>
+            </a:r>
+            <a:r>
+              <a:rPr lang="pt-BR" sz="2400" dirty="0">
+                <a:solidFill>
+                  <a:srgbClr val="FF0000"/>
+                </a:solidFill>
+                <a:latin typeface="Times New Roman" panose="02020603050405020304" pitchFamily="18" charset="0"/>
+                <a:cs typeface="Times New Roman" panose="02020603050405020304" pitchFamily="18" charset="0"/>
+              </a:rPr>
+              <a:t> </a:t>
+            </a:r>
+            <a:r>
+              <a:rPr lang="pt-BR" sz="2400" dirty="0">
+                <a:solidFill>
+                  <a:schemeClr val="tx1"/>
+                </a:solidFill>
+                <a:latin typeface="Times New Roman" panose="02020603050405020304" pitchFamily="18" charset="0"/>
+                <a:cs typeface="Times New Roman" panose="02020603050405020304" pitchFamily="18" charset="0"/>
+              </a:rPr>
+              <a:t>(Edge)</a:t>
+            </a:r>
+          </a:p>
+          <a:p>
+            <a:pPr algn="just">
+              <a:buFont typeface="Wingdings" panose="05000000000000000000" pitchFamily="2" charset="2"/>
+              <a:buChar char="§"/>
+            </a:pPr>
+            <a:endParaRPr lang="pt-BR" sz="2400" dirty="0">
+              <a:solidFill>
+                <a:schemeClr val="tx1"/>
+              </a:solidFill>
+              <a:latin typeface="Times New Roman" panose="02020603050405020304" pitchFamily="18" charset="0"/>
+              <a:cs typeface="Times New Roman" panose="02020603050405020304" pitchFamily="18" charset="0"/>
+            </a:endParaRPr>
           </a:p>
         </p:txBody>
       </p:sp>
     </p:spTree>
     <p:extLst>
       <p:ext uri="{BB962C8B-B14F-4D97-AF65-F5344CB8AC3E}">
-        <p14:creationId xmlns:p14="http://schemas.microsoft.com/office/powerpoint/2010/main" val="813530526"/>
+        <p14:creationId xmlns:p14="http://schemas.microsoft.com/office/powerpoint/2010/main" val="1334594824"/>
       </p:ext>
     </p:extLst>
   </p:cSld>
@@ -7537,12 +9776,36 @@
           <a:lstStyle/>
           <a:p>
             <a:r>
+              <a:rPr lang="en-US" b="1" dirty="0" err="1">
+                <a:solidFill>
+                  <a:srgbClr val="0070C0"/>
+                </a:solidFill>
+              </a:rPr>
+              <a:t>Histórico</a:t>
+            </a:r>
+            <a:r>
               <a:rPr lang="en-US" b="1" dirty="0">
                 <a:solidFill>
                   <a:srgbClr val="0070C0"/>
                 </a:solidFill>
               </a:rPr>
-              <a:t>JS</a:t>
+              <a:t> </a:t>
+            </a:r>
+            <a:r>
+              <a:rPr lang="en-US" b="1" dirty="0" err="1">
+                <a:solidFill>
+                  <a:srgbClr val="0070C0"/>
+                </a:solidFill>
+              </a:rPr>
+              <a:t>Versão</a:t>
+            </a:r>
+            <a:r>
+              <a:rPr lang="en-US" b="1" dirty="0">
+                <a:solidFill>
+                  <a:srgbClr val="0070C0"/>
+                </a:solidFill>
+              </a:rPr>
+              <a:t> ECMAScript</a:t>
             </a:r>
           </a:p>
         </p:txBody>
@@ -7559,8 +9822,8 @@
         </p:nvSpPr>
         <p:spPr>
           <a:xfrm>
-            <a:off x="142865" y="1037312"/>
-            <a:ext cx="8865056" cy="3900208"/>
+            <a:off x="142865" y="1037311"/>
+            <a:ext cx="8865056" cy="4010677"/>
           </a:xfrm>
         </p:spPr>
         <p:txBody>
@@ -7580,17 +9843,337 @@
                 <a:latin typeface="Times New Roman" panose="02020603050405020304" pitchFamily="18" charset="0"/>
                 <a:cs typeface="Times New Roman" panose="02020603050405020304" pitchFamily="18" charset="0"/>
               </a:rPr>
-              <a:t>O </a:t>
-            </a:r>
-            <a:r>
-              <a:rPr lang="pt-BR" sz="2400" b="1" dirty="0" err="1">
+              <a:t>1997: 1.0 (Java Script 1.1)</a:t>
+            </a:r>
+          </a:p>
+          <a:p>
+            <a:pPr marL="0" indent="0" algn="just">
+              <a:buNone/>
+            </a:pPr>
+            <a:r>
+              <a:rPr lang="pt-BR" sz="2400" dirty="0">
+                <a:solidFill>
+                  <a:schemeClr val="tx1"/>
+                </a:solidFill>
+                <a:latin typeface="Times New Roman" panose="02020603050405020304" pitchFamily="18" charset="0"/>
+                <a:cs typeface="Times New Roman" panose="02020603050405020304" pitchFamily="18" charset="0"/>
+              </a:rPr>
+              <a:t>1998: 2.0</a:t>
+            </a:r>
+          </a:p>
+          <a:p>
+            <a:pPr marL="0" indent="0" algn="just">
+              <a:buNone/>
+            </a:pPr>
+            <a:r>
+              <a:rPr lang="pt-BR" sz="2400" dirty="0">
+                <a:solidFill>
+                  <a:schemeClr val="tx1"/>
+                </a:solidFill>
+                <a:latin typeface="Times New Roman" panose="02020603050405020304" pitchFamily="18" charset="0"/>
+                <a:cs typeface="Times New Roman" panose="02020603050405020304" pitchFamily="18" charset="0"/>
+              </a:rPr>
+              <a:t>1999: 3.0 (</a:t>
+            </a:r>
+            <a:r>
+              <a:rPr lang="pt-BR" sz="2400" dirty="0" err="1">
+                <a:solidFill>
+                  <a:schemeClr val="tx1"/>
+                </a:solidFill>
+                <a:latin typeface="Times New Roman" panose="02020603050405020304" pitchFamily="18" charset="0"/>
+                <a:cs typeface="Times New Roman" panose="02020603050405020304" pitchFamily="18" charset="0"/>
+              </a:rPr>
+              <a:t>try</a:t>
+            </a:r>
+            <a:r>
+              <a:rPr lang="pt-BR" sz="2400" dirty="0">
+                <a:solidFill>
+                  <a:schemeClr val="tx1"/>
+                </a:solidFill>
+                <a:latin typeface="Times New Roman" panose="02020603050405020304" pitchFamily="18" charset="0"/>
+                <a:cs typeface="Times New Roman" panose="02020603050405020304" pitchFamily="18" charset="0"/>
+              </a:rPr>
+              <a:t>/</a:t>
+            </a:r>
+            <a:r>
+              <a:rPr lang="pt-BR" sz="2400" dirty="0" err="1">
+                <a:solidFill>
+                  <a:schemeClr val="tx1"/>
+                </a:solidFill>
+                <a:latin typeface="Times New Roman" panose="02020603050405020304" pitchFamily="18" charset="0"/>
+                <a:cs typeface="Times New Roman" panose="02020603050405020304" pitchFamily="18" charset="0"/>
+              </a:rPr>
+              <a:t>cath</a:t>
+            </a:r>
+            <a:r>
+              <a:rPr lang="pt-BR" sz="2400" dirty="0">
+                <a:solidFill>
+                  <a:schemeClr val="tx1"/>
+                </a:solidFill>
+                <a:latin typeface="Times New Roman" panose="02020603050405020304" pitchFamily="18" charset="0"/>
+                <a:cs typeface="Times New Roman" panose="02020603050405020304" pitchFamily="18" charset="0"/>
+              </a:rPr>
+              <a:t>)</a:t>
+            </a:r>
+          </a:p>
+          <a:p>
+            <a:pPr marL="0" indent="0" algn="just">
+              <a:buNone/>
+            </a:pPr>
+            <a:r>
+              <a:rPr lang="pt-BR" sz="2400" dirty="0">
+                <a:solidFill>
+                  <a:schemeClr val="tx1"/>
+                </a:solidFill>
+                <a:latin typeface="Times New Roman" panose="02020603050405020304" pitchFamily="18" charset="0"/>
+                <a:cs typeface="Times New Roman" panose="02020603050405020304" pitchFamily="18" charset="0"/>
+              </a:rPr>
+              <a:t>2009: ES5 (compatível com </a:t>
+            </a:r>
+            <a:r>
+              <a:rPr lang="pt-BR" sz="2400" dirty="0" err="1">
+                <a:solidFill>
+                  <a:schemeClr val="tx1"/>
+                </a:solidFill>
+                <a:latin typeface="Times New Roman" panose="02020603050405020304" pitchFamily="18" charset="0"/>
+                <a:cs typeface="Times New Roman" panose="02020603050405020304" pitchFamily="18" charset="0"/>
+              </a:rPr>
+              <a:t>json</a:t>
+            </a:r>
+            <a:r>
+              <a:rPr lang="pt-BR" sz="2400" dirty="0">
+                <a:solidFill>
+                  <a:schemeClr val="tx1"/>
+                </a:solidFill>
+                <a:latin typeface="Times New Roman" panose="02020603050405020304" pitchFamily="18" charset="0"/>
+                <a:cs typeface="Times New Roman" panose="02020603050405020304" pitchFamily="18" charset="0"/>
+              </a:rPr>
+              <a:t>; métodos para </a:t>
+            </a:r>
+            <a:r>
+              <a:rPr lang="pt-BR" sz="2400" dirty="0" err="1">
+                <a:solidFill>
+                  <a:schemeClr val="tx1"/>
+                </a:solidFill>
+                <a:latin typeface="Times New Roman" panose="02020603050405020304" pitchFamily="18" charset="0"/>
+                <a:cs typeface="Times New Roman" panose="02020603050405020304" pitchFamily="18" charset="0"/>
+              </a:rPr>
+              <a:t>arrays</a:t>
+            </a:r>
+            <a:r>
+              <a:rPr lang="pt-BR" sz="2400" dirty="0">
+                <a:solidFill>
+                  <a:schemeClr val="tx1"/>
+                </a:solidFill>
+                <a:latin typeface="Times New Roman" panose="02020603050405020304" pitchFamily="18" charset="0"/>
+                <a:cs typeface="Times New Roman" panose="02020603050405020304" pitchFamily="18" charset="0"/>
+              </a:rPr>
+              <a:t>)</a:t>
+            </a:r>
+          </a:p>
+          <a:p>
+            <a:pPr marL="0" indent="0" algn="just">
+              <a:buNone/>
+            </a:pPr>
+            <a:r>
+              <a:rPr lang="pt-BR" sz="2400" dirty="0">
+                <a:solidFill>
+                  <a:schemeClr val="tx1"/>
+                </a:solidFill>
+                <a:latin typeface="Times New Roman" panose="02020603050405020304" pitchFamily="18" charset="0"/>
+                <a:cs typeface="Times New Roman" panose="02020603050405020304" pitchFamily="18" charset="0"/>
+              </a:rPr>
+              <a:t>2015: ES6 (declaradores </a:t>
+            </a:r>
+            <a:r>
+              <a:rPr lang="pt-BR" sz="2400" dirty="0" err="1">
+                <a:solidFill>
+                  <a:schemeClr val="tx1"/>
+                </a:solidFill>
+                <a:latin typeface="Times New Roman" panose="02020603050405020304" pitchFamily="18" charset="0"/>
+                <a:cs typeface="Times New Roman" panose="02020603050405020304" pitchFamily="18" charset="0"/>
+              </a:rPr>
+              <a:t>let</a:t>
+            </a:r>
+            <a:r>
+              <a:rPr lang="pt-BR" sz="2400" dirty="0">
+                <a:solidFill>
+                  <a:schemeClr val="tx1"/>
+                </a:solidFill>
+                <a:latin typeface="Times New Roman" panose="02020603050405020304" pitchFamily="18" charset="0"/>
+                <a:cs typeface="Times New Roman" panose="02020603050405020304" pitchFamily="18" charset="0"/>
+              </a:rPr>
+              <a:t>/</a:t>
+            </a:r>
+            <a:r>
+              <a:rPr lang="pt-BR" sz="2400" dirty="0" err="1">
+                <a:solidFill>
+                  <a:schemeClr val="tx1"/>
+                </a:solidFill>
+                <a:latin typeface="Times New Roman" panose="02020603050405020304" pitchFamily="18" charset="0"/>
+                <a:cs typeface="Times New Roman" panose="02020603050405020304" pitchFamily="18" charset="0"/>
+              </a:rPr>
+              <a:t>const</a:t>
+            </a:r>
+            <a:r>
+              <a:rPr lang="pt-BR" sz="2400" dirty="0">
+                <a:solidFill>
+                  <a:schemeClr val="tx1"/>
+                </a:solidFill>
+                <a:latin typeface="Times New Roman" panose="02020603050405020304" pitchFamily="18" charset="0"/>
+                <a:cs typeface="Times New Roman" panose="02020603050405020304" pitchFamily="18" charset="0"/>
+              </a:rPr>
+              <a:t>; </a:t>
+            </a:r>
+            <a:r>
+              <a:rPr lang="pt-BR" sz="2400" dirty="0" err="1">
+                <a:solidFill>
+                  <a:schemeClr val="tx1"/>
+                </a:solidFill>
+                <a:latin typeface="Times New Roman" panose="02020603050405020304" pitchFamily="18" charset="0"/>
+                <a:cs typeface="Times New Roman" panose="02020603050405020304" pitchFamily="18" charset="0"/>
+              </a:rPr>
+              <a:t>strings</a:t>
+            </a:r>
+            <a:r>
+              <a:rPr lang="pt-BR" sz="2400" dirty="0">
+                <a:solidFill>
+                  <a:schemeClr val="tx1"/>
+                </a:solidFill>
+                <a:latin typeface="Times New Roman" panose="02020603050405020304" pitchFamily="18" charset="0"/>
+                <a:cs typeface="Times New Roman" panose="02020603050405020304" pitchFamily="18" charset="0"/>
+              </a:rPr>
+              <a:t>; </a:t>
+            </a:r>
+            <a:r>
+              <a:rPr lang="pt-BR" sz="2400" dirty="0" err="1">
+                <a:solidFill>
+                  <a:schemeClr val="tx1"/>
+                </a:solidFill>
+                <a:latin typeface="Times New Roman" panose="02020603050405020304" pitchFamily="18" charset="0"/>
+                <a:cs typeface="Times New Roman" panose="02020603050405020304" pitchFamily="18" charset="0"/>
+              </a:rPr>
+              <a:t>templates</a:t>
+            </a:r>
+            <a:r>
+              <a:rPr lang="pt-BR" sz="2400" dirty="0">
+                <a:solidFill>
+                  <a:schemeClr val="tx1"/>
+                </a:solidFill>
+                <a:latin typeface="Times New Roman" panose="02020603050405020304" pitchFamily="18" charset="0"/>
+                <a:cs typeface="Times New Roman" panose="02020603050405020304" pitchFamily="18" charset="0"/>
+              </a:rPr>
+              <a:t>)</a:t>
+            </a:r>
+          </a:p>
+          <a:p>
+            <a:pPr marL="0" indent="0" algn="just">
+              <a:buNone/>
+            </a:pPr>
+            <a:r>
+              <a:rPr lang="pt-BR" sz="2400" dirty="0">
+                <a:solidFill>
+                  <a:schemeClr val="tx1"/>
+                </a:solidFill>
+                <a:latin typeface="Times New Roman" panose="02020603050405020304" pitchFamily="18" charset="0"/>
+                <a:cs typeface="Times New Roman" panose="02020603050405020304" pitchFamily="18" charset="0"/>
+              </a:rPr>
+              <a:t>2016: ES2016 (operador de exponenciação) </a:t>
+            </a:r>
+          </a:p>
+          <a:p>
+            <a:pPr marL="0" indent="0" algn="just">
+              <a:buNone/>
+            </a:pPr>
+            <a:r>
+              <a:rPr lang="pt-BR" sz="2400" dirty="0">
+                <a:solidFill>
+                  <a:schemeClr val="tx1"/>
+                </a:solidFill>
+                <a:latin typeface="Times New Roman" panose="02020603050405020304" pitchFamily="18" charset="0"/>
+                <a:cs typeface="Times New Roman" panose="02020603050405020304" pitchFamily="18" charset="0"/>
+              </a:rPr>
+              <a:t>2017: ES2017 (compatibilidade com funções assíncronas)</a:t>
+            </a:r>
+          </a:p>
+          <a:p>
+            <a:pPr marL="0" indent="0" algn="just">
+              <a:buNone/>
+            </a:pPr>
+            <a:r>
+              <a:rPr lang="pt-BR" sz="2400" dirty="0">
+                <a:solidFill>
+                  <a:schemeClr val="tx1"/>
+                </a:solidFill>
+                <a:latin typeface="Times New Roman" panose="02020603050405020304" pitchFamily="18" charset="0"/>
+                <a:cs typeface="Times New Roman" panose="02020603050405020304" pitchFamily="18" charset="0"/>
+              </a:rPr>
+              <a:t>2018: ES2018 (Expressões regulares as </a:t>
+            </a:r>
+            <a:r>
+              <a:rPr lang="pt-BR" sz="2400" dirty="0" err="1">
+                <a:solidFill>
+                  <a:schemeClr val="tx1"/>
+                </a:solidFill>
+                <a:latin typeface="Times New Roman" panose="02020603050405020304" pitchFamily="18" charset="0"/>
+                <a:cs typeface="Times New Roman" panose="02020603050405020304" pitchFamily="18" charset="0"/>
+              </a:rPr>
+              <a:t>RegEx</a:t>
+            </a:r>
+            <a:r>
+              <a:rPr lang="pt-BR" sz="2400" dirty="0">
+                <a:solidFill>
+                  <a:schemeClr val="tx1"/>
+                </a:solidFill>
+                <a:latin typeface="Times New Roman" panose="02020603050405020304" pitchFamily="18" charset="0"/>
+                <a:cs typeface="Times New Roman" panose="02020603050405020304" pitchFamily="18" charset="0"/>
+              </a:rPr>
+              <a:t> / </a:t>
+            </a:r>
+            <a:r>
+              <a:rPr lang="pt-BR" sz="2400" dirty="0" err="1">
+                <a:solidFill>
+                  <a:schemeClr val="tx1"/>
+                </a:solidFill>
+                <a:latin typeface="Times New Roman" panose="02020603050405020304" pitchFamily="18" charset="0"/>
+                <a:cs typeface="Times New Roman" panose="02020603050405020304" pitchFamily="18" charset="0"/>
+              </a:rPr>
+              <a:t>promises</a:t>
+            </a:r>
+            <a:r>
+              <a:rPr lang="pt-BR" sz="2400" dirty="0">
+                <a:solidFill>
+                  <a:schemeClr val="tx1"/>
+                </a:solidFill>
+                <a:latin typeface="Times New Roman" panose="02020603050405020304" pitchFamily="18" charset="0"/>
+                <a:cs typeface="Times New Roman" panose="02020603050405020304" pitchFamily="18" charset="0"/>
+              </a:rPr>
+              <a:t>)</a:t>
+            </a:r>
+          </a:p>
+          <a:p>
+            <a:pPr marL="0" indent="0" algn="just">
+              <a:buNone/>
+            </a:pPr>
+            <a:r>
+              <a:rPr lang="pt-BR" sz="2400" dirty="0">
+                <a:solidFill>
+                  <a:schemeClr val="tx1"/>
+                </a:solidFill>
+                <a:latin typeface="Times New Roman" panose="02020603050405020304" pitchFamily="18" charset="0"/>
+                <a:cs typeface="Times New Roman" panose="02020603050405020304" pitchFamily="18" charset="0"/>
+              </a:rPr>
+              <a:t>2021: ES2021 (</a:t>
+            </a:r>
+            <a:r>
+              <a:rPr lang="pt-BR" sz="2400" b="1" dirty="0">
                 <a:solidFill>
                   <a:srgbClr val="FF0000"/>
                 </a:solidFill>
                 <a:latin typeface="Times New Roman" panose="02020603050405020304" pitchFamily="18" charset="0"/>
                 <a:cs typeface="Times New Roman" panose="02020603050405020304" pitchFamily="18" charset="0"/>
               </a:rPr>
-              <a:t>JavaScript</a:t>
+              <a:t>oficial</a:t>
             </a:r>
             <a:r>
               <a:rPr lang="pt-BR" sz="2400" dirty="0">
@@ -7600,7 +10183,7 @@
                 <a:latin typeface="Times New Roman" panose="02020603050405020304" pitchFamily="18" charset="0"/>
                 <a:cs typeface="Times New Roman" panose="02020603050405020304" pitchFamily="18" charset="0"/>
               </a:rPr>
-              <a:t> permite controlar os elementos de uma página em tempo real, sem necessariamente ter que receber os dados ou uma resposta do servidor. </a:t>
+              <a:t>)</a:t>
             </a:r>
           </a:p>
           <a:p>
@@ -7615,27 +10198,12 @@
               <a:cs typeface="Times New Roman" panose="02020603050405020304" pitchFamily="18" charset="0"/>
             </a:endParaRPr>
           </a:p>
-          <a:p>
-            <a:pPr marL="0" indent="0" algn="just">
-              <a:buNone/>
-            </a:pPr>
-            <a:r>
-              <a:rPr lang="pt-BR" sz="2400" dirty="0">
-                <a:solidFill>
-                  <a:schemeClr val="tx1"/>
-                </a:solidFill>
-                <a:latin typeface="Times New Roman" panose="02020603050405020304" pitchFamily="18" charset="0"/>
-                <a:cs typeface="Times New Roman" panose="02020603050405020304" pitchFamily="18" charset="0"/>
-              </a:rPr>
-              <a:t>Por exemplo, é possível atualizar o conteúdo de uma página web sem precisar recarregá-la por completo ao preencher um formulário.</a:t>
-            </a:r>
-          </a:p>
         </p:txBody>
       </p:sp>
     </p:spTree>
     <p:extLst>
       <p:ext uri="{BB962C8B-B14F-4D97-AF65-F5344CB8AC3E}">
-        <p14:creationId xmlns:p14="http://schemas.microsoft.com/office/powerpoint/2010/main" val="2915126893"/>
+        <p14:creationId xmlns:p14="http://schemas.microsoft.com/office/powerpoint/2010/main" val="4054936172"/>
       </p:ext>
     </p:extLst>
   </p:cSld>
@@ -7686,12 +10254,36 @@
           <a:lstStyle/>
           <a:p>
             <a:r>
+              <a:rPr lang="en-US" b="1" dirty="0" err="1">
+                <a:solidFill>
+                  <a:srgbClr val="0070C0"/>
+                </a:solidFill>
+              </a:rPr>
+              <a:t>Ambiente</a:t>
+            </a:r>
+            <a:r>
               <a:rPr lang="en-US" b="1" dirty="0">
                 <a:solidFill>
                   <a:srgbClr val="0070C0"/>
                 </a:solidFill>
               </a:rPr>
-              <a:t>JS</a:t>
+              <a:t> – </a:t>
+            </a:r>
+            <a:r>
+              <a:rPr lang="en-US" b="1" dirty="0" err="1">
+                <a:solidFill>
+                  <a:srgbClr val="0070C0"/>
+                </a:solidFill>
+              </a:rPr>
+              <a:t>Configuração</a:t>
+            </a:r>
+            <a:r>
+              <a:rPr lang="en-US" b="1" dirty="0">
+                <a:solidFill>
+                  <a:srgbClr val="0070C0"/>
+                </a:solidFill>
+              </a:rPr>
+              <a:t> JS</a:t>
             </a:r>
           </a:p>
         </p:txBody>
@@ -7708,8 +10300,8 @@
         </p:nvSpPr>
         <p:spPr>
           <a:xfrm>
-            <a:off x="142865" y="1037312"/>
-            <a:ext cx="8865056" cy="3900208"/>
+            <a:off x="142865" y="1037311"/>
+            <a:ext cx="8865056" cy="4035729"/>
           </a:xfrm>
         </p:spPr>
         <p:txBody>
@@ -7729,17 +10321,22 @@
                 <a:latin typeface="Times New Roman" panose="02020603050405020304" pitchFamily="18" charset="0"/>
                 <a:cs typeface="Times New Roman" panose="02020603050405020304" pitchFamily="18" charset="0"/>
               </a:rPr>
-              <a:t>Um código </a:t>
-            </a:r>
-            <a:r>
-              <a:rPr lang="pt-BR" sz="2400" b="1" dirty="0" err="1">
-                <a:solidFill>
-                  <a:srgbClr val="FF0000"/>
-                </a:solidFill>
-                <a:latin typeface="Times New Roman" panose="02020603050405020304" pitchFamily="18" charset="0"/>
-                <a:cs typeface="Times New Roman" panose="02020603050405020304" pitchFamily="18" charset="0"/>
-              </a:rPr>
-              <a:t>JavaScript</a:t>
+              <a:t>Vamos adotar o seguinte ambiente, conforme descrito a seguir:</a:t>
+            </a:r>
+          </a:p>
+          <a:p>
+            <a:pPr marL="457200" indent="-457200" algn="just">
+              <a:buAutoNum type="arabicPeriod"/>
+            </a:pPr>
+            <a:r>
+              <a:rPr lang="pt-BR" sz="2400" b="1" dirty="0">
+                <a:solidFill>
+                  <a:schemeClr val="tx1"/>
+                </a:solidFill>
+                <a:latin typeface="Times New Roman" panose="02020603050405020304" pitchFamily="18" charset="0"/>
+                <a:cs typeface="Times New Roman" panose="02020603050405020304" pitchFamily="18" charset="0"/>
+              </a:rPr>
+              <a:t>Browser</a:t>
             </a:r>
             <a:r>
               <a:rPr lang="pt-BR" sz="2400" dirty="0">
@@ -7749,13 +10346,43 @@
                 <a:latin typeface="Times New Roman" panose="02020603050405020304" pitchFamily="18" charset="0"/>
                 <a:cs typeface="Times New Roman" panose="02020603050405020304" pitchFamily="18" charset="0"/>
               </a:rPr>
-              <a:t> também pode enviar e receber dados do servidor de maneira síncrona e assíncrona, processando, validando e exibindo as informações em tempo real.</a:t>
-            </a:r>
-          </a:p>
-          <a:p>
-            <a:pPr marL="0" indent="0" algn="just">
-              <a:buNone/>
+              <a:t>: Google ou Firefox</a:t>
+            </a:r>
+          </a:p>
+          <a:p>
+            <a:pPr marL="457200" indent="-457200" algn="just">
+              <a:buAutoNum type="arabicPeriod"/>
             </a:pPr>
+            <a:r>
+              <a:rPr lang="pt-BR" sz="2400" b="1" dirty="0">
+                <a:solidFill>
+                  <a:schemeClr val="tx1"/>
+                </a:solidFill>
+                <a:latin typeface="Times New Roman" panose="02020603050405020304" pitchFamily="18" charset="0"/>
+                <a:cs typeface="Times New Roman" panose="02020603050405020304" pitchFamily="18" charset="0"/>
+              </a:rPr>
+              <a:t>IDE</a:t>
+            </a:r>
+            <a:r>
+              <a:rPr lang="pt-BR" sz="2400" dirty="0">
+                <a:solidFill>
+                  <a:schemeClr val="tx1"/>
+                </a:solidFill>
+                <a:latin typeface="Times New Roman" panose="02020603050405020304" pitchFamily="18" charset="0"/>
+                <a:cs typeface="Times New Roman" panose="02020603050405020304" pitchFamily="18" charset="0"/>
+              </a:rPr>
+              <a:t>: </a:t>
+            </a:r>
+            <a:r>
+              <a:rPr lang="pt-BR" sz="2400" dirty="0" err="1">
+                <a:solidFill>
+                  <a:schemeClr val="tx1"/>
+                </a:solidFill>
+                <a:latin typeface="Times New Roman" panose="02020603050405020304" pitchFamily="18" charset="0"/>
+                <a:cs typeface="Times New Roman" panose="02020603050405020304" pitchFamily="18" charset="0"/>
+              </a:rPr>
+              <a:t>VSCode</a:t>
+            </a:r>
             <a:endParaRPr lang="pt-BR" sz="2400" dirty="0">
               <a:solidFill>
                 <a:schemeClr val="tx1"/>
@@ -7765,6 +10392,51 @@
             </a:endParaRPr>
           </a:p>
           <a:p>
+            <a:pPr marL="457200" indent="-457200" algn="just">
+              <a:buAutoNum type="arabicPeriod"/>
+            </a:pPr>
+            <a:r>
+              <a:rPr lang="pt-BR" sz="2400" b="1" dirty="0">
+                <a:solidFill>
+                  <a:schemeClr val="tx1"/>
+                </a:solidFill>
+                <a:latin typeface="Times New Roman" panose="02020603050405020304" pitchFamily="18" charset="0"/>
+                <a:cs typeface="Times New Roman" panose="02020603050405020304" pitchFamily="18" charset="0"/>
+              </a:rPr>
+              <a:t>Node.JS </a:t>
+            </a:r>
+            <a:r>
+              <a:rPr lang="pt-BR" sz="2400" dirty="0">
+                <a:solidFill>
+                  <a:schemeClr val="tx1"/>
+                </a:solidFill>
+                <a:latin typeface="Times New Roman" panose="02020603050405020304" pitchFamily="18" charset="0"/>
+                <a:cs typeface="Times New Roman" panose="02020603050405020304" pitchFamily="18" charset="0"/>
+              </a:rPr>
+              <a:t>(Integrar com a IDE, </a:t>
+            </a:r>
+            <a:r>
+              <a:rPr lang="pt-BR" sz="2400" b="1" dirty="0">
+                <a:solidFill>
+                  <a:srgbClr val="FF0000"/>
+                </a:solidFill>
+                <a:latin typeface="Times New Roman" panose="02020603050405020304" pitchFamily="18" charset="0"/>
+                <a:cs typeface="Times New Roman" panose="02020603050405020304" pitchFamily="18" charset="0"/>
+              </a:rPr>
+              <a:t>opcional</a:t>
+            </a:r>
+            <a:r>
+              <a:rPr lang="pt-BR" sz="2400" dirty="0">
+                <a:solidFill>
+                  <a:schemeClr val="tx1"/>
+                </a:solidFill>
+                <a:latin typeface="Times New Roman" panose="02020603050405020304" pitchFamily="18" charset="0"/>
+                <a:cs typeface="Times New Roman" panose="02020603050405020304" pitchFamily="18" charset="0"/>
+              </a:rPr>
+              <a:t>)</a:t>
+            </a:r>
+          </a:p>
+          <a:p>
             <a:pPr marL="0" indent="0" algn="just">
               <a:buNone/>
             </a:pPr>
@@ -7776,17 +10448,22 @@
                 <a:latin typeface="Times New Roman" panose="02020603050405020304" pitchFamily="18" charset="0"/>
                 <a:cs typeface="Times New Roman" panose="02020603050405020304" pitchFamily="18" charset="0"/>
               </a:rPr>
-              <a:t>O Javascript é case </a:t>
-            </a:r>
-            <a:r>
-              <a:rPr lang="pt-BR" sz="2400" dirty="0" err="1">
-                <a:solidFill>
-                  <a:schemeClr val="tx1"/>
-                </a:solidFill>
-                <a:latin typeface="Times New Roman" panose="02020603050405020304" pitchFamily="18" charset="0"/>
-                <a:cs typeface="Times New Roman" panose="02020603050405020304" pitchFamily="18" charset="0"/>
-              </a:rPr>
-              <a:t>sensitive</a:t>
+              <a:t>	https://nodejs.org/pt-br/download/</a:t>
+            </a:r>
+          </a:p>
+          <a:p>
+            <a:pPr marL="0" indent="0" algn="just">
+              <a:buNone/>
+            </a:pPr>
+            <a:r>
+              <a:rPr lang="pt-BR" sz="2400" b="1" dirty="0">
+                <a:solidFill>
+                  <a:srgbClr val="FF0000"/>
+                </a:solidFill>
+                <a:latin typeface="Times New Roman" panose="02020603050405020304" pitchFamily="18" charset="0"/>
+                <a:cs typeface="Times New Roman" panose="02020603050405020304" pitchFamily="18" charset="0"/>
+              </a:rPr>
+              <a:t>Documentação</a:t>
             </a:r>
             <a:r>
               <a:rPr lang="pt-BR" sz="2400" dirty="0">
@@ -7796,13 +10473,106 @@
                 <a:latin typeface="Times New Roman" panose="02020603050405020304" pitchFamily="18" charset="0"/>
                 <a:cs typeface="Times New Roman" panose="02020603050405020304" pitchFamily="18" charset="0"/>
               </a:rPr>
-              <a:t>.</a:t>
+              <a:t>: </a:t>
             </a:r>
           </a:p>
           <a:p>
             <a:pPr marL="0" indent="0" algn="just">
               <a:buNone/>
             </a:pPr>
+            <a:r>
+              <a:rPr lang="pt-BR" sz="2400" dirty="0">
+                <a:solidFill>
+                  <a:schemeClr val="tx1"/>
+                </a:solidFill>
+                <a:latin typeface="Times New Roman" panose="02020603050405020304" pitchFamily="18" charset="0"/>
+                <a:cs typeface="Times New Roman" panose="02020603050405020304" pitchFamily="18" charset="0"/>
+              </a:rPr>
+              <a:t>	</a:t>
+            </a:r>
+            <a:r>
+              <a:rPr lang="pt-BR" sz="2400" dirty="0">
+                <a:solidFill>
+                  <a:schemeClr val="tx1"/>
+                </a:solidFill>
+                <a:latin typeface="Times New Roman" panose="02020603050405020304" pitchFamily="18" charset="0"/>
+                <a:cs typeface="Times New Roman" panose="02020603050405020304" pitchFamily="18" charset="0"/>
+                <a:hlinkClick r:id="rId3"/>
+              </a:rPr>
+              <a:t>https://nodejs.org/pt-br/docs/</a:t>
+            </a:r>
+            <a:r>
+              <a:rPr lang="pt-BR" sz="2400" dirty="0">
+                <a:solidFill>
+                  <a:schemeClr val="tx1"/>
+                </a:solidFill>
+                <a:latin typeface="Times New Roman" panose="02020603050405020304" pitchFamily="18" charset="0"/>
+                <a:cs typeface="Times New Roman" panose="02020603050405020304" pitchFamily="18" charset="0"/>
+              </a:rPr>
+              <a:t> ou </a:t>
+            </a:r>
+          </a:p>
+          <a:p>
+            <a:pPr marL="0" indent="0" algn="just">
+              <a:buNone/>
+            </a:pPr>
+            <a:r>
+              <a:rPr lang="pt-BR" sz="2400" dirty="0">
+                <a:solidFill>
+                  <a:schemeClr val="tx1"/>
+                </a:solidFill>
+                <a:latin typeface="Times New Roman" panose="02020603050405020304" pitchFamily="18" charset="0"/>
+                <a:cs typeface="Times New Roman" panose="02020603050405020304" pitchFamily="18" charset="0"/>
+              </a:rPr>
+              <a:t>	</a:t>
+            </a:r>
+            <a:r>
+              <a:rPr lang="pt-BR" sz="2400" dirty="0">
+                <a:solidFill>
+                  <a:schemeClr val="tx1"/>
+                </a:solidFill>
+                <a:latin typeface="Times New Roman" panose="02020603050405020304" pitchFamily="18" charset="0"/>
+                <a:cs typeface="Times New Roman" panose="02020603050405020304" pitchFamily="18" charset="0"/>
+                <a:hlinkClick r:id="rId4"/>
+              </a:rPr>
+              <a:t>https://developer.mozilla.org/pt-BR/docs/Web/JavaScript</a:t>
+            </a:r>
+            <a:r>
+              <a:rPr lang="pt-BR" sz="2400" dirty="0">
+                <a:solidFill>
+                  <a:schemeClr val="tx1"/>
+                </a:solidFill>
+                <a:latin typeface="Times New Roman" panose="02020603050405020304" pitchFamily="18" charset="0"/>
+                <a:cs typeface="Times New Roman" panose="02020603050405020304" pitchFamily="18" charset="0"/>
+              </a:rPr>
+              <a:t>  ou</a:t>
+            </a:r>
+          </a:p>
+          <a:p>
+            <a:pPr marL="0" indent="0" algn="just">
+              <a:buNone/>
+            </a:pPr>
+            <a:r>
+              <a:rPr lang="pt-BR" sz="2400" dirty="0">
+                <a:solidFill>
+                  <a:schemeClr val="tx1"/>
+                </a:solidFill>
+                <a:latin typeface="Times New Roman" panose="02020603050405020304" pitchFamily="18" charset="0"/>
+                <a:cs typeface="Times New Roman" panose="02020603050405020304" pitchFamily="18" charset="0"/>
+              </a:rPr>
+              <a:t>	</a:t>
+            </a:r>
+            <a:r>
+              <a:rPr lang="pt-BR" sz="2400" dirty="0">
+                <a:solidFill>
+                  <a:schemeClr val="tx1"/>
+                </a:solidFill>
+                <a:latin typeface="Times New Roman" panose="02020603050405020304" pitchFamily="18" charset="0"/>
+                <a:cs typeface="Times New Roman" panose="02020603050405020304" pitchFamily="18" charset="0"/>
+                <a:hlinkClick r:id="rId5"/>
+              </a:rPr>
+              <a:t>https://www.ecma-international.org/</a:t>
+            </a:r>
             <a:endParaRPr lang="pt-BR" sz="2400" dirty="0">
               <a:solidFill>
                 <a:schemeClr val="tx1"/>
@@ -7811,49 +10581,12 @@
               <a:cs typeface="Times New Roman" panose="02020603050405020304" pitchFamily="18" charset="0"/>
             </a:endParaRPr>
           </a:p>
-          <a:p>
-            <a:pPr marL="0" indent="0" algn="just">
-              <a:buNone/>
-            </a:pPr>
-            <a:r>
-              <a:rPr lang="pt-BR" sz="2400" b="1" dirty="0">
-                <a:solidFill>
-                  <a:schemeClr val="tx1"/>
-                </a:solidFill>
-                <a:latin typeface="Times New Roman" panose="02020603050405020304" pitchFamily="18" charset="0"/>
-                <a:cs typeface="Times New Roman" panose="02020603050405020304" pitchFamily="18" charset="0"/>
-              </a:rPr>
-              <a:t>Nome do arquivo</a:t>
-            </a:r>
-            <a:r>
-              <a:rPr lang="pt-BR" sz="2400" dirty="0">
-                <a:solidFill>
-                  <a:schemeClr val="tx1"/>
-                </a:solidFill>
-                <a:latin typeface="Times New Roman" panose="02020603050405020304" pitchFamily="18" charset="0"/>
-                <a:cs typeface="Times New Roman" panose="02020603050405020304" pitchFamily="18" charset="0"/>
-              </a:rPr>
-              <a:t>: arquivo.js</a:t>
-            </a:r>
-          </a:p>
-          <a:p>
-            <a:pPr marL="0" indent="0" algn="just">
-              <a:buNone/>
-            </a:pPr>
-            <a:endParaRPr lang="pt-BR" sz="2400" dirty="0">
-              <a:solidFill>
-                <a:schemeClr val="tx1"/>
-              </a:solidFill>
-              <a:latin typeface="Times New Roman" panose="02020603050405020304" pitchFamily="18" charset="0"/>
-              <a:cs typeface="Times New Roman" panose="02020603050405020304" pitchFamily="18" charset="0"/>
-            </a:endParaRPr>
-          </a:p>
         </p:txBody>
       </p:sp>
     </p:spTree>
     <p:extLst>
       <p:ext uri="{BB962C8B-B14F-4D97-AF65-F5344CB8AC3E}">
-        <p14:creationId xmlns:p14="http://schemas.microsoft.com/office/powerpoint/2010/main" val="3827469259"/>
+        <p14:creationId xmlns:p14="http://schemas.microsoft.com/office/powerpoint/2010/main" val="3784249072"/>
       </p:ext>
     </p:extLst>
   </p:cSld>
@@ -7940,14 +10673,54 @@
               <a:buNone/>
             </a:pPr>
             <a:r>
-              <a:rPr lang="pt-BR" sz="2400" b="1" dirty="0">
-                <a:solidFill>
-                  <a:schemeClr val="tx1"/>
-                </a:solidFill>
-                <a:latin typeface="Times New Roman" panose="02020603050405020304" pitchFamily="18" charset="0"/>
-                <a:cs typeface="Times New Roman" panose="02020603050405020304" pitchFamily="18" charset="0"/>
-              </a:rPr>
-              <a:t>Principais frameworks</a:t>
+              <a:rPr lang="pt-BR" sz="2400" dirty="0">
+                <a:solidFill>
+                  <a:schemeClr val="tx1"/>
+                </a:solidFill>
+                <a:latin typeface="Times New Roman" panose="02020603050405020304" pitchFamily="18" charset="0"/>
+                <a:cs typeface="Times New Roman" panose="02020603050405020304" pitchFamily="18" charset="0"/>
+              </a:rPr>
+              <a:t>O </a:t>
+            </a:r>
+            <a:r>
+              <a:rPr lang="pt-BR" sz="2400" b="1" dirty="0" err="1">
+                <a:solidFill>
+                  <a:srgbClr val="FF0000"/>
+                </a:solidFill>
+                <a:latin typeface="Times New Roman" panose="02020603050405020304" pitchFamily="18" charset="0"/>
+                <a:cs typeface="Times New Roman" panose="02020603050405020304" pitchFamily="18" charset="0"/>
+              </a:rPr>
+              <a:t>JavaScript</a:t>
+            </a:r>
+            <a:r>
+              <a:rPr lang="pt-BR" sz="2400" dirty="0">
+                <a:solidFill>
+                  <a:schemeClr val="tx1"/>
+                </a:solidFill>
+                <a:latin typeface="Times New Roman" panose="02020603050405020304" pitchFamily="18" charset="0"/>
+                <a:cs typeface="Times New Roman" panose="02020603050405020304" pitchFamily="18" charset="0"/>
+              </a:rPr>
+              <a:t> é uma linguagem de programação </a:t>
+            </a:r>
+            <a:r>
+              <a:rPr lang="pt-BR" sz="2400" dirty="0" err="1">
+                <a:solidFill>
+                  <a:schemeClr val="tx1"/>
+                </a:solidFill>
+                <a:latin typeface="Times New Roman" panose="02020603050405020304" pitchFamily="18" charset="0"/>
+                <a:cs typeface="Times New Roman" panose="02020603050405020304" pitchFamily="18" charset="0"/>
+              </a:rPr>
+              <a:t>multiparadigma</a:t>
+            </a:r>
+            <a:r>
+              <a:rPr lang="pt-BR" sz="2400" dirty="0">
+                <a:solidFill>
+                  <a:schemeClr val="tx1"/>
+                </a:solidFill>
+                <a:latin typeface="Times New Roman" panose="02020603050405020304" pitchFamily="18" charset="0"/>
+                <a:cs typeface="Times New Roman" panose="02020603050405020304" pitchFamily="18" charset="0"/>
+              </a:rPr>
+              <a:t>, interpretada, orientada a eventos, funcionais e imperativos.</a:t>
             </a:r>
           </a:p>
           <a:p>
@@ -7974,247 +10747,15 @@
                 <a:latin typeface="Times New Roman" panose="02020603050405020304" pitchFamily="18" charset="0"/>
                 <a:cs typeface="Times New Roman" panose="02020603050405020304" pitchFamily="18" charset="0"/>
               </a:rPr>
-              <a:t>Com a ampla adoção do </a:t>
-            </a:r>
-            <a:r>
-              <a:rPr lang="pt-BR" sz="2400" b="1" dirty="0" err="1">
-                <a:solidFill>
-                  <a:schemeClr val="tx1"/>
-                </a:solidFill>
-                <a:latin typeface="Times New Roman" panose="02020603050405020304" pitchFamily="18" charset="0"/>
-                <a:cs typeface="Times New Roman" panose="02020603050405020304" pitchFamily="18" charset="0"/>
-              </a:rPr>
-              <a:t>ECMAScript</a:t>
-            </a:r>
-            <a:r>
-              <a:rPr lang="pt-BR" sz="2400" dirty="0">
-                <a:solidFill>
-                  <a:schemeClr val="tx1"/>
-                </a:solidFill>
-                <a:latin typeface="Times New Roman" panose="02020603050405020304" pitchFamily="18" charset="0"/>
-                <a:cs typeface="Times New Roman" panose="02020603050405020304" pitchFamily="18" charset="0"/>
-              </a:rPr>
-              <a:t> como uma das principais tecnologias da web, a linguagem também passou a ser utilizada em outras </a:t>
-            </a:r>
-            <a:r>
-              <a:rPr lang="pt-BR" sz="2400" b="1" dirty="0">
-                <a:solidFill>
-                  <a:srgbClr val="FF0000"/>
-                </a:solidFill>
-                <a:latin typeface="Times New Roman" panose="02020603050405020304" pitchFamily="18" charset="0"/>
-                <a:cs typeface="Times New Roman" panose="02020603050405020304" pitchFamily="18" charset="0"/>
-              </a:rPr>
-              <a:t>áreas</a:t>
-            </a:r>
-            <a:r>
-              <a:rPr lang="pt-BR" sz="2400" dirty="0">
-                <a:solidFill>
-                  <a:schemeClr val="tx1"/>
-                </a:solidFill>
-                <a:latin typeface="Times New Roman" panose="02020603050405020304" pitchFamily="18" charset="0"/>
-                <a:cs typeface="Times New Roman" panose="02020603050405020304" pitchFamily="18" charset="0"/>
-              </a:rPr>
-              <a:t>, como </a:t>
-            </a:r>
-            <a:r>
-              <a:rPr lang="pt-BR" sz="2400" b="1" dirty="0">
-                <a:solidFill>
-                  <a:srgbClr val="FF0000"/>
-                </a:solidFill>
-                <a:latin typeface="Times New Roman" panose="02020603050405020304" pitchFamily="18" charset="0"/>
-                <a:cs typeface="Times New Roman" panose="02020603050405020304" pitchFamily="18" charset="0"/>
-              </a:rPr>
-              <a:t>servidores (Node.js), desktops (</a:t>
-            </a:r>
-            <a:r>
-              <a:rPr lang="pt-BR" sz="2400" b="1" dirty="0" err="1">
-                <a:solidFill>
-                  <a:srgbClr val="FF0000"/>
-                </a:solidFill>
-                <a:latin typeface="Times New Roman" panose="02020603050405020304" pitchFamily="18" charset="0"/>
-                <a:cs typeface="Times New Roman" panose="02020603050405020304" pitchFamily="18" charset="0"/>
-              </a:rPr>
-              <a:t>Electron</a:t>
-            </a:r>
-            <a:r>
-              <a:rPr lang="pt-BR" sz="2400" b="1" dirty="0">
-                <a:solidFill>
-                  <a:srgbClr val="FF0000"/>
-                </a:solidFill>
-                <a:latin typeface="Times New Roman" panose="02020603050405020304" pitchFamily="18" charset="0"/>
-                <a:cs typeface="Times New Roman" panose="02020603050405020304" pitchFamily="18" charset="0"/>
-              </a:rPr>
-              <a:t>) e mobile (</a:t>
-            </a:r>
-            <a:r>
-              <a:rPr lang="pt-BR" sz="2400" b="1" dirty="0" err="1">
-                <a:solidFill>
-                  <a:srgbClr val="FF0000"/>
-                </a:solidFill>
-                <a:latin typeface="Times New Roman" panose="02020603050405020304" pitchFamily="18" charset="0"/>
-                <a:cs typeface="Times New Roman" panose="02020603050405020304" pitchFamily="18" charset="0"/>
-              </a:rPr>
-              <a:t>Cordova</a:t>
-            </a:r>
-            <a:r>
-              <a:rPr lang="pt-BR" sz="2400" b="1" dirty="0">
-                <a:solidFill>
-                  <a:srgbClr val="FF0000"/>
-                </a:solidFill>
-                <a:latin typeface="Times New Roman" panose="02020603050405020304" pitchFamily="18" charset="0"/>
-                <a:cs typeface="Times New Roman" panose="02020603050405020304" pitchFamily="18" charset="0"/>
-              </a:rPr>
-              <a:t>)</a:t>
-            </a:r>
-            <a:r>
-              <a:rPr lang="pt-BR" sz="2400" dirty="0">
-                <a:solidFill>
-                  <a:schemeClr val="tx1"/>
-                </a:solidFill>
-                <a:latin typeface="Times New Roman" panose="02020603050405020304" pitchFamily="18" charset="0"/>
-                <a:cs typeface="Times New Roman" panose="02020603050405020304" pitchFamily="18" charset="0"/>
-              </a:rPr>
-              <a:t>. Além disso, foram sendo criados outros tipos de </a:t>
-            </a:r>
-            <a:r>
-              <a:rPr lang="pt-BR" sz="2400" b="1" dirty="0">
-                <a:solidFill>
-                  <a:schemeClr val="tx1"/>
-                </a:solidFill>
-                <a:latin typeface="Times New Roman" panose="02020603050405020304" pitchFamily="18" charset="0"/>
-                <a:cs typeface="Times New Roman" panose="02020603050405020304" pitchFamily="18" charset="0"/>
-              </a:rPr>
-              <a:t>frameworks</a:t>
-            </a:r>
-            <a:r>
-              <a:rPr lang="pt-BR" sz="2400" dirty="0">
-                <a:solidFill>
-                  <a:schemeClr val="tx1"/>
-                </a:solidFill>
-                <a:latin typeface="Times New Roman" panose="02020603050405020304" pitchFamily="18" charset="0"/>
-                <a:cs typeface="Times New Roman" panose="02020603050405020304" pitchFamily="18" charset="0"/>
-              </a:rPr>
-              <a:t>, que ampliaram ainda mais as ferramentas, os recursos e o acesso à tecnologia, como </a:t>
-            </a:r>
-            <a:r>
-              <a:rPr lang="pt-BR" sz="2400" b="1" dirty="0">
-                <a:solidFill>
-                  <a:srgbClr val="FF0000"/>
-                </a:solidFill>
-                <a:latin typeface="Times New Roman" panose="02020603050405020304" pitchFamily="18" charset="0"/>
-                <a:cs typeface="Times New Roman" panose="02020603050405020304" pitchFamily="18" charset="0"/>
-              </a:rPr>
-              <a:t>Vue.js </a:t>
-            </a:r>
-            <a:r>
-              <a:rPr lang="pt-BR" sz="2400" dirty="0">
-                <a:solidFill>
-                  <a:srgbClr val="FF0000"/>
-                </a:solidFill>
-                <a:latin typeface="Times New Roman" panose="02020603050405020304" pitchFamily="18" charset="0"/>
-                <a:cs typeface="Times New Roman" panose="02020603050405020304" pitchFamily="18" charset="0"/>
-              </a:rPr>
-              <a:t>e</a:t>
-            </a:r>
-            <a:r>
-              <a:rPr lang="pt-BR" sz="2400" b="1" dirty="0">
-                <a:solidFill>
-                  <a:srgbClr val="FF0000"/>
-                </a:solidFill>
-                <a:latin typeface="Times New Roman" panose="02020603050405020304" pitchFamily="18" charset="0"/>
-                <a:cs typeface="Times New Roman" panose="02020603050405020304" pitchFamily="18" charset="0"/>
-              </a:rPr>
-              <a:t> Angular</a:t>
-            </a:r>
-            <a:r>
-              <a:rPr lang="pt-BR" sz="2400" b="1" dirty="0">
-                <a:solidFill>
-                  <a:schemeClr val="tx1"/>
-                </a:solidFill>
-                <a:latin typeface="Times New Roman" panose="02020603050405020304" pitchFamily="18" charset="0"/>
-                <a:cs typeface="Times New Roman" panose="02020603050405020304" pitchFamily="18" charset="0"/>
-              </a:rPr>
-              <a:t> e bibliotecas, </a:t>
-            </a:r>
-            <a:r>
-              <a:rPr lang="pt-BR" sz="2400" dirty="0">
-                <a:solidFill>
-                  <a:schemeClr val="tx1"/>
-                </a:solidFill>
-                <a:latin typeface="Times New Roman" panose="02020603050405020304" pitchFamily="18" charset="0"/>
-                <a:cs typeface="Times New Roman" panose="02020603050405020304" pitchFamily="18" charset="0"/>
-              </a:rPr>
-              <a:t>tais, como,</a:t>
-            </a:r>
-            <a:r>
-              <a:rPr lang="pt-BR" sz="2400" b="1" dirty="0">
-                <a:solidFill>
-                  <a:schemeClr val="tx1"/>
-                </a:solidFill>
-                <a:latin typeface="Times New Roman" panose="02020603050405020304" pitchFamily="18" charset="0"/>
-                <a:cs typeface="Times New Roman" panose="02020603050405020304" pitchFamily="18" charset="0"/>
-              </a:rPr>
-              <a:t> </a:t>
-            </a:r>
-            <a:r>
-              <a:rPr lang="pt-BR" sz="2400" b="1" dirty="0" err="1">
-                <a:solidFill>
-                  <a:srgbClr val="FF0000"/>
-                </a:solidFill>
-                <a:latin typeface="Times New Roman" panose="02020603050405020304" pitchFamily="18" charset="0"/>
-                <a:cs typeface="Times New Roman" panose="02020603050405020304" pitchFamily="18" charset="0"/>
-              </a:rPr>
-              <a:t>JQuery</a:t>
-            </a:r>
-            <a:r>
-              <a:rPr lang="pt-BR" sz="2400" b="1" dirty="0">
-                <a:solidFill>
-                  <a:srgbClr val="FF0000"/>
-                </a:solidFill>
-                <a:latin typeface="Times New Roman" panose="02020603050405020304" pitchFamily="18" charset="0"/>
-                <a:cs typeface="Times New Roman" panose="02020603050405020304" pitchFamily="18" charset="0"/>
-              </a:rPr>
-              <a:t>, </a:t>
-            </a:r>
-            <a:r>
-              <a:rPr lang="pt-BR" sz="2400" b="1" dirty="0" err="1">
-                <a:solidFill>
-                  <a:srgbClr val="FF0000"/>
-                </a:solidFill>
-                <a:latin typeface="Times New Roman" panose="02020603050405020304" pitchFamily="18" charset="0"/>
-                <a:cs typeface="Times New Roman" panose="02020603050405020304" pitchFamily="18" charset="0"/>
-              </a:rPr>
-              <a:t>React</a:t>
-            </a:r>
-            <a:r>
-              <a:rPr lang="pt-BR" sz="2400" dirty="0">
-                <a:solidFill>
-                  <a:schemeClr val="tx1"/>
-                </a:solidFill>
-                <a:latin typeface="Times New Roman" panose="02020603050405020304" pitchFamily="18" charset="0"/>
-                <a:cs typeface="Times New Roman" panose="02020603050405020304" pitchFamily="18" charset="0"/>
-              </a:rPr>
-              <a:t>.</a:t>
-            </a:r>
-          </a:p>
-          <a:p>
-            <a:pPr marL="0" indent="0" algn="just">
-              <a:buNone/>
-            </a:pPr>
-            <a:endParaRPr lang="pt-BR" sz="2400" dirty="0">
-              <a:solidFill>
-                <a:schemeClr val="tx1"/>
-              </a:solidFill>
-              <a:latin typeface="Times New Roman" panose="02020603050405020304" pitchFamily="18" charset="0"/>
-              <a:cs typeface="Times New Roman" panose="02020603050405020304" pitchFamily="18" charset="0"/>
-            </a:endParaRPr>
+              <a:t>De alto nível voltada para o desenvolvimento web, com tipagem dinâmica.</a:t>
+            </a:r>
           </a:p>
         </p:txBody>
       </p:sp>
     </p:spTree>
     <p:extLst>
       <p:ext uri="{BB962C8B-B14F-4D97-AF65-F5344CB8AC3E}">
-        <p14:creationId xmlns:p14="http://schemas.microsoft.com/office/powerpoint/2010/main" val="127770343"/>
+        <p14:creationId xmlns:p14="http://schemas.microsoft.com/office/powerpoint/2010/main" val="2984012143"/>
       </p:ext>
     </p:extLst>
   </p:cSld>
@@ -8301,14 +10842,24 @@
               <a:buNone/>
             </a:pPr>
             <a:r>
+              <a:rPr lang="pt-BR" sz="2400" dirty="0">
+                <a:solidFill>
+                  <a:schemeClr val="tx1"/>
+                </a:solidFill>
+                <a:latin typeface="Times New Roman" panose="02020603050405020304" pitchFamily="18" charset="0"/>
+                <a:cs typeface="Times New Roman" panose="02020603050405020304" pitchFamily="18" charset="0"/>
+              </a:rPr>
+              <a:t>Criada, em meados da década de 90 pela </a:t>
+            </a:r>
+            <a:r>
               <a:rPr lang="pt-BR" sz="2400" b="1" dirty="0">
                 <a:solidFill>
-                  <a:schemeClr val="tx1"/>
-                </a:solidFill>
-                <a:latin typeface="Times New Roman" panose="02020603050405020304" pitchFamily="18" charset="0"/>
-                <a:cs typeface="Times New Roman" panose="02020603050405020304" pitchFamily="18" charset="0"/>
-              </a:rPr>
-              <a:t>Exemplo de código</a:t>
+                  <a:srgbClr val="FF0000"/>
+                </a:solidFill>
+                <a:latin typeface="Times New Roman" panose="02020603050405020304" pitchFamily="18" charset="0"/>
+                <a:cs typeface="Times New Roman" panose="02020603050405020304" pitchFamily="18" charset="0"/>
+              </a:rPr>
+              <a:t>Netscape</a:t>
             </a:r>
             <a:r>
               <a:rPr lang="pt-BR" sz="2400" dirty="0">
@@ -8318,243 +10869,43 @@
                 <a:latin typeface="Times New Roman" panose="02020603050405020304" pitchFamily="18" charset="0"/>
                 <a:cs typeface="Times New Roman" panose="02020603050405020304" pitchFamily="18" charset="0"/>
               </a:rPr>
-              <a:t>:</a:t>
+              <a:t>, originalmente para funcionar do lado do usuário, ou seja, nos navegadores. Atualmente, segue as </a:t>
+            </a:r>
+            <a:r>
+              <a:rPr lang="pt-BR" sz="2400" b="1" dirty="0">
+                <a:solidFill>
+                  <a:schemeClr val="tx1"/>
+                </a:solidFill>
+                <a:latin typeface="Times New Roman" panose="02020603050405020304" pitchFamily="18" charset="0"/>
+                <a:cs typeface="Times New Roman" panose="02020603050405020304" pitchFamily="18" charset="0"/>
+              </a:rPr>
+              <a:t>especificações </a:t>
+            </a:r>
+            <a:r>
+              <a:rPr lang="pt-BR" sz="2400" b="1" dirty="0" err="1">
+                <a:solidFill>
+                  <a:schemeClr val="tx1"/>
+                </a:solidFill>
+                <a:latin typeface="Times New Roman" panose="02020603050405020304" pitchFamily="18" charset="0"/>
+                <a:cs typeface="Times New Roman" panose="02020603050405020304" pitchFamily="18" charset="0"/>
+              </a:rPr>
+              <a:t>ECMAScript</a:t>
+            </a:r>
+            <a:r>
+              <a:rPr lang="pt-BR" sz="2400" dirty="0">
+                <a:solidFill>
+                  <a:schemeClr val="tx1"/>
+                </a:solidFill>
+                <a:latin typeface="Times New Roman" panose="02020603050405020304" pitchFamily="18" charset="0"/>
+                <a:cs typeface="Times New Roman" panose="02020603050405020304" pitchFamily="18" charset="0"/>
+              </a:rPr>
+              <a:t>, que visam garantir o suporte entre os diferentes navegadores.</a:t>
             </a:r>
           </a:p>
           <a:p>
             <a:pPr marL="0" indent="0" algn="just">
               <a:buNone/>
             </a:pPr>
-            <a:r>
-              <a:rPr lang="pt-BR" sz="2000" dirty="0">
-                <a:solidFill>
-                  <a:schemeClr val="tx1"/>
-                </a:solidFill>
-                <a:latin typeface="Times New Roman" panose="02020603050405020304" pitchFamily="18" charset="0"/>
-                <a:cs typeface="Times New Roman" panose="02020603050405020304" pitchFamily="18" charset="0"/>
-              </a:rPr>
-              <a:t> &lt;script&gt;</a:t>
-            </a:r>
-          </a:p>
-          <a:p>
-            <a:pPr marL="0" indent="0" algn="just">
-              <a:buNone/>
-            </a:pPr>
-            <a:r>
-              <a:rPr lang="pt-BR" sz="2000" dirty="0">
-                <a:solidFill>
-                  <a:schemeClr val="tx1"/>
-                </a:solidFill>
-                <a:latin typeface="Times New Roman" panose="02020603050405020304" pitchFamily="18" charset="0"/>
-                <a:cs typeface="Times New Roman" panose="02020603050405020304" pitchFamily="18" charset="0"/>
-              </a:rPr>
-              <a:t>      </a:t>
-            </a:r>
-            <a:r>
-              <a:rPr lang="pt-BR" sz="2000" dirty="0" err="1">
-                <a:solidFill>
-                  <a:schemeClr val="tx1"/>
-                </a:solidFill>
-                <a:latin typeface="Times New Roman" panose="02020603050405020304" pitchFamily="18" charset="0"/>
-                <a:cs typeface="Times New Roman" panose="02020603050405020304" pitchFamily="18" charset="0"/>
-              </a:rPr>
-              <a:t>if</a:t>
-            </a:r>
-            <a:r>
-              <a:rPr lang="pt-BR" sz="2000" dirty="0">
-                <a:solidFill>
-                  <a:schemeClr val="tx1"/>
-                </a:solidFill>
-                <a:latin typeface="Times New Roman" panose="02020603050405020304" pitchFamily="18" charset="0"/>
-                <a:cs typeface="Times New Roman" panose="02020603050405020304" pitchFamily="18" charset="0"/>
-              </a:rPr>
-              <a:t> (</a:t>
-            </a:r>
-            <a:r>
-              <a:rPr lang="pt-BR" sz="2000" dirty="0" err="1">
-                <a:solidFill>
-                  <a:schemeClr val="tx1"/>
-                </a:solidFill>
-                <a:latin typeface="Times New Roman" panose="02020603050405020304" pitchFamily="18" charset="0"/>
-                <a:cs typeface="Times New Roman" panose="02020603050405020304" pitchFamily="18" charset="0"/>
-              </a:rPr>
-              <a:t>confirm</a:t>
-            </a:r>
-            <a:r>
-              <a:rPr lang="pt-BR" sz="2000" dirty="0">
-                <a:solidFill>
-                  <a:schemeClr val="tx1"/>
-                </a:solidFill>
-                <a:latin typeface="Times New Roman" panose="02020603050405020304" pitchFamily="18" charset="0"/>
-                <a:cs typeface="Times New Roman" panose="02020603050405020304" pitchFamily="18" charset="0"/>
-              </a:rPr>
-              <a:t>('Você tem certeza?')) {</a:t>
-            </a:r>
-          </a:p>
-          <a:p>
-            <a:pPr marL="0" indent="0" algn="just">
-              <a:buNone/>
-            </a:pPr>
-            <a:r>
-              <a:rPr lang="pt-BR" sz="2000" dirty="0">
-                <a:solidFill>
-                  <a:schemeClr val="tx1"/>
-                </a:solidFill>
-                <a:latin typeface="Times New Roman" panose="02020603050405020304" pitchFamily="18" charset="0"/>
-                <a:cs typeface="Times New Roman" panose="02020603050405020304" pitchFamily="18" charset="0"/>
-              </a:rPr>
-              <a:t>        	</a:t>
-            </a:r>
-            <a:r>
-              <a:rPr lang="pt-BR" sz="2000" dirty="0" err="1">
-                <a:solidFill>
-                  <a:schemeClr val="tx1"/>
-                </a:solidFill>
-                <a:latin typeface="Times New Roman" panose="02020603050405020304" pitchFamily="18" charset="0"/>
-                <a:cs typeface="Times New Roman" panose="02020603050405020304" pitchFamily="18" charset="0"/>
-              </a:rPr>
-              <a:t>alert</a:t>
-            </a:r>
-            <a:r>
-              <a:rPr lang="pt-BR" sz="2000" dirty="0">
-                <a:solidFill>
-                  <a:schemeClr val="tx1"/>
-                </a:solidFill>
-                <a:latin typeface="Times New Roman" panose="02020603050405020304" pitchFamily="18" charset="0"/>
-                <a:cs typeface="Times New Roman" panose="02020603050405020304" pitchFamily="18" charset="0"/>
-              </a:rPr>
-              <a:t>('Confirmado');</a:t>
-            </a:r>
-          </a:p>
-          <a:p>
-            <a:pPr marL="0" indent="0" algn="just">
-              <a:buNone/>
-            </a:pPr>
-            <a:r>
-              <a:rPr lang="pt-BR" sz="2000" dirty="0">
-                <a:solidFill>
-                  <a:schemeClr val="tx1"/>
-                </a:solidFill>
-                <a:latin typeface="Times New Roman" panose="02020603050405020304" pitchFamily="18" charset="0"/>
-                <a:cs typeface="Times New Roman" panose="02020603050405020304" pitchFamily="18" charset="0"/>
-              </a:rPr>
-              <a:t>        	resposta = 'Sim';</a:t>
-            </a:r>
-          </a:p>
-          <a:p>
-            <a:pPr marL="0" indent="0" algn="just">
-              <a:buNone/>
-            </a:pPr>
-            <a:r>
-              <a:rPr lang="pt-BR" sz="2000" dirty="0">
-                <a:solidFill>
-                  <a:schemeClr val="tx1"/>
-                </a:solidFill>
-                <a:latin typeface="Times New Roman" panose="02020603050405020304" pitchFamily="18" charset="0"/>
-                <a:cs typeface="Times New Roman" panose="02020603050405020304" pitchFamily="18" charset="0"/>
-              </a:rPr>
-              <a:t>      } </a:t>
-            </a:r>
-            <a:r>
-              <a:rPr lang="pt-BR" sz="2000" dirty="0" err="1">
-                <a:solidFill>
-                  <a:schemeClr val="tx1"/>
-                </a:solidFill>
-                <a:latin typeface="Times New Roman" panose="02020603050405020304" pitchFamily="18" charset="0"/>
-                <a:cs typeface="Times New Roman" panose="02020603050405020304" pitchFamily="18" charset="0"/>
-              </a:rPr>
-              <a:t>else</a:t>
-            </a:r>
-            <a:r>
-              <a:rPr lang="pt-BR" sz="2000" dirty="0">
-                <a:solidFill>
-                  <a:schemeClr val="tx1"/>
-                </a:solidFill>
-                <a:latin typeface="Times New Roman" panose="02020603050405020304" pitchFamily="18" charset="0"/>
-                <a:cs typeface="Times New Roman" panose="02020603050405020304" pitchFamily="18" charset="0"/>
-              </a:rPr>
-              <a:t> {</a:t>
-            </a:r>
-          </a:p>
-          <a:p>
-            <a:pPr marL="0" indent="0" algn="just">
-              <a:buNone/>
-            </a:pPr>
-            <a:r>
-              <a:rPr lang="pt-BR" sz="2000" dirty="0">
-                <a:solidFill>
-                  <a:schemeClr val="tx1"/>
-                </a:solidFill>
-                <a:latin typeface="Times New Roman" panose="02020603050405020304" pitchFamily="18" charset="0"/>
-                <a:cs typeface="Times New Roman" panose="02020603050405020304" pitchFamily="18" charset="0"/>
-              </a:rPr>
-              <a:t>        	</a:t>
-            </a:r>
-            <a:r>
-              <a:rPr lang="pt-BR" sz="2000" dirty="0" err="1">
-                <a:solidFill>
-                  <a:schemeClr val="tx1"/>
-                </a:solidFill>
-                <a:latin typeface="Times New Roman" panose="02020603050405020304" pitchFamily="18" charset="0"/>
-                <a:cs typeface="Times New Roman" panose="02020603050405020304" pitchFamily="18" charset="0"/>
-              </a:rPr>
-              <a:t>alert</a:t>
-            </a:r>
-            <a:r>
-              <a:rPr lang="pt-BR" sz="2000" dirty="0">
-                <a:solidFill>
-                  <a:schemeClr val="tx1"/>
-                </a:solidFill>
-                <a:latin typeface="Times New Roman" panose="02020603050405020304" pitchFamily="18" charset="0"/>
-                <a:cs typeface="Times New Roman" panose="02020603050405020304" pitchFamily="18" charset="0"/>
-              </a:rPr>
-              <a:t>('Cancelado');</a:t>
-            </a:r>
-          </a:p>
-          <a:p>
-            <a:pPr marL="0" indent="0" algn="just">
-              <a:buNone/>
-            </a:pPr>
-            <a:r>
-              <a:rPr lang="pt-BR" sz="2000" dirty="0">
-                <a:solidFill>
-                  <a:schemeClr val="tx1"/>
-                </a:solidFill>
-                <a:latin typeface="Times New Roman" panose="02020603050405020304" pitchFamily="18" charset="0"/>
-                <a:cs typeface="Times New Roman" panose="02020603050405020304" pitchFamily="18" charset="0"/>
-              </a:rPr>
-              <a:t>        	resposta = 'Não';</a:t>
-            </a:r>
-          </a:p>
-          <a:p>
-            <a:pPr marL="0" indent="0" algn="just">
-              <a:buNone/>
-            </a:pPr>
-            <a:r>
-              <a:rPr lang="pt-BR" sz="2000" dirty="0">
-                <a:solidFill>
-                  <a:schemeClr val="tx1"/>
-                </a:solidFill>
-                <a:latin typeface="Times New Roman" panose="02020603050405020304" pitchFamily="18" charset="0"/>
-                <a:cs typeface="Times New Roman" panose="02020603050405020304" pitchFamily="18" charset="0"/>
-              </a:rPr>
-              <a:t>      }</a:t>
-            </a:r>
-          </a:p>
-          <a:p>
-            <a:pPr marL="0" indent="0" algn="just">
-              <a:buNone/>
-            </a:pPr>
-            <a:r>
-              <a:rPr lang="pt-BR" sz="2000" dirty="0">
-                <a:solidFill>
-                  <a:schemeClr val="tx1"/>
-                </a:solidFill>
-                <a:latin typeface="Times New Roman" panose="02020603050405020304" pitchFamily="18" charset="0"/>
-                <a:cs typeface="Times New Roman" panose="02020603050405020304" pitchFamily="18" charset="0"/>
-              </a:rPr>
-              <a:t>&lt;/script&gt;</a:t>
-            </a:r>
             <a:endParaRPr lang="pt-BR" sz="2400" dirty="0">
               <a:solidFill>
                 <a:schemeClr val="tx1"/>
@@ -8563,12 +10914,47 @@
               <a:cs typeface="Times New Roman" panose="02020603050405020304" pitchFamily="18" charset="0"/>
             </a:endParaRPr>
           </a:p>
+          <a:p>
+            <a:pPr marL="0" indent="0" algn="just">
+              <a:buNone/>
+            </a:pPr>
+            <a:r>
+              <a:rPr lang="pt-BR" sz="2400" dirty="0">
+                <a:solidFill>
+                  <a:schemeClr val="tx1"/>
+                </a:solidFill>
+                <a:latin typeface="Times New Roman" panose="02020603050405020304" pitchFamily="18" charset="0"/>
+                <a:cs typeface="Times New Roman" panose="02020603050405020304" pitchFamily="18" charset="0"/>
+              </a:rPr>
+              <a:t>Junto do HTML e do CSS, é uma das principais tecnologias da web, permitindo a </a:t>
+            </a:r>
+            <a:r>
+              <a:rPr lang="pt-BR" sz="2400" b="1" dirty="0">
+                <a:solidFill>
+                  <a:srgbClr val="FF0000"/>
+                </a:solidFill>
+                <a:latin typeface="Times New Roman" panose="02020603050405020304" pitchFamily="18" charset="0"/>
+                <a:cs typeface="Times New Roman" panose="02020603050405020304" pitchFamily="18" charset="0"/>
+              </a:rPr>
+              <a:t>criação de páginas interativas com elementos dinâmicos </a:t>
+            </a:r>
+            <a:r>
+              <a:rPr lang="pt-BR" sz="2400" dirty="0">
+                <a:solidFill>
+                  <a:schemeClr val="tx1"/>
+                </a:solidFill>
+                <a:latin typeface="Times New Roman" panose="02020603050405020304" pitchFamily="18" charset="0"/>
+                <a:cs typeface="Times New Roman" panose="02020603050405020304" pitchFamily="18" charset="0"/>
+              </a:rPr>
+              <a:t>e boa performance.</a:t>
+            </a:r>
+          </a:p>
         </p:txBody>
       </p:sp>
     </p:spTree>
     <p:extLst>
       <p:ext uri="{BB962C8B-B14F-4D97-AF65-F5344CB8AC3E}">
-        <p14:creationId xmlns:p14="http://schemas.microsoft.com/office/powerpoint/2010/main" val="1193155176"/>
+        <p14:creationId xmlns:p14="http://schemas.microsoft.com/office/powerpoint/2010/main" val="813530526"/>
       </p:ext>
     </p:extLst>
   </p:cSld>

--- a/01 Classes/Aula 08 Desenvolvimento Web PHP - JS.pptx
+++ b/01 Classes/Aula 08 Desenvolvimento Web PHP - JS.pptx
@@ -10023,7 +10023,7 @@
                 <a:latin typeface="Times New Roman" panose="02020603050405020304" pitchFamily="18" charset="0"/>
                 <a:cs typeface="Times New Roman" panose="02020603050405020304" pitchFamily="18" charset="0"/>
               </a:rPr>
-              <a:t>; </a:t>
+              <a:t>; classes; </a:t>
             </a:r>
             <a:r>
               <a:rPr lang="pt-BR" sz="2400" dirty="0" err="1">

--- a/01 Classes/Aula 08 Desenvolvimento Web PHP - JS.pptx
+++ b/01 Classes/Aula 08 Desenvolvimento Web PHP - JS.pptx
@@ -5,7 +5,7 @@
     <p:sldMasterId id="2147483648" r:id="rId1"/>
   </p:sldMasterIdLst>
   <p:notesMasterIdLst>
-    <p:notesMasterId r:id="rId23"/>
+    <p:notesMasterId r:id="rId27"/>
   </p:notesMasterIdLst>
   <p:sldIdLst>
     <p:sldId id="256" r:id="rId2"/>
@@ -20,15 +20,19 @@
     <p:sldId id="394" r:id="rId11"/>
     <p:sldId id="396" r:id="rId12"/>
     <p:sldId id="398" r:id="rId13"/>
-    <p:sldId id="397" r:id="rId14"/>
-    <p:sldId id="401" r:id="rId15"/>
-    <p:sldId id="399" r:id="rId16"/>
-    <p:sldId id="400" r:id="rId17"/>
-    <p:sldId id="333" r:id="rId18"/>
-    <p:sldId id="323" r:id="rId19"/>
-    <p:sldId id="334" r:id="rId20"/>
-    <p:sldId id="337" r:id="rId21"/>
-    <p:sldId id="309" r:id="rId22"/>
+    <p:sldId id="399" r:id="rId14"/>
+    <p:sldId id="397" r:id="rId15"/>
+    <p:sldId id="408" r:id="rId16"/>
+    <p:sldId id="401" r:id="rId17"/>
+    <p:sldId id="407" r:id="rId18"/>
+    <p:sldId id="409" r:id="rId19"/>
+    <p:sldId id="410" r:id="rId20"/>
+    <p:sldId id="411" r:id="rId21"/>
+    <p:sldId id="333" r:id="rId22"/>
+    <p:sldId id="323" r:id="rId23"/>
+    <p:sldId id="334" r:id="rId24"/>
+    <p:sldId id="337" r:id="rId25"/>
+    <p:sldId id="309" r:id="rId26"/>
   </p:sldIdLst>
   <p:sldSz cx="9144000" cy="5143500" type="screen16x9"/>
   <p:notesSz cx="6858000" cy="9144000"/>
@@ -702,7 +706,7 @@
     </p:spTree>
     <p:extLst>
       <p:ext uri="{BB962C8B-B14F-4D97-AF65-F5344CB8AC3E}">
-        <p14:creationId xmlns:p14="http://schemas.microsoft.com/office/powerpoint/2010/main" val="3135278533"/>
+        <p14:creationId xmlns:p14="http://schemas.microsoft.com/office/powerpoint/2010/main" val="688134159"/>
       </p:ext>
     </p:extLst>
   </p:cSld>
@@ -768,7 +772,7 @@
     </p:spTree>
     <p:extLst>
       <p:ext uri="{BB962C8B-B14F-4D97-AF65-F5344CB8AC3E}">
-        <p14:creationId xmlns:p14="http://schemas.microsoft.com/office/powerpoint/2010/main" val="3604707891"/>
+        <p14:creationId xmlns:p14="http://schemas.microsoft.com/office/powerpoint/2010/main" val="3135278533"/>
       </p:ext>
     </p:extLst>
   </p:cSld>
@@ -834,7 +838,7 @@
     </p:spTree>
     <p:extLst>
       <p:ext uri="{BB962C8B-B14F-4D97-AF65-F5344CB8AC3E}">
-        <p14:creationId xmlns:p14="http://schemas.microsoft.com/office/powerpoint/2010/main" val="688134159"/>
+        <p14:creationId xmlns:p14="http://schemas.microsoft.com/office/powerpoint/2010/main" val="2621839688"/>
       </p:ext>
     </p:extLst>
   </p:cSld>
@@ -900,7 +904,7 @@
     </p:spTree>
     <p:extLst>
       <p:ext uri="{BB962C8B-B14F-4D97-AF65-F5344CB8AC3E}">
-        <p14:creationId xmlns:p14="http://schemas.microsoft.com/office/powerpoint/2010/main" val="480528951"/>
+        <p14:creationId xmlns:p14="http://schemas.microsoft.com/office/powerpoint/2010/main" val="3604707891"/>
       </p:ext>
     </p:extLst>
   </p:cSld>
@@ -966,7 +970,7 @@
     </p:spTree>
     <p:extLst>
       <p:ext uri="{BB962C8B-B14F-4D97-AF65-F5344CB8AC3E}">
-        <p14:creationId xmlns:p14="http://schemas.microsoft.com/office/powerpoint/2010/main" val="585304384"/>
+        <p14:creationId xmlns:p14="http://schemas.microsoft.com/office/powerpoint/2010/main" val="4202563509"/>
       </p:ext>
     </p:extLst>
   </p:cSld>
@@ -1032,7 +1036,7 @@
     </p:spTree>
     <p:extLst>
       <p:ext uri="{BB962C8B-B14F-4D97-AF65-F5344CB8AC3E}">
-        <p14:creationId xmlns:p14="http://schemas.microsoft.com/office/powerpoint/2010/main" val="2709569597"/>
+        <p14:creationId xmlns:p14="http://schemas.microsoft.com/office/powerpoint/2010/main" val="1166234972"/>
       </p:ext>
     </p:extLst>
   </p:cSld>
@@ -1098,7 +1102,7 @@
     </p:spTree>
     <p:extLst>
       <p:ext uri="{BB962C8B-B14F-4D97-AF65-F5344CB8AC3E}">
-        <p14:creationId xmlns:p14="http://schemas.microsoft.com/office/powerpoint/2010/main" val="2296249050"/>
+        <p14:creationId xmlns:p14="http://schemas.microsoft.com/office/powerpoint/2010/main" val="594411655"/>
       </p:ext>
     </p:extLst>
   </p:cSld>
@@ -1164,7 +1168,73 @@
     </p:spTree>
     <p:extLst>
       <p:ext uri="{BB962C8B-B14F-4D97-AF65-F5344CB8AC3E}">
-        <p14:creationId xmlns:p14="http://schemas.microsoft.com/office/powerpoint/2010/main" val="4290351292"/>
+        <p14:creationId xmlns:p14="http://schemas.microsoft.com/office/powerpoint/2010/main" val="2900495786"/>
+      </p:ext>
+    </p:extLst>
+  </p:cSld>
+  <p:clrMapOvr>
+    <a:masterClrMapping/>
+  </p:clrMapOvr>
+</p:notes>
+</file>
+
+<file path=ppt/notesSlides/notesSlide19.xml><?xml version="1.0" encoding="utf-8"?>
+<p:notes xmlns:a="http://schemas.openxmlformats.org/drawingml/2006/main" xmlns:r="http://schemas.openxmlformats.org/officeDocument/2006/relationships" xmlns:p="http://schemas.openxmlformats.org/presentationml/2006/main">
+  <p:cSld>
+    <p:spTree>
+      <p:nvGrpSpPr>
+        <p:cNvPr id="1" name=""/>
+        <p:cNvGrpSpPr/>
+        <p:nvPr/>
+      </p:nvGrpSpPr>
+      <p:grpSpPr>
+        <a:xfrm>
+          <a:off x="0" y="0"/>
+          <a:ext cx="0" cy="0"/>
+          <a:chOff x="0" y="0"/>
+          <a:chExt cx="0" cy="0"/>
+        </a:xfrm>
+      </p:grpSpPr>
+      <p:sp>
+        <p:nvSpPr>
+          <p:cNvPr id="2" name="Espaço Reservado para Imagem de Slide 1"/>
+          <p:cNvSpPr>
+            <a:spLocks noGrp="1" noRot="1" noChangeAspect="1"/>
+          </p:cNvSpPr>
+          <p:nvPr>
+            <p:ph type="sldImg"/>
+          </p:nvPr>
+        </p:nvSpPr>
+        <p:spPr>
+          <a:xfrm>
+            <a:off x="381000" y="685800"/>
+            <a:ext cx="6096000" cy="3429000"/>
+          </a:xfrm>
+        </p:spPr>
+      </p:sp>
+      <p:sp>
+        <p:nvSpPr>
+          <p:cNvPr id="3" name="Espaço Reservado para Anotações 2"/>
+          <p:cNvSpPr>
+            <a:spLocks noGrp="1"/>
+          </p:cNvSpPr>
+          <p:nvPr>
+            <p:ph type="body" idx="1"/>
+          </p:nvPr>
+        </p:nvSpPr>
+        <p:spPr/>
+        <p:txBody>
+          <a:bodyPr/>
+          <a:lstStyle/>
+          <a:p>
+            <a:endParaRPr lang="pt-BR" dirty="0"/>
+          </a:p>
+        </p:txBody>
+      </p:sp>
+    </p:spTree>
+    <p:extLst>
+      <p:ext uri="{BB962C8B-B14F-4D97-AF65-F5344CB8AC3E}">
+        <p14:creationId xmlns:p14="http://schemas.microsoft.com/office/powerpoint/2010/main" val="585304384"/>
       </p:ext>
     </p:extLst>
   </p:cSld>
@@ -1231,6 +1301,204 @@
     <p:extLst>
       <p:ext uri="{BB962C8B-B14F-4D97-AF65-F5344CB8AC3E}">
         <p14:creationId xmlns:p14="http://schemas.microsoft.com/office/powerpoint/2010/main" val="1153283302"/>
+      </p:ext>
+    </p:extLst>
+  </p:cSld>
+  <p:clrMapOvr>
+    <a:masterClrMapping/>
+  </p:clrMapOvr>
+</p:notes>
+</file>
+
+<file path=ppt/notesSlides/notesSlide20.xml><?xml version="1.0" encoding="utf-8"?>
+<p:notes xmlns:a="http://schemas.openxmlformats.org/drawingml/2006/main" xmlns:r="http://schemas.openxmlformats.org/officeDocument/2006/relationships" xmlns:p="http://schemas.openxmlformats.org/presentationml/2006/main">
+  <p:cSld>
+    <p:spTree>
+      <p:nvGrpSpPr>
+        <p:cNvPr id="1" name=""/>
+        <p:cNvGrpSpPr/>
+        <p:nvPr/>
+      </p:nvGrpSpPr>
+      <p:grpSpPr>
+        <a:xfrm>
+          <a:off x="0" y="0"/>
+          <a:ext cx="0" cy="0"/>
+          <a:chOff x="0" y="0"/>
+          <a:chExt cx="0" cy="0"/>
+        </a:xfrm>
+      </p:grpSpPr>
+      <p:sp>
+        <p:nvSpPr>
+          <p:cNvPr id="2" name="Espaço Reservado para Imagem de Slide 1"/>
+          <p:cNvSpPr>
+            <a:spLocks noGrp="1" noRot="1" noChangeAspect="1"/>
+          </p:cNvSpPr>
+          <p:nvPr>
+            <p:ph type="sldImg"/>
+          </p:nvPr>
+        </p:nvSpPr>
+        <p:spPr>
+          <a:xfrm>
+            <a:off x="381000" y="685800"/>
+            <a:ext cx="6096000" cy="3429000"/>
+          </a:xfrm>
+        </p:spPr>
+      </p:sp>
+      <p:sp>
+        <p:nvSpPr>
+          <p:cNvPr id="3" name="Espaço Reservado para Anotações 2"/>
+          <p:cNvSpPr>
+            <a:spLocks noGrp="1"/>
+          </p:cNvSpPr>
+          <p:nvPr>
+            <p:ph type="body" idx="1"/>
+          </p:nvPr>
+        </p:nvSpPr>
+        <p:spPr/>
+        <p:txBody>
+          <a:bodyPr/>
+          <a:lstStyle/>
+          <a:p>
+            <a:endParaRPr lang="pt-BR" dirty="0"/>
+          </a:p>
+        </p:txBody>
+      </p:sp>
+    </p:spTree>
+    <p:extLst>
+      <p:ext uri="{BB962C8B-B14F-4D97-AF65-F5344CB8AC3E}">
+        <p14:creationId xmlns:p14="http://schemas.microsoft.com/office/powerpoint/2010/main" val="2709569597"/>
+      </p:ext>
+    </p:extLst>
+  </p:cSld>
+  <p:clrMapOvr>
+    <a:masterClrMapping/>
+  </p:clrMapOvr>
+</p:notes>
+</file>
+
+<file path=ppt/notesSlides/notesSlide21.xml><?xml version="1.0" encoding="utf-8"?>
+<p:notes xmlns:a="http://schemas.openxmlformats.org/drawingml/2006/main" xmlns:r="http://schemas.openxmlformats.org/officeDocument/2006/relationships" xmlns:p="http://schemas.openxmlformats.org/presentationml/2006/main">
+  <p:cSld>
+    <p:spTree>
+      <p:nvGrpSpPr>
+        <p:cNvPr id="1" name=""/>
+        <p:cNvGrpSpPr/>
+        <p:nvPr/>
+      </p:nvGrpSpPr>
+      <p:grpSpPr>
+        <a:xfrm>
+          <a:off x="0" y="0"/>
+          <a:ext cx="0" cy="0"/>
+          <a:chOff x="0" y="0"/>
+          <a:chExt cx="0" cy="0"/>
+        </a:xfrm>
+      </p:grpSpPr>
+      <p:sp>
+        <p:nvSpPr>
+          <p:cNvPr id="2" name="Espaço Reservado para Imagem de Slide 1"/>
+          <p:cNvSpPr>
+            <a:spLocks noGrp="1" noRot="1" noChangeAspect="1"/>
+          </p:cNvSpPr>
+          <p:nvPr>
+            <p:ph type="sldImg"/>
+          </p:nvPr>
+        </p:nvSpPr>
+        <p:spPr>
+          <a:xfrm>
+            <a:off x="381000" y="685800"/>
+            <a:ext cx="6096000" cy="3429000"/>
+          </a:xfrm>
+        </p:spPr>
+      </p:sp>
+      <p:sp>
+        <p:nvSpPr>
+          <p:cNvPr id="3" name="Espaço Reservado para Anotações 2"/>
+          <p:cNvSpPr>
+            <a:spLocks noGrp="1"/>
+          </p:cNvSpPr>
+          <p:nvPr>
+            <p:ph type="body" idx="1"/>
+          </p:nvPr>
+        </p:nvSpPr>
+        <p:spPr/>
+        <p:txBody>
+          <a:bodyPr/>
+          <a:lstStyle/>
+          <a:p>
+            <a:endParaRPr lang="pt-BR" dirty="0"/>
+          </a:p>
+        </p:txBody>
+      </p:sp>
+    </p:spTree>
+    <p:extLst>
+      <p:ext uri="{BB962C8B-B14F-4D97-AF65-F5344CB8AC3E}">
+        <p14:creationId xmlns:p14="http://schemas.microsoft.com/office/powerpoint/2010/main" val="2296249050"/>
+      </p:ext>
+    </p:extLst>
+  </p:cSld>
+  <p:clrMapOvr>
+    <a:masterClrMapping/>
+  </p:clrMapOvr>
+</p:notes>
+</file>
+
+<file path=ppt/notesSlides/notesSlide22.xml><?xml version="1.0" encoding="utf-8"?>
+<p:notes xmlns:a="http://schemas.openxmlformats.org/drawingml/2006/main" xmlns:r="http://schemas.openxmlformats.org/officeDocument/2006/relationships" xmlns:p="http://schemas.openxmlformats.org/presentationml/2006/main">
+  <p:cSld>
+    <p:spTree>
+      <p:nvGrpSpPr>
+        <p:cNvPr id="1" name=""/>
+        <p:cNvGrpSpPr/>
+        <p:nvPr/>
+      </p:nvGrpSpPr>
+      <p:grpSpPr>
+        <a:xfrm>
+          <a:off x="0" y="0"/>
+          <a:ext cx="0" cy="0"/>
+          <a:chOff x="0" y="0"/>
+          <a:chExt cx="0" cy="0"/>
+        </a:xfrm>
+      </p:grpSpPr>
+      <p:sp>
+        <p:nvSpPr>
+          <p:cNvPr id="2" name="Espaço Reservado para Imagem de Slide 1"/>
+          <p:cNvSpPr>
+            <a:spLocks noGrp="1" noRot="1" noChangeAspect="1"/>
+          </p:cNvSpPr>
+          <p:nvPr>
+            <p:ph type="sldImg"/>
+          </p:nvPr>
+        </p:nvSpPr>
+        <p:spPr>
+          <a:xfrm>
+            <a:off x="381000" y="685800"/>
+            <a:ext cx="6096000" cy="3429000"/>
+          </a:xfrm>
+        </p:spPr>
+      </p:sp>
+      <p:sp>
+        <p:nvSpPr>
+          <p:cNvPr id="3" name="Espaço Reservado para Anotações 2"/>
+          <p:cNvSpPr>
+            <a:spLocks noGrp="1"/>
+          </p:cNvSpPr>
+          <p:nvPr>
+            <p:ph type="body" idx="1"/>
+          </p:nvPr>
+        </p:nvSpPr>
+        <p:spPr/>
+        <p:txBody>
+          <a:bodyPr/>
+          <a:lstStyle/>
+          <a:p>
+            <a:endParaRPr lang="pt-BR" dirty="0"/>
+          </a:p>
+        </p:txBody>
+      </p:sp>
+    </p:spTree>
+    <p:extLst>
+      <p:ext uri="{BB962C8B-B14F-4D97-AF65-F5344CB8AC3E}">
+        <p14:creationId xmlns:p14="http://schemas.microsoft.com/office/powerpoint/2010/main" val="4290351292"/>
       </p:ext>
     </p:extLst>
   </p:cSld>
@@ -5287,6 +5555,26 @@
               <a:buNone/>
             </a:pPr>
             <a:r>
+              <a:rPr lang="pt-BR" sz="2400" dirty="0">
+                <a:solidFill>
+                  <a:schemeClr val="tx1"/>
+                </a:solidFill>
+                <a:latin typeface="Times New Roman" panose="02020603050405020304" pitchFamily="18" charset="0"/>
+                <a:cs typeface="Times New Roman" panose="02020603050405020304" pitchFamily="18" charset="0"/>
+              </a:rPr>
+              <a:t>Devido a enorme quantidade de bibliotecas, costuma-se nomear como “</a:t>
+            </a:r>
+            <a:r>
+              <a:rPr lang="pt-BR" sz="2400" b="1" dirty="0" err="1">
+                <a:solidFill>
+                  <a:schemeClr val="tx1"/>
+                </a:solidFill>
+                <a:latin typeface="Times New Roman" panose="02020603050405020304" pitchFamily="18" charset="0"/>
+                <a:cs typeface="Times New Roman" panose="02020603050405020304" pitchFamily="18" charset="0"/>
+              </a:rPr>
+              <a:t>Vanilla</a:t>
+            </a:r>
+            <a:r>
               <a:rPr lang="pt-BR" sz="2400" b="1" dirty="0">
                 <a:solidFill>
                   <a:schemeClr val="tx1"/>
@@ -5294,7 +5582,17 @@
                 <a:latin typeface="Times New Roman" panose="02020603050405020304" pitchFamily="18" charset="0"/>
                 <a:cs typeface="Times New Roman" panose="02020603050405020304" pitchFamily="18" charset="0"/>
               </a:rPr>
-              <a:t>Exemplo de código</a:t>
+              <a:t> </a:t>
+            </a:r>
+            <a:r>
+              <a:rPr lang="pt-BR" sz="2400" b="1" dirty="0" err="1">
+                <a:solidFill>
+                  <a:schemeClr val="tx1"/>
+                </a:solidFill>
+                <a:latin typeface="Times New Roman" panose="02020603050405020304" pitchFamily="18" charset="0"/>
+                <a:cs typeface="Times New Roman" panose="02020603050405020304" pitchFamily="18" charset="0"/>
+              </a:rPr>
+              <a:t>JavaScript</a:t>
             </a:r>
             <a:r>
               <a:rPr lang="pt-BR" sz="2400" dirty="0">
@@ -5304,243 +5602,63 @@
                 <a:latin typeface="Times New Roman" panose="02020603050405020304" pitchFamily="18" charset="0"/>
                 <a:cs typeface="Times New Roman" panose="02020603050405020304" pitchFamily="18" charset="0"/>
               </a:rPr>
-              <a:t>:</a:t>
+              <a:t>” ou “</a:t>
+            </a:r>
+            <a:r>
+              <a:rPr lang="pt-BR" sz="2400" b="1" dirty="0" err="1">
+                <a:solidFill>
+                  <a:schemeClr val="tx1"/>
+                </a:solidFill>
+                <a:latin typeface="Times New Roman" panose="02020603050405020304" pitchFamily="18" charset="0"/>
+                <a:cs typeface="Times New Roman" panose="02020603050405020304" pitchFamily="18" charset="0"/>
+              </a:rPr>
+              <a:t>Vanilla</a:t>
+            </a:r>
+            <a:r>
+              <a:rPr lang="pt-BR" sz="2400" b="1" dirty="0">
+                <a:solidFill>
+                  <a:schemeClr val="tx1"/>
+                </a:solidFill>
+                <a:latin typeface="Times New Roman" panose="02020603050405020304" pitchFamily="18" charset="0"/>
+                <a:cs typeface="Times New Roman" panose="02020603050405020304" pitchFamily="18" charset="0"/>
+              </a:rPr>
+              <a:t> JS</a:t>
+            </a:r>
+            <a:r>
+              <a:rPr lang="pt-BR" sz="2400" dirty="0">
+                <a:solidFill>
+                  <a:schemeClr val="tx1"/>
+                </a:solidFill>
+                <a:latin typeface="Times New Roman" panose="02020603050405020304" pitchFamily="18" charset="0"/>
+                <a:cs typeface="Times New Roman" panose="02020603050405020304" pitchFamily="18" charset="0"/>
+              </a:rPr>
+              <a:t>” o código escrito em </a:t>
+            </a:r>
+            <a:r>
+              <a:rPr lang="pt-BR" sz="2400" dirty="0" err="1">
+                <a:solidFill>
+                  <a:schemeClr val="tx1"/>
+                </a:solidFill>
+                <a:latin typeface="Times New Roman" panose="02020603050405020304" pitchFamily="18" charset="0"/>
+                <a:cs typeface="Times New Roman" panose="02020603050405020304" pitchFamily="18" charset="0"/>
+              </a:rPr>
+              <a:t>JavaScript</a:t>
+            </a:r>
+            <a:r>
+              <a:rPr lang="pt-BR" sz="2400" dirty="0">
+                <a:solidFill>
+                  <a:schemeClr val="tx1"/>
+                </a:solidFill>
+                <a:latin typeface="Times New Roman" panose="02020603050405020304" pitchFamily="18" charset="0"/>
+                <a:cs typeface="Times New Roman" panose="02020603050405020304" pitchFamily="18" charset="0"/>
+              </a:rPr>
+              <a:t> puro, sem o auxílio de frameworks. </a:t>
             </a:r>
           </a:p>
           <a:p>
             <a:pPr marL="0" indent="0" algn="just">
               <a:buNone/>
             </a:pPr>
-            <a:r>
-              <a:rPr lang="pt-BR" sz="2000" dirty="0">
-                <a:solidFill>
-                  <a:schemeClr val="tx1"/>
-                </a:solidFill>
-                <a:latin typeface="Times New Roman" panose="02020603050405020304" pitchFamily="18" charset="0"/>
-                <a:cs typeface="Times New Roman" panose="02020603050405020304" pitchFamily="18" charset="0"/>
-              </a:rPr>
-              <a:t> &lt;script&gt;</a:t>
-            </a:r>
-          </a:p>
-          <a:p>
-            <a:pPr marL="0" indent="0" algn="just">
-              <a:buNone/>
-            </a:pPr>
-            <a:r>
-              <a:rPr lang="pt-BR" sz="2000" dirty="0">
-                <a:solidFill>
-                  <a:schemeClr val="tx1"/>
-                </a:solidFill>
-                <a:latin typeface="Times New Roman" panose="02020603050405020304" pitchFamily="18" charset="0"/>
-                <a:cs typeface="Times New Roman" panose="02020603050405020304" pitchFamily="18" charset="0"/>
-              </a:rPr>
-              <a:t>      </a:t>
-            </a:r>
-            <a:r>
-              <a:rPr lang="pt-BR" sz="2000" dirty="0" err="1">
-                <a:solidFill>
-                  <a:schemeClr val="tx1"/>
-                </a:solidFill>
-                <a:latin typeface="Times New Roman" panose="02020603050405020304" pitchFamily="18" charset="0"/>
-                <a:cs typeface="Times New Roman" panose="02020603050405020304" pitchFamily="18" charset="0"/>
-              </a:rPr>
-              <a:t>if</a:t>
-            </a:r>
-            <a:r>
-              <a:rPr lang="pt-BR" sz="2000" dirty="0">
-                <a:solidFill>
-                  <a:schemeClr val="tx1"/>
-                </a:solidFill>
-                <a:latin typeface="Times New Roman" panose="02020603050405020304" pitchFamily="18" charset="0"/>
-                <a:cs typeface="Times New Roman" panose="02020603050405020304" pitchFamily="18" charset="0"/>
-              </a:rPr>
-              <a:t> (</a:t>
-            </a:r>
-            <a:r>
-              <a:rPr lang="pt-BR" sz="2000" dirty="0" err="1">
-                <a:solidFill>
-                  <a:schemeClr val="tx1"/>
-                </a:solidFill>
-                <a:latin typeface="Times New Roman" panose="02020603050405020304" pitchFamily="18" charset="0"/>
-                <a:cs typeface="Times New Roman" panose="02020603050405020304" pitchFamily="18" charset="0"/>
-              </a:rPr>
-              <a:t>confirm</a:t>
-            </a:r>
-            <a:r>
-              <a:rPr lang="pt-BR" sz="2000" dirty="0">
-                <a:solidFill>
-                  <a:schemeClr val="tx1"/>
-                </a:solidFill>
-                <a:latin typeface="Times New Roman" panose="02020603050405020304" pitchFamily="18" charset="0"/>
-                <a:cs typeface="Times New Roman" panose="02020603050405020304" pitchFamily="18" charset="0"/>
-              </a:rPr>
-              <a:t>('Você tem certeza?')) {</a:t>
-            </a:r>
-          </a:p>
-          <a:p>
-            <a:pPr marL="0" indent="0" algn="just">
-              <a:buNone/>
-            </a:pPr>
-            <a:r>
-              <a:rPr lang="pt-BR" sz="2000" dirty="0">
-                <a:solidFill>
-                  <a:schemeClr val="tx1"/>
-                </a:solidFill>
-                <a:latin typeface="Times New Roman" panose="02020603050405020304" pitchFamily="18" charset="0"/>
-                <a:cs typeface="Times New Roman" panose="02020603050405020304" pitchFamily="18" charset="0"/>
-              </a:rPr>
-              <a:t>        	</a:t>
-            </a:r>
-            <a:r>
-              <a:rPr lang="pt-BR" sz="2000" dirty="0" err="1">
-                <a:solidFill>
-                  <a:schemeClr val="tx1"/>
-                </a:solidFill>
-                <a:latin typeface="Times New Roman" panose="02020603050405020304" pitchFamily="18" charset="0"/>
-                <a:cs typeface="Times New Roman" panose="02020603050405020304" pitchFamily="18" charset="0"/>
-              </a:rPr>
-              <a:t>alert</a:t>
-            </a:r>
-            <a:r>
-              <a:rPr lang="pt-BR" sz="2000" dirty="0">
-                <a:solidFill>
-                  <a:schemeClr val="tx1"/>
-                </a:solidFill>
-                <a:latin typeface="Times New Roman" panose="02020603050405020304" pitchFamily="18" charset="0"/>
-                <a:cs typeface="Times New Roman" panose="02020603050405020304" pitchFamily="18" charset="0"/>
-              </a:rPr>
-              <a:t>('Confirmado');</a:t>
-            </a:r>
-          </a:p>
-          <a:p>
-            <a:pPr marL="0" indent="0" algn="just">
-              <a:buNone/>
-            </a:pPr>
-            <a:r>
-              <a:rPr lang="pt-BR" sz="2000" dirty="0">
-                <a:solidFill>
-                  <a:schemeClr val="tx1"/>
-                </a:solidFill>
-                <a:latin typeface="Times New Roman" panose="02020603050405020304" pitchFamily="18" charset="0"/>
-                <a:cs typeface="Times New Roman" panose="02020603050405020304" pitchFamily="18" charset="0"/>
-              </a:rPr>
-              <a:t>        	resposta = 'Sim';</a:t>
-            </a:r>
-          </a:p>
-          <a:p>
-            <a:pPr marL="0" indent="0" algn="just">
-              <a:buNone/>
-            </a:pPr>
-            <a:r>
-              <a:rPr lang="pt-BR" sz="2000" dirty="0">
-                <a:solidFill>
-                  <a:schemeClr val="tx1"/>
-                </a:solidFill>
-                <a:latin typeface="Times New Roman" panose="02020603050405020304" pitchFamily="18" charset="0"/>
-                <a:cs typeface="Times New Roman" panose="02020603050405020304" pitchFamily="18" charset="0"/>
-              </a:rPr>
-              <a:t>      } </a:t>
-            </a:r>
-            <a:r>
-              <a:rPr lang="pt-BR" sz="2000" dirty="0" err="1">
-                <a:solidFill>
-                  <a:schemeClr val="tx1"/>
-                </a:solidFill>
-                <a:latin typeface="Times New Roman" panose="02020603050405020304" pitchFamily="18" charset="0"/>
-                <a:cs typeface="Times New Roman" panose="02020603050405020304" pitchFamily="18" charset="0"/>
-              </a:rPr>
-              <a:t>else</a:t>
-            </a:r>
-            <a:r>
-              <a:rPr lang="pt-BR" sz="2000" dirty="0">
-                <a:solidFill>
-                  <a:schemeClr val="tx1"/>
-                </a:solidFill>
-                <a:latin typeface="Times New Roman" panose="02020603050405020304" pitchFamily="18" charset="0"/>
-                <a:cs typeface="Times New Roman" panose="02020603050405020304" pitchFamily="18" charset="0"/>
-              </a:rPr>
-              <a:t> {</a:t>
-            </a:r>
-          </a:p>
-          <a:p>
-            <a:pPr marL="0" indent="0" algn="just">
-              <a:buNone/>
-            </a:pPr>
-            <a:r>
-              <a:rPr lang="pt-BR" sz="2000" dirty="0">
-                <a:solidFill>
-                  <a:schemeClr val="tx1"/>
-                </a:solidFill>
-                <a:latin typeface="Times New Roman" panose="02020603050405020304" pitchFamily="18" charset="0"/>
-                <a:cs typeface="Times New Roman" panose="02020603050405020304" pitchFamily="18" charset="0"/>
-              </a:rPr>
-              <a:t>        	</a:t>
-            </a:r>
-            <a:r>
-              <a:rPr lang="pt-BR" sz="2000" dirty="0" err="1">
-                <a:solidFill>
-                  <a:schemeClr val="tx1"/>
-                </a:solidFill>
-                <a:latin typeface="Times New Roman" panose="02020603050405020304" pitchFamily="18" charset="0"/>
-                <a:cs typeface="Times New Roman" panose="02020603050405020304" pitchFamily="18" charset="0"/>
-              </a:rPr>
-              <a:t>alert</a:t>
-            </a:r>
-            <a:r>
-              <a:rPr lang="pt-BR" sz="2000" dirty="0">
-                <a:solidFill>
-                  <a:schemeClr val="tx1"/>
-                </a:solidFill>
-                <a:latin typeface="Times New Roman" panose="02020603050405020304" pitchFamily="18" charset="0"/>
-                <a:cs typeface="Times New Roman" panose="02020603050405020304" pitchFamily="18" charset="0"/>
-              </a:rPr>
-              <a:t>('Cancelado');</a:t>
-            </a:r>
-          </a:p>
-          <a:p>
-            <a:pPr marL="0" indent="0" algn="just">
-              <a:buNone/>
-            </a:pPr>
-            <a:r>
-              <a:rPr lang="pt-BR" sz="2000" dirty="0">
-                <a:solidFill>
-                  <a:schemeClr val="tx1"/>
-                </a:solidFill>
-                <a:latin typeface="Times New Roman" panose="02020603050405020304" pitchFamily="18" charset="0"/>
-                <a:cs typeface="Times New Roman" panose="02020603050405020304" pitchFamily="18" charset="0"/>
-              </a:rPr>
-              <a:t>        	resposta = 'Não';</a:t>
-            </a:r>
-          </a:p>
-          <a:p>
-            <a:pPr marL="0" indent="0" algn="just">
-              <a:buNone/>
-            </a:pPr>
-            <a:r>
-              <a:rPr lang="pt-BR" sz="2000" dirty="0">
-                <a:solidFill>
-                  <a:schemeClr val="tx1"/>
-                </a:solidFill>
-                <a:latin typeface="Times New Roman" panose="02020603050405020304" pitchFamily="18" charset="0"/>
-                <a:cs typeface="Times New Roman" panose="02020603050405020304" pitchFamily="18" charset="0"/>
-              </a:rPr>
-              <a:t>      }</a:t>
-            </a:r>
-          </a:p>
-          <a:p>
-            <a:pPr marL="0" indent="0" algn="just">
-              <a:buNone/>
-            </a:pPr>
-            <a:r>
-              <a:rPr lang="pt-BR" sz="2000" dirty="0">
-                <a:solidFill>
-                  <a:schemeClr val="tx1"/>
-                </a:solidFill>
-                <a:latin typeface="Times New Roman" panose="02020603050405020304" pitchFamily="18" charset="0"/>
-                <a:cs typeface="Times New Roman" panose="02020603050405020304" pitchFamily="18" charset="0"/>
-              </a:rPr>
-              <a:t>&lt;/script&gt;</a:t>
-            </a:r>
             <a:endParaRPr lang="pt-BR" sz="2400" dirty="0">
               <a:solidFill>
                 <a:schemeClr val="tx1"/>
@@ -5549,12 +5667,27 @@
               <a:cs typeface="Times New Roman" panose="02020603050405020304" pitchFamily="18" charset="0"/>
             </a:endParaRPr>
           </a:p>
+          <a:p>
+            <a:pPr marL="0" indent="0" algn="just">
+              <a:buNone/>
+            </a:pPr>
+            <a:r>
+              <a:rPr lang="pt-BR" sz="2400" dirty="0">
+                <a:solidFill>
+                  <a:schemeClr val="tx1"/>
+                </a:solidFill>
+                <a:latin typeface="Times New Roman" panose="02020603050405020304" pitchFamily="18" charset="0"/>
+                <a:cs typeface="Times New Roman" panose="02020603050405020304" pitchFamily="18" charset="0"/>
+              </a:rPr>
+              <a:t>Atualmente, a linguagem é fundamental para a web moderna, sem a qual muitos dos sites que conhecemos sequer existiriam.</a:t>
+            </a:r>
+          </a:p>
         </p:txBody>
       </p:sp>
     </p:spTree>
     <p:extLst>
       <p:ext uri="{BB962C8B-B14F-4D97-AF65-F5344CB8AC3E}">
-        <p14:creationId xmlns:p14="http://schemas.microsoft.com/office/powerpoint/2010/main" val="1193155176"/>
+        <p14:creationId xmlns:p14="http://schemas.microsoft.com/office/powerpoint/2010/main" val="2564788332"/>
       </p:ext>
     </p:extLst>
   </p:cSld>
@@ -5648,7 +5781,7 @@
                 <a:latin typeface="Times New Roman" panose="02020603050405020304" pitchFamily="18" charset="0"/>
                 <a:cs typeface="Times New Roman" panose="02020603050405020304" pitchFamily="18" charset="0"/>
               </a:rPr>
-              <a:t>Outros Exemplos</a:t>
+              <a:t>Exemplo de código</a:t>
             </a:r>
             <a:r>
               <a:rPr lang="pt-BR" sz="2400" dirty="0">
@@ -5698,6 +5831,61 @@
                 <a:latin typeface="Times New Roman" panose="02020603050405020304" pitchFamily="18" charset="0"/>
                 <a:cs typeface="Times New Roman" panose="02020603050405020304" pitchFamily="18" charset="0"/>
               </a:rPr>
+              <a:t>if</a:t>
+            </a:r>
+            <a:r>
+              <a:rPr lang="pt-BR" sz="2000" dirty="0">
+                <a:solidFill>
+                  <a:schemeClr val="tx1"/>
+                </a:solidFill>
+                <a:latin typeface="Times New Roman" panose="02020603050405020304" pitchFamily="18" charset="0"/>
+                <a:cs typeface="Times New Roman" panose="02020603050405020304" pitchFamily="18" charset="0"/>
+              </a:rPr>
+              <a:t> (</a:t>
+            </a:r>
+            <a:r>
+              <a:rPr lang="pt-BR" sz="2000" dirty="0" err="1">
+                <a:solidFill>
+                  <a:schemeClr val="tx1"/>
+                </a:solidFill>
+                <a:latin typeface="Times New Roman" panose="02020603050405020304" pitchFamily="18" charset="0"/>
+                <a:cs typeface="Times New Roman" panose="02020603050405020304" pitchFamily="18" charset="0"/>
+              </a:rPr>
+              <a:t>confirm</a:t>
+            </a:r>
+            <a:r>
+              <a:rPr lang="pt-BR" sz="2000" dirty="0">
+                <a:solidFill>
+                  <a:schemeClr val="tx1"/>
+                </a:solidFill>
+                <a:latin typeface="Times New Roman" panose="02020603050405020304" pitchFamily="18" charset="0"/>
+                <a:cs typeface="Times New Roman" panose="02020603050405020304" pitchFamily="18" charset="0"/>
+              </a:rPr>
+              <a:t>('Você tem certeza?')) {</a:t>
+            </a:r>
+          </a:p>
+          <a:p>
+            <a:pPr marL="0" indent="0" algn="just">
+              <a:buNone/>
+            </a:pPr>
+            <a:r>
+              <a:rPr lang="pt-BR" sz="2000" dirty="0">
+                <a:solidFill>
+                  <a:schemeClr val="tx1"/>
+                </a:solidFill>
+                <a:latin typeface="Times New Roman" panose="02020603050405020304" pitchFamily="18" charset="0"/>
+                <a:cs typeface="Times New Roman" panose="02020603050405020304" pitchFamily="18" charset="0"/>
+              </a:rPr>
+              <a:t>        	</a:t>
+            </a:r>
+            <a:r>
+              <a:rPr lang="pt-BR" sz="2000" dirty="0" err="1">
+                <a:solidFill>
+                  <a:schemeClr val="tx1"/>
+                </a:solidFill>
+                <a:latin typeface="Times New Roman" panose="02020603050405020304" pitchFamily="18" charset="0"/>
+                <a:cs typeface="Times New Roman" panose="02020603050405020304" pitchFamily="18" charset="0"/>
+              </a:rPr>
               <a:t>alert</a:t>
             </a:r>
             <a:r>
@@ -5708,7 +5896,7 @@
                 <a:latin typeface="Times New Roman" panose="02020603050405020304" pitchFamily="18" charset="0"/>
                 <a:cs typeface="Times New Roman" panose="02020603050405020304" pitchFamily="18" charset="0"/>
               </a:rPr>
-              <a:t>(‘Olá, mundo!!!’)</a:t>
+              <a:t>('Confirmado');</a:t>
             </a:r>
           </a:p>
           <a:p>
@@ -5723,257 +5911,123 @@
                 <a:latin typeface="Times New Roman" panose="02020603050405020304" pitchFamily="18" charset="0"/>
                 <a:cs typeface="Times New Roman" panose="02020603050405020304" pitchFamily="18" charset="0"/>
               </a:rPr>
+              <a:t>        	resposta = 'Sim';</a:t>
+            </a:r>
+          </a:p>
+          <a:p>
+            <a:pPr marL="0" indent="0" algn="just">
+              <a:buNone/>
+            </a:pPr>
+            <a:r>
+              <a:rPr lang="pt-BR" sz="2000" dirty="0">
+                <a:solidFill>
+                  <a:schemeClr val="tx1"/>
+                </a:solidFill>
+                <a:latin typeface="Times New Roman" panose="02020603050405020304" pitchFamily="18" charset="0"/>
+                <a:cs typeface="Times New Roman" panose="02020603050405020304" pitchFamily="18" charset="0"/>
+              </a:rPr>
+              <a:t>      } </a:t>
+            </a:r>
+            <a:r>
+              <a:rPr lang="pt-BR" sz="2000" dirty="0" err="1">
+                <a:solidFill>
+                  <a:schemeClr val="tx1"/>
+                </a:solidFill>
+                <a:latin typeface="Times New Roman" panose="02020603050405020304" pitchFamily="18" charset="0"/>
+                <a:cs typeface="Times New Roman" panose="02020603050405020304" pitchFamily="18" charset="0"/>
+              </a:rPr>
+              <a:t>else</a:t>
+            </a:r>
+            <a:r>
+              <a:rPr lang="pt-BR" sz="2000" dirty="0">
+                <a:solidFill>
+                  <a:schemeClr val="tx1"/>
+                </a:solidFill>
+                <a:latin typeface="Times New Roman" panose="02020603050405020304" pitchFamily="18" charset="0"/>
+                <a:cs typeface="Times New Roman" panose="02020603050405020304" pitchFamily="18" charset="0"/>
+              </a:rPr>
+              <a:t> {</a:t>
+            </a:r>
+          </a:p>
+          <a:p>
+            <a:pPr marL="0" indent="0" algn="just">
+              <a:buNone/>
+            </a:pPr>
+            <a:r>
+              <a:rPr lang="pt-BR" sz="2000" dirty="0">
+                <a:solidFill>
+                  <a:schemeClr val="tx1"/>
+                </a:solidFill>
+                <a:latin typeface="Times New Roman" panose="02020603050405020304" pitchFamily="18" charset="0"/>
+                <a:cs typeface="Times New Roman" panose="02020603050405020304" pitchFamily="18" charset="0"/>
+              </a:rPr>
+              <a:t>        	</a:t>
+            </a:r>
+            <a:r>
+              <a:rPr lang="pt-BR" sz="2000" dirty="0" err="1">
+                <a:solidFill>
+                  <a:schemeClr val="tx1"/>
+                </a:solidFill>
+                <a:latin typeface="Times New Roman" panose="02020603050405020304" pitchFamily="18" charset="0"/>
+                <a:cs typeface="Times New Roman" panose="02020603050405020304" pitchFamily="18" charset="0"/>
+              </a:rPr>
+              <a:t>alert</a:t>
+            </a:r>
+            <a:r>
+              <a:rPr lang="pt-BR" sz="2000" dirty="0">
+                <a:solidFill>
+                  <a:schemeClr val="tx1"/>
+                </a:solidFill>
+                <a:latin typeface="Times New Roman" panose="02020603050405020304" pitchFamily="18" charset="0"/>
+                <a:cs typeface="Times New Roman" panose="02020603050405020304" pitchFamily="18" charset="0"/>
+              </a:rPr>
+              <a:t>('Cancelado');</a:t>
+            </a:r>
+          </a:p>
+          <a:p>
+            <a:pPr marL="0" indent="0" algn="just">
+              <a:buNone/>
+            </a:pPr>
+            <a:r>
+              <a:rPr lang="pt-BR" sz="2000" dirty="0">
+                <a:solidFill>
+                  <a:schemeClr val="tx1"/>
+                </a:solidFill>
+                <a:latin typeface="Times New Roman" panose="02020603050405020304" pitchFamily="18" charset="0"/>
+                <a:cs typeface="Times New Roman" panose="02020603050405020304" pitchFamily="18" charset="0"/>
+              </a:rPr>
+              <a:t>        	resposta = 'Não';</a:t>
+            </a:r>
+          </a:p>
+          <a:p>
+            <a:pPr marL="0" indent="0" algn="just">
+              <a:buNone/>
+            </a:pPr>
+            <a:r>
+              <a:rPr lang="pt-BR" sz="2000" dirty="0">
+                <a:solidFill>
+                  <a:schemeClr val="tx1"/>
+                </a:solidFill>
+                <a:latin typeface="Times New Roman" panose="02020603050405020304" pitchFamily="18" charset="0"/>
+                <a:cs typeface="Times New Roman" panose="02020603050405020304" pitchFamily="18" charset="0"/>
+              </a:rPr>
+              <a:t>      }</a:t>
+            </a:r>
+          </a:p>
+          <a:p>
+            <a:pPr marL="0" indent="0" algn="just">
+              <a:buNone/>
+            </a:pPr>
+            <a:r>
+              <a:rPr lang="pt-BR" sz="2000" dirty="0">
+                <a:solidFill>
+                  <a:schemeClr val="tx1"/>
+                </a:solidFill>
+                <a:latin typeface="Times New Roman" panose="02020603050405020304" pitchFamily="18" charset="0"/>
+                <a:cs typeface="Times New Roman" panose="02020603050405020304" pitchFamily="18" charset="0"/>
+              </a:rPr>
               <a:t>&lt;/script&gt;</a:t>
             </a:r>
-          </a:p>
-          <a:p>
-            <a:pPr marL="0" indent="0" algn="just">
-              <a:buNone/>
-            </a:pPr>
-            <a:endParaRPr lang="pt-BR" sz="2000" dirty="0">
-              <a:solidFill>
-                <a:schemeClr val="tx1"/>
-              </a:solidFill>
-              <a:latin typeface="Times New Roman" panose="02020603050405020304" pitchFamily="18" charset="0"/>
-              <a:cs typeface="Times New Roman" panose="02020603050405020304" pitchFamily="18" charset="0"/>
-            </a:endParaRPr>
-          </a:p>
-          <a:p>
-            <a:pPr marL="0" indent="0" algn="just">
-              <a:buNone/>
-            </a:pPr>
-            <a:r>
-              <a:rPr lang="pt-BR" sz="2000" dirty="0">
-                <a:solidFill>
-                  <a:schemeClr val="tx1"/>
-                </a:solidFill>
-                <a:latin typeface="Times New Roman" panose="02020603050405020304" pitchFamily="18" charset="0"/>
-                <a:cs typeface="Times New Roman" panose="02020603050405020304" pitchFamily="18" charset="0"/>
-              </a:rPr>
-              <a:t> &lt;script&gt;</a:t>
-            </a:r>
-          </a:p>
-          <a:p>
-            <a:pPr marL="0" indent="0" algn="just">
-              <a:buNone/>
-            </a:pPr>
-            <a:r>
-              <a:rPr lang="pt-BR" sz="2000" dirty="0">
-                <a:solidFill>
-                  <a:schemeClr val="tx1"/>
-                </a:solidFill>
-                <a:latin typeface="Times New Roman" panose="02020603050405020304" pitchFamily="18" charset="0"/>
-                <a:cs typeface="Times New Roman" panose="02020603050405020304" pitchFamily="18" charset="0"/>
-              </a:rPr>
-              <a:t> 	</a:t>
-            </a:r>
-            <a:r>
-              <a:rPr lang="pt-BR" sz="2000" dirty="0" err="1">
-                <a:solidFill>
-                  <a:schemeClr val="tx1"/>
-                </a:solidFill>
-                <a:latin typeface="Times New Roman" panose="02020603050405020304" pitchFamily="18" charset="0"/>
-                <a:cs typeface="Times New Roman" panose="02020603050405020304" pitchFamily="18" charset="0"/>
-              </a:rPr>
-              <a:t>document.body.style.backgroud</a:t>
-            </a:r>
-            <a:r>
-              <a:rPr lang="pt-BR" sz="2000" dirty="0">
-                <a:solidFill>
-                  <a:schemeClr val="tx1"/>
-                </a:solidFill>
-                <a:latin typeface="Times New Roman" panose="02020603050405020304" pitchFamily="18" charset="0"/>
-                <a:cs typeface="Times New Roman" panose="02020603050405020304" pitchFamily="18" charset="0"/>
-              </a:rPr>
-              <a:t>= ‘blue’</a:t>
-            </a:r>
-          </a:p>
-          <a:p>
-            <a:pPr marL="0" indent="0" algn="just">
-              <a:buNone/>
-            </a:pPr>
-            <a:r>
-              <a:rPr lang="pt-BR" sz="2000" dirty="0">
-                <a:solidFill>
-                  <a:schemeClr val="tx1"/>
-                </a:solidFill>
-                <a:latin typeface="Times New Roman" panose="02020603050405020304" pitchFamily="18" charset="0"/>
-                <a:cs typeface="Times New Roman" panose="02020603050405020304" pitchFamily="18" charset="0"/>
-              </a:rPr>
-              <a:t> 	</a:t>
-            </a:r>
-            <a:r>
-              <a:rPr lang="pt-BR" sz="2000" dirty="0" err="1">
-                <a:solidFill>
-                  <a:schemeClr val="tx1"/>
-                </a:solidFill>
-                <a:latin typeface="Times New Roman" panose="02020603050405020304" pitchFamily="18" charset="0"/>
-                <a:cs typeface="Times New Roman" panose="02020603050405020304" pitchFamily="18" charset="0"/>
-              </a:rPr>
-              <a:t>document.querySelector</a:t>
-            </a:r>
-            <a:r>
-              <a:rPr lang="pt-BR" sz="2000" dirty="0">
-                <a:solidFill>
-                  <a:schemeClr val="tx1"/>
-                </a:solidFill>
-                <a:latin typeface="Times New Roman" panose="02020603050405020304" pitchFamily="18" charset="0"/>
-                <a:cs typeface="Times New Roman" panose="02020603050405020304" pitchFamily="18" charset="0"/>
-              </a:rPr>
-              <a:t>(‘</a:t>
-            </a:r>
-            <a:r>
-              <a:rPr lang="pt-BR" sz="2000" dirty="0" err="1">
-                <a:solidFill>
-                  <a:schemeClr val="tx1"/>
-                </a:solidFill>
-                <a:latin typeface="Times New Roman" panose="02020603050405020304" pitchFamily="18" charset="0"/>
-                <a:cs typeface="Times New Roman" panose="02020603050405020304" pitchFamily="18" charset="0"/>
-              </a:rPr>
-              <a:t>img#idImagem</a:t>
-            </a:r>
-            <a:r>
-              <a:rPr lang="pt-BR" sz="2000" dirty="0">
-                <a:solidFill>
-                  <a:schemeClr val="tx1"/>
-                </a:solidFill>
-                <a:latin typeface="Times New Roman" panose="02020603050405020304" pitchFamily="18" charset="0"/>
-                <a:cs typeface="Times New Roman" panose="02020603050405020304" pitchFamily="18" charset="0"/>
-              </a:rPr>
-              <a:t>’).</a:t>
-            </a:r>
-            <a:r>
-              <a:rPr lang="pt-BR" sz="2000" dirty="0" err="1">
-                <a:solidFill>
-                  <a:schemeClr val="tx1"/>
-                </a:solidFill>
-                <a:latin typeface="Times New Roman" panose="02020603050405020304" pitchFamily="18" charset="0"/>
-                <a:cs typeface="Times New Roman" panose="02020603050405020304" pitchFamily="18" charset="0"/>
-              </a:rPr>
-              <a:t>style.visibility</a:t>
-            </a:r>
-            <a:r>
-              <a:rPr lang="pt-BR" sz="2000" dirty="0">
-                <a:solidFill>
-                  <a:schemeClr val="tx1"/>
-                </a:solidFill>
-                <a:latin typeface="Times New Roman" panose="02020603050405020304" pitchFamily="18" charset="0"/>
-                <a:cs typeface="Times New Roman" panose="02020603050405020304" pitchFamily="18" charset="0"/>
-              </a:rPr>
-              <a:t> = ‘</a:t>
-            </a:r>
-            <a:r>
-              <a:rPr lang="pt-BR" sz="2000" dirty="0" err="1">
-                <a:solidFill>
-                  <a:schemeClr val="tx1"/>
-                </a:solidFill>
-                <a:latin typeface="Times New Roman" panose="02020603050405020304" pitchFamily="18" charset="0"/>
-                <a:cs typeface="Times New Roman" panose="02020603050405020304" pitchFamily="18" charset="0"/>
-              </a:rPr>
-              <a:t>hidden</a:t>
-            </a:r>
-            <a:r>
-              <a:rPr lang="pt-BR" sz="2000" dirty="0">
-                <a:solidFill>
-                  <a:schemeClr val="tx1"/>
-                </a:solidFill>
-                <a:latin typeface="Times New Roman" panose="02020603050405020304" pitchFamily="18" charset="0"/>
-                <a:cs typeface="Times New Roman" panose="02020603050405020304" pitchFamily="18" charset="0"/>
-              </a:rPr>
-              <a:t>’</a:t>
-            </a:r>
-          </a:p>
-          <a:p>
-            <a:pPr marL="0" indent="0" algn="just">
-              <a:buNone/>
-            </a:pPr>
-            <a:r>
-              <a:rPr lang="pt-BR" sz="2000" dirty="0">
-                <a:solidFill>
-                  <a:schemeClr val="tx1"/>
-                </a:solidFill>
-                <a:latin typeface="Times New Roman" panose="02020603050405020304" pitchFamily="18" charset="0"/>
-                <a:cs typeface="Times New Roman" panose="02020603050405020304" pitchFamily="18" charset="0"/>
-              </a:rPr>
-              <a:t> 	</a:t>
-            </a:r>
-            <a:r>
-              <a:rPr lang="pt-BR" sz="2000" dirty="0" err="1">
-                <a:solidFill>
-                  <a:schemeClr val="tx1"/>
-                </a:solidFill>
-                <a:latin typeface="Times New Roman" panose="02020603050405020304" pitchFamily="18" charset="0"/>
-                <a:cs typeface="Times New Roman" panose="02020603050405020304" pitchFamily="18" charset="0"/>
-              </a:rPr>
-              <a:t>document.querySelector</a:t>
-            </a:r>
-            <a:r>
-              <a:rPr lang="pt-BR" sz="2000" dirty="0">
-                <a:solidFill>
-                  <a:schemeClr val="tx1"/>
-                </a:solidFill>
-                <a:latin typeface="Times New Roman" panose="02020603050405020304" pitchFamily="18" charset="0"/>
-                <a:cs typeface="Times New Roman" panose="02020603050405020304" pitchFamily="18" charset="0"/>
-              </a:rPr>
-              <a:t>(‘h1.idH1’).</a:t>
-            </a:r>
-            <a:r>
-              <a:rPr lang="pt-BR" sz="2000" dirty="0" err="1">
-                <a:solidFill>
-                  <a:schemeClr val="tx1"/>
-                </a:solidFill>
-                <a:latin typeface="Times New Roman" panose="02020603050405020304" pitchFamily="18" charset="0"/>
-                <a:cs typeface="Times New Roman" panose="02020603050405020304" pitchFamily="18" charset="0"/>
-              </a:rPr>
-              <a:t>innerText</a:t>
-            </a:r>
-            <a:r>
-              <a:rPr lang="pt-BR" sz="2000" dirty="0">
-                <a:solidFill>
-                  <a:schemeClr val="tx1"/>
-                </a:solidFill>
-                <a:latin typeface="Times New Roman" panose="02020603050405020304" pitchFamily="18" charset="0"/>
-                <a:cs typeface="Times New Roman" panose="02020603050405020304" pitchFamily="18" charset="0"/>
-              </a:rPr>
-              <a:t> = </a:t>
-            </a:r>
-            <a:r>
-              <a:rPr lang="pt-BR" sz="2000">
-                <a:solidFill>
-                  <a:schemeClr val="tx1"/>
-                </a:solidFill>
-                <a:latin typeface="Times New Roman" panose="02020603050405020304" pitchFamily="18" charset="0"/>
-                <a:cs typeface="Times New Roman" panose="02020603050405020304" pitchFamily="18" charset="0"/>
-              </a:rPr>
-              <a:t>‘Texto’</a:t>
-            </a:r>
-            <a:endParaRPr lang="pt-BR" sz="2000" dirty="0">
-              <a:solidFill>
-                <a:schemeClr val="tx1"/>
-              </a:solidFill>
-              <a:latin typeface="Times New Roman" panose="02020603050405020304" pitchFamily="18" charset="0"/>
-              <a:cs typeface="Times New Roman" panose="02020603050405020304" pitchFamily="18" charset="0"/>
-            </a:endParaRPr>
-          </a:p>
-          <a:p>
-            <a:pPr marL="0" indent="0" algn="just">
-              <a:buNone/>
-            </a:pPr>
-            <a:r>
-              <a:rPr lang="pt-BR" sz="2000" dirty="0">
-                <a:solidFill>
-                  <a:schemeClr val="tx1"/>
-                </a:solidFill>
-                <a:latin typeface="Times New Roman" panose="02020603050405020304" pitchFamily="18" charset="0"/>
-                <a:cs typeface="Times New Roman" panose="02020603050405020304" pitchFamily="18" charset="0"/>
-              </a:rPr>
-              <a:t>&lt;/script&gt;</a:t>
-            </a:r>
-          </a:p>
-          <a:p>
-            <a:pPr marL="0" indent="0" algn="just">
-              <a:buNone/>
-            </a:pPr>
             <a:endParaRPr lang="pt-BR" sz="2400" dirty="0">
               <a:solidFill>
                 <a:schemeClr val="tx1"/>
@@ -5987,7 +6041,7 @@
     </p:spTree>
     <p:extLst>
       <p:ext uri="{BB962C8B-B14F-4D97-AF65-F5344CB8AC3E}">
-        <p14:creationId xmlns:p14="http://schemas.microsoft.com/office/powerpoint/2010/main" val="2698757165"/>
+        <p14:creationId xmlns:p14="http://schemas.microsoft.com/office/powerpoint/2010/main" val="1193155176"/>
       </p:ext>
     </p:extLst>
   </p:cSld>
@@ -6043,7 +6097,7 @@
                   <a:srgbClr val="0070C0"/>
                 </a:solidFill>
               </a:rPr>
-              <a:t>JS</a:t>
+              <a:t>JS - DOM</a:t>
             </a:r>
           </a:p>
         </p:txBody>
@@ -6074,6 +6128,46 @@
               <a:buNone/>
             </a:pPr>
             <a:r>
+              <a:rPr lang="pt-BR" sz="2400" b="1" dirty="0" err="1">
+                <a:solidFill>
+                  <a:schemeClr val="tx1"/>
+                </a:solidFill>
+                <a:latin typeface="Times New Roman" panose="02020603050405020304" pitchFamily="18" charset="0"/>
+                <a:cs typeface="Times New Roman" panose="02020603050405020304" pitchFamily="18" charset="0"/>
+              </a:rPr>
+              <a:t>Document</a:t>
+            </a:r>
+            <a:r>
+              <a:rPr lang="pt-BR" sz="2400" b="1" dirty="0">
+                <a:solidFill>
+                  <a:schemeClr val="tx1"/>
+                </a:solidFill>
+                <a:latin typeface="Times New Roman" panose="02020603050405020304" pitchFamily="18" charset="0"/>
+                <a:cs typeface="Times New Roman" panose="02020603050405020304" pitchFamily="18" charset="0"/>
+              </a:rPr>
+              <a:t> </a:t>
+            </a:r>
+            <a:r>
+              <a:rPr lang="pt-BR" sz="2400" b="1" dirty="0" err="1">
+                <a:solidFill>
+                  <a:schemeClr val="tx1"/>
+                </a:solidFill>
+                <a:latin typeface="Times New Roman" panose="02020603050405020304" pitchFamily="18" charset="0"/>
+                <a:cs typeface="Times New Roman" panose="02020603050405020304" pitchFamily="18" charset="0"/>
+              </a:rPr>
+              <a:t>Object</a:t>
+            </a:r>
+            <a:r>
+              <a:rPr lang="pt-BR" sz="2400" b="1" dirty="0">
+                <a:solidFill>
+                  <a:schemeClr val="tx1"/>
+                </a:solidFill>
+                <a:latin typeface="Times New Roman" panose="02020603050405020304" pitchFamily="18" charset="0"/>
+                <a:cs typeface="Times New Roman" panose="02020603050405020304" pitchFamily="18" charset="0"/>
+              </a:rPr>
+              <a:t> Model</a:t>
+            </a:r>
+            <a:r>
               <a:rPr lang="pt-BR" sz="2400" dirty="0">
                 <a:solidFill>
                   <a:schemeClr val="tx1"/>
@@ -6081,17 +6175,7 @@
                 <a:latin typeface="Times New Roman" panose="02020603050405020304" pitchFamily="18" charset="0"/>
                 <a:cs typeface="Times New Roman" panose="02020603050405020304" pitchFamily="18" charset="0"/>
               </a:rPr>
-              <a:t>Devido a enorme quantidade de bibliotecas, costuma-se nomear como “</a:t>
-            </a:r>
-            <a:r>
-              <a:rPr lang="pt-BR" sz="2400" b="1" dirty="0" err="1">
-                <a:solidFill>
-                  <a:schemeClr val="tx1"/>
-                </a:solidFill>
-                <a:latin typeface="Times New Roman" panose="02020603050405020304" pitchFamily="18" charset="0"/>
-                <a:cs typeface="Times New Roman" panose="02020603050405020304" pitchFamily="18" charset="0"/>
-              </a:rPr>
-              <a:t>Vanilla</a:t>
+              <a:t>, ou seja, modelo de objetos (elementos) de documentos, é uma interface de programação para os documentos </a:t>
             </a:r>
             <a:r>
               <a:rPr lang="pt-BR" sz="2400" b="1" dirty="0">
@@ -6101,17 +6185,7 @@
                 <a:latin typeface="Times New Roman" panose="02020603050405020304" pitchFamily="18" charset="0"/>
                 <a:cs typeface="Times New Roman" panose="02020603050405020304" pitchFamily="18" charset="0"/>
               </a:rPr>
-              <a:t> </a:t>
-            </a:r>
-            <a:r>
-              <a:rPr lang="pt-BR" sz="2400" b="1" dirty="0" err="1">
-                <a:solidFill>
-                  <a:schemeClr val="tx1"/>
-                </a:solidFill>
-                <a:latin typeface="Times New Roman" panose="02020603050405020304" pitchFamily="18" charset="0"/>
-                <a:cs typeface="Times New Roman" panose="02020603050405020304" pitchFamily="18" charset="0"/>
-              </a:rPr>
-              <a:t>JavaScript</a:t>
+              <a:t>HTML</a:t>
             </a:r>
             <a:r>
               <a:rPr lang="pt-BR" sz="2400" dirty="0">
@@ -6121,17 +6195,7 @@
                 <a:latin typeface="Times New Roman" panose="02020603050405020304" pitchFamily="18" charset="0"/>
                 <a:cs typeface="Times New Roman" panose="02020603050405020304" pitchFamily="18" charset="0"/>
               </a:rPr>
-              <a:t>” ou “</a:t>
-            </a:r>
-            <a:r>
-              <a:rPr lang="pt-BR" sz="2400" b="1" dirty="0" err="1">
-                <a:solidFill>
-                  <a:schemeClr val="tx1"/>
-                </a:solidFill>
-                <a:latin typeface="Times New Roman" panose="02020603050405020304" pitchFamily="18" charset="0"/>
-                <a:cs typeface="Times New Roman" panose="02020603050405020304" pitchFamily="18" charset="0"/>
-              </a:rPr>
-              <a:t>Vanilla</a:t>
+              <a:t> e </a:t>
             </a:r>
             <a:r>
               <a:rPr lang="pt-BR" sz="2400" b="1" dirty="0">
@@ -6141,7 +6205,7 @@
                 <a:latin typeface="Times New Roman" panose="02020603050405020304" pitchFamily="18" charset="0"/>
                 <a:cs typeface="Times New Roman" panose="02020603050405020304" pitchFamily="18" charset="0"/>
               </a:rPr>
-              <a:t> JS</a:t>
+              <a:t>XML</a:t>
             </a:r>
             <a:r>
               <a:rPr lang="pt-BR" sz="2400" dirty="0">
@@ -6151,27 +6215,7 @@
                 <a:latin typeface="Times New Roman" panose="02020603050405020304" pitchFamily="18" charset="0"/>
                 <a:cs typeface="Times New Roman" panose="02020603050405020304" pitchFamily="18" charset="0"/>
               </a:rPr>
-              <a:t>” o código escrito em </a:t>
-            </a:r>
-            <a:r>
-              <a:rPr lang="pt-BR" sz="2400" dirty="0" err="1">
-                <a:solidFill>
-                  <a:schemeClr val="tx1"/>
-                </a:solidFill>
-                <a:latin typeface="Times New Roman" panose="02020603050405020304" pitchFamily="18" charset="0"/>
-                <a:cs typeface="Times New Roman" panose="02020603050405020304" pitchFamily="18" charset="0"/>
-              </a:rPr>
-              <a:t>JavaScript</a:t>
-            </a:r>
-            <a:r>
-              <a:rPr lang="pt-BR" sz="2400" dirty="0">
-                <a:solidFill>
-                  <a:schemeClr val="tx1"/>
-                </a:solidFill>
-                <a:latin typeface="Times New Roman" panose="02020603050405020304" pitchFamily="18" charset="0"/>
-                <a:cs typeface="Times New Roman" panose="02020603050405020304" pitchFamily="18" charset="0"/>
-              </a:rPr>
-              <a:t> puro, sem o auxílio de frameworks. </a:t>
+              <a:t>.</a:t>
             </a:r>
           </a:p>
           <a:p>
@@ -6198,15 +6242,59 @@
                 <a:latin typeface="Times New Roman" panose="02020603050405020304" pitchFamily="18" charset="0"/>
                 <a:cs typeface="Times New Roman" panose="02020603050405020304" pitchFamily="18" charset="0"/>
               </a:rPr>
-              <a:t>Atualmente, a linguagem é fundamental para a web moderna, sem a qual muitos dos sites que conhecemos sequer existiriam.</a:t>
-            </a:r>
+              <a:t>Representa a página de forma que os programas possam alterar a estrutura do documento, alterar o estilo e conteúdo. O </a:t>
+            </a:r>
+            <a:r>
+              <a:rPr lang="pt-BR" sz="2400" b="1" dirty="0">
+                <a:solidFill>
+                  <a:srgbClr val="FF0000"/>
+                </a:solidFill>
+                <a:latin typeface="Times New Roman" panose="02020603050405020304" pitchFamily="18" charset="0"/>
+                <a:cs typeface="Times New Roman" panose="02020603050405020304" pitchFamily="18" charset="0"/>
+              </a:rPr>
+              <a:t>DOM</a:t>
+            </a:r>
+            <a:r>
+              <a:rPr lang="pt-BR" sz="2400" dirty="0">
+                <a:solidFill>
+                  <a:schemeClr val="tx1"/>
+                </a:solidFill>
+                <a:latin typeface="Times New Roman" panose="02020603050405020304" pitchFamily="18" charset="0"/>
+                <a:cs typeface="Times New Roman" panose="02020603050405020304" pitchFamily="18" charset="0"/>
+              </a:rPr>
+              <a:t> representa o documento com nós e objetos, dessa forma, as linguagens de programação podem se conectar à página.</a:t>
+            </a:r>
+          </a:p>
+          <a:p>
+            <a:pPr marL="0" indent="0" algn="just">
+              <a:buNone/>
+            </a:pPr>
+            <a:endParaRPr lang="pt-BR" sz="2400" dirty="0">
+              <a:solidFill>
+                <a:schemeClr val="tx1"/>
+              </a:solidFill>
+              <a:latin typeface="Times New Roman" panose="02020603050405020304" pitchFamily="18" charset="0"/>
+              <a:cs typeface="Times New Roman" panose="02020603050405020304" pitchFamily="18" charset="0"/>
+            </a:endParaRPr>
+          </a:p>
+          <a:p>
+            <a:pPr marL="0" indent="0" algn="just">
+              <a:buNone/>
+            </a:pPr>
+            <a:endParaRPr lang="pt-BR" sz="2400" dirty="0">
+              <a:solidFill>
+                <a:schemeClr val="tx1"/>
+              </a:solidFill>
+              <a:latin typeface="Times New Roman" panose="02020603050405020304" pitchFamily="18" charset="0"/>
+              <a:cs typeface="Times New Roman" panose="02020603050405020304" pitchFamily="18" charset="0"/>
+            </a:endParaRPr>
           </a:p>
         </p:txBody>
       </p:sp>
     </p:spTree>
     <p:extLst>
       <p:ext uri="{BB962C8B-B14F-4D97-AF65-F5344CB8AC3E}">
-        <p14:creationId xmlns:p14="http://schemas.microsoft.com/office/powerpoint/2010/main" val="2564788332"/>
+        <p14:creationId xmlns:p14="http://schemas.microsoft.com/office/powerpoint/2010/main" val="958105394"/>
       </p:ext>
     </p:extLst>
   </p:cSld>
@@ -6262,7 +6350,7 @@
                   <a:srgbClr val="0070C0"/>
                 </a:solidFill>
               </a:rPr>
-              <a:t>JS - </a:t>
+              <a:t>JS – DOM [window(/) Principal]</a:t>
             </a:r>
           </a:p>
         </p:txBody>
@@ -6292,106 +6380,13 @@
             <a:pPr marL="0" indent="0" algn="just">
               <a:buNone/>
             </a:pPr>
-            <a:r>
-              <a:rPr lang="pt-BR" sz="2400" dirty="0">
-                <a:solidFill>
-                  <a:schemeClr val="tx1"/>
-                </a:solidFill>
-                <a:latin typeface="Times New Roman" panose="02020603050405020304" pitchFamily="18" charset="0"/>
-                <a:cs typeface="Times New Roman" panose="02020603050405020304" pitchFamily="18" charset="0"/>
-              </a:rPr>
-              <a:t>Devido a enorme quantidade de bibliotecas, costuma-se nomear como “</a:t>
-            </a:r>
-            <a:r>
-              <a:rPr lang="pt-BR" sz="2400" b="1" dirty="0" err="1">
-                <a:solidFill>
-                  <a:schemeClr val="tx1"/>
-                </a:solidFill>
-                <a:latin typeface="Times New Roman" panose="02020603050405020304" pitchFamily="18" charset="0"/>
-                <a:cs typeface="Times New Roman" panose="02020603050405020304" pitchFamily="18" charset="0"/>
-              </a:rPr>
-              <a:t>Vanilla</a:t>
-            </a:r>
-            <a:r>
-              <a:rPr lang="pt-BR" sz="2400" b="1" dirty="0">
-                <a:solidFill>
-                  <a:schemeClr val="tx1"/>
-                </a:solidFill>
-                <a:latin typeface="Times New Roman" panose="02020603050405020304" pitchFamily="18" charset="0"/>
-                <a:cs typeface="Times New Roman" panose="02020603050405020304" pitchFamily="18" charset="0"/>
-              </a:rPr>
-              <a:t> </a:t>
-            </a:r>
-            <a:r>
-              <a:rPr lang="pt-BR" sz="2400" b="1" dirty="0" err="1">
-                <a:solidFill>
-                  <a:schemeClr val="tx1"/>
-                </a:solidFill>
-                <a:latin typeface="Times New Roman" panose="02020603050405020304" pitchFamily="18" charset="0"/>
-                <a:cs typeface="Times New Roman" panose="02020603050405020304" pitchFamily="18" charset="0"/>
-              </a:rPr>
-              <a:t>JavaScript</a:t>
-            </a:r>
-            <a:r>
-              <a:rPr lang="pt-BR" sz="2400" dirty="0">
-                <a:solidFill>
-                  <a:schemeClr val="tx1"/>
-                </a:solidFill>
-                <a:latin typeface="Times New Roman" panose="02020603050405020304" pitchFamily="18" charset="0"/>
-                <a:cs typeface="Times New Roman" panose="02020603050405020304" pitchFamily="18" charset="0"/>
-              </a:rPr>
-              <a:t>” ou “</a:t>
-            </a:r>
-            <a:r>
-              <a:rPr lang="pt-BR" sz="2400" b="1" dirty="0" err="1">
-                <a:solidFill>
-                  <a:schemeClr val="tx1"/>
-                </a:solidFill>
-                <a:latin typeface="Times New Roman" panose="02020603050405020304" pitchFamily="18" charset="0"/>
-                <a:cs typeface="Times New Roman" panose="02020603050405020304" pitchFamily="18" charset="0"/>
-              </a:rPr>
-              <a:t>Vanilla</a:t>
-            </a:r>
-            <a:r>
-              <a:rPr lang="pt-BR" sz="2400" b="1" dirty="0">
-                <a:solidFill>
-                  <a:schemeClr val="tx1"/>
-                </a:solidFill>
-                <a:latin typeface="Times New Roman" panose="02020603050405020304" pitchFamily="18" charset="0"/>
-                <a:cs typeface="Times New Roman" panose="02020603050405020304" pitchFamily="18" charset="0"/>
-              </a:rPr>
-              <a:t> JS</a:t>
-            </a:r>
-            <a:r>
-              <a:rPr lang="pt-BR" sz="2400" dirty="0">
-                <a:solidFill>
-                  <a:schemeClr val="tx1"/>
-                </a:solidFill>
-                <a:latin typeface="Times New Roman" panose="02020603050405020304" pitchFamily="18" charset="0"/>
-                <a:cs typeface="Times New Roman" panose="02020603050405020304" pitchFamily="18" charset="0"/>
-              </a:rPr>
-              <a:t>” o código escrito em </a:t>
-            </a:r>
-            <a:r>
-              <a:rPr lang="pt-BR" sz="2400" dirty="0" err="1">
-                <a:solidFill>
-                  <a:schemeClr val="tx1"/>
-                </a:solidFill>
-                <a:latin typeface="Times New Roman" panose="02020603050405020304" pitchFamily="18" charset="0"/>
-                <a:cs typeface="Times New Roman" panose="02020603050405020304" pitchFamily="18" charset="0"/>
-              </a:rPr>
-              <a:t>JavaScript</a:t>
-            </a:r>
-            <a:r>
-              <a:rPr lang="pt-BR" sz="2400" dirty="0">
-                <a:solidFill>
-                  <a:schemeClr val="tx1"/>
-                </a:solidFill>
-                <a:latin typeface="Times New Roman" panose="02020603050405020304" pitchFamily="18" charset="0"/>
-                <a:cs typeface="Times New Roman" panose="02020603050405020304" pitchFamily="18" charset="0"/>
-              </a:rPr>
-              <a:t> puro, sem o auxílio de frameworks. </a:t>
-            </a:r>
+            <a:endParaRPr lang="pt-BR" sz="2400" dirty="0">
+              <a:solidFill>
+                <a:schemeClr val="tx1"/>
+              </a:solidFill>
+              <a:latin typeface="Times New Roman" panose="02020603050405020304" pitchFamily="18" charset="0"/>
+              <a:cs typeface="Times New Roman" panose="02020603050405020304" pitchFamily="18" charset="0"/>
+            </a:endParaRPr>
           </a:p>
           <a:p>
             <a:pPr marL="0" indent="0" algn="just">
@@ -6409,23 +6404,198 @@
             <a:pPr marL="0" indent="0" algn="just">
               <a:buNone/>
             </a:pPr>
-            <a:r>
-              <a:rPr lang="pt-BR" sz="2400" dirty="0">
-                <a:solidFill>
-                  <a:schemeClr val="tx1"/>
-                </a:solidFill>
-                <a:latin typeface="Times New Roman" panose="02020603050405020304" pitchFamily="18" charset="0"/>
-                <a:cs typeface="Times New Roman" panose="02020603050405020304" pitchFamily="18" charset="0"/>
-              </a:rPr>
-              <a:t>Atualmente, a linguagem é fundamental para a web moderna, sem a qual muitos dos sites que conhecemos sequer existiriam.</a:t>
-            </a:r>
+            <a:endParaRPr lang="pt-BR" sz="2400" dirty="0">
+              <a:solidFill>
+                <a:schemeClr val="tx1"/>
+              </a:solidFill>
+              <a:latin typeface="Times New Roman" panose="02020603050405020304" pitchFamily="18" charset="0"/>
+              <a:cs typeface="Times New Roman" panose="02020603050405020304" pitchFamily="18" charset="0"/>
+            </a:endParaRPr>
+          </a:p>
+          <a:p>
+            <a:pPr marL="0" indent="0" algn="just">
+              <a:buNone/>
+            </a:pPr>
+            <a:endParaRPr lang="pt-BR" sz="2400" dirty="0">
+              <a:solidFill>
+                <a:schemeClr val="tx1"/>
+              </a:solidFill>
+              <a:latin typeface="Times New Roman" panose="02020603050405020304" pitchFamily="18" charset="0"/>
+              <a:cs typeface="Times New Roman" panose="02020603050405020304" pitchFamily="18" charset="0"/>
+            </a:endParaRPr>
+          </a:p>
+        </p:txBody>
+      </p:sp>
+      <p:pic>
+        <p:nvPicPr>
+          <p:cNvPr id="7" name="Gráfico 6">
+            <a:extLst>
+              <a:ext uri="{FF2B5EF4-FFF2-40B4-BE49-F238E27FC236}">
+                <a16:creationId xmlns:a16="http://schemas.microsoft.com/office/drawing/2014/main" id="{913A1FF2-4FA5-4B63-A03E-5334B70C9C0A}"/>
+              </a:ext>
+            </a:extLst>
+          </p:cNvPr>
+          <p:cNvPicPr>
+            <a:picLocks noChangeAspect="1"/>
+          </p:cNvPicPr>
+          <p:nvPr/>
+        </p:nvPicPr>
+        <p:blipFill>
+          <a:blip r:embed="rId3">
+            <a:extLst>
+              <a:ext uri="{28A0092B-C50C-407E-A947-70E740481C1C}">
+                <a14:useLocalDpi xmlns:a14="http://schemas.microsoft.com/office/drawing/2010/main" val="0"/>
+              </a:ext>
+              <a:ext uri="{96DAC541-7B7A-43D3-8B79-37D633B846F1}">
+                <asvg:svgBlip xmlns:asvg="http://schemas.microsoft.com/office/drawing/2016/SVG/main" r:embed="rId4"/>
+              </a:ext>
+            </a:extLst>
+          </a:blip>
+          <a:stretch>
+            <a:fillRect/>
+          </a:stretch>
+        </p:blipFill>
+        <p:spPr>
+          <a:xfrm>
+            <a:off x="915207" y="905044"/>
+            <a:ext cx="5292410" cy="4170481"/>
+          </a:xfrm>
+          <a:prstGeom prst="rect">
+            <a:avLst/>
+          </a:prstGeom>
+        </p:spPr>
+      </p:pic>
+      <p:sp>
+        <p:nvSpPr>
+          <p:cNvPr id="9" name="CaixaDeTexto 8">
+            <a:extLst>
+              <a:ext uri="{FF2B5EF4-FFF2-40B4-BE49-F238E27FC236}">
+                <a16:creationId xmlns:a16="http://schemas.microsoft.com/office/drawing/2014/main" id="{848EEB34-528A-4EFB-BCBA-16ACD200ED3E}"/>
+              </a:ext>
+            </a:extLst>
+          </p:cNvPr>
+          <p:cNvSpPr txBox="1"/>
+          <p:nvPr/>
+        </p:nvSpPr>
+        <p:spPr>
+          <a:xfrm>
+            <a:off x="6693369" y="1709899"/>
+            <a:ext cx="914400" cy="646327"/>
+          </a:xfrm>
+          <a:prstGeom prst="rect">
+            <a:avLst/>
+          </a:prstGeom>
+          <a:noFill/>
+          <a:ln w="12700" cap="flat">
+            <a:noFill/>
+            <a:miter lim="400000"/>
+          </a:ln>
+        </p:spPr>
+        <p:style>
+          <a:lnRef idx="0">
+            <a:scrgbClr r="0" g="0" b="0"/>
+          </a:lnRef>
+          <a:fillRef idx="0">
+            <a:scrgbClr r="0" g="0" b="0"/>
+          </a:fillRef>
+          <a:effectRef idx="0">
+            <a:scrgbClr r="0" g="0" b="0"/>
+          </a:effectRef>
+          <a:fontRef idx="none"/>
+        </p:style>
+        <p:txBody>
+          <a:bodyPr rot="0" spcFirstLastPara="1" vertOverflow="overflow" horzOverflow="overflow" vert="horz" wrap="square" lIns="45718" tIns="45718" rIns="45718" bIns="45718" numCol="1" spcCol="38100" rtlCol="0" anchor="t">
+            <a:spAutoFit/>
+          </a:bodyPr>
+          <a:lstStyle/>
+          <a:p>
+            <a:pPr marL="0" marR="0" indent="0" algn="l" defTabSz="457200" rtl="0" fontAlgn="auto" latinLnBrk="0" hangingPunct="0">
+              <a:lnSpc>
+                <a:spcPct val="100000"/>
+              </a:lnSpc>
+              <a:spcBef>
+                <a:spcPts val="0"/>
+              </a:spcBef>
+              <a:spcAft>
+                <a:spcPts val="0"/>
+              </a:spcAft>
+              <a:buClrTx/>
+              <a:buSzTx/>
+              <a:buFontTx/>
+              <a:buNone/>
+            </a:pPr>
+            <a:r>
+              <a:rPr kumimoji="0" lang="pt-BR" sz="1800" b="1" i="0" u="none" strike="noStrike" cap="none" spc="0" normalizeH="0" baseline="0" dirty="0" err="1">
+                <a:ln>
+                  <a:noFill/>
+                </a:ln>
+                <a:solidFill>
+                  <a:srgbClr val="FF0000"/>
+                </a:solidFill>
+                <a:effectLst/>
+                <a:uFillTx/>
+                <a:latin typeface="+mj-lt"/>
+                <a:ea typeface="+mj-ea"/>
+                <a:cs typeface="+mj-cs"/>
+                <a:sym typeface="Calibri"/>
+              </a:rPr>
+              <a:t>Parent</a:t>
+            </a:r>
+            <a:r>
+              <a:rPr kumimoji="0" lang="pt-BR" sz="1800" b="1" i="0" u="none" strike="noStrike" cap="none" spc="0" normalizeH="0" baseline="0" dirty="0">
+                <a:ln>
+                  <a:noFill/>
+                </a:ln>
+                <a:solidFill>
+                  <a:srgbClr val="FF0000"/>
+                </a:solidFill>
+                <a:effectLst/>
+                <a:uFillTx/>
+                <a:latin typeface="+mj-lt"/>
+                <a:ea typeface="+mj-ea"/>
+                <a:cs typeface="+mj-cs"/>
+                <a:sym typeface="Calibri"/>
+              </a:rPr>
+              <a:t> / </a:t>
+            </a:r>
+            <a:r>
+              <a:rPr kumimoji="0" lang="pt-BR" sz="1800" b="1" i="0" u="none" strike="noStrike" cap="none" spc="0" normalizeH="0" baseline="0" dirty="0" err="1">
+                <a:ln>
+                  <a:noFill/>
+                </a:ln>
+                <a:solidFill>
+                  <a:srgbClr val="FF0000"/>
+                </a:solidFill>
+                <a:effectLst/>
+                <a:uFillTx/>
+                <a:latin typeface="+mj-lt"/>
+                <a:ea typeface="+mj-ea"/>
+                <a:cs typeface="+mj-cs"/>
+                <a:sym typeface="Calibri"/>
+              </a:rPr>
+              <a:t>child</a:t>
+            </a:r>
+            <a:endParaRPr kumimoji="0" lang="pt-BR" sz="1800" b="1" i="0" u="none" strike="noStrike" cap="none" spc="0" normalizeH="0" baseline="0" dirty="0">
+              <a:ln>
+                <a:noFill/>
+              </a:ln>
+              <a:solidFill>
+                <a:srgbClr val="FF0000"/>
+              </a:solidFill>
+              <a:effectLst/>
+              <a:uFillTx/>
+              <a:latin typeface="+mj-lt"/>
+              <a:ea typeface="+mj-ea"/>
+              <a:cs typeface="+mj-cs"/>
+              <a:sym typeface="Calibri"/>
+            </a:endParaRPr>
           </a:p>
         </p:txBody>
       </p:sp>
     </p:spTree>
     <p:extLst>
       <p:ext uri="{BB962C8B-B14F-4D97-AF65-F5344CB8AC3E}">
-        <p14:creationId xmlns:p14="http://schemas.microsoft.com/office/powerpoint/2010/main" val="1393275988"/>
+        <p14:creationId xmlns:p14="http://schemas.microsoft.com/office/powerpoint/2010/main" val="2698757165"/>
       </p:ext>
     </p:extLst>
   </p:cSld>
@@ -6476,12 +6646,20 @@
           <a:lstStyle/>
           <a:p>
             <a:r>
+              <a:rPr lang="en-US" b="1" dirty="0">
+                <a:solidFill>
+                  <a:srgbClr val="0070C0"/>
+                </a:solidFill>
+              </a:rPr>
+              <a:t>JS – DOM - </a:t>
+            </a:r>
+            <a:r>
               <a:rPr lang="en-US" b="1" dirty="0" err="1">
                 <a:solidFill>
                   <a:srgbClr val="0070C0"/>
                 </a:solidFill>
               </a:rPr>
-              <a:t>Leitura</a:t>
+              <a:t>Tipos</a:t>
             </a:r>
             <a:r>
               <a:rPr lang="en-US" b="1" dirty="0">
@@ -6489,7 +6667,7 @@
                   <a:srgbClr val="0070C0"/>
                 </a:solidFill>
               </a:rPr>
-              <a:t> </a:t>
+              <a:t> de </a:t>
             </a:r>
             <a:r>
               <a:rPr lang="en-US" b="1" dirty="0" err="1">
@@ -6497,7 +6675,7 @@
                   <a:srgbClr val="0070C0"/>
                 </a:solidFill>
               </a:rPr>
-              <a:t>Específica</a:t>
+              <a:t>Acesso</a:t>
             </a:r>
             <a:endParaRPr lang="en-US" b="1" dirty="0">
               <a:solidFill>
@@ -6519,8 +6697,8 @@
         </p:nvSpPr>
         <p:spPr>
           <a:xfrm>
-            <a:off x="142865" y="1012261"/>
-            <a:ext cx="8865056" cy="3835312"/>
+            <a:off x="142865" y="1037312"/>
+            <a:ext cx="8865056" cy="3900208"/>
           </a:xfrm>
         </p:spPr>
         <p:txBody>
@@ -6533,63 +6711,462 @@
               <a:buNone/>
             </a:pPr>
             <a:r>
-              <a:rPr lang="pt-BR" sz="2000" dirty="0">
-                <a:latin typeface="Times New Roman" panose="02020603050405020304" pitchFamily="18" charset="0"/>
-                <a:cs typeface="Times New Roman" panose="02020603050405020304" pitchFamily="18" charset="0"/>
-              </a:rPr>
-              <a:t>[1] </a:t>
-            </a:r>
-            <a:r>
-              <a:rPr lang="pt-BR" sz="2000" b="1" dirty="0">
-                <a:latin typeface="Times New Roman" panose="02020603050405020304" pitchFamily="18" charset="0"/>
-                <a:cs typeface="Times New Roman" panose="02020603050405020304" pitchFamily="18" charset="0"/>
-              </a:rPr>
-              <a:t>Site Devmedia</a:t>
-            </a:r>
-            <a:r>
-              <a:rPr lang="pt-BR" sz="2000" dirty="0">
-                <a:latin typeface="Times New Roman" panose="02020603050405020304" pitchFamily="18" charset="0"/>
-                <a:cs typeface="Times New Roman" panose="02020603050405020304" pitchFamily="18" charset="0"/>
-              </a:rPr>
-              <a:t>. 	</a:t>
+              <a:rPr lang="pt-BR" sz="2400" b="1" dirty="0">
+                <a:solidFill>
+                  <a:schemeClr val="tx1"/>
+                </a:solidFill>
+                <a:latin typeface="Times New Roman" panose="02020603050405020304" pitchFamily="18" charset="0"/>
+                <a:cs typeface="Times New Roman" panose="02020603050405020304" pitchFamily="18" charset="0"/>
+              </a:rPr>
+              <a:t>Por:</a:t>
             </a:r>
           </a:p>
           <a:p>
             <a:pPr marL="0" indent="0" algn="just">
               <a:buNone/>
             </a:pPr>
-            <a:r>
-              <a:rPr lang="pt-BR" sz="2000" b="1" dirty="0">
-                <a:latin typeface="Times New Roman" panose="02020603050405020304" pitchFamily="18" charset="0"/>
-                <a:cs typeface="Times New Roman" panose="02020603050405020304" pitchFamily="18" charset="0"/>
-              </a:rPr>
-              <a:t>	Disponível em</a:t>
-            </a:r>
-            <a:r>
-              <a:rPr lang="pt-BR" sz="2000" dirty="0">
-                <a:latin typeface="Times New Roman" panose="02020603050405020304" pitchFamily="18" charset="0"/>
-                <a:cs typeface="Times New Roman" panose="02020603050405020304" pitchFamily="18" charset="0"/>
-              </a:rPr>
-              <a:t>: </a:t>
-            </a:r>
-            <a:r>
-              <a:rPr lang="pt-BR" sz="2000" dirty="0">
-                <a:latin typeface="Times New Roman" panose="02020603050405020304" pitchFamily="18" charset="0"/>
-                <a:cs typeface="Times New Roman" panose="02020603050405020304" pitchFamily="18" charset="0"/>
-                <a:hlinkClick r:id="rId3"/>
-              </a:rPr>
-              <a:t>https://www.devmedia.com.br/javascript/</a:t>
-            </a:r>
-            <a:endParaRPr lang="pt-BR" sz="2000" dirty="0">
+            <a:endParaRPr lang="pt-BR" sz="2400" b="1" dirty="0">
+              <a:solidFill>
+                <a:schemeClr val="tx1"/>
+              </a:solidFill>
               <a:latin typeface="Times New Roman" panose="02020603050405020304" pitchFamily="18" charset="0"/>
               <a:cs typeface="Times New Roman" panose="02020603050405020304" pitchFamily="18" charset="0"/>
             </a:endParaRPr>
           </a:p>
           <a:p>
-            <a:pPr marL="0" indent="0" algn="just">
-              <a:buNone/>
+            <a:pPr algn="just">
+              <a:buFont typeface="Wingdings" panose="05000000000000000000" pitchFamily="2" charset="2"/>
+              <a:buChar char="ü"/>
+            </a:pPr>
+            <a:r>
+              <a:rPr lang="pt-BR" sz="2400" b="1" dirty="0" err="1">
+                <a:solidFill>
+                  <a:srgbClr val="FF0000"/>
+                </a:solidFill>
+                <a:latin typeface="Times New Roman" panose="02020603050405020304" pitchFamily="18" charset="0"/>
+                <a:cs typeface="Times New Roman" panose="02020603050405020304" pitchFamily="18" charset="0"/>
+              </a:rPr>
+              <a:t>Tag</a:t>
+            </a:r>
+            <a:r>
+              <a:rPr lang="pt-BR" sz="2400" b="1" dirty="0">
+                <a:solidFill>
+                  <a:schemeClr val="tx1"/>
+                </a:solidFill>
+                <a:latin typeface="Times New Roman" panose="02020603050405020304" pitchFamily="18" charset="0"/>
+                <a:cs typeface="Times New Roman" panose="02020603050405020304" pitchFamily="18" charset="0"/>
+              </a:rPr>
+              <a:t> = </a:t>
+            </a:r>
+            <a:r>
+              <a:rPr lang="pt-BR" sz="2400" dirty="0" err="1">
+                <a:solidFill>
+                  <a:schemeClr val="tx1"/>
+                </a:solidFill>
+                <a:latin typeface="Times New Roman" panose="02020603050405020304" pitchFamily="18" charset="0"/>
+                <a:cs typeface="Times New Roman" panose="02020603050405020304" pitchFamily="18" charset="0"/>
+              </a:rPr>
+              <a:t>document.</a:t>
+            </a:r>
+            <a:r>
+              <a:rPr lang="pt-BR" sz="2400" b="1" dirty="0" err="1">
+                <a:solidFill>
+                  <a:schemeClr val="tx1"/>
+                </a:solidFill>
+                <a:latin typeface="Times New Roman" panose="02020603050405020304" pitchFamily="18" charset="0"/>
+                <a:cs typeface="Times New Roman" panose="02020603050405020304" pitchFamily="18" charset="0"/>
+              </a:rPr>
+              <a:t>getElementsByTagName</a:t>
+            </a:r>
+            <a:r>
+              <a:rPr lang="pt-BR" sz="2400" dirty="0">
+                <a:solidFill>
+                  <a:schemeClr val="tx1"/>
+                </a:solidFill>
+                <a:latin typeface="Times New Roman" panose="02020603050405020304" pitchFamily="18" charset="0"/>
+                <a:cs typeface="Times New Roman" panose="02020603050405020304" pitchFamily="18" charset="0"/>
+              </a:rPr>
+              <a:t>(</a:t>
+            </a:r>
+            <a:r>
+              <a:rPr lang="pt-BR" sz="2400" dirty="0" err="1">
+                <a:solidFill>
+                  <a:schemeClr val="tx1"/>
+                </a:solidFill>
+                <a:latin typeface="Times New Roman" panose="02020603050405020304" pitchFamily="18" charset="0"/>
+                <a:cs typeface="Times New Roman" panose="02020603050405020304" pitchFamily="18" charset="0"/>
+              </a:rPr>
+              <a:t>tag</a:t>
+            </a:r>
+            <a:r>
+              <a:rPr lang="pt-BR" sz="2400" dirty="0">
+                <a:solidFill>
+                  <a:schemeClr val="tx1"/>
+                </a:solidFill>
+                <a:latin typeface="Times New Roman" panose="02020603050405020304" pitchFamily="18" charset="0"/>
+                <a:cs typeface="Times New Roman" panose="02020603050405020304" pitchFamily="18" charset="0"/>
+              </a:rPr>
+              <a:t>)</a:t>
+            </a:r>
+          </a:p>
+          <a:p>
+            <a:pPr algn="just">
+              <a:buFont typeface="Wingdings" panose="05000000000000000000" pitchFamily="2" charset="2"/>
+              <a:buChar char="ü"/>
+            </a:pPr>
+            <a:r>
+              <a:rPr lang="pt-BR" sz="2400" b="1" dirty="0">
+                <a:solidFill>
+                  <a:srgbClr val="FF0000"/>
+                </a:solidFill>
+                <a:latin typeface="Times New Roman" panose="02020603050405020304" pitchFamily="18" charset="0"/>
+                <a:cs typeface="Times New Roman" panose="02020603050405020304" pitchFamily="18" charset="0"/>
+              </a:rPr>
+              <a:t>Id</a:t>
+            </a:r>
+            <a:r>
+              <a:rPr lang="pt-BR" sz="2400" b="1" dirty="0">
+                <a:solidFill>
+                  <a:schemeClr val="tx1"/>
+                </a:solidFill>
+                <a:latin typeface="Times New Roman" panose="02020603050405020304" pitchFamily="18" charset="0"/>
+                <a:cs typeface="Times New Roman" panose="02020603050405020304" pitchFamily="18" charset="0"/>
+              </a:rPr>
+              <a:t> = </a:t>
+            </a:r>
+            <a:r>
+              <a:rPr lang="pt-BR" sz="2400" dirty="0" err="1">
+                <a:solidFill>
+                  <a:schemeClr val="tx1"/>
+                </a:solidFill>
+                <a:latin typeface="Times New Roman" panose="02020603050405020304" pitchFamily="18" charset="0"/>
+                <a:cs typeface="Times New Roman" panose="02020603050405020304" pitchFamily="18" charset="0"/>
+              </a:rPr>
+              <a:t>document.</a:t>
+            </a:r>
+            <a:r>
+              <a:rPr lang="pt-BR" sz="2400" b="1" dirty="0" err="1">
+                <a:solidFill>
+                  <a:schemeClr val="tx1"/>
+                </a:solidFill>
+                <a:latin typeface="Times New Roman" panose="02020603050405020304" pitchFamily="18" charset="0"/>
+                <a:cs typeface="Times New Roman" panose="02020603050405020304" pitchFamily="18" charset="0"/>
+              </a:rPr>
+              <a:t>getElementById</a:t>
+            </a:r>
+            <a:r>
+              <a:rPr lang="pt-BR" sz="2400" dirty="0">
+                <a:solidFill>
+                  <a:schemeClr val="tx1"/>
+                </a:solidFill>
+                <a:latin typeface="Times New Roman" panose="02020603050405020304" pitchFamily="18" charset="0"/>
+                <a:cs typeface="Times New Roman" panose="02020603050405020304" pitchFamily="18" charset="0"/>
+              </a:rPr>
+              <a:t>(Id)</a:t>
+            </a:r>
+          </a:p>
+          <a:p>
+            <a:pPr algn="just">
+              <a:buFont typeface="Wingdings" panose="05000000000000000000" pitchFamily="2" charset="2"/>
+              <a:buChar char="ü"/>
+            </a:pPr>
+            <a:r>
+              <a:rPr lang="pt-BR" sz="2400" b="1" dirty="0" err="1">
+                <a:solidFill>
+                  <a:srgbClr val="FF0000"/>
+                </a:solidFill>
+                <a:latin typeface="Times New Roman" panose="02020603050405020304" pitchFamily="18" charset="0"/>
+                <a:cs typeface="Times New Roman" panose="02020603050405020304" pitchFamily="18" charset="0"/>
+              </a:rPr>
+              <a:t>Name</a:t>
+            </a:r>
+            <a:r>
+              <a:rPr lang="pt-BR" sz="2400" b="1" dirty="0">
+                <a:solidFill>
+                  <a:schemeClr val="tx1"/>
+                </a:solidFill>
+                <a:latin typeface="Times New Roman" panose="02020603050405020304" pitchFamily="18" charset="0"/>
+                <a:cs typeface="Times New Roman" panose="02020603050405020304" pitchFamily="18" charset="0"/>
+              </a:rPr>
+              <a:t> = </a:t>
+            </a:r>
+            <a:r>
+              <a:rPr lang="pt-BR" sz="2400" dirty="0" err="1">
+                <a:solidFill>
+                  <a:schemeClr val="tx1"/>
+                </a:solidFill>
+                <a:latin typeface="Times New Roman" panose="02020603050405020304" pitchFamily="18" charset="0"/>
+                <a:cs typeface="Times New Roman" panose="02020603050405020304" pitchFamily="18" charset="0"/>
+              </a:rPr>
+              <a:t>document.</a:t>
+            </a:r>
+            <a:r>
+              <a:rPr lang="pt-BR" sz="2400" b="1" dirty="0" err="1">
+                <a:solidFill>
+                  <a:schemeClr val="tx1"/>
+                </a:solidFill>
+                <a:latin typeface="Times New Roman" panose="02020603050405020304" pitchFamily="18" charset="0"/>
+                <a:cs typeface="Times New Roman" panose="02020603050405020304" pitchFamily="18" charset="0"/>
+              </a:rPr>
+              <a:t>getElementsByName</a:t>
+            </a:r>
+            <a:r>
+              <a:rPr lang="pt-BR" sz="2400" dirty="0">
+                <a:solidFill>
+                  <a:schemeClr val="tx1"/>
+                </a:solidFill>
+                <a:latin typeface="Times New Roman" panose="02020603050405020304" pitchFamily="18" charset="0"/>
+                <a:cs typeface="Times New Roman" panose="02020603050405020304" pitchFamily="18" charset="0"/>
+              </a:rPr>
+              <a:t>(</a:t>
+            </a:r>
+            <a:r>
+              <a:rPr lang="pt-BR" sz="2400" dirty="0" err="1">
+                <a:solidFill>
+                  <a:schemeClr val="tx1"/>
+                </a:solidFill>
+                <a:latin typeface="Times New Roman" panose="02020603050405020304" pitchFamily="18" charset="0"/>
+                <a:cs typeface="Times New Roman" panose="02020603050405020304" pitchFamily="18" charset="0"/>
+              </a:rPr>
+              <a:t>name</a:t>
+            </a:r>
+            <a:r>
+              <a:rPr lang="pt-BR" sz="2400" dirty="0">
+                <a:solidFill>
+                  <a:schemeClr val="tx1"/>
+                </a:solidFill>
+                <a:latin typeface="Times New Roman" panose="02020603050405020304" pitchFamily="18" charset="0"/>
+                <a:cs typeface="Times New Roman" panose="02020603050405020304" pitchFamily="18" charset="0"/>
+              </a:rPr>
+              <a:t>)</a:t>
+            </a:r>
+          </a:p>
+          <a:p>
+            <a:pPr algn="just">
+              <a:buFont typeface="Wingdings" panose="05000000000000000000" pitchFamily="2" charset="2"/>
+              <a:buChar char="ü"/>
+            </a:pPr>
+            <a:r>
+              <a:rPr lang="pt-BR" sz="2400" b="1" dirty="0" err="1">
+                <a:solidFill>
+                  <a:srgbClr val="FF0000"/>
+                </a:solidFill>
+                <a:latin typeface="Times New Roman" panose="02020603050405020304" pitchFamily="18" charset="0"/>
+                <a:cs typeface="Times New Roman" panose="02020603050405020304" pitchFamily="18" charset="0"/>
+              </a:rPr>
+              <a:t>Class</a:t>
+            </a:r>
+            <a:r>
+              <a:rPr lang="pt-BR" sz="2400" b="1" dirty="0">
+                <a:solidFill>
+                  <a:schemeClr val="tx1"/>
+                </a:solidFill>
+                <a:latin typeface="Times New Roman" panose="02020603050405020304" pitchFamily="18" charset="0"/>
+                <a:cs typeface="Times New Roman" panose="02020603050405020304" pitchFamily="18" charset="0"/>
+              </a:rPr>
+              <a:t> = </a:t>
+            </a:r>
+            <a:r>
+              <a:rPr lang="pt-BR" sz="2400" dirty="0" err="1">
+                <a:solidFill>
+                  <a:schemeClr val="tx1"/>
+                </a:solidFill>
+                <a:latin typeface="Times New Roman" panose="02020603050405020304" pitchFamily="18" charset="0"/>
+                <a:cs typeface="Times New Roman" panose="02020603050405020304" pitchFamily="18" charset="0"/>
+              </a:rPr>
+              <a:t>document.</a:t>
+            </a:r>
+            <a:r>
+              <a:rPr lang="pt-BR" sz="2400" b="1" dirty="0" err="1">
+                <a:solidFill>
+                  <a:schemeClr val="tx1"/>
+                </a:solidFill>
+                <a:latin typeface="Times New Roman" panose="02020603050405020304" pitchFamily="18" charset="0"/>
+                <a:cs typeface="Times New Roman" panose="02020603050405020304" pitchFamily="18" charset="0"/>
+              </a:rPr>
+              <a:t>getElementsByClassName</a:t>
+            </a:r>
+            <a:r>
+              <a:rPr lang="pt-BR" sz="2400" dirty="0">
+                <a:solidFill>
+                  <a:schemeClr val="tx1"/>
+                </a:solidFill>
+                <a:latin typeface="Times New Roman" panose="02020603050405020304" pitchFamily="18" charset="0"/>
+                <a:cs typeface="Times New Roman" panose="02020603050405020304" pitchFamily="18" charset="0"/>
+              </a:rPr>
+              <a:t>(</a:t>
+            </a:r>
+            <a:r>
+              <a:rPr lang="pt-BR" sz="2400" dirty="0" err="1">
+                <a:solidFill>
+                  <a:schemeClr val="tx1"/>
+                </a:solidFill>
+                <a:latin typeface="Times New Roman" panose="02020603050405020304" pitchFamily="18" charset="0"/>
+                <a:cs typeface="Times New Roman" panose="02020603050405020304" pitchFamily="18" charset="0"/>
+              </a:rPr>
+              <a:t>class</a:t>
+            </a:r>
+            <a:r>
+              <a:rPr lang="pt-BR" sz="2400" dirty="0">
+                <a:solidFill>
+                  <a:schemeClr val="tx1"/>
+                </a:solidFill>
+                <a:latin typeface="Times New Roman" panose="02020603050405020304" pitchFamily="18" charset="0"/>
+                <a:cs typeface="Times New Roman" panose="02020603050405020304" pitchFamily="18" charset="0"/>
+              </a:rPr>
+              <a:t>)</a:t>
+            </a:r>
+          </a:p>
+          <a:p>
+            <a:pPr algn="just">
+              <a:buFont typeface="Wingdings" panose="05000000000000000000" pitchFamily="2" charset="2"/>
+              <a:buChar char="ü"/>
+            </a:pPr>
+            <a:r>
+              <a:rPr lang="pt-BR" sz="2400" b="1" dirty="0">
+                <a:solidFill>
+                  <a:srgbClr val="FF0000"/>
+                </a:solidFill>
+                <a:latin typeface="Times New Roman" panose="02020603050405020304" pitchFamily="18" charset="0"/>
+                <a:cs typeface="Times New Roman" panose="02020603050405020304" pitchFamily="18" charset="0"/>
+              </a:rPr>
+              <a:t>Seletor</a:t>
+            </a:r>
+            <a:r>
+              <a:rPr lang="pt-BR" sz="2400" b="1" dirty="0">
+                <a:solidFill>
+                  <a:schemeClr val="tx1"/>
+                </a:solidFill>
+                <a:latin typeface="Times New Roman" panose="02020603050405020304" pitchFamily="18" charset="0"/>
+                <a:cs typeface="Times New Roman" panose="02020603050405020304" pitchFamily="18" charset="0"/>
+              </a:rPr>
+              <a:t> = </a:t>
+            </a:r>
+            <a:r>
+              <a:rPr lang="pt-BR" sz="2400" dirty="0" err="1">
+                <a:solidFill>
+                  <a:schemeClr val="tx1"/>
+                </a:solidFill>
+                <a:latin typeface="Times New Roman" panose="02020603050405020304" pitchFamily="18" charset="0"/>
+                <a:cs typeface="Times New Roman" panose="02020603050405020304" pitchFamily="18" charset="0"/>
+              </a:rPr>
+              <a:t>document.</a:t>
+            </a:r>
+            <a:r>
+              <a:rPr lang="pt-BR" sz="2400" b="1" dirty="0" err="1">
+                <a:solidFill>
+                  <a:schemeClr val="tx1"/>
+                </a:solidFill>
+                <a:latin typeface="Times New Roman" panose="02020603050405020304" pitchFamily="18" charset="0"/>
+                <a:cs typeface="Times New Roman" panose="02020603050405020304" pitchFamily="18" charset="0"/>
+              </a:rPr>
+              <a:t>querySelector</a:t>
+            </a:r>
+            <a:r>
+              <a:rPr lang="pt-BR" sz="2400" dirty="0">
+                <a:solidFill>
+                  <a:schemeClr val="tx1"/>
+                </a:solidFill>
+                <a:latin typeface="Times New Roman" panose="02020603050405020304" pitchFamily="18" charset="0"/>
+                <a:cs typeface="Times New Roman" panose="02020603050405020304" pitchFamily="18" charset="0"/>
+              </a:rPr>
+              <a:t>(</a:t>
+            </a:r>
+            <a:r>
+              <a:rPr lang="pt-BR" sz="2400" dirty="0" err="1">
+                <a:solidFill>
+                  <a:schemeClr val="tx1"/>
+                </a:solidFill>
+                <a:latin typeface="Times New Roman" panose="02020603050405020304" pitchFamily="18" charset="0"/>
+                <a:cs typeface="Times New Roman" panose="02020603050405020304" pitchFamily="18" charset="0"/>
+              </a:rPr>
+              <a:t>tag#Id</a:t>
+            </a:r>
+            <a:r>
+              <a:rPr lang="pt-BR" sz="2400" dirty="0">
+                <a:solidFill>
+                  <a:schemeClr val="tx1"/>
+                </a:solidFill>
+                <a:latin typeface="Times New Roman" panose="02020603050405020304" pitchFamily="18" charset="0"/>
+                <a:cs typeface="Times New Roman" panose="02020603050405020304" pitchFamily="18" charset="0"/>
+              </a:rPr>
+              <a:t>) ou </a:t>
+            </a:r>
+          </a:p>
+          <a:p>
+            <a:pPr marL="0" lvl="3" indent="0" algn="just">
+              <a:buNone/>
+            </a:pPr>
+            <a:r>
+              <a:rPr lang="pt-BR" sz="2400" b="1" dirty="0">
+                <a:solidFill>
+                  <a:schemeClr val="tx1"/>
+                </a:solidFill>
+                <a:latin typeface="Times New Roman" panose="02020603050405020304" pitchFamily="18" charset="0"/>
+                <a:cs typeface="Times New Roman" panose="02020603050405020304" pitchFamily="18" charset="0"/>
+              </a:rPr>
+              <a:t>			   </a:t>
+            </a:r>
+            <a:r>
+              <a:rPr lang="pt-BR" sz="2400" dirty="0" err="1">
+                <a:solidFill>
+                  <a:schemeClr val="tx1"/>
+                </a:solidFill>
+                <a:latin typeface="Times New Roman" panose="02020603050405020304" pitchFamily="18" charset="0"/>
+                <a:cs typeface="Times New Roman" panose="02020603050405020304" pitchFamily="18" charset="0"/>
+              </a:rPr>
+              <a:t>document.</a:t>
+            </a:r>
+            <a:r>
+              <a:rPr lang="pt-BR" sz="2400" b="1" dirty="0" err="1">
+                <a:solidFill>
+                  <a:schemeClr val="tx1"/>
+                </a:solidFill>
+                <a:latin typeface="Times New Roman" panose="02020603050405020304" pitchFamily="18" charset="0"/>
+                <a:cs typeface="Times New Roman" panose="02020603050405020304" pitchFamily="18" charset="0"/>
+              </a:rPr>
+              <a:t>querySelector</a:t>
+            </a:r>
+            <a:r>
+              <a:rPr lang="pt-BR" sz="2400" dirty="0">
+                <a:solidFill>
+                  <a:schemeClr val="tx1"/>
+                </a:solidFill>
+                <a:latin typeface="Times New Roman" panose="02020603050405020304" pitchFamily="18" charset="0"/>
+                <a:cs typeface="Times New Roman" panose="02020603050405020304" pitchFamily="18" charset="0"/>
+              </a:rPr>
+              <a:t>(</a:t>
+            </a:r>
+            <a:r>
+              <a:rPr lang="pt-BR" sz="2400" dirty="0" err="1">
+                <a:solidFill>
+                  <a:schemeClr val="tx1"/>
+                </a:solidFill>
+                <a:latin typeface="Times New Roman" panose="02020603050405020304" pitchFamily="18" charset="0"/>
+                <a:cs typeface="Times New Roman" panose="02020603050405020304" pitchFamily="18" charset="0"/>
+              </a:rPr>
+              <a:t>tag.Class</a:t>
+            </a:r>
+            <a:r>
+              <a:rPr lang="pt-BR" sz="2400" dirty="0">
+                <a:solidFill>
+                  <a:schemeClr val="tx1"/>
+                </a:solidFill>
+                <a:latin typeface="Times New Roman" panose="02020603050405020304" pitchFamily="18" charset="0"/>
+                <a:cs typeface="Times New Roman" panose="02020603050405020304" pitchFamily="18" charset="0"/>
+              </a:rPr>
+              <a:t>)</a:t>
+            </a:r>
+          </a:p>
+          <a:p>
+            <a:pPr algn="just">
+              <a:buFont typeface="Wingdings" panose="05000000000000000000" pitchFamily="2" charset="2"/>
+              <a:buChar char="ü"/>
             </a:pPr>
             <a:endParaRPr lang="pt-BR" sz="2000" dirty="0">
+              <a:solidFill>
+                <a:schemeClr val="tx1"/>
+              </a:solidFill>
               <a:latin typeface="Times New Roman" panose="02020603050405020304" pitchFamily="18" charset="0"/>
               <a:cs typeface="Times New Roman" panose="02020603050405020304" pitchFamily="18" charset="0"/>
             </a:endParaRPr>
@@ -6598,83 +7175,10 @@
             <a:pPr marL="0" indent="0" algn="just">
               <a:buNone/>
             </a:pPr>
-            <a:r>
-              <a:rPr lang="pt-BR" sz="2000" dirty="0">
-                <a:latin typeface="Times New Roman" panose="02020603050405020304" pitchFamily="18" charset="0"/>
-                <a:cs typeface="Times New Roman" panose="02020603050405020304" pitchFamily="18" charset="0"/>
-              </a:rPr>
-              <a:t>[2] </a:t>
-            </a:r>
-            <a:r>
-              <a:rPr lang="pt-BR" sz="2000" b="1" dirty="0">
-                <a:latin typeface="Times New Roman" panose="02020603050405020304" pitchFamily="18" charset="0"/>
-                <a:cs typeface="Times New Roman" panose="02020603050405020304" pitchFamily="18" charset="0"/>
-              </a:rPr>
-              <a:t>COSTA, </a:t>
-            </a:r>
-            <a:r>
-              <a:rPr lang="pt-BR" sz="2000" dirty="0">
-                <a:latin typeface="Times New Roman" panose="02020603050405020304" pitchFamily="18" charset="0"/>
-                <a:cs typeface="Times New Roman" panose="02020603050405020304" pitchFamily="18" charset="0"/>
-              </a:rPr>
-              <a:t>Jean Carlos Borba Guimarães da. A Linguagem </a:t>
-            </a:r>
-            <a:r>
-              <a:rPr lang="pt-BR" sz="2000" dirty="0" err="1">
-                <a:latin typeface="Times New Roman" panose="02020603050405020304" pitchFamily="18" charset="0"/>
-                <a:cs typeface="Times New Roman" panose="02020603050405020304" pitchFamily="18" charset="0"/>
-              </a:rPr>
-              <a:t>JavaScript</a:t>
-            </a:r>
-            <a:r>
-              <a:rPr lang="pt-BR" sz="2000" dirty="0">
-                <a:latin typeface="Times New Roman" panose="02020603050405020304" pitchFamily="18" charset="0"/>
-                <a:cs typeface="Times New Roman" panose="02020603050405020304" pitchFamily="18" charset="0"/>
-              </a:rPr>
-              <a:t> e seu Ecossistema. 2019. 	</a:t>
-            </a:r>
-          </a:p>
-          <a:p>
-            <a:pPr marL="0" indent="0" algn="just">
-              <a:buNone/>
-            </a:pPr>
-            <a:r>
-              <a:rPr lang="pt-BR" sz="2000" b="1" dirty="0">
-                <a:latin typeface="Times New Roman" panose="02020603050405020304" pitchFamily="18" charset="0"/>
-                <a:cs typeface="Times New Roman" panose="02020603050405020304" pitchFamily="18" charset="0"/>
-              </a:rPr>
-              <a:t>	Disponível em</a:t>
-            </a:r>
-            <a:r>
-              <a:rPr lang="pt-BR" sz="2000" dirty="0">
-                <a:latin typeface="Times New Roman" panose="02020603050405020304" pitchFamily="18" charset="0"/>
-                <a:cs typeface="Times New Roman" panose="02020603050405020304" pitchFamily="18" charset="0"/>
-              </a:rPr>
-              <a:t>: </a:t>
-            </a:r>
-          </a:p>
-          <a:p>
-            <a:pPr marL="0" indent="0" algn="just">
-              <a:buNone/>
-            </a:pPr>
-            <a:r>
-              <a:rPr lang="pt-BR" sz="2000" dirty="0">
-                <a:latin typeface="Times New Roman" panose="02020603050405020304" pitchFamily="18" charset="0"/>
-                <a:cs typeface="Times New Roman" panose="02020603050405020304" pitchFamily="18" charset="0"/>
-                <a:hlinkClick r:id="rId4"/>
-              </a:rPr>
-              <a:t>https://repositorio.uniube.br/bitstream/123456789/1546/1/A%20Linguagem%20JavaScript%20e%20seu%20Ecossistema%20.PDF</a:t>
-            </a:r>
-            <a:endParaRPr lang="pt-BR" sz="2000" dirty="0">
-              <a:latin typeface="Times New Roman" panose="02020603050405020304" pitchFamily="18" charset="0"/>
-              <a:cs typeface="Times New Roman" panose="02020603050405020304" pitchFamily="18" charset="0"/>
-            </a:endParaRPr>
-          </a:p>
-          <a:p>
-            <a:pPr marL="0" indent="0" algn="just">
-              <a:buNone/>
-            </a:pPr>
-            <a:endParaRPr lang="pt-BR" sz="2000" dirty="0">
+            <a:endParaRPr lang="pt-BR" sz="2400" dirty="0">
+              <a:solidFill>
+                <a:schemeClr val="tx1"/>
+              </a:solidFill>
               <a:latin typeface="Times New Roman" panose="02020603050405020304" pitchFamily="18" charset="0"/>
               <a:cs typeface="Times New Roman" panose="02020603050405020304" pitchFamily="18" charset="0"/>
             </a:endParaRPr>
@@ -6684,7 +7188,7 @@
     </p:spTree>
     <p:extLst>
       <p:ext uri="{BB962C8B-B14F-4D97-AF65-F5344CB8AC3E}">
-        <p14:creationId xmlns:p14="http://schemas.microsoft.com/office/powerpoint/2010/main" val="3680270425"/>
+        <p14:creationId xmlns:p14="http://schemas.microsoft.com/office/powerpoint/2010/main" val="3421983306"/>
       </p:ext>
     </p:extLst>
   </p:cSld>
@@ -6735,20 +7239,12 @@
           <a:lstStyle/>
           <a:p>
             <a:r>
-              <a:rPr lang="en-US" b="1" dirty="0" err="1">
+              <a:rPr lang="en-US" b="1" dirty="0">
                 <a:solidFill>
                   <a:srgbClr val="0070C0"/>
                 </a:solidFill>
               </a:rPr>
-              <a:t>Aprenda</a:t>
-            </a:r>
-            <a:r>
-              <a:rPr lang="en-US" b="1" dirty="0">
-                <a:solidFill>
-                  <a:srgbClr val="0070C0"/>
-                </a:solidFill>
-              </a:rPr>
-              <a:t>+</a:t>
+              <a:t>JS - DOM</a:t>
             </a:r>
           </a:p>
         </p:txBody>
@@ -6765,8 +7261,8 @@
         </p:nvSpPr>
         <p:spPr>
           <a:xfrm>
-            <a:off x="142865" y="1200151"/>
-            <a:ext cx="8865056" cy="3394472"/>
+            <a:off x="142865" y="1037312"/>
+            <a:ext cx="8865056" cy="3900208"/>
           </a:xfrm>
         </p:spPr>
         <p:txBody>
@@ -6778,7 +7274,215 @@
             <a:pPr marL="0" indent="0" algn="just">
               <a:buNone/>
             </a:pPr>
+            <a:r>
+              <a:rPr lang="pt-BR" sz="2400" b="1" dirty="0">
+                <a:solidFill>
+                  <a:schemeClr val="tx1"/>
+                </a:solidFill>
+                <a:latin typeface="Times New Roman" panose="02020603050405020304" pitchFamily="18" charset="0"/>
+                <a:cs typeface="Times New Roman" panose="02020603050405020304" pitchFamily="18" charset="0"/>
+              </a:rPr>
+              <a:t>- Métodos dos elementos:</a:t>
+            </a:r>
+          </a:p>
+          <a:p>
+            <a:pPr marL="0" indent="0" algn="just">
+              <a:buNone/>
+            </a:pPr>
+            <a:r>
+              <a:rPr lang="pt-BR" sz="2400" b="1" dirty="0">
+                <a:solidFill>
+                  <a:schemeClr val="tx1"/>
+                </a:solidFill>
+                <a:latin typeface="Times New Roman" panose="02020603050405020304" pitchFamily="18" charset="0"/>
+                <a:cs typeface="Times New Roman" panose="02020603050405020304" pitchFamily="18" charset="0"/>
+              </a:rPr>
+              <a:t>1. </a:t>
+            </a:r>
+            <a:r>
+              <a:rPr lang="pt-BR" sz="2400" b="1" dirty="0" err="1">
+                <a:solidFill>
+                  <a:schemeClr val="tx1"/>
+                </a:solidFill>
+                <a:latin typeface="Times New Roman" panose="02020603050405020304" pitchFamily="18" charset="0"/>
+                <a:cs typeface="Times New Roman" panose="02020603050405020304" pitchFamily="18" charset="0"/>
+              </a:rPr>
+              <a:t>innerText</a:t>
+            </a:r>
+            <a:r>
+              <a:rPr lang="pt-BR" sz="2400" b="1" dirty="0">
+                <a:solidFill>
+                  <a:schemeClr val="tx1"/>
+                </a:solidFill>
+                <a:latin typeface="Times New Roman" panose="02020603050405020304" pitchFamily="18" charset="0"/>
+                <a:cs typeface="Times New Roman" panose="02020603050405020304" pitchFamily="18" charset="0"/>
+              </a:rPr>
+              <a:t> = </a:t>
+            </a:r>
+            <a:r>
+              <a:rPr lang="pt-BR" sz="2400" dirty="0">
+                <a:solidFill>
+                  <a:schemeClr val="tx1"/>
+                </a:solidFill>
+                <a:latin typeface="Times New Roman" panose="02020603050405020304" pitchFamily="18" charset="0"/>
+                <a:cs typeface="Times New Roman" panose="02020603050405020304" pitchFamily="18" charset="0"/>
+              </a:rPr>
+              <a:t>Texto HTML da </a:t>
+            </a:r>
+            <a:r>
+              <a:rPr lang="pt-BR" sz="2400" dirty="0" err="1">
+                <a:solidFill>
+                  <a:schemeClr val="tx1"/>
+                </a:solidFill>
+                <a:latin typeface="Times New Roman" panose="02020603050405020304" pitchFamily="18" charset="0"/>
+                <a:cs typeface="Times New Roman" panose="02020603050405020304" pitchFamily="18" charset="0"/>
+              </a:rPr>
+              <a:t>tag</a:t>
+            </a:r>
+            <a:r>
+              <a:rPr lang="pt-BR" sz="2400" dirty="0">
+                <a:solidFill>
+                  <a:schemeClr val="tx1"/>
+                </a:solidFill>
+                <a:latin typeface="Times New Roman" panose="02020603050405020304" pitchFamily="18" charset="0"/>
+                <a:cs typeface="Times New Roman" panose="02020603050405020304" pitchFamily="18" charset="0"/>
+              </a:rPr>
+              <a:t> </a:t>
+            </a:r>
+            <a:r>
+              <a:rPr lang="pt-BR" sz="2400" b="1" dirty="0">
+                <a:solidFill>
+                  <a:schemeClr val="tx1"/>
+                </a:solidFill>
+                <a:latin typeface="Times New Roman" panose="02020603050405020304" pitchFamily="18" charset="0"/>
+                <a:cs typeface="Times New Roman" panose="02020603050405020304" pitchFamily="18" charset="0"/>
+              </a:rPr>
+              <a:t>SEM</a:t>
+            </a:r>
+            <a:r>
+              <a:rPr lang="pt-BR" sz="2400" dirty="0">
+                <a:solidFill>
+                  <a:schemeClr val="tx1"/>
+                </a:solidFill>
+                <a:latin typeface="Times New Roman" panose="02020603050405020304" pitchFamily="18" charset="0"/>
+                <a:cs typeface="Times New Roman" panose="02020603050405020304" pitchFamily="18" charset="0"/>
+              </a:rPr>
+              <a:t> formatação;</a:t>
+            </a:r>
+          </a:p>
+          <a:p>
+            <a:pPr marL="0" indent="0" algn="just">
+              <a:buNone/>
+            </a:pPr>
+            <a:r>
+              <a:rPr lang="pt-BR" sz="2400" b="1" dirty="0">
+                <a:solidFill>
+                  <a:srgbClr val="FF0000"/>
+                </a:solidFill>
+                <a:latin typeface="Times New Roman" panose="02020603050405020304" pitchFamily="18" charset="0"/>
+                <a:cs typeface="Times New Roman" panose="02020603050405020304" pitchFamily="18" charset="0"/>
+              </a:rPr>
+              <a:t>2. </a:t>
+            </a:r>
+            <a:r>
+              <a:rPr lang="pt-BR" sz="2400" b="1" dirty="0" err="1">
+                <a:solidFill>
+                  <a:srgbClr val="FF0000"/>
+                </a:solidFill>
+                <a:latin typeface="Times New Roman" panose="02020603050405020304" pitchFamily="18" charset="0"/>
+                <a:cs typeface="Times New Roman" panose="02020603050405020304" pitchFamily="18" charset="0"/>
+              </a:rPr>
+              <a:t>innerHTML</a:t>
+            </a:r>
+            <a:r>
+              <a:rPr lang="pt-BR" sz="2400" b="1" dirty="0">
+                <a:solidFill>
+                  <a:schemeClr val="tx1"/>
+                </a:solidFill>
+                <a:latin typeface="Times New Roman" panose="02020603050405020304" pitchFamily="18" charset="0"/>
+                <a:cs typeface="Times New Roman" panose="02020603050405020304" pitchFamily="18" charset="0"/>
+              </a:rPr>
+              <a:t>= </a:t>
+            </a:r>
+            <a:r>
+              <a:rPr lang="pt-BR" sz="2400" dirty="0">
+                <a:solidFill>
+                  <a:schemeClr val="tx1"/>
+                </a:solidFill>
+                <a:latin typeface="Times New Roman" panose="02020603050405020304" pitchFamily="18" charset="0"/>
+                <a:cs typeface="Times New Roman" panose="02020603050405020304" pitchFamily="18" charset="0"/>
+              </a:rPr>
+              <a:t>Texto HTML da </a:t>
+            </a:r>
+            <a:r>
+              <a:rPr lang="pt-BR" sz="2400" dirty="0" err="1">
+                <a:solidFill>
+                  <a:schemeClr val="tx1"/>
+                </a:solidFill>
+                <a:latin typeface="Times New Roman" panose="02020603050405020304" pitchFamily="18" charset="0"/>
+                <a:cs typeface="Times New Roman" panose="02020603050405020304" pitchFamily="18" charset="0"/>
+              </a:rPr>
+              <a:t>tag</a:t>
+            </a:r>
+            <a:r>
+              <a:rPr lang="pt-BR" sz="2400" dirty="0">
+                <a:solidFill>
+                  <a:schemeClr val="tx1"/>
+                </a:solidFill>
+                <a:latin typeface="Times New Roman" panose="02020603050405020304" pitchFamily="18" charset="0"/>
+                <a:cs typeface="Times New Roman" panose="02020603050405020304" pitchFamily="18" charset="0"/>
+              </a:rPr>
+              <a:t> </a:t>
+            </a:r>
+            <a:r>
+              <a:rPr lang="pt-BR" sz="2400" b="1" dirty="0">
+                <a:solidFill>
+                  <a:schemeClr val="tx1"/>
+                </a:solidFill>
+                <a:latin typeface="Times New Roman" panose="02020603050405020304" pitchFamily="18" charset="0"/>
+                <a:cs typeface="Times New Roman" panose="02020603050405020304" pitchFamily="18" charset="0"/>
+              </a:rPr>
+              <a:t>COM</a:t>
+            </a:r>
+            <a:r>
+              <a:rPr lang="pt-BR" sz="2400" dirty="0">
+                <a:solidFill>
+                  <a:schemeClr val="tx1"/>
+                </a:solidFill>
+                <a:latin typeface="Times New Roman" panose="02020603050405020304" pitchFamily="18" charset="0"/>
+                <a:cs typeface="Times New Roman" panose="02020603050405020304" pitchFamily="18" charset="0"/>
+              </a:rPr>
+              <a:t> formatação + </a:t>
+            </a:r>
+            <a:r>
+              <a:rPr lang="pt-BR" sz="2400" b="1" dirty="0" err="1">
+                <a:solidFill>
+                  <a:schemeClr val="tx1"/>
+                </a:solidFill>
+                <a:latin typeface="Times New Roman" panose="02020603050405020304" pitchFamily="18" charset="0"/>
+                <a:cs typeface="Times New Roman" panose="02020603050405020304" pitchFamily="18" charset="0"/>
+              </a:rPr>
+              <a:t>Tags</a:t>
+            </a:r>
+            <a:r>
+              <a:rPr lang="pt-BR" sz="2400" dirty="0">
+                <a:solidFill>
+                  <a:schemeClr val="tx1"/>
+                </a:solidFill>
+                <a:latin typeface="Times New Roman" panose="02020603050405020304" pitchFamily="18" charset="0"/>
+                <a:cs typeface="Times New Roman" panose="02020603050405020304" pitchFamily="18" charset="0"/>
+              </a:rPr>
+              <a:t>;</a:t>
+            </a:r>
+          </a:p>
+          <a:p>
+            <a:pPr marL="0" indent="0" algn="just">
+              <a:buNone/>
+            </a:pPr>
             <a:endParaRPr lang="pt-BR" sz="2400" dirty="0">
+              <a:solidFill>
+                <a:schemeClr val="tx1"/>
+              </a:solidFill>
               <a:latin typeface="Times New Roman" panose="02020603050405020304" pitchFamily="18" charset="0"/>
               <a:cs typeface="Times New Roman" panose="02020603050405020304" pitchFamily="18" charset="0"/>
             </a:endParaRPr>
@@ -6788,97 +7492,97 @@
               <a:buNone/>
             </a:pPr>
             <a:r>
+              <a:rPr lang="pt-BR" sz="2400" b="1" dirty="0">
+                <a:solidFill>
+                  <a:schemeClr val="tx1"/>
+                </a:solidFill>
+                <a:latin typeface="Times New Roman" panose="02020603050405020304" pitchFamily="18" charset="0"/>
+                <a:cs typeface="Times New Roman" panose="02020603050405020304" pitchFamily="18" charset="0"/>
+              </a:rPr>
+              <a:t>Exemplo 1</a:t>
+            </a:r>
+            <a:r>
               <a:rPr lang="pt-BR" sz="2400" dirty="0">
-                <a:latin typeface="Times New Roman" panose="02020603050405020304" pitchFamily="18" charset="0"/>
-                <a:cs typeface="Times New Roman" panose="02020603050405020304" pitchFamily="18" charset="0"/>
-              </a:rPr>
-              <a:t>[1] </a:t>
-            </a:r>
-            <a:r>
-              <a:rPr lang="pt-BR" sz="2400" dirty="0">
-                <a:latin typeface="Times New Roman" panose="02020603050405020304" pitchFamily="18" charset="0"/>
-                <a:cs typeface="Times New Roman" panose="02020603050405020304" pitchFamily="18" charset="0"/>
-                <a:hlinkClick r:id="rId3"/>
-              </a:rPr>
-              <a:t>https://www.youtube.com/watch?v=W6NZfCO5SIk</a:t>
-            </a:r>
-            <a:r>
-              <a:rPr lang="pt-BR" sz="2400" dirty="0">
-                <a:latin typeface="Times New Roman" panose="02020603050405020304" pitchFamily="18" charset="0"/>
-                <a:cs typeface="Times New Roman" panose="02020603050405020304" pitchFamily="18" charset="0"/>
-              </a:rPr>
-              <a:t> (JS)</a:t>
+                <a:solidFill>
+                  <a:schemeClr val="tx1"/>
+                </a:solidFill>
+                <a:latin typeface="Times New Roman" panose="02020603050405020304" pitchFamily="18" charset="0"/>
+                <a:cs typeface="Times New Roman" panose="02020603050405020304" pitchFamily="18" charset="0"/>
+              </a:rPr>
+              <a:t>:</a:t>
             </a:r>
           </a:p>
           <a:p>
             <a:pPr marL="0" indent="0" algn="just">
               <a:buNone/>
             </a:pPr>
-            <a:endParaRPr lang="pt-BR" sz="2400" dirty="0">
-              <a:latin typeface="Times New Roman" panose="02020603050405020304" pitchFamily="18" charset="0"/>
-              <a:cs typeface="Times New Roman" panose="02020603050405020304" pitchFamily="18" charset="0"/>
-            </a:endParaRPr>
+            <a:r>
+              <a:rPr lang="pt-BR" sz="2000" dirty="0">
+                <a:solidFill>
+                  <a:schemeClr val="tx1"/>
+                </a:solidFill>
+                <a:latin typeface="Times New Roman" panose="02020603050405020304" pitchFamily="18" charset="0"/>
+                <a:cs typeface="Times New Roman" panose="02020603050405020304" pitchFamily="18" charset="0"/>
+              </a:rPr>
+              <a:t> &lt;script&gt;</a:t>
+            </a:r>
           </a:p>
           <a:p>
             <a:pPr marL="0" indent="0" algn="just">
               <a:buNone/>
             </a:pPr>
-            <a:endParaRPr lang="pt-BR" sz="2400" dirty="0">
-              <a:latin typeface="Times New Roman" panose="02020603050405020304" pitchFamily="18" charset="0"/>
-              <a:cs typeface="Times New Roman" panose="02020603050405020304" pitchFamily="18" charset="0"/>
-            </a:endParaRPr>
+            <a:r>
+              <a:rPr lang="pt-BR" sz="2000" dirty="0">
+                <a:solidFill>
+                  <a:schemeClr val="tx1"/>
+                </a:solidFill>
+                <a:latin typeface="Times New Roman" panose="02020603050405020304" pitchFamily="18" charset="0"/>
+                <a:cs typeface="Times New Roman" panose="02020603050405020304" pitchFamily="18" charset="0"/>
+              </a:rPr>
+              <a:t>      </a:t>
+            </a:r>
+            <a:r>
+              <a:rPr lang="pt-BR" sz="2000" dirty="0" err="1">
+                <a:solidFill>
+                  <a:schemeClr val="tx1"/>
+                </a:solidFill>
+                <a:latin typeface="Times New Roman" panose="02020603050405020304" pitchFamily="18" charset="0"/>
+                <a:cs typeface="Times New Roman" panose="02020603050405020304" pitchFamily="18" charset="0"/>
+              </a:rPr>
+              <a:t>alert</a:t>
+            </a:r>
+            <a:r>
+              <a:rPr lang="pt-BR" sz="2000" dirty="0">
+                <a:solidFill>
+                  <a:schemeClr val="tx1"/>
+                </a:solidFill>
+                <a:latin typeface="Times New Roman" panose="02020603050405020304" pitchFamily="18" charset="0"/>
+                <a:cs typeface="Times New Roman" panose="02020603050405020304" pitchFamily="18" charset="0"/>
+              </a:rPr>
+              <a:t>(‘Olá, mundo!!!’)</a:t>
+            </a:r>
           </a:p>
           <a:p>
             <a:pPr marL="0" indent="0" algn="just">
               <a:buNone/>
             </a:pPr>
             <a:r>
-              <a:rPr lang="pt-BR" sz="2400" dirty="0">
-                <a:latin typeface="Times New Roman" panose="02020603050405020304" pitchFamily="18" charset="0"/>
-                <a:cs typeface="Times New Roman" panose="02020603050405020304" pitchFamily="18" charset="0"/>
-              </a:rPr>
-              <a:t>[2] </a:t>
-            </a:r>
-            <a:r>
-              <a:rPr lang="pt-BR" sz="2400" dirty="0">
-                <a:latin typeface="Times New Roman" panose="02020603050405020304" pitchFamily="18" charset="0"/>
-                <a:cs typeface="Times New Roman" panose="02020603050405020304" pitchFamily="18" charset="0"/>
-                <a:hlinkClick r:id="rId4"/>
-              </a:rPr>
-              <a:t>https://www.youtube.com/watch?v=gYZhIVCPlFY</a:t>
-            </a:r>
-            <a:r>
-              <a:rPr lang="pt-BR" sz="2400" dirty="0">
-                <a:latin typeface="Times New Roman" panose="02020603050405020304" pitchFamily="18" charset="0"/>
-                <a:cs typeface="Times New Roman" panose="02020603050405020304" pitchFamily="18" charset="0"/>
-              </a:rPr>
-              <a:t> (JS)</a:t>
-            </a:r>
-          </a:p>
-          <a:p>
-            <a:pPr marL="0" indent="0" algn="just">
-              <a:buNone/>
-            </a:pPr>
-            <a:endParaRPr lang="pt-BR" sz="2400" dirty="0">
-              <a:latin typeface="Times New Roman" panose="02020603050405020304" pitchFamily="18" charset="0"/>
-              <a:cs typeface="Times New Roman" panose="02020603050405020304" pitchFamily="18" charset="0"/>
-            </a:endParaRPr>
-          </a:p>
-          <a:p>
-            <a:pPr marL="0" indent="0" algn="just">
-              <a:buNone/>
-            </a:pPr>
-            <a:endParaRPr lang="pt-BR" sz="2400" dirty="0">
-              <a:latin typeface="Times New Roman" panose="02020603050405020304" pitchFamily="18" charset="0"/>
-              <a:cs typeface="Times New Roman" panose="02020603050405020304" pitchFamily="18" charset="0"/>
-            </a:endParaRPr>
+              <a:rPr lang="pt-BR" sz="2000" dirty="0">
+                <a:solidFill>
+                  <a:schemeClr val="tx1"/>
+                </a:solidFill>
+                <a:latin typeface="Times New Roman" panose="02020603050405020304" pitchFamily="18" charset="0"/>
+                <a:cs typeface="Times New Roman" panose="02020603050405020304" pitchFamily="18" charset="0"/>
+              </a:rPr>
+              <a:t>&lt;/script&gt;</a:t>
+            </a:r>
           </a:p>
         </p:txBody>
       </p:sp>
     </p:spTree>
     <p:extLst>
       <p:ext uri="{BB962C8B-B14F-4D97-AF65-F5344CB8AC3E}">
-        <p14:creationId xmlns:p14="http://schemas.microsoft.com/office/powerpoint/2010/main" val="2747596967"/>
+        <p14:creationId xmlns:p14="http://schemas.microsoft.com/office/powerpoint/2010/main" val="684642838"/>
       </p:ext>
     </p:extLst>
   </p:cSld>
@@ -6929,28 +7633,20 @@
           <a:lstStyle/>
           <a:p>
             <a:r>
+              <a:rPr lang="en-US" b="1" dirty="0">
+                <a:solidFill>
+                  <a:srgbClr val="0070C0"/>
+                </a:solidFill>
+              </a:rPr>
+              <a:t>JS – DOM </a:t>
+            </a:r>
+            <a:r>
               <a:rPr lang="en-US" b="1" dirty="0" err="1">
                 <a:solidFill>
                   <a:srgbClr val="0070C0"/>
                 </a:solidFill>
               </a:rPr>
-              <a:t>Dinâmica</a:t>
-            </a:r>
-            <a:r>
-              <a:rPr lang="en-US" b="1" dirty="0">
-                <a:solidFill>
-                  <a:srgbClr val="0070C0"/>
-                </a:solidFill>
-              </a:rPr>
-              <a:t>/</a:t>
-            </a:r>
-            <a:r>
-              <a:rPr lang="en-US" b="1" dirty="0" err="1">
-                <a:solidFill>
-                  <a:srgbClr val="0070C0"/>
-                </a:solidFill>
-              </a:rPr>
-              <a:t>Atividades</a:t>
+              <a:t>Exemplo</a:t>
             </a:r>
             <a:endParaRPr lang="en-US" b="1" dirty="0">
               <a:solidFill>
@@ -6972,8 +7668,8 @@
         </p:nvSpPr>
         <p:spPr>
           <a:xfrm>
-            <a:off x="139472" y="1063230"/>
-            <a:ext cx="8865056" cy="3606305"/>
+            <a:off x="142865" y="1037312"/>
+            <a:ext cx="8865056" cy="3900208"/>
           </a:xfrm>
         </p:spPr>
         <p:txBody>
@@ -6982,64 +7678,205 @@
           </a:bodyPr>
           <a:lstStyle/>
           <a:p>
-            <a:pPr algn="just">
-              <a:buFontTx/>
-              <a:buChar char="-"/>
+            <a:pPr marL="0" indent="0" algn="just">
+              <a:buNone/>
             </a:pPr>
             <a:r>
-              <a:rPr lang="pt-BR" dirty="0">
-                <a:latin typeface="Times New Roman" panose="02020603050405020304" pitchFamily="18" charset="0"/>
-                <a:cs typeface="Times New Roman" panose="02020603050405020304" pitchFamily="18" charset="0"/>
-              </a:rPr>
-              <a:t>Exercícios de Fixação </a:t>
-            </a:r>
-            <a:r>
-              <a:rPr lang="pt-BR" b="1" dirty="0">
-                <a:latin typeface="Times New Roman" panose="02020603050405020304" pitchFamily="18" charset="0"/>
-                <a:cs typeface="Times New Roman" panose="02020603050405020304" pitchFamily="18" charset="0"/>
-              </a:rPr>
-              <a:t>JS</a:t>
+              <a:rPr lang="pt-BR" sz="2400" b="1" dirty="0">
+                <a:solidFill>
+                  <a:schemeClr val="tx1"/>
+                </a:solidFill>
+                <a:latin typeface="Times New Roman" panose="02020603050405020304" pitchFamily="18" charset="0"/>
+                <a:cs typeface="Times New Roman" panose="02020603050405020304" pitchFamily="18" charset="0"/>
+              </a:rPr>
+              <a:t>Exemplo 2</a:t>
+            </a:r>
+            <a:r>
+              <a:rPr lang="pt-BR" sz="2400" dirty="0">
+                <a:solidFill>
+                  <a:schemeClr val="tx1"/>
+                </a:solidFill>
+                <a:latin typeface="Times New Roman" panose="02020603050405020304" pitchFamily="18" charset="0"/>
+                <a:cs typeface="Times New Roman" panose="02020603050405020304" pitchFamily="18" charset="0"/>
+              </a:rPr>
+              <a:t>:</a:t>
             </a:r>
           </a:p>
           <a:p>
             <a:pPr marL="0" indent="0" algn="just">
               <a:buNone/>
             </a:pPr>
-            <a:r>
-              <a:rPr lang="pt-BR" dirty="0">
-                <a:latin typeface="Times New Roman" panose="02020603050405020304" pitchFamily="18" charset="0"/>
-                <a:cs typeface="Times New Roman" panose="02020603050405020304" pitchFamily="18" charset="0"/>
-              </a:rPr>
-              <a:t>	</a:t>
-            </a:r>
-            <a:r>
-              <a:rPr lang="pt-BR" b="1" dirty="0">
+            <a:endParaRPr lang="pt-BR" sz="2000" dirty="0">
+              <a:solidFill>
+                <a:schemeClr val="tx1"/>
+              </a:solidFill>
+              <a:latin typeface="Times New Roman" panose="02020603050405020304" pitchFamily="18" charset="0"/>
+              <a:cs typeface="Times New Roman" panose="02020603050405020304" pitchFamily="18" charset="0"/>
+            </a:endParaRPr>
+          </a:p>
+          <a:p>
+            <a:pPr marL="0" indent="0" algn="just">
+              <a:buNone/>
+            </a:pPr>
+            <a:r>
+              <a:rPr lang="pt-BR" sz="2000" dirty="0">
+                <a:solidFill>
+                  <a:schemeClr val="tx1"/>
+                </a:solidFill>
+                <a:latin typeface="Times New Roman" panose="02020603050405020304" pitchFamily="18" charset="0"/>
+                <a:cs typeface="Times New Roman" panose="02020603050405020304" pitchFamily="18" charset="0"/>
+              </a:rPr>
+              <a:t> &lt;script&gt;</a:t>
+            </a:r>
+          </a:p>
+          <a:p>
+            <a:pPr marL="0" indent="0" algn="just">
+              <a:buNone/>
+            </a:pPr>
+            <a:r>
+              <a:rPr lang="pt-BR" sz="2000" dirty="0">
+                <a:solidFill>
+                  <a:schemeClr val="tx1"/>
+                </a:solidFill>
+                <a:latin typeface="Times New Roman" panose="02020603050405020304" pitchFamily="18" charset="0"/>
+                <a:cs typeface="Times New Roman" panose="02020603050405020304" pitchFamily="18" charset="0"/>
+              </a:rPr>
+              <a:t> 	</a:t>
+            </a:r>
+            <a:r>
+              <a:rPr lang="pt-BR" sz="2000" b="1" dirty="0" err="1">
                 <a:solidFill>
                   <a:srgbClr val="FF0000"/>
                 </a:solidFill>
                 <a:latin typeface="Times New Roman" panose="02020603050405020304" pitchFamily="18" charset="0"/>
                 <a:cs typeface="Times New Roman" panose="02020603050405020304" pitchFamily="18" charset="0"/>
               </a:rPr>
-              <a:t>Desafios em Sala de Aula</a:t>
-            </a:r>
-            <a:r>
-              <a:rPr lang="pt-BR" dirty="0">
+              <a:t>window</a:t>
+            </a:r>
+            <a:r>
+              <a:rPr lang="pt-BR" sz="2000" dirty="0" err="1">
+                <a:solidFill>
+                  <a:schemeClr val="tx1"/>
+                </a:solidFill>
                 <a:latin typeface="Times New Roman" panose="02020603050405020304" pitchFamily="18" charset="0"/>
                 <a:cs typeface="Times New Roman" panose="02020603050405020304" pitchFamily="18" charset="0"/>
               </a:rPr>
               <a:t>.</a:t>
             </a:r>
+            <a:r>
+              <a:rPr lang="pt-BR" sz="2000" b="1" dirty="0" err="1">
+                <a:solidFill>
+                  <a:schemeClr val="tx1"/>
+                </a:solidFill>
+                <a:latin typeface="Times New Roman" panose="02020603050405020304" pitchFamily="18" charset="0"/>
+                <a:cs typeface="Times New Roman" panose="02020603050405020304" pitchFamily="18" charset="0"/>
+              </a:rPr>
+              <a:t>document</a:t>
+            </a:r>
+            <a:r>
+              <a:rPr lang="pt-BR" sz="2000" dirty="0" err="1">
+                <a:solidFill>
+                  <a:schemeClr val="tx1"/>
+                </a:solidFill>
+                <a:latin typeface="Times New Roman" panose="02020603050405020304" pitchFamily="18" charset="0"/>
+                <a:cs typeface="Times New Roman" panose="02020603050405020304" pitchFamily="18" charset="0"/>
+              </a:rPr>
+              <a:t>.write</a:t>
+            </a:r>
+            <a:r>
+              <a:rPr lang="pt-BR" sz="2000" dirty="0">
+                <a:solidFill>
+                  <a:schemeClr val="tx1"/>
+                </a:solidFill>
+                <a:latin typeface="Times New Roman" panose="02020603050405020304" pitchFamily="18" charset="0"/>
+                <a:cs typeface="Times New Roman" panose="02020603050405020304" pitchFamily="18" charset="0"/>
+              </a:rPr>
+              <a:t>(window.document.URL);</a:t>
+            </a:r>
           </a:p>
           <a:p>
             <a:pPr marL="0" indent="0" algn="just">
               <a:buNone/>
             </a:pPr>
             <a:r>
-              <a:rPr lang="pt-BR" dirty="0">
-                <a:latin typeface="Times New Roman" panose="02020603050405020304" pitchFamily="18" charset="0"/>
-                <a:cs typeface="Times New Roman" panose="02020603050405020304" pitchFamily="18" charset="0"/>
-              </a:rPr>
-              <a:t>	</a:t>
+              <a:rPr lang="pt-BR" sz="2000" dirty="0">
+                <a:solidFill>
+                  <a:schemeClr val="tx1"/>
+                </a:solidFill>
+                <a:latin typeface="Times New Roman" panose="02020603050405020304" pitchFamily="18" charset="0"/>
+                <a:cs typeface="Times New Roman" panose="02020603050405020304" pitchFamily="18" charset="0"/>
+              </a:rPr>
+              <a:t> 	</a:t>
+            </a:r>
+            <a:r>
+              <a:rPr lang="pt-BR" sz="2000" b="1" dirty="0" err="1">
+                <a:solidFill>
+                  <a:srgbClr val="FF0000"/>
+                </a:solidFill>
+                <a:latin typeface="Times New Roman" panose="02020603050405020304" pitchFamily="18" charset="0"/>
+                <a:cs typeface="Times New Roman" panose="02020603050405020304" pitchFamily="18" charset="0"/>
+              </a:rPr>
+              <a:t>window</a:t>
+            </a:r>
+            <a:r>
+              <a:rPr lang="pt-BR" sz="2000" dirty="0" err="1">
+                <a:solidFill>
+                  <a:schemeClr val="tx1"/>
+                </a:solidFill>
+                <a:latin typeface="Times New Roman" panose="02020603050405020304" pitchFamily="18" charset="0"/>
+                <a:cs typeface="Times New Roman" panose="02020603050405020304" pitchFamily="18" charset="0"/>
+              </a:rPr>
+              <a:t>.</a:t>
+            </a:r>
+            <a:r>
+              <a:rPr lang="pt-BR" sz="2000" b="1" dirty="0" err="1">
+                <a:solidFill>
+                  <a:schemeClr val="tx1"/>
+                </a:solidFill>
+                <a:latin typeface="Times New Roman" panose="02020603050405020304" pitchFamily="18" charset="0"/>
+                <a:cs typeface="Times New Roman" panose="02020603050405020304" pitchFamily="18" charset="0"/>
+              </a:rPr>
+              <a:t>document</a:t>
+            </a:r>
+            <a:r>
+              <a:rPr lang="pt-BR" sz="2000" dirty="0" err="1">
+                <a:solidFill>
+                  <a:schemeClr val="tx1"/>
+                </a:solidFill>
+                <a:latin typeface="Times New Roman" panose="02020603050405020304" pitchFamily="18" charset="0"/>
+                <a:cs typeface="Times New Roman" panose="02020603050405020304" pitchFamily="18" charset="0"/>
+              </a:rPr>
+              <a:t>.write</a:t>
+            </a:r>
+            <a:r>
+              <a:rPr lang="pt-BR" sz="2000" dirty="0">
+                <a:solidFill>
+                  <a:schemeClr val="tx1"/>
+                </a:solidFill>
+                <a:latin typeface="Times New Roman" panose="02020603050405020304" pitchFamily="18" charset="0"/>
+                <a:cs typeface="Times New Roman" panose="02020603050405020304" pitchFamily="18" charset="0"/>
+              </a:rPr>
+              <a:t>(</a:t>
+            </a:r>
+            <a:r>
+              <a:rPr lang="pt-BR" sz="2000" dirty="0" err="1">
+                <a:solidFill>
+                  <a:schemeClr val="tx1"/>
+                </a:solidFill>
+                <a:latin typeface="Times New Roman" panose="02020603050405020304" pitchFamily="18" charset="0"/>
+                <a:cs typeface="Times New Roman" panose="02020603050405020304" pitchFamily="18" charset="0"/>
+              </a:rPr>
+              <a:t>window.document.charset</a:t>
+            </a:r>
+            <a:r>
+              <a:rPr lang="pt-BR" sz="2000" dirty="0">
+                <a:solidFill>
+                  <a:schemeClr val="tx1"/>
+                </a:solidFill>
+                <a:latin typeface="Times New Roman" panose="02020603050405020304" pitchFamily="18" charset="0"/>
+                <a:cs typeface="Times New Roman" panose="02020603050405020304" pitchFamily="18" charset="0"/>
+              </a:rPr>
+              <a:t>);</a:t>
             </a:r>
           </a:p>
           <a:p>
@@ -7047,27 +7884,168 @@
               <a:buNone/>
             </a:pPr>
             <a:r>
-              <a:rPr lang="es-ES" dirty="0">
-                <a:latin typeface="Times New Roman" panose="02020603050405020304" pitchFamily="18" charset="0"/>
-                <a:cs typeface="Times New Roman" panose="02020603050405020304" pitchFamily="18" charset="0"/>
-              </a:rPr>
-              <a:t>- Quiz JS</a:t>
+              <a:rPr lang="pt-BR" sz="2000" dirty="0">
+                <a:solidFill>
+                  <a:schemeClr val="tx1"/>
+                </a:solidFill>
+                <a:latin typeface="Times New Roman" panose="02020603050405020304" pitchFamily="18" charset="0"/>
+                <a:cs typeface="Times New Roman" panose="02020603050405020304" pitchFamily="18" charset="0"/>
+              </a:rPr>
+              <a:t> 	</a:t>
+            </a:r>
+            <a:r>
+              <a:rPr lang="pt-BR" sz="2000" b="1" dirty="0" err="1">
+                <a:solidFill>
+                  <a:srgbClr val="FF0000"/>
+                </a:solidFill>
+                <a:latin typeface="Times New Roman" panose="02020603050405020304" pitchFamily="18" charset="0"/>
+                <a:cs typeface="Times New Roman" panose="02020603050405020304" pitchFamily="18" charset="0"/>
+              </a:rPr>
+              <a:t>window</a:t>
+            </a:r>
+            <a:r>
+              <a:rPr lang="pt-BR" sz="2000" dirty="0" err="1">
+                <a:solidFill>
+                  <a:schemeClr val="tx1"/>
+                </a:solidFill>
+                <a:latin typeface="Times New Roman" panose="02020603050405020304" pitchFamily="18" charset="0"/>
+                <a:cs typeface="Times New Roman" panose="02020603050405020304" pitchFamily="18" charset="0"/>
+              </a:rPr>
+              <a:t>.</a:t>
+            </a:r>
+            <a:r>
+              <a:rPr lang="pt-BR" sz="2000" b="1" dirty="0" err="1">
+                <a:solidFill>
+                  <a:schemeClr val="tx1"/>
+                </a:solidFill>
+                <a:latin typeface="Times New Roman" panose="02020603050405020304" pitchFamily="18" charset="0"/>
+                <a:cs typeface="Times New Roman" panose="02020603050405020304" pitchFamily="18" charset="0"/>
+              </a:rPr>
+              <a:t>document</a:t>
+            </a:r>
+            <a:r>
+              <a:rPr lang="pt-BR" sz="2000" dirty="0" err="1">
+                <a:solidFill>
+                  <a:schemeClr val="tx1"/>
+                </a:solidFill>
+                <a:latin typeface="Times New Roman" panose="02020603050405020304" pitchFamily="18" charset="0"/>
+                <a:cs typeface="Times New Roman" panose="02020603050405020304" pitchFamily="18" charset="0"/>
+              </a:rPr>
+              <a:t>.write</a:t>
+            </a:r>
+            <a:r>
+              <a:rPr lang="pt-BR" sz="2000" dirty="0">
+                <a:solidFill>
+                  <a:schemeClr val="tx1"/>
+                </a:solidFill>
+                <a:latin typeface="Times New Roman" panose="02020603050405020304" pitchFamily="18" charset="0"/>
+                <a:cs typeface="Times New Roman" panose="02020603050405020304" pitchFamily="18" charset="0"/>
+              </a:rPr>
+              <a:t>(</a:t>
+            </a:r>
+            <a:r>
+              <a:rPr lang="pt-BR" sz="2000" dirty="0" err="1">
+                <a:solidFill>
+                  <a:schemeClr val="tx1"/>
+                </a:solidFill>
+                <a:latin typeface="Times New Roman" panose="02020603050405020304" pitchFamily="18" charset="0"/>
+                <a:cs typeface="Times New Roman" panose="02020603050405020304" pitchFamily="18" charset="0"/>
+              </a:rPr>
+              <a:t>window.navigator.appName</a:t>
+            </a:r>
+            <a:r>
+              <a:rPr lang="pt-BR" sz="2000" dirty="0">
+                <a:solidFill>
+                  <a:schemeClr val="tx1"/>
+                </a:solidFill>
+                <a:latin typeface="Times New Roman" panose="02020603050405020304" pitchFamily="18" charset="0"/>
+                <a:cs typeface="Times New Roman" panose="02020603050405020304" pitchFamily="18" charset="0"/>
+              </a:rPr>
+              <a:t>);</a:t>
             </a:r>
           </a:p>
           <a:p>
             <a:pPr marL="0" indent="0" algn="just">
               <a:buNone/>
             </a:pPr>
-            <a:r>
-              <a:rPr lang="es-ES" dirty="0">
-                <a:latin typeface="Times New Roman" panose="02020603050405020304" pitchFamily="18" charset="0"/>
-                <a:cs typeface="Times New Roman" panose="02020603050405020304" pitchFamily="18" charset="0"/>
-                <a:hlinkClick r:id="rId3"/>
-              </a:rPr>
-              <a:t>https://www.w3schools.com/js/js_quiz.asp</a:t>
-            </a:r>
-            <a:endParaRPr lang="pt-BR" dirty="0">
-              <a:latin typeface="Calibri" panose="020F0502020204030204" pitchFamily="34" charset="0"/>
+            <a:endParaRPr lang="pt-BR" sz="2000" dirty="0">
+              <a:solidFill>
+                <a:schemeClr val="tx1"/>
+              </a:solidFill>
+              <a:latin typeface="Times New Roman" panose="02020603050405020304" pitchFamily="18" charset="0"/>
+              <a:cs typeface="Times New Roman" panose="02020603050405020304" pitchFamily="18" charset="0"/>
+            </a:endParaRPr>
+          </a:p>
+          <a:p>
+            <a:pPr marL="0" indent="0" algn="just">
+              <a:buNone/>
+            </a:pPr>
+            <a:r>
+              <a:rPr lang="pt-BR" sz="2000" dirty="0">
+                <a:solidFill>
+                  <a:schemeClr val="tx1"/>
+                </a:solidFill>
+                <a:latin typeface="Times New Roman" panose="02020603050405020304" pitchFamily="18" charset="0"/>
+                <a:cs typeface="Times New Roman" panose="02020603050405020304" pitchFamily="18" charset="0"/>
+              </a:rPr>
+              <a:t> 	</a:t>
+            </a:r>
+            <a:r>
+              <a:rPr lang="pt-BR" sz="2000" b="1" dirty="0" err="1">
+                <a:solidFill>
+                  <a:schemeClr val="tx1"/>
+                </a:solidFill>
+                <a:latin typeface="Times New Roman" panose="02020603050405020304" pitchFamily="18" charset="0"/>
+                <a:cs typeface="Times New Roman" panose="02020603050405020304" pitchFamily="18" charset="0"/>
+              </a:rPr>
+              <a:t>document</a:t>
+            </a:r>
+            <a:r>
+              <a:rPr lang="pt-BR" sz="2000" dirty="0" err="1">
+                <a:solidFill>
+                  <a:schemeClr val="tx1"/>
+                </a:solidFill>
+                <a:latin typeface="Times New Roman" panose="02020603050405020304" pitchFamily="18" charset="0"/>
+                <a:cs typeface="Times New Roman" panose="02020603050405020304" pitchFamily="18" charset="0"/>
+              </a:rPr>
+              <a:t>.body.style.backgroud</a:t>
+            </a:r>
+            <a:r>
+              <a:rPr lang="pt-BR" sz="2000" dirty="0">
+                <a:solidFill>
+                  <a:schemeClr val="tx1"/>
+                </a:solidFill>
+                <a:latin typeface="Times New Roman" panose="02020603050405020304" pitchFamily="18" charset="0"/>
+                <a:cs typeface="Times New Roman" panose="02020603050405020304" pitchFamily="18" charset="0"/>
+              </a:rPr>
+              <a:t>= ‘blue’;</a:t>
+            </a:r>
+          </a:p>
+          <a:p>
+            <a:pPr marL="0" indent="0" algn="just">
+              <a:buNone/>
+            </a:pPr>
+            <a:r>
+              <a:rPr lang="pt-BR" sz="2000" dirty="0">
+                <a:solidFill>
+                  <a:schemeClr val="tx1"/>
+                </a:solidFill>
+                <a:latin typeface="Times New Roman" panose="02020603050405020304" pitchFamily="18" charset="0"/>
+                <a:cs typeface="Times New Roman" panose="02020603050405020304" pitchFamily="18" charset="0"/>
+              </a:rPr>
+              <a:t>&lt;/script&gt;</a:t>
+            </a:r>
+          </a:p>
+          <a:p>
+            <a:pPr marL="0" indent="0" algn="just">
+              <a:buNone/>
+            </a:pPr>
+            <a:endParaRPr lang="pt-BR" sz="2400" dirty="0">
+              <a:solidFill>
+                <a:schemeClr val="tx1"/>
+              </a:solidFill>
+              <a:latin typeface="Times New Roman" panose="02020603050405020304" pitchFamily="18" charset="0"/>
+              <a:cs typeface="Times New Roman" panose="02020603050405020304" pitchFamily="18" charset="0"/>
             </a:endParaRPr>
           </a:p>
         </p:txBody>
@@ -7075,7 +8053,7 @@
     </p:spTree>
     <p:extLst>
       <p:ext uri="{BB962C8B-B14F-4D97-AF65-F5344CB8AC3E}">
-        <p14:creationId xmlns:p14="http://schemas.microsoft.com/office/powerpoint/2010/main" val="2470652989"/>
+        <p14:creationId xmlns:p14="http://schemas.microsoft.com/office/powerpoint/2010/main" val="268444649"/>
       </p:ext>
     </p:extLst>
   </p:cSld>
@@ -7598,34 +8576,744 @@
           <a:lstStyle/>
           <a:p>
             <a:r>
+              <a:rPr lang="en-US" b="1" dirty="0">
+                <a:solidFill>
+                  <a:srgbClr val="0070C0"/>
+                </a:solidFill>
+              </a:rPr>
+              <a:t>JS – DOM </a:t>
+            </a:r>
+            <a:r>
               <a:rPr lang="en-US" b="1" dirty="0" err="1">
                 <a:solidFill>
                   <a:srgbClr val="0070C0"/>
                 </a:solidFill>
               </a:rPr>
-              <a:t>Referências</a:t>
-            </a:r>
-            <a:r>
-              <a:rPr lang="en-US" b="1" dirty="0">
-                <a:solidFill>
-                  <a:srgbClr val="0070C0"/>
-                </a:solidFill>
-              </a:rPr>
-              <a:t> </a:t>
-            </a:r>
-            <a:r>
-              <a:rPr lang="en-US" b="1" dirty="0" err="1">
-                <a:solidFill>
-                  <a:srgbClr val="0070C0"/>
-                </a:solidFill>
-              </a:rPr>
-              <a:t>Bibliográficas</a:t>
+              <a:t>Exemplo</a:t>
             </a:r>
             <a:endParaRPr lang="en-US" b="1" dirty="0">
               <a:solidFill>
                 <a:srgbClr val="0070C0"/>
               </a:solidFill>
             </a:endParaRPr>
+          </a:p>
+        </p:txBody>
+      </p:sp>
+      <p:sp>
+        <p:nvSpPr>
+          <p:cNvPr id="8" name="Text Placeholder 2"/>
+          <p:cNvSpPr>
+            <a:spLocks noGrp="1"/>
+          </p:cNvSpPr>
+          <p:nvPr>
+            <p:ph type="body" sz="half" idx="1"/>
+          </p:nvPr>
+        </p:nvSpPr>
+        <p:spPr>
+          <a:xfrm>
+            <a:off x="142865" y="1037312"/>
+            <a:ext cx="8865056" cy="3900208"/>
+          </a:xfrm>
+        </p:spPr>
+        <p:txBody>
+          <a:bodyPr>
+            <a:noAutofit/>
+          </a:bodyPr>
+          <a:lstStyle/>
+          <a:p>
+            <a:pPr marL="0" indent="0" algn="just">
+              <a:buNone/>
+            </a:pPr>
+            <a:r>
+              <a:rPr lang="pt-BR" sz="2400" b="1" dirty="0">
+                <a:solidFill>
+                  <a:schemeClr val="tx1"/>
+                </a:solidFill>
+                <a:latin typeface="Times New Roman" panose="02020603050405020304" pitchFamily="18" charset="0"/>
+                <a:cs typeface="Times New Roman" panose="02020603050405020304" pitchFamily="18" charset="0"/>
+              </a:rPr>
+              <a:t>Exemplo 3</a:t>
+            </a:r>
+            <a:r>
+              <a:rPr lang="pt-BR" sz="2400" dirty="0">
+                <a:solidFill>
+                  <a:schemeClr val="tx1"/>
+                </a:solidFill>
+                <a:latin typeface="Times New Roman" panose="02020603050405020304" pitchFamily="18" charset="0"/>
+                <a:cs typeface="Times New Roman" panose="02020603050405020304" pitchFamily="18" charset="0"/>
+              </a:rPr>
+              <a:t>:</a:t>
+            </a:r>
+          </a:p>
+          <a:p>
+            <a:pPr marL="0" indent="0" algn="just">
+              <a:buNone/>
+            </a:pPr>
+            <a:endParaRPr lang="pt-BR" sz="2000" dirty="0">
+              <a:solidFill>
+                <a:schemeClr val="tx1"/>
+              </a:solidFill>
+              <a:latin typeface="Times New Roman" panose="02020603050405020304" pitchFamily="18" charset="0"/>
+              <a:cs typeface="Times New Roman" panose="02020603050405020304" pitchFamily="18" charset="0"/>
+            </a:endParaRPr>
+          </a:p>
+          <a:p>
+            <a:pPr marL="0" indent="0" algn="just">
+              <a:buNone/>
+            </a:pPr>
+            <a:r>
+              <a:rPr lang="pt-BR" sz="2000" dirty="0">
+                <a:solidFill>
+                  <a:schemeClr val="tx1"/>
+                </a:solidFill>
+                <a:latin typeface="Times New Roman" panose="02020603050405020304" pitchFamily="18" charset="0"/>
+                <a:cs typeface="Times New Roman" panose="02020603050405020304" pitchFamily="18" charset="0"/>
+              </a:rPr>
+              <a:t> &lt;script&gt;</a:t>
+            </a:r>
+          </a:p>
+          <a:p>
+            <a:pPr marL="0" indent="0" algn="just">
+              <a:buNone/>
+            </a:pPr>
+            <a:r>
+              <a:rPr lang="pt-BR" sz="2000" dirty="0">
+                <a:solidFill>
+                  <a:schemeClr val="tx1"/>
+                </a:solidFill>
+                <a:latin typeface="Times New Roman" panose="02020603050405020304" pitchFamily="18" charset="0"/>
+                <a:cs typeface="Times New Roman" panose="02020603050405020304" pitchFamily="18" charset="0"/>
+              </a:rPr>
+              <a:t>	</a:t>
+            </a:r>
+            <a:r>
+              <a:rPr lang="pt-BR" sz="2000" b="1" dirty="0" err="1">
+                <a:solidFill>
+                  <a:schemeClr val="tx1"/>
+                </a:solidFill>
+                <a:latin typeface="Times New Roman" panose="02020603050405020304" pitchFamily="18" charset="0"/>
+                <a:cs typeface="Times New Roman" panose="02020603050405020304" pitchFamily="18" charset="0"/>
+              </a:rPr>
+              <a:t>alert</a:t>
+            </a:r>
+            <a:r>
+              <a:rPr lang="pt-BR" sz="2000" dirty="0">
+                <a:solidFill>
+                  <a:schemeClr val="tx1"/>
+                </a:solidFill>
+                <a:latin typeface="Times New Roman" panose="02020603050405020304" pitchFamily="18" charset="0"/>
+                <a:cs typeface="Times New Roman" panose="02020603050405020304" pitchFamily="18" charset="0"/>
+              </a:rPr>
+              <a:t>( </a:t>
+            </a:r>
+            <a:r>
+              <a:rPr lang="pt-BR" sz="2000" b="1" dirty="0" err="1">
+                <a:solidFill>
+                  <a:schemeClr val="tx1"/>
+                </a:solidFill>
+                <a:latin typeface="Times New Roman" panose="02020603050405020304" pitchFamily="18" charset="0"/>
+                <a:cs typeface="Times New Roman" panose="02020603050405020304" pitchFamily="18" charset="0"/>
+              </a:rPr>
+              <a:t>document</a:t>
+            </a:r>
+            <a:r>
+              <a:rPr lang="pt-BR" sz="2000" dirty="0" err="1">
+                <a:solidFill>
+                  <a:schemeClr val="tx1"/>
+                </a:solidFill>
+                <a:latin typeface="Times New Roman" panose="02020603050405020304" pitchFamily="18" charset="0"/>
+                <a:cs typeface="Times New Roman" panose="02020603050405020304" pitchFamily="18" charset="0"/>
+              </a:rPr>
+              <a:t>.getElementsTagName</a:t>
+            </a:r>
+            <a:r>
+              <a:rPr lang="pt-BR" sz="2000" dirty="0">
+                <a:solidFill>
+                  <a:schemeClr val="tx1"/>
+                </a:solidFill>
+                <a:latin typeface="Times New Roman" panose="02020603050405020304" pitchFamily="18" charset="0"/>
+                <a:cs typeface="Times New Roman" panose="02020603050405020304" pitchFamily="18" charset="0"/>
+              </a:rPr>
+              <a:t>(‘p’)[1] ); // </a:t>
+            </a:r>
+            <a:r>
+              <a:rPr lang="pt-BR" sz="2000" b="1" dirty="0">
+                <a:solidFill>
+                  <a:srgbClr val="FF0000"/>
+                </a:solidFill>
+                <a:latin typeface="Times New Roman" panose="02020603050405020304" pitchFamily="18" charset="0"/>
+                <a:cs typeface="Times New Roman" panose="02020603050405020304" pitchFamily="18" charset="0"/>
+              </a:rPr>
+              <a:t>índice</a:t>
+            </a:r>
+          </a:p>
+          <a:p>
+            <a:pPr marL="0" indent="0" algn="just">
+              <a:buNone/>
+            </a:pPr>
+            <a:r>
+              <a:rPr lang="pt-BR" sz="2000" dirty="0">
+                <a:solidFill>
+                  <a:schemeClr val="tx1"/>
+                </a:solidFill>
+                <a:latin typeface="Times New Roman" panose="02020603050405020304" pitchFamily="18" charset="0"/>
+                <a:cs typeface="Times New Roman" panose="02020603050405020304" pitchFamily="18" charset="0"/>
+              </a:rPr>
+              <a:t>	</a:t>
+            </a:r>
+            <a:r>
+              <a:rPr lang="pt-BR" sz="2000" b="1" dirty="0" err="1">
+                <a:solidFill>
+                  <a:schemeClr val="tx1"/>
+                </a:solidFill>
+                <a:latin typeface="Times New Roman" panose="02020603050405020304" pitchFamily="18" charset="0"/>
+                <a:cs typeface="Times New Roman" panose="02020603050405020304" pitchFamily="18" charset="0"/>
+              </a:rPr>
+              <a:t>document</a:t>
+            </a:r>
+            <a:r>
+              <a:rPr lang="pt-BR" sz="2000" dirty="0" err="1">
+                <a:solidFill>
+                  <a:schemeClr val="tx1"/>
+                </a:solidFill>
+                <a:latin typeface="Times New Roman" panose="02020603050405020304" pitchFamily="18" charset="0"/>
+                <a:cs typeface="Times New Roman" panose="02020603050405020304" pitchFamily="18" charset="0"/>
+              </a:rPr>
+              <a:t>.querySelector</a:t>
+            </a:r>
+            <a:r>
+              <a:rPr lang="pt-BR" sz="2000" dirty="0">
+                <a:solidFill>
+                  <a:schemeClr val="tx1"/>
+                </a:solidFill>
+                <a:latin typeface="Times New Roman" panose="02020603050405020304" pitchFamily="18" charset="0"/>
+                <a:cs typeface="Times New Roman" panose="02020603050405020304" pitchFamily="18" charset="0"/>
+              </a:rPr>
+              <a:t>(‘</a:t>
+            </a:r>
+            <a:r>
+              <a:rPr lang="pt-BR" sz="2000" dirty="0" err="1">
+                <a:solidFill>
+                  <a:schemeClr val="tx1"/>
+                </a:solidFill>
+                <a:latin typeface="Times New Roman" panose="02020603050405020304" pitchFamily="18" charset="0"/>
+                <a:cs typeface="Times New Roman" panose="02020603050405020304" pitchFamily="18" charset="0"/>
+              </a:rPr>
+              <a:t>img</a:t>
+            </a:r>
+            <a:r>
+              <a:rPr lang="pt-BR" sz="2000" b="1" dirty="0" err="1">
+                <a:solidFill>
+                  <a:srgbClr val="FF0000"/>
+                </a:solidFill>
+                <a:latin typeface="Times New Roman" panose="02020603050405020304" pitchFamily="18" charset="0"/>
+                <a:cs typeface="Times New Roman" panose="02020603050405020304" pitchFamily="18" charset="0"/>
+              </a:rPr>
+              <a:t>#</a:t>
+            </a:r>
+            <a:r>
+              <a:rPr lang="pt-BR" sz="2000" dirty="0" err="1">
+                <a:solidFill>
+                  <a:schemeClr val="tx1"/>
+                </a:solidFill>
+                <a:latin typeface="Times New Roman" panose="02020603050405020304" pitchFamily="18" charset="0"/>
+                <a:cs typeface="Times New Roman" panose="02020603050405020304" pitchFamily="18" charset="0"/>
+              </a:rPr>
+              <a:t>idImagem</a:t>
+            </a:r>
+            <a:r>
+              <a:rPr lang="pt-BR" sz="2000" dirty="0">
+                <a:solidFill>
+                  <a:schemeClr val="tx1"/>
+                </a:solidFill>
+                <a:latin typeface="Times New Roman" panose="02020603050405020304" pitchFamily="18" charset="0"/>
+                <a:cs typeface="Times New Roman" panose="02020603050405020304" pitchFamily="18" charset="0"/>
+              </a:rPr>
+              <a:t>’).</a:t>
+            </a:r>
+            <a:r>
+              <a:rPr lang="pt-BR" sz="2000" dirty="0" err="1">
+                <a:solidFill>
+                  <a:schemeClr val="tx1"/>
+                </a:solidFill>
+                <a:latin typeface="Times New Roman" panose="02020603050405020304" pitchFamily="18" charset="0"/>
+                <a:cs typeface="Times New Roman" panose="02020603050405020304" pitchFamily="18" charset="0"/>
+              </a:rPr>
+              <a:t>style.visibility</a:t>
+            </a:r>
+            <a:r>
+              <a:rPr lang="pt-BR" sz="2000" dirty="0">
+                <a:solidFill>
+                  <a:schemeClr val="tx1"/>
+                </a:solidFill>
+                <a:latin typeface="Times New Roman" panose="02020603050405020304" pitchFamily="18" charset="0"/>
+                <a:cs typeface="Times New Roman" panose="02020603050405020304" pitchFamily="18" charset="0"/>
+              </a:rPr>
+              <a:t> = ‘</a:t>
+            </a:r>
+            <a:r>
+              <a:rPr lang="pt-BR" sz="2000" dirty="0" err="1">
+                <a:solidFill>
+                  <a:schemeClr val="tx1"/>
+                </a:solidFill>
+                <a:latin typeface="Times New Roman" panose="02020603050405020304" pitchFamily="18" charset="0"/>
+                <a:cs typeface="Times New Roman" panose="02020603050405020304" pitchFamily="18" charset="0"/>
+              </a:rPr>
+              <a:t>hidden</a:t>
+            </a:r>
+            <a:r>
+              <a:rPr lang="pt-BR" sz="2000" dirty="0">
+                <a:solidFill>
+                  <a:schemeClr val="tx1"/>
+                </a:solidFill>
+                <a:latin typeface="Times New Roman" panose="02020603050405020304" pitchFamily="18" charset="0"/>
+                <a:cs typeface="Times New Roman" panose="02020603050405020304" pitchFamily="18" charset="0"/>
+              </a:rPr>
+              <a:t>’;</a:t>
+            </a:r>
+          </a:p>
+          <a:p>
+            <a:pPr marL="0" indent="0" algn="just">
+              <a:buNone/>
+            </a:pPr>
+            <a:r>
+              <a:rPr lang="pt-BR" sz="2000" dirty="0">
+                <a:solidFill>
+                  <a:schemeClr val="tx1"/>
+                </a:solidFill>
+                <a:latin typeface="Times New Roman" panose="02020603050405020304" pitchFamily="18" charset="0"/>
+                <a:cs typeface="Times New Roman" panose="02020603050405020304" pitchFamily="18" charset="0"/>
+              </a:rPr>
+              <a:t> 	</a:t>
+            </a:r>
+            <a:r>
+              <a:rPr lang="pt-BR" sz="2000" b="1" dirty="0" err="1">
+                <a:solidFill>
+                  <a:schemeClr val="tx1"/>
+                </a:solidFill>
+                <a:latin typeface="Times New Roman" panose="02020603050405020304" pitchFamily="18" charset="0"/>
+                <a:cs typeface="Times New Roman" panose="02020603050405020304" pitchFamily="18" charset="0"/>
+              </a:rPr>
+              <a:t>document</a:t>
+            </a:r>
+            <a:r>
+              <a:rPr lang="pt-BR" sz="2000" dirty="0" err="1">
+                <a:solidFill>
+                  <a:schemeClr val="tx1"/>
+                </a:solidFill>
+                <a:latin typeface="Times New Roman" panose="02020603050405020304" pitchFamily="18" charset="0"/>
+                <a:cs typeface="Times New Roman" panose="02020603050405020304" pitchFamily="18" charset="0"/>
+              </a:rPr>
+              <a:t>.querySelector</a:t>
+            </a:r>
+            <a:r>
+              <a:rPr lang="pt-BR" sz="2000" dirty="0">
+                <a:solidFill>
+                  <a:schemeClr val="tx1"/>
+                </a:solidFill>
+                <a:latin typeface="Times New Roman" panose="02020603050405020304" pitchFamily="18" charset="0"/>
+                <a:cs typeface="Times New Roman" panose="02020603050405020304" pitchFamily="18" charset="0"/>
+              </a:rPr>
+              <a:t>(‘h1</a:t>
+            </a:r>
+            <a:r>
+              <a:rPr lang="pt-BR" sz="2000" b="1" dirty="0">
+                <a:solidFill>
+                  <a:srgbClr val="FF0000"/>
+                </a:solidFill>
+                <a:latin typeface="Times New Roman" panose="02020603050405020304" pitchFamily="18" charset="0"/>
+                <a:cs typeface="Times New Roman" panose="02020603050405020304" pitchFamily="18" charset="0"/>
+              </a:rPr>
+              <a:t>.</a:t>
+            </a:r>
+            <a:r>
+              <a:rPr lang="pt-BR" sz="2000" dirty="0">
+                <a:solidFill>
+                  <a:schemeClr val="tx1"/>
+                </a:solidFill>
+                <a:latin typeface="Times New Roman" panose="02020603050405020304" pitchFamily="18" charset="0"/>
+                <a:cs typeface="Times New Roman" panose="02020603050405020304" pitchFamily="18" charset="0"/>
+              </a:rPr>
+              <a:t>classH1’).</a:t>
+            </a:r>
+            <a:r>
+              <a:rPr lang="pt-BR" sz="2000" dirty="0" err="1">
+                <a:solidFill>
+                  <a:schemeClr val="tx1"/>
+                </a:solidFill>
+                <a:latin typeface="Times New Roman" panose="02020603050405020304" pitchFamily="18" charset="0"/>
+                <a:cs typeface="Times New Roman" panose="02020603050405020304" pitchFamily="18" charset="0"/>
+              </a:rPr>
+              <a:t>innerText</a:t>
+            </a:r>
+            <a:r>
+              <a:rPr lang="pt-BR" sz="2000" dirty="0">
+                <a:solidFill>
+                  <a:schemeClr val="tx1"/>
+                </a:solidFill>
+                <a:latin typeface="Times New Roman" panose="02020603050405020304" pitchFamily="18" charset="0"/>
+                <a:cs typeface="Times New Roman" panose="02020603050405020304" pitchFamily="18" charset="0"/>
+              </a:rPr>
+              <a:t> = ‘Texto’;</a:t>
+            </a:r>
+          </a:p>
+          <a:p>
+            <a:pPr marL="0" indent="0" algn="just">
+              <a:buNone/>
+            </a:pPr>
+            <a:r>
+              <a:rPr lang="pt-BR" sz="2000" dirty="0">
+                <a:solidFill>
+                  <a:schemeClr val="tx1"/>
+                </a:solidFill>
+                <a:latin typeface="Times New Roman" panose="02020603050405020304" pitchFamily="18" charset="0"/>
+                <a:cs typeface="Times New Roman" panose="02020603050405020304" pitchFamily="18" charset="0"/>
+              </a:rPr>
+              <a:t>&lt;/script&gt;</a:t>
+            </a:r>
+          </a:p>
+          <a:p>
+            <a:pPr marL="0" indent="0" algn="just">
+              <a:buNone/>
+            </a:pPr>
+            <a:endParaRPr lang="pt-BR" sz="2400" dirty="0">
+              <a:solidFill>
+                <a:schemeClr val="tx1"/>
+              </a:solidFill>
+              <a:latin typeface="Times New Roman" panose="02020603050405020304" pitchFamily="18" charset="0"/>
+              <a:cs typeface="Times New Roman" panose="02020603050405020304" pitchFamily="18" charset="0"/>
+            </a:endParaRPr>
+          </a:p>
+        </p:txBody>
+      </p:sp>
+    </p:spTree>
+    <p:extLst>
+      <p:ext uri="{BB962C8B-B14F-4D97-AF65-F5344CB8AC3E}">
+        <p14:creationId xmlns:p14="http://schemas.microsoft.com/office/powerpoint/2010/main" val="2691521535"/>
+      </p:ext>
+    </p:extLst>
+  </p:cSld>
+  <p:clrMapOvr>
+    <a:masterClrMapping/>
+  </p:clrMapOvr>
+  <p:transition spd="med"/>
+</p:sld>
+</file>
+
+<file path=ppt/slides/slide21.xml><?xml version="1.0" encoding="utf-8"?>
+<p:sld xmlns:a="http://schemas.openxmlformats.org/drawingml/2006/main" xmlns:r="http://schemas.openxmlformats.org/officeDocument/2006/relationships" xmlns:p="http://schemas.openxmlformats.org/presentationml/2006/main">
+  <p:cSld>
+    <p:spTree>
+      <p:nvGrpSpPr>
+        <p:cNvPr id="1" name=""/>
+        <p:cNvGrpSpPr/>
+        <p:nvPr/>
+      </p:nvGrpSpPr>
+      <p:grpSpPr>
+        <a:xfrm>
+          <a:off x="0" y="0"/>
+          <a:ext cx="0" cy="0"/>
+          <a:chOff x="0" y="0"/>
+          <a:chExt cx="0" cy="0"/>
+        </a:xfrm>
+      </p:grpSpPr>
+      <p:sp>
+        <p:nvSpPr>
+          <p:cNvPr id="6" name="Title 1"/>
+          <p:cNvSpPr>
+            <a:spLocks noGrp="1"/>
+          </p:cNvSpPr>
+          <p:nvPr>
+            <p:ph type="title"/>
+          </p:nvPr>
+        </p:nvSpPr>
+        <p:spPr>
+          <a:xfrm>
+            <a:off x="457200" y="205980"/>
+            <a:ext cx="8229600" cy="857251"/>
+          </a:xfrm>
+        </p:spPr>
+        <p:txBody>
+          <a:bodyPr>
+            <a:normAutofit/>
+          </a:bodyPr>
+          <a:lstStyle/>
+          <a:p>
+            <a:r>
+              <a:rPr lang="en-US" b="1" dirty="0" err="1">
+                <a:solidFill>
+                  <a:srgbClr val="0070C0"/>
+                </a:solidFill>
+              </a:rPr>
+              <a:t>Leitura</a:t>
+            </a:r>
+            <a:r>
+              <a:rPr lang="en-US" b="1" dirty="0">
+                <a:solidFill>
+                  <a:srgbClr val="0070C0"/>
+                </a:solidFill>
+              </a:rPr>
+              <a:t> </a:t>
+            </a:r>
+            <a:r>
+              <a:rPr lang="en-US" b="1" dirty="0" err="1">
+                <a:solidFill>
+                  <a:srgbClr val="0070C0"/>
+                </a:solidFill>
+              </a:rPr>
+              <a:t>Específica</a:t>
+            </a:r>
+            <a:endParaRPr lang="en-US" b="1" dirty="0">
+              <a:solidFill>
+                <a:srgbClr val="0070C0"/>
+              </a:solidFill>
+            </a:endParaRPr>
+          </a:p>
+        </p:txBody>
+      </p:sp>
+      <p:sp>
+        <p:nvSpPr>
+          <p:cNvPr id="8" name="Text Placeholder 2"/>
+          <p:cNvSpPr>
+            <a:spLocks noGrp="1"/>
+          </p:cNvSpPr>
+          <p:nvPr>
+            <p:ph type="body" sz="half" idx="1"/>
+          </p:nvPr>
+        </p:nvSpPr>
+        <p:spPr>
+          <a:xfrm>
+            <a:off x="142865" y="1012261"/>
+            <a:ext cx="8865056" cy="3835312"/>
+          </a:xfrm>
+        </p:spPr>
+        <p:txBody>
+          <a:bodyPr>
+            <a:noAutofit/>
+          </a:bodyPr>
+          <a:lstStyle/>
+          <a:p>
+            <a:pPr marL="0" indent="0" algn="just">
+              <a:buNone/>
+            </a:pPr>
+            <a:r>
+              <a:rPr lang="pt-BR" sz="2000" dirty="0">
+                <a:latin typeface="Times New Roman" panose="02020603050405020304" pitchFamily="18" charset="0"/>
+                <a:cs typeface="Times New Roman" panose="02020603050405020304" pitchFamily="18" charset="0"/>
+              </a:rPr>
+              <a:t>[1] </a:t>
+            </a:r>
+            <a:r>
+              <a:rPr lang="pt-BR" sz="2000" b="1" dirty="0">
+                <a:latin typeface="Times New Roman" panose="02020603050405020304" pitchFamily="18" charset="0"/>
+                <a:cs typeface="Times New Roman" panose="02020603050405020304" pitchFamily="18" charset="0"/>
+              </a:rPr>
+              <a:t>Site Devmedia</a:t>
+            </a:r>
+            <a:r>
+              <a:rPr lang="pt-BR" sz="2000" dirty="0">
+                <a:latin typeface="Times New Roman" panose="02020603050405020304" pitchFamily="18" charset="0"/>
+                <a:cs typeface="Times New Roman" panose="02020603050405020304" pitchFamily="18" charset="0"/>
+              </a:rPr>
+              <a:t>. 	</a:t>
+            </a:r>
+          </a:p>
+          <a:p>
+            <a:pPr marL="0" indent="0" algn="just">
+              <a:buNone/>
+            </a:pPr>
+            <a:r>
+              <a:rPr lang="pt-BR" sz="2000" b="1" dirty="0">
+                <a:latin typeface="Times New Roman" panose="02020603050405020304" pitchFamily="18" charset="0"/>
+                <a:cs typeface="Times New Roman" panose="02020603050405020304" pitchFamily="18" charset="0"/>
+              </a:rPr>
+              <a:t>	Disponível em</a:t>
+            </a:r>
+            <a:r>
+              <a:rPr lang="pt-BR" sz="2000" dirty="0">
+                <a:latin typeface="Times New Roman" panose="02020603050405020304" pitchFamily="18" charset="0"/>
+                <a:cs typeface="Times New Roman" panose="02020603050405020304" pitchFamily="18" charset="0"/>
+              </a:rPr>
+              <a:t>: </a:t>
+            </a:r>
+            <a:r>
+              <a:rPr lang="pt-BR" sz="2000" dirty="0">
+                <a:latin typeface="Times New Roman" panose="02020603050405020304" pitchFamily="18" charset="0"/>
+                <a:cs typeface="Times New Roman" panose="02020603050405020304" pitchFamily="18" charset="0"/>
+                <a:hlinkClick r:id="rId3"/>
+              </a:rPr>
+              <a:t>https://www.devmedia.com.br/javascript/</a:t>
+            </a:r>
+            <a:endParaRPr lang="pt-BR" sz="2000" dirty="0">
+              <a:latin typeface="Times New Roman" panose="02020603050405020304" pitchFamily="18" charset="0"/>
+              <a:cs typeface="Times New Roman" panose="02020603050405020304" pitchFamily="18" charset="0"/>
+            </a:endParaRPr>
+          </a:p>
+          <a:p>
+            <a:pPr marL="0" indent="0" algn="just">
+              <a:buNone/>
+            </a:pPr>
+            <a:endParaRPr lang="pt-BR" sz="2000" dirty="0">
+              <a:latin typeface="Times New Roman" panose="02020603050405020304" pitchFamily="18" charset="0"/>
+              <a:cs typeface="Times New Roman" panose="02020603050405020304" pitchFamily="18" charset="0"/>
+            </a:endParaRPr>
+          </a:p>
+          <a:p>
+            <a:pPr marL="0" indent="0" algn="just">
+              <a:buNone/>
+            </a:pPr>
+            <a:r>
+              <a:rPr lang="pt-BR" sz="2000" dirty="0">
+                <a:latin typeface="Times New Roman" panose="02020603050405020304" pitchFamily="18" charset="0"/>
+                <a:cs typeface="Times New Roman" panose="02020603050405020304" pitchFamily="18" charset="0"/>
+              </a:rPr>
+              <a:t>[2] </a:t>
+            </a:r>
+            <a:r>
+              <a:rPr lang="pt-BR" sz="2000" b="1" dirty="0">
+                <a:latin typeface="Times New Roman" panose="02020603050405020304" pitchFamily="18" charset="0"/>
+                <a:cs typeface="Times New Roman" panose="02020603050405020304" pitchFamily="18" charset="0"/>
+              </a:rPr>
+              <a:t>COSTA, </a:t>
+            </a:r>
+            <a:r>
+              <a:rPr lang="pt-BR" sz="2000" dirty="0">
+                <a:latin typeface="Times New Roman" panose="02020603050405020304" pitchFamily="18" charset="0"/>
+                <a:cs typeface="Times New Roman" panose="02020603050405020304" pitchFamily="18" charset="0"/>
+              </a:rPr>
+              <a:t>Jean Carlos Borba Guimarães da. A Linguagem </a:t>
+            </a:r>
+            <a:r>
+              <a:rPr lang="pt-BR" sz="2000" dirty="0" err="1">
+                <a:latin typeface="Times New Roman" panose="02020603050405020304" pitchFamily="18" charset="0"/>
+                <a:cs typeface="Times New Roman" panose="02020603050405020304" pitchFamily="18" charset="0"/>
+              </a:rPr>
+              <a:t>JavaScript</a:t>
+            </a:r>
+            <a:r>
+              <a:rPr lang="pt-BR" sz="2000" dirty="0">
+                <a:latin typeface="Times New Roman" panose="02020603050405020304" pitchFamily="18" charset="0"/>
+                <a:cs typeface="Times New Roman" panose="02020603050405020304" pitchFamily="18" charset="0"/>
+              </a:rPr>
+              <a:t> e seu Ecossistema. 2019. 	</a:t>
+            </a:r>
+          </a:p>
+          <a:p>
+            <a:pPr marL="0" indent="0" algn="just">
+              <a:buNone/>
+            </a:pPr>
+            <a:r>
+              <a:rPr lang="pt-BR" sz="2000" b="1" dirty="0">
+                <a:latin typeface="Times New Roman" panose="02020603050405020304" pitchFamily="18" charset="0"/>
+                <a:cs typeface="Times New Roman" panose="02020603050405020304" pitchFamily="18" charset="0"/>
+              </a:rPr>
+              <a:t>	Disponível em</a:t>
+            </a:r>
+            <a:r>
+              <a:rPr lang="pt-BR" sz="2000" dirty="0">
+                <a:latin typeface="Times New Roman" panose="02020603050405020304" pitchFamily="18" charset="0"/>
+                <a:cs typeface="Times New Roman" panose="02020603050405020304" pitchFamily="18" charset="0"/>
+              </a:rPr>
+              <a:t>: </a:t>
+            </a:r>
+          </a:p>
+          <a:p>
+            <a:pPr marL="0" indent="0" algn="just">
+              <a:buNone/>
+            </a:pPr>
+            <a:r>
+              <a:rPr lang="pt-BR" sz="2000" dirty="0">
+                <a:latin typeface="Times New Roman" panose="02020603050405020304" pitchFamily="18" charset="0"/>
+                <a:cs typeface="Times New Roman" panose="02020603050405020304" pitchFamily="18" charset="0"/>
+                <a:hlinkClick r:id="rId4"/>
+              </a:rPr>
+              <a:t>https://repositorio.uniube.br/bitstream/123456789/1546/1/A%20Linguagem%20JavaScript%20e%20seu%20Ecossistema%20.PDF</a:t>
+            </a:r>
+            <a:endParaRPr lang="pt-BR" sz="2000" dirty="0">
+              <a:latin typeface="Times New Roman" panose="02020603050405020304" pitchFamily="18" charset="0"/>
+              <a:cs typeface="Times New Roman" panose="02020603050405020304" pitchFamily="18" charset="0"/>
+            </a:endParaRPr>
+          </a:p>
+          <a:p>
+            <a:pPr marL="0" indent="0" algn="just">
+              <a:buNone/>
+            </a:pPr>
+            <a:endParaRPr lang="pt-BR" sz="2000" dirty="0">
+              <a:latin typeface="Times New Roman" panose="02020603050405020304" pitchFamily="18" charset="0"/>
+              <a:cs typeface="Times New Roman" panose="02020603050405020304" pitchFamily="18" charset="0"/>
+            </a:endParaRPr>
+          </a:p>
+        </p:txBody>
+      </p:sp>
+    </p:spTree>
+    <p:extLst>
+      <p:ext uri="{BB962C8B-B14F-4D97-AF65-F5344CB8AC3E}">
+        <p14:creationId xmlns:p14="http://schemas.microsoft.com/office/powerpoint/2010/main" val="3680270425"/>
+      </p:ext>
+    </p:extLst>
+  </p:cSld>
+  <p:clrMapOvr>
+    <a:masterClrMapping/>
+  </p:clrMapOvr>
+  <p:transition spd="med"/>
+</p:sld>
+</file>
+
+<file path=ppt/slides/slide22.xml><?xml version="1.0" encoding="utf-8"?>
+<p:sld xmlns:a="http://schemas.openxmlformats.org/drawingml/2006/main" xmlns:r="http://schemas.openxmlformats.org/officeDocument/2006/relationships" xmlns:p="http://schemas.openxmlformats.org/presentationml/2006/main">
+  <p:cSld>
+    <p:spTree>
+      <p:nvGrpSpPr>
+        <p:cNvPr id="1" name=""/>
+        <p:cNvGrpSpPr/>
+        <p:nvPr/>
+      </p:nvGrpSpPr>
+      <p:grpSpPr>
+        <a:xfrm>
+          <a:off x="0" y="0"/>
+          <a:ext cx="0" cy="0"/>
+          <a:chOff x="0" y="0"/>
+          <a:chExt cx="0" cy="0"/>
+        </a:xfrm>
+      </p:grpSpPr>
+      <p:sp>
+        <p:nvSpPr>
+          <p:cNvPr id="6" name="Title 1"/>
+          <p:cNvSpPr>
+            <a:spLocks noGrp="1"/>
+          </p:cNvSpPr>
+          <p:nvPr>
+            <p:ph type="title"/>
+          </p:nvPr>
+        </p:nvSpPr>
+        <p:spPr>
+          <a:xfrm>
+            <a:off x="457200" y="205980"/>
+            <a:ext cx="8229600" cy="857251"/>
+          </a:xfrm>
+        </p:spPr>
+        <p:txBody>
+          <a:bodyPr>
+            <a:normAutofit/>
+          </a:bodyPr>
+          <a:lstStyle/>
+          <a:p>
+            <a:r>
+              <a:rPr lang="en-US" b="1" dirty="0" err="1">
+                <a:solidFill>
+                  <a:srgbClr val="0070C0"/>
+                </a:solidFill>
+              </a:rPr>
+              <a:t>Aprenda</a:t>
+            </a:r>
+            <a:r>
+              <a:rPr lang="en-US" b="1" dirty="0">
+                <a:solidFill>
+                  <a:srgbClr val="0070C0"/>
+                </a:solidFill>
+              </a:rPr>
+              <a:t>+</a:t>
+            </a:r>
           </a:p>
         </p:txBody>
       </p:sp>
@@ -7668,6 +9356,410 @@
                 <a:latin typeface="Times New Roman" panose="02020603050405020304" pitchFamily="18" charset="0"/>
                 <a:cs typeface="Times New Roman" panose="02020603050405020304" pitchFamily="18" charset="0"/>
               </a:rPr>
+              <a:t>[1] </a:t>
+            </a:r>
+            <a:r>
+              <a:rPr lang="pt-BR" sz="2400" dirty="0">
+                <a:latin typeface="Times New Roman" panose="02020603050405020304" pitchFamily="18" charset="0"/>
+                <a:cs typeface="Times New Roman" panose="02020603050405020304" pitchFamily="18" charset="0"/>
+                <a:hlinkClick r:id="rId3"/>
+              </a:rPr>
+              <a:t>https://www.youtube.com/watch?v=W6NZfCO5SIk</a:t>
+            </a:r>
+            <a:r>
+              <a:rPr lang="pt-BR" sz="2400" dirty="0">
+                <a:latin typeface="Times New Roman" panose="02020603050405020304" pitchFamily="18" charset="0"/>
+                <a:cs typeface="Times New Roman" panose="02020603050405020304" pitchFamily="18" charset="0"/>
+              </a:rPr>
+              <a:t> (JS)</a:t>
+            </a:r>
+          </a:p>
+          <a:p>
+            <a:pPr marL="0" indent="0" algn="just">
+              <a:buNone/>
+            </a:pPr>
+            <a:endParaRPr lang="pt-BR" sz="2400" dirty="0">
+              <a:latin typeface="Times New Roman" panose="02020603050405020304" pitchFamily="18" charset="0"/>
+              <a:cs typeface="Times New Roman" panose="02020603050405020304" pitchFamily="18" charset="0"/>
+            </a:endParaRPr>
+          </a:p>
+          <a:p>
+            <a:pPr marL="0" indent="0" algn="just">
+              <a:buNone/>
+            </a:pPr>
+            <a:endParaRPr lang="pt-BR" sz="2400" dirty="0">
+              <a:latin typeface="Times New Roman" panose="02020603050405020304" pitchFamily="18" charset="0"/>
+              <a:cs typeface="Times New Roman" panose="02020603050405020304" pitchFamily="18" charset="0"/>
+            </a:endParaRPr>
+          </a:p>
+          <a:p>
+            <a:pPr marL="0" indent="0" algn="just">
+              <a:buNone/>
+            </a:pPr>
+            <a:r>
+              <a:rPr lang="pt-BR" sz="2400" dirty="0">
+                <a:latin typeface="Times New Roman" panose="02020603050405020304" pitchFamily="18" charset="0"/>
+                <a:cs typeface="Times New Roman" panose="02020603050405020304" pitchFamily="18" charset="0"/>
+              </a:rPr>
+              <a:t>[2] </a:t>
+            </a:r>
+            <a:r>
+              <a:rPr lang="pt-BR" sz="2400" dirty="0">
+                <a:latin typeface="Times New Roman" panose="02020603050405020304" pitchFamily="18" charset="0"/>
+                <a:cs typeface="Times New Roman" panose="02020603050405020304" pitchFamily="18" charset="0"/>
+                <a:hlinkClick r:id="rId4"/>
+              </a:rPr>
+              <a:t>https://www.youtube.com/watch?v=gYZhIVCPlFY</a:t>
+            </a:r>
+            <a:r>
+              <a:rPr lang="pt-BR" sz="2400" dirty="0">
+                <a:latin typeface="Times New Roman" panose="02020603050405020304" pitchFamily="18" charset="0"/>
+                <a:cs typeface="Times New Roman" panose="02020603050405020304" pitchFamily="18" charset="0"/>
+              </a:rPr>
+              <a:t> (JS)</a:t>
+            </a:r>
+          </a:p>
+          <a:p>
+            <a:pPr marL="0" indent="0" algn="just">
+              <a:buNone/>
+            </a:pPr>
+            <a:endParaRPr lang="pt-BR" sz="2400" dirty="0">
+              <a:latin typeface="Times New Roman" panose="02020603050405020304" pitchFamily="18" charset="0"/>
+              <a:cs typeface="Times New Roman" panose="02020603050405020304" pitchFamily="18" charset="0"/>
+            </a:endParaRPr>
+          </a:p>
+          <a:p>
+            <a:pPr marL="0" indent="0" algn="just">
+              <a:buNone/>
+            </a:pPr>
+            <a:endParaRPr lang="pt-BR" sz="2400" dirty="0">
+              <a:latin typeface="Times New Roman" panose="02020603050405020304" pitchFamily="18" charset="0"/>
+              <a:cs typeface="Times New Roman" panose="02020603050405020304" pitchFamily="18" charset="0"/>
+            </a:endParaRPr>
+          </a:p>
+        </p:txBody>
+      </p:sp>
+    </p:spTree>
+    <p:extLst>
+      <p:ext uri="{BB962C8B-B14F-4D97-AF65-F5344CB8AC3E}">
+        <p14:creationId xmlns:p14="http://schemas.microsoft.com/office/powerpoint/2010/main" val="2747596967"/>
+      </p:ext>
+    </p:extLst>
+  </p:cSld>
+  <p:clrMapOvr>
+    <a:masterClrMapping/>
+  </p:clrMapOvr>
+  <p:transition spd="med"/>
+</p:sld>
+</file>
+
+<file path=ppt/slides/slide23.xml><?xml version="1.0" encoding="utf-8"?>
+<p:sld xmlns:a="http://schemas.openxmlformats.org/drawingml/2006/main" xmlns:r="http://schemas.openxmlformats.org/officeDocument/2006/relationships" xmlns:p="http://schemas.openxmlformats.org/presentationml/2006/main">
+  <p:cSld>
+    <p:spTree>
+      <p:nvGrpSpPr>
+        <p:cNvPr id="1" name=""/>
+        <p:cNvGrpSpPr/>
+        <p:nvPr/>
+      </p:nvGrpSpPr>
+      <p:grpSpPr>
+        <a:xfrm>
+          <a:off x="0" y="0"/>
+          <a:ext cx="0" cy="0"/>
+          <a:chOff x="0" y="0"/>
+          <a:chExt cx="0" cy="0"/>
+        </a:xfrm>
+      </p:grpSpPr>
+      <p:sp>
+        <p:nvSpPr>
+          <p:cNvPr id="6" name="Title 1"/>
+          <p:cNvSpPr>
+            <a:spLocks noGrp="1"/>
+          </p:cNvSpPr>
+          <p:nvPr>
+            <p:ph type="title"/>
+          </p:nvPr>
+        </p:nvSpPr>
+        <p:spPr>
+          <a:xfrm>
+            <a:off x="457200" y="205980"/>
+            <a:ext cx="8229600" cy="857251"/>
+          </a:xfrm>
+        </p:spPr>
+        <p:txBody>
+          <a:bodyPr>
+            <a:normAutofit/>
+          </a:bodyPr>
+          <a:lstStyle/>
+          <a:p>
+            <a:r>
+              <a:rPr lang="en-US" b="1" dirty="0" err="1">
+                <a:solidFill>
+                  <a:srgbClr val="0070C0"/>
+                </a:solidFill>
+              </a:rPr>
+              <a:t>Dinâmica</a:t>
+            </a:r>
+            <a:r>
+              <a:rPr lang="en-US" b="1" dirty="0">
+                <a:solidFill>
+                  <a:srgbClr val="0070C0"/>
+                </a:solidFill>
+              </a:rPr>
+              <a:t>/</a:t>
+            </a:r>
+            <a:r>
+              <a:rPr lang="en-US" b="1" dirty="0" err="1">
+                <a:solidFill>
+                  <a:srgbClr val="0070C0"/>
+                </a:solidFill>
+              </a:rPr>
+              <a:t>Atividades</a:t>
+            </a:r>
+            <a:endParaRPr lang="en-US" b="1" dirty="0">
+              <a:solidFill>
+                <a:srgbClr val="0070C0"/>
+              </a:solidFill>
+            </a:endParaRPr>
+          </a:p>
+        </p:txBody>
+      </p:sp>
+      <p:sp>
+        <p:nvSpPr>
+          <p:cNvPr id="8" name="Text Placeholder 2"/>
+          <p:cNvSpPr>
+            <a:spLocks noGrp="1"/>
+          </p:cNvSpPr>
+          <p:nvPr>
+            <p:ph type="body" sz="half" idx="1"/>
+          </p:nvPr>
+        </p:nvSpPr>
+        <p:spPr>
+          <a:xfrm>
+            <a:off x="139472" y="1063230"/>
+            <a:ext cx="8865056" cy="3606305"/>
+          </a:xfrm>
+        </p:spPr>
+        <p:txBody>
+          <a:bodyPr>
+            <a:noAutofit/>
+          </a:bodyPr>
+          <a:lstStyle/>
+          <a:p>
+            <a:pPr algn="just">
+              <a:buFontTx/>
+              <a:buChar char="-"/>
+            </a:pPr>
+            <a:r>
+              <a:rPr lang="pt-BR" dirty="0">
+                <a:latin typeface="Times New Roman" panose="02020603050405020304" pitchFamily="18" charset="0"/>
+                <a:cs typeface="Times New Roman" panose="02020603050405020304" pitchFamily="18" charset="0"/>
+              </a:rPr>
+              <a:t>Exercícios de Fixação </a:t>
+            </a:r>
+            <a:r>
+              <a:rPr lang="pt-BR" b="1" dirty="0">
+                <a:latin typeface="Times New Roman" panose="02020603050405020304" pitchFamily="18" charset="0"/>
+                <a:cs typeface="Times New Roman" panose="02020603050405020304" pitchFamily="18" charset="0"/>
+              </a:rPr>
+              <a:t>JS</a:t>
+            </a:r>
+          </a:p>
+          <a:p>
+            <a:pPr marL="0" indent="0" algn="just">
+              <a:buNone/>
+            </a:pPr>
+            <a:r>
+              <a:rPr lang="pt-BR" dirty="0">
+                <a:latin typeface="Times New Roman" panose="02020603050405020304" pitchFamily="18" charset="0"/>
+                <a:cs typeface="Times New Roman" panose="02020603050405020304" pitchFamily="18" charset="0"/>
+              </a:rPr>
+              <a:t>	</a:t>
+            </a:r>
+            <a:r>
+              <a:rPr lang="pt-BR" b="1" dirty="0">
+                <a:solidFill>
+                  <a:srgbClr val="FF0000"/>
+                </a:solidFill>
+                <a:latin typeface="Times New Roman" panose="02020603050405020304" pitchFamily="18" charset="0"/>
+                <a:cs typeface="Times New Roman" panose="02020603050405020304" pitchFamily="18" charset="0"/>
+              </a:rPr>
+              <a:t>Desafios em Sala de Aula</a:t>
+            </a:r>
+            <a:r>
+              <a:rPr lang="pt-BR" dirty="0">
+                <a:latin typeface="Times New Roman" panose="02020603050405020304" pitchFamily="18" charset="0"/>
+                <a:cs typeface="Times New Roman" panose="02020603050405020304" pitchFamily="18" charset="0"/>
+              </a:rPr>
+              <a:t>.</a:t>
+            </a:r>
+          </a:p>
+          <a:p>
+            <a:pPr marL="0" indent="0" algn="just">
+              <a:buNone/>
+            </a:pPr>
+            <a:r>
+              <a:rPr lang="pt-BR" dirty="0">
+                <a:latin typeface="Times New Roman" panose="02020603050405020304" pitchFamily="18" charset="0"/>
+                <a:cs typeface="Times New Roman" panose="02020603050405020304" pitchFamily="18" charset="0"/>
+              </a:rPr>
+              <a:t>	</a:t>
+            </a:r>
+          </a:p>
+          <a:p>
+            <a:pPr marL="0" indent="0" algn="just">
+              <a:buNone/>
+            </a:pPr>
+            <a:r>
+              <a:rPr lang="es-ES" dirty="0">
+                <a:latin typeface="Times New Roman" panose="02020603050405020304" pitchFamily="18" charset="0"/>
+                <a:cs typeface="Times New Roman" panose="02020603050405020304" pitchFamily="18" charset="0"/>
+              </a:rPr>
+              <a:t>- Quiz JS</a:t>
+            </a:r>
+          </a:p>
+          <a:p>
+            <a:pPr marL="0" indent="0" algn="just">
+              <a:buNone/>
+            </a:pPr>
+            <a:r>
+              <a:rPr lang="es-ES" dirty="0">
+                <a:latin typeface="Times New Roman" panose="02020603050405020304" pitchFamily="18" charset="0"/>
+                <a:cs typeface="Times New Roman" panose="02020603050405020304" pitchFamily="18" charset="0"/>
+                <a:hlinkClick r:id="rId3"/>
+              </a:rPr>
+              <a:t>https://www.w3schools.com/js/js_quiz.asp</a:t>
+            </a:r>
+            <a:endParaRPr lang="pt-BR" dirty="0">
+              <a:latin typeface="Calibri" panose="020F0502020204030204" pitchFamily="34" charset="0"/>
+            </a:endParaRPr>
+          </a:p>
+        </p:txBody>
+      </p:sp>
+    </p:spTree>
+    <p:extLst>
+      <p:ext uri="{BB962C8B-B14F-4D97-AF65-F5344CB8AC3E}">
+        <p14:creationId xmlns:p14="http://schemas.microsoft.com/office/powerpoint/2010/main" val="2470652989"/>
+      </p:ext>
+    </p:extLst>
+  </p:cSld>
+  <p:clrMapOvr>
+    <a:masterClrMapping/>
+  </p:clrMapOvr>
+  <p:transition spd="med"/>
+</p:sld>
+</file>
+
+<file path=ppt/slides/slide24.xml><?xml version="1.0" encoding="utf-8"?>
+<p:sld xmlns:a="http://schemas.openxmlformats.org/drawingml/2006/main" xmlns:r="http://schemas.openxmlformats.org/officeDocument/2006/relationships" xmlns:p="http://schemas.openxmlformats.org/presentationml/2006/main">
+  <p:cSld>
+    <p:spTree>
+      <p:nvGrpSpPr>
+        <p:cNvPr id="1" name=""/>
+        <p:cNvGrpSpPr/>
+        <p:nvPr/>
+      </p:nvGrpSpPr>
+      <p:grpSpPr>
+        <a:xfrm>
+          <a:off x="0" y="0"/>
+          <a:ext cx="0" cy="0"/>
+          <a:chOff x="0" y="0"/>
+          <a:chExt cx="0" cy="0"/>
+        </a:xfrm>
+      </p:grpSpPr>
+      <p:sp>
+        <p:nvSpPr>
+          <p:cNvPr id="6" name="Title 1"/>
+          <p:cNvSpPr>
+            <a:spLocks noGrp="1"/>
+          </p:cNvSpPr>
+          <p:nvPr>
+            <p:ph type="title"/>
+          </p:nvPr>
+        </p:nvSpPr>
+        <p:spPr>
+          <a:xfrm>
+            <a:off x="457200" y="205980"/>
+            <a:ext cx="8229600" cy="857251"/>
+          </a:xfrm>
+        </p:spPr>
+        <p:txBody>
+          <a:bodyPr>
+            <a:normAutofit/>
+          </a:bodyPr>
+          <a:lstStyle/>
+          <a:p>
+            <a:r>
+              <a:rPr lang="en-US" b="1" dirty="0" err="1">
+                <a:solidFill>
+                  <a:srgbClr val="0070C0"/>
+                </a:solidFill>
+              </a:rPr>
+              <a:t>Referências</a:t>
+            </a:r>
+            <a:r>
+              <a:rPr lang="en-US" b="1" dirty="0">
+                <a:solidFill>
+                  <a:srgbClr val="0070C0"/>
+                </a:solidFill>
+              </a:rPr>
+              <a:t> </a:t>
+            </a:r>
+            <a:r>
+              <a:rPr lang="en-US" b="1" dirty="0" err="1">
+                <a:solidFill>
+                  <a:srgbClr val="0070C0"/>
+                </a:solidFill>
+              </a:rPr>
+              <a:t>Bibliográficas</a:t>
+            </a:r>
+            <a:endParaRPr lang="en-US" b="1" dirty="0">
+              <a:solidFill>
+                <a:srgbClr val="0070C0"/>
+              </a:solidFill>
+            </a:endParaRPr>
+          </a:p>
+        </p:txBody>
+      </p:sp>
+      <p:sp>
+        <p:nvSpPr>
+          <p:cNvPr id="8" name="Text Placeholder 2"/>
+          <p:cNvSpPr>
+            <a:spLocks noGrp="1"/>
+          </p:cNvSpPr>
+          <p:nvPr>
+            <p:ph type="body" sz="half" idx="1"/>
+          </p:nvPr>
+        </p:nvSpPr>
+        <p:spPr>
+          <a:xfrm>
+            <a:off x="142865" y="1200151"/>
+            <a:ext cx="8865056" cy="3394472"/>
+          </a:xfrm>
+        </p:spPr>
+        <p:txBody>
+          <a:bodyPr>
+            <a:noAutofit/>
+          </a:bodyPr>
+          <a:lstStyle/>
+          <a:p>
+            <a:pPr marL="0" indent="0" algn="just">
+              <a:buNone/>
+            </a:pPr>
+            <a:endParaRPr lang="pt-BR" sz="2400" dirty="0">
+              <a:latin typeface="Times New Roman" panose="02020603050405020304" pitchFamily="18" charset="0"/>
+              <a:cs typeface="Times New Roman" panose="02020603050405020304" pitchFamily="18" charset="0"/>
+            </a:endParaRPr>
+          </a:p>
+          <a:p>
+            <a:pPr marL="0" indent="0" algn="just">
+              <a:buNone/>
+            </a:pPr>
+            <a:r>
+              <a:rPr lang="pt-BR" sz="2400" dirty="0">
+                <a:latin typeface="Times New Roman" panose="02020603050405020304" pitchFamily="18" charset="0"/>
+                <a:cs typeface="Times New Roman" panose="02020603050405020304" pitchFamily="18" charset="0"/>
+              </a:rPr>
               <a:t>[1] Site: </a:t>
             </a:r>
             <a:r>
@@ -7741,7 +9833,7 @@
 </p:sld>
 </file>
 
-<file path=ppt/slides/slide21.xml><?xml version="1.0" encoding="utf-8"?>
+<file path=ppt/slides/slide25.xml><?xml version="1.0" encoding="utf-8"?>
 <p:sld xmlns:a="http://schemas.openxmlformats.org/drawingml/2006/main" xmlns:r="http://schemas.openxmlformats.org/officeDocument/2006/relationships" xmlns:p="http://schemas.openxmlformats.org/presentationml/2006/main">
   <p:cSld>
     <p:spTree>

--- a/01 Classes/Aula 08 Desenvolvimento Web PHP - JS.pptx
+++ b/01 Classes/Aula 08 Desenvolvimento Web PHP - JS.pptx
@@ -12438,7 +12438,57 @@
                 <a:latin typeface="Times New Roman" panose="02020603050405020304" pitchFamily="18" charset="0"/>
                 <a:cs typeface="Times New Roman" panose="02020603050405020304" pitchFamily="18" charset="0"/>
               </a:rPr>
-              <a:t>: Google ou Firefox</a:t>
+              <a:t>: Google ou Firefox (</a:t>
+            </a:r>
+            <a:r>
+              <a:rPr lang="pt-BR" sz="2400" b="1" dirty="0">
+                <a:solidFill>
+                  <a:srgbClr val="FF0000"/>
+                </a:solidFill>
+                <a:latin typeface="Times New Roman" panose="02020603050405020304" pitchFamily="18" charset="0"/>
+                <a:cs typeface="Times New Roman" panose="02020603050405020304" pitchFamily="18" charset="0"/>
+              </a:rPr>
+              <a:t>Inspecionar</a:t>
+            </a:r>
+            <a:r>
+              <a:rPr lang="pt-BR" sz="2400" dirty="0">
+                <a:solidFill>
+                  <a:schemeClr val="tx1"/>
+                </a:solidFill>
+                <a:latin typeface="Times New Roman" panose="02020603050405020304" pitchFamily="18" charset="0"/>
+                <a:cs typeface="Times New Roman" panose="02020603050405020304" pitchFamily="18" charset="0"/>
+              </a:rPr>
+              <a:t> Página: </a:t>
+            </a:r>
+            <a:r>
+              <a:rPr lang="pt-BR" sz="2400" b="1" dirty="0" err="1">
+                <a:solidFill>
+                  <a:srgbClr val="FF0000"/>
+                </a:solidFill>
+                <a:latin typeface="Times New Roman" panose="02020603050405020304" pitchFamily="18" charset="0"/>
+                <a:cs typeface="Times New Roman" panose="02020603050405020304" pitchFamily="18" charset="0"/>
+              </a:rPr>
+              <a:t>Dev</a:t>
+            </a:r>
+            <a:r>
+              <a:rPr lang="pt-BR" sz="2400" b="1" dirty="0">
+                <a:solidFill>
+                  <a:srgbClr val="FF0000"/>
+                </a:solidFill>
+                <a:latin typeface="Times New Roman" panose="02020603050405020304" pitchFamily="18" charset="0"/>
+                <a:cs typeface="Times New Roman" panose="02020603050405020304" pitchFamily="18" charset="0"/>
+              </a:rPr>
+              <a:t> Tools</a:t>
+            </a:r>
+            <a:r>
+              <a:rPr lang="pt-BR" sz="2400" dirty="0">
+                <a:solidFill>
+                  <a:schemeClr val="tx1"/>
+                </a:solidFill>
+                <a:latin typeface="Times New Roman" panose="02020603050405020304" pitchFamily="18" charset="0"/>
+                <a:cs typeface="Times New Roman" panose="02020603050405020304" pitchFamily="18" charset="0"/>
+              </a:rPr>
+              <a:t>)</a:t>
             </a:r>
           </a:p>
           <a:p>
@@ -12475,13 +12525,106 @@
               </a:rPr>
               <a:t>VSCode</a:t>
             </a:r>
-            <a:endParaRPr lang="pt-BR" sz="2400" dirty="0">
-              <a:solidFill>
-                <a:schemeClr val="tx1"/>
-              </a:solidFill>
-              <a:latin typeface="Times New Roman" panose="02020603050405020304" pitchFamily="18" charset="0"/>
-              <a:cs typeface="Times New Roman" panose="02020603050405020304" pitchFamily="18" charset="0"/>
-            </a:endParaRPr>
+            <a:r>
+              <a:rPr lang="pt-BR" sz="2400" dirty="0">
+                <a:solidFill>
+                  <a:schemeClr val="tx1"/>
+                </a:solidFill>
+                <a:latin typeface="Times New Roman" panose="02020603050405020304" pitchFamily="18" charset="0"/>
+                <a:cs typeface="Times New Roman" panose="02020603050405020304" pitchFamily="18" charset="0"/>
+              </a:rPr>
+              <a:t>; (</a:t>
+            </a:r>
+            <a:r>
+              <a:rPr lang="pt-BR" sz="2400" b="1" dirty="0">
+                <a:solidFill>
+                  <a:schemeClr val="tx1"/>
+                </a:solidFill>
+                <a:latin typeface="Times New Roman" panose="02020603050405020304" pitchFamily="18" charset="0"/>
+                <a:cs typeface="Times New Roman" panose="02020603050405020304" pitchFamily="18" charset="0"/>
+              </a:rPr>
+              <a:t>Instalar </a:t>
+            </a:r>
+            <a:r>
+              <a:rPr lang="pt-BR" sz="2400" b="1" dirty="0" err="1">
+                <a:solidFill>
+                  <a:schemeClr val="tx1"/>
+                </a:solidFill>
+                <a:latin typeface="Times New Roman" panose="02020603050405020304" pitchFamily="18" charset="0"/>
+                <a:cs typeface="Times New Roman" panose="02020603050405020304" pitchFamily="18" charset="0"/>
+              </a:rPr>
+              <a:t>extensão</a:t>
+            </a:r>
+            <a:r>
+              <a:rPr lang="pt-BR" sz="2400" dirty="0" err="1">
+                <a:solidFill>
+                  <a:schemeClr val="tx1"/>
+                </a:solidFill>
+                <a:latin typeface="Times New Roman" panose="02020603050405020304" pitchFamily="18" charset="0"/>
+                <a:cs typeface="Times New Roman" panose="02020603050405020304" pitchFamily="18" charset="0"/>
+              </a:rPr>
+              <a:t>:</a:t>
+            </a:r>
+            <a:r>
+              <a:rPr lang="pt-BR" sz="2400" b="1" dirty="0" err="1">
+                <a:solidFill>
+                  <a:srgbClr val="FF0000"/>
+                </a:solidFill>
+                <a:latin typeface="Times New Roman" panose="02020603050405020304" pitchFamily="18" charset="0"/>
+                <a:cs typeface="Times New Roman" panose="02020603050405020304" pitchFamily="18" charset="0"/>
+              </a:rPr>
+              <a:t>NodeJS</a:t>
+            </a:r>
+            <a:r>
+              <a:rPr lang="pt-BR" sz="2400" b="1" dirty="0">
+                <a:solidFill>
+                  <a:srgbClr val="FF0000"/>
+                </a:solidFill>
+                <a:latin typeface="Times New Roman" panose="02020603050405020304" pitchFamily="18" charset="0"/>
+                <a:cs typeface="Times New Roman" panose="02020603050405020304" pitchFamily="18" charset="0"/>
+              </a:rPr>
+              <a:t> </a:t>
+            </a:r>
+            <a:r>
+              <a:rPr lang="pt-BR" sz="2400" b="1" dirty="0" err="1">
+                <a:solidFill>
+                  <a:srgbClr val="FF0000"/>
+                </a:solidFill>
+                <a:latin typeface="Times New Roman" panose="02020603050405020304" pitchFamily="18" charset="0"/>
+                <a:cs typeface="Times New Roman" panose="02020603050405020304" pitchFamily="18" charset="0"/>
+              </a:rPr>
+              <a:t>Exec</a:t>
+            </a:r>
+            <a:r>
+              <a:rPr lang="pt-BR" sz="2400" dirty="0">
+                <a:solidFill>
+                  <a:schemeClr val="tx1"/>
+                </a:solidFill>
+                <a:latin typeface="Times New Roman" panose="02020603050405020304" pitchFamily="18" charset="0"/>
+                <a:cs typeface="Times New Roman" panose="02020603050405020304" pitchFamily="18" charset="0"/>
+              </a:rPr>
+              <a:t>); Arq.js (tecla </a:t>
+            </a:r>
+            <a:r>
+              <a:rPr lang="pt-BR" sz="2400" b="1" dirty="0">
+                <a:solidFill>
+                  <a:srgbClr val="FF0000"/>
+                </a:solidFill>
+                <a:latin typeface="Times New Roman" panose="02020603050405020304" pitchFamily="18" charset="0"/>
+                <a:cs typeface="Times New Roman" panose="02020603050405020304" pitchFamily="18" charset="0"/>
+              </a:rPr>
+              <a:t>F8</a:t>
+            </a:r>
+            <a:r>
+              <a:rPr lang="pt-BR" sz="2400" dirty="0">
+                <a:solidFill>
+                  <a:schemeClr val="tx1"/>
+                </a:solidFill>
+                <a:latin typeface="Times New Roman" panose="02020603050405020304" pitchFamily="18" charset="0"/>
+                <a:cs typeface="Times New Roman" panose="02020603050405020304" pitchFamily="18" charset="0"/>
+              </a:rPr>
+              <a:t>)</a:t>
+            </a:r>
           </a:p>
           <a:p>
             <a:pPr marL="457200" indent="-457200" algn="just">

--- a/01 Classes/Aula 08 Desenvolvimento Web PHP - JS.pptx
+++ b/01 Classes/Aula 08 Desenvolvimento Web PHP - JS.pptx
@@ -21,13 +21,13 @@
     <p:sldId id="396" r:id="rId12"/>
     <p:sldId id="398" r:id="rId13"/>
     <p:sldId id="399" r:id="rId14"/>
-    <p:sldId id="397" r:id="rId15"/>
-    <p:sldId id="408" r:id="rId16"/>
-    <p:sldId id="401" r:id="rId17"/>
-    <p:sldId id="407" r:id="rId18"/>
-    <p:sldId id="409" r:id="rId19"/>
-    <p:sldId id="410" r:id="rId20"/>
-    <p:sldId id="411" r:id="rId21"/>
+    <p:sldId id="408" r:id="rId15"/>
+    <p:sldId id="401" r:id="rId16"/>
+    <p:sldId id="407" r:id="rId17"/>
+    <p:sldId id="411" r:id="rId18"/>
+    <p:sldId id="410" r:id="rId19"/>
+    <p:sldId id="397" r:id="rId20"/>
+    <p:sldId id="409" r:id="rId21"/>
     <p:sldId id="333" r:id="rId22"/>
     <p:sldId id="323" r:id="rId23"/>
     <p:sldId id="334" r:id="rId24"/>
@@ -772,7 +772,7 @@
     </p:spTree>
     <p:extLst>
       <p:ext uri="{BB962C8B-B14F-4D97-AF65-F5344CB8AC3E}">
-        <p14:creationId xmlns:p14="http://schemas.microsoft.com/office/powerpoint/2010/main" val="3135278533"/>
+        <p14:creationId xmlns:p14="http://schemas.microsoft.com/office/powerpoint/2010/main" val="2621839688"/>
       </p:ext>
     </p:extLst>
   </p:cSld>
@@ -838,7 +838,7 @@
     </p:spTree>
     <p:extLst>
       <p:ext uri="{BB962C8B-B14F-4D97-AF65-F5344CB8AC3E}">
-        <p14:creationId xmlns:p14="http://schemas.microsoft.com/office/powerpoint/2010/main" val="2621839688"/>
+        <p14:creationId xmlns:p14="http://schemas.microsoft.com/office/powerpoint/2010/main" val="3604707891"/>
       </p:ext>
     </p:extLst>
   </p:cSld>
@@ -904,7 +904,7 @@
     </p:spTree>
     <p:extLst>
       <p:ext uri="{BB962C8B-B14F-4D97-AF65-F5344CB8AC3E}">
-        <p14:creationId xmlns:p14="http://schemas.microsoft.com/office/powerpoint/2010/main" val="3604707891"/>
+        <p14:creationId xmlns:p14="http://schemas.microsoft.com/office/powerpoint/2010/main" val="4202563509"/>
       </p:ext>
     </p:extLst>
   </p:cSld>
@@ -970,7 +970,7 @@
     </p:spTree>
     <p:extLst>
       <p:ext uri="{BB962C8B-B14F-4D97-AF65-F5344CB8AC3E}">
-        <p14:creationId xmlns:p14="http://schemas.microsoft.com/office/powerpoint/2010/main" val="4202563509"/>
+        <p14:creationId xmlns:p14="http://schemas.microsoft.com/office/powerpoint/2010/main" val="2900495786"/>
       </p:ext>
     </p:extLst>
   </p:cSld>
@@ -1036,7 +1036,7 @@
     </p:spTree>
     <p:extLst>
       <p:ext uri="{BB962C8B-B14F-4D97-AF65-F5344CB8AC3E}">
-        <p14:creationId xmlns:p14="http://schemas.microsoft.com/office/powerpoint/2010/main" val="1166234972"/>
+        <p14:creationId xmlns:p14="http://schemas.microsoft.com/office/powerpoint/2010/main" val="594411655"/>
       </p:ext>
     </p:extLst>
   </p:cSld>
@@ -1102,7 +1102,7 @@
     </p:spTree>
     <p:extLst>
       <p:ext uri="{BB962C8B-B14F-4D97-AF65-F5344CB8AC3E}">
-        <p14:creationId xmlns:p14="http://schemas.microsoft.com/office/powerpoint/2010/main" val="594411655"/>
+        <p14:creationId xmlns:p14="http://schemas.microsoft.com/office/powerpoint/2010/main" val="3135278533"/>
       </p:ext>
     </p:extLst>
   </p:cSld>
@@ -1168,7 +1168,7 @@
     </p:spTree>
     <p:extLst>
       <p:ext uri="{BB962C8B-B14F-4D97-AF65-F5344CB8AC3E}">
-        <p14:creationId xmlns:p14="http://schemas.microsoft.com/office/powerpoint/2010/main" val="2900495786"/>
+        <p14:creationId xmlns:p14="http://schemas.microsoft.com/office/powerpoint/2010/main" val="1166234972"/>
       </p:ext>
     </p:extLst>
   </p:cSld>
@@ -5030,7 +5030,27 @@
                 <a:latin typeface="Times New Roman" panose="02020603050405020304" pitchFamily="18" charset="0"/>
                 <a:cs typeface="Times New Roman" panose="02020603050405020304" pitchFamily="18" charset="0"/>
               </a:rPr>
-              <a:t>O Javascript é case </a:t>
+              <a:t>O </a:t>
+            </a:r>
+            <a:r>
+              <a:rPr lang="pt-BR" sz="2400" b="1" dirty="0">
+                <a:solidFill>
+                  <a:srgbClr val="FF0000"/>
+                </a:solidFill>
+                <a:latin typeface="Times New Roman" panose="02020603050405020304" pitchFamily="18" charset="0"/>
+                <a:cs typeface="Times New Roman" panose="02020603050405020304" pitchFamily="18" charset="0"/>
+              </a:rPr>
+              <a:t>Javascript</a:t>
+            </a:r>
+            <a:r>
+              <a:rPr lang="pt-BR" sz="2400" dirty="0">
+                <a:solidFill>
+                  <a:schemeClr val="tx1"/>
+                </a:solidFill>
+                <a:latin typeface="Times New Roman" panose="02020603050405020304" pitchFamily="18" charset="0"/>
+                <a:cs typeface="Times New Roman" panose="02020603050405020304" pitchFamily="18" charset="0"/>
+              </a:rPr>
+              <a:t> é case </a:t>
             </a:r>
             <a:r>
               <a:rPr lang="pt-BR" sz="2400" dirty="0" err="1">
@@ -5635,9 +5655,9 @@
               <a:t>” o código escrito em </a:t>
             </a:r>
             <a:r>
-              <a:rPr lang="pt-BR" sz="2400" dirty="0" err="1">
-                <a:solidFill>
-                  <a:schemeClr val="tx1"/>
+              <a:rPr lang="pt-BR" sz="2400" b="1" dirty="0" err="1">
+                <a:solidFill>
+                  <a:srgbClr val="FF0000"/>
                 </a:solidFill>
                 <a:latin typeface="Times New Roman" panose="02020603050405020304" pitchFamily="18" charset="0"/>
                 <a:cs typeface="Times New Roman" panose="02020603050405020304" pitchFamily="18" charset="0"/>
@@ -5743,7 +5763,7 @@
                   <a:srgbClr val="0070C0"/>
                 </a:solidFill>
               </a:rPr>
-              <a:t>JS</a:t>
+              <a:t>JS - DOM</a:t>
             </a:r>
           </a:p>
         </p:txBody>
@@ -5774,360 +5794,6 @@
               <a:buNone/>
             </a:pPr>
             <a:r>
-              <a:rPr lang="pt-BR" sz="2400" b="1" dirty="0">
-                <a:solidFill>
-                  <a:schemeClr val="tx1"/>
-                </a:solidFill>
-                <a:latin typeface="Times New Roman" panose="02020603050405020304" pitchFamily="18" charset="0"/>
-                <a:cs typeface="Times New Roman" panose="02020603050405020304" pitchFamily="18" charset="0"/>
-              </a:rPr>
-              <a:t>Exemplo de código</a:t>
-            </a:r>
-            <a:r>
-              <a:rPr lang="pt-BR" sz="2400" dirty="0">
-                <a:solidFill>
-                  <a:schemeClr val="tx1"/>
-                </a:solidFill>
-                <a:latin typeface="Times New Roman" panose="02020603050405020304" pitchFamily="18" charset="0"/>
-                <a:cs typeface="Times New Roman" panose="02020603050405020304" pitchFamily="18" charset="0"/>
-              </a:rPr>
-              <a:t>:</a:t>
-            </a:r>
-          </a:p>
-          <a:p>
-            <a:pPr marL="0" indent="0" algn="just">
-              <a:buNone/>
-            </a:pPr>
-            <a:r>
-              <a:rPr lang="pt-BR" sz="2000" dirty="0">
-                <a:solidFill>
-                  <a:schemeClr val="tx1"/>
-                </a:solidFill>
-                <a:latin typeface="Times New Roman" panose="02020603050405020304" pitchFamily="18" charset="0"/>
-                <a:cs typeface="Times New Roman" panose="02020603050405020304" pitchFamily="18" charset="0"/>
-              </a:rPr>
-              <a:t> &lt;script&gt;</a:t>
-            </a:r>
-          </a:p>
-          <a:p>
-            <a:pPr marL="0" indent="0" algn="just">
-              <a:buNone/>
-            </a:pPr>
-            <a:r>
-              <a:rPr lang="pt-BR" sz="2000" dirty="0">
-                <a:solidFill>
-                  <a:schemeClr val="tx1"/>
-                </a:solidFill>
-                <a:latin typeface="Times New Roman" panose="02020603050405020304" pitchFamily="18" charset="0"/>
-                <a:cs typeface="Times New Roman" panose="02020603050405020304" pitchFamily="18" charset="0"/>
-              </a:rPr>
-              <a:t>      </a:t>
-            </a:r>
-            <a:r>
-              <a:rPr lang="pt-BR" sz="2000" dirty="0" err="1">
-                <a:solidFill>
-                  <a:schemeClr val="tx1"/>
-                </a:solidFill>
-                <a:latin typeface="Times New Roman" panose="02020603050405020304" pitchFamily="18" charset="0"/>
-                <a:cs typeface="Times New Roman" panose="02020603050405020304" pitchFamily="18" charset="0"/>
-              </a:rPr>
-              <a:t>if</a:t>
-            </a:r>
-            <a:r>
-              <a:rPr lang="pt-BR" sz="2000" dirty="0">
-                <a:solidFill>
-                  <a:schemeClr val="tx1"/>
-                </a:solidFill>
-                <a:latin typeface="Times New Roman" panose="02020603050405020304" pitchFamily="18" charset="0"/>
-                <a:cs typeface="Times New Roman" panose="02020603050405020304" pitchFamily="18" charset="0"/>
-              </a:rPr>
-              <a:t> (</a:t>
-            </a:r>
-            <a:r>
-              <a:rPr lang="pt-BR" sz="2000" dirty="0" err="1">
-                <a:solidFill>
-                  <a:schemeClr val="tx1"/>
-                </a:solidFill>
-                <a:latin typeface="Times New Roman" panose="02020603050405020304" pitchFamily="18" charset="0"/>
-                <a:cs typeface="Times New Roman" panose="02020603050405020304" pitchFamily="18" charset="0"/>
-              </a:rPr>
-              <a:t>confirm</a:t>
-            </a:r>
-            <a:r>
-              <a:rPr lang="pt-BR" sz="2000" dirty="0">
-                <a:solidFill>
-                  <a:schemeClr val="tx1"/>
-                </a:solidFill>
-                <a:latin typeface="Times New Roman" panose="02020603050405020304" pitchFamily="18" charset="0"/>
-                <a:cs typeface="Times New Roman" panose="02020603050405020304" pitchFamily="18" charset="0"/>
-              </a:rPr>
-              <a:t>('Você tem certeza?')) {</a:t>
-            </a:r>
-          </a:p>
-          <a:p>
-            <a:pPr marL="0" indent="0" algn="just">
-              <a:buNone/>
-            </a:pPr>
-            <a:r>
-              <a:rPr lang="pt-BR" sz="2000" dirty="0">
-                <a:solidFill>
-                  <a:schemeClr val="tx1"/>
-                </a:solidFill>
-                <a:latin typeface="Times New Roman" panose="02020603050405020304" pitchFamily="18" charset="0"/>
-                <a:cs typeface="Times New Roman" panose="02020603050405020304" pitchFamily="18" charset="0"/>
-              </a:rPr>
-              <a:t>        	</a:t>
-            </a:r>
-            <a:r>
-              <a:rPr lang="pt-BR" sz="2000" dirty="0" err="1">
-                <a:solidFill>
-                  <a:schemeClr val="tx1"/>
-                </a:solidFill>
-                <a:latin typeface="Times New Roman" panose="02020603050405020304" pitchFamily="18" charset="0"/>
-                <a:cs typeface="Times New Roman" panose="02020603050405020304" pitchFamily="18" charset="0"/>
-              </a:rPr>
-              <a:t>alert</a:t>
-            </a:r>
-            <a:r>
-              <a:rPr lang="pt-BR" sz="2000" dirty="0">
-                <a:solidFill>
-                  <a:schemeClr val="tx1"/>
-                </a:solidFill>
-                <a:latin typeface="Times New Roman" panose="02020603050405020304" pitchFamily="18" charset="0"/>
-                <a:cs typeface="Times New Roman" panose="02020603050405020304" pitchFamily="18" charset="0"/>
-              </a:rPr>
-              <a:t>('Confirmado');</a:t>
-            </a:r>
-          </a:p>
-          <a:p>
-            <a:pPr marL="0" indent="0" algn="just">
-              <a:buNone/>
-            </a:pPr>
-            <a:r>
-              <a:rPr lang="pt-BR" sz="2000" dirty="0">
-                <a:solidFill>
-                  <a:schemeClr val="tx1"/>
-                </a:solidFill>
-                <a:latin typeface="Times New Roman" panose="02020603050405020304" pitchFamily="18" charset="0"/>
-                <a:cs typeface="Times New Roman" panose="02020603050405020304" pitchFamily="18" charset="0"/>
-              </a:rPr>
-              <a:t>        	resposta = 'Sim';</a:t>
-            </a:r>
-          </a:p>
-          <a:p>
-            <a:pPr marL="0" indent="0" algn="just">
-              <a:buNone/>
-            </a:pPr>
-            <a:r>
-              <a:rPr lang="pt-BR" sz="2000" dirty="0">
-                <a:solidFill>
-                  <a:schemeClr val="tx1"/>
-                </a:solidFill>
-                <a:latin typeface="Times New Roman" panose="02020603050405020304" pitchFamily="18" charset="0"/>
-                <a:cs typeface="Times New Roman" panose="02020603050405020304" pitchFamily="18" charset="0"/>
-              </a:rPr>
-              <a:t>      } </a:t>
-            </a:r>
-            <a:r>
-              <a:rPr lang="pt-BR" sz="2000" dirty="0" err="1">
-                <a:solidFill>
-                  <a:schemeClr val="tx1"/>
-                </a:solidFill>
-                <a:latin typeface="Times New Roman" panose="02020603050405020304" pitchFamily="18" charset="0"/>
-                <a:cs typeface="Times New Roman" panose="02020603050405020304" pitchFamily="18" charset="0"/>
-              </a:rPr>
-              <a:t>else</a:t>
-            </a:r>
-            <a:r>
-              <a:rPr lang="pt-BR" sz="2000" dirty="0">
-                <a:solidFill>
-                  <a:schemeClr val="tx1"/>
-                </a:solidFill>
-                <a:latin typeface="Times New Roman" panose="02020603050405020304" pitchFamily="18" charset="0"/>
-                <a:cs typeface="Times New Roman" panose="02020603050405020304" pitchFamily="18" charset="0"/>
-              </a:rPr>
-              <a:t> {</a:t>
-            </a:r>
-          </a:p>
-          <a:p>
-            <a:pPr marL="0" indent="0" algn="just">
-              <a:buNone/>
-            </a:pPr>
-            <a:r>
-              <a:rPr lang="pt-BR" sz="2000" dirty="0">
-                <a:solidFill>
-                  <a:schemeClr val="tx1"/>
-                </a:solidFill>
-                <a:latin typeface="Times New Roman" panose="02020603050405020304" pitchFamily="18" charset="0"/>
-                <a:cs typeface="Times New Roman" panose="02020603050405020304" pitchFamily="18" charset="0"/>
-              </a:rPr>
-              <a:t>        	</a:t>
-            </a:r>
-            <a:r>
-              <a:rPr lang="pt-BR" sz="2000" dirty="0" err="1">
-                <a:solidFill>
-                  <a:schemeClr val="tx1"/>
-                </a:solidFill>
-                <a:latin typeface="Times New Roman" panose="02020603050405020304" pitchFamily="18" charset="0"/>
-                <a:cs typeface="Times New Roman" panose="02020603050405020304" pitchFamily="18" charset="0"/>
-              </a:rPr>
-              <a:t>alert</a:t>
-            </a:r>
-            <a:r>
-              <a:rPr lang="pt-BR" sz="2000" dirty="0">
-                <a:solidFill>
-                  <a:schemeClr val="tx1"/>
-                </a:solidFill>
-                <a:latin typeface="Times New Roman" panose="02020603050405020304" pitchFamily="18" charset="0"/>
-                <a:cs typeface="Times New Roman" panose="02020603050405020304" pitchFamily="18" charset="0"/>
-              </a:rPr>
-              <a:t>('Cancelado');</a:t>
-            </a:r>
-          </a:p>
-          <a:p>
-            <a:pPr marL="0" indent="0" algn="just">
-              <a:buNone/>
-            </a:pPr>
-            <a:r>
-              <a:rPr lang="pt-BR" sz="2000" dirty="0">
-                <a:solidFill>
-                  <a:schemeClr val="tx1"/>
-                </a:solidFill>
-                <a:latin typeface="Times New Roman" panose="02020603050405020304" pitchFamily="18" charset="0"/>
-                <a:cs typeface="Times New Roman" panose="02020603050405020304" pitchFamily="18" charset="0"/>
-              </a:rPr>
-              <a:t>        	resposta = 'Não';</a:t>
-            </a:r>
-          </a:p>
-          <a:p>
-            <a:pPr marL="0" indent="0" algn="just">
-              <a:buNone/>
-            </a:pPr>
-            <a:r>
-              <a:rPr lang="pt-BR" sz="2000" dirty="0">
-                <a:solidFill>
-                  <a:schemeClr val="tx1"/>
-                </a:solidFill>
-                <a:latin typeface="Times New Roman" panose="02020603050405020304" pitchFamily="18" charset="0"/>
-                <a:cs typeface="Times New Roman" panose="02020603050405020304" pitchFamily="18" charset="0"/>
-              </a:rPr>
-              <a:t>      }</a:t>
-            </a:r>
-          </a:p>
-          <a:p>
-            <a:pPr marL="0" indent="0" algn="just">
-              <a:buNone/>
-            </a:pPr>
-            <a:r>
-              <a:rPr lang="pt-BR" sz="2000" dirty="0">
-                <a:solidFill>
-                  <a:schemeClr val="tx1"/>
-                </a:solidFill>
-                <a:latin typeface="Times New Roman" panose="02020603050405020304" pitchFamily="18" charset="0"/>
-                <a:cs typeface="Times New Roman" panose="02020603050405020304" pitchFamily="18" charset="0"/>
-              </a:rPr>
-              <a:t>&lt;/script&gt;</a:t>
-            </a:r>
-            <a:endParaRPr lang="pt-BR" sz="2400" dirty="0">
-              <a:solidFill>
-                <a:schemeClr val="tx1"/>
-              </a:solidFill>
-              <a:latin typeface="Times New Roman" panose="02020603050405020304" pitchFamily="18" charset="0"/>
-              <a:cs typeface="Times New Roman" panose="02020603050405020304" pitchFamily="18" charset="0"/>
-            </a:endParaRPr>
-          </a:p>
-        </p:txBody>
-      </p:sp>
-    </p:spTree>
-    <p:extLst>
-      <p:ext uri="{BB962C8B-B14F-4D97-AF65-F5344CB8AC3E}">
-        <p14:creationId xmlns:p14="http://schemas.microsoft.com/office/powerpoint/2010/main" val="1193155176"/>
-      </p:ext>
-    </p:extLst>
-  </p:cSld>
-  <p:clrMapOvr>
-    <a:masterClrMapping/>
-  </p:clrMapOvr>
-  <p:transition spd="med"/>
-</p:sld>
-</file>
-
-<file path=ppt/slides/slide15.xml><?xml version="1.0" encoding="utf-8"?>
-<p:sld xmlns:a="http://schemas.openxmlformats.org/drawingml/2006/main" xmlns:r="http://schemas.openxmlformats.org/officeDocument/2006/relationships" xmlns:p="http://schemas.openxmlformats.org/presentationml/2006/main">
-  <p:cSld>
-    <p:spTree>
-      <p:nvGrpSpPr>
-        <p:cNvPr id="1" name=""/>
-        <p:cNvGrpSpPr/>
-        <p:nvPr/>
-      </p:nvGrpSpPr>
-      <p:grpSpPr>
-        <a:xfrm>
-          <a:off x="0" y="0"/>
-          <a:ext cx="0" cy="0"/>
-          <a:chOff x="0" y="0"/>
-          <a:chExt cx="0" cy="0"/>
-        </a:xfrm>
-      </p:grpSpPr>
-      <p:sp>
-        <p:nvSpPr>
-          <p:cNvPr id="6" name="Title 1"/>
-          <p:cNvSpPr>
-            <a:spLocks noGrp="1"/>
-          </p:cNvSpPr>
-          <p:nvPr>
-            <p:ph type="title"/>
-          </p:nvPr>
-        </p:nvSpPr>
-        <p:spPr>
-          <a:xfrm>
-            <a:off x="457200" y="205980"/>
-            <a:ext cx="8229600" cy="857251"/>
-          </a:xfrm>
-        </p:spPr>
-        <p:txBody>
-          <a:bodyPr>
-            <a:normAutofit/>
-          </a:bodyPr>
-          <a:lstStyle/>
-          <a:p>
-            <a:r>
-              <a:rPr lang="en-US" b="1" dirty="0">
-                <a:solidFill>
-                  <a:srgbClr val="0070C0"/>
-                </a:solidFill>
-              </a:rPr>
-              <a:t>JS - DOM</a:t>
-            </a:r>
-          </a:p>
-        </p:txBody>
-      </p:sp>
-      <p:sp>
-        <p:nvSpPr>
-          <p:cNvPr id="8" name="Text Placeholder 2"/>
-          <p:cNvSpPr>
-            <a:spLocks noGrp="1"/>
-          </p:cNvSpPr>
-          <p:nvPr>
-            <p:ph type="body" sz="half" idx="1"/>
-          </p:nvPr>
-        </p:nvSpPr>
-        <p:spPr>
-          <a:xfrm>
-            <a:off x="142865" y="1037312"/>
-            <a:ext cx="8865056" cy="3900208"/>
-          </a:xfrm>
-        </p:spPr>
-        <p:txBody>
-          <a:bodyPr>
-            <a:noAutofit/>
-          </a:bodyPr>
-          <a:lstStyle/>
-          <a:p>
-            <a:pPr marL="0" indent="0" algn="just">
-              <a:buNone/>
-            </a:pPr>
-            <a:r>
               <a:rPr lang="pt-BR" sz="2400" b="1" dirty="0" err="1">
                 <a:solidFill>
                   <a:schemeClr val="tx1"/>
@@ -6305,7 +5971,7 @@
 </p:sld>
 </file>
 
-<file path=ppt/slides/slide16.xml><?xml version="1.0" encoding="utf-8"?>
+<file path=ppt/slides/slide15.xml><?xml version="1.0" encoding="utf-8"?>
 <p:sld xmlns:a="http://schemas.openxmlformats.org/drawingml/2006/main" xmlns:r="http://schemas.openxmlformats.org/officeDocument/2006/relationships" xmlns:p="http://schemas.openxmlformats.org/presentationml/2006/main">
   <p:cSld>
     <p:spTree>
@@ -6606,6 +6272,599 @@
 </p:sld>
 </file>
 
+<file path=ppt/slides/slide16.xml><?xml version="1.0" encoding="utf-8"?>
+<p:sld xmlns:a="http://schemas.openxmlformats.org/drawingml/2006/main" xmlns:r="http://schemas.openxmlformats.org/officeDocument/2006/relationships" xmlns:p="http://schemas.openxmlformats.org/presentationml/2006/main">
+  <p:cSld>
+    <p:spTree>
+      <p:nvGrpSpPr>
+        <p:cNvPr id="1" name=""/>
+        <p:cNvGrpSpPr/>
+        <p:nvPr/>
+      </p:nvGrpSpPr>
+      <p:grpSpPr>
+        <a:xfrm>
+          <a:off x="0" y="0"/>
+          <a:ext cx="0" cy="0"/>
+          <a:chOff x="0" y="0"/>
+          <a:chExt cx="0" cy="0"/>
+        </a:xfrm>
+      </p:grpSpPr>
+      <p:sp>
+        <p:nvSpPr>
+          <p:cNvPr id="6" name="Title 1"/>
+          <p:cNvSpPr>
+            <a:spLocks noGrp="1"/>
+          </p:cNvSpPr>
+          <p:nvPr>
+            <p:ph type="title"/>
+          </p:nvPr>
+        </p:nvSpPr>
+        <p:spPr>
+          <a:xfrm>
+            <a:off x="457200" y="205980"/>
+            <a:ext cx="8229600" cy="857251"/>
+          </a:xfrm>
+        </p:spPr>
+        <p:txBody>
+          <a:bodyPr>
+            <a:normAutofit/>
+          </a:bodyPr>
+          <a:lstStyle/>
+          <a:p>
+            <a:r>
+              <a:rPr lang="en-US" b="1" dirty="0">
+                <a:solidFill>
+                  <a:srgbClr val="0070C0"/>
+                </a:solidFill>
+              </a:rPr>
+              <a:t>JS – DOM - </a:t>
+            </a:r>
+            <a:r>
+              <a:rPr lang="en-US" b="1" dirty="0" err="1">
+                <a:solidFill>
+                  <a:srgbClr val="0070C0"/>
+                </a:solidFill>
+              </a:rPr>
+              <a:t>Tipos</a:t>
+            </a:r>
+            <a:r>
+              <a:rPr lang="en-US" b="1" dirty="0">
+                <a:solidFill>
+                  <a:srgbClr val="0070C0"/>
+                </a:solidFill>
+              </a:rPr>
+              <a:t> de </a:t>
+            </a:r>
+            <a:r>
+              <a:rPr lang="en-US" b="1" dirty="0" err="1">
+                <a:solidFill>
+                  <a:srgbClr val="0070C0"/>
+                </a:solidFill>
+              </a:rPr>
+              <a:t>Acesso</a:t>
+            </a:r>
+            <a:endParaRPr lang="en-US" b="1" dirty="0">
+              <a:solidFill>
+                <a:srgbClr val="0070C0"/>
+              </a:solidFill>
+            </a:endParaRPr>
+          </a:p>
+        </p:txBody>
+      </p:sp>
+      <p:sp>
+        <p:nvSpPr>
+          <p:cNvPr id="8" name="Text Placeholder 2"/>
+          <p:cNvSpPr>
+            <a:spLocks noGrp="1"/>
+          </p:cNvSpPr>
+          <p:nvPr>
+            <p:ph type="body" sz="half" idx="1"/>
+          </p:nvPr>
+        </p:nvSpPr>
+        <p:spPr>
+          <a:xfrm>
+            <a:off x="142865" y="1037312"/>
+            <a:ext cx="8865056" cy="3900208"/>
+          </a:xfrm>
+        </p:spPr>
+        <p:txBody>
+          <a:bodyPr>
+            <a:noAutofit/>
+          </a:bodyPr>
+          <a:lstStyle/>
+          <a:p>
+            <a:pPr marL="0" indent="0" algn="just">
+              <a:buNone/>
+            </a:pPr>
+            <a:r>
+              <a:rPr lang="pt-BR" sz="2400" b="1" dirty="0">
+                <a:solidFill>
+                  <a:schemeClr val="tx1"/>
+                </a:solidFill>
+                <a:latin typeface="Times New Roman" panose="02020603050405020304" pitchFamily="18" charset="0"/>
+                <a:cs typeface="Times New Roman" panose="02020603050405020304" pitchFamily="18" charset="0"/>
+              </a:rPr>
+              <a:t>Por:</a:t>
+            </a:r>
+          </a:p>
+          <a:p>
+            <a:pPr marL="0" indent="0" algn="just">
+              <a:buNone/>
+            </a:pPr>
+            <a:endParaRPr lang="pt-BR" sz="2400" b="1" dirty="0">
+              <a:solidFill>
+                <a:schemeClr val="tx1"/>
+              </a:solidFill>
+              <a:latin typeface="Times New Roman" panose="02020603050405020304" pitchFamily="18" charset="0"/>
+              <a:cs typeface="Times New Roman" panose="02020603050405020304" pitchFamily="18" charset="0"/>
+            </a:endParaRPr>
+          </a:p>
+          <a:p>
+            <a:pPr algn="just">
+              <a:buFont typeface="Wingdings" panose="05000000000000000000" pitchFamily="2" charset="2"/>
+              <a:buChar char="ü"/>
+            </a:pPr>
+            <a:r>
+              <a:rPr lang="pt-BR" sz="2400" b="1" dirty="0" err="1">
+                <a:solidFill>
+                  <a:srgbClr val="FF0000"/>
+                </a:solidFill>
+                <a:latin typeface="Times New Roman" panose="02020603050405020304" pitchFamily="18" charset="0"/>
+                <a:cs typeface="Times New Roman" panose="02020603050405020304" pitchFamily="18" charset="0"/>
+              </a:rPr>
+              <a:t>Tag</a:t>
+            </a:r>
+            <a:r>
+              <a:rPr lang="pt-BR" sz="2400" b="1" dirty="0">
+                <a:solidFill>
+                  <a:schemeClr val="tx1"/>
+                </a:solidFill>
+                <a:latin typeface="Times New Roman" panose="02020603050405020304" pitchFamily="18" charset="0"/>
+                <a:cs typeface="Times New Roman" panose="02020603050405020304" pitchFamily="18" charset="0"/>
+              </a:rPr>
+              <a:t> = </a:t>
+            </a:r>
+            <a:r>
+              <a:rPr lang="pt-BR" sz="2400" dirty="0" err="1">
+                <a:solidFill>
+                  <a:schemeClr val="tx1"/>
+                </a:solidFill>
+                <a:latin typeface="Times New Roman" panose="02020603050405020304" pitchFamily="18" charset="0"/>
+                <a:cs typeface="Times New Roman" panose="02020603050405020304" pitchFamily="18" charset="0"/>
+              </a:rPr>
+              <a:t>document.</a:t>
+            </a:r>
+            <a:r>
+              <a:rPr lang="pt-BR" sz="2400" b="1" dirty="0" err="1">
+                <a:solidFill>
+                  <a:schemeClr val="tx1"/>
+                </a:solidFill>
+                <a:latin typeface="Times New Roman" panose="02020603050405020304" pitchFamily="18" charset="0"/>
+                <a:cs typeface="Times New Roman" panose="02020603050405020304" pitchFamily="18" charset="0"/>
+              </a:rPr>
+              <a:t>getElementsByTagName</a:t>
+            </a:r>
+            <a:r>
+              <a:rPr lang="pt-BR" sz="2400" dirty="0">
+                <a:solidFill>
+                  <a:schemeClr val="tx1"/>
+                </a:solidFill>
+                <a:latin typeface="Times New Roman" panose="02020603050405020304" pitchFamily="18" charset="0"/>
+                <a:cs typeface="Times New Roman" panose="02020603050405020304" pitchFamily="18" charset="0"/>
+              </a:rPr>
+              <a:t>(</a:t>
+            </a:r>
+            <a:r>
+              <a:rPr lang="pt-BR" sz="2400" dirty="0" err="1">
+                <a:solidFill>
+                  <a:schemeClr val="tx1"/>
+                </a:solidFill>
+                <a:latin typeface="Times New Roman" panose="02020603050405020304" pitchFamily="18" charset="0"/>
+                <a:cs typeface="Times New Roman" panose="02020603050405020304" pitchFamily="18" charset="0"/>
+              </a:rPr>
+              <a:t>tag</a:t>
+            </a:r>
+            <a:r>
+              <a:rPr lang="pt-BR" sz="2400" dirty="0">
+                <a:solidFill>
+                  <a:schemeClr val="tx1"/>
+                </a:solidFill>
+                <a:latin typeface="Times New Roman" panose="02020603050405020304" pitchFamily="18" charset="0"/>
+                <a:cs typeface="Times New Roman" panose="02020603050405020304" pitchFamily="18" charset="0"/>
+              </a:rPr>
+              <a:t>)</a:t>
+            </a:r>
+          </a:p>
+          <a:p>
+            <a:pPr algn="just">
+              <a:buFont typeface="Wingdings" panose="05000000000000000000" pitchFamily="2" charset="2"/>
+              <a:buChar char="ü"/>
+            </a:pPr>
+            <a:r>
+              <a:rPr lang="pt-BR" sz="2400" b="1" dirty="0">
+                <a:solidFill>
+                  <a:srgbClr val="FF0000"/>
+                </a:solidFill>
+                <a:latin typeface="Times New Roman" panose="02020603050405020304" pitchFamily="18" charset="0"/>
+                <a:cs typeface="Times New Roman" panose="02020603050405020304" pitchFamily="18" charset="0"/>
+              </a:rPr>
+              <a:t>Id</a:t>
+            </a:r>
+            <a:r>
+              <a:rPr lang="pt-BR" sz="2400" b="1" dirty="0">
+                <a:solidFill>
+                  <a:schemeClr val="tx1"/>
+                </a:solidFill>
+                <a:latin typeface="Times New Roman" panose="02020603050405020304" pitchFamily="18" charset="0"/>
+                <a:cs typeface="Times New Roman" panose="02020603050405020304" pitchFamily="18" charset="0"/>
+              </a:rPr>
+              <a:t> = </a:t>
+            </a:r>
+            <a:r>
+              <a:rPr lang="pt-BR" sz="2400" dirty="0" err="1">
+                <a:solidFill>
+                  <a:schemeClr val="tx1"/>
+                </a:solidFill>
+                <a:latin typeface="Times New Roman" panose="02020603050405020304" pitchFamily="18" charset="0"/>
+                <a:cs typeface="Times New Roman" panose="02020603050405020304" pitchFamily="18" charset="0"/>
+              </a:rPr>
+              <a:t>document.</a:t>
+            </a:r>
+            <a:r>
+              <a:rPr lang="pt-BR" sz="2400" b="1" dirty="0" err="1">
+                <a:solidFill>
+                  <a:schemeClr val="tx1"/>
+                </a:solidFill>
+                <a:latin typeface="Times New Roman" panose="02020603050405020304" pitchFamily="18" charset="0"/>
+                <a:cs typeface="Times New Roman" panose="02020603050405020304" pitchFamily="18" charset="0"/>
+              </a:rPr>
+              <a:t>getElementById</a:t>
+            </a:r>
+            <a:r>
+              <a:rPr lang="pt-BR" sz="2400" dirty="0">
+                <a:solidFill>
+                  <a:schemeClr val="tx1"/>
+                </a:solidFill>
+                <a:latin typeface="Times New Roman" panose="02020603050405020304" pitchFamily="18" charset="0"/>
+                <a:cs typeface="Times New Roman" panose="02020603050405020304" pitchFamily="18" charset="0"/>
+              </a:rPr>
+              <a:t>(Id)</a:t>
+            </a:r>
+          </a:p>
+          <a:p>
+            <a:pPr algn="just">
+              <a:buFont typeface="Wingdings" panose="05000000000000000000" pitchFamily="2" charset="2"/>
+              <a:buChar char="ü"/>
+            </a:pPr>
+            <a:r>
+              <a:rPr lang="pt-BR" sz="2400" b="1" dirty="0" err="1">
+                <a:solidFill>
+                  <a:srgbClr val="FF0000"/>
+                </a:solidFill>
+                <a:latin typeface="Times New Roman" panose="02020603050405020304" pitchFamily="18" charset="0"/>
+                <a:cs typeface="Times New Roman" panose="02020603050405020304" pitchFamily="18" charset="0"/>
+              </a:rPr>
+              <a:t>Name</a:t>
+            </a:r>
+            <a:r>
+              <a:rPr lang="pt-BR" sz="2400" b="1" dirty="0">
+                <a:solidFill>
+                  <a:schemeClr val="tx1"/>
+                </a:solidFill>
+                <a:latin typeface="Times New Roman" panose="02020603050405020304" pitchFamily="18" charset="0"/>
+                <a:cs typeface="Times New Roman" panose="02020603050405020304" pitchFamily="18" charset="0"/>
+              </a:rPr>
+              <a:t> = </a:t>
+            </a:r>
+            <a:r>
+              <a:rPr lang="pt-BR" sz="2400" dirty="0" err="1">
+                <a:solidFill>
+                  <a:schemeClr val="tx1"/>
+                </a:solidFill>
+                <a:latin typeface="Times New Roman" panose="02020603050405020304" pitchFamily="18" charset="0"/>
+                <a:cs typeface="Times New Roman" panose="02020603050405020304" pitchFamily="18" charset="0"/>
+              </a:rPr>
+              <a:t>document.</a:t>
+            </a:r>
+            <a:r>
+              <a:rPr lang="pt-BR" sz="2400" b="1" dirty="0" err="1">
+                <a:solidFill>
+                  <a:schemeClr val="tx1"/>
+                </a:solidFill>
+                <a:latin typeface="Times New Roman" panose="02020603050405020304" pitchFamily="18" charset="0"/>
+                <a:cs typeface="Times New Roman" panose="02020603050405020304" pitchFamily="18" charset="0"/>
+              </a:rPr>
+              <a:t>getElementsByName</a:t>
+            </a:r>
+            <a:r>
+              <a:rPr lang="pt-BR" sz="2400" dirty="0">
+                <a:solidFill>
+                  <a:schemeClr val="tx1"/>
+                </a:solidFill>
+                <a:latin typeface="Times New Roman" panose="02020603050405020304" pitchFamily="18" charset="0"/>
+                <a:cs typeface="Times New Roman" panose="02020603050405020304" pitchFamily="18" charset="0"/>
+              </a:rPr>
+              <a:t>(</a:t>
+            </a:r>
+            <a:r>
+              <a:rPr lang="pt-BR" sz="2400" dirty="0" err="1">
+                <a:solidFill>
+                  <a:schemeClr val="tx1"/>
+                </a:solidFill>
+                <a:latin typeface="Times New Roman" panose="02020603050405020304" pitchFamily="18" charset="0"/>
+                <a:cs typeface="Times New Roman" panose="02020603050405020304" pitchFamily="18" charset="0"/>
+              </a:rPr>
+              <a:t>name</a:t>
+            </a:r>
+            <a:r>
+              <a:rPr lang="pt-BR" sz="2400" dirty="0">
+                <a:solidFill>
+                  <a:schemeClr val="tx1"/>
+                </a:solidFill>
+                <a:latin typeface="Times New Roman" panose="02020603050405020304" pitchFamily="18" charset="0"/>
+                <a:cs typeface="Times New Roman" panose="02020603050405020304" pitchFamily="18" charset="0"/>
+              </a:rPr>
+              <a:t>)</a:t>
+            </a:r>
+          </a:p>
+          <a:p>
+            <a:pPr algn="just">
+              <a:buFont typeface="Wingdings" panose="05000000000000000000" pitchFamily="2" charset="2"/>
+              <a:buChar char="ü"/>
+            </a:pPr>
+            <a:r>
+              <a:rPr lang="pt-BR" sz="2400" b="1" dirty="0" err="1">
+                <a:solidFill>
+                  <a:srgbClr val="FF0000"/>
+                </a:solidFill>
+                <a:latin typeface="Times New Roman" panose="02020603050405020304" pitchFamily="18" charset="0"/>
+                <a:cs typeface="Times New Roman" panose="02020603050405020304" pitchFamily="18" charset="0"/>
+              </a:rPr>
+              <a:t>Class</a:t>
+            </a:r>
+            <a:r>
+              <a:rPr lang="pt-BR" sz="2400" b="1" dirty="0">
+                <a:solidFill>
+                  <a:schemeClr val="tx1"/>
+                </a:solidFill>
+                <a:latin typeface="Times New Roman" panose="02020603050405020304" pitchFamily="18" charset="0"/>
+                <a:cs typeface="Times New Roman" panose="02020603050405020304" pitchFamily="18" charset="0"/>
+              </a:rPr>
+              <a:t> = </a:t>
+            </a:r>
+            <a:r>
+              <a:rPr lang="pt-BR" sz="2400" dirty="0" err="1">
+                <a:solidFill>
+                  <a:schemeClr val="tx1"/>
+                </a:solidFill>
+                <a:latin typeface="Times New Roman" panose="02020603050405020304" pitchFamily="18" charset="0"/>
+                <a:cs typeface="Times New Roman" panose="02020603050405020304" pitchFamily="18" charset="0"/>
+              </a:rPr>
+              <a:t>document.</a:t>
+            </a:r>
+            <a:r>
+              <a:rPr lang="pt-BR" sz="2400" b="1" dirty="0" err="1">
+                <a:solidFill>
+                  <a:schemeClr val="tx1"/>
+                </a:solidFill>
+                <a:latin typeface="Times New Roman" panose="02020603050405020304" pitchFamily="18" charset="0"/>
+                <a:cs typeface="Times New Roman" panose="02020603050405020304" pitchFamily="18" charset="0"/>
+              </a:rPr>
+              <a:t>getElementsByClassName</a:t>
+            </a:r>
+            <a:r>
+              <a:rPr lang="pt-BR" sz="2400" dirty="0">
+                <a:solidFill>
+                  <a:schemeClr val="tx1"/>
+                </a:solidFill>
+                <a:latin typeface="Times New Roman" panose="02020603050405020304" pitchFamily="18" charset="0"/>
+                <a:cs typeface="Times New Roman" panose="02020603050405020304" pitchFamily="18" charset="0"/>
+              </a:rPr>
+              <a:t>(</a:t>
+            </a:r>
+            <a:r>
+              <a:rPr lang="pt-BR" sz="2400" dirty="0" err="1">
+                <a:solidFill>
+                  <a:schemeClr val="tx1"/>
+                </a:solidFill>
+                <a:latin typeface="Times New Roman" panose="02020603050405020304" pitchFamily="18" charset="0"/>
+                <a:cs typeface="Times New Roman" panose="02020603050405020304" pitchFamily="18" charset="0"/>
+              </a:rPr>
+              <a:t>class</a:t>
+            </a:r>
+            <a:r>
+              <a:rPr lang="pt-BR" sz="2400" dirty="0">
+                <a:solidFill>
+                  <a:schemeClr val="tx1"/>
+                </a:solidFill>
+                <a:latin typeface="Times New Roman" panose="02020603050405020304" pitchFamily="18" charset="0"/>
+                <a:cs typeface="Times New Roman" panose="02020603050405020304" pitchFamily="18" charset="0"/>
+              </a:rPr>
+              <a:t>)</a:t>
+            </a:r>
+          </a:p>
+          <a:p>
+            <a:pPr algn="just">
+              <a:buFont typeface="Wingdings" panose="05000000000000000000" pitchFamily="2" charset="2"/>
+              <a:buChar char="ü"/>
+            </a:pPr>
+            <a:r>
+              <a:rPr lang="pt-BR" sz="2400" b="1" dirty="0">
+                <a:solidFill>
+                  <a:srgbClr val="FF0000"/>
+                </a:solidFill>
+                <a:latin typeface="Times New Roman" panose="02020603050405020304" pitchFamily="18" charset="0"/>
+                <a:cs typeface="Times New Roman" panose="02020603050405020304" pitchFamily="18" charset="0"/>
+              </a:rPr>
+              <a:t>Seletor</a:t>
+            </a:r>
+            <a:r>
+              <a:rPr lang="pt-BR" sz="2400" b="1" dirty="0">
+                <a:solidFill>
+                  <a:schemeClr val="tx1"/>
+                </a:solidFill>
+                <a:latin typeface="Times New Roman" panose="02020603050405020304" pitchFamily="18" charset="0"/>
+                <a:cs typeface="Times New Roman" panose="02020603050405020304" pitchFamily="18" charset="0"/>
+              </a:rPr>
+              <a:t> = </a:t>
+            </a:r>
+            <a:r>
+              <a:rPr lang="pt-BR" sz="2400" dirty="0" err="1">
+                <a:solidFill>
+                  <a:schemeClr val="tx1"/>
+                </a:solidFill>
+                <a:latin typeface="Times New Roman" panose="02020603050405020304" pitchFamily="18" charset="0"/>
+                <a:cs typeface="Times New Roman" panose="02020603050405020304" pitchFamily="18" charset="0"/>
+              </a:rPr>
+              <a:t>document.</a:t>
+            </a:r>
+            <a:r>
+              <a:rPr lang="pt-BR" sz="2400" b="1" dirty="0" err="1">
+                <a:solidFill>
+                  <a:schemeClr val="tx1"/>
+                </a:solidFill>
+                <a:latin typeface="Times New Roman" panose="02020603050405020304" pitchFamily="18" charset="0"/>
+                <a:cs typeface="Times New Roman" panose="02020603050405020304" pitchFamily="18" charset="0"/>
+              </a:rPr>
+              <a:t>querySelector</a:t>
+            </a:r>
+            <a:r>
+              <a:rPr lang="pt-BR" sz="2400" dirty="0">
+                <a:solidFill>
+                  <a:schemeClr val="tx1"/>
+                </a:solidFill>
+                <a:latin typeface="Times New Roman" panose="02020603050405020304" pitchFamily="18" charset="0"/>
+                <a:cs typeface="Times New Roman" panose="02020603050405020304" pitchFamily="18" charset="0"/>
+              </a:rPr>
+              <a:t>(</a:t>
+            </a:r>
+            <a:r>
+              <a:rPr lang="pt-BR" sz="2400" dirty="0" err="1">
+                <a:solidFill>
+                  <a:schemeClr val="tx1"/>
+                </a:solidFill>
+                <a:latin typeface="Times New Roman" panose="02020603050405020304" pitchFamily="18" charset="0"/>
+                <a:cs typeface="Times New Roman" panose="02020603050405020304" pitchFamily="18" charset="0"/>
+              </a:rPr>
+              <a:t>tag#Id</a:t>
+            </a:r>
+            <a:r>
+              <a:rPr lang="pt-BR" sz="2400" dirty="0">
+                <a:solidFill>
+                  <a:schemeClr val="tx1"/>
+                </a:solidFill>
+                <a:latin typeface="Times New Roman" panose="02020603050405020304" pitchFamily="18" charset="0"/>
+                <a:cs typeface="Times New Roman" panose="02020603050405020304" pitchFamily="18" charset="0"/>
+              </a:rPr>
+              <a:t>) ou </a:t>
+            </a:r>
+          </a:p>
+          <a:p>
+            <a:pPr marL="0" lvl="3" indent="0" algn="just">
+              <a:buNone/>
+            </a:pPr>
+            <a:r>
+              <a:rPr lang="pt-BR" sz="2400" b="1" dirty="0">
+                <a:solidFill>
+                  <a:schemeClr val="tx1"/>
+                </a:solidFill>
+                <a:latin typeface="Times New Roman" panose="02020603050405020304" pitchFamily="18" charset="0"/>
+                <a:cs typeface="Times New Roman" panose="02020603050405020304" pitchFamily="18" charset="0"/>
+              </a:rPr>
+              <a:t>			   </a:t>
+            </a:r>
+            <a:r>
+              <a:rPr lang="pt-BR" sz="2400" dirty="0" err="1">
+                <a:solidFill>
+                  <a:schemeClr val="tx1"/>
+                </a:solidFill>
+                <a:latin typeface="Times New Roman" panose="02020603050405020304" pitchFamily="18" charset="0"/>
+                <a:cs typeface="Times New Roman" panose="02020603050405020304" pitchFamily="18" charset="0"/>
+              </a:rPr>
+              <a:t>document.</a:t>
+            </a:r>
+            <a:r>
+              <a:rPr lang="pt-BR" sz="2400" b="1" dirty="0" err="1">
+                <a:solidFill>
+                  <a:schemeClr val="tx1"/>
+                </a:solidFill>
+                <a:latin typeface="Times New Roman" panose="02020603050405020304" pitchFamily="18" charset="0"/>
+                <a:cs typeface="Times New Roman" panose="02020603050405020304" pitchFamily="18" charset="0"/>
+              </a:rPr>
+              <a:t>querySelector</a:t>
+            </a:r>
+            <a:r>
+              <a:rPr lang="pt-BR" sz="2400" dirty="0">
+                <a:solidFill>
+                  <a:schemeClr val="tx1"/>
+                </a:solidFill>
+                <a:latin typeface="Times New Roman" panose="02020603050405020304" pitchFamily="18" charset="0"/>
+                <a:cs typeface="Times New Roman" panose="02020603050405020304" pitchFamily="18" charset="0"/>
+              </a:rPr>
+              <a:t>(</a:t>
+            </a:r>
+            <a:r>
+              <a:rPr lang="pt-BR" sz="2400" dirty="0" err="1">
+                <a:solidFill>
+                  <a:schemeClr val="tx1"/>
+                </a:solidFill>
+                <a:latin typeface="Times New Roman" panose="02020603050405020304" pitchFamily="18" charset="0"/>
+                <a:cs typeface="Times New Roman" panose="02020603050405020304" pitchFamily="18" charset="0"/>
+              </a:rPr>
+              <a:t>tag.Class</a:t>
+            </a:r>
+            <a:r>
+              <a:rPr lang="pt-BR" sz="2400" dirty="0">
+                <a:solidFill>
+                  <a:schemeClr val="tx1"/>
+                </a:solidFill>
+                <a:latin typeface="Times New Roman" panose="02020603050405020304" pitchFamily="18" charset="0"/>
+                <a:cs typeface="Times New Roman" panose="02020603050405020304" pitchFamily="18" charset="0"/>
+              </a:rPr>
+              <a:t>)</a:t>
+            </a:r>
+          </a:p>
+          <a:p>
+            <a:pPr algn="just">
+              <a:buFont typeface="Wingdings" panose="05000000000000000000" pitchFamily="2" charset="2"/>
+              <a:buChar char="ü"/>
+            </a:pPr>
+            <a:endParaRPr lang="pt-BR" sz="2000" dirty="0">
+              <a:solidFill>
+                <a:schemeClr val="tx1"/>
+              </a:solidFill>
+              <a:latin typeface="Times New Roman" panose="02020603050405020304" pitchFamily="18" charset="0"/>
+              <a:cs typeface="Times New Roman" panose="02020603050405020304" pitchFamily="18" charset="0"/>
+            </a:endParaRPr>
+          </a:p>
+          <a:p>
+            <a:pPr marL="0" indent="0" algn="just">
+              <a:buNone/>
+            </a:pPr>
+            <a:endParaRPr lang="pt-BR" sz="2400" dirty="0">
+              <a:solidFill>
+                <a:schemeClr val="tx1"/>
+              </a:solidFill>
+              <a:latin typeface="Times New Roman" panose="02020603050405020304" pitchFamily="18" charset="0"/>
+              <a:cs typeface="Times New Roman" panose="02020603050405020304" pitchFamily="18" charset="0"/>
+            </a:endParaRPr>
+          </a:p>
+        </p:txBody>
+      </p:sp>
+    </p:spTree>
+    <p:extLst>
+      <p:ext uri="{BB962C8B-B14F-4D97-AF65-F5344CB8AC3E}">
+        <p14:creationId xmlns:p14="http://schemas.microsoft.com/office/powerpoint/2010/main" val="3421983306"/>
+      </p:ext>
+    </p:extLst>
+  </p:cSld>
+  <p:clrMapOvr>
+    <a:masterClrMapping/>
+  </p:clrMapOvr>
+  <p:transition spd="med"/>
+</p:sld>
+</file>
+
 <file path=ppt/slides/slide17.xml><?xml version="1.0" encoding="utf-8"?>
 <p:sld xmlns:a="http://schemas.openxmlformats.org/drawingml/2006/main" xmlns:r="http://schemas.openxmlformats.org/officeDocument/2006/relationships" xmlns:p="http://schemas.openxmlformats.org/presentationml/2006/main">
   <p:cSld>
@@ -6651,7 +6910,7 @@
                   <a:srgbClr val="0070C0"/>
                 </a:solidFill>
               </a:rPr>
-              <a:t>JS – DOM - </a:t>
+              <a:t>JS – DOM </a:t>
             </a:r>
             <a:r>
               <a:rPr lang="en-US" b="1" dirty="0" err="1">
@@ -6659,23 +6918,7 @@
                   <a:srgbClr val="0070C0"/>
                 </a:solidFill>
               </a:rPr>
-              <a:t>Tipos</a:t>
-            </a:r>
-            <a:r>
-              <a:rPr lang="en-US" b="1" dirty="0">
-                <a:solidFill>
-                  <a:srgbClr val="0070C0"/>
-                </a:solidFill>
-              </a:rPr>
-              <a:t> de </a:t>
-            </a:r>
-            <a:r>
-              <a:rPr lang="en-US" b="1" dirty="0" err="1">
-                <a:solidFill>
-                  <a:srgbClr val="0070C0"/>
-                </a:solidFill>
-              </a:rPr>
-              <a:t>Acesso</a:t>
+              <a:t>Exemplo</a:t>
             </a:r>
             <a:endParaRPr lang="en-US" b="1" dirty="0">
               <a:solidFill>
@@ -6718,450 +6961,22 @@
                 <a:latin typeface="Times New Roman" panose="02020603050405020304" pitchFamily="18" charset="0"/>
                 <a:cs typeface="Times New Roman" panose="02020603050405020304" pitchFamily="18" charset="0"/>
               </a:rPr>
-              <a:t>Por:</a:t>
+              <a:t>Exemplo 1</a:t>
+            </a:r>
+            <a:r>
+              <a:rPr lang="pt-BR" sz="2400" dirty="0">
+                <a:solidFill>
+                  <a:schemeClr val="tx1"/>
+                </a:solidFill>
+                <a:latin typeface="Times New Roman" panose="02020603050405020304" pitchFamily="18" charset="0"/>
+                <a:cs typeface="Times New Roman" panose="02020603050405020304" pitchFamily="18" charset="0"/>
+              </a:rPr>
+              <a:t>:</a:t>
             </a:r>
           </a:p>
           <a:p>
             <a:pPr marL="0" indent="0" algn="just">
               <a:buNone/>
-            </a:pPr>
-            <a:endParaRPr lang="pt-BR" sz="2400" b="1" dirty="0">
-              <a:solidFill>
-                <a:schemeClr val="tx1"/>
-              </a:solidFill>
-              <a:latin typeface="Times New Roman" panose="02020603050405020304" pitchFamily="18" charset="0"/>
-              <a:cs typeface="Times New Roman" panose="02020603050405020304" pitchFamily="18" charset="0"/>
-            </a:endParaRPr>
-          </a:p>
-          <a:p>
-            <a:pPr algn="just">
-              <a:buFont typeface="Wingdings" panose="05000000000000000000" pitchFamily="2" charset="2"/>
-              <a:buChar char="ü"/>
-            </a:pPr>
-            <a:r>
-              <a:rPr lang="pt-BR" sz="2400" b="1" dirty="0" err="1">
-                <a:solidFill>
-                  <a:srgbClr val="FF0000"/>
-                </a:solidFill>
-                <a:latin typeface="Times New Roman" panose="02020603050405020304" pitchFamily="18" charset="0"/>
-                <a:cs typeface="Times New Roman" panose="02020603050405020304" pitchFamily="18" charset="0"/>
-              </a:rPr>
-              <a:t>Tag</a:t>
-            </a:r>
-            <a:r>
-              <a:rPr lang="pt-BR" sz="2400" b="1" dirty="0">
-                <a:solidFill>
-                  <a:schemeClr val="tx1"/>
-                </a:solidFill>
-                <a:latin typeface="Times New Roman" panose="02020603050405020304" pitchFamily="18" charset="0"/>
-                <a:cs typeface="Times New Roman" panose="02020603050405020304" pitchFamily="18" charset="0"/>
-              </a:rPr>
-              <a:t> = </a:t>
-            </a:r>
-            <a:r>
-              <a:rPr lang="pt-BR" sz="2400" dirty="0" err="1">
-                <a:solidFill>
-                  <a:schemeClr val="tx1"/>
-                </a:solidFill>
-                <a:latin typeface="Times New Roman" panose="02020603050405020304" pitchFamily="18" charset="0"/>
-                <a:cs typeface="Times New Roman" panose="02020603050405020304" pitchFamily="18" charset="0"/>
-              </a:rPr>
-              <a:t>document.</a:t>
-            </a:r>
-            <a:r>
-              <a:rPr lang="pt-BR" sz="2400" b="1" dirty="0" err="1">
-                <a:solidFill>
-                  <a:schemeClr val="tx1"/>
-                </a:solidFill>
-                <a:latin typeface="Times New Roman" panose="02020603050405020304" pitchFamily="18" charset="0"/>
-                <a:cs typeface="Times New Roman" panose="02020603050405020304" pitchFamily="18" charset="0"/>
-              </a:rPr>
-              <a:t>getElementsByTagName</a:t>
-            </a:r>
-            <a:r>
-              <a:rPr lang="pt-BR" sz="2400" dirty="0">
-                <a:solidFill>
-                  <a:schemeClr val="tx1"/>
-                </a:solidFill>
-                <a:latin typeface="Times New Roman" panose="02020603050405020304" pitchFamily="18" charset="0"/>
-                <a:cs typeface="Times New Roman" panose="02020603050405020304" pitchFamily="18" charset="0"/>
-              </a:rPr>
-              <a:t>(</a:t>
-            </a:r>
-            <a:r>
-              <a:rPr lang="pt-BR" sz="2400" dirty="0" err="1">
-                <a:solidFill>
-                  <a:schemeClr val="tx1"/>
-                </a:solidFill>
-                <a:latin typeface="Times New Roman" panose="02020603050405020304" pitchFamily="18" charset="0"/>
-                <a:cs typeface="Times New Roman" panose="02020603050405020304" pitchFamily="18" charset="0"/>
-              </a:rPr>
-              <a:t>tag</a:t>
-            </a:r>
-            <a:r>
-              <a:rPr lang="pt-BR" sz="2400" dirty="0">
-                <a:solidFill>
-                  <a:schemeClr val="tx1"/>
-                </a:solidFill>
-                <a:latin typeface="Times New Roman" panose="02020603050405020304" pitchFamily="18" charset="0"/>
-                <a:cs typeface="Times New Roman" panose="02020603050405020304" pitchFamily="18" charset="0"/>
-              </a:rPr>
-              <a:t>)</a:t>
-            </a:r>
-          </a:p>
-          <a:p>
-            <a:pPr algn="just">
-              <a:buFont typeface="Wingdings" panose="05000000000000000000" pitchFamily="2" charset="2"/>
-              <a:buChar char="ü"/>
-            </a:pPr>
-            <a:r>
-              <a:rPr lang="pt-BR" sz="2400" b="1" dirty="0">
-                <a:solidFill>
-                  <a:srgbClr val="FF0000"/>
-                </a:solidFill>
-                <a:latin typeface="Times New Roman" panose="02020603050405020304" pitchFamily="18" charset="0"/>
-                <a:cs typeface="Times New Roman" panose="02020603050405020304" pitchFamily="18" charset="0"/>
-              </a:rPr>
-              <a:t>Id</a:t>
-            </a:r>
-            <a:r>
-              <a:rPr lang="pt-BR" sz="2400" b="1" dirty="0">
-                <a:solidFill>
-                  <a:schemeClr val="tx1"/>
-                </a:solidFill>
-                <a:latin typeface="Times New Roman" panose="02020603050405020304" pitchFamily="18" charset="0"/>
-                <a:cs typeface="Times New Roman" panose="02020603050405020304" pitchFamily="18" charset="0"/>
-              </a:rPr>
-              <a:t> = </a:t>
-            </a:r>
-            <a:r>
-              <a:rPr lang="pt-BR" sz="2400" dirty="0" err="1">
-                <a:solidFill>
-                  <a:schemeClr val="tx1"/>
-                </a:solidFill>
-                <a:latin typeface="Times New Roman" panose="02020603050405020304" pitchFamily="18" charset="0"/>
-                <a:cs typeface="Times New Roman" panose="02020603050405020304" pitchFamily="18" charset="0"/>
-              </a:rPr>
-              <a:t>document.</a:t>
-            </a:r>
-            <a:r>
-              <a:rPr lang="pt-BR" sz="2400" b="1" dirty="0" err="1">
-                <a:solidFill>
-                  <a:schemeClr val="tx1"/>
-                </a:solidFill>
-                <a:latin typeface="Times New Roman" panose="02020603050405020304" pitchFamily="18" charset="0"/>
-                <a:cs typeface="Times New Roman" panose="02020603050405020304" pitchFamily="18" charset="0"/>
-              </a:rPr>
-              <a:t>getElementById</a:t>
-            </a:r>
-            <a:r>
-              <a:rPr lang="pt-BR" sz="2400" dirty="0">
-                <a:solidFill>
-                  <a:schemeClr val="tx1"/>
-                </a:solidFill>
-                <a:latin typeface="Times New Roman" panose="02020603050405020304" pitchFamily="18" charset="0"/>
-                <a:cs typeface="Times New Roman" panose="02020603050405020304" pitchFamily="18" charset="0"/>
-              </a:rPr>
-              <a:t>(Id)</a:t>
-            </a:r>
-          </a:p>
-          <a:p>
-            <a:pPr algn="just">
-              <a:buFont typeface="Wingdings" panose="05000000000000000000" pitchFamily="2" charset="2"/>
-              <a:buChar char="ü"/>
-            </a:pPr>
-            <a:r>
-              <a:rPr lang="pt-BR" sz="2400" b="1" dirty="0" err="1">
-                <a:solidFill>
-                  <a:srgbClr val="FF0000"/>
-                </a:solidFill>
-                <a:latin typeface="Times New Roman" panose="02020603050405020304" pitchFamily="18" charset="0"/>
-                <a:cs typeface="Times New Roman" panose="02020603050405020304" pitchFamily="18" charset="0"/>
-              </a:rPr>
-              <a:t>Name</a:t>
-            </a:r>
-            <a:r>
-              <a:rPr lang="pt-BR" sz="2400" b="1" dirty="0">
-                <a:solidFill>
-                  <a:schemeClr val="tx1"/>
-                </a:solidFill>
-                <a:latin typeface="Times New Roman" panose="02020603050405020304" pitchFamily="18" charset="0"/>
-                <a:cs typeface="Times New Roman" panose="02020603050405020304" pitchFamily="18" charset="0"/>
-              </a:rPr>
-              <a:t> = </a:t>
-            </a:r>
-            <a:r>
-              <a:rPr lang="pt-BR" sz="2400" dirty="0" err="1">
-                <a:solidFill>
-                  <a:schemeClr val="tx1"/>
-                </a:solidFill>
-                <a:latin typeface="Times New Roman" panose="02020603050405020304" pitchFamily="18" charset="0"/>
-                <a:cs typeface="Times New Roman" panose="02020603050405020304" pitchFamily="18" charset="0"/>
-              </a:rPr>
-              <a:t>document.</a:t>
-            </a:r>
-            <a:r>
-              <a:rPr lang="pt-BR" sz="2400" b="1" dirty="0" err="1">
-                <a:solidFill>
-                  <a:schemeClr val="tx1"/>
-                </a:solidFill>
-                <a:latin typeface="Times New Roman" panose="02020603050405020304" pitchFamily="18" charset="0"/>
-                <a:cs typeface="Times New Roman" panose="02020603050405020304" pitchFamily="18" charset="0"/>
-              </a:rPr>
-              <a:t>getElementsByName</a:t>
-            </a:r>
-            <a:r>
-              <a:rPr lang="pt-BR" sz="2400" dirty="0">
-                <a:solidFill>
-                  <a:schemeClr val="tx1"/>
-                </a:solidFill>
-                <a:latin typeface="Times New Roman" panose="02020603050405020304" pitchFamily="18" charset="0"/>
-                <a:cs typeface="Times New Roman" panose="02020603050405020304" pitchFamily="18" charset="0"/>
-              </a:rPr>
-              <a:t>(</a:t>
-            </a:r>
-            <a:r>
-              <a:rPr lang="pt-BR" sz="2400" dirty="0" err="1">
-                <a:solidFill>
-                  <a:schemeClr val="tx1"/>
-                </a:solidFill>
-                <a:latin typeface="Times New Roman" panose="02020603050405020304" pitchFamily="18" charset="0"/>
-                <a:cs typeface="Times New Roman" panose="02020603050405020304" pitchFamily="18" charset="0"/>
-              </a:rPr>
-              <a:t>name</a:t>
-            </a:r>
-            <a:r>
-              <a:rPr lang="pt-BR" sz="2400" dirty="0">
-                <a:solidFill>
-                  <a:schemeClr val="tx1"/>
-                </a:solidFill>
-                <a:latin typeface="Times New Roman" panose="02020603050405020304" pitchFamily="18" charset="0"/>
-                <a:cs typeface="Times New Roman" panose="02020603050405020304" pitchFamily="18" charset="0"/>
-              </a:rPr>
-              <a:t>)</a:t>
-            </a:r>
-          </a:p>
-          <a:p>
-            <a:pPr algn="just">
-              <a:buFont typeface="Wingdings" panose="05000000000000000000" pitchFamily="2" charset="2"/>
-              <a:buChar char="ü"/>
-            </a:pPr>
-            <a:r>
-              <a:rPr lang="pt-BR" sz="2400" b="1" dirty="0" err="1">
-                <a:solidFill>
-                  <a:srgbClr val="FF0000"/>
-                </a:solidFill>
-                <a:latin typeface="Times New Roman" panose="02020603050405020304" pitchFamily="18" charset="0"/>
-                <a:cs typeface="Times New Roman" panose="02020603050405020304" pitchFamily="18" charset="0"/>
-              </a:rPr>
-              <a:t>Class</a:t>
-            </a:r>
-            <a:r>
-              <a:rPr lang="pt-BR" sz="2400" b="1" dirty="0">
-                <a:solidFill>
-                  <a:schemeClr val="tx1"/>
-                </a:solidFill>
-                <a:latin typeface="Times New Roman" panose="02020603050405020304" pitchFamily="18" charset="0"/>
-                <a:cs typeface="Times New Roman" panose="02020603050405020304" pitchFamily="18" charset="0"/>
-              </a:rPr>
-              <a:t> = </a:t>
-            </a:r>
-            <a:r>
-              <a:rPr lang="pt-BR" sz="2400" dirty="0" err="1">
-                <a:solidFill>
-                  <a:schemeClr val="tx1"/>
-                </a:solidFill>
-                <a:latin typeface="Times New Roman" panose="02020603050405020304" pitchFamily="18" charset="0"/>
-                <a:cs typeface="Times New Roman" panose="02020603050405020304" pitchFamily="18" charset="0"/>
-              </a:rPr>
-              <a:t>document.</a:t>
-            </a:r>
-            <a:r>
-              <a:rPr lang="pt-BR" sz="2400" b="1" dirty="0" err="1">
-                <a:solidFill>
-                  <a:schemeClr val="tx1"/>
-                </a:solidFill>
-                <a:latin typeface="Times New Roman" panose="02020603050405020304" pitchFamily="18" charset="0"/>
-                <a:cs typeface="Times New Roman" panose="02020603050405020304" pitchFamily="18" charset="0"/>
-              </a:rPr>
-              <a:t>getElementsByClassName</a:t>
-            </a:r>
-            <a:r>
-              <a:rPr lang="pt-BR" sz="2400" dirty="0">
-                <a:solidFill>
-                  <a:schemeClr val="tx1"/>
-                </a:solidFill>
-                <a:latin typeface="Times New Roman" panose="02020603050405020304" pitchFamily="18" charset="0"/>
-                <a:cs typeface="Times New Roman" panose="02020603050405020304" pitchFamily="18" charset="0"/>
-              </a:rPr>
-              <a:t>(</a:t>
-            </a:r>
-            <a:r>
-              <a:rPr lang="pt-BR" sz="2400" dirty="0" err="1">
-                <a:solidFill>
-                  <a:schemeClr val="tx1"/>
-                </a:solidFill>
-                <a:latin typeface="Times New Roman" panose="02020603050405020304" pitchFamily="18" charset="0"/>
-                <a:cs typeface="Times New Roman" panose="02020603050405020304" pitchFamily="18" charset="0"/>
-              </a:rPr>
-              <a:t>class</a:t>
-            </a:r>
-            <a:r>
-              <a:rPr lang="pt-BR" sz="2400" dirty="0">
-                <a:solidFill>
-                  <a:schemeClr val="tx1"/>
-                </a:solidFill>
-                <a:latin typeface="Times New Roman" panose="02020603050405020304" pitchFamily="18" charset="0"/>
-                <a:cs typeface="Times New Roman" panose="02020603050405020304" pitchFamily="18" charset="0"/>
-              </a:rPr>
-              <a:t>)</a:t>
-            </a:r>
-          </a:p>
-          <a:p>
-            <a:pPr algn="just">
-              <a:buFont typeface="Wingdings" panose="05000000000000000000" pitchFamily="2" charset="2"/>
-              <a:buChar char="ü"/>
-            </a:pPr>
-            <a:r>
-              <a:rPr lang="pt-BR" sz="2400" b="1" dirty="0">
-                <a:solidFill>
-                  <a:srgbClr val="FF0000"/>
-                </a:solidFill>
-                <a:latin typeface="Times New Roman" panose="02020603050405020304" pitchFamily="18" charset="0"/>
-                <a:cs typeface="Times New Roman" panose="02020603050405020304" pitchFamily="18" charset="0"/>
-              </a:rPr>
-              <a:t>Seletor</a:t>
-            </a:r>
-            <a:r>
-              <a:rPr lang="pt-BR" sz="2400" b="1" dirty="0">
-                <a:solidFill>
-                  <a:schemeClr val="tx1"/>
-                </a:solidFill>
-                <a:latin typeface="Times New Roman" panose="02020603050405020304" pitchFamily="18" charset="0"/>
-                <a:cs typeface="Times New Roman" panose="02020603050405020304" pitchFamily="18" charset="0"/>
-              </a:rPr>
-              <a:t> = </a:t>
-            </a:r>
-            <a:r>
-              <a:rPr lang="pt-BR" sz="2400" dirty="0" err="1">
-                <a:solidFill>
-                  <a:schemeClr val="tx1"/>
-                </a:solidFill>
-                <a:latin typeface="Times New Roman" panose="02020603050405020304" pitchFamily="18" charset="0"/>
-                <a:cs typeface="Times New Roman" panose="02020603050405020304" pitchFamily="18" charset="0"/>
-              </a:rPr>
-              <a:t>document.</a:t>
-            </a:r>
-            <a:r>
-              <a:rPr lang="pt-BR" sz="2400" b="1" dirty="0" err="1">
-                <a:solidFill>
-                  <a:schemeClr val="tx1"/>
-                </a:solidFill>
-                <a:latin typeface="Times New Roman" panose="02020603050405020304" pitchFamily="18" charset="0"/>
-                <a:cs typeface="Times New Roman" panose="02020603050405020304" pitchFamily="18" charset="0"/>
-              </a:rPr>
-              <a:t>querySelector</a:t>
-            </a:r>
-            <a:r>
-              <a:rPr lang="pt-BR" sz="2400" dirty="0">
-                <a:solidFill>
-                  <a:schemeClr val="tx1"/>
-                </a:solidFill>
-                <a:latin typeface="Times New Roman" panose="02020603050405020304" pitchFamily="18" charset="0"/>
-                <a:cs typeface="Times New Roman" panose="02020603050405020304" pitchFamily="18" charset="0"/>
-              </a:rPr>
-              <a:t>(</a:t>
-            </a:r>
-            <a:r>
-              <a:rPr lang="pt-BR" sz="2400" dirty="0" err="1">
-                <a:solidFill>
-                  <a:schemeClr val="tx1"/>
-                </a:solidFill>
-                <a:latin typeface="Times New Roman" panose="02020603050405020304" pitchFamily="18" charset="0"/>
-                <a:cs typeface="Times New Roman" panose="02020603050405020304" pitchFamily="18" charset="0"/>
-              </a:rPr>
-              <a:t>tag#Id</a:t>
-            </a:r>
-            <a:r>
-              <a:rPr lang="pt-BR" sz="2400" dirty="0">
-                <a:solidFill>
-                  <a:schemeClr val="tx1"/>
-                </a:solidFill>
-                <a:latin typeface="Times New Roman" panose="02020603050405020304" pitchFamily="18" charset="0"/>
-                <a:cs typeface="Times New Roman" panose="02020603050405020304" pitchFamily="18" charset="0"/>
-              </a:rPr>
-              <a:t>) ou </a:t>
-            </a:r>
-          </a:p>
-          <a:p>
-            <a:pPr marL="0" lvl="3" indent="0" algn="just">
-              <a:buNone/>
-            </a:pPr>
-            <a:r>
-              <a:rPr lang="pt-BR" sz="2400" b="1" dirty="0">
-                <a:solidFill>
-                  <a:schemeClr val="tx1"/>
-                </a:solidFill>
-                <a:latin typeface="Times New Roman" panose="02020603050405020304" pitchFamily="18" charset="0"/>
-                <a:cs typeface="Times New Roman" panose="02020603050405020304" pitchFamily="18" charset="0"/>
-              </a:rPr>
-              <a:t>			   </a:t>
-            </a:r>
-            <a:r>
-              <a:rPr lang="pt-BR" sz="2400" dirty="0" err="1">
-                <a:solidFill>
-                  <a:schemeClr val="tx1"/>
-                </a:solidFill>
-                <a:latin typeface="Times New Roman" panose="02020603050405020304" pitchFamily="18" charset="0"/>
-                <a:cs typeface="Times New Roman" panose="02020603050405020304" pitchFamily="18" charset="0"/>
-              </a:rPr>
-              <a:t>document.</a:t>
-            </a:r>
-            <a:r>
-              <a:rPr lang="pt-BR" sz="2400" b="1" dirty="0" err="1">
-                <a:solidFill>
-                  <a:schemeClr val="tx1"/>
-                </a:solidFill>
-                <a:latin typeface="Times New Roman" panose="02020603050405020304" pitchFamily="18" charset="0"/>
-                <a:cs typeface="Times New Roman" panose="02020603050405020304" pitchFamily="18" charset="0"/>
-              </a:rPr>
-              <a:t>querySelector</a:t>
-            </a:r>
-            <a:r>
-              <a:rPr lang="pt-BR" sz="2400" dirty="0">
-                <a:solidFill>
-                  <a:schemeClr val="tx1"/>
-                </a:solidFill>
-                <a:latin typeface="Times New Roman" panose="02020603050405020304" pitchFamily="18" charset="0"/>
-                <a:cs typeface="Times New Roman" panose="02020603050405020304" pitchFamily="18" charset="0"/>
-              </a:rPr>
-              <a:t>(</a:t>
-            </a:r>
-            <a:r>
-              <a:rPr lang="pt-BR" sz="2400" dirty="0" err="1">
-                <a:solidFill>
-                  <a:schemeClr val="tx1"/>
-                </a:solidFill>
-                <a:latin typeface="Times New Roman" panose="02020603050405020304" pitchFamily="18" charset="0"/>
-                <a:cs typeface="Times New Roman" panose="02020603050405020304" pitchFamily="18" charset="0"/>
-              </a:rPr>
-              <a:t>tag.Class</a:t>
-            </a:r>
-            <a:r>
-              <a:rPr lang="pt-BR" sz="2400" dirty="0">
-                <a:solidFill>
-                  <a:schemeClr val="tx1"/>
-                </a:solidFill>
-                <a:latin typeface="Times New Roman" panose="02020603050405020304" pitchFamily="18" charset="0"/>
-                <a:cs typeface="Times New Roman" panose="02020603050405020304" pitchFamily="18" charset="0"/>
-              </a:rPr>
-              <a:t>)</a:t>
-            </a:r>
-          </a:p>
-          <a:p>
-            <a:pPr algn="just">
-              <a:buFont typeface="Wingdings" panose="05000000000000000000" pitchFamily="2" charset="2"/>
-              <a:buChar char="ü"/>
             </a:pPr>
             <a:endParaRPr lang="pt-BR" sz="2000" dirty="0">
               <a:solidFill>
@@ -7175,6 +6990,333 @@
             <a:pPr marL="0" indent="0" algn="just">
               <a:buNone/>
             </a:pPr>
+            <a:r>
+              <a:rPr lang="pt-BR" sz="2000" dirty="0">
+                <a:solidFill>
+                  <a:schemeClr val="tx1"/>
+                </a:solidFill>
+                <a:latin typeface="Times New Roman" panose="02020603050405020304" pitchFamily="18" charset="0"/>
+                <a:cs typeface="Times New Roman" panose="02020603050405020304" pitchFamily="18" charset="0"/>
+              </a:rPr>
+              <a:t> &lt;script&gt;</a:t>
+            </a:r>
+          </a:p>
+          <a:p>
+            <a:pPr marL="0" indent="0" algn="just">
+              <a:buNone/>
+            </a:pPr>
+            <a:r>
+              <a:rPr lang="pt-BR" sz="2000" dirty="0">
+                <a:solidFill>
+                  <a:schemeClr val="tx1"/>
+                </a:solidFill>
+                <a:latin typeface="Times New Roman" panose="02020603050405020304" pitchFamily="18" charset="0"/>
+                <a:cs typeface="Times New Roman" panose="02020603050405020304" pitchFamily="18" charset="0"/>
+              </a:rPr>
+              <a:t>	</a:t>
+            </a:r>
+            <a:r>
+              <a:rPr lang="pt-BR" sz="2000" b="1" dirty="0" err="1">
+                <a:solidFill>
+                  <a:schemeClr val="tx1"/>
+                </a:solidFill>
+                <a:latin typeface="Times New Roman" panose="02020603050405020304" pitchFamily="18" charset="0"/>
+                <a:cs typeface="Times New Roman" panose="02020603050405020304" pitchFamily="18" charset="0"/>
+              </a:rPr>
+              <a:t>document</a:t>
+            </a:r>
+            <a:r>
+              <a:rPr lang="pt-BR" sz="2000" dirty="0" err="1">
+                <a:solidFill>
+                  <a:schemeClr val="tx1"/>
+                </a:solidFill>
+                <a:latin typeface="Times New Roman" panose="02020603050405020304" pitchFamily="18" charset="0"/>
+                <a:cs typeface="Times New Roman" panose="02020603050405020304" pitchFamily="18" charset="0"/>
+              </a:rPr>
+              <a:t>.querySelector</a:t>
+            </a:r>
+            <a:r>
+              <a:rPr lang="pt-BR" sz="2000" dirty="0">
+                <a:solidFill>
+                  <a:schemeClr val="tx1"/>
+                </a:solidFill>
+                <a:latin typeface="Times New Roman" panose="02020603050405020304" pitchFamily="18" charset="0"/>
+                <a:cs typeface="Times New Roman" panose="02020603050405020304" pitchFamily="18" charset="0"/>
+              </a:rPr>
+              <a:t>(‘</a:t>
+            </a:r>
+            <a:r>
+              <a:rPr lang="pt-BR" sz="2000" dirty="0" err="1">
+                <a:solidFill>
+                  <a:schemeClr val="tx1"/>
+                </a:solidFill>
+                <a:latin typeface="Times New Roman" panose="02020603050405020304" pitchFamily="18" charset="0"/>
+                <a:cs typeface="Times New Roman" panose="02020603050405020304" pitchFamily="18" charset="0"/>
+              </a:rPr>
+              <a:t>img</a:t>
+            </a:r>
+            <a:r>
+              <a:rPr lang="pt-BR" sz="2000" b="1" dirty="0" err="1">
+                <a:solidFill>
+                  <a:srgbClr val="FF0000"/>
+                </a:solidFill>
+                <a:latin typeface="Times New Roman" panose="02020603050405020304" pitchFamily="18" charset="0"/>
+                <a:cs typeface="Times New Roman" panose="02020603050405020304" pitchFamily="18" charset="0"/>
+              </a:rPr>
+              <a:t>#</a:t>
+            </a:r>
+            <a:r>
+              <a:rPr lang="pt-BR" sz="2000" dirty="0" err="1">
+                <a:solidFill>
+                  <a:schemeClr val="tx1"/>
+                </a:solidFill>
+                <a:latin typeface="Times New Roman" panose="02020603050405020304" pitchFamily="18" charset="0"/>
+                <a:cs typeface="Times New Roman" panose="02020603050405020304" pitchFamily="18" charset="0"/>
+              </a:rPr>
+              <a:t>idImagem</a:t>
+            </a:r>
+            <a:r>
+              <a:rPr lang="pt-BR" sz="2000" dirty="0">
+                <a:solidFill>
+                  <a:schemeClr val="tx1"/>
+                </a:solidFill>
+                <a:latin typeface="Times New Roman" panose="02020603050405020304" pitchFamily="18" charset="0"/>
+                <a:cs typeface="Times New Roman" panose="02020603050405020304" pitchFamily="18" charset="0"/>
+              </a:rPr>
+              <a:t>’).</a:t>
+            </a:r>
+            <a:r>
+              <a:rPr lang="pt-BR" sz="2000" dirty="0" err="1">
+                <a:solidFill>
+                  <a:schemeClr val="tx1"/>
+                </a:solidFill>
+                <a:latin typeface="Times New Roman" panose="02020603050405020304" pitchFamily="18" charset="0"/>
+                <a:cs typeface="Times New Roman" panose="02020603050405020304" pitchFamily="18" charset="0"/>
+              </a:rPr>
+              <a:t>style.visibility</a:t>
+            </a:r>
+            <a:r>
+              <a:rPr lang="pt-BR" sz="2000" dirty="0">
+                <a:solidFill>
+                  <a:schemeClr val="tx1"/>
+                </a:solidFill>
+                <a:latin typeface="Times New Roman" panose="02020603050405020304" pitchFamily="18" charset="0"/>
+                <a:cs typeface="Times New Roman" panose="02020603050405020304" pitchFamily="18" charset="0"/>
+              </a:rPr>
+              <a:t> = ‘</a:t>
+            </a:r>
+            <a:r>
+              <a:rPr lang="pt-BR" sz="2000" dirty="0" err="1">
+                <a:solidFill>
+                  <a:schemeClr val="tx1"/>
+                </a:solidFill>
+                <a:latin typeface="Times New Roman" panose="02020603050405020304" pitchFamily="18" charset="0"/>
+                <a:cs typeface="Times New Roman" panose="02020603050405020304" pitchFamily="18" charset="0"/>
+              </a:rPr>
+              <a:t>hidden</a:t>
+            </a:r>
+            <a:r>
+              <a:rPr lang="pt-BR" sz="2000" dirty="0">
+                <a:solidFill>
+                  <a:schemeClr val="tx1"/>
+                </a:solidFill>
+                <a:latin typeface="Times New Roman" panose="02020603050405020304" pitchFamily="18" charset="0"/>
+                <a:cs typeface="Times New Roman" panose="02020603050405020304" pitchFamily="18" charset="0"/>
+              </a:rPr>
+              <a:t>’;</a:t>
+            </a:r>
+          </a:p>
+          <a:p>
+            <a:pPr marL="0" indent="0" algn="just">
+              <a:buNone/>
+            </a:pPr>
+            <a:r>
+              <a:rPr lang="pt-BR" sz="2000" dirty="0">
+                <a:solidFill>
+                  <a:schemeClr val="tx1"/>
+                </a:solidFill>
+                <a:latin typeface="Times New Roman" panose="02020603050405020304" pitchFamily="18" charset="0"/>
+                <a:cs typeface="Times New Roman" panose="02020603050405020304" pitchFamily="18" charset="0"/>
+              </a:rPr>
+              <a:t> 	</a:t>
+            </a:r>
+            <a:r>
+              <a:rPr lang="pt-BR" sz="2000" b="1" dirty="0" err="1">
+                <a:solidFill>
+                  <a:schemeClr val="tx1"/>
+                </a:solidFill>
+                <a:latin typeface="Times New Roman" panose="02020603050405020304" pitchFamily="18" charset="0"/>
+                <a:cs typeface="Times New Roman" panose="02020603050405020304" pitchFamily="18" charset="0"/>
+              </a:rPr>
+              <a:t>document</a:t>
+            </a:r>
+            <a:r>
+              <a:rPr lang="pt-BR" sz="2000" dirty="0" err="1">
+                <a:solidFill>
+                  <a:schemeClr val="tx1"/>
+                </a:solidFill>
+                <a:latin typeface="Times New Roman" panose="02020603050405020304" pitchFamily="18" charset="0"/>
+                <a:cs typeface="Times New Roman" panose="02020603050405020304" pitchFamily="18" charset="0"/>
+              </a:rPr>
+              <a:t>.querySelector</a:t>
+            </a:r>
+            <a:r>
+              <a:rPr lang="pt-BR" sz="2000" dirty="0">
+                <a:solidFill>
+                  <a:schemeClr val="tx1"/>
+                </a:solidFill>
+                <a:latin typeface="Times New Roman" panose="02020603050405020304" pitchFamily="18" charset="0"/>
+                <a:cs typeface="Times New Roman" panose="02020603050405020304" pitchFamily="18" charset="0"/>
+              </a:rPr>
+              <a:t>(‘h1</a:t>
+            </a:r>
+            <a:r>
+              <a:rPr lang="pt-BR" sz="2000" b="1" dirty="0">
+                <a:solidFill>
+                  <a:srgbClr val="FF0000"/>
+                </a:solidFill>
+                <a:latin typeface="Times New Roman" panose="02020603050405020304" pitchFamily="18" charset="0"/>
+                <a:cs typeface="Times New Roman" panose="02020603050405020304" pitchFamily="18" charset="0"/>
+              </a:rPr>
+              <a:t>.</a:t>
+            </a:r>
+            <a:r>
+              <a:rPr lang="pt-BR" sz="2000" dirty="0">
+                <a:solidFill>
+                  <a:schemeClr val="tx1"/>
+                </a:solidFill>
+                <a:latin typeface="Times New Roman" panose="02020603050405020304" pitchFamily="18" charset="0"/>
+                <a:cs typeface="Times New Roman" panose="02020603050405020304" pitchFamily="18" charset="0"/>
+              </a:rPr>
+              <a:t>classH1’).</a:t>
+            </a:r>
+            <a:r>
+              <a:rPr lang="pt-BR" sz="2000" dirty="0" err="1">
+                <a:solidFill>
+                  <a:schemeClr val="tx1"/>
+                </a:solidFill>
+                <a:latin typeface="Times New Roman" panose="02020603050405020304" pitchFamily="18" charset="0"/>
+                <a:cs typeface="Times New Roman" panose="02020603050405020304" pitchFamily="18" charset="0"/>
+              </a:rPr>
+              <a:t>innerText</a:t>
+            </a:r>
+            <a:r>
+              <a:rPr lang="pt-BR" sz="2000" dirty="0">
+                <a:solidFill>
+                  <a:schemeClr val="tx1"/>
+                </a:solidFill>
+                <a:latin typeface="Times New Roman" panose="02020603050405020304" pitchFamily="18" charset="0"/>
+                <a:cs typeface="Times New Roman" panose="02020603050405020304" pitchFamily="18" charset="0"/>
+              </a:rPr>
+              <a:t> = ‘Texto’;</a:t>
+            </a:r>
+          </a:p>
+          <a:p>
+            <a:pPr marL="0" indent="0" algn="just">
+              <a:buNone/>
+            </a:pPr>
+            <a:endParaRPr lang="pt-BR" sz="2000" dirty="0">
+              <a:solidFill>
+                <a:schemeClr val="tx1"/>
+              </a:solidFill>
+              <a:latin typeface="Times New Roman" panose="02020603050405020304" pitchFamily="18" charset="0"/>
+              <a:cs typeface="Times New Roman" panose="02020603050405020304" pitchFamily="18" charset="0"/>
+            </a:endParaRPr>
+          </a:p>
+          <a:p>
+            <a:pPr marL="0" indent="0" algn="just">
+              <a:buNone/>
+            </a:pPr>
+            <a:r>
+              <a:rPr lang="pt-BR" sz="2000" dirty="0">
+                <a:solidFill>
+                  <a:schemeClr val="tx1"/>
+                </a:solidFill>
+                <a:latin typeface="Times New Roman" panose="02020603050405020304" pitchFamily="18" charset="0"/>
+                <a:cs typeface="Times New Roman" panose="02020603050405020304" pitchFamily="18" charset="0"/>
+              </a:rPr>
+              <a:t>	</a:t>
+            </a:r>
+            <a:r>
+              <a:rPr lang="pt-BR" sz="2000" b="1" dirty="0" err="1">
+                <a:solidFill>
+                  <a:srgbClr val="FF0000"/>
+                </a:solidFill>
+                <a:latin typeface="Times New Roman" panose="02020603050405020304" pitchFamily="18" charset="0"/>
+                <a:cs typeface="Times New Roman" panose="02020603050405020304" pitchFamily="18" charset="0"/>
+              </a:rPr>
+              <a:t>alert</a:t>
+            </a:r>
+            <a:r>
+              <a:rPr lang="pt-BR" sz="2000" dirty="0">
+                <a:solidFill>
+                  <a:schemeClr val="tx1"/>
+                </a:solidFill>
+                <a:latin typeface="Times New Roman" panose="02020603050405020304" pitchFamily="18" charset="0"/>
+                <a:cs typeface="Times New Roman" panose="02020603050405020304" pitchFamily="18" charset="0"/>
+              </a:rPr>
+              <a:t>( </a:t>
+            </a:r>
+            <a:r>
+              <a:rPr lang="pt-BR" sz="2000" b="1" dirty="0" err="1">
+                <a:solidFill>
+                  <a:schemeClr val="tx1"/>
+                </a:solidFill>
+                <a:latin typeface="Times New Roman" panose="02020603050405020304" pitchFamily="18" charset="0"/>
+                <a:cs typeface="Times New Roman" panose="02020603050405020304" pitchFamily="18" charset="0"/>
+              </a:rPr>
+              <a:t>document</a:t>
+            </a:r>
+            <a:r>
+              <a:rPr lang="pt-BR" sz="2000" dirty="0" err="1">
+                <a:solidFill>
+                  <a:schemeClr val="tx1"/>
+                </a:solidFill>
+                <a:latin typeface="Times New Roman" panose="02020603050405020304" pitchFamily="18" charset="0"/>
+                <a:cs typeface="Times New Roman" panose="02020603050405020304" pitchFamily="18" charset="0"/>
+              </a:rPr>
+              <a:t>.getElementsTagName</a:t>
+            </a:r>
+            <a:r>
+              <a:rPr lang="pt-BR" sz="2000" dirty="0">
+                <a:solidFill>
+                  <a:schemeClr val="tx1"/>
+                </a:solidFill>
+                <a:latin typeface="Times New Roman" panose="02020603050405020304" pitchFamily="18" charset="0"/>
+                <a:cs typeface="Times New Roman" panose="02020603050405020304" pitchFamily="18" charset="0"/>
+              </a:rPr>
+              <a:t>(‘p’)[1] ); // </a:t>
+            </a:r>
+            <a:r>
+              <a:rPr lang="pt-BR" sz="2000" b="1" dirty="0">
+                <a:solidFill>
+                  <a:srgbClr val="FF0000"/>
+                </a:solidFill>
+                <a:latin typeface="Times New Roman" panose="02020603050405020304" pitchFamily="18" charset="0"/>
+                <a:cs typeface="Times New Roman" panose="02020603050405020304" pitchFamily="18" charset="0"/>
+              </a:rPr>
+              <a:t>índice</a:t>
+            </a:r>
+          </a:p>
+          <a:p>
+            <a:pPr marL="0" indent="0" algn="just">
+              <a:buNone/>
+            </a:pPr>
+            <a:r>
+              <a:rPr lang="pt-BR" sz="2000" dirty="0">
+                <a:solidFill>
+                  <a:schemeClr val="tx1"/>
+                </a:solidFill>
+                <a:latin typeface="Times New Roman" panose="02020603050405020304" pitchFamily="18" charset="0"/>
+                <a:cs typeface="Times New Roman" panose="02020603050405020304" pitchFamily="18" charset="0"/>
+              </a:rPr>
+              <a:t>&lt;/script&gt;</a:t>
+            </a:r>
+          </a:p>
+          <a:p>
+            <a:pPr marL="0" indent="0" algn="just">
+              <a:buNone/>
+            </a:pPr>
             <a:endParaRPr lang="pt-BR" sz="2400" dirty="0">
               <a:solidFill>
                 <a:schemeClr val="tx1"/>
@@ -7188,7 +7330,7 @@
     </p:spTree>
     <p:extLst>
       <p:ext uri="{BB962C8B-B14F-4D97-AF65-F5344CB8AC3E}">
-        <p14:creationId xmlns:p14="http://schemas.microsoft.com/office/powerpoint/2010/main" val="3421983306"/>
+        <p14:creationId xmlns:p14="http://schemas.microsoft.com/office/powerpoint/2010/main" val="2691521535"/>
       </p:ext>
     </p:extLst>
   </p:cSld>
@@ -7244,8 +7386,21 @@
                   <a:srgbClr val="0070C0"/>
                 </a:solidFill>
               </a:rPr>
-              <a:t>JS - DOM</a:t>
-            </a:r>
+              <a:t>JS – DOM </a:t>
+            </a:r>
+            <a:r>
+              <a:rPr lang="en-US" b="1" dirty="0" err="1">
+                <a:solidFill>
+                  <a:srgbClr val="0070C0"/>
+                </a:solidFill>
+              </a:rPr>
+              <a:t>Exemplo</a:t>
+            </a:r>
+            <a:endParaRPr lang="en-US" b="1" dirty="0">
+              <a:solidFill>
+                <a:srgbClr val="0070C0"/>
+              </a:solidFill>
+            </a:endParaRPr>
           </a:p>
         </p:txBody>
       </p:sp>
@@ -7282,197 +7437,351 @@
                 <a:latin typeface="Times New Roman" panose="02020603050405020304" pitchFamily="18" charset="0"/>
                 <a:cs typeface="Times New Roman" panose="02020603050405020304" pitchFamily="18" charset="0"/>
               </a:rPr>
-              <a:t>- Métodos dos elementos:</a:t>
+              <a:t>Exemplo 2</a:t>
+            </a:r>
+            <a:r>
+              <a:rPr lang="pt-BR" sz="2400" dirty="0">
+                <a:solidFill>
+                  <a:schemeClr val="tx1"/>
+                </a:solidFill>
+                <a:latin typeface="Times New Roman" panose="02020603050405020304" pitchFamily="18" charset="0"/>
+                <a:cs typeface="Times New Roman" panose="02020603050405020304" pitchFamily="18" charset="0"/>
+              </a:rPr>
+              <a:t>:</a:t>
             </a:r>
           </a:p>
           <a:p>
             <a:pPr marL="0" indent="0" algn="just">
               <a:buNone/>
             </a:pPr>
-            <a:r>
-              <a:rPr lang="pt-BR" sz="2400" b="1" dirty="0">
-                <a:solidFill>
-                  <a:schemeClr val="tx1"/>
-                </a:solidFill>
-                <a:latin typeface="Times New Roman" panose="02020603050405020304" pitchFamily="18" charset="0"/>
-                <a:cs typeface="Times New Roman" panose="02020603050405020304" pitchFamily="18" charset="0"/>
-              </a:rPr>
-              <a:t>1. </a:t>
-            </a:r>
-            <a:r>
-              <a:rPr lang="pt-BR" sz="2400" b="1" dirty="0" err="1">
-                <a:solidFill>
-                  <a:schemeClr val="tx1"/>
-                </a:solidFill>
-                <a:latin typeface="Times New Roman" panose="02020603050405020304" pitchFamily="18" charset="0"/>
-                <a:cs typeface="Times New Roman" panose="02020603050405020304" pitchFamily="18" charset="0"/>
-              </a:rPr>
-              <a:t>innerText</a:t>
-            </a:r>
-            <a:r>
-              <a:rPr lang="pt-BR" sz="2400" b="1" dirty="0">
-                <a:solidFill>
-                  <a:schemeClr val="tx1"/>
-                </a:solidFill>
-                <a:latin typeface="Times New Roman" panose="02020603050405020304" pitchFamily="18" charset="0"/>
-                <a:cs typeface="Times New Roman" panose="02020603050405020304" pitchFamily="18" charset="0"/>
-              </a:rPr>
-              <a:t> = </a:t>
-            </a:r>
-            <a:r>
-              <a:rPr lang="pt-BR" sz="2400" dirty="0">
-                <a:solidFill>
-                  <a:schemeClr val="tx1"/>
-                </a:solidFill>
-                <a:latin typeface="Times New Roman" panose="02020603050405020304" pitchFamily="18" charset="0"/>
-                <a:cs typeface="Times New Roman" panose="02020603050405020304" pitchFamily="18" charset="0"/>
-              </a:rPr>
-              <a:t>Texto HTML da </a:t>
-            </a:r>
-            <a:r>
-              <a:rPr lang="pt-BR" sz="2400" dirty="0" err="1">
-                <a:solidFill>
-                  <a:schemeClr val="tx1"/>
-                </a:solidFill>
-                <a:latin typeface="Times New Roman" panose="02020603050405020304" pitchFamily="18" charset="0"/>
-                <a:cs typeface="Times New Roman" panose="02020603050405020304" pitchFamily="18" charset="0"/>
-              </a:rPr>
-              <a:t>tag</a:t>
-            </a:r>
-            <a:r>
-              <a:rPr lang="pt-BR" sz="2400" dirty="0">
-                <a:solidFill>
-                  <a:schemeClr val="tx1"/>
-                </a:solidFill>
-                <a:latin typeface="Times New Roman" panose="02020603050405020304" pitchFamily="18" charset="0"/>
-                <a:cs typeface="Times New Roman" panose="02020603050405020304" pitchFamily="18" charset="0"/>
-              </a:rPr>
-              <a:t> </a:t>
-            </a:r>
-            <a:r>
-              <a:rPr lang="pt-BR" sz="2400" b="1" dirty="0">
-                <a:solidFill>
-                  <a:schemeClr val="tx1"/>
-                </a:solidFill>
-                <a:latin typeface="Times New Roman" panose="02020603050405020304" pitchFamily="18" charset="0"/>
-                <a:cs typeface="Times New Roman" panose="02020603050405020304" pitchFamily="18" charset="0"/>
-              </a:rPr>
-              <a:t>SEM</a:t>
-            </a:r>
-            <a:r>
-              <a:rPr lang="pt-BR" sz="2400" dirty="0">
-                <a:solidFill>
-                  <a:schemeClr val="tx1"/>
-                </a:solidFill>
-                <a:latin typeface="Times New Roman" panose="02020603050405020304" pitchFamily="18" charset="0"/>
-                <a:cs typeface="Times New Roman" panose="02020603050405020304" pitchFamily="18" charset="0"/>
-              </a:rPr>
-              <a:t> formatação;</a:t>
-            </a:r>
+            <a:endParaRPr lang="pt-BR" sz="2000" dirty="0">
+              <a:solidFill>
+                <a:schemeClr val="tx1"/>
+              </a:solidFill>
+              <a:latin typeface="Times New Roman" panose="02020603050405020304" pitchFamily="18" charset="0"/>
+              <a:cs typeface="Times New Roman" panose="02020603050405020304" pitchFamily="18" charset="0"/>
+            </a:endParaRPr>
           </a:p>
           <a:p>
             <a:pPr marL="0" indent="0" algn="just">
               <a:buNone/>
             </a:pPr>
             <a:r>
-              <a:rPr lang="pt-BR" sz="2400" b="1" dirty="0">
+              <a:rPr lang="pt-BR" sz="2000" dirty="0">
+                <a:solidFill>
+                  <a:schemeClr val="tx1"/>
+                </a:solidFill>
+                <a:latin typeface="Times New Roman" panose="02020603050405020304" pitchFamily="18" charset="0"/>
+                <a:cs typeface="Times New Roman" panose="02020603050405020304" pitchFamily="18" charset="0"/>
+              </a:rPr>
+              <a:t> &lt;script&gt;</a:t>
+            </a:r>
+          </a:p>
+          <a:p>
+            <a:pPr marL="0" indent="0" algn="just">
+              <a:buNone/>
+            </a:pPr>
+            <a:r>
+              <a:rPr lang="pt-BR" sz="2000" dirty="0">
+                <a:solidFill>
+                  <a:schemeClr val="tx1"/>
+                </a:solidFill>
+                <a:latin typeface="Times New Roman" panose="02020603050405020304" pitchFamily="18" charset="0"/>
+                <a:cs typeface="Times New Roman" panose="02020603050405020304" pitchFamily="18" charset="0"/>
+              </a:rPr>
+              <a:t> 	</a:t>
+            </a:r>
+            <a:r>
+              <a:rPr lang="pt-BR" sz="2000" b="1" dirty="0" err="1">
                 <a:solidFill>
                   <a:srgbClr val="FF0000"/>
                 </a:solidFill>
                 <a:latin typeface="Times New Roman" panose="02020603050405020304" pitchFamily="18" charset="0"/>
                 <a:cs typeface="Times New Roman" panose="02020603050405020304" pitchFamily="18" charset="0"/>
               </a:rPr>
-              <a:t>2. </a:t>
-            </a:r>
-            <a:r>
-              <a:rPr lang="pt-BR" sz="2400" b="1" dirty="0" err="1">
+              <a:t>window</a:t>
+            </a:r>
+            <a:r>
+              <a:rPr lang="pt-BR" sz="2000" dirty="0" err="1">
+                <a:solidFill>
+                  <a:schemeClr val="tx1"/>
+                </a:solidFill>
+                <a:latin typeface="Times New Roman" panose="02020603050405020304" pitchFamily="18" charset="0"/>
+                <a:cs typeface="Times New Roman" panose="02020603050405020304" pitchFamily="18" charset="0"/>
+              </a:rPr>
+              <a:t>.</a:t>
+            </a:r>
+            <a:r>
+              <a:rPr lang="pt-BR" sz="2000" b="1" dirty="0" err="1">
+                <a:solidFill>
+                  <a:schemeClr val="tx1"/>
+                </a:solidFill>
+                <a:latin typeface="Times New Roman" panose="02020603050405020304" pitchFamily="18" charset="0"/>
+                <a:cs typeface="Times New Roman" panose="02020603050405020304" pitchFamily="18" charset="0"/>
+              </a:rPr>
+              <a:t>document</a:t>
+            </a:r>
+            <a:r>
+              <a:rPr lang="pt-BR" sz="2000" dirty="0" err="1">
+                <a:solidFill>
+                  <a:schemeClr val="tx1"/>
+                </a:solidFill>
+                <a:latin typeface="Times New Roman" panose="02020603050405020304" pitchFamily="18" charset="0"/>
+                <a:cs typeface="Times New Roman" panose="02020603050405020304" pitchFamily="18" charset="0"/>
+              </a:rPr>
+              <a:t>.write</a:t>
+            </a:r>
+            <a:r>
+              <a:rPr lang="pt-BR" sz="2000" dirty="0">
+                <a:solidFill>
+                  <a:schemeClr val="tx1"/>
+                </a:solidFill>
+                <a:latin typeface="Times New Roman" panose="02020603050405020304" pitchFamily="18" charset="0"/>
+                <a:cs typeface="Times New Roman" panose="02020603050405020304" pitchFamily="18" charset="0"/>
+              </a:rPr>
+              <a:t>(window.document.URL);</a:t>
+            </a:r>
+          </a:p>
+          <a:p>
+            <a:pPr marL="0" indent="0" algn="just">
+              <a:buNone/>
+            </a:pPr>
+            <a:r>
+              <a:rPr lang="pt-BR" sz="2000" dirty="0">
+                <a:solidFill>
+                  <a:schemeClr val="tx1"/>
+                </a:solidFill>
+                <a:latin typeface="Times New Roman" panose="02020603050405020304" pitchFamily="18" charset="0"/>
+                <a:cs typeface="Times New Roman" panose="02020603050405020304" pitchFamily="18" charset="0"/>
+              </a:rPr>
+              <a:t> 	</a:t>
+            </a:r>
+            <a:r>
+              <a:rPr lang="pt-BR" sz="2000" b="1" dirty="0" err="1">
                 <a:solidFill>
                   <a:srgbClr val="FF0000"/>
                 </a:solidFill>
                 <a:latin typeface="Times New Roman" panose="02020603050405020304" pitchFamily="18" charset="0"/>
                 <a:cs typeface="Times New Roman" panose="02020603050405020304" pitchFamily="18" charset="0"/>
               </a:rPr>
-              <a:t>innerHTML</a:t>
-            </a:r>
-            <a:r>
-              <a:rPr lang="pt-BR" sz="2400" b="1" dirty="0">
-                <a:solidFill>
-                  <a:schemeClr val="tx1"/>
-                </a:solidFill>
-                <a:latin typeface="Times New Roman" panose="02020603050405020304" pitchFamily="18" charset="0"/>
-                <a:cs typeface="Times New Roman" panose="02020603050405020304" pitchFamily="18" charset="0"/>
-              </a:rPr>
-              <a:t>= </a:t>
-            </a:r>
-            <a:r>
-              <a:rPr lang="pt-BR" sz="2400" dirty="0">
-                <a:solidFill>
-                  <a:schemeClr val="tx1"/>
-                </a:solidFill>
-                <a:latin typeface="Times New Roman" panose="02020603050405020304" pitchFamily="18" charset="0"/>
-                <a:cs typeface="Times New Roman" panose="02020603050405020304" pitchFamily="18" charset="0"/>
-              </a:rPr>
-              <a:t>Texto HTML da </a:t>
-            </a:r>
-            <a:r>
-              <a:rPr lang="pt-BR" sz="2400" dirty="0" err="1">
-                <a:solidFill>
-                  <a:schemeClr val="tx1"/>
-                </a:solidFill>
-                <a:latin typeface="Times New Roman" panose="02020603050405020304" pitchFamily="18" charset="0"/>
-                <a:cs typeface="Times New Roman" panose="02020603050405020304" pitchFamily="18" charset="0"/>
-              </a:rPr>
-              <a:t>tag</a:t>
-            </a:r>
-            <a:r>
-              <a:rPr lang="pt-BR" sz="2400" dirty="0">
-                <a:solidFill>
-                  <a:schemeClr val="tx1"/>
-                </a:solidFill>
-                <a:latin typeface="Times New Roman" panose="02020603050405020304" pitchFamily="18" charset="0"/>
-                <a:cs typeface="Times New Roman" panose="02020603050405020304" pitchFamily="18" charset="0"/>
-              </a:rPr>
-              <a:t> </a:t>
-            </a:r>
-            <a:r>
-              <a:rPr lang="pt-BR" sz="2400" b="1" dirty="0">
-                <a:solidFill>
-                  <a:schemeClr val="tx1"/>
-                </a:solidFill>
-                <a:latin typeface="Times New Roman" panose="02020603050405020304" pitchFamily="18" charset="0"/>
-                <a:cs typeface="Times New Roman" panose="02020603050405020304" pitchFamily="18" charset="0"/>
-              </a:rPr>
-              <a:t>COM</a:t>
-            </a:r>
-            <a:r>
-              <a:rPr lang="pt-BR" sz="2400" dirty="0">
-                <a:solidFill>
-                  <a:schemeClr val="tx1"/>
-                </a:solidFill>
-                <a:latin typeface="Times New Roman" panose="02020603050405020304" pitchFamily="18" charset="0"/>
-                <a:cs typeface="Times New Roman" panose="02020603050405020304" pitchFamily="18" charset="0"/>
-              </a:rPr>
-              <a:t> formatação + </a:t>
-            </a:r>
-            <a:r>
-              <a:rPr lang="pt-BR" sz="2400" b="1" dirty="0" err="1">
-                <a:solidFill>
-                  <a:schemeClr val="tx1"/>
-                </a:solidFill>
-                <a:latin typeface="Times New Roman" panose="02020603050405020304" pitchFamily="18" charset="0"/>
-                <a:cs typeface="Times New Roman" panose="02020603050405020304" pitchFamily="18" charset="0"/>
-              </a:rPr>
-              <a:t>Tags</a:t>
-            </a:r>
-            <a:r>
-              <a:rPr lang="pt-BR" sz="2400" dirty="0">
-                <a:solidFill>
-                  <a:schemeClr val="tx1"/>
-                </a:solidFill>
-                <a:latin typeface="Times New Roman" panose="02020603050405020304" pitchFamily="18" charset="0"/>
-                <a:cs typeface="Times New Roman" panose="02020603050405020304" pitchFamily="18" charset="0"/>
-              </a:rPr>
-              <a:t>;</a:t>
+              <a:t>window</a:t>
+            </a:r>
+            <a:r>
+              <a:rPr lang="pt-BR" sz="2000" dirty="0" err="1">
+                <a:solidFill>
+                  <a:schemeClr val="tx1"/>
+                </a:solidFill>
+                <a:latin typeface="Times New Roman" panose="02020603050405020304" pitchFamily="18" charset="0"/>
+                <a:cs typeface="Times New Roman" panose="02020603050405020304" pitchFamily="18" charset="0"/>
+              </a:rPr>
+              <a:t>.</a:t>
+            </a:r>
+            <a:r>
+              <a:rPr lang="pt-BR" sz="2000" b="1" dirty="0" err="1">
+                <a:solidFill>
+                  <a:schemeClr val="tx1"/>
+                </a:solidFill>
+                <a:latin typeface="Times New Roman" panose="02020603050405020304" pitchFamily="18" charset="0"/>
+                <a:cs typeface="Times New Roman" panose="02020603050405020304" pitchFamily="18" charset="0"/>
+              </a:rPr>
+              <a:t>document</a:t>
+            </a:r>
+            <a:r>
+              <a:rPr lang="pt-BR" sz="2000" dirty="0" err="1">
+                <a:solidFill>
+                  <a:schemeClr val="tx1"/>
+                </a:solidFill>
+                <a:latin typeface="Times New Roman" panose="02020603050405020304" pitchFamily="18" charset="0"/>
+                <a:cs typeface="Times New Roman" panose="02020603050405020304" pitchFamily="18" charset="0"/>
+              </a:rPr>
+              <a:t>.write</a:t>
+            </a:r>
+            <a:r>
+              <a:rPr lang="pt-BR" sz="2000" dirty="0">
+                <a:solidFill>
+                  <a:schemeClr val="tx1"/>
+                </a:solidFill>
+                <a:latin typeface="Times New Roman" panose="02020603050405020304" pitchFamily="18" charset="0"/>
+                <a:cs typeface="Times New Roman" panose="02020603050405020304" pitchFamily="18" charset="0"/>
+              </a:rPr>
+              <a:t>(</a:t>
+            </a:r>
+            <a:r>
+              <a:rPr lang="pt-BR" sz="2000" dirty="0" err="1">
+                <a:solidFill>
+                  <a:schemeClr val="tx1"/>
+                </a:solidFill>
+                <a:latin typeface="Times New Roman" panose="02020603050405020304" pitchFamily="18" charset="0"/>
+                <a:cs typeface="Times New Roman" panose="02020603050405020304" pitchFamily="18" charset="0"/>
+              </a:rPr>
+              <a:t>window.document.charset</a:t>
+            </a:r>
+            <a:r>
+              <a:rPr lang="pt-BR" sz="2000" dirty="0">
+                <a:solidFill>
+                  <a:schemeClr val="tx1"/>
+                </a:solidFill>
+                <a:latin typeface="Times New Roman" panose="02020603050405020304" pitchFamily="18" charset="0"/>
+                <a:cs typeface="Times New Roman" panose="02020603050405020304" pitchFamily="18" charset="0"/>
+              </a:rPr>
+              <a:t>);</a:t>
+            </a:r>
+          </a:p>
+          <a:p>
+            <a:pPr marL="0" indent="0" algn="just">
+              <a:buNone/>
+            </a:pPr>
+            <a:r>
+              <a:rPr lang="pt-BR" sz="2000" dirty="0">
+                <a:solidFill>
+                  <a:schemeClr val="tx1"/>
+                </a:solidFill>
+                <a:latin typeface="Times New Roman" panose="02020603050405020304" pitchFamily="18" charset="0"/>
+                <a:cs typeface="Times New Roman" panose="02020603050405020304" pitchFamily="18" charset="0"/>
+              </a:rPr>
+              <a:t> 	</a:t>
+            </a:r>
+            <a:r>
+              <a:rPr lang="pt-BR" sz="2000" b="1" dirty="0" err="1">
+                <a:solidFill>
+                  <a:srgbClr val="FF0000"/>
+                </a:solidFill>
+                <a:latin typeface="Times New Roman" panose="02020603050405020304" pitchFamily="18" charset="0"/>
+                <a:cs typeface="Times New Roman" panose="02020603050405020304" pitchFamily="18" charset="0"/>
+              </a:rPr>
+              <a:t>window</a:t>
+            </a:r>
+            <a:r>
+              <a:rPr lang="pt-BR" sz="2000" dirty="0" err="1">
+                <a:solidFill>
+                  <a:schemeClr val="tx1"/>
+                </a:solidFill>
+                <a:latin typeface="Times New Roman" panose="02020603050405020304" pitchFamily="18" charset="0"/>
+                <a:cs typeface="Times New Roman" panose="02020603050405020304" pitchFamily="18" charset="0"/>
+              </a:rPr>
+              <a:t>.</a:t>
+            </a:r>
+            <a:r>
+              <a:rPr lang="pt-BR" sz="2000" b="1" dirty="0" err="1">
+                <a:solidFill>
+                  <a:schemeClr val="tx1"/>
+                </a:solidFill>
+                <a:latin typeface="Times New Roman" panose="02020603050405020304" pitchFamily="18" charset="0"/>
+                <a:cs typeface="Times New Roman" panose="02020603050405020304" pitchFamily="18" charset="0"/>
+              </a:rPr>
+              <a:t>document</a:t>
+            </a:r>
+            <a:r>
+              <a:rPr lang="pt-BR" sz="2000" dirty="0" err="1">
+                <a:solidFill>
+                  <a:schemeClr val="tx1"/>
+                </a:solidFill>
+                <a:latin typeface="Times New Roman" panose="02020603050405020304" pitchFamily="18" charset="0"/>
+                <a:cs typeface="Times New Roman" panose="02020603050405020304" pitchFamily="18" charset="0"/>
+              </a:rPr>
+              <a:t>.write</a:t>
+            </a:r>
+            <a:r>
+              <a:rPr lang="pt-BR" sz="2000" dirty="0">
+                <a:solidFill>
+                  <a:schemeClr val="tx1"/>
+                </a:solidFill>
+                <a:latin typeface="Times New Roman" panose="02020603050405020304" pitchFamily="18" charset="0"/>
+                <a:cs typeface="Times New Roman" panose="02020603050405020304" pitchFamily="18" charset="0"/>
+              </a:rPr>
+              <a:t>(</a:t>
+            </a:r>
+            <a:r>
+              <a:rPr lang="pt-BR" sz="2000" dirty="0" err="1">
+                <a:solidFill>
+                  <a:schemeClr val="tx1"/>
+                </a:solidFill>
+                <a:latin typeface="Times New Roman" panose="02020603050405020304" pitchFamily="18" charset="0"/>
+                <a:cs typeface="Times New Roman" panose="02020603050405020304" pitchFamily="18" charset="0"/>
+              </a:rPr>
+              <a:t>window.navigator.appName</a:t>
+            </a:r>
+            <a:r>
+              <a:rPr lang="pt-BR" sz="2000" dirty="0">
+                <a:solidFill>
+                  <a:schemeClr val="tx1"/>
+                </a:solidFill>
+                <a:latin typeface="Times New Roman" panose="02020603050405020304" pitchFamily="18" charset="0"/>
+                <a:cs typeface="Times New Roman" panose="02020603050405020304" pitchFamily="18" charset="0"/>
+              </a:rPr>
+              <a:t>);</a:t>
+            </a:r>
+          </a:p>
+          <a:p>
+            <a:pPr marL="0" indent="0" algn="just">
+              <a:buNone/>
+            </a:pPr>
+            <a:endParaRPr lang="pt-BR" sz="2000" dirty="0">
+              <a:solidFill>
+                <a:schemeClr val="tx1"/>
+              </a:solidFill>
+              <a:latin typeface="Times New Roman" panose="02020603050405020304" pitchFamily="18" charset="0"/>
+              <a:cs typeface="Times New Roman" panose="02020603050405020304" pitchFamily="18" charset="0"/>
+            </a:endParaRPr>
+          </a:p>
+          <a:p>
+            <a:pPr marL="0" indent="0" algn="just">
+              <a:buNone/>
+            </a:pPr>
+            <a:r>
+              <a:rPr lang="pt-BR" sz="2000" dirty="0">
+                <a:solidFill>
+                  <a:schemeClr val="tx1"/>
+                </a:solidFill>
+                <a:latin typeface="Times New Roman" panose="02020603050405020304" pitchFamily="18" charset="0"/>
+                <a:cs typeface="Times New Roman" panose="02020603050405020304" pitchFamily="18" charset="0"/>
+              </a:rPr>
+              <a:t> 	</a:t>
+            </a:r>
+            <a:r>
+              <a:rPr lang="pt-BR" sz="2000" b="1" dirty="0" err="1">
+                <a:solidFill>
+                  <a:schemeClr val="tx1"/>
+                </a:solidFill>
+                <a:latin typeface="Times New Roman" panose="02020603050405020304" pitchFamily="18" charset="0"/>
+                <a:cs typeface="Times New Roman" panose="02020603050405020304" pitchFamily="18" charset="0"/>
+              </a:rPr>
+              <a:t>document</a:t>
+            </a:r>
+            <a:r>
+              <a:rPr lang="pt-BR" sz="2000" dirty="0" err="1">
+                <a:solidFill>
+                  <a:schemeClr val="tx1"/>
+                </a:solidFill>
+                <a:latin typeface="Times New Roman" panose="02020603050405020304" pitchFamily="18" charset="0"/>
+                <a:cs typeface="Times New Roman" panose="02020603050405020304" pitchFamily="18" charset="0"/>
+              </a:rPr>
+              <a:t>.body.style.backgroud</a:t>
+            </a:r>
+            <a:r>
+              <a:rPr lang="pt-BR" sz="2000" dirty="0">
+                <a:solidFill>
+                  <a:schemeClr val="tx1"/>
+                </a:solidFill>
+                <a:latin typeface="Times New Roman" panose="02020603050405020304" pitchFamily="18" charset="0"/>
+                <a:cs typeface="Times New Roman" panose="02020603050405020304" pitchFamily="18" charset="0"/>
+              </a:rPr>
+              <a:t>= ‘blue’;</a:t>
+            </a:r>
+          </a:p>
+          <a:p>
+            <a:pPr marL="0" indent="0" algn="just">
+              <a:buNone/>
+            </a:pPr>
+            <a:r>
+              <a:rPr lang="pt-BR" sz="2000" dirty="0">
+                <a:solidFill>
+                  <a:schemeClr val="tx1"/>
+                </a:solidFill>
+                <a:latin typeface="Times New Roman" panose="02020603050405020304" pitchFamily="18" charset="0"/>
+                <a:cs typeface="Times New Roman" panose="02020603050405020304" pitchFamily="18" charset="0"/>
+              </a:rPr>
+              <a:t>&lt;/script&gt;</a:t>
             </a:r>
           </a:p>
           <a:p>
@@ -7487,102 +7796,12 @@
               <a:cs typeface="Times New Roman" panose="02020603050405020304" pitchFamily="18" charset="0"/>
             </a:endParaRPr>
           </a:p>
-          <a:p>
-            <a:pPr marL="0" indent="0" algn="just">
-              <a:buNone/>
-            </a:pPr>
-            <a:r>
-              <a:rPr lang="pt-BR" sz="2400" b="1" dirty="0">
-                <a:solidFill>
-                  <a:schemeClr val="tx1"/>
-                </a:solidFill>
-                <a:latin typeface="Times New Roman" panose="02020603050405020304" pitchFamily="18" charset="0"/>
-                <a:cs typeface="Times New Roman" panose="02020603050405020304" pitchFamily="18" charset="0"/>
-              </a:rPr>
-              <a:t>Exemplo 1</a:t>
-            </a:r>
-            <a:r>
-              <a:rPr lang="pt-BR" sz="2400" dirty="0">
-                <a:solidFill>
-                  <a:schemeClr val="tx1"/>
-                </a:solidFill>
-                <a:latin typeface="Times New Roman" panose="02020603050405020304" pitchFamily="18" charset="0"/>
-                <a:cs typeface="Times New Roman" panose="02020603050405020304" pitchFamily="18" charset="0"/>
-              </a:rPr>
-              <a:t>:</a:t>
-            </a:r>
-          </a:p>
-          <a:p>
-            <a:pPr marL="0" indent="0" algn="just">
-              <a:buNone/>
-            </a:pPr>
-            <a:r>
-              <a:rPr lang="pt-BR" sz="2000" dirty="0">
-                <a:solidFill>
-                  <a:schemeClr val="tx1"/>
-                </a:solidFill>
-                <a:latin typeface="Times New Roman" panose="02020603050405020304" pitchFamily="18" charset="0"/>
-                <a:cs typeface="Times New Roman" panose="02020603050405020304" pitchFamily="18" charset="0"/>
-              </a:rPr>
-              <a:t> &lt;script&gt;</a:t>
-            </a:r>
-          </a:p>
-          <a:p>
-            <a:pPr marL="0" indent="0" algn="just">
-              <a:buNone/>
-            </a:pPr>
-            <a:r>
-              <a:rPr lang="pt-BR" sz="2000" dirty="0">
-                <a:solidFill>
-                  <a:schemeClr val="tx1"/>
-                </a:solidFill>
-                <a:latin typeface="Times New Roman" panose="02020603050405020304" pitchFamily="18" charset="0"/>
-                <a:cs typeface="Times New Roman" panose="02020603050405020304" pitchFamily="18" charset="0"/>
-              </a:rPr>
-              <a:t>      </a:t>
-            </a:r>
-            <a:r>
-              <a:rPr lang="pt-BR" sz="2000" dirty="0" err="1">
-                <a:solidFill>
-                  <a:schemeClr val="tx1"/>
-                </a:solidFill>
-                <a:latin typeface="Times New Roman" panose="02020603050405020304" pitchFamily="18" charset="0"/>
-                <a:cs typeface="Times New Roman" panose="02020603050405020304" pitchFamily="18" charset="0"/>
-              </a:rPr>
-              <a:t>alert</a:t>
-            </a:r>
-            <a:r>
-              <a:rPr lang="pt-BR" sz="2000" dirty="0">
-                <a:solidFill>
-                  <a:schemeClr val="tx1"/>
-                </a:solidFill>
-                <a:latin typeface="Times New Roman" panose="02020603050405020304" pitchFamily="18" charset="0"/>
-                <a:cs typeface="Times New Roman" panose="02020603050405020304" pitchFamily="18" charset="0"/>
-              </a:rPr>
-              <a:t>(‘Olá, mundo!!!’)</a:t>
-            </a:r>
-          </a:p>
-          <a:p>
-            <a:pPr marL="0" indent="0" algn="just">
-              <a:buNone/>
-            </a:pPr>
-            <a:r>
-              <a:rPr lang="pt-BR" sz="2000" dirty="0">
-                <a:solidFill>
-                  <a:schemeClr val="tx1"/>
-                </a:solidFill>
-                <a:latin typeface="Times New Roman" panose="02020603050405020304" pitchFamily="18" charset="0"/>
-                <a:cs typeface="Times New Roman" panose="02020603050405020304" pitchFamily="18" charset="0"/>
-              </a:rPr>
-              <a:t>&lt;/script&gt;</a:t>
-            </a:r>
-          </a:p>
         </p:txBody>
       </p:sp>
     </p:spTree>
     <p:extLst>
       <p:ext uri="{BB962C8B-B14F-4D97-AF65-F5344CB8AC3E}">
-        <p14:creationId xmlns:p14="http://schemas.microsoft.com/office/powerpoint/2010/main" val="684642838"/>
+        <p14:creationId xmlns:p14="http://schemas.microsoft.com/office/powerpoint/2010/main" val="268444649"/>
       </p:ext>
     </p:extLst>
   </p:cSld>
@@ -7638,7 +7857,7 @@
                   <a:srgbClr val="0070C0"/>
                 </a:solidFill>
               </a:rPr>
-              <a:t>JS – DOM </a:t>
+              <a:t>JS – </a:t>
             </a:r>
             <a:r>
               <a:rPr lang="en-US" b="1" dirty="0" err="1">
@@ -7648,11 +7867,14 @@
               </a:rPr>
               <a:t>Exemplo</a:t>
             </a:r>
-            <a:endParaRPr lang="en-US" b="1" dirty="0">
-              <a:solidFill>
-                <a:srgbClr val="0070C0"/>
-              </a:solidFill>
-            </a:endParaRPr>
+            <a:r>
+              <a:rPr lang="en-US" b="1" dirty="0">
+                <a:solidFill>
+                  <a:srgbClr val="0070C0"/>
+                </a:solidFill>
+              </a:rPr>
+              <a:t> Código</a:t>
+            </a:r>
           </a:p>
         </p:txBody>
       </p:sp>
@@ -7682,6 +7904,16 @@
               <a:buNone/>
             </a:pPr>
             <a:r>
+              <a:rPr lang="pt-BR" sz="2400" dirty="0">
+                <a:solidFill>
+                  <a:schemeClr val="tx1"/>
+                </a:solidFill>
+                <a:latin typeface="Times New Roman" panose="02020603050405020304" pitchFamily="18" charset="0"/>
+                <a:cs typeface="Times New Roman" panose="02020603050405020304" pitchFamily="18" charset="0"/>
+              </a:rPr>
+              <a:t>&lt;</a:t>
+            </a:r>
+            <a:r>
               <a:rPr lang="pt-BR" sz="2400" b="1" dirty="0">
                 <a:solidFill>
                   <a:schemeClr val="tx1"/>
@@ -7689,44 +7921,107 @@
                 <a:latin typeface="Times New Roman" panose="02020603050405020304" pitchFamily="18" charset="0"/>
                 <a:cs typeface="Times New Roman" panose="02020603050405020304" pitchFamily="18" charset="0"/>
               </a:rPr>
-              <a:t>Exemplo 2</a:t>
-            </a:r>
-            <a:r>
-              <a:rPr lang="pt-BR" sz="2400" dirty="0">
-                <a:solidFill>
-                  <a:schemeClr val="tx1"/>
-                </a:solidFill>
-                <a:latin typeface="Times New Roman" panose="02020603050405020304" pitchFamily="18" charset="0"/>
-                <a:cs typeface="Times New Roman" panose="02020603050405020304" pitchFamily="18" charset="0"/>
-              </a:rPr>
-              <a:t>:</a:t>
+              <a:t>script</a:t>
+            </a:r>
+            <a:r>
+              <a:rPr lang="pt-BR" sz="2400" dirty="0">
+                <a:solidFill>
+                  <a:schemeClr val="tx1"/>
+                </a:solidFill>
+                <a:latin typeface="Times New Roman" panose="02020603050405020304" pitchFamily="18" charset="0"/>
+                <a:cs typeface="Times New Roman" panose="02020603050405020304" pitchFamily="18" charset="0"/>
+              </a:rPr>
+              <a:t>&gt;</a:t>
             </a:r>
           </a:p>
           <a:p>
             <a:pPr marL="0" indent="0" algn="just">
               <a:buNone/>
             </a:pPr>
-            <a:endParaRPr lang="pt-BR" sz="2000" dirty="0">
-              <a:solidFill>
-                <a:schemeClr val="tx1"/>
-              </a:solidFill>
-              <a:latin typeface="Times New Roman" panose="02020603050405020304" pitchFamily="18" charset="0"/>
-              <a:cs typeface="Times New Roman" panose="02020603050405020304" pitchFamily="18" charset="0"/>
-            </a:endParaRPr>
+            <a:r>
+              <a:rPr lang="pt-BR" sz="2400" dirty="0">
+                <a:solidFill>
+                  <a:schemeClr val="tx1"/>
+                </a:solidFill>
+                <a:latin typeface="Times New Roman" panose="02020603050405020304" pitchFamily="18" charset="0"/>
+                <a:cs typeface="Times New Roman" panose="02020603050405020304" pitchFamily="18" charset="0"/>
+              </a:rPr>
+              <a:t>      </a:t>
+            </a:r>
+            <a:r>
+              <a:rPr lang="pt-BR" sz="2400" dirty="0" err="1">
+                <a:solidFill>
+                  <a:schemeClr val="tx1"/>
+                </a:solidFill>
+                <a:latin typeface="Times New Roman" panose="02020603050405020304" pitchFamily="18" charset="0"/>
+                <a:cs typeface="Times New Roman" panose="02020603050405020304" pitchFamily="18" charset="0"/>
+              </a:rPr>
+              <a:t>if</a:t>
+            </a:r>
+            <a:r>
+              <a:rPr lang="pt-BR" sz="2400" dirty="0">
+                <a:solidFill>
+                  <a:schemeClr val="tx1"/>
+                </a:solidFill>
+                <a:latin typeface="Times New Roman" panose="02020603050405020304" pitchFamily="18" charset="0"/>
+                <a:cs typeface="Times New Roman" panose="02020603050405020304" pitchFamily="18" charset="0"/>
+              </a:rPr>
+              <a:t> (</a:t>
+            </a:r>
+            <a:r>
+              <a:rPr lang="pt-BR" sz="2400" b="1" dirty="0" err="1">
+                <a:solidFill>
+                  <a:schemeClr val="tx1"/>
+                </a:solidFill>
+                <a:latin typeface="Times New Roman" panose="02020603050405020304" pitchFamily="18" charset="0"/>
+                <a:cs typeface="Times New Roman" panose="02020603050405020304" pitchFamily="18" charset="0"/>
+              </a:rPr>
+              <a:t>confirm</a:t>
+            </a:r>
+            <a:r>
+              <a:rPr lang="pt-BR" sz="2400" dirty="0">
+                <a:solidFill>
+                  <a:schemeClr val="tx1"/>
+                </a:solidFill>
+                <a:latin typeface="Times New Roman" panose="02020603050405020304" pitchFamily="18" charset="0"/>
+                <a:cs typeface="Times New Roman" panose="02020603050405020304" pitchFamily="18" charset="0"/>
+              </a:rPr>
+              <a:t>('Você tem certeza?')) {</a:t>
+            </a:r>
           </a:p>
           <a:p>
             <a:pPr marL="0" indent="0" algn="just">
               <a:buNone/>
             </a:pPr>
             <a:r>
-              <a:rPr lang="pt-BR" sz="2000" dirty="0">
-                <a:solidFill>
-                  <a:schemeClr val="tx1"/>
-                </a:solidFill>
-                <a:latin typeface="Times New Roman" panose="02020603050405020304" pitchFamily="18" charset="0"/>
-                <a:cs typeface="Times New Roman" panose="02020603050405020304" pitchFamily="18" charset="0"/>
-              </a:rPr>
-              <a:t> &lt;script&gt;</a:t>
+              <a:rPr lang="pt-BR" sz="2400" dirty="0">
+                <a:solidFill>
+                  <a:schemeClr val="tx1"/>
+                </a:solidFill>
+                <a:latin typeface="Times New Roman" panose="02020603050405020304" pitchFamily="18" charset="0"/>
+                <a:cs typeface="Times New Roman" panose="02020603050405020304" pitchFamily="18" charset="0"/>
+              </a:rPr>
+              <a:t>        	</a:t>
+            </a:r>
+            <a:r>
+              <a:rPr lang="pt-BR" sz="2400" b="1" dirty="0" err="1">
+                <a:solidFill>
+                  <a:srgbClr val="FF0000"/>
+                </a:solidFill>
+                <a:latin typeface="Times New Roman" panose="02020603050405020304" pitchFamily="18" charset="0"/>
+                <a:cs typeface="Times New Roman" panose="02020603050405020304" pitchFamily="18" charset="0"/>
+              </a:rPr>
+              <a:t>alert</a:t>
+            </a:r>
+            <a:r>
+              <a:rPr lang="pt-BR" sz="2400" dirty="0">
+                <a:solidFill>
+                  <a:schemeClr val="tx1"/>
+                </a:solidFill>
+                <a:latin typeface="Times New Roman" panose="02020603050405020304" pitchFamily="18" charset="0"/>
+                <a:cs typeface="Times New Roman" panose="02020603050405020304" pitchFamily="18" charset="0"/>
+              </a:rPr>
+              <a:t>('Confirmado');</a:t>
             </a:r>
           </a:p>
           <a:p>
@@ -7734,64 +8029,84 @@
               <a:buNone/>
             </a:pPr>
             <a:r>
-              <a:rPr lang="pt-BR" sz="2000" dirty="0">
-                <a:solidFill>
-                  <a:schemeClr val="tx1"/>
-                </a:solidFill>
-                <a:latin typeface="Times New Roman" panose="02020603050405020304" pitchFamily="18" charset="0"/>
-                <a:cs typeface="Times New Roman" panose="02020603050405020304" pitchFamily="18" charset="0"/>
-              </a:rPr>
-              <a:t> 	</a:t>
-            </a:r>
-            <a:r>
-              <a:rPr lang="pt-BR" sz="2000" b="1" dirty="0" err="1">
+              <a:rPr lang="pt-BR" sz="2400" dirty="0">
+                <a:solidFill>
+                  <a:schemeClr val="tx1"/>
+                </a:solidFill>
+                <a:latin typeface="Times New Roman" panose="02020603050405020304" pitchFamily="18" charset="0"/>
+                <a:cs typeface="Times New Roman" panose="02020603050405020304" pitchFamily="18" charset="0"/>
+              </a:rPr>
+              <a:t>        	resposta = 'Sim';</a:t>
+            </a:r>
+          </a:p>
+          <a:p>
+            <a:pPr marL="0" indent="0" algn="just">
+              <a:buNone/>
+            </a:pPr>
+            <a:r>
+              <a:rPr lang="pt-BR" sz="2400" dirty="0">
+                <a:solidFill>
+                  <a:schemeClr val="tx1"/>
+                </a:solidFill>
+                <a:latin typeface="Times New Roman" panose="02020603050405020304" pitchFamily="18" charset="0"/>
+                <a:cs typeface="Times New Roman" panose="02020603050405020304" pitchFamily="18" charset="0"/>
+              </a:rPr>
+              <a:t>      } </a:t>
+            </a:r>
+            <a:r>
+              <a:rPr lang="pt-BR" sz="2400" dirty="0" err="1">
+                <a:solidFill>
+                  <a:schemeClr val="tx1"/>
+                </a:solidFill>
+                <a:latin typeface="Times New Roman" panose="02020603050405020304" pitchFamily="18" charset="0"/>
+                <a:cs typeface="Times New Roman" panose="02020603050405020304" pitchFamily="18" charset="0"/>
+              </a:rPr>
+              <a:t>else</a:t>
+            </a:r>
+            <a:r>
+              <a:rPr lang="pt-BR" sz="2400" dirty="0">
+                <a:solidFill>
+                  <a:schemeClr val="tx1"/>
+                </a:solidFill>
+                <a:latin typeface="Times New Roman" panose="02020603050405020304" pitchFamily="18" charset="0"/>
+                <a:cs typeface="Times New Roman" panose="02020603050405020304" pitchFamily="18" charset="0"/>
+              </a:rPr>
+              <a:t> {</a:t>
+            </a:r>
+          </a:p>
+          <a:p>
+            <a:pPr marL="0" indent="0" algn="just">
+              <a:buNone/>
+            </a:pPr>
+            <a:r>
+              <a:rPr lang="pt-BR" sz="2400" dirty="0">
+                <a:solidFill>
+                  <a:schemeClr val="tx1"/>
+                </a:solidFill>
+                <a:latin typeface="Times New Roman" panose="02020603050405020304" pitchFamily="18" charset="0"/>
+                <a:cs typeface="Times New Roman" panose="02020603050405020304" pitchFamily="18" charset="0"/>
+              </a:rPr>
+              <a:t>        	</a:t>
+            </a:r>
+            <a:r>
+              <a:rPr lang="pt-BR" sz="2400" b="1" dirty="0" err="1">
                 <a:solidFill>
                   <a:srgbClr val="FF0000"/>
                 </a:solidFill>
                 <a:latin typeface="Times New Roman" panose="02020603050405020304" pitchFamily="18" charset="0"/>
                 <a:cs typeface="Times New Roman" panose="02020603050405020304" pitchFamily="18" charset="0"/>
               </a:rPr>
-              <a:t>window</a:t>
-            </a:r>
-            <a:r>
-              <a:rPr lang="pt-BR" sz="2000" dirty="0" err="1">
-                <a:solidFill>
-                  <a:schemeClr val="tx1"/>
-                </a:solidFill>
-                <a:latin typeface="Times New Roman" panose="02020603050405020304" pitchFamily="18" charset="0"/>
-                <a:cs typeface="Times New Roman" panose="02020603050405020304" pitchFamily="18" charset="0"/>
-              </a:rPr>
-              <a:t>.</a:t>
-            </a:r>
-            <a:r>
-              <a:rPr lang="pt-BR" sz="2000" b="1" dirty="0" err="1">
-                <a:solidFill>
-                  <a:schemeClr val="tx1"/>
-                </a:solidFill>
-                <a:latin typeface="Times New Roman" panose="02020603050405020304" pitchFamily="18" charset="0"/>
-                <a:cs typeface="Times New Roman" panose="02020603050405020304" pitchFamily="18" charset="0"/>
-              </a:rPr>
-              <a:t>document</a:t>
-            </a:r>
-            <a:r>
-              <a:rPr lang="pt-BR" sz="2000" dirty="0" err="1">
-                <a:solidFill>
-                  <a:schemeClr val="tx1"/>
-                </a:solidFill>
-                <a:latin typeface="Times New Roman" panose="02020603050405020304" pitchFamily="18" charset="0"/>
-                <a:cs typeface="Times New Roman" panose="02020603050405020304" pitchFamily="18" charset="0"/>
-              </a:rPr>
-              <a:t>.write</a:t>
-            </a:r>
-            <a:r>
-              <a:rPr lang="pt-BR" sz="2000" dirty="0">
-                <a:solidFill>
-                  <a:schemeClr val="tx1"/>
-                </a:solidFill>
-                <a:latin typeface="Times New Roman" panose="02020603050405020304" pitchFamily="18" charset="0"/>
-                <a:cs typeface="Times New Roman" panose="02020603050405020304" pitchFamily="18" charset="0"/>
-              </a:rPr>
-              <a:t>(window.document.URL);</a:t>
+              <a:t>alert</a:t>
+            </a:r>
+            <a:r>
+              <a:rPr lang="pt-BR" sz="2400" dirty="0">
+                <a:solidFill>
+                  <a:schemeClr val="tx1"/>
+                </a:solidFill>
+                <a:latin typeface="Times New Roman" panose="02020603050405020304" pitchFamily="18" charset="0"/>
+                <a:cs typeface="Times New Roman" panose="02020603050405020304" pitchFamily="18" charset="0"/>
+              </a:rPr>
+              <a:t>('Cancelado');</a:t>
             </a:r>
           </a:p>
           <a:p>
@@ -7799,84 +8114,14 @@
               <a:buNone/>
             </a:pPr>
             <a:r>
-              <a:rPr lang="pt-BR" sz="2000" dirty="0">
-                <a:solidFill>
-                  <a:schemeClr val="tx1"/>
-                </a:solidFill>
-                <a:latin typeface="Times New Roman" panose="02020603050405020304" pitchFamily="18" charset="0"/>
-                <a:cs typeface="Times New Roman" panose="02020603050405020304" pitchFamily="18" charset="0"/>
-              </a:rPr>
-              <a:t> 	</a:t>
-            </a:r>
-            <a:r>
-              <a:rPr lang="pt-BR" sz="2000" b="1" dirty="0" err="1">
-                <a:solidFill>
-                  <a:srgbClr val="FF0000"/>
-                </a:solidFill>
-                <a:latin typeface="Times New Roman" panose="02020603050405020304" pitchFamily="18" charset="0"/>
-                <a:cs typeface="Times New Roman" panose="02020603050405020304" pitchFamily="18" charset="0"/>
-              </a:rPr>
-              <a:t>window</a:t>
-            </a:r>
-            <a:r>
-              <a:rPr lang="pt-BR" sz="2000" dirty="0" err="1">
-                <a:solidFill>
-                  <a:schemeClr val="tx1"/>
-                </a:solidFill>
-                <a:latin typeface="Times New Roman" panose="02020603050405020304" pitchFamily="18" charset="0"/>
-                <a:cs typeface="Times New Roman" panose="02020603050405020304" pitchFamily="18" charset="0"/>
-              </a:rPr>
-              <a:t>.</a:t>
-            </a:r>
-            <a:r>
-              <a:rPr lang="pt-BR" sz="2000" b="1" dirty="0" err="1">
-                <a:solidFill>
-                  <a:schemeClr val="tx1"/>
-                </a:solidFill>
-                <a:latin typeface="Times New Roman" panose="02020603050405020304" pitchFamily="18" charset="0"/>
-                <a:cs typeface="Times New Roman" panose="02020603050405020304" pitchFamily="18" charset="0"/>
-              </a:rPr>
-              <a:t>document</a:t>
-            </a:r>
-            <a:r>
-              <a:rPr lang="pt-BR" sz="2000" dirty="0" err="1">
-                <a:solidFill>
-                  <a:schemeClr val="tx1"/>
-                </a:solidFill>
-                <a:latin typeface="Times New Roman" panose="02020603050405020304" pitchFamily="18" charset="0"/>
-                <a:cs typeface="Times New Roman" panose="02020603050405020304" pitchFamily="18" charset="0"/>
-              </a:rPr>
-              <a:t>.write</a:t>
-            </a:r>
-            <a:r>
-              <a:rPr lang="pt-BR" sz="2000" dirty="0">
-                <a:solidFill>
-                  <a:schemeClr val="tx1"/>
-                </a:solidFill>
-                <a:latin typeface="Times New Roman" panose="02020603050405020304" pitchFamily="18" charset="0"/>
-                <a:cs typeface="Times New Roman" panose="02020603050405020304" pitchFamily="18" charset="0"/>
-              </a:rPr>
-              <a:t>(</a:t>
-            </a:r>
-            <a:r>
-              <a:rPr lang="pt-BR" sz="2000" dirty="0" err="1">
-                <a:solidFill>
-                  <a:schemeClr val="tx1"/>
-                </a:solidFill>
-                <a:latin typeface="Times New Roman" panose="02020603050405020304" pitchFamily="18" charset="0"/>
-                <a:cs typeface="Times New Roman" panose="02020603050405020304" pitchFamily="18" charset="0"/>
-              </a:rPr>
-              <a:t>window.document.charset</a:t>
-            </a:r>
-            <a:r>
-              <a:rPr lang="pt-BR" sz="2000" dirty="0">
-                <a:solidFill>
-                  <a:schemeClr val="tx1"/>
-                </a:solidFill>
-                <a:latin typeface="Times New Roman" panose="02020603050405020304" pitchFamily="18" charset="0"/>
-                <a:cs typeface="Times New Roman" panose="02020603050405020304" pitchFamily="18" charset="0"/>
-              </a:rPr>
-              <a:t>);</a:t>
+              <a:rPr lang="pt-BR" sz="2400" dirty="0">
+                <a:solidFill>
+                  <a:schemeClr val="tx1"/>
+                </a:solidFill>
+                <a:latin typeface="Times New Roman" panose="02020603050405020304" pitchFamily="18" charset="0"/>
+                <a:cs typeface="Times New Roman" panose="02020603050405020304" pitchFamily="18" charset="0"/>
+              </a:rPr>
+              <a:t>        	resposta = 'Não';</a:t>
             </a:r>
           </a:p>
           <a:p>
@@ -7884,176 +8129,57 @@
               <a:buNone/>
             </a:pPr>
             <a:r>
-              <a:rPr lang="pt-BR" sz="2000" dirty="0">
-                <a:solidFill>
-                  <a:schemeClr val="tx1"/>
-                </a:solidFill>
-                <a:latin typeface="Times New Roman" panose="02020603050405020304" pitchFamily="18" charset="0"/>
-                <a:cs typeface="Times New Roman" panose="02020603050405020304" pitchFamily="18" charset="0"/>
-              </a:rPr>
-              <a:t> 	</a:t>
-            </a:r>
-            <a:r>
-              <a:rPr lang="pt-BR" sz="2000" b="1" dirty="0" err="1">
-                <a:solidFill>
-                  <a:srgbClr val="FF0000"/>
-                </a:solidFill>
-                <a:latin typeface="Times New Roman" panose="02020603050405020304" pitchFamily="18" charset="0"/>
-                <a:cs typeface="Times New Roman" panose="02020603050405020304" pitchFamily="18" charset="0"/>
-              </a:rPr>
-              <a:t>window</a:t>
-            </a:r>
-            <a:r>
-              <a:rPr lang="pt-BR" sz="2000" dirty="0" err="1">
-                <a:solidFill>
-                  <a:schemeClr val="tx1"/>
-                </a:solidFill>
-                <a:latin typeface="Times New Roman" panose="02020603050405020304" pitchFamily="18" charset="0"/>
-                <a:cs typeface="Times New Roman" panose="02020603050405020304" pitchFamily="18" charset="0"/>
-              </a:rPr>
-              <a:t>.</a:t>
-            </a:r>
-            <a:r>
-              <a:rPr lang="pt-BR" sz="2000" b="1" dirty="0" err="1">
-                <a:solidFill>
-                  <a:schemeClr val="tx1"/>
-                </a:solidFill>
-                <a:latin typeface="Times New Roman" panose="02020603050405020304" pitchFamily="18" charset="0"/>
-                <a:cs typeface="Times New Roman" panose="02020603050405020304" pitchFamily="18" charset="0"/>
-              </a:rPr>
-              <a:t>document</a:t>
-            </a:r>
-            <a:r>
-              <a:rPr lang="pt-BR" sz="2000" dirty="0" err="1">
-                <a:solidFill>
-                  <a:schemeClr val="tx1"/>
-                </a:solidFill>
-                <a:latin typeface="Times New Roman" panose="02020603050405020304" pitchFamily="18" charset="0"/>
-                <a:cs typeface="Times New Roman" panose="02020603050405020304" pitchFamily="18" charset="0"/>
-              </a:rPr>
-              <a:t>.write</a:t>
-            </a:r>
-            <a:r>
-              <a:rPr lang="pt-BR" sz="2000" dirty="0">
-                <a:solidFill>
-                  <a:schemeClr val="tx1"/>
-                </a:solidFill>
-                <a:latin typeface="Times New Roman" panose="02020603050405020304" pitchFamily="18" charset="0"/>
-                <a:cs typeface="Times New Roman" panose="02020603050405020304" pitchFamily="18" charset="0"/>
-              </a:rPr>
-              <a:t>(</a:t>
-            </a:r>
-            <a:r>
-              <a:rPr lang="pt-BR" sz="2000" dirty="0" err="1">
-                <a:solidFill>
-                  <a:schemeClr val="tx1"/>
-                </a:solidFill>
-                <a:latin typeface="Times New Roman" panose="02020603050405020304" pitchFamily="18" charset="0"/>
-                <a:cs typeface="Times New Roman" panose="02020603050405020304" pitchFamily="18" charset="0"/>
-              </a:rPr>
-              <a:t>window.navigator.appName</a:t>
-            </a:r>
-            <a:r>
-              <a:rPr lang="pt-BR" sz="2000" dirty="0">
-                <a:solidFill>
-                  <a:schemeClr val="tx1"/>
-                </a:solidFill>
-                <a:latin typeface="Times New Roman" panose="02020603050405020304" pitchFamily="18" charset="0"/>
-                <a:cs typeface="Times New Roman" panose="02020603050405020304" pitchFamily="18" charset="0"/>
-              </a:rPr>
-              <a:t>);</a:t>
+              <a:rPr lang="pt-BR" sz="2400" dirty="0">
+                <a:solidFill>
+                  <a:schemeClr val="tx1"/>
+                </a:solidFill>
+                <a:latin typeface="Times New Roman" panose="02020603050405020304" pitchFamily="18" charset="0"/>
+                <a:cs typeface="Times New Roman" panose="02020603050405020304" pitchFamily="18" charset="0"/>
+              </a:rPr>
+              <a:t>      }</a:t>
             </a:r>
           </a:p>
           <a:p>
             <a:pPr marL="0" indent="0" algn="just">
               <a:buNone/>
             </a:pPr>
-            <a:endParaRPr lang="pt-BR" sz="2000" dirty="0">
-              <a:solidFill>
-                <a:schemeClr val="tx1"/>
-              </a:solidFill>
-              <a:latin typeface="Times New Roman" panose="02020603050405020304" pitchFamily="18" charset="0"/>
-              <a:cs typeface="Times New Roman" panose="02020603050405020304" pitchFamily="18" charset="0"/>
-            </a:endParaRPr>
-          </a:p>
-          <a:p>
-            <a:pPr marL="0" indent="0" algn="just">
-              <a:buNone/>
-            </a:pPr>
-            <a:r>
-              <a:rPr lang="pt-BR" sz="2000" dirty="0">
-                <a:solidFill>
-                  <a:schemeClr val="tx1"/>
-                </a:solidFill>
-                <a:latin typeface="Times New Roman" panose="02020603050405020304" pitchFamily="18" charset="0"/>
-                <a:cs typeface="Times New Roman" panose="02020603050405020304" pitchFamily="18" charset="0"/>
-              </a:rPr>
-              <a:t> 	</a:t>
-            </a:r>
-            <a:r>
-              <a:rPr lang="pt-BR" sz="2000" b="1" dirty="0" err="1">
-                <a:solidFill>
-                  <a:schemeClr val="tx1"/>
-                </a:solidFill>
-                <a:latin typeface="Times New Roman" panose="02020603050405020304" pitchFamily="18" charset="0"/>
-                <a:cs typeface="Times New Roman" panose="02020603050405020304" pitchFamily="18" charset="0"/>
-              </a:rPr>
-              <a:t>document</a:t>
-            </a:r>
-            <a:r>
-              <a:rPr lang="pt-BR" sz="2000" dirty="0" err="1">
-                <a:solidFill>
-                  <a:schemeClr val="tx1"/>
-                </a:solidFill>
-                <a:latin typeface="Times New Roman" panose="02020603050405020304" pitchFamily="18" charset="0"/>
-                <a:cs typeface="Times New Roman" panose="02020603050405020304" pitchFamily="18" charset="0"/>
-              </a:rPr>
-              <a:t>.body.style.backgroud</a:t>
-            </a:r>
-            <a:r>
-              <a:rPr lang="pt-BR" sz="2000" dirty="0">
-                <a:solidFill>
-                  <a:schemeClr val="tx1"/>
-                </a:solidFill>
-                <a:latin typeface="Times New Roman" panose="02020603050405020304" pitchFamily="18" charset="0"/>
-                <a:cs typeface="Times New Roman" panose="02020603050405020304" pitchFamily="18" charset="0"/>
-              </a:rPr>
-              <a:t>= ‘blue’;</a:t>
-            </a:r>
-          </a:p>
-          <a:p>
-            <a:pPr marL="0" indent="0" algn="just">
-              <a:buNone/>
-            </a:pPr>
-            <a:r>
-              <a:rPr lang="pt-BR" sz="2000" dirty="0">
-                <a:solidFill>
-                  <a:schemeClr val="tx1"/>
-                </a:solidFill>
-                <a:latin typeface="Times New Roman" panose="02020603050405020304" pitchFamily="18" charset="0"/>
-                <a:cs typeface="Times New Roman" panose="02020603050405020304" pitchFamily="18" charset="0"/>
-              </a:rPr>
-              <a:t>&lt;/script&gt;</a:t>
-            </a:r>
-          </a:p>
-          <a:p>
-            <a:pPr marL="0" indent="0" algn="just">
-              <a:buNone/>
-            </a:pPr>
-            <a:endParaRPr lang="pt-BR" sz="2400" dirty="0">
-              <a:solidFill>
-                <a:schemeClr val="tx1"/>
-              </a:solidFill>
-              <a:latin typeface="Times New Roman" panose="02020603050405020304" pitchFamily="18" charset="0"/>
-              <a:cs typeface="Times New Roman" panose="02020603050405020304" pitchFamily="18" charset="0"/>
-            </a:endParaRPr>
+            <a:r>
+              <a:rPr lang="pt-BR" sz="2400" dirty="0">
+                <a:solidFill>
+                  <a:schemeClr val="tx1"/>
+                </a:solidFill>
+                <a:latin typeface="Times New Roman" panose="02020603050405020304" pitchFamily="18" charset="0"/>
+                <a:cs typeface="Times New Roman" panose="02020603050405020304" pitchFamily="18" charset="0"/>
+              </a:rPr>
+              <a:t>&lt;/</a:t>
+            </a:r>
+            <a:r>
+              <a:rPr lang="pt-BR" sz="2400" b="1" dirty="0">
+                <a:solidFill>
+                  <a:schemeClr val="tx1"/>
+                </a:solidFill>
+                <a:latin typeface="Times New Roman" panose="02020603050405020304" pitchFamily="18" charset="0"/>
+                <a:cs typeface="Times New Roman" panose="02020603050405020304" pitchFamily="18" charset="0"/>
+              </a:rPr>
+              <a:t>script</a:t>
+            </a:r>
+            <a:r>
+              <a:rPr lang="pt-BR" sz="2400" dirty="0">
+                <a:solidFill>
+                  <a:schemeClr val="tx1"/>
+                </a:solidFill>
+                <a:latin typeface="Times New Roman" panose="02020603050405020304" pitchFamily="18" charset="0"/>
+                <a:cs typeface="Times New Roman" panose="02020603050405020304" pitchFamily="18" charset="0"/>
+              </a:rPr>
+              <a:t>&gt;</a:t>
+            </a:r>
           </a:p>
         </p:txBody>
       </p:sp>
     </p:spTree>
     <p:extLst>
       <p:ext uri="{BB962C8B-B14F-4D97-AF65-F5344CB8AC3E}">
-        <p14:creationId xmlns:p14="http://schemas.microsoft.com/office/powerpoint/2010/main" val="268444649"/>
+        <p14:creationId xmlns:p14="http://schemas.microsoft.com/office/powerpoint/2010/main" val="1193155176"/>
       </p:ext>
     </p:extLst>
   </p:cSld>
@@ -8581,7 +8707,7 @@
                   <a:srgbClr val="0070C0"/>
                 </a:solidFill>
               </a:rPr>
-              <a:t>JS – DOM </a:t>
+              <a:t>JS - </a:t>
             </a:r>
             <a:r>
               <a:rPr lang="en-US" b="1" dirty="0" err="1">
@@ -8591,11 +8717,14 @@
               </a:rPr>
               <a:t>Exemplo</a:t>
             </a:r>
-            <a:endParaRPr lang="en-US" b="1" dirty="0">
-              <a:solidFill>
-                <a:srgbClr val="0070C0"/>
-              </a:solidFill>
-            </a:endParaRPr>
+            <a:r>
+              <a:rPr lang="en-US" b="1" dirty="0">
+                <a:solidFill>
+                  <a:srgbClr val="0070C0"/>
+                </a:solidFill>
+              </a:rPr>
+              <a:t> Código</a:t>
+            </a:r>
           </a:p>
         </p:txBody>
       </p:sp>
@@ -8624,358 +8753,6 @@
             <a:pPr marL="0" indent="0" algn="just">
               <a:buNone/>
             </a:pPr>
-            <a:r>
-              <a:rPr lang="pt-BR" sz="2400" b="1" dirty="0">
-                <a:solidFill>
-                  <a:schemeClr val="tx1"/>
-                </a:solidFill>
-                <a:latin typeface="Times New Roman" panose="02020603050405020304" pitchFamily="18" charset="0"/>
-                <a:cs typeface="Times New Roman" panose="02020603050405020304" pitchFamily="18" charset="0"/>
-              </a:rPr>
-              <a:t>Exemplo 3</a:t>
-            </a:r>
-            <a:r>
-              <a:rPr lang="pt-BR" sz="2400" dirty="0">
-                <a:solidFill>
-                  <a:schemeClr val="tx1"/>
-                </a:solidFill>
-                <a:latin typeface="Times New Roman" panose="02020603050405020304" pitchFamily="18" charset="0"/>
-                <a:cs typeface="Times New Roman" panose="02020603050405020304" pitchFamily="18" charset="0"/>
-              </a:rPr>
-              <a:t>:</a:t>
-            </a:r>
-          </a:p>
-          <a:p>
-            <a:pPr marL="0" indent="0" algn="just">
-              <a:buNone/>
-            </a:pPr>
-            <a:endParaRPr lang="pt-BR" sz="2000" dirty="0">
-              <a:solidFill>
-                <a:schemeClr val="tx1"/>
-              </a:solidFill>
-              <a:latin typeface="Times New Roman" panose="02020603050405020304" pitchFamily="18" charset="0"/>
-              <a:cs typeface="Times New Roman" panose="02020603050405020304" pitchFamily="18" charset="0"/>
-            </a:endParaRPr>
-          </a:p>
-          <a:p>
-            <a:pPr marL="0" indent="0" algn="just">
-              <a:buNone/>
-            </a:pPr>
-            <a:r>
-              <a:rPr lang="pt-BR" sz="2000" dirty="0">
-                <a:solidFill>
-                  <a:schemeClr val="tx1"/>
-                </a:solidFill>
-                <a:latin typeface="Times New Roman" panose="02020603050405020304" pitchFamily="18" charset="0"/>
-                <a:cs typeface="Times New Roman" panose="02020603050405020304" pitchFamily="18" charset="0"/>
-              </a:rPr>
-              <a:t> &lt;script&gt;</a:t>
-            </a:r>
-          </a:p>
-          <a:p>
-            <a:pPr marL="0" indent="0" algn="just">
-              <a:buNone/>
-            </a:pPr>
-            <a:r>
-              <a:rPr lang="pt-BR" sz="2000" dirty="0">
-                <a:solidFill>
-                  <a:schemeClr val="tx1"/>
-                </a:solidFill>
-                <a:latin typeface="Times New Roman" panose="02020603050405020304" pitchFamily="18" charset="0"/>
-                <a:cs typeface="Times New Roman" panose="02020603050405020304" pitchFamily="18" charset="0"/>
-              </a:rPr>
-              <a:t>	</a:t>
-            </a:r>
-            <a:r>
-              <a:rPr lang="pt-BR" sz="2000" b="1" dirty="0" err="1">
-                <a:solidFill>
-                  <a:schemeClr val="tx1"/>
-                </a:solidFill>
-                <a:latin typeface="Times New Roman" panose="02020603050405020304" pitchFamily="18" charset="0"/>
-                <a:cs typeface="Times New Roman" panose="02020603050405020304" pitchFamily="18" charset="0"/>
-              </a:rPr>
-              <a:t>alert</a:t>
-            </a:r>
-            <a:r>
-              <a:rPr lang="pt-BR" sz="2000" dirty="0">
-                <a:solidFill>
-                  <a:schemeClr val="tx1"/>
-                </a:solidFill>
-                <a:latin typeface="Times New Roman" panose="02020603050405020304" pitchFamily="18" charset="0"/>
-                <a:cs typeface="Times New Roman" panose="02020603050405020304" pitchFamily="18" charset="0"/>
-              </a:rPr>
-              <a:t>( </a:t>
-            </a:r>
-            <a:r>
-              <a:rPr lang="pt-BR" sz="2000" b="1" dirty="0" err="1">
-                <a:solidFill>
-                  <a:schemeClr val="tx1"/>
-                </a:solidFill>
-                <a:latin typeface="Times New Roman" panose="02020603050405020304" pitchFamily="18" charset="0"/>
-                <a:cs typeface="Times New Roman" panose="02020603050405020304" pitchFamily="18" charset="0"/>
-              </a:rPr>
-              <a:t>document</a:t>
-            </a:r>
-            <a:r>
-              <a:rPr lang="pt-BR" sz="2000" dirty="0" err="1">
-                <a:solidFill>
-                  <a:schemeClr val="tx1"/>
-                </a:solidFill>
-                <a:latin typeface="Times New Roman" panose="02020603050405020304" pitchFamily="18" charset="0"/>
-                <a:cs typeface="Times New Roman" panose="02020603050405020304" pitchFamily="18" charset="0"/>
-              </a:rPr>
-              <a:t>.getElementsTagName</a:t>
-            </a:r>
-            <a:r>
-              <a:rPr lang="pt-BR" sz="2000" dirty="0">
-                <a:solidFill>
-                  <a:schemeClr val="tx1"/>
-                </a:solidFill>
-                <a:latin typeface="Times New Roman" panose="02020603050405020304" pitchFamily="18" charset="0"/>
-                <a:cs typeface="Times New Roman" panose="02020603050405020304" pitchFamily="18" charset="0"/>
-              </a:rPr>
-              <a:t>(‘p’)[1] ); // </a:t>
-            </a:r>
-            <a:r>
-              <a:rPr lang="pt-BR" sz="2000" b="1" dirty="0">
-                <a:solidFill>
-                  <a:srgbClr val="FF0000"/>
-                </a:solidFill>
-                <a:latin typeface="Times New Roman" panose="02020603050405020304" pitchFamily="18" charset="0"/>
-                <a:cs typeface="Times New Roman" panose="02020603050405020304" pitchFamily="18" charset="0"/>
-              </a:rPr>
-              <a:t>índice</a:t>
-            </a:r>
-          </a:p>
-          <a:p>
-            <a:pPr marL="0" indent="0" algn="just">
-              <a:buNone/>
-            </a:pPr>
-            <a:r>
-              <a:rPr lang="pt-BR" sz="2000" dirty="0">
-                <a:solidFill>
-                  <a:schemeClr val="tx1"/>
-                </a:solidFill>
-                <a:latin typeface="Times New Roman" panose="02020603050405020304" pitchFamily="18" charset="0"/>
-                <a:cs typeface="Times New Roman" panose="02020603050405020304" pitchFamily="18" charset="0"/>
-              </a:rPr>
-              <a:t>	</a:t>
-            </a:r>
-            <a:r>
-              <a:rPr lang="pt-BR" sz="2000" b="1" dirty="0" err="1">
-                <a:solidFill>
-                  <a:schemeClr val="tx1"/>
-                </a:solidFill>
-                <a:latin typeface="Times New Roman" panose="02020603050405020304" pitchFamily="18" charset="0"/>
-                <a:cs typeface="Times New Roman" panose="02020603050405020304" pitchFamily="18" charset="0"/>
-              </a:rPr>
-              <a:t>document</a:t>
-            </a:r>
-            <a:r>
-              <a:rPr lang="pt-BR" sz="2000" dirty="0" err="1">
-                <a:solidFill>
-                  <a:schemeClr val="tx1"/>
-                </a:solidFill>
-                <a:latin typeface="Times New Roman" panose="02020603050405020304" pitchFamily="18" charset="0"/>
-                <a:cs typeface="Times New Roman" panose="02020603050405020304" pitchFamily="18" charset="0"/>
-              </a:rPr>
-              <a:t>.querySelector</a:t>
-            </a:r>
-            <a:r>
-              <a:rPr lang="pt-BR" sz="2000" dirty="0">
-                <a:solidFill>
-                  <a:schemeClr val="tx1"/>
-                </a:solidFill>
-                <a:latin typeface="Times New Roman" panose="02020603050405020304" pitchFamily="18" charset="0"/>
-                <a:cs typeface="Times New Roman" panose="02020603050405020304" pitchFamily="18" charset="0"/>
-              </a:rPr>
-              <a:t>(‘</a:t>
-            </a:r>
-            <a:r>
-              <a:rPr lang="pt-BR" sz="2000" dirty="0" err="1">
-                <a:solidFill>
-                  <a:schemeClr val="tx1"/>
-                </a:solidFill>
-                <a:latin typeface="Times New Roman" panose="02020603050405020304" pitchFamily="18" charset="0"/>
-                <a:cs typeface="Times New Roman" panose="02020603050405020304" pitchFamily="18" charset="0"/>
-              </a:rPr>
-              <a:t>img</a:t>
-            </a:r>
-            <a:r>
-              <a:rPr lang="pt-BR" sz="2000" b="1" dirty="0" err="1">
-                <a:solidFill>
-                  <a:srgbClr val="FF0000"/>
-                </a:solidFill>
-                <a:latin typeface="Times New Roman" panose="02020603050405020304" pitchFamily="18" charset="0"/>
-                <a:cs typeface="Times New Roman" panose="02020603050405020304" pitchFamily="18" charset="0"/>
-              </a:rPr>
-              <a:t>#</a:t>
-            </a:r>
-            <a:r>
-              <a:rPr lang="pt-BR" sz="2000" dirty="0" err="1">
-                <a:solidFill>
-                  <a:schemeClr val="tx1"/>
-                </a:solidFill>
-                <a:latin typeface="Times New Roman" panose="02020603050405020304" pitchFamily="18" charset="0"/>
-                <a:cs typeface="Times New Roman" panose="02020603050405020304" pitchFamily="18" charset="0"/>
-              </a:rPr>
-              <a:t>idImagem</a:t>
-            </a:r>
-            <a:r>
-              <a:rPr lang="pt-BR" sz="2000" dirty="0">
-                <a:solidFill>
-                  <a:schemeClr val="tx1"/>
-                </a:solidFill>
-                <a:latin typeface="Times New Roman" panose="02020603050405020304" pitchFamily="18" charset="0"/>
-                <a:cs typeface="Times New Roman" panose="02020603050405020304" pitchFamily="18" charset="0"/>
-              </a:rPr>
-              <a:t>’).</a:t>
-            </a:r>
-            <a:r>
-              <a:rPr lang="pt-BR" sz="2000" dirty="0" err="1">
-                <a:solidFill>
-                  <a:schemeClr val="tx1"/>
-                </a:solidFill>
-                <a:latin typeface="Times New Roman" panose="02020603050405020304" pitchFamily="18" charset="0"/>
-                <a:cs typeface="Times New Roman" panose="02020603050405020304" pitchFamily="18" charset="0"/>
-              </a:rPr>
-              <a:t>style.visibility</a:t>
-            </a:r>
-            <a:r>
-              <a:rPr lang="pt-BR" sz="2000" dirty="0">
-                <a:solidFill>
-                  <a:schemeClr val="tx1"/>
-                </a:solidFill>
-                <a:latin typeface="Times New Roman" panose="02020603050405020304" pitchFamily="18" charset="0"/>
-                <a:cs typeface="Times New Roman" panose="02020603050405020304" pitchFamily="18" charset="0"/>
-              </a:rPr>
-              <a:t> = ‘</a:t>
-            </a:r>
-            <a:r>
-              <a:rPr lang="pt-BR" sz="2000" dirty="0" err="1">
-                <a:solidFill>
-                  <a:schemeClr val="tx1"/>
-                </a:solidFill>
-                <a:latin typeface="Times New Roman" panose="02020603050405020304" pitchFamily="18" charset="0"/>
-                <a:cs typeface="Times New Roman" panose="02020603050405020304" pitchFamily="18" charset="0"/>
-              </a:rPr>
-              <a:t>hidden</a:t>
-            </a:r>
-            <a:r>
-              <a:rPr lang="pt-BR" sz="2000" dirty="0">
-                <a:solidFill>
-                  <a:schemeClr val="tx1"/>
-                </a:solidFill>
-                <a:latin typeface="Times New Roman" panose="02020603050405020304" pitchFamily="18" charset="0"/>
-                <a:cs typeface="Times New Roman" panose="02020603050405020304" pitchFamily="18" charset="0"/>
-              </a:rPr>
-              <a:t>’;</a:t>
-            </a:r>
-          </a:p>
-          <a:p>
-            <a:pPr marL="0" indent="0" algn="just">
-              <a:buNone/>
-            </a:pPr>
-            <a:r>
-              <a:rPr lang="pt-BR" sz="2000" dirty="0">
-                <a:solidFill>
-                  <a:schemeClr val="tx1"/>
-                </a:solidFill>
-                <a:latin typeface="Times New Roman" panose="02020603050405020304" pitchFamily="18" charset="0"/>
-                <a:cs typeface="Times New Roman" panose="02020603050405020304" pitchFamily="18" charset="0"/>
-              </a:rPr>
-              <a:t> 	</a:t>
-            </a:r>
-            <a:r>
-              <a:rPr lang="pt-BR" sz="2000" b="1" dirty="0" err="1">
-                <a:solidFill>
-                  <a:schemeClr val="tx1"/>
-                </a:solidFill>
-                <a:latin typeface="Times New Roman" panose="02020603050405020304" pitchFamily="18" charset="0"/>
-                <a:cs typeface="Times New Roman" panose="02020603050405020304" pitchFamily="18" charset="0"/>
-              </a:rPr>
-              <a:t>document</a:t>
-            </a:r>
-            <a:r>
-              <a:rPr lang="pt-BR" sz="2000" dirty="0" err="1">
-                <a:solidFill>
-                  <a:schemeClr val="tx1"/>
-                </a:solidFill>
-                <a:latin typeface="Times New Roman" panose="02020603050405020304" pitchFamily="18" charset="0"/>
-                <a:cs typeface="Times New Roman" panose="02020603050405020304" pitchFamily="18" charset="0"/>
-              </a:rPr>
-              <a:t>.querySelector</a:t>
-            </a:r>
-            <a:r>
-              <a:rPr lang="pt-BR" sz="2000" dirty="0">
-                <a:solidFill>
-                  <a:schemeClr val="tx1"/>
-                </a:solidFill>
-                <a:latin typeface="Times New Roman" panose="02020603050405020304" pitchFamily="18" charset="0"/>
-                <a:cs typeface="Times New Roman" panose="02020603050405020304" pitchFamily="18" charset="0"/>
-              </a:rPr>
-              <a:t>(‘h1</a:t>
-            </a:r>
-            <a:r>
-              <a:rPr lang="pt-BR" sz="2000" b="1" dirty="0">
-                <a:solidFill>
-                  <a:srgbClr val="FF0000"/>
-                </a:solidFill>
-                <a:latin typeface="Times New Roman" panose="02020603050405020304" pitchFamily="18" charset="0"/>
-                <a:cs typeface="Times New Roman" panose="02020603050405020304" pitchFamily="18" charset="0"/>
-              </a:rPr>
-              <a:t>.</a:t>
-            </a:r>
-            <a:r>
-              <a:rPr lang="pt-BR" sz="2000" dirty="0">
-                <a:solidFill>
-                  <a:schemeClr val="tx1"/>
-                </a:solidFill>
-                <a:latin typeface="Times New Roman" panose="02020603050405020304" pitchFamily="18" charset="0"/>
-                <a:cs typeface="Times New Roman" panose="02020603050405020304" pitchFamily="18" charset="0"/>
-              </a:rPr>
-              <a:t>classH1’).</a:t>
-            </a:r>
-            <a:r>
-              <a:rPr lang="pt-BR" sz="2000" dirty="0" err="1">
-                <a:solidFill>
-                  <a:schemeClr val="tx1"/>
-                </a:solidFill>
-                <a:latin typeface="Times New Roman" panose="02020603050405020304" pitchFamily="18" charset="0"/>
-                <a:cs typeface="Times New Roman" panose="02020603050405020304" pitchFamily="18" charset="0"/>
-              </a:rPr>
-              <a:t>innerText</a:t>
-            </a:r>
-            <a:r>
-              <a:rPr lang="pt-BR" sz="2000" dirty="0">
-                <a:solidFill>
-                  <a:schemeClr val="tx1"/>
-                </a:solidFill>
-                <a:latin typeface="Times New Roman" panose="02020603050405020304" pitchFamily="18" charset="0"/>
-                <a:cs typeface="Times New Roman" panose="02020603050405020304" pitchFamily="18" charset="0"/>
-              </a:rPr>
-              <a:t> = ‘Texto’;</a:t>
-            </a:r>
-          </a:p>
-          <a:p>
-            <a:pPr marL="0" indent="0" algn="just">
-              <a:buNone/>
-            </a:pPr>
-            <a:r>
-              <a:rPr lang="pt-BR" sz="2000" dirty="0">
-                <a:solidFill>
-                  <a:schemeClr val="tx1"/>
-                </a:solidFill>
-                <a:latin typeface="Times New Roman" panose="02020603050405020304" pitchFamily="18" charset="0"/>
-                <a:cs typeface="Times New Roman" panose="02020603050405020304" pitchFamily="18" charset="0"/>
-              </a:rPr>
-              <a:t>&lt;/script&gt;</a:t>
-            </a:r>
-          </a:p>
-          <a:p>
-            <a:pPr marL="0" indent="0" algn="just">
-              <a:buNone/>
-            </a:pPr>
             <a:endParaRPr lang="pt-BR" sz="2400" dirty="0">
               <a:solidFill>
                 <a:schemeClr val="tx1"/>
@@ -8984,12 +8761,117 @@
               <a:cs typeface="Times New Roman" panose="02020603050405020304" pitchFamily="18" charset="0"/>
             </a:endParaRPr>
           </a:p>
+          <a:p>
+            <a:pPr marL="0" indent="0" algn="just">
+              <a:buNone/>
+            </a:pPr>
+            <a:r>
+              <a:rPr lang="pt-BR" sz="2400" dirty="0">
+                <a:solidFill>
+                  <a:schemeClr val="tx1"/>
+                </a:solidFill>
+                <a:latin typeface="Times New Roman" panose="02020603050405020304" pitchFamily="18" charset="0"/>
+                <a:cs typeface="Times New Roman" panose="02020603050405020304" pitchFamily="18" charset="0"/>
+              </a:rPr>
+              <a:t>&lt;</a:t>
+            </a:r>
+            <a:r>
+              <a:rPr lang="pt-BR" sz="2400" b="1" dirty="0">
+                <a:solidFill>
+                  <a:schemeClr val="tx1"/>
+                </a:solidFill>
+                <a:latin typeface="Times New Roman" panose="02020603050405020304" pitchFamily="18" charset="0"/>
+                <a:cs typeface="Times New Roman" panose="02020603050405020304" pitchFamily="18" charset="0"/>
+              </a:rPr>
+              <a:t>script</a:t>
+            </a:r>
+            <a:r>
+              <a:rPr lang="pt-BR" sz="2400" dirty="0">
+                <a:solidFill>
+                  <a:schemeClr val="tx1"/>
+                </a:solidFill>
+                <a:latin typeface="Times New Roman" panose="02020603050405020304" pitchFamily="18" charset="0"/>
+                <a:cs typeface="Times New Roman" panose="02020603050405020304" pitchFamily="18" charset="0"/>
+              </a:rPr>
+              <a:t>&gt;</a:t>
+            </a:r>
+          </a:p>
+          <a:p>
+            <a:pPr marL="0" indent="0" algn="just">
+              <a:buNone/>
+            </a:pPr>
+            <a:r>
+              <a:rPr lang="pt-BR" sz="2400" dirty="0">
+                <a:solidFill>
+                  <a:schemeClr val="tx1"/>
+                </a:solidFill>
+                <a:latin typeface="Times New Roman" panose="02020603050405020304" pitchFamily="18" charset="0"/>
+                <a:cs typeface="Times New Roman" panose="02020603050405020304" pitchFamily="18" charset="0"/>
+              </a:rPr>
+              <a:t>      </a:t>
+            </a:r>
+            <a:r>
+              <a:rPr lang="pt-BR" sz="2400" b="1" dirty="0" err="1">
+                <a:solidFill>
+                  <a:srgbClr val="FF0000"/>
+                </a:solidFill>
+                <a:latin typeface="Times New Roman" panose="02020603050405020304" pitchFamily="18" charset="0"/>
+                <a:cs typeface="Times New Roman" panose="02020603050405020304" pitchFamily="18" charset="0"/>
+              </a:rPr>
+              <a:t>alert</a:t>
+            </a:r>
+            <a:r>
+              <a:rPr lang="pt-BR" sz="2400" dirty="0">
+                <a:solidFill>
+                  <a:schemeClr val="tx1"/>
+                </a:solidFill>
+                <a:latin typeface="Times New Roman" panose="02020603050405020304" pitchFamily="18" charset="0"/>
+                <a:cs typeface="Times New Roman" panose="02020603050405020304" pitchFamily="18" charset="0"/>
+              </a:rPr>
+              <a:t>(‘Olá, mundo!!!’)</a:t>
+            </a:r>
+          </a:p>
+          <a:p>
+            <a:pPr marL="0" indent="0" algn="just">
+              <a:buNone/>
+            </a:pPr>
+            <a:r>
+              <a:rPr lang="pt-BR" sz="2400" dirty="0">
+                <a:solidFill>
+                  <a:schemeClr val="tx1"/>
+                </a:solidFill>
+                <a:latin typeface="Times New Roman" panose="02020603050405020304" pitchFamily="18" charset="0"/>
+                <a:cs typeface="Times New Roman" panose="02020603050405020304" pitchFamily="18" charset="0"/>
+              </a:rPr>
+              <a:t>&lt;/</a:t>
+            </a:r>
+            <a:r>
+              <a:rPr lang="pt-BR" sz="2400" b="1" dirty="0">
+                <a:solidFill>
+                  <a:schemeClr val="tx1"/>
+                </a:solidFill>
+                <a:latin typeface="Times New Roman" panose="02020603050405020304" pitchFamily="18" charset="0"/>
+                <a:cs typeface="Times New Roman" panose="02020603050405020304" pitchFamily="18" charset="0"/>
+              </a:rPr>
+              <a:t>script</a:t>
+            </a:r>
+            <a:r>
+              <a:rPr lang="pt-BR" sz="2400" dirty="0">
+                <a:solidFill>
+                  <a:schemeClr val="tx1"/>
+                </a:solidFill>
+                <a:latin typeface="Times New Roman" panose="02020603050405020304" pitchFamily="18" charset="0"/>
+                <a:cs typeface="Times New Roman" panose="02020603050405020304" pitchFamily="18" charset="0"/>
+              </a:rPr>
+              <a:t>&gt;</a:t>
+            </a:r>
+          </a:p>
         </p:txBody>
       </p:sp>
     </p:spTree>
     <p:extLst>
       <p:ext uri="{BB962C8B-B14F-4D97-AF65-F5344CB8AC3E}">
-        <p14:creationId xmlns:p14="http://schemas.microsoft.com/office/powerpoint/2010/main" val="2691521535"/>
+        <p14:creationId xmlns:p14="http://schemas.microsoft.com/office/powerpoint/2010/main" val="684642838"/>
       </p:ext>
     </p:extLst>
   </p:cSld>
@@ -9592,6 +9474,32 @@
                 <a:cs typeface="Times New Roman" panose="02020603050405020304" pitchFamily="18" charset="0"/>
               </a:rPr>
               <a:t>.</a:t>
+            </a:r>
+          </a:p>
+          <a:p>
+            <a:pPr marL="0" indent="0" algn="just">
+              <a:buNone/>
+            </a:pPr>
+            <a:r>
+              <a:rPr lang="pt-BR" dirty="0">
+                <a:latin typeface="Times New Roman" panose="02020603050405020304" pitchFamily="18" charset="0"/>
+                <a:cs typeface="Times New Roman" panose="02020603050405020304" pitchFamily="18" charset="0"/>
+              </a:rPr>
+              <a:t>	</a:t>
+            </a:r>
+            <a:r>
+              <a:rPr lang="pt-BR" b="1" dirty="0">
+                <a:latin typeface="Times New Roman" panose="02020603050405020304" pitchFamily="18" charset="0"/>
+                <a:cs typeface="Times New Roman" panose="02020603050405020304" pitchFamily="18" charset="0"/>
+              </a:rPr>
+              <a:t>Imprimir a mensagem</a:t>
+            </a:r>
+            <a:r>
+              <a:rPr lang="pt-BR" dirty="0">
+                <a:latin typeface="Times New Roman" panose="02020603050405020304" pitchFamily="18" charset="0"/>
+                <a:cs typeface="Times New Roman" panose="02020603050405020304" pitchFamily="18" charset="0"/>
+              </a:rPr>
+              <a:t>: curso de Python</a:t>
             </a:r>
           </a:p>
           <a:p>

--- a/01 Classes/Aula 08 Desenvolvimento Web PHP - JS.pptx
+++ b/01 Classes/Aula 08 Desenvolvimento Web PHP - JS.pptx
@@ -5,7 +5,7 @@
     <p:sldMasterId id="2147483648" r:id="rId1"/>
   </p:sldMasterIdLst>
   <p:notesMasterIdLst>
-    <p:notesMasterId r:id="rId27"/>
+    <p:notesMasterId r:id="rId36"/>
   </p:notesMasterIdLst>
   <p:sldIdLst>
     <p:sldId id="256" r:id="rId2"/>
@@ -28,11 +28,20 @@
     <p:sldId id="410" r:id="rId19"/>
     <p:sldId id="397" r:id="rId20"/>
     <p:sldId id="409" r:id="rId21"/>
-    <p:sldId id="333" r:id="rId22"/>
-    <p:sldId id="323" r:id="rId23"/>
-    <p:sldId id="334" r:id="rId24"/>
-    <p:sldId id="337" r:id="rId25"/>
-    <p:sldId id="309" r:id="rId26"/>
+    <p:sldId id="412" r:id="rId22"/>
+    <p:sldId id="413" r:id="rId23"/>
+    <p:sldId id="443" r:id="rId24"/>
+    <p:sldId id="444" r:id="rId25"/>
+    <p:sldId id="445" r:id="rId26"/>
+    <p:sldId id="446" r:id="rId27"/>
+    <p:sldId id="459" r:id="rId28"/>
+    <p:sldId id="458" r:id="rId29"/>
+    <p:sldId id="460" r:id="rId30"/>
+    <p:sldId id="333" r:id="rId31"/>
+    <p:sldId id="323" r:id="rId32"/>
+    <p:sldId id="334" r:id="rId33"/>
+    <p:sldId id="337" r:id="rId34"/>
+    <p:sldId id="309" r:id="rId35"/>
   </p:sldIdLst>
   <p:sldSz cx="9144000" cy="5143500" type="screen16x9"/>
   <p:notesSz cx="6858000" cy="9144000"/>
@@ -1234,7 +1243,7 @@
     </p:spTree>
     <p:extLst>
       <p:ext uri="{BB962C8B-B14F-4D97-AF65-F5344CB8AC3E}">
-        <p14:creationId xmlns:p14="http://schemas.microsoft.com/office/powerpoint/2010/main" val="585304384"/>
+        <p14:creationId xmlns:p14="http://schemas.microsoft.com/office/powerpoint/2010/main" val="1106282462"/>
       </p:ext>
     </p:extLst>
   </p:cSld>
@@ -1366,7 +1375,7 @@
     </p:spTree>
     <p:extLst>
       <p:ext uri="{BB962C8B-B14F-4D97-AF65-F5344CB8AC3E}">
-        <p14:creationId xmlns:p14="http://schemas.microsoft.com/office/powerpoint/2010/main" val="2709569597"/>
+        <p14:creationId xmlns:p14="http://schemas.microsoft.com/office/powerpoint/2010/main" val="1188141592"/>
       </p:ext>
     </p:extLst>
   </p:cSld>
@@ -1432,7 +1441,7 @@
     </p:spTree>
     <p:extLst>
       <p:ext uri="{BB962C8B-B14F-4D97-AF65-F5344CB8AC3E}">
-        <p14:creationId xmlns:p14="http://schemas.microsoft.com/office/powerpoint/2010/main" val="2296249050"/>
+        <p14:creationId xmlns:p14="http://schemas.microsoft.com/office/powerpoint/2010/main" val="1852212521"/>
       </p:ext>
     </p:extLst>
   </p:cSld>
@@ -1498,7 +1507,469 @@
     </p:spTree>
     <p:extLst>
       <p:ext uri="{BB962C8B-B14F-4D97-AF65-F5344CB8AC3E}">
-        <p14:creationId xmlns:p14="http://schemas.microsoft.com/office/powerpoint/2010/main" val="4290351292"/>
+        <p14:creationId xmlns:p14="http://schemas.microsoft.com/office/powerpoint/2010/main" val="1591698349"/>
+      </p:ext>
+    </p:extLst>
+  </p:cSld>
+  <p:clrMapOvr>
+    <a:masterClrMapping/>
+  </p:clrMapOvr>
+</p:notes>
+</file>
+
+<file path=ppt/notesSlides/notesSlide23.xml><?xml version="1.0" encoding="utf-8"?>
+<p:notes xmlns:a="http://schemas.openxmlformats.org/drawingml/2006/main" xmlns:r="http://schemas.openxmlformats.org/officeDocument/2006/relationships" xmlns:p="http://schemas.openxmlformats.org/presentationml/2006/main">
+  <p:cSld>
+    <p:spTree>
+      <p:nvGrpSpPr>
+        <p:cNvPr id="1" name=""/>
+        <p:cNvGrpSpPr/>
+        <p:nvPr/>
+      </p:nvGrpSpPr>
+      <p:grpSpPr>
+        <a:xfrm>
+          <a:off x="0" y="0"/>
+          <a:ext cx="0" cy="0"/>
+          <a:chOff x="0" y="0"/>
+          <a:chExt cx="0" cy="0"/>
+        </a:xfrm>
+      </p:grpSpPr>
+      <p:sp>
+        <p:nvSpPr>
+          <p:cNvPr id="2" name="Espaço Reservado para Imagem de Slide 1"/>
+          <p:cNvSpPr>
+            <a:spLocks noGrp="1" noRot="1" noChangeAspect="1"/>
+          </p:cNvSpPr>
+          <p:nvPr>
+            <p:ph type="sldImg"/>
+          </p:nvPr>
+        </p:nvSpPr>
+        <p:spPr>
+          <a:xfrm>
+            <a:off x="381000" y="685800"/>
+            <a:ext cx="6096000" cy="3429000"/>
+          </a:xfrm>
+        </p:spPr>
+      </p:sp>
+      <p:sp>
+        <p:nvSpPr>
+          <p:cNvPr id="3" name="Espaço Reservado para Anotações 2"/>
+          <p:cNvSpPr>
+            <a:spLocks noGrp="1"/>
+          </p:cNvSpPr>
+          <p:nvPr>
+            <p:ph type="body" idx="1"/>
+          </p:nvPr>
+        </p:nvSpPr>
+        <p:spPr/>
+        <p:txBody>
+          <a:bodyPr/>
+          <a:lstStyle/>
+          <a:p>
+            <a:endParaRPr lang="pt-BR" dirty="0"/>
+          </a:p>
+        </p:txBody>
+      </p:sp>
+    </p:spTree>
+    <p:extLst>
+      <p:ext uri="{BB962C8B-B14F-4D97-AF65-F5344CB8AC3E}">
+        <p14:creationId xmlns:p14="http://schemas.microsoft.com/office/powerpoint/2010/main" val="3432944750"/>
+      </p:ext>
+    </p:extLst>
+  </p:cSld>
+  <p:clrMapOvr>
+    <a:masterClrMapping/>
+  </p:clrMapOvr>
+</p:notes>
+</file>
+
+<file path=ppt/notesSlides/notesSlide24.xml><?xml version="1.0" encoding="utf-8"?>
+<p:notes xmlns:a="http://schemas.openxmlformats.org/drawingml/2006/main" xmlns:r="http://schemas.openxmlformats.org/officeDocument/2006/relationships" xmlns:p="http://schemas.openxmlformats.org/presentationml/2006/main">
+  <p:cSld>
+    <p:spTree>
+      <p:nvGrpSpPr>
+        <p:cNvPr id="1" name=""/>
+        <p:cNvGrpSpPr/>
+        <p:nvPr/>
+      </p:nvGrpSpPr>
+      <p:grpSpPr>
+        <a:xfrm>
+          <a:off x="0" y="0"/>
+          <a:ext cx="0" cy="0"/>
+          <a:chOff x="0" y="0"/>
+          <a:chExt cx="0" cy="0"/>
+        </a:xfrm>
+      </p:grpSpPr>
+      <p:sp>
+        <p:nvSpPr>
+          <p:cNvPr id="2" name="Espaço Reservado para Imagem de Slide 1"/>
+          <p:cNvSpPr>
+            <a:spLocks noGrp="1" noRot="1" noChangeAspect="1"/>
+          </p:cNvSpPr>
+          <p:nvPr>
+            <p:ph type="sldImg"/>
+          </p:nvPr>
+        </p:nvSpPr>
+        <p:spPr>
+          <a:xfrm>
+            <a:off x="381000" y="685800"/>
+            <a:ext cx="6096000" cy="3429000"/>
+          </a:xfrm>
+        </p:spPr>
+      </p:sp>
+      <p:sp>
+        <p:nvSpPr>
+          <p:cNvPr id="3" name="Espaço Reservado para Anotações 2"/>
+          <p:cNvSpPr>
+            <a:spLocks noGrp="1"/>
+          </p:cNvSpPr>
+          <p:nvPr>
+            <p:ph type="body" idx="1"/>
+          </p:nvPr>
+        </p:nvSpPr>
+        <p:spPr/>
+        <p:txBody>
+          <a:bodyPr/>
+          <a:lstStyle/>
+          <a:p>
+            <a:endParaRPr lang="pt-BR" dirty="0"/>
+          </a:p>
+        </p:txBody>
+      </p:sp>
+    </p:spTree>
+    <p:extLst>
+      <p:ext uri="{BB962C8B-B14F-4D97-AF65-F5344CB8AC3E}">
+        <p14:creationId xmlns:p14="http://schemas.microsoft.com/office/powerpoint/2010/main" val="782496172"/>
+      </p:ext>
+    </p:extLst>
+  </p:cSld>
+  <p:clrMapOvr>
+    <a:masterClrMapping/>
+  </p:clrMapOvr>
+</p:notes>
+</file>
+
+<file path=ppt/notesSlides/notesSlide25.xml><?xml version="1.0" encoding="utf-8"?>
+<p:notes xmlns:a="http://schemas.openxmlformats.org/drawingml/2006/main" xmlns:r="http://schemas.openxmlformats.org/officeDocument/2006/relationships" xmlns:p="http://schemas.openxmlformats.org/presentationml/2006/main">
+  <p:cSld>
+    <p:spTree>
+      <p:nvGrpSpPr>
+        <p:cNvPr id="1" name=""/>
+        <p:cNvGrpSpPr/>
+        <p:nvPr/>
+      </p:nvGrpSpPr>
+      <p:grpSpPr>
+        <a:xfrm>
+          <a:off x="0" y="0"/>
+          <a:ext cx="0" cy="0"/>
+          <a:chOff x="0" y="0"/>
+          <a:chExt cx="0" cy="0"/>
+        </a:xfrm>
+      </p:grpSpPr>
+      <p:sp>
+        <p:nvSpPr>
+          <p:cNvPr id="2" name="Espaço Reservado para Imagem de Slide 1"/>
+          <p:cNvSpPr>
+            <a:spLocks noGrp="1" noRot="1" noChangeAspect="1"/>
+          </p:cNvSpPr>
+          <p:nvPr>
+            <p:ph type="sldImg"/>
+          </p:nvPr>
+        </p:nvSpPr>
+        <p:spPr>
+          <a:xfrm>
+            <a:off x="381000" y="685800"/>
+            <a:ext cx="6096000" cy="3429000"/>
+          </a:xfrm>
+        </p:spPr>
+      </p:sp>
+      <p:sp>
+        <p:nvSpPr>
+          <p:cNvPr id="3" name="Espaço Reservado para Anotações 2"/>
+          <p:cNvSpPr>
+            <a:spLocks noGrp="1"/>
+          </p:cNvSpPr>
+          <p:nvPr>
+            <p:ph type="body" idx="1"/>
+          </p:nvPr>
+        </p:nvSpPr>
+        <p:spPr/>
+        <p:txBody>
+          <a:bodyPr/>
+          <a:lstStyle/>
+          <a:p>
+            <a:endParaRPr lang="pt-BR" dirty="0"/>
+          </a:p>
+        </p:txBody>
+      </p:sp>
+    </p:spTree>
+    <p:extLst>
+      <p:ext uri="{BB962C8B-B14F-4D97-AF65-F5344CB8AC3E}">
+        <p14:creationId xmlns:p14="http://schemas.microsoft.com/office/powerpoint/2010/main" val="2607216861"/>
+      </p:ext>
+    </p:extLst>
+  </p:cSld>
+  <p:clrMapOvr>
+    <a:masterClrMapping/>
+  </p:clrMapOvr>
+</p:notes>
+</file>
+
+<file path=ppt/notesSlides/notesSlide26.xml><?xml version="1.0" encoding="utf-8"?>
+<p:notes xmlns:a="http://schemas.openxmlformats.org/drawingml/2006/main" xmlns:r="http://schemas.openxmlformats.org/officeDocument/2006/relationships" xmlns:p="http://schemas.openxmlformats.org/presentationml/2006/main">
+  <p:cSld>
+    <p:spTree>
+      <p:nvGrpSpPr>
+        <p:cNvPr id="1" name=""/>
+        <p:cNvGrpSpPr/>
+        <p:nvPr/>
+      </p:nvGrpSpPr>
+      <p:grpSpPr>
+        <a:xfrm>
+          <a:off x="0" y="0"/>
+          <a:ext cx="0" cy="0"/>
+          <a:chOff x="0" y="0"/>
+          <a:chExt cx="0" cy="0"/>
+        </a:xfrm>
+      </p:grpSpPr>
+      <p:sp>
+        <p:nvSpPr>
+          <p:cNvPr id="2" name="Espaço Reservado para Imagem de Slide 1"/>
+          <p:cNvSpPr>
+            <a:spLocks noGrp="1" noRot="1" noChangeAspect="1"/>
+          </p:cNvSpPr>
+          <p:nvPr>
+            <p:ph type="sldImg"/>
+          </p:nvPr>
+        </p:nvSpPr>
+        <p:spPr>
+          <a:xfrm>
+            <a:off x="381000" y="685800"/>
+            <a:ext cx="6096000" cy="3429000"/>
+          </a:xfrm>
+        </p:spPr>
+      </p:sp>
+      <p:sp>
+        <p:nvSpPr>
+          <p:cNvPr id="3" name="Espaço Reservado para Anotações 2"/>
+          <p:cNvSpPr>
+            <a:spLocks noGrp="1"/>
+          </p:cNvSpPr>
+          <p:nvPr>
+            <p:ph type="body" idx="1"/>
+          </p:nvPr>
+        </p:nvSpPr>
+        <p:spPr/>
+        <p:txBody>
+          <a:bodyPr/>
+          <a:lstStyle/>
+          <a:p>
+            <a:endParaRPr lang="pt-BR" dirty="0"/>
+          </a:p>
+        </p:txBody>
+      </p:sp>
+    </p:spTree>
+    <p:extLst>
+      <p:ext uri="{BB962C8B-B14F-4D97-AF65-F5344CB8AC3E}">
+        <p14:creationId xmlns:p14="http://schemas.microsoft.com/office/powerpoint/2010/main" val="2536238614"/>
+      </p:ext>
+    </p:extLst>
+  </p:cSld>
+  <p:clrMapOvr>
+    <a:masterClrMapping/>
+  </p:clrMapOvr>
+</p:notes>
+</file>
+
+<file path=ppt/notesSlides/notesSlide27.xml><?xml version="1.0" encoding="utf-8"?>
+<p:notes xmlns:a="http://schemas.openxmlformats.org/drawingml/2006/main" xmlns:r="http://schemas.openxmlformats.org/officeDocument/2006/relationships" xmlns:p="http://schemas.openxmlformats.org/presentationml/2006/main">
+  <p:cSld>
+    <p:spTree>
+      <p:nvGrpSpPr>
+        <p:cNvPr id="1" name=""/>
+        <p:cNvGrpSpPr/>
+        <p:nvPr/>
+      </p:nvGrpSpPr>
+      <p:grpSpPr>
+        <a:xfrm>
+          <a:off x="0" y="0"/>
+          <a:ext cx="0" cy="0"/>
+          <a:chOff x="0" y="0"/>
+          <a:chExt cx="0" cy="0"/>
+        </a:xfrm>
+      </p:grpSpPr>
+      <p:sp>
+        <p:nvSpPr>
+          <p:cNvPr id="2" name="Espaço Reservado para Imagem de Slide 1"/>
+          <p:cNvSpPr>
+            <a:spLocks noGrp="1" noRot="1" noChangeAspect="1"/>
+          </p:cNvSpPr>
+          <p:nvPr>
+            <p:ph type="sldImg"/>
+          </p:nvPr>
+        </p:nvSpPr>
+        <p:spPr>
+          <a:xfrm>
+            <a:off x="381000" y="685800"/>
+            <a:ext cx="6096000" cy="3429000"/>
+          </a:xfrm>
+        </p:spPr>
+      </p:sp>
+      <p:sp>
+        <p:nvSpPr>
+          <p:cNvPr id="3" name="Espaço Reservado para Anotações 2"/>
+          <p:cNvSpPr>
+            <a:spLocks noGrp="1"/>
+          </p:cNvSpPr>
+          <p:nvPr>
+            <p:ph type="body" idx="1"/>
+          </p:nvPr>
+        </p:nvSpPr>
+        <p:spPr/>
+        <p:txBody>
+          <a:bodyPr/>
+          <a:lstStyle/>
+          <a:p>
+            <a:endParaRPr lang="pt-BR" dirty="0"/>
+          </a:p>
+        </p:txBody>
+      </p:sp>
+    </p:spTree>
+    <p:extLst>
+      <p:ext uri="{BB962C8B-B14F-4D97-AF65-F5344CB8AC3E}">
+        <p14:creationId xmlns:p14="http://schemas.microsoft.com/office/powerpoint/2010/main" val="547134060"/>
+      </p:ext>
+    </p:extLst>
+  </p:cSld>
+  <p:clrMapOvr>
+    <a:masterClrMapping/>
+  </p:clrMapOvr>
+</p:notes>
+</file>
+
+<file path=ppt/notesSlides/notesSlide28.xml><?xml version="1.0" encoding="utf-8"?>
+<p:notes xmlns:a="http://schemas.openxmlformats.org/drawingml/2006/main" xmlns:r="http://schemas.openxmlformats.org/officeDocument/2006/relationships" xmlns:p="http://schemas.openxmlformats.org/presentationml/2006/main">
+  <p:cSld>
+    <p:spTree>
+      <p:nvGrpSpPr>
+        <p:cNvPr id="1" name=""/>
+        <p:cNvGrpSpPr/>
+        <p:nvPr/>
+      </p:nvGrpSpPr>
+      <p:grpSpPr>
+        <a:xfrm>
+          <a:off x="0" y="0"/>
+          <a:ext cx="0" cy="0"/>
+          <a:chOff x="0" y="0"/>
+          <a:chExt cx="0" cy="0"/>
+        </a:xfrm>
+      </p:grpSpPr>
+      <p:sp>
+        <p:nvSpPr>
+          <p:cNvPr id="2" name="Espaço Reservado para Imagem de Slide 1"/>
+          <p:cNvSpPr>
+            <a:spLocks noGrp="1" noRot="1" noChangeAspect="1"/>
+          </p:cNvSpPr>
+          <p:nvPr>
+            <p:ph type="sldImg"/>
+          </p:nvPr>
+        </p:nvSpPr>
+        <p:spPr>
+          <a:xfrm>
+            <a:off x="381000" y="685800"/>
+            <a:ext cx="6096000" cy="3429000"/>
+          </a:xfrm>
+        </p:spPr>
+      </p:sp>
+      <p:sp>
+        <p:nvSpPr>
+          <p:cNvPr id="3" name="Espaço Reservado para Anotações 2"/>
+          <p:cNvSpPr>
+            <a:spLocks noGrp="1"/>
+          </p:cNvSpPr>
+          <p:nvPr>
+            <p:ph type="body" idx="1"/>
+          </p:nvPr>
+        </p:nvSpPr>
+        <p:spPr/>
+        <p:txBody>
+          <a:bodyPr/>
+          <a:lstStyle/>
+          <a:p>
+            <a:endParaRPr lang="pt-BR" dirty="0"/>
+          </a:p>
+        </p:txBody>
+      </p:sp>
+    </p:spTree>
+    <p:extLst>
+      <p:ext uri="{BB962C8B-B14F-4D97-AF65-F5344CB8AC3E}">
+        <p14:creationId xmlns:p14="http://schemas.microsoft.com/office/powerpoint/2010/main" val="585304384"/>
+      </p:ext>
+    </p:extLst>
+  </p:cSld>
+  <p:clrMapOvr>
+    <a:masterClrMapping/>
+  </p:clrMapOvr>
+</p:notes>
+</file>
+
+<file path=ppt/notesSlides/notesSlide29.xml><?xml version="1.0" encoding="utf-8"?>
+<p:notes xmlns:a="http://schemas.openxmlformats.org/drawingml/2006/main" xmlns:r="http://schemas.openxmlformats.org/officeDocument/2006/relationships" xmlns:p="http://schemas.openxmlformats.org/presentationml/2006/main">
+  <p:cSld>
+    <p:spTree>
+      <p:nvGrpSpPr>
+        <p:cNvPr id="1" name=""/>
+        <p:cNvGrpSpPr/>
+        <p:nvPr/>
+      </p:nvGrpSpPr>
+      <p:grpSpPr>
+        <a:xfrm>
+          <a:off x="0" y="0"/>
+          <a:ext cx="0" cy="0"/>
+          <a:chOff x="0" y="0"/>
+          <a:chExt cx="0" cy="0"/>
+        </a:xfrm>
+      </p:grpSpPr>
+      <p:sp>
+        <p:nvSpPr>
+          <p:cNvPr id="2" name="Espaço Reservado para Imagem de Slide 1"/>
+          <p:cNvSpPr>
+            <a:spLocks noGrp="1" noRot="1" noChangeAspect="1"/>
+          </p:cNvSpPr>
+          <p:nvPr>
+            <p:ph type="sldImg"/>
+          </p:nvPr>
+        </p:nvSpPr>
+        <p:spPr>
+          <a:xfrm>
+            <a:off x="381000" y="685800"/>
+            <a:ext cx="6096000" cy="3429000"/>
+          </a:xfrm>
+        </p:spPr>
+      </p:sp>
+      <p:sp>
+        <p:nvSpPr>
+          <p:cNvPr id="3" name="Espaço Reservado para Anotações 2"/>
+          <p:cNvSpPr>
+            <a:spLocks noGrp="1"/>
+          </p:cNvSpPr>
+          <p:nvPr>
+            <p:ph type="body" idx="1"/>
+          </p:nvPr>
+        </p:nvSpPr>
+        <p:spPr/>
+        <p:txBody>
+          <a:bodyPr/>
+          <a:lstStyle/>
+          <a:p>
+            <a:endParaRPr lang="pt-BR" dirty="0"/>
+          </a:p>
+        </p:txBody>
+      </p:sp>
+    </p:spTree>
+    <p:extLst>
+      <p:ext uri="{BB962C8B-B14F-4D97-AF65-F5344CB8AC3E}">
+        <p14:creationId xmlns:p14="http://schemas.microsoft.com/office/powerpoint/2010/main" val="2709569597"/>
       </p:ext>
     </p:extLst>
   </p:cSld>
@@ -1565,6 +2036,138 @@
     <p:extLst>
       <p:ext uri="{BB962C8B-B14F-4D97-AF65-F5344CB8AC3E}">
         <p14:creationId xmlns:p14="http://schemas.microsoft.com/office/powerpoint/2010/main" val="3856283829"/>
+      </p:ext>
+    </p:extLst>
+  </p:cSld>
+  <p:clrMapOvr>
+    <a:masterClrMapping/>
+  </p:clrMapOvr>
+</p:notes>
+</file>
+
+<file path=ppt/notesSlides/notesSlide30.xml><?xml version="1.0" encoding="utf-8"?>
+<p:notes xmlns:a="http://schemas.openxmlformats.org/drawingml/2006/main" xmlns:r="http://schemas.openxmlformats.org/officeDocument/2006/relationships" xmlns:p="http://schemas.openxmlformats.org/presentationml/2006/main">
+  <p:cSld>
+    <p:spTree>
+      <p:nvGrpSpPr>
+        <p:cNvPr id="1" name=""/>
+        <p:cNvGrpSpPr/>
+        <p:nvPr/>
+      </p:nvGrpSpPr>
+      <p:grpSpPr>
+        <a:xfrm>
+          <a:off x="0" y="0"/>
+          <a:ext cx="0" cy="0"/>
+          <a:chOff x="0" y="0"/>
+          <a:chExt cx="0" cy="0"/>
+        </a:xfrm>
+      </p:grpSpPr>
+      <p:sp>
+        <p:nvSpPr>
+          <p:cNvPr id="2" name="Espaço Reservado para Imagem de Slide 1"/>
+          <p:cNvSpPr>
+            <a:spLocks noGrp="1" noRot="1" noChangeAspect="1"/>
+          </p:cNvSpPr>
+          <p:nvPr>
+            <p:ph type="sldImg"/>
+          </p:nvPr>
+        </p:nvSpPr>
+        <p:spPr>
+          <a:xfrm>
+            <a:off x="381000" y="685800"/>
+            <a:ext cx="6096000" cy="3429000"/>
+          </a:xfrm>
+        </p:spPr>
+      </p:sp>
+      <p:sp>
+        <p:nvSpPr>
+          <p:cNvPr id="3" name="Espaço Reservado para Anotações 2"/>
+          <p:cNvSpPr>
+            <a:spLocks noGrp="1"/>
+          </p:cNvSpPr>
+          <p:nvPr>
+            <p:ph type="body" idx="1"/>
+          </p:nvPr>
+        </p:nvSpPr>
+        <p:spPr/>
+        <p:txBody>
+          <a:bodyPr/>
+          <a:lstStyle/>
+          <a:p>
+            <a:endParaRPr lang="pt-BR" dirty="0"/>
+          </a:p>
+        </p:txBody>
+      </p:sp>
+    </p:spTree>
+    <p:extLst>
+      <p:ext uri="{BB962C8B-B14F-4D97-AF65-F5344CB8AC3E}">
+        <p14:creationId xmlns:p14="http://schemas.microsoft.com/office/powerpoint/2010/main" val="2296249050"/>
+      </p:ext>
+    </p:extLst>
+  </p:cSld>
+  <p:clrMapOvr>
+    <a:masterClrMapping/>
+  </p:clrMapOvr>
+</p:notes>
+</file>
+
+<file path=ppt/notesSlides/notesSlide31.xml><?xml version="1.0" encoding="utf-8"?>
+<p:notes xmlns:a="http://schemas.openxmlformats.org/drawingml/2006/main" xmlns:r="http://schemas.openxmlformats.org/officeDocument/2006/relationships" xmlns:p="http://schemas.openxmlformats.org/presentationml/2006/main">
+  <p:cSld>
+    <p:spTree>
+      <p:nvGrpSpPr>
+        <p:cNvPr id="1" name=""/>
+        <p:cNvGrpSpPr/>
+        <p:nvPr/>
+      </p:nvGrpSpPr>
+      <p:grpSpPr>
+        <a:xfrm>
+          <a:off x="0" y="0"/>
+          <a:ext cx="0" cy="0"/>
+          <a:chOff x="0" y="0"/>
+          <a:chExt cx="0" cy="0"/>
+        </a:xfrm>
+      </p:grpSpPr>
+      <p:sp>
+        <p:nvSpPr>
+          <p:cNvPr id="2" name="Espaço Reservado para Imagem de Slide 1"/>
+          <p:cNvSpPr>
+            <a:spLocks noGrp="1" noRot="1" noChangeAspect="1"/>
+          </p:cNvSpPr>
+          <p:nvPr>
+            <p:ph type="sldImg"/>
+          </p:nvPr>
+        </p:nvSpPr>
+        <p:spPr>
+          <a:xfrm>
+            <a:off x="381000" y="685800"/>
+            <a:ext cx="6096000" cy="3429000"/>
+          </a:xfrm>
+        </p:spPr>
+      </p:sp>
+      <p:sp>
+        <p:nvSpPr>
+          <p:cNvPr id="3" name="Espaço Reservado para Anotações 2"/>
+          <p:cNvSpPr>
+            <a:spLocks noGrp="1"/>
+          </p:cNvSpPr>
+          <p:nvPr>
+            <p:ph type="body" idx="1"/>
+          </p:nvPr>
+        </p:nvSpPr>
+        <p:spPr/>
+        <p:txBody>
+          <a:bodyPr/>
+          <a:lstStyle/>
+          <a:p>
+            <a:endParaRPr lang="pt-BR" dirty="0"/>
+          </a:p>
+        </p:txBody>
+      </p:sp>
+    </p:spTree>
+    <p:extLst>
+      <p:ext uri="{BB962C8B-B14F-4D97-AF65-F5344CB8AC3E}">
+        <p14:creationId xmlns:p14="http://schemas.microsoft.com/office/powerpoint/2010/main" val="4290351292"/>
       </p:ext>
     </p:extLst>
   </p:cSld>
@@ -7766,7 +8369,27 @@
                 <a:latin typeface="Times New Roman" panose="02020603050405020304" pitchFamily="18" charset="0"/>
                 <a:cs typeface="Times New Roman" panose="02020603050405020304" pitchFamily="18" charset="0"/>
               </a:rPr>
-              <a:t>= ‘blue’;</a:t>
+              <a:t>= ‘</a:t>
+            </a:r>
+            <a:r>
+              <a:rPr lang="pt-BR" sz="2000" b="1" dirty="0">
+                <a:solidFill>
+                  <a:srgbClr val="0070C0"/>
+                </a:solidFill>
+                <a:latin typeface="Times New Roman" panose="02020603050405020304" pitchFamily="18" charset="0"/>
+                <a:cs typeface="Times New Roman" panose="02020603050405020304" pitchFamily="18" charset="0"/>
+              </a:rPr>
+              <a:t>blue</a:t>
+            </a:r>
+            <a:r>
+              <a:rPr lang="pt-BR" sz="2000" dirty="0">
+                <a:solidFill>
+                  <a:schemeClr val="tx1"/>
+                </a:solidFill>
+                <a:latin typeface="Times New Roman" panose="02020603050405020304" pitchFamily="18" charset="0"/>
+                <a:cs typeface="Times New Roman" panose="02020603050405020304" pitchFamily="18" charset="0"/>
+              </a:rPr>
+              <a:t>’;</a:t>
             </a:r>
           </a:p>
           <a:p>
@@ -8922,28 +9545,20 @@
           <a:lstStyle/>
           <a:p>
             <a:r>
+              <a:rPr lang="en-US" b="1" dirty="0">
+                <a:solidFill>
+                  <a:srgbClr val="0070C0"/>
+                </a:solidFill>
+              </a:rPr>
+              <a:t>JS – </a:t>
+            </a:r>
+            <a:r>
               <a:rPr lang="en-US" b="1" dirty="0" err="1">
                 <a:solidFill>
                   <a:srgbClr val="0070C0"/>
                 </a:solidFill>
               </a:rPr>
-              <a:t>Leitura</a:t>
-            </a:r>
-            <a:r>
-              <a:rPr lang="en-US" b="1" dirty="0">
-                <a:solidFill>
-                  <a:srgbClr val="0070C0"/>
-                </a:solidFill>
-              </a:rPr>
-              <a:t> </a:t>
-            </a:r>
-            <a:r>
-              <a:rPr lang="en-US" b="1" dirty="0" err="1">
-                <a:solidFill>
-                  <a:srgbClr val="0070C0"/>
-                </a:solidFill>
-              </a:rPr>
-              <a:t>Específica</a:t>
+              <a:t>Comentários</a:t>
             </a:r>
             <a:endParaRPr lang="en-US" b="1" dirty="0">
               <a:solidFill>
@@ -8965,8 +9580,8 @@
         </p:nvSpPr>
         <p:spPr>
           <a:xfrm>
-            <a:off x="142865" y="1012261"/>
-            <a:ext cx="8865056" cy="3835312"/>
+            <a:off x="142865" y="1037312"/>
+            <a:ext cx="8865056" cy="3900208"/>
           </a:xfrm>
         </p:spPr>
         <p:txBody>
@@ -8979,25 +9594,24 @@
               <a:buNone/>
             </a:pPr>
             <a:r>
-              <a:rPr lang="pt-BR" sz="2000" dirty="0">
-                <a:latin typeface="Times New Roman" panose="02020603050405020304" pitchFamily="18" charset="0"/>
-                <a:cs typeface="Times New Roman" panose="02020603050405020304" pitchFamily="18" charset="0"/>
-              </a:rPr>
-              <a:t>[1] </a:t>
-            </a:r>
-            <a:r>
-              <a:rPr lang="pt-BR" sz="2000" b="1" dirty="0">
-                <a:latin typeface="Times New Roman" panose="02020603050405020304" pitchFamily="18" charset="0"/>
-                <a:cs typeface="Times New Roman" panose="02020603050405020304" pitchFamily="18" charset="0"/>
-              </a:rPr>
-              <a:t>Site Devmedia</a:t>
-            </a:r>
-            <a:r>
-              <a:rPr lang="pt-BR" sz="2000" dirty="0">
-                <a:latin typeface="Times New Roman" panose="02020603050405020304" pitchFamily="18" charset="0"/>
-                <a:cs typeface="Times New Roman" panose="02020603050405020304" pitchFamily="18" charset="0"/>
-              </a:rPr>
-              <a:t>. 	</a:t>
+              <a:rPr lang="pt-BR" sz="2400" b="1" dirty="0">
+                <a:solidFill>
+                  <a:srgbClr val="FF0000"/>
+                </a:solidFill>
+                <a:latin typeface="Times New Roman" panose="02020603050405020304" pitchFamily="18" charset="0"/>
+                <a:cs typeface="Times New Roman" panose="02020603050405020304" pitchFamily="18" charset="0"/>
+              </a:rPr>
+              <a:t>// - </a:t>
+            </a:r>
+            <a:r>
+              <a:rPr lang="pt-BR" sz="2400" b="1" dirty="0">
+                <a:solidFill>
+                  <a:schemeClr val="tx1"/>
+                </a:solidFill>
+                <a:latin typeface="Times New Roman" panose="02020603050405020304" pitchFamily="18" charset="0"/>
+                <a:cs typeface="Times New Roman" panose="02020603050405020304" pitchFamily="18" charset="0"/>
+              </a:rPr>
+              <a:t>Comentário de linha</a:t>
             </a:r>
           </a:p>
           <a:p>
@@ -9005,28 +9619,124 @@
               <a:buNone/>
             </a:pPr>
             <a:r>
-              <a:rPr lang="pt-BR" sz="2000" b="1" dirty="0">
-                <a:latin typeface="Times New Roman" panose="02020603050405020304" pitchFamily="18" charset="0"/>
-                <a:cs typeface="Times New Roman" panose="02020603050405020304" pitchFamily="18" charset="0"/>
-              </a:rPr>
-              <a:t>	Disponível em</a:t>
-            </a:r>
-            <a:r>
-              <a:rPr lang="pt-BR" sz="2000" dirty="0">
-                <a:latin typeface="Times New Roman" panose="02020603050405020304" pitchFamily="18" charset="0"/>
-                <a:cs typeface="Times New Roman" panose="02020603050405020304" pitchFamily="18" charset="0"/>
-              </a:rPr>
-              <a:t>: </a:t>
-            </a:r>
-            <a:r>
-              <a:rPr lang="pt-BR" sz="2000" dirty="0">
-                <a:latin typeface="Times New Roman" panose="02020603050405020304" pitchFamily="18" charset="0"/>
-                <a:cs typeface="Times New Roman" panose="02020603050405020304" pitchFamily="18" charset="0"/>
-                <a:hlinkClick r:id="rId3"/>
-              </a:rPr>
-              <a:t>https://www.devmedia.com.br/javascript/</a:t>
-            </a:r>
-            <a:endParaRPr lang="pt-BR" sz="2000" dirty="0">
+              <a:rPr lang="pt-BR" sz="2400" b="1" dirty="0">
+                <a:solidFill>
+                  <a:srgbClr val="FF0000"/>
+                </a:solidFill>
+                <a:latin typeface="Times New Roman" panose="02020603050405020304" pitchFamily="18" charset="0"/>
+                <a:cs typeface="Times New Roman" panose="02020603050405020304" pitchFamily="18" charset="0"/>
+              </a:rPr>
+              <a:t>Exemplos</a:t>
+            </a:r>
+            <a:r>
+              <a:rPr lang="pt-BR" sz="2400" dirty="0">
+                <a:solidFill>
+                  <a:schemeClr val="tx1"/>
+                </a:solidFill>
+                <a:latin typeface="Times New Roman" panose="02020603050405020304" pitchFamily="18" charset="0"/>
+                <a:cs typeface="Times New Roman" panose="02020603050405020304" pitchFamily="18" charset="0"/>
+              </a:rPr>
+              <a:t>:</a:t>
+            </a:r>
+          </a:p>
+          <a:p>
+            <a:pPr marL="0" indent="0" algn="just">
+              <a:buNone/>
+            </a:pPr>
+            <a:r>
+              <a:rPr lang="pt-BR" sz="2400" dirty="0">
+                <a:solidFill>
+                  <a:schemeClr val="tx1"/>
+                </a:solidFill>
+                <a:latin typeface="Times New Roman" panose="02020603050405020304" pitchFamily="18" charset="0"/>
+                <a:cs typeface="Times New Roman" panose="02020603050405020304" pitchFamily="18" charset="0"/>
+              </a:rPr>
+              <a:t>	// Saída de Dados - inserindo um texto no parágrafo</a:t>
+            </a:r>
+          </a:p>
+          <a:p>
+            <a:pPr marL="0" indent="0" algn="just">
+              <a:buNone/>
+            </a:pPr>
+            <a:r>
+              <a:rPr lang="pt-BR" sz="2400" b="1" dirty="0">
+                <a:solidFill>
+                  <a:schemeClr val="tx1"/>
+                </a:solidFill>
+                <a:latin typeface="Times New Roman" panose="02020603050405020304" pitchFamily="18" charset="0"/>
+                <a:cs typeface="Times New Roman" panose="02020603050405020304" pitchFamily="18" charset="0"/>
+              </a:rPr>
+              <a:t>	</a:t>
+            </a:r>
+            <a:r>
+              <a:rPr lang="pt-BR" sz="2400" b="1" dirty="0" err="1">
+                <a:solidFill>
+                  <a:srgbClr val="FF0000"/>
+                </a:solidFill>
+                <a:latin typeface="Times New Roman" panose="02020603050405020304" pitchFamily="18" charset="0"/>
+                <a:cs typeface="Times New Roman" panose="02020603050405020304" pitchFamily="18" charset="0"/>
+              </a:rPr>
+              <a:t>document.getElementById</a:t>
+            </a:r>
+            <a:r>
+              <a:rPr lang="pt-BR" sz="2400" dirty="0">
+                <a:solidFill>
+                  <a:schemeClr val="tx1"/>
+                </a:solidFill>
+                <a:latin typeface="Times New Roman" panose="02020603050405020304" pitchFamily="18" charset="0"/>
+                <a:cs typeface="Times New Roman" panose="02020603050405020304" pitchFamily="18" charset="0"/>
+              </a:rPr>
+              <a:t>(‘</a:t>
+            </a:r>
+            <a:r>
+              <a:rPr lang="pt-BR" sz="2400" dirty="0" err="1">
+                <a:solidFill>
+                  <a:schemeClr val="tx1"/>
+                </a:solidFill>
+                <a:latin typeface="Times New Roman" panose="02020603050405020304" pitchFamily="18" charset="0"/>
+                <a:cs typeface="Times New Roman" panose="02020603050405020304" pitchFamily="18" charset="0"/>
+              </a:rPr>
+              <a:t>idParag</a:t>
+            </a:r>
+            <a:r>
+              <a:rPr lang="pt-BR" sz="2400" dirty="0">
+                <a:solidFill>
+                  <a:schemeClr val="tx1"/>
+                </a:solidFill>
+                <a:latin typeface="Times New Roman" panose="02020603050405020304" pitchFamily="18" charset="0"/>
+                <a:cs typeface="Times New Roman" panose="02020603050405020304" pitchFamily="18" charset="0"/>
+              </a:rPr>
+              <a:t>’).</a:t>
+            </a:r>
+            <a:r>
+              <a:rPr lang="pt-BR" sz="2400" dirty="0" err="1">
+                <a:solidFill>
+                  <a:schemeClr val="tx1"/>
+                </a:solidFill>
+                <a:latin typeface="Times New Roman" panose="02020603050405020304" pitchFamily="18" charset="0"/>
+                <a:cs typeface="Times New Roman" panose="02020603050405020304" pitchFamily="18" charset="0"/>
+              </a:rPr>
+              <a:t>InnerHTML</a:t>
+            </a:r>
+            <a:r>
+              <a:rPr lang="pt-BR" sz="2400" dirty="0">
+                <a:solidFill>
+                  <a:schemeClr val="tx1"/>
+                </a:solidFill>
+                <a:latin typeface="Times New Roman" panose="02020603050405020304" pitchFamily="18" charset="0"/>
+                <a:cs typeface="Times New Roman" panose="02020603050405020304" pitchFamily="18" charset="0"/>
+              </a:rPr>
+              <a:t> := ‘Texto’;</a:t>
+            </a:r>
+          </a:p>
+          <a:p>
+            <a:pPr marL="0" indent="0" algn="just">
+              <a:buNone/>
+            </a:pPr>
+            <a:endParaRPr lang="pt-BR" sz="2400" b="1" dirty="0">
+              <a:solidFill>
+                <a:srgbClr val="FF0000"/>
+              </a:solidFill>
               <a:latin typeface="Times New Roman" panose="02020603050405020304" pitchFamily="18" charset="0"/>
               <a:cs typeface="Times New Roman" panose="02020603050405020304" pitchFamily="18" charset="0"/>
             </a:endParaRPr>
@@ -9035,49 +9745,40 @@
             <a:pPr marL="0" indent="0" algn="just">
               <a:buNone/>
             </a:pPr>
-            <a:endParaRPr lang="pt-BR" sz="2000" dirty="0">
-              <a:latin typeface="Times New Roman" panose="02020603050405020304" pitchFamily="18" charset="0"/>
-              <a:cs typeface="Times New Roman" panose="02020603050405020304" pitchFamily="18" charset="0"/>
-            </a:endParaRPr>
+            <a:r>
+              <a:rPr lang="pt-BR" sz="2400" b="1" dirty="0">
+                <a:solidFill>
+                  <a:srgbClr val="FF0000"/>
+                </a:solidFill>
+                <a:latin typeface="Times New Roman" panose="02020603050405020304" pitchFamily="18" charset="0"/>
+                <a:cs typeface="Times New Roman" panose="02020603050405020304" pitchFamily="18" charset="0"/>
+              </a:rPr>
+              <a:t>/*  Texto */ - </a:t>
+            </a:r>
+            <a:r>
+              <a:rPr lang="pt-BR" sz="2400" b="1" dirty="0">
+                <a:solidFill>
+                  <a:schemeClr val="tx1"/>
+                </a:solidFill>
+                <a:latin typeface="Times New Roman" panose="02020603050405020304" pitchFamily="18" charset="0"/>
+                <a:cs typeface="Times New Roman" panose="02020603050405020304" pitchFamily="18" charset="0"/>
+              </a:rPr>
+              <a:t>Comentário de múltiplas linhas</a:t>
+            </a:r>
           </a:p>
           <a:p>
             <a:pPr marL="0" indent="0" algn="just">
               <a:buNone/>
             </a:pPr>
             <a:r>
-              <a:rPr lang="pt-BR" sz="2000" dirty="0">
-                <a:latin typeface="Times New Roman" panose="02020603050405020304" pitchFamily="18" charset="0"/>
-                <a:cs typeface="Times New Roman" panose="02020603050405020304" pitchFamily="18" charset="0"/>
-              </a:rPr>
-              <a:t>[2] </a:t>
-            </a:r>
-            <a:r>
-              <a:rPr lang="pt-BR" sz="2000" b="1" dirty="0">
-                <a:latin typeface="Times New Roman" panose="02020603050405020304" pitchFamily="18" charset="0"/>
-                <a:cs typeface="Times New Roman" panose="02020603050405020304" pitchFamily="18" charset="0"/>
-              </a:rPr>
-              <a:t>COSTA, </a:t>
-            </a:r>
-            <a:r>
-              <a:rPr lang="pt-BR" sz="2000" dirty="0">
-                <a:latin typeface="Times New Roman" panose="02020603050405020304" pitchFamily="18" charset="0"/>
-                <a:cs typeface="Times New Roman" panose="02020603050405020304" pitchFamily="18" charset="0"/>
-              </a:rPr>
-              <a:t>Jean Carlos Borba Guimarães da. A Linguagem </a:t>
-            </a:r>
-            <a:r>
-              <a:rPr lang="pt-BR" sz="2000" dirty="0" err="1">
-                <a:latin typeface="Times New Roman" panose="02020603050405020304" pitchFamily="18" charset="0"/>
-                <a:cs typeface="Times New Roman" panose="02020603050405020304" pitchFamily="18" charset="0"/>
-              </a:rPr>
-              <a:t>JavaScript</a:t>
-            </a:r>
-            <a:r>
-              <a:rPr lang="pt-BR" sz="2000" dirty="0">
-                <a:latin typeface="Times New Roman" panose="02020603050405020304" pitchFamily="18" charset="0"/>
-                <a:cs typeface="Times New Roman" panose="02020603050405020304" pitchFamily="18" charset="0"/>
-              </a:rPr>
-              <a:t> e seu Ecossistema. 2019. 	</a:t>
+              <a:rPr lang="pt-BR" sz="2400" dirty="0">
+                <a:solidFill>
+                  <a:schemeClr val="tx1"/>
+                </a:solidFill>
+                <a:latin typeface="Times New Roman" panose="02020603050405020304" pitchFamily="18" charset="0"/>
+                <a:cs typeface="Times New Roman" panose="02020603050405020304" pitchFamily="18" charset="0"/>
+              </a:rPr>
+              <a:t>	/* Saída de Dados – </a:t>
             </a:r>
           </a:p>
           <a:p>
@@ -9085,18 +9786,14 @@
               <a:buNone/>
             </a:pPr>
             <a:r>
-              <a:rPr lang="pt-BR" sz="2000" b="1" dirty="0">
-                <a:latin typeface="Times New Roman" panose="02020603050405020304" pitchFamily="18" charset="0"/>
-                <a:cs typeface="Times New Roman" panose="02020603050405020304" pitchFamily="18" charset="0"/>
-              </a:rPr>
-              <a:t>	Disponível em</a:t>
-            </a:r>
-            <a:r>
-              <a:rPr lang="pt-BR" sz="2000" dirty="0">
-                <a:latin typeface="Times New Roman" panose="02020603050405020304" pitchFamily="18" charset="0"/>
-                <a:cs typeface="Times New Roman" panose="02020603050405020304" pitchFamily="18" charset="0"/>
-              </a:rPr>
-              <a:t>: </a:t>
+              <a:rPr lang="pt-BR" sz="2400" dirty="0">
+                <a:solidFill>
+                  <a:schemeClr val="tx1"/>
+                </a:solidFill>
+                <a:latin typeface="Times New Roman" panose="02020603050405020304" pitchFamily="18" charset="0"/>
+                <a:cs typeface="Times New Roman" panose="02020603050405020304" pitchFamily="18" charset="0"/>
+              </a:rPr>
+              <a:t>		inserindo um texto no parágrafo */</a:t>
             </a:r>
           </a:p>
           <a:p>
@@ -9104,23 +9801,84 @@
               <a:buNone/>
             </a:pPr>
             <a:r>
-              <a:rPr lang="pt-BR" sz="2000" dirty="0">
-                <a:latin typeface="Times New Roman" panose="02020603050405020304" pitchFamily="18" charset="0"/>
-                <a:cs typeface="Times New Roman" panose="02020603050405020304" pitchFamily="18" charset="0"/>
-                <a:hlinkClick r:id="rId4"/>
-              </a:rPr>
-              <a:t>https://repositorio.uniube.br/bitstream/123456789/1546/1/A%20Linguagem%20JavaScript%20e%20seu%20Ecossistema%20.PDF</a:t>
-            </a:r>
-            <a:endParaRPr lang="pt-BR" sz="2000" dirty="0">
-              <a:latin typeface="Times New Roman" panose="02020603050405020304" pitchFamily="18" charset="0"/>
-              <a:cs typeface="Times New Roman" panose="02020603050405020304" pitchFamily="18" charset="0"/>
-            </a:endParaRPr>
+              <a:rPr lang="pt-BR" sz="2400" b="1" dirty="0">
+                <a:solidFill>
+                  <a:schemeClr val="tx1"/>
+                </a:solidFill>
+                <a:latin typeface="Times New Roman" panose="02020603050405020304" pitchFamily="18" charset="0"/>
+                <a:cs typeface="Times New Roman" panose="02020603050405020304" pitchFamily="18" charset="0"/>
+              </a:rPr>
+              <a:t>	</a:t>
+            </a:r>
+            <a:r>
+              <a:rPr lang="pt-BR" sz="2400" b="1" dirty="0" err="1">
+                <a:solidFill>
+                  <a:srgbClr val="FF0000"/>
+                </a:solidFill>
+                <a:latin typeface="Times New Roman" panose="02020603050405020304" pitchFamily="18" charset="0"/>
+                <a:cs typeface="Times New Roman" panose="02020603050405020304" pitchFamily="18" charset="0"/>
+              </a:rPr>
+              <a:t>document.getElementById</a:t>
+            </a:r>
+            <a:r>
+              <a:rPr lang="pt-BR" sz="2400" dirty="0">
+                <a:solidFill>
+                  <a:schemeClr val="tx1"/>
+                </a:solidFill>
+                <a:latin typeface="Times New Roman" panose="02020603050405020304" pitchFamily="18" charset="0"/>
+                <a:cs typeface="Times New Roman" panose="02020603050405020304" pitchFamily="18" charset="0"/>
+              </a:rPr>
+              <a:t>(‘</a:t>
+            </a:r>
+            <a:r>
+              <a:rPr lang="pt-BR" sz="2400" dirty="0" err="1">
+                <a:solidFill>
+                  <a:schemeClr val="tx1"/>
+                </a:solidFill>
+                <a:latin typeface="Times New Roman" panose="02020603050405020304" pitchFamily="18" charset="0"/>
+                <a:cs typeface="Times New Roman" panose="02020603050405020304" pitchFamily="18" charset="0"/>
+              </a:rPr>
+              <a:t>idParag</a:t>
+            </a:r>
+            <a:r>
+              <a:rPr lang="pt-BR" sz="2400" dirty="0">
+                <a:solidFill>
+                  <a:schemeClr val="tx1"/>
+                </a:solidFill>
+                <a:latin typeface="Times New Roman" panose="02020603050405020304" pitchFamily="18" charset="0"/>
+                <a:cs typeface="Times New Roman" panose="02020603050405020304" pitchFamily="18" charset="0"/>
+              </a:rPr>
+              <a:t>’).</a:t>
+            </a:r>
+            <a:r>
+              <a:rPr lang="pt-BR" sz="2400" dirty="0" err="1">
+                <a:solidFill>
+                  <a:schemeClr val="tx1"/>
+                </a:solidFill>
+                <a:latin typeface="Times New Roman" panose="02020603050405020304" pitchFamily="18" charset="0"/>
+                <a:cs typeface="Times New Roman" panose="02020603050405020304" pitchFamily="18" charset="0"/>
+              </a:rPr>
+              <a:t>InnerHTML</a:t>
+            </a:r>
+            <a:r>
+              <a:rPr lang="pt-BR" sz="2400" dirty="0">
+                <a:solidFill>
+                  <a:schemeClr val="tx1"/>
+                </a:solidFill>
+                <a:latin typeface="Times New Roman" panose="02020603050405020304" pitchFamily="18" charset="0"/>
+                <a:cs typeface="Times New Roman" panose="02020603050405020304" pitchFamily="18" charset="0"/>
+              </a:rPr>
+              <a:t> := ‘Texto’;</a:t>
+            </a:r>
           </a:p>
           <a:p>
             <a:pPr marL="0" indent="0" algn="just">
               <a:buNone/>
             </a:pPr>
-            <a:endParaRPr lang="pt-BR" sz="2000" dirty="0">
+            <a:endParaRPr lang="pt-BR" sz="2400" dirty="0">
+              <a:solidFill>
+                <a:schemeClr val="tx1"/>
+              </a:solidFill>
               <a:latin typeface="Times New Roman" panose="02020603050405020304" pitchFamily="18" charset="0"/>
               <a:cs typeface="Times New Roman" panose="02020603050405020304" pitchFamily="18" charset="0"/>
             </a:endParaRPr>
@@ -9130,7 +9888,7 @@
     </p:spTree>
     <p:extLst>
       <p:ext uri="{BB962C8B-B14F-4D97-AF65-F5344CB8AC3E}">
-        <p14:creationId xmlns:p14="http://schemas.microsoft.com/office/powerpoint/2010/main" val="3680270425"/>
+        <p14:creationId xmlns:p14="http://schemas.microsoft.com/office/powerpoint/2010/main" val="3049810001"/>
       </p:ext>
     </p:extLst>
   </p:cSld>
@@ -9181,21 +9939,26 @@
           <a:lstStyle/>
           <a:p>
             <a:r>
+              <a:rPr lang="en-US" b="1" dirty="0">
+                <a:solidFill>
+                  <a:srgbClr val="0070C0"/>
+                </a:solidFill>
+              </a:rPr>
+              <a:t>JS – </a:t>
+            </a:r>
+            <a:r>
               <a:rPr lang="en-US" b="1" dirty="0" err="1">
                 <a:solidFill>
                   <a:srgbClr val="0070C0"/>
                 </a:solidFill>
               </a:rPr>
-              <a:t>Aprenda</a:t>
-            </a:r>
-            <a:r>
-              <a:rPr lang="en-US" b="1" dirty="0">
-                <a:solidFill>
-                  <a:srgbClr val="0070C0"/>
-                </a:solidFill>
-              </a:rPr>
-              <a:t>+</a:t>
-            </a:r>
+              <a:t>Variáveis</a:t>
+            </a:r>
+            <a:endParaRPr lang="en-US" b="1" dirty="0">
+              <a:solidFill>
+                <a:srgbClr val="0070C0"/>
+              </a:solidFill>
+            </a:endParaRPr>
           </a:p>
         </p:txBody>
       </p:sp>
@@ -9211,8 +9974,8 @@
         </p:nvSpPr>
         <p:spPr>
           <a:xfrm>
-            <a:off x="142865" y="1200151"/>
-            <a:ext cx="8865056" cy="3394472"/>
+            <a:off x="142865" y="1037311"/>
+            <a:ext cx="8865056" cy="4010677"/>
           </a:xfrm>
         </p:spPr>
         <p:txBody>
@@ -9224,7 +9987,60 @@
             <a:pPr marL="0" indent="0" algn="just">
               <a:buNone/>
             </a:pPr>
+            <a:r>
+              <a:rPr lang="pt-BR" sz="2400" b="1" dirty="0">
+                <a:solidFill>
+                  <a:srgbClr val="FF0000"/>
+                </a:solidFill>
+                <a:latin typeface="Times New Roman" panose="02020603050405020304" pitchFamily="18" charset="0"/>
+                <a:cs typeface="Times New Roman" panose="02020603050405020304" pitchFamily="18" charset="0"/>
+              </a:rPr>
+              <a:t>Variável </a:t>
+            </a:r>
+            <a:r>
+              <a:rPr lang="pt-BR" sz="2400" dirty="0">
+                <a:solidFill>
+                  <a:schemeClr val="tx1"/>
+                </a:solidFill>
+                <a:latin typeface="Times New Roman" panose="02020603050405020304" pitchFamily="18" charset="0"/>
+                <a:cs typeface="Times New Roman" panose="02020603050405020304" pitchFamily="18" charset="0"/>
+              </a:rPr>
+              <a:t>é um endereço de memória para manipulação de valores.</a:t>
+            </a:r>
+          </a:p>
+          <a:p>
+            <a:pPr marL="0" indent="0" algn="just">
+              <a:buNone/>
+            </a:pPr>
+            <a:r>
+              <a:rPr lang="pt-BR" sz="2400" b="1" dirty="0">
+                <a:solidFill>
+                  <a:srgbClr val="FF0000"/>
+                </a:solidFill>
+                <a:latin typeface="Times New Roman" panose="02020603050405020304" pitchFamily="18" charset="0"/>
+                <a:cs typeface="Times New Roman" panose="02020603050405020304" pitchFamily="18" charset="0"/>
+              </a:rPr>
+              <a:t>Atenção</a:t>
+            </a:r>
+            <a:r>
+              <a:rPr lang="pt-BR" sz="2400" dirty="0">
+                <a:solidFill>
+                  <a:schemeClr val="tx1"/>
+                </a:solidFill>
+                <a:latin typeface="Times New Roman" panose="02020603050405020304" pitchFamily="18" charset="0"/>
+                <a:cs typeface="Times New Roman" panose="02020603050405020304" pitchFamily="18" charset="0"/>
+              </a:rPr>
+              <a:t>: Seguir a regra de nomenclatura de variáveis.</a:t>
+            </a:r>
+          </a:p>
+          <a:p>
+            <a:pPr marL="0" indent="0" algn="just">
+              <a:buNone/>
+            </a:pPr>
             <a:endParaRPr lang="pt-BR" sz="2400" dirty="0">
+              <a:solidFill>
+                <a:schemeClr val="tx1"/>
+              </a:solidFill>
               <a:latin typeface="Times New Roman" panose="02020603050405020304" pitchFamily="18" charset="0"/>
               <a:cs typeface="Times New Roman" panose="02020603050405020304" pitchFamily="18" charset="0"/>
             </a:endParaRPr>
@@ -9235,32 +10051,138 @@
             </a:pPr>
             <a:r>
               <a:rPr lang="pt-BR" sz="2400" dirty="0">
-                <a:latin typeface="Times New Roman" panose="02020603050405020304" pitchFamily="18" charset="0"/>
-                <a:cs typeface="Times New Roman" panose="02020603050405020304" pitchFamily="18" charset="0"/>
-              </a:rPr>
-              <a:t>[1] </a:t>
-            </a:r>
-            <a:r>
-              <a:rPr lang="pt-BR" sz="2400" dirty="0">
-                <a:latin typeface="Times New Roman" panose="02020603050405020304" pitchFamily="18" charset="0"/>
-                <a:cs typeface="Times New Roman" panose="02020603050405020304" pitchFamily="18" charset="0"/>
-                <a:hlinkClick r:id="rId3"/>
-              </a:rPr>
-              <a:t>https://www.youtube.com/watch?v=W6NZfCO5SIk</a:t>
-            </a:r>
-            <a:r>
-              <a:rPr lang="pt-BR" sz="2400" dirty="0">
-                <a:latin typeface="Times New Roman" panose="02020603050405020304" pitchFamily="18" charset="0"/>
-                <a:cs typeface="Times New Roman" panose="02020603050405020304" pitchFamily="18" charset="0"/>
-              </a:rPr>
-              <a:t> (JS)</a:t>
+                <a:solidFill>
+                  <a:schemeClr val="tx1"/>
+                </a:solidFill>
+                <a:latin typeface="Times New Roman" panose="02020603050405020304" pitchFamily="18" charset="0"/>
+                <a:cs typeface="Times New Roman" panose="02020603050405020304" pitchFamily="18" charset="0"/>
+              </a:rPr>
+              <a:t>Declaração </a:t>
+            </a:r>
+            <a:r>
+              <a:rPr lang="pt-BR" sz="2400" b="1" dirty="0">
+                <a:solidFill>
+                  <a:schemeClr val="tx1"/>
+                </a:solidFill>
+                <a:latin typeface="Times New Roman" panose="02020603050405020304" pitchFamily="18" charset="0"/>
+                <a:cs typeface="Times New Roman" panose="02020603050405020304" pitchFamily="18" charset="0"/>
+              </a:rPr>
+              <a:t>var</a:t>
+            </a:r>
+            <a:r>
+              <a:rPr lang="pt-BR" sz="2400" dirty="0">
+                <a:solidFill>
+                  <a:schemeClr val="tx1"/>
+                </a:solidFill>
+                <a:latin typeface="Times New Roman" panose="02020603050405020304" pitchFamily="18" charset="0"/>
+                <a:cs typeface="Times New Roman" panose="02020603050405020304" pitchFamily="18" charset="0"/>
+              </a:rPr>
+              <a:t> (</a:t>
+            </a:r>
+            <a:r>
+              <a:rPr lang="pt-BR" sz="2400" b="1" dirty="0">
+                <a:solidFill>
+                  <a:srgbClr val="FF0000"/>
+                </a:solidFill>
+                <a:latin typeface="Times New Roman" panose="02020603050405020304" pitchFamily="18" charset="0"/>
+                <a:cs typeface="Times New Roman" panose="02020603050405020304" pitchFamily="18" charset="0"/>
+              </a:rPr>
+              <a:t>permite redeclarar </a:t>
+            </a:r>
+            <a:r>
+              <a:rPr lang="pt-BR" sz="2400" dirty="0">
+                <a:solidFill>
+                  <a:schemeClr val="tx1"/>
+                </a:solidFill>
+                <a:latin typeface="Times New Roman" panose="02020603050405020304" pitchFamily="18" charset="0"/>
+                <a:cs typeface="Times New Roman" panose="02020603050405020304" pitchFamily="18" charset="0"/>
+              </a:rPr>
+              <a:t>variáveis, desuso)</a:t>
             </a:r>
           </a:p>
           <a:p>
             <a:pPr marL="0" indent="0" algn="just">
               <a:buNone/>
             </a:pPr>
+            <a:r>
+              <a:rPr lang="pt-BR" sz="2400" dirty="0">
+                <a:solidFill>
+                  <a:schemeClr val="tx1"/>
+                </a:solidFill>
+                <a:latin typeface="Times New Roman" panose="02020603050405020304" pitchFamily="18" charset="0"/>
+                <a:cs typeface="Times New Roman" panose="02020603050405020304" pitchFamily="18" charset="0"/>
+              </a:rPr>
+              <a:t>Declaração </a:t>
+            </a:r>
+            <a:r>
+              <a:rPr lang="pt-BR" sz="2400" b="1" dirty="0" err="1">
+                <a:solidFill>
+                  <a:srgbClr val="FF0000"/>
+                </a:solidFill>
+                <a:latin typeface="Times New Roman" panose="02020603050405020304" pitchFamily="18" charset="0"/>
+                <a:cs typeface="Times New Roman" panose="02020603050405020304" pitchFamily="18" charset="0"/>
+              </a:rPr>
+              <a:t>let</a:t>
+            </a:r>
+            <a:r>
+              <a:rPr lang="pt-BR" sz="2400" b="1" dirty="0">
+                <a:solidFill>
+                  <a:srgbClr val="FF0000"/>
+                </a:solidFill>
+                <a:latin typeface="Times New Roman" panose="02020603050405020304" pitchFamily="18" charset="0"/>
+                <a:cs typeface="Times New Roman" panose="02020603050405020304" pitchFamily="18" charset="0"/>
+              </a:rPr>
+              <a:t>/</a:t>
+            </a:r>
+            <a:r>
+              <a:rPr lang="pt-BR" sz="2400" b="1" dirty="0" err="1">
+                <a:solidFill>
+                  <a:srgbClr val="FF0000"/>
+                </a:solidFill>
+                <a:latin typeface="Times New Roman" panose="02020603050405020304" pitchFamily="18" charset="0"/>
+                <a:cs typeface="Times New Roman" panose="02020603050405020304" pitchFamily="18" charset="0"/>
+              </a:rPr>
+              <a:t>const</a:t>
+            </a:r>
+            <a:r>
+              <a:rPr lang="pt-BR" sz="2400" dirty="0">
+                <a:solidFill>
+                  <a:schemeClr val="tx1"/>
+                </a:solidFill>
+                <a:latin typeface="Times New Roman" panose="02020603050405020304" pitchFamily="18" charset="0"/>
+                <a:cs typeface="Times New Roman" panose="02020603050405020304" pitchFamily="18" charset="0"/>
+              </a:rPr>
+              <a:t> (JS moderno); </a:t>
+            </a:r>
+            <a:r>
+              <a:rPr lang="pt-BR" sz="2400" dirty="0" err="1">
+                <a:solidFill>
+                  <a:schemeClr val="tx1"/>
+                </a:solidFill>
+                <a:latin typeface="Times New Roman" panose="02020603050405020304" pitchFamily="18" charset="0"/>
+                <a:cs typeface="Times New Roman" panose="02020603050405020304" pitchFamily="18" charset="0"/>
+              </a:rPr>
+              <a:t>const</a:t>
+            </a:r>
+            <a:r>
+              <a:rPr lang="pt-BR" sz="2400" dirty="0">
+                <a:solidFill>
+                  <a:schemeClr val="tx1"/>
+                </a:solidFill>
+                <a:latin typeface="Times New Roman" panose="02020603050405020304" pitchFamily="18" charset="0"/>
+                <a:cs typeface="Times New Roman" panose="02020603050405020304" pitchFamily="18" charset="0"/>
+              </a:rPr>
+              <a:t>, declara constante.</a:t>
+            </a:r>
+          </a:p>
+          <a:p>
+            <a:pPr marL="0" indent="0" algn="just">
+              <a:buNone/>
+            </a:pPr>
             <a:endParaRPr lang="pt-BR" sz="2400" dirty="0">
+              <a:solidFill>
+                <a:schemeClr val="tx1"/>
+              </a:solidFill>
               <a:latin typeface="Times New Roman" panose="02020603050405020304" pitchFamily="18" charset="0"/>
               <a:cs typeface="Times New Roman" panose="02020603050405020304" pitchFamily="18" charset="0"/>
             </a:endParaRPr>
@@ -9269,52 +10191,130 @@
             <a:pPr marL="0" indent="0" algn="just">
               <a:buNone/>
             </a:pPr>
+            <a:r>
+              <a:rPr lang="pt-BR" sz="2400" b="1" dirty="0">
+                <a:solidFill>
+                  <a:srgbClr val="FF0000"/>
+                </a:solidFill>
+                <a:latin typeface="Times New Roman" panose="02020603050405020304" pitchFamily="18" charset="0"/>
+                <a:cs typeface="Times New Roman" panose="02020603050405020304" pitchFamily="18" charset="0"/>
+              </a:rPr>
+              <a:t>Nota 1</a:t>
+            </a:r>
+            <a:r>
+              <a:rPr lang="pt-BR" sz="2400" dirty="0">
+                <a:solidFill>
+                  <a:schemeClr val="tx1"/>
+                </a:solidFill>
+                <a:latin typeface="Times New Roman" panose="02020603050405020304" pitchFamily="18" charset="0"/>
+                <a:cs typeface="Times New Roman" panose="02020603050405020304" pitchFamily="18" charset="0"/>
+              </a:rPr>
+              <a:t>: </a:t>
+            </a:r>
+            <a:r>
+              <a:rPr lang="pt-BR" sz="2400" b="1" dirty="0" err="1">
+                <a:solidFill>
+                  <a:srgbClr val="FF0000"/>
+                </a:solidFill>
+                <a:latin typeface="Times New Roman" panose="02020603050405020304" pitchFamily="18" charset="0"/>
+                <a:cs typeface="Times New Roman" panose="02020603050405020304" pitchFamily="18" charset="0"/>
+              </a:rPr>
+              <a:t>let</a:t>
+            </a:r>
+            <a:r>
+              <a:rPr lang="pt-BR" sz="2400" b="1" dirty="0">
+                <a:solidFill>
+                  <a:srgbClr val="FF0000"/>
+                </a:solidFill>
+                <a:latin typeface="Times New Roman" panose="02020603050405020304" pitchFamily="18" charset="0"/>
+                <a:cs typeface="Times New Roman" panose="02020603050405020304" pitchFamily="18" charset="0"/>
+              </a:rPr>
+              <a:t> </a:t>
+            </a:r>
+            <a:r>
+              <a:rPr lang="pt-BR" sz="2400" dirty="0">
+                <a:solidFill>
+                  <a:schemeClr val="tx1"/>
+                </a:solidFill>
+                <a:latin typeface="Times New Roman" panose="02020603050405020304" pitchFamily="18" charset="0"/>
+                <a:cs typeface="Times New Roman" panose="02020603050405020304" pitchFamily="18" charset="0"/>
+              </a:rPr>
+              <a:t>não permite </a:t>
+            </a:r>
+            <a:r>
+              <a:rPr lang="pt-BR" sz="2400" dirty="0" err="1">
+                <a:solidFill>
+                  <a:schemeClr val="tx1"/>
+                </a:solidFill>
+                <a:latin typeface="Times New Roman" panose="02020603050405020304" pitchFamily="18" charset="0"/>
+                <a:cs typeface="Times New Roman" panose="02020603050405020304" pitchFamily="18" charset="0"/>
+              </a:rPr>
+              <a:t>redeclaração</a:t>
+            </a:r>
+            <a:r>
+              <a:rPr lang="pt-BR" sz="2400" b="1" dirty="0">
+                <a:solidFill>
+                  <a:schemeClr val="tx1"/>
+                </a:solidFill>
+                <a:latin typeface="Times New Roman" panose="02020603050405020304" pitchFamily="18" charset="0"/>
+                <a:cs typeface="Times New Roman" panose="02020603050405020304" pitchFamily="18" charset="0"/>
+              </a:rPr>
+              <a:t>.</a:t>
+            </a:r>
+          </a:p>
+          <a:p>
+            <a:pPr marL="0" indent="0" algn="just">
+              <a:buNone/>
+            </a:pPr>
+            <a:r>
+              <a:rPr lang="pt-BR" sz="2400" b="1" dirty="0">
+                <a:solidFill>
+                  <a:srgbClr val="FF0000"/>
+                </a:solidFill>
+                <a:latin typeface="Times New Roman" panose="02020603050405020304" pitchFamily="18" charset="0"/>
+                <a:cs typeface="Times New Roman" panose="02020603050405020304" pitchFamily="18" charset="0"/>
+              </a:rPr>
+              <a:t>Nota 2</a:t>
+            </a:r>
+            <a:r>
+              <a:rPr lang="pt-BR" sz="2400" dirty="0">
+                <a:solidFill>
+                  <a:schemeClr val="tx1"/>
+                </a:solidFill>
+                <a:latin typeface="Times New Roman" panose="02020603050405020304" pitchFamily="18" charset="0"/>
+                <a:cs typeface="Times New Roman" panose="02020603050405020304" pitchFamily="18" charset="0"/>
+              </a:rPr>
+              <a:t>: </a:t>
+            </a:r>
+            <a:r>
+              <a:rPr lang="pt-BR" sz="2400" dirty="0" err="1">
+                <a:solidFill>
+                  <a:schemeClr val="tx1"/>
+                </a:solidFill>
+                <a:latin typeface="Times New Roman" panose="02020603050405020304" pitchFamily="18" charset="0"/>
+                <a:cs typeface="Times New Roman" panose="02020603050405020304" pitchFamily="18" charset="0"/>
+              </a:rPr>
+              <a:t>string</a:t>
+            </a:r>
+            <a:r>
+              <a:rPr lang="pt-BR" sz="2400" dirty="0">
+                <a:solidFill>
+                  <a:schemeClr val="tx1"/>
+                </a:solidFill>
+                <a:latin typeface="Times New Roman" panose="02020603050405020304" pitchFamily="18" charset="0"/>
+                <a:cs typeface="Times New Roman" panose="02020603050405020304" pitchFamily="18" charset="0"/>
+              </a:rPr>
+              <a:t>, pode ser definida com: “”; ‘’; `` (crase);</a:t>
+            </a:r>
+          </a:p>
+          <a:p>
+            <a:pPr marL="0" indent="0" algn="just">
+              <a:buNone/>
+            </a:pPr>
             <a:endParaRPr lang="pt-BR" sz="2400" dirty="0">
-              <a:latin typeface="Times New Roman" panose="02020603050405020304" pitchFamily="18" charset="0"/>
-              <a:cs typeface="Times New Roman" panose="02020603050405020304" pitchFamily="18" charset="0"/>
-            </a:endParaRPr>
-          </a:p>
-          <a:p>
-            <a:pPr marL="0" indent="0" algn="just">
-              <a:buNone/>
-            </a:pPr>
-            <a:r>
-              <a:rPr lang="pt-BR" sz="2400" dirty="0">
-                <a:latin typeface="Times New Roman" panose="02020603050405020304" pitchFamily="18" charset="0"/>
-                <a:cs typeface="Times New Roman" panose="02020603050405020304" pitchFamily="18" charset="0"/>
-              </a:rPr>
-              <a:t>[2] </a:t>
-            </a:r>
-            <a:r>
-              <a:rPr lang="pt-BR" sz="2400" dirty="0">
-                <a:latin typeface="Times New Roman" panose="02020603050405020304" pitchFamily="18" charset="0"/>
-                <a:cs typeface="Times New Roman" panose="02020603050405020304" pitchFamily="18" charset="0"/>
-                <a:hlinkClick r:id="rId4"/>
-              </a:rPr>
-              <a:t>https://www.youtube.com/watch?v=gYZhIVCPlFY</a:t>
-            </a:r>
-            <a:r>
-              <a:rPr lang="pt-BR" sz="2400" dirty="0">
-                <a:latin typeface="Times New Roman" panose="02020603050405020304" pitchFamily="18" charset="0"/>
-                <a:cs typeface="Times New Roman" panose="02020603050405020304" pitchFamily="18" charset="0"/>
-              </a:rPr>
-              <a:t> (JS)</a:t>
-            </a:r>
-          </a:p>
-          <a:p>
-            <a:pPr marL="0" indent="0" algn="just">
-              <a:buNone/>
-            </a:pPr>
-            <a:endParaRPr lang="pt-BR" sz="2400" dirty="0">
-              <a:latin typeface="Times New Roman" panose="02020603050405020304" pitchFamily="18" charset="0"/>
-              <a:cs typeface="Times New Roman" panose="02020603050405020304" pitchFamily="18" charset="0"/>
-            </a:endParaRPr>
-          </a:p>
-          <a:p>
-            <a:pPr marL="0" indent="0" algn="just">
-              <a:buNone/>
-            </a:pPr>
-            <a:endParaRPr lang="pt-BR" sz="2400" dirty="0">
+              <a:solidFill>
+                <a:schemeClr val="tx1"/>
+              </a:solidFill>
               <a:latin typeface="Times New Roman" panose="02020603050405020304" pitchFamily="18" charset="0"/>
               <a:cs typeface="Times New Roman" panose="02020603050405020304" pitchFamily="18" charset="0"/>
             </a:endParaRPr>
@@ -9324,7 +10324,7 @@
     </p:spTree>
     <p:extLst>
       <p:ext uri="{BB962C8B-B14F-4D97-AF65-F5344CB8AC3E}">
-        <p14:creationId xmlns:p14="http://schemas.microsoft.com/office/powerpoint/2010/main" val="2747596967"/>
+        <p14:creationId xmlns:p14="http://schemas.microsoft.com/office/powerpoint/2010/main" val="1716686982"/>
       </p:ext>
     </p:extLst>
   </p:cSld>
@@ -9375,12 +10375,20 @@
           <a:lstStyle/>
           <a:p>
             <a:r>
+              <a:rPr lang="en-US" b="1" dirty="0">
+                <a:solidFill>
+                  <a:srgbClr val="0070C0"/>
+                </a:solidFill>
+              </a:rPr>
+              <a:t>JS – </a:t>
+            </a:r>
+            <a:r>
               <a:rPr lang="en-US" b="1" dirty="0" err="1">
                 <a:solidFill>
                   <a:srgbClr val="0070C0"/>
                 </a:solidFill>
               </a:rPr>
-              <a:t>Dinâmica</a:t>
+              <a:t>Tipos</a:t>
             </a:r>
             <a:r>
               <a:rPr lang="en-US" b="1" dirty="0">
@@ -9388,7 +10396,7 @@
                   <a:srgbClr val="0070C0"/>
                 </a:solidFill>
               </a:rPr>
-              <a:t>/</a:t>
+              <a:t> de </a:t>
             </a:r>
             <a:r>
               <a:rPr lang="en-US" b="1" dirty="0" err="1">
@@ -9396,7 +10404,7 @@
                   <a:srgbClr val="0070C0"/>
                 </a:solidFill>
               </a:rPr>
-              <a:t>Atividades</a:t>
+              <a:t>Variáveis</a:t>
             </a:r>
             <a:endParaRPr lang="en-US" b="1" dirty="0">
               <a:solidFill>
@@ -9418,8 +10426,8 @@
         </p:nvSpPr>
         <p:spPr>
           <a:xfrm>
-            <a:off x="139472" y="1063230"/>
-            <a:ext cx="8865056" cy="3606305"/>
+            <a:off x="142865" y="1037311"/>
+            <a:ext cx="8865056" cy="4010677"/>
           </a:xfrm>
         </p:spPr>
         <p:txBody>
@@ -9429,125 +10437,249 @@
           <a:lstStyle/>
           <a:p>
             <a:pPr algn="just">
-              <a:buFontTx/>
-              <a:buChar char="-"/>
-            </a:pPr>
-            <a:r>
-              <a:rPr lang="pt-BR" dirty="0">
-                <a:latin typeface="Times New Roman" panose="02020603050405020304" pitchFamily="18" charset="0"/>
-                <a:cs typeface="Times New Roman" panose="02020603050405020304" pitchFamily="18" charset="0"/>
-              </a:rPr>
-              <a:t>Exercícios de Fixação </a:t>
-            </a:r>
-            <a:r>
-              <a:rPr lang="pt-BR" b="1" dirty="0">
-                <a:latin typeface="Times New Roman" panose="02020603050405020304" pitchFamily="18" charset="0"/>
-                <a:cs typeface="Times New Roman" panose="02020603050405020304" pitchFamily="18" charset="0"/>
-              </a:rPr>
-              <a:t>JS</a:t>
+              <a:buFont typeface="Wingdings" panose="05000000000000000000" pitchFamily="2" charset="2"/>
+              <a:buChar char="ü"/>
+            </a:pPr>
+            <a:r>
+              <a:rPr lang="pt-BR" sz="2400" dirty="0" err="1">
+                <a:solidFill>
+                  <a:schemeClr val="tx1"/>
+                </a:solidFill>
+                <a:latin typeface="Times New Roman" panose="02020603050405020304" pitchFamily="18" charset="0"/>
+                <a:cs typeface="Times New Roman" panose="02020603050405020304" pitchFamily="18" charset="0"/>
+              </a:rPr>
+              <a:t>Number</a:t>
+            </a:r>
+            <a:endParaRPr lang="pt-BR" sz="2400" dirty="0">
+              <a:solidFill>
+                <a:schemeClr val="tx1"/>
+              </a:solidFill>
+              <a:latin typeface="Times New Roman" panose="02020603050405020304" pitchFamily="18" charset="0"/>
+              <a:cs typeface="Times New Roman" panose="02020603050405020304" pitchFamily="18" charset="0"/>
+            </a:endParaRPr>
+          </a:p>
+          <a:p>
+            <a:pPr algn="just">
+              <a:buFont typeface="Wingdings" panose="05000000000000000000" pitchFamily="2" charset="2"/>
+              <a:buChar char="ü"/>
+            </a:pPr>
+            <a:r>
+              <a:rPr lang="pt-BR" sz="2400" dirty="0" err="1">
+                <a:solidFill>
+                  <a:schemeClr val="tx1"/>
+                </a:solidFill>
+                <a:latin typeface="Times New Roman" panose="02020603050405020304" pitchFamily="18" charset="0"/>
+                <a:cs typeface="Times New Roman" panose="02020603050405020304" pitchFamily="18" charset="0"/>
+              </a:rPr>
+              <a:t>String</a:t>
+            </a:r>
+            <a:endParaRPr lang="pt-BR" sz="2400" dirty="0">
+              <a:solidFill>
+                <a:schemeClr val="tx1"/>
+              </a:solidFill>
+              <a:latin typeface="Times New Roman" panose="02020603050405020304" pitchFamily="18" charset="0"/>
+              <a:cs typeface="Times New Roman" panose="02020603050405020304" pitchFamily="18" charset="0"/>
+            </a:endParaRPr>
+          </a:p>
+          <a:p>
+            <a:pPr algn="just">
+              <a:buFont typeface="Wingdings" panose="05000000000000000000" pitchFamily="2" charset="2"/>
+              <a:buChar char="ü"/>
+            </a:pPr>
+            <a:r>
+              <a:rPr lang="pt-BR" sz="2400" dirty="0" err="1">
+                <a:solidFill>
+                  <a:schemeClr val="tx1"/>
+                </a:solidFill>
+                <a:latin typeface="Times New Roman" panose="02020603050405020304" pitchFamily="18" charset="0"/>
+                <a:cs typeface="Times New Roman" panose="02020603050405020304" pitchFamily="18" charset="0"/>
+              </a:rPr>
+              <a:t>Boolean</a:t>
+            </a:r>
+            <a:endParaRPr lang="pt-BR" sz="2400" dirty="0">
+              <a:solidFill>
+                <a:schemeClr val="tx1"/>
+              </a:solidFill>
+              <a:latin typeface="Times New Roman" panose="02020603050405020304" pitchFamily="18" charset="0"/>
+              <a:cs typeface="Times New Roman" panose="02020603050405020304" pitchFamily="18" charset="0"/>
+            </a:endParaRPr>
+          </a:p>
+          <a:p>
+            <a:pPr algn="just">
+              <a:buFont typeface="Wingdings" panose="05000000000000000000" pitchFamily="2" charset="2"/>
+              <a:buChar char="ü"/>
+            </a:pPr>
+            <a:r>
+              <a:rPr lang="pt-BR" sz="2400" dirty="0">
+                <a:solidFill>
+                  <a:schemeClr val="tx1"/>
+                </a:solidFill>
+                <a:latin typeface="Times New Roman" panose="02020603050405020304" pitchFamily="18" charset="0"/>
+                <a:cs typeface="Times New Roman" panose="02020603050405020304" pitchFamily="18" charset="0"/>
+              </a:rPr>
+              <a:t>Objeto (</a:t>
+            </a:r>
+            <a:r>
+              <a:rPr lang="pt-BR" sz="2400" dirty="0" err="1">
+                <a:solidFill>
+                  <a:schemeClr val="tx1"/>
+                </a:solidFill>
+                <a:latin typeface="Times New Roman" panose="02020603050405020304" pitchFamily="18" charset="0"/>
+                <a:cs typeface="Times New Roman" panose="02020603050405020304" pitchFamily="18" charset="0"/>
+              </a:rPr>
+              <a:t>Ex</a:t>
+            </a:r>
+            <a:r>
+              <a:rPr lang="pt-BR" sz="2400" dirty="0">
+                <a:solidFill>
+                  <a:schemeClr val="tx1"/>
+                </a:solidFill>
+                <a:latin typeface="Times New Roman" panose="02020603050405020304" pitchFamily="18" charset="0"/>
+                <a:cs typeface="Times New Roman" panose="02020603050405020304" pitchFamily="18" charset="0"/>
+              </a:rPr>
+              <a:t>.:lista, </a:t>
+            </a:r>
+            <a:r>
+              <a:rPr lang="pt-BR" sz="2400" dirty="0" err="1">
+                <a:solidFill>
+                  <a:schemeClr val="tx1"/>
+                </a:solidFill>
+                <a:latin typeface="Times New Roman" panose="02020603050405020304" pitchFamily="18" charset="0"/>
+                <a:cs typeface="Times New Roman" panose="02020603050405020304" pitchFamily="18" charset="0"/>
+              </a:rPr>
+              <a:t>null</a:t>
+            </a:r>
+            <a:r>
+              <a:rPr lang="pt-BR" sz="2400" dirty="0">
+                <a:solidFill>
+                  <a:schemeClr val="tx1"/>
+                </a:solidFill>
+                <a:latin typeface="Times New Roman" panose="02020603050405020304" pitchFamily="18" charset="0"/>
+                <a:cs typeface="Times New Roman" panose="02020603050405020304" pitchFamily="18" charset="0"/>
+              </a:rPr>
+              <a:t>, dicionário)</a:t>
             </a:r>
           </a:p>
           <a:p>
             <a:pPr marL="0" indent="0" algn="just">
               <a:buNone/>
             </a:pPr>
-            <a:r>
-              <a:rPr lang="pt-BR" dirty="0">
-                <a:latin typeface="Times New Roman" panose="02020603050405020304" pitchFamily="18" charset="0"/>
-                <a:cs typeface="Times New Roman" panose="02020603050405020304" pitchFamily="18" charset="0"/>
-              </a:rPr>
-              <a:t>	</a:t>
-            </a:r>
-            <a:r>
-              <a:rPr lang="pt-BR" b="1" dirty="0">
+            <a:endParaRPr lang="pt-BR" sz="2400" dirty="0">
+              <a:solidFill>
+                <a:schemeClr val="tx1"/>
+              </a:solidFill>
+              <a:latin typeface="Times New Roman" panose="02020603050405020304" pitchFamily="18" charset="0"/>
+              <a:cs typeface="Times New Roman" panose="02020603050405020304" pitchFamily="18" charset="0"/>
+            </a:endParaRPr>
+          </a:p>
+          <a:p>
+            <a:pPr marL="0" indent="0" algn="just">
+              <a:buNone/>
+            </a:pPr>
+            <a:r>
+              <a:rPr lang="pt-BR" sz="2400" dirty="0">
+                <a:solidFill>
+                  <a:schemeClr val="tx1"/>
+                </a:solidFill>
+                <a:latin typeface="Times New Roman" panose="02020603050405020304" pitchFamily="18" charset="0"/>
+                <a:cs typeface="Times New Roman" panose="02020603050405020304" pitchFamily="18" charset="0"/>
+              </a:rPr>
+              <a:t>Nota: </a:t>
+            </a:r>
+            <a:r>
+              <a:rPr lang="pt-BR" sz="2400" b="1" dirty="0" err="1">
                 <a:solidFill>
                   <a:srgbClr val="FF0000"/>
                 </a:solidFill>
                 <a:latin typeface="Times New Roman" panose="02020603050405020304" pitchFamily="18" charset="0"/>
                 <a:cs typeface="Times New Roman" panose="02020603050405020304" pitchFamily="18" charset="0"/>
               </a:rPr>
-              <a:t>Desafios em Sala de Aula</a:t>
-            </a:r>
-            <a:r>
-              <a:rPr lang="pt-BR" dirty="0">
-                <a:latin typeface="Times New Roman" panose="02020603050405020304" pitchFamily="18" charset="0"/>
-                <a:cs typeface="Times New Roman" panose="02020603050405020304" pitchFamily="18" charset="0"/>
-              </a:rPr>
-              <a:t>.</a:t>
+              <a:t>typeof</a:t>
+            </a:r>
+            <a:r>
+              <a:rPr lang="pt-BR" sz="2400" b="1" dirty="0">
+                <a:solidFill>
+                  <a:srgbClr val="FF0000"/>
+                </a:solidFill>
+                <a:latin typeface="Times New Roman" panose="02020603050405020304" pitchFamily="18" charset="0"/>
+                <a:cs typeface="Times New Roman" panose="02020603050405020304" pitchFamily="18" charset="0"/>
+              </a:rPr>
+              <a:t>(variável/constante)</a:t>
+            </a:r>
+            <a:r>
+              <a:rPr lang="pt-BR" sz="2400" dirty="0">
+                <a:solidFill>
+                  <a:schemeClr val="tx1"/>
+                </a:solidFill>
+                <a:latin typeface="Times New Roman" panose="02020603050405020304" pitchFamily="18" charset="0"/>
+                <a:cs typeface="Times New Roman" panose="02020603050405020304" pitchFamily="18" charset="0"/>
+              </a:rPr>
+              <a:t> = &gt; Identifica o tipo de variável.</a:t>
             </a:r>
           </a:p>
           <a:p>
             <a:pPr marL="0" indent="0" algn="just">
               <a:buNone/>
             </a:pPr>
-            <a:r>
-              <a:rPr lang="pt-BR" dirty="0">
-                <a:latin typeface="Times New Roman" panose="02020603050405020304" pitchFamily="18" charset="0"/>
-                <a:cs typeface="Times New Roman" panose="02020603050405020304" pitchFamily="18" charset="0"/>
-              </a:rPr>
-              <a:t>	</a:t>
-            </a:r>
-            <a:r>
-              <a:rPr lang="pt-BR" b="1" dirty="0">
-                <a:latin typeface="Times New Roman" panose="02020603050405020304" pitchFamily="18" charset="0"/>
-                <a:cs typeface="Times New Roman" panose="02020603050405020304" pitchFamily="18" charset="0"/>
-              </a:rPr>
-              <a:t>Imprimir a mensagem</a:t>
-            </a:r>
-            <a:r>
-              <a:rPr lang="pt-BR" dirty="0">
-                <a:latin typeface="Times New Roman" panose="02020603050405020304" pitchFamily="18" charset="0"/>
-                <a:cs typeface="Times New Roman" panose="02020603050405020304" pitchFamily="18" charset="0"/>
-              </a:rPr>
-              <a:t>: curso de Python</a:t>
-            </a:r>
+            <a:endParaRPr lang="pt-BR" sz="2400" b="1" dirty="0">
+              <a:solidFill>
+                <a:srgbClr val="FF0000"/>
+              </a:solidFill>
+              <a:latin typeface="Times New Roman" panose="02020603050405020304" pitchFamily="18" charset="0"/>
+              <a:cs typeface="Times New Roman" panose="02020603050405020304" pitchFamily="18" charset="0"/>
+            </a:endParaRPr>
           </a:p>
           <a:p>
             <a:pPr marL="0" indent="0" algn="just">
               <a:buNone/>
             </a:pPr>
             <a:r>
-              <a:rPr lang="pt-BR" dirty="0">
-                <a:latin typeface="Times New Roman" panose="02020603050405020304" pitchFamily="18" charset="0"/>
-                <a:cs typeface="Times New Roman" panose="02020603050405020304" pitchFamily="18" charset="0"/>
-              </a:rPr>
-              <a:t>	</a:t>
-            </a:r>
-          </a:p>
-          <a:p>
-            <a:pPr marL="0" indent="0" algn="just">
-              <a:buNone/>
-            </a:pPr>
-            <a:r>
-              <a:rPr lang="es-ES" dirty="0">
-                <a:latin typeface="Times New Roman" panose="02020603050405020304" pitchFamily="18" charset="0"/>
-                <a:cs typeface="Times New Roman" panose="02020603050405020304" pitchFamily="18" charset="0"/>
-              </a:rPr>
-              <a:t>- Quiz JS</a:t>
-            </a:r>
-          </a:p>
-          <a:p>
-            <a:pPr marL="0" indent="0" algn="just">
-              <a:buNone/>
-            </a:pPr>
-            <a:r>
-              <a:rPr lang="es-ES" dirty="0">
-                <a:latin typeface="Times New Roman" panose="02020603050405020304" pitchFamily="18" charset="0"/>
-                <a:cs typeface="Times New Roman" panose="02020603050405020304" pitchFamily="18" charset="0"/>
-                <a:hlinkClick r:id="rId3"/>
-              </a:rPr>
-              <a:t>https://www.w3schools.com/js/js_quiz.asp</a:t>
-            </a:r>
-            <a:endParaRPr lang="pt-BR" dirty="0">
-              <a:latin typeface="Calibri" panose="020F0502020204030204" pitchFamily="34" charset="0"/>
-            </a:endParaRPr>
+              <a:rPr lang="pt-BR" sz="2400" b="1" dirty="0">
+                <a:solidFill>
+                  <a:srgbClr val="FF0000"/>
+                </a:solidFill>
+                <a:latin typeface="Times New Roman" panose="02020603050405020304" pitchFamily="18" charset="0"/>
+                <a:cs typeface="Times New Roman" panose="02020603050405020304" pitchFamily="18" charset="0"/>
+              </a:rPr>
+              <a:t>Exemplo</a:t>
+            </a:r>
+            <a:r>
+              <a:rPr lang="pt-BR" sz="2400" dirty="0">
+                <a:solidFill>
+                  <a:schemeClr val="tx1"/>
+                </a:solidFill>
+                <a:latin typeface="Times New Roman" panose="02020603050405020304" pitchFamily="18" charset="0"/>
+                <a:cs typeface="Times New Roman" panose="02020603050405020304" pitchFamily="18" charset="0"/>
+              </a:rPr>
+              <a:t>: </a:t>
+            </a:r>
+            <a:r>
+              <a:rPr lang="pt-BR" sz="2400" b="1" dirty="0" err="1">
+                <a:solidFill>
+                  <a:schemeClr val="tx1"/>
+                </a:solidFill>
+                <a:latin typeface="Times New Roman" panose="02020603050405020304" pitchFamily="18" charset="0"/>
+                <a:cs typeface="Times New Roman" panose="02020603050405020304" pitchFamily="18" charset="0"/>
+              </a:rPr>
+              <a:t>typeof</a:t>
+            </a:r>
+            <a:r>
+              <a:rPr lang="pt-BR" sz="2400" dirty="0">
+                <a:solidFill>
+                  <a:schemeClr val="tx1"/>
+                </a:solidFill>
+                <a:latin typeface="Times New Roman" panose="02020603050405020304" pitchFamily="18" charset="0"/>
+                <a:cs typeface="Times New Roman" panose="02020603050405020304" pitchFamily="18" charset="0"/>
+              </a:rPr>
+              <a:t> (28.7);</a:t>
+            </a:r>
           </a:p>
         </p:txBody>
       </p:sp>
     </p:spTree>
     <p:extLst>
       <p:ext uri="{BB962C8B-B14F-4D97-AF65-F5344CB8AC3E}">
-        <p14:creationId xmlns:p14="http://schemas.microsoft.com/office/powerpoint/2010/main" val="2470652989"/>
+        <p14:creationId xmlns:p14="http://schemas.microsoft.com/office/powerpoint/2010/main" val="3080845932"/>
       </p:ext>
     </p:extLst>
   </p:cSld>
@@ -9598,12 +10730,20 @@
           <a:lstStyle/>
           <a:p>
             <a:r>
+              <a:rPr lang="en-US" b="1" dirty="0">
+                <a:solidFill>
+                  <a:srgbClr val="0070C0"/>
+                </a:solidFill>
+              </a:rPr>
+              <a:t>JS – </a:t>
+            </a:r>
+            <a:r>
               <a:rPr lang="en-US" b="1" dirty="0" err="1">
                 <a:solidFill>
                   <a:srgbClr val="0070C0"/>
                 </a:solidFill>
               </a:rPr>
-              <a:t>Referências</a:t>
+              <a:t>Atribuição</a:t>
             </a:r>
             <a:r>
               <a:rPr lang="en-US" b="1" dirty="0">
@@ -9611,7 +10751,393 @@
                   <a:srgbClr val="0070C0"/>
                 </a:solidFill>
               </a:rPr>
-              <a:t> </a:t>
+              <a:t> ( = )</a:t>
+            </a:r>
+          </a:p>
+        </p:txBody>
+      </p:sp>
+      <p:sp>
+        <p:nvSpPr>
+          <p:cNvPr id="8" name="Text Placeholder 2"/>
+          <p:cNvSpPr>
+            <a:spLocks noGrp="1"/>
+          </p:cNvSpPr>
+          <p:nvPr>
+            <p:ph type="body" sz="half" idx="1"/>
+          </p:nvPr>
+        </p:nvSpPr>
+        <p:spPr>
+          <a:xfrm>
+            <a:off x="142865" y="1037312"/>
+            <a:ext cx="8865056" cy="3900208"/>
+          </a:xfrm>
+        </p:spPr>
+        <p:txBody>
+          <a:bodyPr>
+            <a:noAutofit/>
+          </a:bodyPr>
+          <a:lstStyle/>
+          <a:p>
+            <a:pPr marL="0" indent="0" algn="just">
+              <a:buNone/>
+            </a:pPr>
+            <a:r>
+              <a:rPr lang="pt-BR" sz="2400" b="1" dirty="0">
+                <a:solidFill>
+                  <a:srgbClr val="FF0000"/>
+                </a:solidFill>
+                <a:latin typeface="Times New Roman" panose="02020603050405020304" pitchFamily="18" charset="0"/>
+                <a:cs typeface="Times New Roman" panose="02020603050405020304" pitchFamily="18" charset="0"/>
+              </a:rPr>
+              <a:t>Exemplos</a:t>
+            </a:r>
+            <a:r>
+              <a:rPr lang="pt-BR" sz="2400" dirty="0">
+                <a:solidFill>
+                  <a:schemeClr val="tx1"/>
+                </a:solidFill>
+                <a:latin typeface="Times New Roman" panose="02020603050405020304" pitchFamily="18" charset="0"/>
+                <a:cs typeface="Times New Roman" panose="02020603050405020304" pitchFamily="18" charset="0"/>
+              </a:rPr>
+              <a:t>:</a:t>
+            </a:r>
+          </a:p>
+          <a:p>
+            <a:pPr marL="0" indent="0" algn="just">
+              <a:buNone/>
+            </a:pPr>
+            <a:r>
+              <a:rPr lang="pt-BR" sz="2400" dirty="0">
+                <a:solidFill>
+                  <a:schemeClr val="tx1"/>
+                </a:solidFill>
+                <a:latin typeface="Times New Roman" panose="02020603050405020304" pitchFamily="18" charset="0"/>
+                <a:cs typeface="Times New Roman" panose="02020603050405020304" pitchFamily="18" charset="0"/>
+              </a:rPr>
+              <a:t>	</a:t>
+            </a:r>
+            <a:r>
+              <a:rPr lang="pt-BR" sz="2400" b="1" dirty="0" err="1">
+                <a:solidFill>
+                  <a:schemeClr val="tx1"/>
+                </a:solidFill>
+                <a:latin typeface="Times New Roman" panose="02020603050405020304" pitchFamily="18" charset="0"/>
+                <a:cs typeface="Times New Roman" panose="02020603050405020304" pitchFamily="18" charset="0"/>
+              </a:rPr>
+              <a:t>let</a:t>
+            </a:r>
+            <a:r>
+              <a:rPr lang="pt-BR" sz="2400" dirty="0">
+                <a:solidFill>
+                  <a:schemeClr val="tx1"/>
+                </a:solidFill>
+                <a:latin typeface="Times New Roman" panose="02020603050405020304" pitchFamily="18" charset="0"/>
+                <a:cs typeface="Times New Roman" panose="02020603050405020304" pitchFamily="18" charset="0"/>
+              </a:rPr>
+              <a:t> idade = 19;</a:t>
+            </a:r>
+          </a:p>
+          <a:p>
+            <a:pPr marL="0" indent="0" algn="just">
+              <a:buNone/>
+            </a:pPr>
+            <a:r>
+              <a:rPr lang="pt-BR" sz="2400" dirty="0">
+                <a:solidFill>
+                  <a:schemeClr val="tx1"/>
+                </a:solidFill>
+                <a:latin typeface="Times New Roman" panose="02020603050405020304" pitchFamily="18" charset="0"/>
+                <a:cs typeface="Times New Roman" panose="02020603050405020304" pitchFamily="18" charset="0"/>
+              </a:rPr>
+              <a:t> 	</a:t>
+            </a:r>
+            <a:r>
+              <a:rPr lang="pt-BR" sz="2400" b="1" dirty="0" err="1">
+                <a:solidFill>
+                  <a:schemeClr val="tx1"/>
+                </a:solidFill>
+                <a:latin typeface="Times New Roman" panose="02020603050405020304" pitchFamily="18" charset="0"/>
+                <a:cs typeface="Times New Roman" panose="02020603050405020304" pitchFamily="18" charset="0"/>
+              </a:rPr>
+              <a:t>let</a:t>
+            </a:r>
+            <a:r>
+              <a:rPr lang="pt-BR" sz="2400" dirty="0">
+                <a:solidFill>
+                  <a:schemeClr val="tx1"/>
+                </a:solidFill>
+                <a:latin typeface="Times New Roman" panose="02020603050405020304" pitchFamily="18" charset="0"/>
+                <a:cs typeface="Times New Roman" panose="02020603050405020304" pitchFamily="18" charset="0"/>
+              </a:rPr>
+              <a:t> nome = ‘maria’;</a:t>
+            </a:r>
+          </a:p>
+          <a:p>
+            <a:pPr marL="0" indent="0" algn="just">
+              <a:buNone/>
+            </a:pPr>
+            <a:r>
+              <a:rPr lang="pt-BR" sz="2400" dirty="0">
+                <a:solidFill>
+                  <a:schemeClr val="tx1"/>
+                </a:solidFill>
+                <a:latin typeface="Times New Roman" panose="02020603050405020304" pitchFamily="18" charset="0"/>
+                <a:cs typeface="Times New Roman" panose="02020603050405020304" pitchFamily="18" charset="0"/>
+              </a:rPr>
+              <a:t>	</a:t>
+            </a:r>
+            <a:r>
+              <a:rPr lang="pt-BR" sz="2400" b="1" dirty="0" err="1">
+                <a:solidFill>
+                  <a:schemeClr val="tx1"/>
+                </a:solidFill>
+                <a:latin typeface="Times New Roman" panose="02020603050405020304" pitchFamily="18" charset="0"/>
+                <a:cs typeface="Times New Roman" panose="02020603050405020304" pitchFamily="18" charset="0"/>
+              </a:rPr>
+              <a:t>let</a:t>
+            </a:r>
+            <a:r>
+              <a:rPr lang="pt-BR" sz="2400" dirty="0">
+                <a:solidFill>
+                  <a:schemeClr val="tx1"/>
+                </a:solidFill>
+                <a:latin typeface="Times New Roman" panose="02020603050405020304" pitchFamily="18" charset="0"/>
+                <a:cs typeface="Times New Roman" panose="02020603050405020304" pitchFamily="18" charset="0"/>
+              </a:rPr>
+              <a:t> altura = 1.72;</a:t>
+            </a:r>
+          </a:p>
+          <a:p>
+            <a:pPr marL="0" indent="0" algn="just">
+              <a:buNone/>
+            </a:pPr>
+            <a:endParaRPr lang="pt-BR" sz="2400" dirty="0">
+              <a:solidFill>
+                <a:schemeClr val="tx1"/>
+              </a:solidFill>
+              <a:latin typeface="Times New Roman" panose="02020603050405020304" pitchFamily="18" charset="0"/>
+              <a:cs typeface="Times New Roman" panose="02020603050405020304" pitchFamily="18" charset="0"/>
+            </a:endParaRPr>
+          </a:p>
+          <a:p>
+            <a:pPr marL="0" indent="0" algn="just">
+              <a:buNone/>
+            </a:pPr>
+            <a:r>
+              <a:rPr lang="pt-BR" sz="2400" dirty="0">
+                <a:solidFill>
+                  <a:schemeClr val="tx1"/>
+                </a:solidFill>
+                <a:latin typeface="Times New Roman" panose="02020603050405020304" pitchFamily="18" charset="0"/>
+                <a:cs typeface="Times New Roman" panose="02020603050405020304" pitchFamily="18" charset="0"/>
+              </a:rPr>
+              <a:t>	</a:t>
+            </a:r>
+            <a:r>
+              <a:rPr lang="pt-BR" sz="2400" b="1" dirty="0" err="1">
+                <a:solidFill>
+                  <a:schemeClr val="tx1"/>
+                </a:solidFill>
+                <a:latin typeface="Times New Roman" panose="02020603050405020304" pitchFamily="18" charset="0"/>
+                <a:cs typeface="Times New Roman" panose="02020603050405020304" pitchFamily="18" charset="0"/>
+              </a:rPr>
+              <a:t>const</a:t>
+            </a:r>
+            <a:r>
+              <a:rPr lang="pt-BR" sz="2400" dirty="0">
+                <a:solidFill>
+                  <a:schemeClr val="tx1"/>
+                </a:solidFill>
+                <a:latin typeface="Times New Roman" panose="02020603050405020304" pitchFamily="18" charset="0"/>
+                <a:cs typeface="Times New Roman" panose="02020603050405020304" pitchFamily="18" charset="0"/>
+              </a:rPr>
+              <a:t> hora = </a:t>
+            </a:r>
+            <a:r>
+              <a:rPr lang="pt-BR" sz="2400" b="1" dirty="0">
+                <a:solidFill>
+                  <a:srgbClr val="FF0000"/>
+                </a:solidFill>
+                <a:latin typeface="Times New Roman" panose="02020603050405020304" pitchFamily="18" charset="0"/>
+                <a:cs typeface="Times New Roman" panose="02020603050405020304" pitchFamily="18" charset="0"/>
+              </a:rPr>
+              <a:t>new</a:t>
+            </a:r>
+            <a:r>
+              <a:rPr lang="pt-BR" sz="2400" dirty="0">
+                <a:solidFill>
+                  <a:schemeClr val="tx1"/>
+                </a:solidFill>
+                <a:latin typeface="Times New Roman" panose="02020603050405020304" pitchFamily="18" charset="0"/>
+                <a:cs typeface="Times New Roman" panose="02020603050405020304" pitchFamily="18" charset="0"/>
+              </a:rPr>
+              <a:t> Date().</a:t>
+            </a:r>
+            <a:r>
+              <a:rPr lang="pt-BR" sz="2400" dirty="0" err="1">
+                <a:solidFill>
+                  <a:schemeClr val="tx1"/>
+                </a:solidFill>
+                <a:latin typeface="Times New Roman" panose="02020603050405020304" pitchFamily="18" charset="0"/>
+                <a:cs typeface="Times New Roman" panose="02020603050405020304" pitchFamily="18" charset="0"/>
+              </a:rPr>
+              <a:t>getHours</a:t>
+            </a:r>
+            <a:r>
+              <a:rPr lang="pt-BR" sz="2400" dirty="0">
+                <a:solidFill>
+                  <a:schemeClr val="tx1"/>
+                </a:solidFill>
+                <a:latin typeface="Times New Roman" panose="02020603050405020304" pitchFamily="18" charset="0"/>
+                <a:cs typeface="Times New Roman" panose="02020603050405020304" pitchFamily="18" charset="0"/>
+              </a:rPr>
+              <a:t>(); </a:t>
+            </a:r>
+          </a:p>
+          <a:p>
+            <a:pPr marL="0" indent="0" algn="just">
+              <a:buNone/>
+            </a:pPr>
+            <a:endParaRPr lang="pt-BR" sz="2400" dirty="0">
+              <a:solidFill>
+                <a:schemeClr val="tx1"/>
+              </a:solidFill>
+              <a:latin typeface="Times New Roman" panose="02020603050405020304" pitchFamily="18" charset="0"/>
+              <a:cs typeface="Times New Roman" panose="02020603050405020304" pitchFamily="18" charset="0"/>
+            </a:endParaRPr>
+          </a:p>
+          <a:p>
+            <a:pPr marL="0" indent="0" algn="just">
+              <a:buNone/>
+            </a:pPr>
+            <a:r>
+              <a:rPr lang="pt-BR" sz="2400" dirty="0">
+                <a:solidFill>
+                  <a:schemeClr val="tx1"/>
+                </a:solidFill>
+                <a:latin typeface="Times New Roman" panose="02020603050405020304" pitchFamily="18" charset="0"/>
+                <a:cs typeface="Times New Roman" panose="02020603050405020304" pitchFamily="18" charset="0"/>
+              </a:rPr>
+              <a:t>	// Date().</a:t>
+            </a:r>
+            <a:r>
+              <a:rPr lang="pt-BR" sz="2400" dirty="0" err="1">
+                <a:solidFill>
+                  <a:schemeClr val="tx1"/>
+                </a:solidFill>
+                <a:latin typeface="Times New Roman" panose="02020603050405020304" pitchFamily="18" charset="0"/>
+                <a:cs typeface="Times New Roman" panose="02020603050405020304" pitchFamily="18" charset="0"/>
+              </a:rPr>
+              <a:t>getDay</a:t>
+            </a:r>
+            <a:r>
+              <a:rPr lang="pt-BR" sz="2400" dirty="0">
+                <a:solidFill>
+                  <a:schemeClr val="tx1"/>
+                </a:solidFill>
+                <a:latin typeface="Times New Roman" panose="02020603050405020304" pitchFamily="18" charset="0"/>
+                <a:cs typeface="Times New Roman" panose="02020603050405020304" pitchFamily="18" charset="0"/>
+              </a:rPr>
+              <a:t>(); </a:t>
+            </a:r>
+            <a:r>
+              <a:rPr lang="pt-BR" sz="2400" dirty="0" err="1">
+                <a:solidFill>
+                  <a:schemeClr val="tx1"/>
+                </a:solidFill>
+                <a:latin typeface="Times New Roman" panose="02020603050405020304" pitchFamily="18" charset="0"/>
+                <a:cs typeface="Times New Roman" panose="02020603050405020304" pitchFamily="18" charset="0"/>
+              </a:rPr>
+              <a:t>Date.getFullYear</a:t>
+            </a:r>
+            <a:r>
+              <a:rPr lang="pt-BR" sz="2400" dirty="0">
+                <a:solidFill>
+                  <a:schemeClr val="tx1"/>
+                </a:solidFill>
+                <a:latin typeface="Times New Roman" panose="02020603050405020304" pitchFamily="18" charset="0"/>
+                <a:cs typeface="Times New Roman" panose="02020603050405020304" pitchFamily="18" charset="0"/>
+              </a:rPr>
+              <a:t>();</a:t>
+            </a:r>
+          </a:p>
+          <a:p>
+            <a:pPr marL="0" indent="0" algn="just">
+              <a:buNone/>
+            </a:pPr>
+            <a:r>
+              <a:rPr lang="pt-BR" sz="2400" dirty="0">
+                <a:solidFill>
+                  <a:schemeClr val="tx1"/>
+                </a:solidFill>
+                <a:latin typeface="Times New Roman" panose="02020603050405020304" pitchFamily="18" charset="0"/>
+                <a:cs typeface="Times New Roman" panose="02020603050405020304" pitchFamily="18" charset="0"/>
+              </a:rPr>
+              <a:t>	</a:t>
+            </a:r>
+          </a:p>
+        </p:txBody>
+      </p:sp>
+    </p:spTree>
+    <p:extLst>
+      <p:ext uri="{BB962C8B-B14F-4D97-AF65-F5344CB8AC3E}">
+        <p14:creationId xmlns:p14="http://schemas.microsoft.com/office/powerpoint/2010/main" val="834930593"/>
+      </p:ext>
+    </p:extLst>
+  </p:cSld>
+  <p:clrMapOvr>
+    <a:masterClrMapping/>
+  </p:clrMapOvr>
+  <p:transition spd="med"/>
+</p:sld>
+</file>
+
+<file path=ppt/slides/slide25.xml><?xml version="1.0" encoding="utf-8"?>
+<p:sld xmlns:a="http://schemas.openxmlformats.org/drawingml/2006/main" xmlns:r="http://schemas.openxmlformats.org/officeDocument/2006/relationships" xmlns:p="http://schemas.openxmlformats.org/presentationml/2006/main">
+  <p:cSld>
+    <p:spTree>
+      <p:nvGrpSpPr>
+        <p:cNvPr id="1" name=""/>
+        <p:cNvGrpSpPr/>
+        <p:nvPr/>
+      </p:nvGrpSpPr>
+      <p:grpSpPr>
+        <a:xfrm>
+          <a:off x="0" y="0"/>
+          <a:ext cx="0" cy="0"/>
+          <a:chOff x="0" y="0"/>
+          <a:chExt cx="0" cy="0"/>
+        </a:xfrm>
+      </p:grpSpPr>
+      <p:sp>
+        <p:nvSpPr>
+          <p:cNvPr id="6" name="Title 1"/>
+          <p:cNvSpPr>
+            <a:spLocks noGrp="1"/>
+          </p:cNvSpPr>
+          <p:nvPr>
+            <p:ph type="title"/>
+          </p:nvPr>
+        </p:nvSpPr>
+        <p:spPr>
+          <a:xfrm>
+            <a:off x="457200" y="205980"/>
+            <a:ext cx="8229600" cy="857251"/>
+          </a:xfrm>
+        </p:spPr>
+        <p:txBody>
+          <a:bodyPr>
+            <a:normAutofit/>
+          </a:bodyPr>
+          <a:lstStyle/>
+          <a:p>
+            <a:r>
+              <a:rPr lang="en-US" b="1" dirty="0">
+                <a:solidFill>
+                  <a:srgbClr val="0070C0"/>
+                </a:solidFill>
+              </a:rPr>
+              <a:t>JS – </a:t>
             </a:r>
             <a:r>
               <a:rPr lang="en-US" b="1" dirty="0" err="1">
@@ -9619,13 +11145,2659 @@
                   <a:srgbClr val="0070C0"/>
                 </a:solidFill>
               </a:rPr>
-              <a:t>Bibliográficas</a:t>
+              <a:t>Variáveis</a:t>
+            </a:r>
+            <a:r>
+              <a:rPr lang="en-US" b="1" dirty="0">
+                <a:solidFill>
+                  <a:srgbClr val="0070C0"/>
+                </a:solidFill>
+              </a:rPr>
+              <a:t>/</a:t>
+            </a:r>
+            <a:r>
+              <a:rPr lang="en-US" b="1" dirty="0" err="1">
+                <a:solidFill>
+                  <a:srgbClr val="0070C0"/>
+                </a:solidFill>
+              </a:rPr>
+              <a:t>Atribuição</a:t>
             </a:r>
             <a:endParaRPr lang="en-US" b="1" dirty="0">
               <a:solidFill>
                 <a:srgbClr val="0070C0"/>
               </a:solidFill>
             </a:endParaRPr>
+          </a:p>
+        </p:txBody>
+      </p:sp>
+      <p:sp>
+        <p:nvSpPr>
+          <p:cNvPr id="8" name="Text Placeholder 2"/>
+          <p:cNvSpPr>
+            <a:spLocks noGrp="1"/>
+          </p:cNvSpPr>
+          <p:nvPr>
+            <p:ph type="body" sz="half" idx="1"/>
+          </p:nvPr>
+        </p:nvSpPr>
+        <p:spPr>
+          <a:xfrm>
+            <a:off x="142865" y="1037312"/>
+            <a:ext cx="8865056" cy="3900208"/>
+          </a:xfrm>
+        </p:spPr>
+        <p:txBody>
+          <a:bodyPr>
+            <a:noAutofit/>
+          </a:bodyPr>
+          <a:lstStyle/>
+          <a:p>
+            <a:pPr marL="0" indent="0" algn="just">
+              <a:buNone/>
+            </a:pPr>
+            <a:r>
+              <a:rPr lang="pt-BR" sz="2400" b="1" dirty="0">
+                <a:solidFill>
+                  <a:srgbClr val="FF0000"/>
+                </a:solidFill>
+                <a:latin typeface="Times New Roman" panose="02020603050405020304" pitchFamily="18" charset="0"/>
+                <a:cs typeface="Times New Roman" panose="02020603050405020304" pitchFamily="18" charset="0"/>
+              </a:rPr>
+              <a:t>Exemplos</a:t>
+            </a:r>
+            <a:r>
+              <a:rPr lang="pt-BR" sz="2400" dirty="0">
+                <a:solidFill>
+                  <a:schemeClr val="tx1"/>
+                </a:solidFill>
+                <a:latin typeface="Times New Roman" panose="02020603050405020304" pitchFamily="18" charset="0"/>
+                <a:cs typeface="Times New Roman" panose="02020603050405020304" pitchFamily="18" charset="0"/>
+              </a:rPr>
+              <a:t>:</a:t>
+            </a:r>
+          </a:p>
+          <a:p>
+            <a:pPr marL="0" indent="0" algn="just">
+              <a:buNone/>
+            </a:pPr>
+            <a:r>
+              <a:rPr lang="pt-BR" sz="2400" b="1" dirty="0">
+                <a:solidFill>
+                  <a:schemeClr val="tx1"/>
+                </a:solidFill>
+                <a:latin typeface="Times New Roman" panose="02020603050405020304" pitchFamily="18" charset="0"/>
+                <a:cs typeface="Times New Roman" panose="02020603050405020304" pitchFamily="18" charset="0"/>
+              </a:rPr>
+              <a:t>	</a:t>
+            </a:r>
+            <a:r>
+              <a:rPr lang="pt-BR" sz="2400" b="1" dirty="0" err="1">
+                <a:solidFill>
+                  <a:schemeClr val="tx1"/>
+                </a:solidFill>
+                <a:latin typeface="Times New Roman" panose="02020603050405020304" pitchFamily="18" charset="0"/>
+                <a:cs typeface="Times New Roman" panose="02020603050405020304" pitchFamily="18" charset="0"/>
+              </a:rPr>
+              <a:t>let</a:t>
+            </a:r>
+            <a:r>
+              <a:rPr lang="pt-BR" sz="2400" dirty="0">
+                <a:solidFill>
+                  <a:schemeClr val="tx1"/>
+                </a:solidFill>
+                <a:latin typeface="Times New Roman" panose="02020603050405020304" pitchFamily="18" charset="0"/>
+                <a:cs typeface="Times New Roman" panose="02020603050405020304" pitchFamily="18" charset="0"/>
+              </a:rPr>
+              <a:t> x, </a:t>
+            </a:r>
+            <a:r>
+              <a:rPr lang="pt-BR" sz="2400" dirty="0" err="1">
+                <a:solidFill>
+                  <a:schemeClr val="tx1"/>
+                </a:solidFill>
+                <a:latin typeface="Times New Roman" panose="02020603050405020304" pitchFamily="18" charset="0"/>
+                <a:cs typeface="Times New Roman" panose="02020603050405020304" pitchFamily="18" charset="0"/>
+              </a:rPr>
+              <a:t>y,z</a:t>
+            </a:r>
+            <a:r>
+              <a:rPr lang="pt-BR" sz="2400" dirty="0">
+                <a:solidFill>
+                  <a:schemeClr val="tx1"/>
+                </a:solidFill>
+                <a:latin typeface="Times New Roman" panose="02020603050405020304" pitchFamily="18" charset="0"/>
+                <a:cs typeface="Times New Roman" panose="02020603050405020304" pitchFamily="18" charset="0"/>
+              </a:rPr>
+              <a:t>; // Declaração de variáveis (</a:t>
+            </a:r>
+            <a:r>
+              <a:rPr lang="pt-BR" sz="2400" dirty="0" err="1">
+                <a:solidFill>
+                  <a:schemeClr val="tx1"/>
+                </a:solidFill>
+                <a:latin typeface="Times New Roman" panose="02020603050405020304" pitchFamily="18" charset="0"/>
+                <a:cs typeface="Times New Roman" panose="02020603050405020304" pitchFamily="18" charset="0"/>
+              </a:rPr>
+              <a:t>undefined</a:t>
+            </a:r>
+            <a:r>
+              <a:rPr lang="pt-BR" sz="2400" dirty="0">
+                <a:solidFill>
+                  <a:schemeClr val="tx1"/>
+                </a:solidFill>
+                <a:latin typeface="Times New Roman" panose="02020603050405020304" pitchFamily="18" charset="0"/>
+                <a:cs typeface="Times New Roman" panose="02020603050405020304" pitchFamily="18" charset="0"/>
+              </a:rPr>
+              <a:t>); </a:t>
+            </a:r>
+            <a:r>
+              <a:rPr lang="pt-BR" sz="2400" dirty="0" err="1">
+                <a:solidFill>
+                  <a:schemeClr val="tx1"/>
+                </a:solidFill>
+                <a:latin typeface="Times New Roman" panose="02020603050405020304" pitchFamily="18" charset="0"/>
+                <a:cs typeface="Times New Roman" panose="02020603050405020304" pitchFamily="18" charset="0"/>
+              </a:rPr>
+              <a:t>NaN</a:t>
+            </a:r>
+            <a:endParaRPr lang="pt-BR" sz="2400" dirty="0">
+              <a:solidFill>
+                <a:schemeClr val="tx1"/>
+              </a:solidFill>
+              <a:latin typeface="Times New Roman" panose="02020603050405020304" pitchFamily="18" charset="0"/>
+              <a:cs typeface="Times New Roman" panose="02020603050405020304" pitchFamily="18" charset="0"/>
+            </a:endParaRPr>
+          </a:p>
+          <a:p>
+            <a:pPr marL="0" indent="0" algn="just">
+              <a:buNone/>
+            </a:pPr>
+            <a:r>
+              <a:rPr lang="pt-BR" sz="2400" dirty="0">
+                <a:solidFill>
+                  <a:schemeClr val="tx1"/>
+                </a:solidFill>
+                <a:latin typeface="Times New Roman" panose="02020603050405020304" pitchFamily="18" charset="0"/>
+                <a:cs typeface="Times New Roman" panose="02020603050405020304" pitchFamily="18" charset="0"/>
+              </a:rPr>
+              <a:t>	x = 9; y = 7; z = 2; // Atribuição de variáveis</a:t>
+            </a:r>
+          </a:p>
+          <a:p>
+            <a:pPr marL="0" indent="0" algn="just">
+              <a:buNone/>
+            </a:pPr>
+            <a:r>
+              <a:rPr lang="pt-BR" sz="2400" dirty="0">
+                <a:solidFill>
+                  <a:schemeClr val="tx1"/>
+                </a:solidFill>
+                <a:latin typeface="Times New Roman" panose="02020603050405020304" pitchFamily="18" charset="0"/>
+                <a:cs typeface="Times New Roman" panose="02020603050405020304" pitchFamily="18" charset="0"/>
+              </a:rPr>
+              <a:t>Ou </a:t>
+            </a:r>
+          </a:p>
+          <a:p>
+            <a:pPr marL="0" indent="0" algn="just">
+              <a:buNone/>
+            </a:pPr>
+            <a:r>
+              <a:rPr lang="pt-BR" sz="2400" b="1" dirty="0">
+                <a:solidFill>
+                  <a:schemeClr val="tx1"/>
+                </a:solidFill>
+                <a:latin typeface="Times New Roman" panose="02020603050405020304" pitchFamily="18" charset="0"/>
+                <a:cs typeface="Times New Roman" panose="02020603050405020304" pitchFamily="18" charset="0"/>
+              </a:rPr>
+              <a:t>	</a:t>
+            </a:r>
+            <a:r>
+              <a:rPr lang="pt-BR" sz="2400" b="1" dirty="0" err="1">
+                <a:solidFill>
+                  <a:schemeClr val="tx1"/>
+                </a:solidFill>
+                <a:latin typeface="Times New Roman" panose="02020603050405020304" pitchFamily="18" charset="0"/>
+                <a:cs typeface="Times New Roman" panose="02020603050405020304" pitchFamily="18" charset="0"/>
+              </a:rPr>
+              <a:t>let</a:t>
+            </a:r>
+            <a:r>
+              <a:rPr lang="pt-BR" sz="2400" dirty="0">
+                <a:solidFill>
+                  <a:schemeClr val="tx1"/>
+                </a:solidFill>
+                <a:latin typeface="Times New Roman" panose="02020603050405020304" pitchFamily="18" charset="0"/>
+                <a:cs typeface="Times New Roman" panose="02020603050405020304" pitchFamily="18" charset="0"/>
+              </a:rPr>
+              <a:t> x = 9, y = 7, z = 2;</a:t>
+            </a:r>
+          </a:p>
+          <a:p>
+            <a:pPr marL="0" indent="0" algn="just">
+              <a:buNone/>
+            </a:pPr>
+            <a:endParaRPr lang="pt-BR" sz="2400" dirty="0">
+              <a:solidFill>
+                <a:schemeClr val="tx1"/>
+              </a:solidFill>
+              <a:latin typeface="Times New Roman" panose="02020603050405020304" pitchFamily="18" charset="0"/>
+              <a:cs typeface="Times New Roman" panose="02020603050405020304" pitchFamily="18" charset="0"/>
+            </a:endParaRPr>
+          </a:p>
+          <a:p>
+            <a:pPr marL="0" indent="0" algn="just">
+              <a:buNone/>
+            </a:pPr>
+            <a:r>
+              <a:rPr lang="pt-BR" sz="2400" b="1" dirty="0">
+                <a:solidFill>
+                  <a:schemeClr val="tx1"/>
+                </a:solidFill>
+                <a:latin typeface="Times New Roman" panose="02020603050405020304" pitchFamily="18" charset="0"/>
+                <a:cs typeface="Times New Roman" panose="02020603050405020304" pitchFamily="18" charset="0"/>
+              </a:rPr>
+              <a:t>	</a:t>
+            </a:r>
+            <a:r>
+              <a:rPr lang="pt-BR" sz="2400" b="1" dirty="0" err="1">
+                <a:solidFill>
+                  <a:schemeClr val="tx1"/>
+                </a:solidFill>
+                <a:latin typeface="Times New Roman" panose="02020603050405020304" pitchFamily="18" charset="0"/>
+                <a:cs typeface="Times New Roman" panose="02020603050405020304" pitchFamily="18" charset="0"/>
+              </a:rPr>
+              <a:t>const</a:t>
+            </a:r>
+            <a:r>
+              <a:rPr lang="pt-BR" sz="2400" dirty="0">
+                <a:solidFill>
+                  <a:schemeClr val="tx1"/>
+                </a:solidFill>
+                <a:latin typeface="Times New Roman" panose="02020603050405020304" pitchFamily="18" charset="0"/>
+                <a:cs typeface="Times New Roman" panose="02020603050405020304" pitchFamily="18" charset="0"/>
+              </a:rPr>
+              <a:t>  fator = 5; (</a:t>
+            </a:r>
+            <a:r>
+              <a:rPr lang="pt-BR" sz="2400" b="1" dirty="0">
+                <a:solidFill>
+                  <a:srgbClr val="FF0000"/>
+                </a:solidFill>
+                <a:latin typeface="Times New Roman" panose="02020603050405020304" pitchFamily="18" charset="0"/>
+                <a:cs typeface="Times New Roman" panose="02020603050405020304" pitchFamily="18" charset="0"/>
+              </a:rPr>
+              <a:t>Declaração da variável “fator” como constante</a:t>
+            </a:r>
+            <a:r>
+              <a:rPr lang="pt-BR" sz="2400" dirty="0">
+                <a:solidFill>
+                  <a:schemeClr val="tx1"/>
+                </a:solidFill>
+                <a:latin typeface="Times New Roman" panose="02020603050405020304" pitchFamily="18" charset="0"/>
+                <a:cs typeface="Times New Roman" panose="02020603050405020304" pitchFamily="18" charset="0"/>
+              </a:rPr>
+              <a:t>)</a:t>
+            </a:r>
+          </a:p>
+        </p:txBody>
+      </p:sp>
+    </p:spTree>
+    <p:extLst>
+      <p:ext uri="{BB962C8B-B14F-4D97-AF65-F5344CB8AC3E}">
+        <p14:creationId xmlns:p14="http://schemas.microsoft.com/office/powerpoint/2010/main" val="935899650"/>
+      </p:ext>
+    </p:extLst>
+  </p:cSld>
+  <p:clrMapOvr>
+    <a:masterClrMapping/>
+  </p:clrMapOvr>
+  <p:transition spd="med"/>
+</p:sld>
+</file>
+
+<file path=ppt/slides/slide26.xml><?xml version="1.0" encoding="utf-8"?>
+<p:sld xmlns:a="http://schemas.openxmlformats.org/drawingml/2006/main" xmlns:r="http://schemas.openxmlformats.org/officeDocument/2006/relationships" xmlns:p="http://schemas.openxmlformats.org/presentationml/2006/main">
+  <p:cSld>
+    <p:spTree>
+      <p:nvGrpSpPr>
+        <p:cNvPr id="1" name=""/>
+        <p:cNvGrpSpPr/>
+        <p:nvPr/>
+      </p:nvGrpSpPr>
+      <p:grpSpPr>
+        <a:xfrm>
+          <a:off x="0" y="0"/>
+          <a:ext cx="0" cy="0"/>
+          <a:chOff x="0" y="0"/>
+          <a:chExt cx="0" cy="0"/>
+        </a:xfrm>
+      </p:grpSpPr>
+      <p:sp>
+        <p:nvSpPr>
+          <p:cNvPr id="6" name="Title 1"/>
+          <p:cNvSpPr>
+            <a:spLocks noGrp="1"/>
+          </p:cNvSpPr>
+          <p:nvPr>
+            <p:ph type="title"/>
+          </p:nvPr>
+        </p:nvSpPr>
+        <p:spPr>
+          <a:xfrm>
+            <a:off x="457200" y="205980"/>
+            <a:ext cx="8229600" cy="857251"/>
+          </a:xfrm>
+        </p:spPr>
+        <p:txBody>
+          <a:bodyPr>
+            <a:normAutofit/>
+          </a:bodyPr>
+          <a:lstStyle/>
+          <a:p>
+            <a:r>
+              <a:rPr lang="en-US" b="1" dirty="0">
+                <a:solidFill>
+                  <a:srgbClr val="0070C0"/>
+                </a:solidFill>
+              </a:rPr>
+              <a:t>JS – </a:t>
+            </a:r>
+            <a:r>
+              <a:rPr lang="en-US" b="1" dirty="0" err="1">
+                <a:solidFill>
+                  <a:srgbClr val="0070C0"/>
+                </a:solidFill>
+              </a:rPr>
+              <a:t>Atributos</a:t>
+            </a:r>
+            <a:r>
+              <a:rPr lang="en-US" b="1" dirty="0">
+                <a:solidFill>
+                  <a:srgbClr val="0070C0"/>
+                </a:solidFill>
+              </a:rPr>
+              <a:t> de </a:t>
+            </a:r>
+            <a:r>
+              <a:rPr lang="en-US" b="1" dirty="0" err="1">
+                <a:solidFill>
+                  <a:srgbClr val="0070C0"/>
+                </a:solidFill>
+              </a:rPr>
+              <a:t>Texto</a:t>
+            </a:r>
+            <a:r>
+              <a:rPr lang="en-US" b="1" dirty="0">
+                <a:solidFill>
+                  <a:srgbClr val="0070C0"/>
+                </a:solidFill>
+              </a:rPr>
+              <a:t> HTML</a:t>
+            </a:r>
+          </a:p>
+        </p:txBody>
+      </p:sp>
+      <p:sp>
+        <p:nvSpPr>
+          <p:cNvPr id="8" name="Text Placeholder 2"/>
+          <p:cNvSpPr>
+            <a:spLocks noGrp="1"/>
+          </p:cNvSpPr>
+          <p:nvPr>
+            <p:ph type="body" sz="half" idx="1"/>
+          </p:nvPr>
+        </p:nvSpPr>
+        <p:spPr>
+          <a:xfrm>
+            <a:off x="142865" y="1037312"/>
+            <a:ext cx="8865056" cy="3900208"/>
+          </a:xfrm>
+        </p:spPr>
+        <p:txBody>
+          <a:bodyPr>
+            <a:noAutofit/>
+          </a:bodyPr>
+          <a:lstStyle/>
+          <a:p>
+            <a:pPr marL="0" indent="0" algn="just">
+              <a:buNone/>
+            </a:pPr>
+            <a:r>
+              <a:rPr lang="pt-BR" sz="2400" b="1" dirty="0">
+                <a:solidFill>
+                  <a:srgbClr val="FF0000"/>
+                </a:solidFill>
+                <a:latin typeface="Times New Roman" panose="02020603050405020304" pitchFamily="18" charset="0"/>
+                <a:cs typeface="Times New Roman" panose="02020603050405020304" pitchFamily="18" charset="0"/>
+              </a:rPr>
+              <a:t>Elementos</a:t>
+            </a:r>
+            <a:r>
+              <a:rPr lang="pt-BR" sz="2400" b="1" dirty="0">
+                <a:solidFill>
+                  <a:schemeClr val="tx1"/>
+                </a:solidFill>
+                <a:latin typeface="Times New Roman" panose="02020603050405020304" pitchFamily="18" charset="0"/>
+                <a:cs typeface="Times New Roman" panose="02020603050405020304" pitchFamily="18" charset="0"/>
+              </a:rPr>
+              <a:t>:</a:t>
+            </a:r>
+          </a:p>
+          <a:p>
+            <a:pPr marL="0" indent="0" algn="just">
+              <a:buNone/>
+            </a:pPr>
+            <a:endParaRPr lang="pt-BR" sz="2400" b="1" dirty="0">
+              <a:solidFill>
+                <a:schemeClr val="tx1"/>
+              </a:solidFill>
+              <a:latin typeface="Times New Roman" panose="02020603050405020304" pitchFamily="18" charset="0"/>
+              <a:cs typeface="Times New Roman" panose="02020603050405020304" pitchFamily="18" charset="0"/>
+            </a:endParaRPr>
+          </a:p>
+          <a:p>
+            <a:pPr marL="0" indent="0" algn="just">
+              <a:buNone/>
+            </a:pPr>
+            <a:r>
+              <a:rPr lang="pt-BR" sz="2400" b="1" dirty="0">
+                <a:solidFill>
+                  <a:schemeClr val="tx1"/>
+                </a:solidFill>
+                <a:latin typeface="Times New Roman" panose="02020603050405020304" pitchFamily="18" charset="0"/>
+                <a:cs typeface="Times New Roman" panose="02020603050405020304" pitchFamily="18" charset="0"/>
+              </a:rPr>
+              <a:t>1. </a:t>
+            </a:r>
+            <a:r>
+              <a:rPr lang="pt-BR" sz="2400" b="1" dirty="0" err="1">
+                <a:solidFill>
+                  <a:schemeClr val="tx1"/>
+                </a:solidFill>
+                <a:latin typeface="Times New Roman" panose="02020603050405020304" pitchFamily="18" charset="0"/>
+                <a:cs typeface="Times New Roman" panose="02020603050405020304" pitchFamily="18" charset="0"/>
+              </a:rPr>
+              <a:t>innerText</a:t>
+            </a:r>
+            <a:r>
+              <a:rPr lang="pt-BR" sz="2400" b="1" dirty="0">
+                <a:solidFill>
+                  <a:schemeClr val="tx1"/>
+                </a:solidFill>
+                <a:latin typeface="Times New Roman" panose="02020603050405020304" pitchFamily="18" charset="0"/>
+                <a:cs typeface="Times New Roman" panose="02020603050405020304" pitchFamily="18" charset="0"/>
+              </a:rPr>
+              <a:t> = </a:t>
+            </a:r>
+            <a:r>
+              <a:rPr lang="pt-BR" sz="2400" dirty="0">
+                <a:solidFill>
+                  <a:schemeClr val="tx1"/>
+                </a:solidFill>
+                <a:latin typeface="Times New Roman" panose="02020603050405020304" pitchFamily="18" charset="0"/>
+                <a:cs typeface="Times New Roman" panose="02020603050405020304" pitchFamily="18" charset="0"/>
+              </a:rPr>
+              <a:t>Texto HTML da </a:t>
+            </a:r>
+            <a:r>
+              <a:rPr lang="pt-BR" sz="2400" dirty="0" err="1">
+                <a:solidFill>
+                  <a:schemeClr val="tx1"/>
+                </a:solidFill>
+                <a:latin typeface="Times New Roman" panose="02020603050405020304" pitchFamily="18" charset="0"/>
+                <a:cs typeface="Times New Roman" panose="02020603050405020304" pitchFamily="18" charset="0"/>
+              </a:rPr>
+              <a:t>tag</a:t>
+            </a:r>
+            <a:r>
+              <a:rPr lang="pt-BR" sz="2400" dirty="0">
+                <a:solidFill>
+                  <a:schemeClr val="tx1"/>
+                </a:solidFill>
+                <a:latin typeface="Times New Roman" panose="02020603050405020304" pitchFamily="18" charset="0"/>
+                <a:cs typeface="Times New Roman" panose="02020603050405020304" pitchFamily="18" charset="0"/>
+              </a:rPr>
+              <a:t> </a:t>
+            </a:r>
+            <a:r>
+              <a:rPr lang="pt-BR" sz="2400" b="1" dirty="0">
+                <a:solidFill>
+                  <a:schemeClr val="tx1"/>
+                </a:solidFill>
+                <a:latin typeface="Times New Roman" panose="02020603050405020304" pitchFamily="18" charset="0"/>
+                <a:cs typeface="Times New Roman" panose="02020603050405020304" pitchFamily="18" charset="0"/>
+              </a:rPr>
+              <a:t>SEM</a:t>
+            </a:r>
+            <a:r>
+              <a:rPr lang="pt-BR" sz="2400" dirty="0">
+                <a:solidFill>
+                  <a:schemeClr val="tx1"/>
+                </a:solidFill>
+                <a:latin typeface="Times New Roman" panose="02020603050405020304" pitchFamily="18" charset="0"/>
+                <a:cs typeface="Times New Roman" panose="02020603050405020304" pitchFamily="18" charset="0"/>
+              </a:rPr>
+              <a:t> formatação;</a:t>
+            </a:r>
+          </a:p>
+          <a:p>
+            <a:pPr marL="0" indent="0" algn="just">
+              <a:buNone/>
+            </a:pPr>
+            <a:r>
+              <a:rPr lang="pt-BR" sz="2400" b="1" dirty="0">
+                <a:solidFill>
+                  <a:srgbClr val="FF0000"/>
+                </a:solidFill>
+                <a:latin typeface="Times New Roman" panose="02020603050405020304" pitchFamily="18" charset="0"/>
+                <a:cs typeface="Times New Roman" panose="02020603050405020304" pitchFamily="18" charset="0"/>
+              </a:rPr>
+              <a:t>2. </a:t>
+            </a:r>
+            <a:r>
+              <a:rPr lang="pt-BR" sz="2400" b="1" dirty="0" err="1">
+                <a:solidFill>
+                  <a:srgbClr val="FF0000"/>
+                </a:solidFill>
+                <a:latin typeface="Times New Roman" panose="02020603050405020304" pitchFamily="18" charset="0"/>
+                <a:cs typeface="Times New Roman" panose="02020603050405020304" pitchFamily="18" charset="0"/>
+              </a:rPr>
+              <a:t>innerHTML</a:t>
+            </a:r>
+            <a:r>
+              <a:rPr lang="pt-BR" sz="2400" b="1" dirty="0">
+                <a:solidFill>
+                  <a:schemeClr val="tx1"/>
+                </a:solidFill>
+                <a:latin typeface="Times New Roman" panose="02020603050405020304" pitchFamily="18" charset="0"/>
+                <a:cs typeface="Times New Roman" panose="02020603050405020304" pitchFamily="18" charset="0"/>
+              </a:rPr>
+              <a:t>= </a:t>
+            </a:r>
+            <a:r>
+              <a:rPr lang="pt-BR" sz="2400" dirty="0">
+                <a:solidFill>
+                  <a:schemeClr val="tx1"/>
+                </a:solidFill>
+                <a:latin typeface="Times New Roman" panose="02020603050405020304" pitchFamily="18" charset="0"/>
+                <a:cs typeface="Times New Roman" panose="02020603050405020304" pitchFamily="18" charset="0"/>
+              </a:rPr>
+              <a:t>Texto HTML da </a:t>
+            </a:r>
+            <a:r>
+              <a:rPr lang="pt-BR" sz="2400" dirty="0" err="1">
+                <a:solidFill>
+                  <a:schemeClr val="tx1"/>
+                </a:solidFill>
+                <a:latin typeface="Times New Roman" panose="02020603050405020304" pitchFamily="18" charset="0"/>
+                <a:cs typeface="Times New Roman" panose="02020603050405020304" pitchFamily="18" charset="0"/>
+              </a:rPr>
+              <a:t>tag</a:t>
+            </a:r>
+            <a:r>
+              <a:rPr lang="pt-BR" sz="2400" dirty="0">
+                <a:solidFill>
+                  <a:schemeClr val="tx1"/>
+                </a:solidFill>
+                <a:latin typeface="Times New Roman" panose="02020603050405020304" pitchFamily="18" charset="0"/>
+                <a:cs typeface="Times New Roman" panose="02020603050405020304" pitchFamily="18" charset="0"/>
+              </a:rPr>
+              <a:t> </a:t>
+            </a:r>
+            <a:r>
+              <a:rPr lang="pt-BR" sz="2400" b="1" dirty="0">
+                <a:solidFill>
+                  <a:schemeClr val="tx1"/>
+                </a:solidFill>
+                <a:latin typeface="Times New Roman" panose="02020603050405020304" pitchFamily="18" charset="0"/>
+                <a:cs typeface="Times New Roman" panose="02020603050405020304" pitchFamily="18" charset="0"/>
+              </a:rPr>
+              <a:t>COM</a:t>
+            </a:r>
+            <a:r>
+              <a:rPr lang="pt-BR" sz="2400" dirty="0">
+                <a:solidFill>
+                  <a:schemeClr val="tx1"/>
+                </a:solidFill>
+                <a:latin typeface="Times New Roman" panose="02020603050405020304" pitchFamily="18" charset="0"/>
+                <a:cs typeface="Times New Roman" panose="02020603050405020304" pitchFamily="18" charset="0"/>
+              </a:rPr>
+              <a:t> formatação + </a:t>
+            </a:r>
+            <a:r>
+              <a:rPr lang="pt-BR" sz="2400" b="1" dirty="0" err="1">
+                <a:solidFill>
+                  <a:schemeClr val="tx1"/>
+                </a:solidFill>
+                <a:latin typeface="Times New Roman" panose="02020603050405020304" pitchFamily="18" charset="0"/>
+                <a:cs typeface="Times New Roman" panose="02020603050405020304" pitchFamily="18" charset="0"/>
+              </a:rPr>
+              <a:t>Tags</a:t>
+            </a:r>
+            <a:r>
+              <a:rPr lang="pt-BR" sz="2400" dirty="0">
+                <a:solidFill>
+                  <a:schemeClr val="tx1"/>
+                </a:solidFill>
+                <a:latin typeface="Times New Roman" panose="02020603050405020304" pitchFamily="18" charset="0"/>
+                <a:cs typeface="Times New Roman" panose="02020603050405020304" pitchFamily="18" charset="0"/>
+              </a:rPr>
+              <a:t>;</a:t>
+            </a:r>
+          </a:p>
+          <a:p>
+            <a:pPr marL="0" indent="0" algn="just">
+              <a:buNone/>
+            </a:pPr>
+            <a:endParaRPr lang="pt-BR" sz="2400" dirty="0">
+              <a:solidFill>
+                <a:schemeClr val="tx1"/>
+              </a:solidFill>
+              <a:latin typeface="Times New Roman" panose="02020603050405020304" pitchFamily="18" charset="0"/>
+              <a:cs typeface="Times New Roman" panose="02020603050405020304" pitchFamily="18" charset="0"/>
+            </a:endParaRPr>
+          </a:p>
+          <a:p>
+            <a:pPr marL="0" indent="0" algn="just">
+              <a:buNone/>
+            </a:pPr>
+            <a:r>
+              <a:rPr lang="pt-BR" sz="2400" b="1" dirty="0">
+                <a:solidFill>
+                  <a:srgbClr val="FF0000"/>
+                </a:solidFill>
+                <a:latin typeface="Times New Roman" panose="02020603050405020304" pitchFamily="18" charset="0"/>
+                <a:cs typeface="Times New Roman" panose="02020603050405020304" pitchFamily="18" charset="0"/>
+              </a:rPr>
+              <a:t>Exemplo</a:t>
+            </a:r>
+            <a:r>
+              <a:rPr lang="pt-BR" sz="2400" dirty="0">
+                <a:solidFill>
+                  <a:schemeClr val="tx1"/>
+                </a:solidFill>
+                <a:latin typeface="Times New Roman" panose="02020603050405020304" pitchFamily="18" charset="0"/>
+                <a:cs typeface="Times New Roman" panose="02020603050405020304" pitchFamily="18" charset="0"/>
+              </a:rPr>
+              <a:t>: </a:t>
+            </a:r>
+            <a:r>
+              <a:rPr lang="pt-BR" sz="2400" b="1" dirty="0" err="1">
+                <a:solidFill>
+                  <a:schemeClr val="tx1"/>
+                </a:solidFill>
+                <a:latin typeface="Times New Roman" panose="02020603050405020304" pitchFamily="18" charset="0"/>
+                <a:cs typeface="Times New Roman" panose="02020603050405020304" pitchFamily="18" charset="0"/>
+              </a:rPr>
+              <a:t>InnerHTML</a:t>
+            </a:r>
+            <a:r>
+              <a:rPr lang="pt-BR" sz="2400" dirty="0">
+                <a:solidFill>
+                  <a:schemeClr val="tx1"/>
+                </a:solidFill>
+                <a:latin typeface="Times New Roman" panose="02020603050405020304" pitchFamily="18" charset="0"/>
+                <a:cs typeface="Times New Roman" panose="02020603050405020304" pitchFamily="18" charset="0"/>
+              </a:rPr>
+              <a:t> (Interação com a página web):</a:t>
+            </a:r>
+          </a:p>
+          <a:p>
+            <a:pPr marL="0" indent="0" algn="just">
+              <a:buNone/>
+            </a:pPr>
+            <a:r>
+              <a:rPr lang="pt-BR" sz="2400" b="1" dirty="0">
+                <a:solidFill>
+                  <a:schemeClr val="tx1"/>
+                </a:solidFill>
+                <a:latin typeface="Times New Roman" panose="02020603050405020304" pitchFamily="18" charset="0"/>
+                <a:cs typeface="Times New Roman" panose="02020603050405020304" pitchFamily="18" charset="0"/>
+              </a:rPr>
+              <a:t>	</a:t>
+            </a:r>
+            <a:r>
+              <a:rPr lang="pt-BR" sz="2400" b="1" dirty="0" err="1">
+                <a:solidFill>
+                  <a:srgbClr val="FF0000"/>
+                </a:solidFill>
+                <a:latin typeface="Times New Roman" panose="02020603050405020304" pitchFamily="18" charset="0"/>
+                <a:cs typeface="Times New Roman" panose="02020603050405020304" pitchFamily="18" charset="0"/>
+              </a:rPr>
+              <a:t>document.getElementById</a:t>
+            </a:r>
+            <a:r>
+              <a:rPr lang="pt-BR" sz="2400" dirty="0">
+                <a:solidFill>
+                  <a:schemeClr val="tx1"/>
+                </a:solidFill>
+                <a:latin typeface="Times New Roman" panose="02020603050405020304" pitchFamily="18" charset="0"/>
+                <a:cs typeface="Times New Roman" panose="02020603050405020304" pitchFamily="18" charset="0"/>
+              </a:rPr>
+              <a:t>(‘id’).</a:t>
+            </a:r>
+          </a:p>
+          <a:p>
+            <a:pPr marL="0" indent="0" algn="just">
+              <a:buNone/>
+            </a:pPr>
+            <a:r>
+              <a:rPr lang="pt-BR" sz="2400" dirty="0">
+                <a:solidFill>
+                  <a:schemeClr val="tx1"/>
+                </a:solidFill>
+                <a:latin typeface="Times New Roman" panose="02020603050405020304" pitchFamily="18" charset="0"/>
+                <a:cs typeface="Times New Roman" panose="02020603050405020304" pitchFamily="18" charset="0"/>
+              </a:rPr>
+              <a:t>		</a:t>
+            </a:r>
+            <a:r>
+              <a:rPr lang="pt-BR" sz="2400" dirty="0" err="1">
+                <a:solidFill>
+                  <a:schemeClr val="tx1"/>
+                </a:solidFill>
+                <a:latin typeface="Times New Roman" panose="02020603050405020304" pitchFamily="18" charset="0"/>
+                <a:cs typeface="Times New Roman" panose="02020603050405020304" pitchFamily="18" charset="0"/>
+              </a:rPr>
+              <a:t>InnerHTML</a:t>
+            </a:r>
+            <a:r>
+              <a:rPr lang="pt-BR" sz="2400" dirty="0">
+                <a:solidFill>
+                  <a:schemeClr val="tx1"/>
+                </a:solidFill>
+                <a:latin typeface="Times New Roman" panose="02020603050405020304" pitchFamily="18" charset="0"/>
+                <a:cs typeface="Times New Roman" panose="02020603050405020304" pitchFamily="18" charset="0"/>
+              </a:rPr>
+              <a:t> := ‘Texto &lt;b&gt;Alterado&lt;/b&gt;’;</a:t>
+            </a:r>
+          </a:p>
+        </p:txBody>
+      </p:sp>
+    </p:spTree>
+    <p:extLst>
+      <p:ext uri="{BB962C8B-B14F-4D97-AF65-F5344CB8AC3E}">
+        <p14:creationId xmlns:p14="http://schemas.microsoft.com/office/powerpoint/2010/main" val="3754986054"/>
+      </p:ext>
+    </p:extLst>
+  </p:cSld>
+  <p:clrMapOvr>
+    <a:masterClrMapping/>
+  </p:clrMapOvr>
+  <p:transition spd="med"/>
+</p:sld>
+</file>
+
+<file path=ppt/slides/slide27.xml><?xml version="1.0" encoding="utf-8"?>
+<p:sld xmlns:a="http://schemas.openxmlformats.org/drawingml/2006/main" xmlns:r="http://schemas.openxmlformats.org/officeDocument/2006/relationships" xmlns:p="http://schemas.openxmlformats.org/presentationml/2006/main">
+  <p:cSld>
+    <p:spTree>
+      <p:nvGrpSpPr>
+        <p:cNvPr id="1" name=""/>
+        <p:cNvGrpSpPr/>
+        <p:nvPr/>
+      </p:nvGrpSpPr>
+      <p:grpSpPr>
+        <a:xfrm>
+          <a:off x="0" y="0"/>
+          <a:ext cx="0" cy="0"/>
+          <a:chOff x="0" y="0"/>
+          <a:chExt cx="0" cy="0"/>
+        </a:xfrm>
+      </p:grpSpPr>
+      <p:sp>
+        <p:nvSpPr>
+          <p:cNvPr id="6" name="Title 1"/>
+          <p:cNvSpPr>
+            <a:spLocks noGrp="1"/>
+          </p:cNvSpPr>
+          <p:nvPr>
+            <p:ph type="title"/>
+          </p:nvPr>
+        </p:nvSpPr>
+        <p:spPr>
+          <a:xfrm>
+            <a:off x="457200" y="205980"/>
+            <a:ext cx="8229600" cy="857251"/>
+          </a:xfrm>
+        </p:spPr>
+        <p:txBody>
+          <a:bodyPr>
+            <a:normAutofit/>
+          </a:bodyPr>
+          <a:lstStyle/>
+          <a:p>
+            <a:r>
+              <a:rPr lang="en-US" b="1" dirty="0">
+                <a:solidFill>
+                  <a:srgbClr val="0070C0"/>
+                </a:solidFill>
+              </a:rPr>
+              <a:t>JS – Imagens Web</a:t>
+            </a:r>
+          </a:p>
+        </p:txBody>
+      </p:sp>
+      <p:sp>
+        <p:nvSpPr>
+          <p:cNvPr id="8" name="Text Placeholder 2"/>
+          <p:cNvSpPr>
+            <a:spLocks noGrp="1"/>
+          </p:cNvSpPr>
+          <p:nvPr>
+            <p:ph type="body" sz="half" idx="1"/>
+          </p:nvPr>
+        </p:nvSpPr>
+        <p:spPr>
+          <a:xfrm>
+            <a:off x="142865" y="1062364"/>
+            <a:ext cx="8865056" cy="3900208"/>
+          </a:xfrm>
+        </p:spPr>
+        <p:txBody>
+          <a:bodyPr>
+            <a:noAutofit/>
+          </a:bodyPr>
+          <a:lstStyle/>
+          <a:p>
+            <a:pPr algn="just">
+              <a:buFont typeface="Wingdings" panose="05000000000000000000" pitchFamily="2" charset="2"/>
+              <a:buChar char="ü"/>
+            </a:pPr>
+            <a:r>
+              <a:rPr lang="pt-BR" sz="2400" dirty="0">
+                <a:solidFill>
+                  <a:schemeClr val="tx1"/>
+                </a:solidFill>
+                <a:latin typeface="Times New Roman" panose="02020603050405020304" pitchFamily="18" charset="0"/>
+                <a:cs typeface="Times New Roman" panose="02020603050405020304" pitchFamily="18" charset="0"/>
+                <a:hlinkClick r:id="rId3"/>
+              </a:rPr>
+              <a:t>https://www.pexels.com/pt-br/</a:t>
+            </a:r>
+            <a:r>
+              <a:rPr lang="pt-BR" sz="2400" dirty="0">
+                <a:solidFill>
+                  <a:schemeClr val="tx1"/>
+                </a:solidFill>
+                <a:latin typeface="Times New Roman" panose="02020603050405020304" pitchFamily="18" charset="0"/>
+                <a:cs typeface="Times New Roman" panose="02020603050405020304" pitchFamily="18" charset="0"/>
+              </a:rPr>
+              <a:t>  (</a:t>
+            </a:r>
+            <a:r>
+              <a:rPr lang="pt-BR" sz="2400" b="1" dirty="0">
+                <a:solidFill>
+                  <a:schemeClr val="tx1"/>
+                </a:solidFill>
+                <a:latin typeface="Times New Roman" panose="02020603050405020304" pitchFamily="18" charset="0"/>
+                <a:cs typeface="Times New Roman" panose="02020603050405020304" pitchFamily="18" charset="0"/>
+              </a:rPr>
+              <a:t>fotos grátis</a:t>
+            </a:r>
+            <a:r>
+              <a:rPr lang="pt-BR" sz="2400" dirty="0">
+                <a:solidFill>
+                  <a:schemeClr val="tx1"/>
+                </a:solidFill>
+                <a:latin typeface="Times New Roman" panose="02020603050405020304" pitchFamily="18" charset="0"/>
+                <a:cs typeface="Times New Roman" panose="02020603050405020304" pitchFamily="18" charset="0"/>
+              </a:rPr>
+              <a:t>)</a:t>
+            </a:r>
+          </a:p>
+          <a:p>
+            <a:pPr marL="0" indent="0" algn="just">
+              <a:buNone/>
+            </a:pPr>
+            <a:endParaRPr lang="pt-BR" sz="2400" dirty="0">
+              <a:solidFill>
+                <a:schemeClr val="tx1"/>
+              </a:solidFill>
+              <a:latin typeface="Times New Roman" panose="02020603050405020304" pitchFamily="18" charset="0"/>
+              <a:cs typeface="Times New Roman" panose="02020603050405020304" pitchFamily="18" charset="0"/>
+            </a:endParaRPr>
+          </a:p>
+          <a:p>
+            <a:pPr algn="just">
+              <a:buFont typeface="Wingdings" panose="05000000000000000000" pitchFamily="2" charset="2"/>
+              <a:buChar char="ü"/>
+            </a:pPr>
+            <a:r>
+              <a:rPr lang="pt-BR" sz="2400" dirty="0">
+                <a:solidFill>
+                  <a:schemeClr val="tx1"/>
+                </a:solidFill>
+                <a:latin typeface="Times New Roman" panose="02020603050405020304" pitchFamily="18" charset="0"/>
+                <a:cs typeface="Times New Roman" panose="02020603050405020304" pitchFamily="18" charset="0"/>
+                <a:hlinkClick r:id="rId4"/>
+              </a:rPr>
+              <a:t>https://pixabay.com/pt/</a:t>
+            </a:r>
+            <a:r>
+              <a:rPr lang="pt-BR" sz="2400" dirty="0">
+                <a:solidFill>
+                  <a:schemeClr val="tx1"/>
+                </a:solidFill>
+                <a:latin typeface="Times New Roman" panose="02020603050405020304" pitchFamily="18" charset="0"/>
+                <a:cs typeface="Times New Roman" panose="02020603050405020304" pitchFamily="18" charset="0"/>
+              </a:rPr>
+              <a:t> (</a:t>
+            </a:r>
+            <a:r>
+              <a:rPr lang="pt-BR" sz="2400" b="1" dirty="0">
+                <a:solidFill>
+                  <a:schemeClr val="tx1"/>
+                </a:solidFill>
+                <a:latin typeface="Times New Roman" panose="02020603050405020304" pitchFamily="18" charset="0"/>
+                <a:cs typeface="Times New Roman" panose="02020603050405020304" pitchFamily="18" charset="0"/>
+              </a:rPr>
+              <a:t>fotos grátis</a:t>
+            </a:r>
+            <a:r>
+              <a:rPr lang="pt-BR" sz="2400" dirty="0">
+                <a:solidFill>
+                  <a:schemeClr val="tx1"/>
+                </a:solidFill>
+                <a:latin typeface="Times New Roman" panose="02020603050405020304" pitchFamily="18" charset="0"/>
+                <a:cs typeface="Times New Roman" panose="02020603050405020304" pitchFamily="18" charset="0"/>
+              </a:rPr>
+              <a:t>)</a:t>
+            </a:r>
+          </a:p>
+          <a:p>
+            <a:pPr algn="just">
+              <a:buFont typeface="Wingdings" panose="05000000000000000000" pitchFamily="2" charset="2"/>
+              <a:buChar char="ü"/>
+            </a:pPr>
+            <a:endParaRPr lang="pt-BR" sz="2400" dirty="0">
+              <a:solidFill>
+                <a:schemeClr val="tx1"/>
+              </a:solidFill>
+              <a:latin typeface="Times New Roman" panose="02020603050405020304" pitchFamily="18" charset="0"/>
+              <a:cs typeface="Times New Roman" panose="02020603050405020304" pitchFamily="18" charset="0"/>
+            </a:endParaRPr>
+          </a:p>
+          <a:p>
+            <a:pPr algn="just">
+              <a:buFont typeface="Wingdings" panose="05000000000000000000" pitchFamily="2" charset="2"/>
+              <a:buChar char="ü"/>
+            </a:pPr>
+            <a:r>
+              <a:rPr lang="pt-BR" sz="2400" dirty="0">
+                <a:solidFill>
+                  <a:schemeClr val="tx1"/>
+                </a:solidFill>
+                <a:latin typeface="Times New Roman" panose="02020603050405020304" pitchFamily="18" charset="0"/>
+                <a:cs typeface="Times New Roman" panose="02020603050405020304" pitchFamily="18" charset="0"/>
+                <a:hlinkClick r:id="rId5"/>
+              </a:rPr>
+              <a:t>https://unicode.org/emoji/charts/full-emoji-list.html</a:t>
+            </a:r>
+            <a:r>
+              <a:rPr lang="pt-BR" sz="2400" dirty="0">
+                <a:solidFill>
+                  <a:schemeClr val="tx1"/>
+                </a:solidFill>
+                <a:latin typeface="Times New Roman" panose="02020603050405020304" pitchFamily="18" charset="0"/>
+                <a:cs typeface="Times New Roman" panose="02020603050405020304" pitchFamily="18" charset="0"/>
+              </a:rPr>
+              <a:t> (</a:t>
+            </a:r>
+            <a:r>
+              <a:rPr lang="pt-BR" sz="2400" b="1" dirty="0">
+                <a:solidFill>
+                  <a:schemeClr val="tx1"/>
+                </a:solidFill>
+                <a:latin typeface="Times New Roman" panose="02020603050405020304" pitchFamily="18" charset="0"/>
+                <a:cs typeface="Times New Roman" panose="02020603050405020304" pitchFamily="18" charset="0"/>
+              </a:rPr>
+              <a:t>Ícones</a:t>
+            </a:r>
+            <a:r>
+              <a:rPr lang="pt-BR" sz="2400" dirty="0">
+                <a:solidFill>
+                  <a:schemeClr val="tx1"/>
+                </a:solidFill>
+                <a:latin typeface="Times New Roman" panose="02020603050405020304" pitchFamily="18" charset="0"/>
+                <a:cs typeface="Times New Roman" panose="02020603050405020304" pitchFamily="18" charset="0"/>
+              </a:rPr>
+              <a:t>)</a:t>
+            </a:r>
+          </a:p>
+          <a:p>
+            <a:pPr marL="0" indent="0" algn="just">
+              <a:buNone/>
+            </a:pPr>
+            <a:endParaRPr lang="pt-BR" sz="2400" dirty="0">
+              <a:solidFill>
+                <a:schemeClr val="tx1"/>
+              </a:solidFill>
+              <a:latin typeface="Times New Roman" panose="02020603050405020304" pitchFamily="18" charset="0"/>
+              <a:cs typeface="Times New Roman" panose="02020603050405020304" pitchFamily="18" charset="0"/>
+            </a:endParaRPr>
+          </a:p>
+          <a:p>
+            <a:pPr marL="0" indent="0" algn="just">
+              <a:buNone/>
+            </a:pPr>
+            <a:r>
+              <a:rPr lang="pt-BR" sz="2400" b="1" dirty="0">
+                <a:solidFill>
+                  <a:srgbClr val="FF0000"/>
+                </a:solidFill>
+                <a:latin typeface="Times New Roman" panose="02020603050405020304" pitchFamily="18" charset="0"/>
+                <a:cs typeface="Times New Roman" panose="02020603050405020304" pitchFamily="18" charset="0"/>
+              </a:rPr>
+              <a:t>Exemplo</a:t>
+            </a:r>
+            <a:r>
+              <a:rPr lang="pt-BR" sz="2400" dirty="0">
+                <a:solidFill>
+                  <a:schemeClr val="tx1"/>
+                </a:solidFill>
+                <a:latin typeface="Times New Roman" panose="02020603050405020304" pitchFamily="18" charset="0"/>
+                <a:cs typeface="Times New Roman" panose="02020603050405020304" pitchFamily="18" charset="0"/>
+              </a:rPr>
+              <a:t>: \u{1F609}; \u{1F449}; \u{1F3c1}</a:t>
+            </a:r>
+          </a:p>
+          <a:p>
+            <a:pPr marL="0" indent="0" algn="just">
+              <a:buNone/>
+            </a:pPr>
+            <a:r>
+              <a:rPr lang="pt-BR" sz="2400" b="1" dirty="0" err="1">
+                <a:solidFill>
+                  <a:srgbClr val="FF0000"/>
+                </a:solidFill>
+                <a:latin typeface="Times New Roman" panose="02020603050405020304" pitchFamily="18" charset="0"/>
+                <a:cs typeface="Times New Roman" panose="02020603050405020304" pitchFamily="18" charset="0"/>
+              </a:rPr>
+              <a:t>document.getElementById</a:t>
+            </a:r>
+            <a:r>
+              <a:rPr lang="pt-BR" sz="2400" dirty="0">
+                <a:solidFill>
+                  <a:schemeClr val="tx1"/>
+                </a:solidFill>
+                <a:latin typeface="Times New Roman" panose="02020603050405020304" pitchFamily="18" charset="0"/>
+                <a:cs typeface="Times New Roman" panose="02020603050405020304" pitchFamily="18" charset="0"/>
+              </a:rPr>
+              <a:t>(‘id’).</a:t>
+            </a:r>
+            <a:r>
+              <a:rPr lang="pt-BR" sz="2400" b="1" dirty="0" err="1">
+                <a:solidFill>
+                  <a:schemeClr val="tx1"/>
+                </a:solidFill>
+                <a:latin typeface="Times New Roman" panose="02020603050405020304" pitchFamily="18" charset="0"/>
+                <a:cs typeface="Times New Roman" panose="02020603050405020304" pitchFamily="18" charset="0"/>
+              </a:rPr>
+              <a:t>innerHTML</a:t>
+            </a:r>
+            <a:r>
+              <a:rPr lang="pt-BR" sz="2400" dirty="0">
+                <a:solidFill>
+                  <a:schemeClr val="tx1"/>
+                </a:solidFill>
+                <a:latin typeface="Times New Roman" panose="02020603050405020304" pitchFamily="18" charset="0"/>
+                <a:cs typeface="Times New Roman" panose="02020603050405020304" pitchFamily="18" charset="0"/>
+              </a:rPr>
+              <a:t> += </a:t>
+            </a:r>
+            <a:r>
+              <a:rPr lang="pt-BR" sz="2400" b="1" dirty="0">
+                <a:solidFill>
+                  <a:srgbClr val="FF0000"/>
+                </a:solidFill>
+                <a:latin typeface="Times New Roman" panose="02020603050405020304" pitchFamily="18" charset="0"/>
+                <a:cs typeface="Times New Roman" panose="02020603050405020304" pitchFamily="18" charset="0"/>
+              </a:rPr>
+              <a:t>`</a:t>
+            </a:r>
+            <a:r>
+              <a:rPr lang="pt-BR" sz="2400" dirty="0">
+                <a:solidFill>
+                  <a:schemeClr val="tx1"/>
+                </a:solidFill>
+                <a:latin typeface="Times New Roman" panose="02020603050405020304" pitchFamily="18" charset="0"/>
+                <a:cs typeface="Times New Roman" panose="02020603050405020304" pitchFamily="18" charset="0"/>
+              </a:rPr>
+              <a:t> \u{1F609} </a:t>
+            </a:r>
+            <a:r>
+              <a:rPr lang="pt-BR" sz="2400" b="1" dirty="0">
+                <a:solidFill>
+                  <a:srgbClr val="FF0000"/>
+                </a:solidFill>
+                <a:latin typeface="Times New Roman" panose="02020603050405020304" pitchFamily="18" charset="0"/>
+                <a:cs typeface="Times New Roman" panose="02020603050405020304" pitchFamily="18" charset="0"/>
+              </a:rPr>
+              <a:t>`</a:t>
+            </a:r>
+            <a:r>
+              <a:rPr lang="pt-BR" sz="2400" dirty="0">
+                <a:solidFill>
+                  <a:schemeClr val="tx1"/>
+                </a:solidFill>
+                <a:latin typeface="Times New Roman" panose="02020603050405020304" pitchFamily="18" charset="0"/>
+                <a:cs typeface="Times New Roman" panose="02020603050405020304" pitchFamily="18" charset="0"/>
+              </a:rPr>
+              <a:t>;</a:t>
+            </a:r>
+          </a:p>
+          <a:p>
+            <a:pPr algn="just">
+              <a:buFont typeface="Wingdings" panose="05000000000000000000" pitchFamily="2" charset="2"/>
+              <a:buChar char="ü"/>
+            </a:pPr>
+            <a:endParaRPr lang="pt-BR" sz="2400" dirty="0">
+              <a:solidFill>
+                <a:schemeClr val="tx1"/>
+              </a:solidFill>
+              <a:latin typeface="Times New Roman" panose="02020603050405020304" pitchFamily="18" charset="0"/>
+              <a:cs typeface="Times New Roman" panose="02020603050405020304" pitchFamily="18" charset="0"/>
+            </a:endParaRPr>
+          </a:p>
+        </p:txBody>
+      </p:sp>
+    </p:spTree>
+    <p:extLst>
+      <p:ext uri="{BB962C8B-B14F-4D97-AF65-F5344CB8AC3E}">
+        <p14:creationId xmlns:p14="http://schemas.microsoft.com/office/powerpoint/2010/main" val="1775871531"/>
+      </p:ext>
+    </p:extLst>
+  </p:cSld>
+  <p:clrMapOvr>
+    <a:masterClrMapping/>
+  </p:clrMapOvr>
+  <p:transition spd="med"/>
+</p:sld>
+</file>
+
+<file path=ppt/slides/slide28.xml><?xml version="1.0" encoding="utf-8"?>
+<p:sld xmlns:a="http://schemas.openxmlformats.org/drawingml/2006/main" xmlns:r="http://schemas.openxmlformats.org/officeDocument/2006/relationships" xmlns:p="http://schemas.openxmlformats.org/presentationml/2006/main">
+  <p:cSld>
+    <p:spTree>
+      <p:nvGrpSpPr>
+        <p:cNvPr id="1" name=""/>
+        <p:cNvGrpSpPr/>
+        <p:nvPr/>
+      </p:nvGrpSpPr>
+      <p:grpSpPr>
+        <a:xfrm>
+          <a:off x="0" y="0"/>
+          <a:ext cx="0" cy="0"/>
+          <a:chOff x="0" y="0"/>
+          <a:chExt cx="0" cy="0"/>
+        </a:xfrm>
+      </p:grpSpPr>
+      <p:sp>
+        <p:nvSpPr>
+          <p:cNvPr id="6" name="Title 1"/>
+          <p:cNvSpPr>
+            <a:spLocks noGrp="1"/>
+          </p:cNvSpPr>
+          <p:nvPr>
+            <p:ph type="title"/>
+          </p:nvPr>
+        </p:nvSpPr>
+        <p:spPr>
+          <a:xfrm>
+            <a:off x="457200" y="205980"/>
+            <a:ext cx="8229600" cy="857251"/>
+          </a:xfrm>
+        </p:spPr>
+        <p:txBody>
+          <a:bodyPr>
+            <a:normAutofit/>
+          </a:bodyPr>
+          <a:lstStyle/>
+          <a:p>
+            <a:r>
+              <a:rPr lang="en-US" b="1" dirty="0">
+                <a:solidFill>
+                  <a:srgbClr val="0070C0"/>
+                </a:solidFill>
+              </a:rPr>
+              <a:t>JS – </a:t>
+            </a:r>
+            <a:r>
+              <a:rPr lang="en-US" b="1" dirty="0" err="1">
+                <a:solidFill>
+                  <a:srgbClr val="0070C0"/>
+                </a:solidFill>
+              </a:rPr>
+              <a:t>Saída</a:t>
+            </a:r>
+            <a:r>
+              <a:rPr lang="en-US" b="1" dirty="0">
+                <a:solidFill>
+                  <a:srgbClr val="0070C0"/>
+                </a:solidFill>
+              </a:rPr>
+              <a:t> de Dados</a:t>
+            </a:r>
+          </a:p>
+        </p:txBody>
+      </p:sp>
+      <p:sp>
+        <p:nvSpPr>
+          <p:cNvPr id="8" name="Text Placeholder 2"/>
+          <p:cNvSpPr>
+            <a:spLocks noGrp="1"/>
+          </p:cNvSpPr>
+          <p:nvPr>
+            <p:ph type="body" sz="half" idx="1"/>
+          </p:nvPr>
+        </p:nvSpPr>
+        <p:spPr>
+          <a:xfrm>
+            <a:off x="142865" y="1062364"/>
+            <a:ext cx="8865056" cy="3900208"/>
+          </a:xfrm>
+        </p:spPr>
+        <p:txBody>
+          <a:bodyPr>
+            <a:noAutofit/>
+          </a:bodyPr>
+          <a:lstStyle/>
+          <a:p>
+            <a:pPr marL="457200" indent="-457200" algn="just">
+              <a:buFont typeface="+mj-lt"/>
+              <a:buAutoNum type="arabicPeriod"/>
+            </a:pPr>
+            <a:r>
+              <a:rPr lang="pt-BR" sz="2400" b="1" dirty="0" err="1">
+                <a:solidFill>
+                  <a:schemeClr val="tx1"/>
+                </a:solidFill>
+                <a:latin typeface="Times New Roman" panose="02020603050405020304" pitchFamily="18" charset="0"/>
+                <a:cs typeface="Times New Roman" panose="02020603050405020304" pitchFamily="18" charset="0"/>
+              </a:rPr>
+              <a:t>write</a:t>
+            </a:r>
+            <a:r>
+              <a:rPr lang="pt-BR" sz="2400" dirty="0">
+                <a:solidFill>
+                  <a:schemeClr val="tx1"/>
+                </a:solidFill>
+                <a:latin typeface="Times New Roman" panose="02020603050405020304" pitchFamily="18" charset="0"/>
+                <a:cs typeface="Times New Roman" panose="02020603050405020304" pitchFamily="18" charset="0"/>
+              </a:rPr>
+              <a:t> (Testes do JS):</a:t>
+            </a:r>
+          </a:p>
+          <a:p>
+            <a:pPr marL="0" indent="0" algn="just">
+              <a:buNone/>
+            </a:pPr>
+            <a:r>
+              <a:rPr lang="pt-BR" sz="2400" dirty="0">
+                <a:solidFill>
+                  <a:schemeClr val="tx1"/>
+                </a:solidFill>
+                <a:latin typeface="Times New Roman" panose="02020603050405020304" pitchFamily="18" charset="0"/>
+                <a:cs typeface="Times New Roman" panose="02020603050405020304" pitchFamily="18" charset="0"/>
+              </a:rPr>
+              <a:t>	</a:t>
+            </a:r>
+            <a:r>
+              <a:rPr lang="pt-BR" sz="2400" b="1" dirty="0" err="1">
+                <a:solidFill>
+                  <a:schemeClr val="tx1"/>
+                </a:solidFill>
+                <a:latin typeface="Times New Roman" panose="02020603050405020304" pitchFamily="18" charset="0"/>
+                <a:cs typeface="Times New Roman" panose="02020603050405020304" pitchFamily="18" charset="0"/>
+              </a:rPr>
+              <a:t>document</a:t>
+            </a:r>
+            <a:r>
+              <a:rPr lang="pt-BR" sz="2400" dirty="0" err="1">
+                <a:solidFill>
+                  <a:schemeClr val="tx1"/>
+                </a:solidFill>
+                <a:latin typeface="Times New Roman" panose="02020603050405020304" pitchFamily="18" charset="0"/>
+                <a:cs typeface="Times New Roman" panose="02020603050405020304" pitchFamily="18" charset="0"/>
+              </a:rPr>
+              <a:t>.write</a:t>
+            </a:r>
+            <a:r>
+              <a:rPr lang="pt-BR" sz="2400" dirty="0">
+                <a:solidFill>
+                  <a:schemeClr val="tx1"/>
+                </a:solidFill>
+                <a:latin typeface="Times New Roman" panose="02020603050405020304" pitchFamily="18" charset="0"/>
+                <a:cs typeface="Times New Roman" panose="02020603050405020304" pitchFamily="18" charset="0"/>
+              </a:rPr>
+              <a:t>(10 + 20);</a:t>
+            </a:r>
+          </a:p>
+          <a:p>
+            <a:pPr marL="457200" indent="-457200" algn="just">
+              <a:buFont typeface="+mj-lt"/>
+              <a:buAutoNum type="arabicPeriod" startAt="2"/>
+            </a:pPr>
+            <a:r>
+              <a:rPr lang="pt-BR" sz="2400" b="1" dirty="0">
+                <a:solidFill>
+                  <a:schemeClr val="tx1"/>
+                </a:solidFill>
+                <a:latin typeface="Times New Roman" panose="02020603050405020304" pitchFamily="18" charset="0"/>
+                <a:cs typeface="Times New Roman" panose="02020603050405020304" pitchFamily="18" charset="0"/>
+              </a:rPr>
+              <a:t>console.log </a:t>
+            </a:r>
+            <a:r>
+              <a:rPr lang="pt-BR" sz="2400" dirty="0">
+                <a:solidFill>
+                  <a:schemeClr val="tx1"/>
+                </a:solidFill>
+                <a:latin typeface="Times New Roman" panose="02020603050405020304" pitchFamily="18" charset="0"/>
+                <a:cs typeface="Times New Roman" panose="02020603050405020304" pitchFamily="18" charset="0"/>
+              </a:rPr>
+              <a:t>(‘Teste JS no terminal do desenvolvedor’):</a:t>
+            </a:r>
+          </a:p>
+          <a:p>
+            <a:pPr marL="0" indent="0" algn="just">
+              <a:buNone/>
+            </a:pPr>
+            <a:r>
+              <a:rPr lang="pt-BR" sz="2400" dirty="0">
+                <a:solidFill>
+                  <a:schemeClr val="tx1"/>
+                </a:solidFill>
+                <a:latin typeface="Times New Roman" panose="02020603050405020304" pitchFamily="18" charset="0"/>
+                <a:cs typeface="Times New Roman" panose="02020603050405020304" pitchFamily="18" charset="0"/>
+              </a:rPr>
+              <a:t>	</a:t>
+            </a:r>
+            <a:r>
+              <a:rPr lang="pt-BR" sz="2400" b="1" dirty="0">
+                <a:solidFill>
+                  <a:srgbClr val="FF0000"/>
+                </a:solidFill>
+                <a:latin typeface="Times New Roman" panose="02020603050405020304" pitchFamily="18" charset="0"/>
+                <a:cs typeface="Times New Roman" panose="02020603050405020304" pitchFamily="18" charset="0"/>
+              </a:rPr>
+              <a:t>console.log</a:t>
+            </a:r>
+            <a:r>
+              <a:rPr lang="pt-BR" sz="2400" dirty="0">
+                <a:solidFill>
+                  <a:schemeClr val="tx1"/>
+                </a:solidFill>
+                <a:latin typeface="Times New Roman" panose="02020603050405020304" pitchFamily="18" charset="0"/>
+                <a:cs typeface="Times New Roman" panose="02020603050405020304" pitchFamily="18" charset="0"/>
+              </a:rPr>
+              <a:t>(‘imprimindo no console do desenvolvedor’);</a:t>
+            </a:r>
+          </a:p>
+          <a:p>
+            <a:pPr marL="457200" indent="-457200" algn="just">
+              <a:buFont typeface="+mj-lt"/>
+              <a:buAutoNum type="arabicPeriod" startAt="3"/>
+            </a:pPr>
+            <a:r>
+              <a:rPr lang="pt-BR" sz="2400" b="1" dirty="0" err="1">
+                <a:solidFill>
+                  <a:schemeClr val="tx1"/>
+                </a:solidFill>
+                <a:latin typeface="Times New Roman" panose="02020603050405020304" pitchFamily="18" charset="0"/>
+                <a:cs typeface="Times New Roman" panose="02020603050405020304" pitchFamily="18" charset="0"/>
+              </a:rPr>
+              <a:t>alert</a:t>
+            </a:r>
+            <a:r>
+              <a:rPr lang="pt-BR" sz="2400" dirty="0">
+                <a:solidFill>
+                  <a:schemeClr val="tx1"/>
+                </a:solidFill>
+                <a:latin typeface="Times New Roman" panose="02020603050405020304" pitchFamily="18" charset="0"/>
+                <a:cs typeface="Times New Roman" panose="02020603050405020304" pitchFamily="18" charset="0"/>
+              </a:rPr>
+              <a:t> (‘Alerta na tela’);</a:t>
+            </a:r>
+          </a:p>
+          <a:p>
+            <a:pPr marL="0" indent="0" algn="just">
+              <a:buNone/>
+            </a:pPr>
+            <a:r>
+              <a:rPr lang="pt-BR" sz="2400" dirty="0">
+                <a:solidFill>
+                  <a:schemeClr val="tx1"/>
+                </a:solidFill>
+                <a:latin typeface="Times New Roman" panose="02020603050405020304" pitchFamily="18" charset="0"/>
+                <a:cs typeface="Times New Roman" panose="02020603050405020304" pitchFamily="18" charset="0"/>
+              </a:rPr>
+              <a:t>	</a:t>
+            </a:r>
+            <a:r>
+              <a:rPr lang="pt-BR" sz="2400" b="1" dirty="0" err="1">
+                <a:solidFill>
+                  <a:srgbClr val="FF0000"/>
+                </a:solidFill>
+                <a:latin typeface="Times New Roman" panose="02020603050405020304" pitchFamily="18" charset="0"/>
+                <a:cs typeface="Times New Roman" panose="02020603050405020304" pitchFamily="18" charset="0"/>
+              </a:rPr>
+              <a:t>alert</a:t>
+            </a:r>
+            <a:r>
+              <a:rPr lang="pt-BR" sz="2400" dirty="0">
+                <a:solidFill>
+                  <a:schemeClr val="tx1"/>
+                </a:solidFill>
+                <a:latin typeface="Times New Roman" panose="02020603050405020304" pitchFamily="18" charset="0"/>
+                <a:cs typeface="Times New Roman" panose="02020603050405020304" pitchFamily="18" charset="0"/>
+              </a:rPr>
+              <a:t>( 8 * 7 / 2); ou </a:t>
+            </a:r>
+            <a:r>
+              <a:rPr lang="pt-BR" sz="2400" b="1" dirty="0" err="1">
+                <a:solidFill>
+                  <a:srgbClr val="FF0000"/>
+                </a:solidFill>
+                <a:latin typeface="Times New Roman" panose="02020603050405020304" pitchFamily="18" charset="0"/>
+                <a:cs typeface="Times New Roman" panose="02020603050405020304" pitchFamily="18" charset="0"/>
+              </a:rPr>
+              <a:t>window.alert</a:t>
+            </a:r>
+            <a:r>
+              <a:rPr lang="pt-BR" sz="2400" dirty="0">
+                <a:solidFill>
+                  <a:schemeClr val="tx1"/>
+                </a:solidFill>
+                <a:latin typeface="Times New Roman" panose="02020603050405020304" pitchFamily="18" charset="0"/>
+                <a:cs typeface="Times New Roman" panose="02020603050405020304" pitchFamily="18" charset="0"/>
+              </a:rPr>
+              <a:t>(56-23*6+12);</a:t>
+            </a:r>
+          </a:p>
+        </p:txBody>
+      </p:sp>
+    </p:spTree>
+    <p:extLst>
+      <p:ext uri="{BB962C8B-B14F-4D97-AF65-F5344CB8AC3E}">
+        <p14:creationId xmlns:p14="http://schemas.microsoft.com/office/powerpoint/2010/main" val="2575110107"/>
+      </p:ext>
+    </p:extLst>
+  </p:cSld>
+  <p:clrMapOvr>
+    <a:masterClrMapping/>
+  </p:clrMapOvr>
+  <p:transition spd="med"/>
+</p:sld>
+</file>
+
+<file path=ppt/slides/slide29.xml><?xml version="1.0" encoding="utf-8"?>
+<p:sld xmlns:a="http://schemas.openxmlformats.org/drawingml/2006/main" xmlns:r="http://schemas.openxmlformats.org/officeDocument/2006/relationships" xmlns:p="http://schemas.openxmlformats.org/presentationml/2006/main">
+  <p:cSld>
+    <p:spTree>
+      <p:nvGrpSpPr>
+        <p:cNvPr id="1" name=""/>
+        <p:cNvGrpSpPr/>
+        <p:nvPr/>
+      </p:nvGrpSpPr>
+      <p:grpSpPr>
+        <a:xfrm>
+          <a:off x="0" y="0"/>
+          <a:ext cx="0" cy="0"/>
+          <a:chOff x="0" y="0"/>
+          <a:chExt cx="0" cy="0"/>
+        </a:xfrm>
+      </p:grpSpPr>
+      <p:sp>
+        <p:nvSpPr>
+          <p:cNvPr id="6" name="Title 1"/>
+          <p:cNvSpPr>
+            <a:spLocks noGrp="1"/>
+          </p:cNvSpPr>
+          <p:nvPr>
+            <p:ph type="title"/>
+          </p:nvPr>
+        </p:nvSpPr>
+        <p:spPr>
+          <a:xfrm>
+            <a:off x="457200" y="205980"/>
+            <a:ext cx="8229600" cy="857251"/>
+          </a:xfrm>
+        </p:spPr>
+        <p:txBody>
+          <a:bodyPr>
+            <a:normAutofit/>
+          </a:bodyPr>
+          <a:lstStyle/>
+          <a:p>
+            <a:r>
+              <a:rPr lang="en-US" b="1" dirty="0">
+                <a:solidFill>
+                  <a:srgbClr val="0070C0"/>
+                </a:solidFill>
+              </a:rPr>
+              <a:t>JS – Entrada de Dados</a:t>
+            </a:r>
+          </a:p>
+        </p:txBody>
+      </p:sp>
+      <p:sp>
+        <p:nvSpPr>
+          <p:cNvPr id="8" name="Text Placeholder 2"/>
+          <p:cNvSpPr>
+            <a:spLocks noGrp="1"/>
+          </p:cNvSpPr>
+          <p:nvPr>
+            <p:ph type="body" sz="half" idx="1"/>
+          </p:nvPr>
+        </p:nvSpPr>
+        <p:spPr>
+          <a:xfrm>
+            <a:off x="142865" y="1037312"/>
+            <a:ext cx="8865056" cy="3900208"/>
+          </a:xfrm>
+        </p:spPr>
+        <p:txBody>
+          <a:bodyPr>
+            <a:noAutofit/>
+          </a:bodyPr>
+          <a:lstStyle/>
+          <a:p>
+            <a:pPr marL="0" indent="0" algn="just">
+              <a:buNone/>
+            </a:pPr>
+            <a:r>
+              <a:rPr lang="pt-BR" sz="2000" dirty="0">
+                <a:solidFill>
+                  <a:schemeClr val="tx1"/>
+                </a:solidFill>
+                <a:latin typeface="Times New Roman" panose="02020603050405020304" pitchFamily="18" charset="0"/>
+                <a:cs typeface="Times New Roman" panose="02020603050405020304" pitchFamily="18" charset="0"/>
+              </a:rPr>
+              <a:t>As entradas de dados na sua maioria vem através das </a:t>
+            </a:r>
+            <a:r>
+              <a:rPr lang="pt-BR" sz="2000" dirty="0" err="1">
+                <a:solidFill>
+                  <a:schemeClr val="tx1"/>
+                </a:solidFill>
+                <a:latin typeface="Times New Roman" panose="02020603050405020304" pitchFamily="18" charset="0"/>
+                <a:cs typeface="Times New Roman" panose="02020603050405020304" pitchFamily="18" charset="0"/>
+              </a:rPr>
+              <a:t>tags</a:t>
+            </a:r>
+            <a:r>
+              <a:rPr lang="pt-BR" sz="2000" dirty="0">
+                <a:solidFill>
+                  <a:schemeClr val="tx1"/>
+                </a:solidFill>
+                <a:latin typeface="Times New Roman" panose="02020603050405020304" pitchFamily="18" charset="0"/>
+                <a:cs typeface="Times New Roman" panose="02020603050405020304" pitchFamily="18" charset="0"/>
+              </a:rPr>
+              <a:t> de formulários.</a:t>
+            </a:r>
+          </a:p>
+          <a:p>
+            <a:pPr marL="0" indent="0" algn="just">
+              <a:buNone/>
+            </a:pPr>
+            <a:endParaRPr lang="pt-BR" sz="2000" dirty="0">
+              <a:solidFill>
+                <a:schemeClr val="tx1"/>
+              </a:solidFill>
+              <a:latin typeface="Times New Roman" panose="02020603050405020304" pitchFamily="18" charset="0"/>
+              <a:cs typeface="Times New Roman" panose="02020603050405020304" pitchFamily="18" charset="0"/>
+            </a:endParaRPr>
+          </a:p>
+          <a:p>
+            <a:pPr marL="0" indent="0" algn="just">
+              <a:buNone/>
+            </a:pPr>
+            <a:r>
+              <a:rPr lang="pt-BR" sz="2000" b="1" dirty="0">
+                <a:solidFill>
+                  <a:srgbClr val="FF0000"/>
+                </a:solidFill>
+                <a:latin typeface="Times New Roman" panose="02020603050405020304" pitchFamily="18" charset="0"/>
+                <a:cs typeface="Times New Roman" panose="02020603050405020304" pitchFamily="18" charset="0"/>
+              </a:rPr>
+              <a:t>Outras formas</a:t>
+            </a:r>
+            <a:r>
+              <a:rPr lang="pt-BR" sz="2000" dirty="0">
+                <a:solidFill>
+                  <a:schemeClr val="tx1"/>
+                </a:solidFill>
+                <a:latin typeface="Times New Roman" panose="02020603050405020304" pitchFamily="18" charset="0"/>
+                <a:cs typeface="Times New Roman" panose="02020603050405020304" pitchFamily="18" charset="0"/>
+              </a:rPr>
+              <a:t>:</a:t>
+            </a:r>
+          </a:p>
+          <a:p>
+            <a:pPr marL="0" indent="0" algn="just">
+              <a:buNone/>
+            </a:pPr>
+            <a:endParaRPr lang="pt-BR" sz="2000" dirty="0">
+              <a:solidFill>
+                <a:schemeClr val="tx1"/>
+              </a:solidFill>
+              <a:latin typeface="Times New Roman" panose="02020603050405020304" pitchFamily="18" charset="0"/>
+              <a:cs typeface="Times New Roman" panose="02020603050405020304" pitchFamily="18" charset="0"/>
+            </a:endParaRPr>
+          </a:p>
+          <a:p>
+            <a:pPr marL="0" indent="0" algn="just">
+              <a:buNone/>
+            </a:pPr>
+            <a:r>
+              <a:rPr lang="pt-BR" sz="2000" dirty="0">
+                <a:solidFill>
+                  <a:schemeClr val="tx1"/>
+                </a:solidFill>
+                <a:latin typeface="Times New Roman" panose="02020603050405020304" pitchFamily="18" charset="0"/>
+                <a:cs typeface="Times New Roman" panose="02020603050405020304" pitchFamily="18" charset="0"/>
+              </a:rPr>
+              <a:t>   </a:t>
+            </a:r>
+            <a:r>
+              <a:rPr lang="pt-BR" sz="2000" b="1" dirty="0" err="1">
+                <a:solidFill>
+                  <a:schemeClr val="tx1"/>
+                </a:solidFill>
+                <a:latin typeface="Times New Roman" panose="02020603050405020304" pitchFamily="18" charset="0"/>
+                <a:cs typeface="Times New Roman" panose="02020603050405020304" pitchFamily="18" charset="0"/>
+              </a:rPr>
+              <a:t>window.prompt</a:t>
+            </a:r>
+            <a:r>
+              <a:rPr lang="pt-BR" sz="2000" dirty="0">
+                <a:solidFill>
+                  <a:schemeClr val="tx1"/>
+                </a:solidFill>
+                <a:latin typeface="Times New Roman" panose="02020603050405020304" pitchFamily="18" charset="0"/>
+                <a:cs typeface="Times New Roman" panose="02020603050405020304" pitchFamily="18" charset="0"/>
+              </a:rPr>
+              <a:t> (Mensagem); // input</a:t>
+            </a:r>
+          </a:p>
+          <a:p>
+            <a:pPr marL="0" indent="0" algn="just">
+              <a:buNone/>
+            </a:pPr>
+            <a:r>
+              <a:rPr lang="pt-BR" sz="2000" dirty="0">
+                <a:solidFill>
+                  <a:schemeClr val="tx1"/>
+                </a:solidFill>
+                <a:latin typeface="Times New Roman" panose="02020603050405020304" pitchFamily="18" charset="0"/>
+                <a:cs typeface="Times New Roman" panose="02020603050405020304" pitchFamily="18" charset="0"/>
+              </a:rPr>
+              <a:t> </a:t>
+            </a:r>
+          </a:p>
+          <a:p>
+            <a:pPr marL="0" indent="0" algn="just">
+              <a:buNone/>
+            </a:pPr>
+            <a:r>
+              <a:rPr lang="pt-BR" sz="2000" dirty="0">
+                <a:solidFill>
+                  <a:schemeClr val="tx1"/>
+                </a:solidFill>
+                <a:latin typeface="Times New Roman" panose="02020603050405020304" pitchFamily="18" charset="0"/>
+                <a:cs typeface="Times New Roman" panose="02020603050405020304" pitchFamily="18" charset="0"/>
+              </a:rPr>
+              <a:t>  </a:t>
+            </a:r>
+            <a:r>
+              <a:rPr lang="pt-BR" sz="2000" b="1" dirty="0" err="1">
+                <a:solidFill>
+                  <a:schemeClr val="tx1"/>
+                </a:solidFill>
+                <a:latin typeface="Times New Roman" panose="02020603050405020304" pitchFamily="18" charset="0"/>
+                <a:cs typeface="Times New Roman" panose="02020603050405020304" pitchFamily="18" charset="0"/>
+              </a:rPr>
+              <a:t>window.confirm</a:t>
+            </a:r>
+            <a:r>
+              <a:rPr lang="pt-BR" sz="2000" dirty="0">
+                <a:solidFill>
+                  <a:schemeClr val="tx1"/>
+                </a:solidFill>
+                <a:latin typeface="Times New Roman" panose="02020603050405020304" pitchFamily="18" charset="0"/>
+                <a:cs typeface="Times New Roman" panose="02020603050405020304" pitchFamily="18" charset="0"/>
+              </a:rPr>
+              <a:t>( Mensagem ); // input</a:t>
+            </a:r>
+          </a:p>
+          <a:p>
+            <a:pPr marL="0" indent="0" algn="just">
+              <a:buNone/>
+            </a:pPr>
+            <a:endParaRPr lang="pt-BR" sz="2000" dirty="0">
+              <a:solidFill>
+                <a:schemeClr val="tx1"/>
+              </a:solidFill>
+              <a:latin typeface="Times New Roman" panose="02020603050405020304" pitchFamily="18" charset="0"/>
+              <a:cs typeface="Times New Roman" panose="02020603050405020304" pitchFamily="18" charset="0"/>
+            </a:endParaRPr>
+          </a:p>
+          <a:p>
+            <a:pPr marL="0" indent="0" algn="just">
+              <a:buNone/>
+            </a:pPr>
+            <a:endParaRPr lang="pt-BR" sz="2000" dirty="0">
+              <a:solidFill>
+                <a:schemeClr val="tx1"/>
+              </a:solidFill>
+              <a:latin typeface="Times New Roman" panose="02020603050405020304" pitchFamily="18" charset="0"/>
+              <a:cs typeface="Times New Roman" panose="02020603050405020304" pitchFamily="18" charset="0"/>
+            </a:endParaRPr>
+          </a:p>
+        </p:txBody>
+      </p:sp>
+    </p:spTree>
+    <p:extLst>
+      <p:ext uri="{BB962C8B-B14F-4D97-AF65-F5344CB8AC3E}">
+        <p14:creationId xmlns:p14="http://schemas.microsoft.com/office/powerpoint/2010/main" val="2135941853"/>
+      </p:ext>
+    </p:extLst>
+  </p:cSld>
+  <p:clrMapOvr>
+    <a:masterClrMapping/>
+  </p:clrMapOvr>
+  <p:transition spd="med"/>
+</p:sld>
+</file>
+
+<file path=ppt/slides/slide3.xml><?xml version="1.0" encoding="utf-8"?>
+<p:sld xmlns:a="http://schemas.openxmlformats.org/drawingml/2006/main" xmlns:r="http://schemas.openxmlformats.org/officeDocument/2006/relationships" xmlns:p="http://schemas.openxmlformats.org/presentationml/2006/main">
+  <p:cSld>
+    <p:spTree>
+      <p:nvGrpSpPr>
+        <p:cNvPr id="1" name=""/>
+        <p:cNvGrpSpPr/>
+        <p:nvPr/>
+      </p:nvGrpSpPr>
+      <p:grpSpPr>
+        <a:xfrm>
+          <a:off x="0" y="0"/>
+          <a:ext cx="0" cy="0"/>
+          <a:chOff x="0" y="0"/>
+          <a:chExt cx="0" cy="0"/>
+        </a:xfrm>
+      </p:grpSpPr>
+      <p:sp>
+        <p:nvSpPr>
+          <p:cNvPr id="6" name="Title 1"/>
+          <p:cNvSpPr>
+            <a:spLocks noGrp="1"/>
+          </p:cNvSpPr>
+          <p:nvPr>
+            <p:ph type="title"/>
+          </p:nvPr>
+        </p:nvSpPr>
+        <p:spPr>
+          <a:xfrm>
+            <a:off x="457200" y="205980"/>
+            <a:ext cx="8229600" cy="857251"/>
+          </a:xfrm>
+        </p:spPr>
+        <p:txBody>
+          <a:bodyPr>
+            <a:normAutofit/>
+          </a:bodyPr>
+          <a:lstStyle/>
+          <a:p>
+            <a:r>
+              <a:rPr lang="en-US" b="1" dirty="0" err="1">
+                <a:solidFill>
+                  <a:srgbClr val="0070C0"/>
+                </a:solidFill>
+              </a:rPr>
+              <a:t>Revisão</a:t>
+            </a:r>
+            <a:r>
+              <a:rPr lang="en-US" b="1" dirty="0">
+                <a:solidFill>
+                  <a:srgbClr val="0070C0"/>
+                </a:solidFill>
+              </a:rPr>
+              <a:t> HTML/CSS/Bootstrap</a:t>
+            </a:r>
+          </a:p>
+        </p:txBody>
+      </p:sp>
+      <p:sp>
+        <p:nvSpPr>
+          <p:cNvPr id="8" name="Text Placeholder 2"/>
+          <p:cNvSpPr>
+            <a:spLocks noGrp="1"/>
+          </p:cNvSpPr>
+          <p:nvPr>
+            <p:ph type="body" sz="half" idx="1"/>
+          </p:nvPr>
+        </p:nvSpPr>
+        <p:spPr>
+          <a:xfrm>
+            <a:off x="142865" y="1037312"/>
+            <a:ext cx="8865056" cy="3900208"/>
+          </a:xfrm>
+        </p:spPr>
+        <p:txBody>
+          <a:bodyPr>
+            <a:noAutofit/>
+          </a:bodyPr>
+          <a:lstStyle/>
+          <a:p>
+            <a:pPr algn="just">
+              <a:buFont typeface="Wingdings" panose="05000000000000000000" pitchFamily="2" charset="2"/>
+              <a:buChar char="§"/>
+            </a:pPr>
+            <a:r>
+              <a:rPr lang="pt-BR" sz="2400" b="1" dirty="0">
+                <a:solidFill>
+                  <a:srgbClr val="FF0000"/>
+                </a:solidFill>
+                <a:latin typeface="Times New Roman" panose="02020603050405020304" pitchFamily="18" charset="0"/>
+                <a:cs typeface="Times New Roman" panose="02020603050405020304" pitchFamily="18" charset="0"/>
+              </a:rPr>
+              <a:t>Quiz HTML</a:t>
+            </a:r>
+          </a:p>
+          <a:p>
+            <a:pPr marL="447675" lvl="1" indent="0" algn="just">
+              <a:buNone/>
+            </a:pPr>
+            <a:r>
+              <a:rPr lang="es-ES" sz="2400" dirty="0">
+                <a:latin typeface="Times New Roman" panose="02020603050405020304" pitchFamily="18" charset="0"/>
+                <a:cs typeface="Times New Roman" panose="02020603050405020304" pitchFamily="18" charset="0"/>
+                <a:hlinkClick r:id="rId3"/>
+              </a:rPr>
+              <a:t>	https://forms.gle/BgrjhXkrbM1Ymf3o7</a:t>
+            </a:r>
+            <a:endParaRPr lang="es-ES" sz="2400" dirty="0">
+              <a:latin typeface="Times New Roman" panose="02020603050405020304" pitchFamily="18" charset="0"/>
+              <a:cs typeface="Times New Roman" panose="02020603050405020304" pitchFamily="18" charset="0"/>
+            </a:endParaRPr>
+          </a:p>
+          <a:p>
+            <a:pPr algn="just">
+              <a:buFont typeface="Wingdings" panose="05000000000000000000" pitchFamily="2" charset="2"/>
+              <a:buChar char="§"/>
+            </a:pPr>
+            <a:r>
+              <a:rPr lang="pt-BR" sz="2400" b="1" dirty="0" err="1">
+                <a:solidFill>
+                  <a:srgbClr val="FF0000"/>
+                </a:solidFill>
+                <a:latin typeface="Times New Roman" panose="02020603050405020304" pitchFamily="18" charset="0"/>
+                <a:cs typeface="Times New Roman" panose="02020603050405020304" pitchFamily="18" charset="0"/>
+              </a:rPr>
+              <a:t>Deploy</a:t>
+            </a:r>
+            <a:r>
+              <a:rPr lang="pt-BR" sz="2400" b="1" dirty="0">
+                <a:solidFill>
+                  <a:srgbClr val="FF0000"/>
+                </a:solidFill>
+                <a:latin typeface="Times New Roman" panose="02020603050405020304" pitchFamily="18" charset="0"/>
+                <a:cs typeface="Times New Roman" panose="02020603050405020304" pitchFamily="18" charset="0"/>
+              </a:rPr>
+              <a:t> do Site: </a:t>
+            </a:r>
+            <a:r>
+              <a:rPr lang="pt-BR" sz="2400" b="1" dirty="0" err="1">
+                <a:solidFill>
+                  <a:srgbClr val="FF0000"/>
+                </a:solidFill>
+                <a:latin typeface="Times New Roman" panose="02020603050405020304" pitchFamily="18" charset="0"/>
+                <a:cs typeface="Times New Roman" panose="02020603050405020304" pitchFamily="18" charset="0"/>
+              </a:rPr>
+              <a:t>Netlify</a:t>
+            </a:r>
+            <a:r>
+              <a:rPr lang="pt-BR" sz="2400" b="1" dirty="0">
+                <a:solidFill>
+                  <a:srgbClr val="FF0000"/>
+                </a:solidFill>
+                <a:latin typeface="Times New Roman" panose="02020603050405020304" pitchFamily="18" charset="0"/>
+                <a:cs typeface="Times New Roman" panose="02020603050405020304" pitchFamily="18" charset="0"/>
+              </a:rPr>
+              <a:t>/</a:t>
+            </a:r>
+            <a:r>
+              <a:rPr lang="pt-BR" sz="2400" b="1" dirty="0" err="1">
+                <a:solidFill>
+                  <a:srgbClr val="FF0000"/>
+                </a:solidFill>
+                <a:latin typeface="Times New Roman" panose="02020603050405020304" pitchFamily="18" charset="0"/>
+                <a:cs typeface="Times New Roman" panose="02020603050405020304" pitchFamily="18" charset="0"/>
+              </a:rPr>
+              <a:t>Github</a:t>
+            </a:r>
+            <a:endParaRPr lang="pt-BR" sz="2400" b="1" dirty="0">
+              <a:solidFill>
+                <a:srgbClr val="FF0000"/>
+              </a:solidFill>
+              <a:latin typeface="Times New Roman" panose="02020603050405020304" pitchFamily="18" charset="0"/>
+              <a:cs typeface="Times New Roman" panose="02020603050405020304" pitchFamily="18" charset="0"/>
+            </a:endParaRPr>
+          </a:p>
+          <a:p>
+            <a:pPr algn="just">
+              <a:buFont typeface="Wingdings" panose="05000000000000000000" pitchFamily="2" charset="2"/>
+              <a:buChar char="§"/>
+            </a:pPr>
+            <a:r>
+              <a:rPr lang="pt-BR" sz="2400" b="1" dirty="0">
+                <a:solidFill>
+                  <a:srgbClr val="FF0000"/>
+                </a:solidFill>
+                <a:latin typeface="Times New Roman" panose="02020603050405020304" pitchFamily="18" charset="0"/>
+                <a:cs typeface="Times New Roman" panose="02020603050405020304" pitchFamily="18" charset="0"/>
+              </a:rPr>
+              <a:t>Exercícios: CSS/</a:t>
+            </a:r>
+            <a:r>
+              <a:rPr lang="pt-BR" sz="2400" b="1" dirty="0" err="1">
+                <a:solidFill>
+                  <a:srgbClr val="FF0000"/>
+                </a:solidFill>
+                <a:latin typeface="Times New Roman" panose="02020603050405020304" pitchFamily="18" charset="0"/>
+                <a:cs typeface="Times New Roman" panose="02020603050405020304" pitchFamily="18" charset="0"/>
+              </a:rPr>
+              <a:t>Bootstrap</a:t>
+            </a:r>
+            <a:endParaRPr lang="pt-BR" sz="2400" b="1" dirty="0">
+              <a:solidFill>
+                <a:srgbClr val="FF0000"/>
+              </a:solidFill>
+              <a:latin typeface="Times New Roman" panose="02020603050405020304" pitchFamily="18" charset="0"/>
+              <a:cs typeface="Times New Roman" panose="02020603050405020304" pitchFamily="18" charset="0"/>
+            </a:endParaRPr>
+          </a:p>
+          <a:p>
+            <a:pPr marL="0" indent="0" algn="just">
+              <a:buNone/>
+            </a:pPr>
+            <a:endParaRPr lang="pt-BR" sz="2400" dirty="0">
+              <a:solidFill>
+                <a:schemeClr val="tx1"/>
+              </a:solidFill>
+              <a:latin typeface="Times New Roman" panose="02020603050405020304" pitchFamily="18" charset="0"/>
+              <a:cs typeface="Times New Roman" panose="02020603050405020304" pitchFamily="18" charset="0"/>
+            </a:endParaRPr>
+          </a:p>
+          <a:p>
+            <a:pPr marL="0" indent="0" algn="just">
+              <a:buNone/>
+            </a:pPr>
+            <a:r>
+              <a:rPr lang="pt-BR" sz="2400" b="1" dirty="0">
+                <a:solidFill>
+                  <a:schemeClr val="tx1"/>
+                </a:solidFill>
+                <a:latin typeface="Times New Roman" panose="02020603050405020304" pitchFamily="18" charset="0"/>
+                <a:cs typeface="Times New Roman" panose="02020603050405020304" pitchFamily="18" charset="0"/>
+              </a:rPr>
+              <a:t>Nota</a:t>
+            </a:r>
+            <a:r>
+              <a:rPr lang="pt-BR" sz="2400" dirty="0">
+                <a:solidFill>
+                  <a:schemeClr val="tx1"/>
+                </a:solidFill>
+                <a:latin typeface="Times New Roman" panose="02020603050405020304" pitchFamily="18" charset="0"/>
+                <a:cs typeface="Times New Roman" panose="02020603050405020304" pitchFamily="18" charset="0"/>
+              </a:rPr>
+              <a:t>: </a:t>
+            </a:r>
+            <a:r>
+              <a:rPr lang="pt-BR" sz="2400" dirty="0" err="1">
+                <a:solidFill>
+                  <a:schemeClr val="tx1"/>
+                </a:solidFill>
+                <a:latin typeface="Times New Roman" panose="02020603050405020304" pitchFamily="18" charset="0"/>
+                <a:cs typeface="Times New Roman" panose="02020603050405020304" pitchFamily="18" charset="0"/>
+              </a:rPr>
+              <a:t>AngularJS</a:t>
+            </a:r>
+            <a:r>
+              <a:rPr lang="pt-BR" sz="2400" dirty="0">
+                <a:solidFill>
+                  <a:schemeClr val="tx1"/>
+                </a:solidFill>
+                <a:latin typeface="Times New Roman" panose="02020603050405020304" pitchFamily="18" charset="0"/>
+                <a:cs typeface="Times New Roman" panose="02020603050405020304" pitchFamily="18" charset="0"/>
+              </a:rPr>
+              <a:t> (</a:t>
+            </a:r>
+            <a:r>
+              <a:rPr lang="pt-BR" sz="2400" b="1" dirty="0">
+                <a:solidFill>
+                  <a:schemeClr val="tx1"/>
+                </a:solidFill>
+                <a:latin typeface="Times New Roman" panose="02020603050405020304" pitchFamily="18" charset="0"/>
+                <a:cs typeface="Times New Roman" panose="02020603050405020304" pitchFamily="18" charset="0"/>
+              </a:rPr>
+              <a:t>Google</a:t>
+            </a:r>
+            <a:r>
+              <a:rPr lang="pt-BR" sz="2400" dirty="0">
+                <a:solidFill>
+                  <a:schemeClr val="tx1"/>
+                </a:solidFill>
+                <a:latin typeface="Times New Roman" panose="02020603050405020304" pitchFamily="18" charset="0"/>
+                <a:cs typeface="Times New Roman" panose="02020603050405020304" pitchFamily="18" charset="0"/>
+              </a:rPr>
+              <a:t>); React.JS/</a:t>
+            </a:r>
+            <a:r>
+              <a:rPr lang="pt-BR" sz="2400" dirty="0" err="1">
+                <a:solidFill>
+                  <a:schemeClr val="tx1"/>
+                </a:solidFill>
+                <a:latin typeface="Times New Roman" panose="02020603050405020304" pitchFamily="18" charset="0"/>
+                <a:cs typeface="Times New Roman" panose="02020603050405020304" pitchFamily="18" charset="0"/>
+              </a:rPr>
+              <a:t>React</a:t>
+            </a:r>
+            <a:r>
+              <a:rPr lang="pt-BR" sz="2400" dirty="0">
+                <a:solidFill>
+                  <a:schemeClr val="tx1"/>
+                </a:solidFill>
+                <a:latin typeface="Times New Roman" panose="02020603050405020304" pitchFamily="18" charset="0"/>
+                <a:cs typeface="Times New Roman" panose="02020603050405020304" pitchFamily="18" charset="0"/>
+              </a:rPr>
+              <a:t> </a:t>
+            </a:r>
+            <a:r>
+              <a:rPr lang="pt-BR" sz="2400" dirty="0" err="1">
+                <a:solidFill>
+                  <a:schemeClr val="tx1"/>
+                </a:solidFill>
+                <a:latin typeface="Times New Roman" panose="02020603050405020304" pitchFamily="18" charset="0"/>
+                <a:cs typeface="Times New Roman" panose="02020603050405020304" pitchFamily="18" charset="0"/>
+              </a:rPr>
+              <a:t>Native</a:t>
+            </a:r>
+            <a:r>
+              <a:rPr lang="pt-BR" sz="2400" dirty="0">
+                <a:solidFill>
+                  <a:schemeClr val="tx1"/>
+                </a:solidFill>
+                <a:latin typeface="Times New Roman" panose="02020603050405020304" pitchFamily="18" charset="0"/>
+                <a:cs typeface="Times New Roman" panose="02020603050405020304" pitchFamily="18" charset="0"/>
+              </a:rPr>
+              <a:t> (</a:t>
+            </a:r>
+            <a:r>
+              <a:rPr lang="pt-BR" sz="2400" b="1" dirty="0">
+                <a:solidFill>
+                  <a:schemeClr val="tx1"/>
+                </a:solidFill>
+                <a:latin typeface="Times New Roman" panose="02020603050405020304" pitchFamily="18" charset="0"/>
+                <a:cs typeface="Times New Roman" panose="02020603050405020304" pitchFamily="18" charset="0"/>
+              </a:rPr>
+              <a:t>Facebook</a:t>
+            </a:r>
+            <a:r>
+              <a:rPr lang="pt-BR" sz="2400" dirty="0">
+                <a:solidFill>
+                  <a:schemeClr val="tx1"/>
+                </a:solidFill>
+                <a:latin typeface="Times New Roman" panose="02020603050405020304" pitchFamily="18" charset="0"/>
+                <a:cs typeface="Times New Roman" panose="02020603050405020304" pitchFamily="18" charset="0"/>
+              </a:rPr>
+              <a:t>); </a:t>
+            </a:r>
+          </a:p>
+          <a:p>
+            <a:pPr marL="0" indent="0" algn="just">
+              <a:buNone/>
+            </a:pPr>
+            <a:r>
+              <a:rPr lang="pt-BR" sz="2400" dirty="0">
+                <a:solidFill>
+                  <a:schemeClr val="tx1"/>
+                </a:solidFill>
+                <a:latin typeface="Times New Roman" panose="02020603050405020304" pitchFamily="18" charset="0"/>
+                <a:cs typeface="Times New Roman" panose="02020603050405020304" pitchFamily="18" charset="0"/>
+              </a:rPr>
+              <a:t>	    Vue.JS (</a:t>
+            </a:r>
+            <a:r>
+              <a:rPr lang="pt-BR" sz="2400" b="1" dirty="0">
+                <a:solidFill>
+                  <a:schemeClr val="tx1"/>
+                </a:solidFill>
+                <a:latin typeface="Times New Roman" panose="02020603050405020304" pitchFamily="18" charset="0"/>
+                <a:cs typeface="Times New Roman" panose="02020603050405020304" pitchFamily="18" charset="0"/>
+              </a:rPr>
+              <a:t>Evan </a:t>
+            </a:r>
+            <a:r>
+              <a:rPr lang="pt-BR" sz="2400" b="1" dirty="0" err="1">
+                <a:solidFill>
+                  <a:schemeClr val="tx1"/>
+                </a:solidFill>
+                <a:latin typeface="Times New Roman" panose="02020603050405020304" pitchFamily="18" charset="0"/>
+                <a:cs typeface="Times New Roman" panose="02020603050405020304" pitchFamily="18" charset="0"/>
+              </a:rPr>
+              <a:t>You</a:t>
+            </a:r>
+            <a:r>
+              <a:rPr lang="pt-BR" sz="2400" b="1" dirty="0">
+                <a:solidFill>
+                  <a:schemeClr val="tx1"/>
+                </a:solidFill>
+                <a:latin typeface="Times New Roman" panose="02020603050405020304" pitchFamily="18" charset="0"/>
+                <a:cs typeface="Times New Roman" panose="02020603050405020304" pitchFamily="18" charset="0"/>
+              </a:rPr>
+              <a:t> / Comunidade / </a:t>
+            </a:r>
+            <a:r>
+              <a:rPr lang="pt-BR" sz="2400" b="1" dirty="0" err="1">
+                <a:solidFill>
+                  <a:schemeClr val="tx1"/>
+                </a:solidFill>
+                <a:latin typeface="Times New Roman" panose="02020603050405020304" pitchFamily="18" charset="0"/>
+                <a:cs typeface="Times New Roman" panose="02020603050405020304" pitchFamily="18" charset="0"/>
+              </a:rPr>
+              <a:t>Alibaba</a:t>
+            </a:r>
+            <a:r>
+              <a:rPr lang="pt-BR" sz="2400" dirty="0">
+                <a:solidFill>
+                  <a:schemeClr val="tx1"/>
+                </a:solidFill>
+                <a:latin typeface="Times New Roman" panose="02020603050405020304" pitchFamily="18" charset="0"/>
+                <a:cs typeface="Times New Roman" panose="02020603050405020304" pitchFamily="18" charset="0"/>
+              </a:rPr>
+              <a:t>);	</a:t>
+            </a:r>
+            <a:r>
+              <a:rPr lang="pt-BR" sz="2400" dirty="0" err="1">
+                <a:solidFill>
+                  <a:schemeClr val="tx1"/>
+                </a:solidFill>
+                <a:latin typeface="Times New Roman" panose="02020603050405020304" pitchFamily="18" charset="0"/>
+                <a:cs typeface="Times New Roman" panose="02020603050405020304" pitchFamily="18" charset="0"/>
+              </a:rPr>
+              <a:t>Electon</a:t>
+            </a:r>
+            <a:r>
+              <a:rPr lang="pt-BR" sz="2400" dirty="0">
+                <a:solidFill>
+                  <a:schemeClr val="tx1"/>
+                </a:solidFill>
+                <a:latin typeface="Times New Roman" panose="02020603050405020304" pitchFamily="18" charset="0"/>
+                <a:cs typeface="Times New Roman" panose="02020603050405020304" pitchFamily="18" charset="0"/>
+              </a:rPr>
+              <a:t> (</a:t>
+            </a:r>
+            <a:r>
+              <a:rPr lang="pt-BR" sz="2400" b="1" dirty="0" err="1">
+                <a:solidFill>
+                  <a:schemeClr val="tx1"/>
+                </a:solidFill>
+                <a:latin typeface="Times New Roman" panose="02020603050405020304" pitchFamily="18" charset="0"/>
+                <a:cs typeface="Times New Roman" panose="02020603050405020304" pitchFamily="18" charset="0"/>
+              </a:rPr>
+              <a:t>Github</a:t>
+            </a:r>
+            <a:r>
+              <a:rPr lang="pt-BR" sz="2400" dirty="0">
+                <a:solidFill>
+                  <a:schemeClr val="tx1"/>
+                </a:solidFill>
+                <a:latin typeface="Times New Roman" panose="02020603050405020304" pitchFamily="18" charset="0"/>
+                <a:cs typeface="Times New Roman" panose="02020603050405020304" pitchFamily="18" charset="0"/>
+              </a:rPr>
+              <a:t>,   e.g.: </a:t>
+            </a:r>
+            <a:r>
+              <a:rPr lang="pt-BR" sz="2400" dirty="0" err="1">
+                <a:solidFill>
+                  <a:schemeClr val="tx1"/>
+                </a:solidFill>
+                <a:latin typeface="Times New Roman" panose="02020603050405020304" pitchFamily="18" charset="0"/>
+                <a:cs typeface="Times New Roman" panose="02020603050405020304" pitchFamily="18" charset="0"/>
+              </a:rPr>
+              <a:t>VSCode</a:t>
+            </a:r>
+            <a:r>
+              <a:rPr lang="pt-BR" sz="2400" dirty="0">
+                <a:solidFill>
+                  <a:schemeClr val="tx1"/>
+                </a:solidFill>
+                <a:latin typeface="Times New Roman" panose="02020603050405020304" pitchFamily="18" charset="0"/>
+                <a:cs typeface="Times New Roman" panose="02020603050405020304" pitchFamily="18" charset="0"/>
+              </a:rPr>
+              <a:t>, WhatsApp p/Computador, Chat </a:t>
+            </a:r>
+            <a:r>
+              <a:rPr lang="pt-BR" sz="2400" dirty="0" err="1">
+                <a:solidFill>
+                  <a:schemeClr val="tx1"/>
+                </a:solidFill>
+                <a:latin typeface="Times New Roman" panose="02020603050405020304" pitchFamily="18" charset="0"/>
+                <a:cs typeface="Times New Roman" panose="02020603050405020304" pitchFamily="18" charset="0"/>
+              </a:rPr>
+              <a:t>Discord</a:t>
+            </a:r>
+            <a:r>
+              <a:rPr lang="pt-BR" sz="2400" dirty="0">
+                <a:solidFill>
+                  <a:schemeClr val="tx1"/>
+                </a:solidFill>
+                <a:latin typeface="Times New Roman" panose="02020603050405020304" pitchFamily="18" charset="0"/>
+                <a:cs typeface="Times New Roman" panose="02020603050405020304" pitchFamily="18" charset="0"/>
+              </a:rPr>
+              <a:t>);</a:t>
+            </a:r>
+          </a:p>
+          <a:p>
+            <a:pPr marL="0" indent="0" algn="just">
+              <a:buNone/>
+            </a:pPr>
+            <a:r>
+              <a:rPr lang="pt-BR" sz="2400" dirty="0">
+                <a:solidFill>
+                  <a:schemeClr val="tx1"/>
+                </a:solidFill>
+                <a:latin typeface="Times New Roman" panose="02020603050405020304" pitchFamily="18" charset="0"/>
+                <a:cs typeface="Times New Roman" panose="02020603050405020304" pitchFamily="18" charset="0"/>
+              </a:rPr>
+              <a:t>	    </a:t>
+            </a:r>
+            <a:r>
+              <a:rPr lang="pt-BR" sz="2400" dirty="0" err="1">
+                <a:solidFill>
+                  <a:schemeClr val="tx1"/>
+                </a:solidFill>
+                <a:latin typeface="Times New Roman" panose="02020603050405020304" pitchFamily="18" charset="0"/>
+                <a:cs typeface="Times New Roman" panose="02020603050405020304" pitchFamily="18" charset="0"/>
+              </a:rPr>
+              <a:t>Jquery</a:t>
+            </a:r>
+            <a:r>
+              <a:rPr lang="pt-BR" sz="2400" dirty="0">
+                <a:solidFill>
+                  <a:schemeClr val="tx1"/>
+                </a:solidFill>
+                <a:latin typeface="Times New Roman" panose="02020603050405020304" pitchFamily="18" charset="0"/>
+                <a:cs typeface="Times New Roman" panose="02020603050405020304" pitchFamily="18" charset="0"/>
+              </a:rPr>
+              <a:t>  (Bibliotecas/Mozilla); D3.JS; </a:t>
+            </a:r>
+            <a:r>
+              <a:rPr lang="pt-BR" sz="2400" dirty="0" err="1">
+                <a:solidFill>
+                  <a:schemeClr val="tx1"/>
+                </a:solidFill>
+                <a:latin typeface="Times New Roman" panose="02020603050405020304" pitchFamily="18" charset="0"/>
+                <a:cs typeface="Times New Roman" panose="02020603050405020304" pitchFamily="18" charset="0"/>
+              </a:rPr>
+              <a:t>Bootstrap</a:t>
+            </a:r>
+            <a:endParaRPr lang="pt-BR" sz="2400" dirty="0">
+              <a:solidFill>
+                <a:schemeClr val="tx1"/>
+              </a:solidFill>
+              <a:latin typeface="Times New Roman" panose="02020603050405020304" pitchFamily="18" charset="0"/>
+              <a:cs typeface="Times New Roman" panose="02020603050405020304" pitchFamily="18" charset="0"/>
+            </a:endParaRPr>
+          </a:p>
+          <a:p>
+            <a:pPr marL="0" indent="0" algn="just">
+              <a:buNone/>
+            </a:pPr>
+            <a:endParaRPr lang="pt-BR" sz="2400" dirty="0">
+              <a:solidFill>
+                <a:schemeClr val="tx1"/>
+              </a:solidFill>
+              <a:latin typeface="Times New Roman" panose="02020603050405020304" pitchFamily="18" charset="0"/>
+              <a:cs typeface="Times New Roman" panose="02020603050405020304" pitchFamily="18" charset="0"/>
+            </a:endParaRPr>
+          </a:p>
+        </p:txBody>
+      </p:sp>
+    </p:spTree>
+    <p:extLst>
+      <p:ext uri="{BB962C8B-B14F-4D97-AF65-F5344CB8AC3E}">
+        <p14:creationId xmlns:p14="http://schemas.microsoft.com/office/powerpoint/2010/main" val="1928729007"/>
+      </p:ext>
+    </p:extLst>
+  </p:cSld>
+  <p:clrMapOvr>
+    <a:masterClrMapping/>
+  </p:clrMapOvr>
+  <p:transition spd="med"/>
+</p:sld>
+</file>
+
+<file path=ppt/slides/slide30.xml><?xml version="1.0" encoding="utf-8"?>
+<p:sld xmlns:a="http://schemas.openxmlformats.org/drawingml/2006/main" xmlns:r="http://schemas.openxmlformats.org/officeDocument/2006/relationships" xmlns:p="http://schemas.openxmlformats.org/presentationml/2006/main">
+  <p:cSld>
+    <p:spTree>
+      <p:nvGrpSpPr>
+        <p:cNvPr id="1" name=""/>
+        <p:cNvGrpSpPr/>
+        <p:nvPr/>
+      </p:nvGrpSpPr>
+      <p:grpSpPr>
+        <a:xfrm>
+          <a:off x="0" y="0"/>
+          <a:ext cx="0" cy="0"/>
+          <a:chOff x="0" y="0"/>
+          <a:chExt cx="0" cy="0"/>
+        </a:xfrm>
+      </p:grpSpPr>
+      <p:sp>
+        <p:nvSpPr>
+          <p:cNvPr id="6" name="Title 1"/>
+          <p:cNvSpPr>
+            <a:spLocks noGrp="1"/>
+          </p:cNvSpPr>
+          <p:nvPr>
+            <p:ph type="title"/>
+          </p:nvPr>
+        </p:nvSpPr>
+        <p:spPr>
+          <a:xfrm>
+            <a:off x="457200" y="205980"/>
+            <a:ext cx="8229600" cy="857251"/>
+          </a:xfrm>
+        </p:spPr>
+        <p:txBody>
+          <a:bodyPr>
+            <a:normAutofit/>
+          </a:bodyPr>
+          <a:lstStyle/>
+          <a:p>
+            <a:r>
+              <a:rPr lang="en-US" b="1" dirty="0" err="1">
+                <a:solidFill>
+                  <a:srgbClr val="0070C0"/>
+                </a:solidFill>
+              </a:rPr>
+              <a:t>Leitura</a:t>
+            </a:r>
+            <a:r>
+              <a:rPr lang="en-US" b="1" dirty="0">
+                <a:solidFill>
+                  <a:srgbClr val="0070C0"/>
+                </a:solidFill>
+              </a:rPr>
+              <a:t> </a:t>
+            </a:r>
+            <a:r>
+              <a:rPr lang="en-US" b="1" dirty="0" err="1">
+                <a:solidFill>
+                  <a:srgbClr val="0070C0"/>
+                </a:solidFill>
+              </a:rPr>
+              <a:t>Específica</a:t>
+            </a:r>
+            <a:endParaRPr lang="en-US" b="1" dirty="0">
+              <a:solidFill>
+                <a:srgbClr val="0070C0"/>
+              </a:solidFill>
+            </a:endParaRPr>
+          </a:p>
+        </p:txBody>
+      </p:sp>
+      <p:sp>
+        <p:nvSpPr>
+          <p:cNvPr id="8" name="Text Placeholder 2"/>
+          <p:cNvSpPr>
+            <a:spLocks noGrp="1"/>
+          </p:cNvSpPr>
+          <p:nvPr>
+            <p:ph type="body" sz="half" idx="1"/>
+          </p:nvPr>
+        </p:nvSpPr>
+        <p:spPr>
+          <a:xfrm>
+            <a:off x="142865" y="1012261"/>
+            <a:ext cx="8865056" cy="3835312"/>
+          </a:xfrm>
+        </p:spPr>
+        <p:txBody>
+          <a:bodyPr>
+            <a:noAutofit/>
+          </a:bodyPr>
+          <a:lstStyle/>
+          <a:p>
+            <a:pPr marL="0" indent="0" algn="just">
+              <a:buNone/>
+            </a:pPr>
+            <a:r>
+              <a:rPr lang="pt-BR" sz="2000" dirty="0">
+                <a:latin typeface="Times New Roman" panose="02020603050405020304" pitchFamily="18" charset="0"/>
+                <a:cs typeface="Times New Roman" panose="02020603050405020304" pitchFamily="18" charset="0"/>
+              </a:rPr>
+              <a:t>[1] </a:t>
+            </a:r>
+            <a:r>
+              <a:rPr lang="pt-BR" sz="2000" b="1" dirty="0">
+                <a:latin typeface="Times New Roman" panose="02020603050405020304" pitchFamily="18" charset="0"/>
+                <a:cs typeface="Times New Roman" panose="02020603050405020304" pitchFamily="18" charset="0"/>
+              </a:rPr>
+              <a:t>Site Devmedia</a:t>
+            </a:r>
+            <a:r>
+              <a:rPr lang="pt-BR" sz="2000" dirty="0">
+                <a:latin typeface="Times New Roman" panose="02020603050405020304" pitchFamily="18" charset="0"/>
+                <a:cs typeface="Times New Roman" panose="02020603050405020304" pitchFamily="18" charset="0"/>
+              </a:rPr>
+              <a:t>. 	</a:t>
+            </a:r>
+          </a:p>
+          <a:p>
+            <a:pPr marL="0" indent="0" algn="just">
+              <a:buNone/>
+            </a:pPr>
+            <a:r>
+              <a:rPr lang="pt-BR" sz="2000" b="1" dirty="0">
+                <a:latin typeface="Times New Roman" panose="02020603050405020304" pitchFamily="18" charset="0"/>
+                <a:cs typeface="Times New Roman" panose="02020603050405020304" pitchFamily="18" charset="0"/>
+              </a:rPr>
+              <a:t>	Disponível em</a:t>
+            </a:r>
+            <a:r>
+              <a:rPr lang="pt-BR" sz="2000" dirty="0">
+                <a:latin typeface="Times New Roman" panose="02020603050405020304" pitchFamily="18" charset="0"/>
+                <a:cs typeface="Times New Roman" panose="02020603050405020304" pitchFamily="18" charset="0"/>
+              </a:rPr>
+              <a:t>: </a:t>
+            </a:r>
+            <a:r>
+              <a:rPr lang="pt-BR" sz="2000" dirty="0">
+                <a:latin typeface="Times New Roman" panose="02020603050405020304" pitchFamily="18" charset="0"/>
+                <a:cs typeface="Times New Roman" panose="02020603050405020304" pitchFamily="18" charset="0"/>
+                <a:hlinkClick r:id="rId3"/>
+              </a:rPr>
+              <a:t>https://www.devmedia.com.br/javascript/</a:t>
+            </a:r>
+            <a:endParaRPr lang="pt-BR" sz="2000" dirty="0">
+              <a:latin typeface="Times New Roman" panose="02020603050405020304" pitchFamily="18" charset="0"/>
+              <a:cs typeface="Times New Roman" panose="02020603050405020304" pitchFamily="18" charset="0"/>
+            </a:endParaRPr>
+          </a:p>
+          <a:p>
+            <a:pPr marL="0" indent="0" algn="just">
+              <a:buNone/>
+            </a:pPr>
+            <a:endParaRPr lang="pt-BR" sz="2000" dirty="0">
+              <a:latin typeface="Times New Roman" panose="02020603050405020304" pitchFamily="18" charset="0"/>
+              <a:cs typeface="Times New Roman" panose="02020603050405020304" pitchFamily="18" charset="0"/>
+            </a:endParaRPr>
+          </a:p>
+          <a:p>
+            <a:pPr marL="0" indent="0" algn="just">
+              <a:buNone/>
+            </a:pPr>
+            <a:r>
+              <a:rPr lang="pt-BR" sz="2000" dirty="0">
+                <a:latin typeface="Times New Roman" panose="02020603050405020304" pitchFamily="18" charset="0"/>
+                <a:cs typeface="Times New Roman" panose="02020603050405020304" pitchFamily="18" charset="0"/>
+              </a:rPr>
+              <a:t>[2] </a:t>
+            </a:r>
+            <a:r>
+              <a:rPr lang="pt-BR" sz="2000" b="1" dirty="0">
+                <a:latin typeface="Times New Roman" panose="02020603050405020304" pitchFamily="18" charset="0"/>
+                <a:cs typeface="Times New Roman" panose="02020603050405020304" pitchFamily="18" charset="0"/>
+              </a:rPr>
+              <a:t>COSTA, </a:t>
+            </a:r>
+            <a:r>
+              <a:rPr lang="pt-BR" sz="2000" dirty="0">
+                <a:latin typeface="Times New Roman" panose="02020603050405020304" pitchFamily="18" charset="0"/>
+                <a:cs typeface="Times New Roman" panose="02020603050405020304" pitchFamily="18" charset="0"/>
+              </a:rPr>
+              <a:t>Jean Carlos Borba Guimarães da. A Linguagem </a:t>
+            </a:r>
+            <a:r>
+              <a:rPr lang="pt-BR" sz="2000" dirty="0" err="1">
+                <a:latin typeface="Times New Roman" panose="02020603050405020304" pitchFamily="18" charset="0"/>
+                <a:cs typeface="Times New Roman" panose="02020603050405020304" pitchFamily="18" charset="0"/>
+              </a:rPr>
+              <a:t>JavaScript</a:t>
+            </a:r>
+            <a:r>
+              <a:rPr lang="pt-BR" sz="2000" dirty="0">
+                <a:latin typeface="Times New Roman" panose="02020603050405020304" pitchFamily="18" charset="0"/>
+                <a:cs typeface="Times New Roman" panose="02020603050405020304" pitchFamily="18" charset="0"/>
+              </a:rPr>
+              <a:t> e seu Ecossistema. 2019. 	</a:t>
+            </a:r>
+          </a:p>
+          <a:p>
+            <a:pPr marL="0" indent="0" algn="just">
+              <a:buNone/>
+            </a:pPr>
+            <a:r>
+              <a:rPr lang="pt-BR" sz="2000" b="1" dirty="0">
+                <a:latin typeface="Times New Roman" panose="02020603050405020304" pitchFamily="18" charset="0"/>
+                <a:cs typeface="Times New Roman" panose="02020603050405020304" pitchFamily="18" charset="0"/>
+              </a:rPr>
+              <a:t>	Disponível em</a:t>
+            </a:r>
+            <a:r>
+              <a:rPr lang="pt-BR" sz="2000" dirty="0">
+                <a:latin typeface="Times New Roman" panose="02020603050405020304" pitchFamily="18" charset="0"/>
+                <a:cs typeface="Times New Roman" panose="02020603050405020304" pitchFamily="18" charset="0"/>
+              </a:rPr>
+              <a:t>: </a:t>
+            </a:r>
+          </a:p>
+          <a:p>
+            <a:pPr marL="0" indent="0" algn="just">
+              <a:buNone/>
+            </a:pPr>
+            <a:r>
+              <a:rPr lang="pt-BR" sz="2000" dirty="0">
+                <a:latin typeface="Times New Roman" panose="02020603050405020304" pitchFamily="18" charset="0"/>
+                <a:cs typeface="Times New Roman" panose="02020603050405020304" pitchFamily="18" charset="0"/>
+                <a:hlinkClick r:id="rId4"/>
+              </a:rPr>
+              <a:t>https://repositorio.uniube.br/bitstream/123456789/1546/1/A%20Linguagem%20JavaScript%20e%20seu%20Ecossistema%20.PDF</a:t>
+            </a:r>
+            <a:endParaRPr lang="pt-BR" sz="2000" dirty="0">
+              <a:latin typeface="Times New Roman" panose="02020603050405020304" pitchFamily="18" charset="0"/>
+              <a:cs typeface="Times New Roman" panose="02020603050405020304" pitchFamily="18" charset="0"/>
+            </a:endParaRPr>
+          </a:p>
+          <a:p>
+            <a:pPr marL="0" indent="0" algn="just">
+              <a:buNone/>
+            </a:pPr>
+            <a:endParaRPr lang="pt-BR" sz="2000" dirty="0">
+              <a:latin typeface="Times New Roman" panose="02020603050405020304" pitchFamily="18" charset="0"/>
+              <a:cs typeface="Times New Roman" panose="02020603050405020304" pitchFamily="18" charset="0"/>
+            </a:endParaRPr>
+          </a:p>
+        </p:txBody>
+      </p:sp>
+    </p:spTree>
+    <p:extLst>
+      <p:ext uri="{BB962C8B-B14F-4D97-AF65-F5344CB8AC3E}">
+        <p14:creationId xmlns:p14="http://schemas.microsoft.com/office/powerpoint/2010/main" val="3680270425"/>
+      </p:ext>
+    </p:extLst>
+  </p:cSld>
+  <p:clrMapOvr>
+    <a:masterClrMapping/>
+  </p:clrMapOvr>
+  <p:transition spd="med"/>
+</p:sld>
+</file>
+
+<file path=ppt/slides/slide31.xml><?xml version="1.0" encoding="utf-8"?>
+<p:sld xmlns:a="http://schemas.openxmlformats.org/drawingml/2006/main" xmlns:r="http://schemas.openxmlformats.org/officeDocument/2006/relationships" xmlns:p="http://schemas.openxmlformats.org/presentationml/2006/main">
+  <p:cSld>
+    <p:spTree>
+      <p:nvGrpSpPr>
+        <p:cNvPr id="1" name=""/>
+        <p:cNvGrpSpPr/>
+        <p:nvPr/>
+      </p:nvGrpSpPr>
+      <p:grpSpPr>
+        <a:xfrm>
+          <a:off x="0" y="0"/>
+          <a:ext cx="0" cy="0"/>
+          <a:chOff x="0" y="0"/>
+          <a:chExt cx="0" cy="0"/>
+        </a:xfrm>
+      </p:grpSpPr>
+      <p:sp>
+        <p:nvSpPr>
+          <p:cNvPr id="6" name="Title 1"/>
+          <p:cNvSpPr>
+            <a:spLocks noGrp="1"/>
+          </p:cNvSpPr>
+          <p:nvPr>
+            <p:ph type="title"/>
+          </p:nvPr>
+        </p:nvSpPr>
+        <p:spPr>
+          <a:xfrm>
+            <a:off x="457200" y="205980"/>
+            <a:ext cx="8229600" cy="857251"/>
+          </a:xfrm>
+        </p:spPr>
+        <p:txBody>
+          <a:bodyPr>
+            <a:normAutofit/>
+          </a:bodyPr>
+          <a:lstStyle/>
+          <a:p>
+            <a:r>
+              <a:rPr lang="en-US" b="1" dirty="0" err="1">
+                <a:solidFill>
+                  <a:srgbClr val="0070C0"/>
+                </a:solidFill>
+              </a:rPr>
+              <a:t>Aprenda</a:t>
+            </a:r>
+            <a:r>
+              <a:rPr lang="en-US" b="1" dirty="0">
+                <a:solidFill>
+                  <a:srgbClr val="0070C0"/>
+                </a:solidFill>
+              </a:rPr>
+              <a:t>+</a:t>
+            </a:r>
           </a:p>
         </p:txBody>
       </p:sp>
@@ -9668,6 +13840,447 @@
                 <a:latin typeface="Times New Roman" panose="02020603050405020304" pitchFamily="18" charset="0"/>
                 <a:cs typeface="Times New Roman" panose="02020603050405020304" pitchFamily="18" charset="0"/>
               </a:rPr>
+              <a:t>[1] </a:t>
+            </a:r>
+            <a:r>
+              <a:rPr lang="pt-BR" sz="2400" dirty="0">
+                <a:latin typeface="Times New Roman" panose="02020603050405020304" pitchFamily="18" charset="0"/>
+                <a:cs typeface="Times New Roman" panose="02020603050405020304" pitchFamily="18" charset="0"/>
+                <a:hlinkClick r:id="rId3"/>
+              </a:rPr>
+              <a:t>https://www.youtube.com/watch?v=W6NZfCO5SIk</a:t>
+            </a:r>
+            <a:r>
+              <a:rPr lang="pt-BR" sz="2400" dirty="0">
+                <a:latin typeface="Times New Roman" panose="02020603050405020304" pitchFamily="18" charset="0"/>
+                <a:cs typeface="Times New Roman" panose="02020603050405020304" pitchFamily="18" charset="0"/>
+              </a:rPr>
+              <a:t> (JS)</a:t>
+            </a:r>
+          </a:p>
+          <a:p>
+            <a:pPr marL="0" indent="0" algn="just">
+              <a:buNone/>
+            </a:pPr>
+            <a:endParaRPr lang="pt-BR" sz="2400" dirty="0">
+              <a:latin typeface="Times New Roman" panose="02020603050405020304" pitchFamily="18" charset="0"/>
+              <a:cs typeface="Times New Roman" panose="02020603050405020304" pitchFamily="18" charset="0"/>
+            </a:endParaRPr>
+          </a:p>
+          <a:p>
+            <a:pPr marL="0" indent="0" algn="just">
+              <a:buNone/>
+            </a:pPr>
+            <a:endParaRPr lang="pt-BR" sz="2400" dirty="0">
+              <a:latin typeface="Times New Roman" panose="02020603050405020304" pitchFamily="18" charset="0"/>
+              <a:cs typeface="Times New Roman" panose="02020603050405020304" pitchFamily="18" charset="0"/>
+            </a:endParaRPr>
+          </a:p>
+          <a:p>
+            <a:pPr marL="0" indent="0" algn="just">
+              <a:buNone/>
+            </a:pPr>
+            <a:r>
+              <a:rPr lang="pt-BR" sz="2400" dirty="0">
+                <a:latin typeface="Times New Roman" panose="02020603050405020304" pitchFamily="18" charset="0"/>
+                <a:cs typeface="Times New Roman" panose="02020603050405020304" pitchFamily="18" charset="0"/>
+              </a:rPr>
+              <a:t>[2] </a:t>
+            </a:r>
+            <a:r>
+              <a:rPr lang="pt-BR" sz="2400" dirty="0">
+                <a:latin typeface="Times New Roman" panose="02020603050405020304" pitchFamily="18" charset="0"/>
+                <a:cs typeface="Times New Roman" panose="02020603050405020304" pitchFamily="18" charset="0"/>
+                <a:hlinkClick r:id="rId4"/>
+              </a:rPr>
+              <a:t>https://www.youtube.com/watch?v=gYZhIVCPlFY</a:t>
+            </a:r>
+            <a:r>
+              <a:rPr lang="pt-BR" sz="2400" dirty="0">
+                <a:latin typeface="Times New Roman" panose="02020603050405020304" pitchFamily="18" charset="0"/>
+                <a:cs typeface="Times New Roman" panose="02020603050405020304" pitchFamily="18" charset="0"/>
+              </a:rPr>
+              <a:t> (JS)</a:t>
+            </a:r>
+          </a:p>
+          <a:p>
+            <a:pPr marL="0" indent="0" algn="just">
+              <a:buNone/>
+            </a:pPr>
+            <a:endParaRPr lang="pt-BR" sz="2400" dirty="0">
+              <a:latin typeface="Times New Roman" panose="02020603050405020304" pitchFamily="18" charset="0"/>
+              <a:cs typeface="Times New Roman" panose="02020603050405020304" pitchFamily="18" charset="0"/>
+            </a:endParaRPr>
+          </a:p>
+          <a:p>
+            <a:pPr marL="0" indent="0" algn="just">
+              <a:buNone/>
+            </a:pPr>
+            <a:endParaRPr lang="pt-BR" sz="2400" dirty="0">
+              <a:latin typeface="Times New Roman" panose="02020603050405020304" pitchFamily="18" charset="0"/>
+              <a:cs typeface="Times New Roman" panose="02020603050405020304" pitchFamily="18" charset="0"/>
+            </a:endParaRPr>
+          </a:p>
+        </p:txBody>
+      </p:sp>
+    </p:spTree>
+    <p:extLst>
+      <p:ext uri="{BB962C8B-B14F-4D97-AF65-F5344CB8AC3E}">
+        <p14:creationId xmlns:p14="http://schemas.microsoft.com/office/powerpoint/2010/main" val="2747596967"/>
+      </p:ext>
+    </p:extLst>
+  </p:cSld>
+  <p:clrMapOvr>
+    <a:masterClrMapping/>
+  </p:clrMapOvr>
+  <p:transition spd="med"/>
+</p:sld>
+</file>
+
+<file path=ppt/slides/slide32.xml><?xml version="1.0" encoding="utf-8"?>
+<p:sld xmlns:a="http://schemas.openxmlformats.org/drawingml/2006/main" xmlns:r="http://schemas.openxmlformats.org/officeDocument/2006/relationships" xmlns:p="http://schemas.openxmlformats.org/presentationml/2006/main">
+  <p:cSld>
+    <p:spTree>
+      <p:nvGrpSpPr>
+        <p:cNvPr id="1" name=""/>
+        <p:cNvGrpSpPr/>
+        <p:nvPr/>
+      </p:nvGrpSpPr>
+      <p:grpSpPr>
+        <a:xfrm>
+          <a:off x="0" y="0"/>
+          <a:ext cx="0" cy="0"/>
+          <a:chOff x="0" y="0"/>
+          <a:chExt cx="0" cy="0"/>
+        </a:xfrm>
+      </p:grpSpPr>
+      <p:sp>
+        <p:nvSpPr>
+          <p:cNvPr id="6" name="Title 1"/>
+          <p:cNvSpPr>
+            <a:spLocks noGrp="1"/>
+          </p:cNvSpPr>
+          <p:nvPr>
+            <p:ph type="title"/>
+          </p:nvPr>
+        </p:nvSpPr>
+        <p:spPr>
+          <a:xfrm>
+            <a:off x="457200" y="205980"/>
+            <a:ext cx="8229600" cy="857251"/>
+          </a:xfrm>
+        </p:spPr>
+        <p:txBody>
+          <a:bodyPr>
+            <a:normAutofit/>
+          </a:bodyPr>
+          <a:lstStyle/>
+          <a:p>
+            <a:r>
+              <a:rPr lang="en-US" b="1" dirty="0" err="1">
+                <a:solidFill>
+                  <a:srgbClr val="0070C0"/>
+                </a:solidFill>
+              </a:rPr>
+              <a:t>Dinâmica</a:t>
+            </a:r>
+            <a:r>
+              <a:rPr lang="en-US" b="1" dirty="0">
+                <a:solidFill>
+                  <a:srgbClr val="0070C0"/>
+                </a:solidFill>
+              </a:rPr>
+              <a:t>/</a:t>
+            </a:r>
+            <a:r>
+              <a:rPr lang="en-US" b="1" dirty="0" err="1">
+                <a:solidFill>
+                  <a:srgbClr val="0070C0"/>
+                </a:solidFill>
+              </a:rPr>
+              <a:t>Atividades</a:t>
+            </a:r>
+            <a:endParaRPr lang="en-US" b="1" dirty="0">
+              <a:solidFill>
+                <a:srgbClr val="0070C0"/>
+              </a:solidFill>
+            </a:endParaRPr>
+          </a:p>
+        </p:txBody>
+      </p:sp>
+      <p:sp>
+        <p:nvSpPr>
+          <p:cNvPr id="8" name="Text Placeholder 2"/>
+          <p:cNvSpPr>
+            <a:spLocks noGrp="1"/>
+          </p:cNvSpPr>
+          <p:nvPr>
+            <p:ph type="body" sz="half" idx="1"/>
+          </p:nvPr>
+        </p:nvSpPr>
+        <p:spPr>
+          <a:xfrm>
+            <a:off x="139472" y="1063230"/>
+            <a:ext cx="8865056" cy="3606305"/>
+          </a:xfrm>
+        </p:spPr>
+        <p:txBody>
+          <a:bodyPr>
+            <a:noAutofit/>
+          </a:bodyPr>
+          <a:lstStyle/>
+          <a:p>
+            <a:pPr algn="just">
+              <a:buFontTx/>
+              <a:buChar char="-"/>
+            </a:pPr>
+            <a:r>
+              <a:rPr lang="pt-BR" dirty="0">
+                <a:latin typeface="Times New Roman" panose="02020603050405020304" pitchFamily="18" charset="0"/>
+                <a:cs typeface="Times New Roman" panose="02020603050405020304" pitchFamily="18" charset="0"/>
+              </a:rPr>
+              <a:t>Exercícios de Fixação </a:t>
+            </a:r>
+            <a:r>
+              <a:rPr lang="pt-BR" b="1" dirty="0">
+                <a:latin typeface="Times New Roman" panose="02020603050405020304" pitchFamily="18" charset="0"/>
+                <a:cs typeface="Times New Roman" panose="02020603050405020304" pitchFamily="18" charset="0"/>
+              </a:rPr>
+              <a:t>JS</a:t>
+            </a:r>
+          </a:p>
+          <a:p>
+            <a:pPr marL="0" indent="0" algn="just">
+              <a:buNone/>
+            </a:pPr>
+            <a:r>
+              <a:rPr lang="pt-BR" dirty="0">
+                <a:latin typeface="Times New Roman" panose="02020603050405020304" pitchFamily="18" charset="0"/>
+                <a:cs typeface="Times New Roman" panose="02020603050405020304" pitchFamily="18" charset="0"/>
+              </a:rPr>
+              <a:t>	</a:t>
+            </a:r>
+            <a:r>
+              <a:rPr lang="pt-BR" b="1" dirty="0">
+                <a:solidFill>
+                  <a:srgbClr val="FF0000"/>
+                </a:solidFill>
+                <a:latin typeface="Times New Roman" panose="02020603050405020304" pitchFamily="18" charset="0"/>
+                <a:cs typeface="Times New Roman" panose="02020603050405020304" pitchFamily="18" charset="0"/>
+              </a:rPr>
+              <a:t>Desafios em Sala de Aula</a:t>
+            </a:r>
+            <a:r>
+              <a:rPr lang="pt-BR" dirty="0">
+                <a:latin typeface="Times New Roman" panose="02020603050405020304" pitchFamily="18" charset="0"/>
+                <a:cs typeface="Times New Roman" panose="02020603050405020304" pitchFamily="18" charset="0"/>
+              </a:rPr>
+              <a:t>.</a:t>
+            </a:r>
+          </a:p>
+          <a:p>
+            <a:pPr marL="0" indent="0" algn="just">
+              <a:buNone/>
+            </a:pPr>
+            <a:r>
+              <a:rPr lang="pt-BR" dirty="0">
+                <a:latin typeface="Times New Roman" panose="02020603050405020304" pitchFamily="18" charset="0"/>
+                <a:cs typeface="Times New Roman" panose="02020603050405020304" pitchFamily="18" charset="0"/>
+              </a:rPr>
+              <a:t>	</a:t>
+            </a:r>
+            <a:r>
+              <a:rPr lang="pt-BR" b="1" dirty="0">
+                <a:latin typeface="Times New Roman" panose="02020603050405020304" pitchFamily="18" charset="0"/>
+                <a:cs typeface="Times New Roman" panose="02020603050405020304" pitchFamily="18" charset="0"/>
+              </a:rPr>
+              <a:t>Imprimir a mensagem</a:t>
+            </a:r>
+            <a:r>
+              <a:rPr lang="pt-BR" dirty="0">
+                <a:latin typeface="Times New Roman" panose="02020603050405020304" pitchFamily="18" charset="0"/>
+                <a:cs typeface="Times New Roman" panose="02020603050405020304" pitchFamily="18" charset="0"/>
+              </a:rPr>
+              <a:t>: Curso de Java Script;</a:t>
+            </a:r>
+          </a:p>
+          <a:p>
+            <a:pPr marL="0" indent="0" algn="just">
+              <a:buNone/>
+            </a:pPr>
+            <a:r>
+              <a:rPr lang="pt-BR" dirty="0">
+                <a:latin typeface="Times New Roman" panose="02020603050405020304" pitchFamily="18" charset="0"/>
+                <a:cs typeface="Times New Roman" panose="02020603050405020304" pitchFamily="18" charset="0"/>
+              </a:rPr>
+              <a:t>                                             Alterar cor do body </a:t>
+            </a:r>
+            <a:r>
+              <a:rPr lang="pt-BR">
+                <a:latin typeface="Times New Roman" panose="02020603050405020304" pitchFamily="18" charset="0"/>
+                <a:cs typeface="Times New Roman" panose="02020603050405020304" pitchFamily="18" charset="0"/>
+              </a:rPr>
+              <a:t>para verde.</a:t>
+            </a:r>
+            <a:endParaRPr lang="pt-BR" dirty="0">
+              <a:latin typeface="Times New Roman" panose="02020603050405020304" pitchFamily="18" charset="0"/>
+              <a:cs typeface="Times New Roman" panose="02020603050405020304" pitchFamily="18" charset="0"/>
+            </a:endParaRPr>
+          </a:p>
+          <a:p>
+            <a:pPr marL="0" indent="0" algn="just">
+              <a:buNone/>
+            </a:pPr>
+            <a:r>
+              <a:rPr lang="es-ES" dirty="0">
+                <a:latin typeface="Times New Roman" panose="02020603050405020304" pitchFamily="18" charset="0"/>
+                <a:cs typeface="Times New Roman" panose="02020603050405020304" pitchFamily="18" charset="0"/>
+              </a:rPr>
+              <a:t>- Quiz JS</a:t>
+            </a:r>
+          </a:p>
+          <a:p>
+            <a:pPr marL="0" indent="0" algn="just">
+              <a:buNone/>
+            </a:pPr>
+            <a:r>
+              <a:rPr lang="es-ES" dirty="0">
+                <a:latin typeface="Times New Roman" panose="02020603050405020304" pitchFamily="18" charset="0"/>
+                <a:cs typeface="Times New Roman" panose="02020603050405020304" pitchFamily="18" charset="0"/>
+                <a:hlinkClick r:id="rId3"/>
+              </a:rPr>
+              <a:t>https://www.w3schools.com/js/js_quiz.asp</a:t>
+            </a:r>
+            <a:endParaRPr lang="pt-BR" dirty="0">
+              <a:latin typeface="Calibri" panose="020F0502020204030204" pitchFamily="34" charset="0"/>
+            </a:endParaRPr>
+          </a:p>
+        </p:txBody>
+      </p:sp>
+    </p:spTree>
+    <p:extLst>
+      <p:ext uri="{BB962C8B-B14F-4D97-AF65-F5344CB8AC3E}">
+        <p14:creationId xmlns:p14="http://schemas.microsoft.com/office/powerpoint/2010/main" val="2470652989"/>
+      </p:ext>
+    </p:extLst>
+  </p:cSld>
+  <p:clrMapOvr>
+    <a:masterClrMapping/>
+  </p:clrMapOvr>
+  <p:transition spd="med"/>
+</p:sld>
+</file>
+
+<file path=ppt/slides/slide33.xml><?xml version="1.0" encoding="utf-8"?>
+<p:sld xmlns:a="http://schemas.openxmlformats.org/drawingml/2006/main" xmlns:r="http://schemas.openxmlformats.org/officeDocument/2006/relationships" xmlns:p="http://schemas.openxmlformats.org/presentationml/2006/main">
+  <p:cSld>
+    <p:spTree>
+      <p:nvGrpSpPr>
+        <p:cNvPr id="1" name=""/>
+        <p:cNvGrpSpPr/>
+        <p:nvPr/>
+      </p:nvGrpSpPr>
+      <p:grpSpPr>
+        <a:xfrm>
+          <a:off x="0" y="0"/>
+          <a:ext cx="0" cy="0"/>
+          <a:chOff x="0" y="0"/>
+          <a:chExt cx="0" cy="0"/>
+        </a:xfrm>
+      </p:grpSpPr>
+      <p:sp>
+        <p:nvSpPr>
+          <p:cNvPr id="6" name="Title 1"/>
+          <p:cNvSpPr>
+            <a:spLocks noGrp="1"/>
+          </p:cNvSpPr>
+          <p:nvPr>
+            <p:ph type="title"/>
+          </p:nvPr>
+        </p:nvSpPr>
+        <p:spPr>
+          <a:xfrm>
+            <a:off x="457200" y="205980"/>
+            <a:ext cx="8229600" cy="857251"/>
+          </a:xfrm>
+        </p:spPr>
+        <p:txBody>
+          <a:bodyPr>
+            <a:normAutofit/>
+          </a:bodyPr>
+          <a:lstStyle/>
+          <a:p>
+            <a:r>
+              <a:rPr lang="en-US" b="1" dirty="0" err="1">
+                <a:solidFill>
+                  <a:srgbClr val="0070C0"/>
+                </a:solidFill>
+              </a:rPr>
+              <a:t>Referências</a:t>
+            </a:r>
+            <a:r>
+              <a:rPr lang="en-US" b="1" dirty="0">
+                <a:solidFill>
+                  <a:srgbClr val="0070C0"/>
+                </a:solidFill>
+              </a:rPr>
+              <a:t> </a:t>
+            </a:r>
+            <a:r>
+              <a:rPr lang="en-US" b="1" dirty="0" err="1">
+                <a:solidFill>
+                  <a:srgbClr val="0070C0"/>
+                </a:solidFill>
+              </a:rPr>
+              <a:t>Bibliográficas</a:t>
+            </a:r>
+            <a:endParaRPr lang="en-US" b="1" dirty="0">
+              <a:solidFill>
+                <a:srgbClr val="0070C0"/>
+              </a:solidFill>
+            </a:endParaRPr>
+          </a:p>
+        </p:txBody>
+      </p:sp>
+      <p:sp>
+        <p:nvSpPr>
+          <p:cNvPr id="8" name="Text Placeholder 2"/>
+          <p:cNvSpPr>
+            <a:spLocks noGrp="1"/>
+          </p:cNvSpPr>
+          <p:nvPr>
+            <p:ph type="body" sz="half" idx="1"/>
+          </p:nvPr>
+        </p:nvSpPr>
+        <p:spPr>
+          <a:xfrm>
+            <a:off x="142865" y="1200151"/>
+            <a:ext cx="8865056" cy="3394472"/>
+          </a:xfrm>
+        </p:spPr>
+        <p:txBody>
+          <a:bodyPr>
+            <a:noAutofit/>
+          </a:bodyPr>
+          <a:lstStyle/>
+          <a:p>
+            <a:pPr marL="0" indent="0" algn="just">
+              <a:buNone/>
+            </a:pPr>
+            <a:endParaRPr lang="pt-BR" sz="2400" dirty="0">
+              <a:latin typeface="Times New Roman" panose="02020603050405020304" pitchFamily="18" charset="0"/>
+              <a:cs typeface="Times New Roman" panose="02020603050405020304" pitchFamily="18" charset="0"/>
+            </a:endParaRPr>
+          </a:p>
+          <a:p>
+            <a:pPr marL="0" indent="0" algn="just">
+              <a:buNone/>
+            </a:pPr>
+            <a:r>
+              <a:rPr lang="pt-BR" sz="2400" dirty="0">
+                <a:latin typeface="Times New Roman" panose="02020603050405020304" pitchFamily="18" charset="0"/>
+                <a:cs typeface="Times New Roman" panose="02020603050405020304" pitchFamily="18" charset="0"/>
+              </a:rPr>
               <a:t>[1] Site: </a:t>
             </a:r>
             <a:r>
@@ -9741,7 +14354,7 @@
 </p:sld>
 </file>
 
-<file path=ppt/slides/slide25.xml><?xml version="1.0" encoding="utf-8"?>
+<file path=ppt/slides/slide34.xml><?xml version="1.0" encoding="utf-8"?>
 <p:sld xmlns:a="http://schemas.openxmlformats.org/drawingml/2006/main" xmlns:r="http://schemas.openxmlformats.org/officeDocument/2006/relationships" xmlns:p="http://schemas.openxmlformats.org/presentationml/2006/main">
   <p:cSld>
     <p:spTree>
@@ -10199,576 +14812,6 @@
         </p:txBody>
       </p:sp>
     </p:spTree>
-  </p:cSld>
-  <p:clrMapOvr>
-    <a:masterClrMapping/>
-  </p:clrMapOvr>
-  <p:transition spd="med"/>
-</p:sld>
-</file>
-
-<file path=ppt/slides/slide3.xml><?xml version="1.0" encoding="utf-8"?>
-<p:sld xmlns:a="http://schemas.openxmlformats.org/drawingml/2006/main" xmlns:r="http://schemas.openxmlformats.org/officeDocument/2006/relationships" xmlns:p="http://schemas.openxmlformats.org/presentationml/2006/main">
-  <p:cSld>
-    <p:spTree>
-      <p:nvGrpSpPr>
-        <p:cNvPr id="1" name=""/>
-        <p:cNvGrpSpPr/>
-        <p:nvPr/>
-      </p:nvGrpSpPr>
-      <p:grpSpPr>
-        <a:xfrm>
-          <a:off x="0" y="0"/>
-          <a:ext cx="0" cy="0"/>
-          <a:chOff x="0" y="0"/>
-          <a:chExt cx="0" cy="0"/>
-        </a:xfrm>
-      </p:grpSpPr>
-      <p:sp>
-        <p:nvSpPr>
-          <p:cNvPr id="6" name="Title 1"/>
-          <p:cNvSpPr>
-            <a:spLocks noGrp="1"/>
-          </p:cNvSpPr>
-          <p:nvPr>
-            <p:ph type="title"/>
-          </p:nvPr>
-        </p:nvSpPr>
-        <p:spPr>
-          <a:xfrm>
-            <a:off x="457200" y="205980"/>
-            <a:ext cx="8229600" cy="857251"/>
-          </a:xfrm>
-        </p:spPr>
-        <p:txBody>
-          <a:bodyPr>
-            <a:normAutofit/>
-          </a:bodyPr>
-          <a:lstStyle/>
-          <a:p>
-            <a:r>
-              <a:rPr lang="en-US" b="1" dirty="0" err="1">
-                <a:solidFill>
-                  <a:srgbClr val="0070C0"/>
-                </a:solidFill>
-              </a:rPr>
-              <a:t>Revisão</a:t>
-            </a:r>
-            <a:r>
-              <a:rPr lang="en-US" b="1" dirty="0">
-                <a:solidFill>
-                  <a:srgbClr val="0070C0"/>
-                </a:solidFill>
-              </a:rPr>
-              <a:t> HTML/CSS/Bootstrap</a:t>
-            </a:r>
-          </a:p>
-        </p:txBody>
-      </p:sp>
-      <p:sp>
-        <p:nvSpPr>
-          <p:cNvPr id="8" name="Text Placeholder 2"/>
-          <p:cNvSpPr>
-            <a:spLocks noGrp="1"/>
-          </p:cNvSpPr>
-          <p:nvPr>
-            <p:ph type="body" sz="half" idx="1"/>
-          </p:nvPr>
-        </p:nvSpPr>
-        <p:spPr>
-          <a:xfrm>
-            <a:off x="142865" y="1037312"/>
-            <a:ext cx="8865056" cy="3900208"/>
-          </a:xfrm>
-        </p:spPr>
-        <p:txBody>
-          <a:bodyPr>
-            <a:noAutofit/>
-          </a:bodyPr>
-          <a:lstStyle/>
-          <a:p>
-            <a:pPr algn="just">
-              <a:buFont typeface="Wingdings" panose="05000000000000000000" pitchFamily="2" charset="2"/>
-              <a:buChar char="§"/>
-            </a:pPr>
-            <a:r>
-              <a:rPr lang="pt-BR" sz="2400" b="1" dirty="0">
-                <a:solidFill>
-                  <a:srgbClr val="FF0000"/>
-                </a:solidFill>
-                <a:latin typeface="Times New Roman" panose="02020603050405020304" pitchFamily="18" charset="0"/>
-                <a:cs typeface="Times New Roman" panose="02020603050405020304" pitchFamily="18" charset="0"/>
-              </a:rPr>
-              <a:t>Quiz HTML</a:t>
-            </a:r>
-          </a:p>
-          <a:p>
-            <a:pPr marL="447675" lvl="1" indent="0" algn="just">
-              <a:buNone/>
-            </a:pPr>
-            <a:r>
-              <a:rPr lang="es-ES" sz="2400" dirty="0">
-                <a:latin typeface="Times New Roman" panose="02020603050405020304" pitchFamily="18" charset="0"/>
-                <a:cs typeface="Times New Roman" panose="02020603050405020304" pitchFamily="18" charset="0"/>
-                <a:hlinkClick r:id="rId3"/>
-              </a:rPr>
-              <a:t>	https://forms.gle/BgrjhXkrbM1Ymf3o7</a:t>
-            </a:r>
-            <a:endParaRPr lang="es-ES" sz="2400" dirty="0">
-              <a:latin typeface="Times New Roman" panose="02020603050405020304" pitchFamily="18" charset="0"/>
-              <a:cs typeface="Times New Roman" panose="02020603050405020304" pitchFamily="18" charset="0"/>
-            </a:endParaRPr>
-          </a:p>
-          <a:p>
-            <a:pPr algn="just">
-              <a:buFont typeface="Wingdings" panose="05000000000000000000" pitchFamily="2" charset="2"/>
-              <a:buChar char="§"/>
-            </a:pPr>
-            <a:r>
-              <a:rPr lang="pt-BR" sz="2400" b="1" dirty="0" err="1">
-                <a:solidFill>
-                  <a:srgbClr val="FF0000"/>
-                </a:solidFill>
-                <a:latin typeface="Times New Roman" panose="02020603050405020304" pitchFamily="18" charset="0"/>
-                <a:cs typeface="Times New Roman" panose="02020603050405020304" pitchFamily="18" charset="0"/>
-              </a:rPr>
-              <a:t>Deploy</a:t>
-            </a:r>
-            <a:r>
-              <a:rPr lang="pt-BR" sz="2400" b="1" dirty="0">
-                <a:solidFill>
-                  <a:srgbClr val="FF0000"/>
-                </a:solidFill>
-                <a:latin typeface="Times New Roman" panose="02020603050405020304" pitchFamily="18" charset="0"/>
-                <a:cs typeface="Times New Roman" panose="02020603050405020304" pitchFamily="18" charset="0"/>
-              </a:rPr>
-              <a:t> do Site: </a:t>
-            </a:r>
-            <a:r>
-              <a:rPr lang="pt-BR" sz="2400" b="1" dirty="0" err="1">
-                <a:solidFill>
-                  <a:srgbClr val="FF0000"/>
-                </a:solidFill>
-                <a:latin typeface="Times New Roman" panose="02020603050405020304" pitchFamily="18" charset="0"/>
-                <a:cs typeface="Times New Roman" panose="02020603050405020304" pitchFamily="18" charset="0"/>
-              </a:rPr>
-              <a:t>Netlify</a:t>
-            </a:r>
-            <a:r>
-              <a:rPr lang="pt-BR" sz="2400" b="1" dirty="0">
-                <a:solidFill>
-                  <a:srgbClr val="FF0000"/>
-                </a:solidFill>
-                <a:latin typeface="Times New Roman" panose="02020603050405020304" pitchFamily="18" charset="0"/>
-                <a:cs typeface="Times New Roman" panose="02020603050405020304" pitchFamily="18" charset="0"/>
-              </a:rPr>
-              <a:t>/</a:t>
-            </a:r>
-            <a:r>
-              <a:rPr lang="pt-BR" sz="2400" b="1" dirty="0" err="1">
-                <a:solidFill>
-                  <a:srgbClr val="FF0000"/>
-                </a:solidFill>
-                <a:latin typeface="Times New Roman" panose="02020603050405020304" pitchFamily="18" charset="0"/>
-                <a:cs typeface="Times New Roman" panose="02020603050405020304" pitchFamily="18" charset="0"/>
-              </a:rPr>
-              <a:t>Github</a:t>
-            </a:r>
-            <a:endParaRPr lang="pt-BR" sz="2400" b="1" dirty="0">
-              <a:solidFill>
-                <a:srgbClr val="FF0000"/>
-              </a:solidFill>
-              <a:latin typeface="Times New Roman" panose="02020603050405020304" pitchFamily="18" charset="0"/>
-              <a:cs typeface="Times New Roman" panose="02020603050405020304" pitchFamily="18" charset="0"/>
-            </a:endParaRPr>
-          </a:p>
-          <a:p>
-            <a:pPr algn="just">
-              <a:buFont typeface="Wingdings" panose="05000000000000000000" pitchFamily="2" charset="2"/>
-              <a:buChar char="§"/>
-            </a:pPr>
-            <a:r>
-              <a:rPr lang="pt-BR" sz="2400" b="1" dirty="0">
-                <a:solidFill>
-                  <a:srgbClr val="FF0000"/>
-                </a:solidFill>
-                <a:latin typeface="Times New Roman" panose="02020603050405020304" pitchFamily="18" charset="0"/>
-                <a:cs typeface="Times New Roman" panose="02020603050405020304" pitchFamily="18" charset="0"/>
-              </a:rPr>
-              <a:t>Exercícios: CSS/</a:t>
-            </a:r>
-            <a:r>
-              <a:rPr lang="pt-BR" sz="2400" b="1" dirty="0" err="1">
-                <a:solidFill>
-                  <a:srgbClr val="FF0000"/>
-                </a:solidFill>
-                <a:latin typeface="Times New Roman" panose="02020603050405020304" pitchFamily="18" charset="0"/>
-                <a:cs typeface="Times New Roman" panose="02020603050405020304" pitchFamily="18" charset="0"/>
-              </a:rPr>
-              <a:t>Bootstrap</a:t>
-            </a:r>
-            <a:endParaRPr lang="pt-BR" sz="2400" b="1" dirty="0">
-              <a:solidFill>
-                <a:srgbClr val="FF0000"/>
-              </a:solidFill>
-              <a:latin typeface="Times New Roman" panose="02020603050405020304" pitchFamily="18" charset="0"/>
-              <a:cs typeface="Times New Roman" panose="02020603050405020304" pitchFamily="18" charset="0"/>
-            </a:endParaRPr>
-          </a:p>
-          <a:p>
-            <a:pPr marL="0" indent="0" algn="just">
-              <a:buNone/>
-            </a:pPr>
-            <a:endParaRPr lang="pt-BR" sz="2400" dirty="0">
-              <a:solidFill>
-                <a:schemeClr val="tx1"/>
-              </a:solidFill>
-              <a:latin typeface="Times New Roman" panose="02020603050405020304" pitchFamily="18" charset="0"/>
-              <a:cs typeface="Times New Roman" panose="02020603050405020304" pitchFamily="18" charset="0"/>
-            </a:endParaRPr>
-          </a:p>
-          <a:p>
-            <a:pPr marL="0" indent="0" algn="just">
-              <a:buNone/>
-            </a:pPr>
-            <a:r>
-              <a:rPr lang="pt-BR" sz="2400" b="1" dirty="0">
-                <a:solidFill>
-                  <a:schemeClr val="tx1"/>
-                </a:solidFill>
-                <a:latin typeface="Times New Roman" panose="02020603050405020304" pitchFamily="18" charset="0"/>
-                <a:cs typeface="Times New Roman" panose="02020603050405020304" pitchFamily="18" charset="0"/>
-              </a:rPr>
-              <a:t>Nota</a:t>
-            </a:r>
-            <a:r>
-              <a:rPr lang="pt-BR" sz="2400" dirty="0">
-                <a:solidFill>
-                  <a:schemeClr val="tx1"/>
-                </a:solidFill>
-                <a:latin typeface="Times New Roman" panose="02020603050405020304" pitchFamily="18" charset="0"/>
-                <a:cs typeface="Times New Roman" panose="02020603050405020304" pitchFamily="18" charset="0"/>
-              </a:rPr>
-              <a:t>: </a:t>
-            </a:r>
-            <a:r>
-              <a:rPr lang="pt-BR" sz="2400" dirty="0" err="1">
-                <a:solidFill>
-                  <a:schemeClr val="tx1"/>
-                </a:solidFill>
-                <a:latin typeface="Times New Roman" panose="02020603050405020304" pitchFamily="18" charset="0"/>
-                <a:cs typeface="Times New Roman" panose="02020603050405020304" pitchFamily="18" charset="0"/>
-              </a:rPr>
-              <a:t>AngularJS</a:t>
-            </a:r>
-            <a:r>
-              <a:rPr lang="pt-BR" sz="2400" dirty="0">
-                <a:solidFill>
-                  <a:schemeClr val="tx1"/>
-                </a:solidFill>
-                <a:latin typeface="Times New Roman" panose="02020603050405020304" pitchFamily="18" charset="0"/>
-                <a:cs typeface="Times New Roman" panose="02020603050405020304" pitchFamily="18" charset="0"/>
-              </a:rPr>
-              <a:t> (</a:t>
-            </a:r>
-            <a:r>
-              <a:rPr lang="pt-BR" sz="2400" b="1" dirty="0">
-                <a:solidFill>
-                  <a:schemeClr val="tx1"/>
-                </a:solidFill>
-                <a:latin typeface="Times New Roman" panose="02020603050405020304" pitchFamily="18" charset="0"/>
-                <a:cs typeface="Times New Roman" panose="02020603050405020304" pitchFamily="18" charset="0"/>
-              </a:rPr>
-              <a:t>Google</a:t>
-            </a:r>
-            <a:r>
-              <a:rPr lang="pt-BR" sz="2400" dirty="0">
-                <a:solidFill>
-                  <a:schemeClr val="tx1"/>
-                </a:solidFill>
-                <a:latin typeface="Times New Roman" panose="02020603050405020304" pitchFamily="18" charset="0"/>
-                <a:cs typeface="Times New Roman" panose="02020603050405020304" pitchFamily="18" charset="0"/>
-              </a:rPr>
-              <a:t>); React.JS/</a:t>
-            </a:r>
-            <a:r>
-              <a:rPr lang="pt-BR" sz="2400" dirty="0" err="1">
-                <a:solidFill>
-                  <a:schemeClr val="tx1"/>
-                </a:solidFill>
-                <a:latin typeface="Times New Roman" panose="02020603050405020304" pitchFamily="18" charset="0"/>
-                <a:cs typeface="Times New Roman" panose="02020603050405020304" pitchFamily="18" charset="0"/>
-              </a:rPr>
-              <a:t>React</a:t>
-            </a:r>
-            <a:r>
-              <a:rPr lang="pt-BR" sz="2400" dirty="0">
-                <a:solidFill>
-                  <a:schemeClr val="tx1"/>
-                </a:solidFill>
-                <a:latin typeface="Times New Roman" panose="02020603050405020304" pitchFamily="18" charset="0"/>
-                <a:cs typeface="Times New Roman" panose="02020603050405020304" pitchFamily="18" charset="0"/>
-              </a:rPr>
-              <a:t> </a:t>
-            </a:r>
-            <a:r>
-              <a:rPr lang="pt-BR" sz="2400" dirty="0" err="1">
-                <a:solidFill>
-                  <a:schemeClr val="tx1"/>
-                </a:solidFill>
-                <a:latin typeface="Times New Roman" panose="02020603050405020304" pitchFamily="18" charset="0"/>
-                <a:cs typeface="Times New Roman" panose="02020603050405020304" pitchFamily="18" charset="0"/>
-              </a:rPr>
-              <a:t>Native</a:t>
-            </a:r>
-            <a:r>
-              <a:rPr lang="pt-BR" sz="2400" dirty="0">
-                <a:solidFill>
-                  <a:schemeClr val="tx1"/>
-                </a:solidFill>
-                <a:latin typeface="Times New Roman" panose="02020603050405020304" pitchFamily="18" charset="0"/>
-                <a:cs typeface="Times New Roman" panose="02020603050405020304" pitchFamily="18" charset="0"/>
-              </a:rPr>
-              <a:t> (</a:t>
-            </a:r>
-            <a:r>
-              <a:rPr lang="pt-BR" sz="2400" b="1" dirty="0">
-                <a:solidFill>
-                  <a:schemeClr val="tx1"/>
-                </a:solidFill>
-                <a:latin typeface="Times New Roman" panose="02020603050405020304" pitchFamily="18" charset="0"/>
-                <a:cs typeface="Times New Roman" panose="02020603050405020304" pitchFamily="18" charset="0"/>
-              </a:rPr>
-              <a:t>Facebook</a:t>
-            </a:r>
-            <a:r>
-              <a:rPr lang="pt-BR" sz="2400" dirty="0">
-                <a:solidFill>
-                  <a:schemeClr val="tx1"/>
-                </a:solidFill>
-                <a:latin typeface="Times New Roman" panose="02020603050405020304" pitchFamily="18" charset="0"/>
-                <a:cs typeface="Times New Roman" panose="02020603050405020304" pitchFamily="18" charset="0"/>
-              </a:rPr>
-              <a:t>); </a:t>
-            </a:r>
-          </a:p>
-          <a:p>
-            <a:pPr marL="0" indent="0" algn="just">
-              <a:buNone/>
-            </a:pPr>
-            <a:r>
-              <a:rPr lang="pt-BR" sz="2400" dirty="0">
-                <a:solidFill>
-                  <a:schemeClr val="tx1"/>
-                </a:solidFill>
-                <a:latin typeface="Times New Roman" panose="02020603050405020304" pitchFamily="18" charset="0"/>
-                <a:cs typeface="Times New Roman" panose="02020603050405020304" pitchFamily="18" charset="0"/>
-              </a:rPr>
-              <a:t>	    Vue.JS (</a:t>
-            </a:r>
-            <a:r>
-              <a:rPr lang="pt-BR" sz="2400" b="1" dirty="0">
-                <a:solidFill>
-                  <a:schemeClr val="tx1"/>
-                </a:solidFill>
-                <a:latin typeface="Times New Roman" panose="02020603050405020304" pitchFamily="18" charset="0"/>
-                <a:cs typeface="Times New Roman" panose="02020603050405020304" pitchFamily="18" charset="0"/>
-              </a:rPr>
-              <a:t>Evan </a:t>
-            </a:r>
-            <a:r>
-              <a:rPr lang="pt-BR" sz="2400" b="1" dirty="0" err="1">
-                <a:solidFill>
-                  <a:schemeClr val="tx1"/>
-                </a:solidFill>
-                <a:latin typeface="Times New Roman" panose="02020603050405020304" pitchFamily="18" charset="0"/>
-                <a:cs typeface="Times New Roman" panose="02020603050405020304" pitchFamily="18" charset="0"/>
-              </a:rPr>
-              <a:t>You</a:t>
-            </a:r>
-            <a:r>
-              <a:rPr lang="pt-BR" sz="2400" b="1" dirty="0">
-                <a:solidFill>
-                  <a:schemeClr val="tx1"/>
-                </a:solidFill>
-                <a:latin typeface="Times New Roman" panose="02020603050405020304" pitchFamily="18" charset="0"/>
-                <a:cs typeface="Times New Roman" panose="02020603050405020304" pitchFamily="18" charset="0"/>
-              </a:rPr>
-              <a:t> / Comunidade / </a:t>
-            </a:r>
-            <a:r>
-              <a:rPr lang="pt-BR" sz="2400" b="1" dirty="0" err="1">
-                <a:solidFill>
-                  <a:schemeClr val="tx1"/>
-                </a:solidFill>
-                <a:latin typeface="Times New Roman" panose="02020603050405020304" pitchFamily="18" charset="0"/>
-                <a:cs typeface="Times New Roman" panose="02020603050405020304" pitchFamily="18" charset="0"/>
-              </a:rPr>
-              <a:t>Alibaba</a:t>
-            </a:r>
-            <a:r>
-              <a:rPr lang="pt-BR" sz="2400" dirty="0">
-                <a:solidFill>
-                  <a:schemeClr val="tx1"/>
-                </a:solidFill>
-                <a:latin typeface="Times New Roman" panose="02020603050405020304" pitchFamily="18" charset="0"/>
-                <a:cs typeface="Times New Roman" panose="02020603050405020304" pitchFamily="18" charset="0"/>
-              </a:rPr>
-              <a:t>);	</a:t>
-            </a:r>
-            <a:r>
-              <a:rPr lang="pt-BR" sz="2400" dirty="0" err="1">
-                <a:solidFill>
-                  <a:schemeClr val="tx1"/>
-                </a:solidFill>
-                <a:latin typeface="Times New Roman" panose="02020603050405020304" pitchFamily="18" charset="0"/>
-                <a:cs typeface="Times New Roman" panose="02020603050405020304" pitchFamily="18" charset="0"/>
-              </a:rPr>
-              <a:t>Electon</a:t>
-            </a:r>
-            <a:r>
-              <a:rPr lang="pt-BR" sz="2400" dirty="0">
-                <a:solidFill>
-                  <a:schemeClr val="tx1"/>
-                </a:solidFill>
-                <a:latin typeface="Times New Roman" panose="02020603050405020304" pitchFamily="18" charset="0"/>
-                <a:cs typeface="Times New Roman" panose="02020603050405020304" pitchFamily="18" charset="0"/>
-              </a:rPr>
-              <a:t> (</a:t>
-            </a:r>
-            <a:r>
-              <a:rPr lang="pt-BR" sz="2400" b="1" dirty="0" err="1">
-                <a:solidFill>
-                  <a:schemeClr val="tx1"/>
-                </a:solidFill>
-                <a:latin typeface="Times New Roman" panose="02020603050405020304" pitchFamily="18" charset="0"/>
-                <a:cs typeface="Times New Roman" panose="02020603050405020304" pitchFamily="18" charset="0"/>
-              </a:rPr>
-              <a:t>Github</a:t>
-            </a:r>
-            <a:r>
-              <a:rPr lang="pt-BR" sz="2400" dirty="0">
-                <a:solidFill>
-                  <a:schemeClr val="tx1"/>
-                </a:solidFill>
-                <a:latin typeface="Times New Roman" panose="02020603050405020304" pitchFamily="18" charset="0"/>
-                <a:cs typeface="Times New Roman" panose="02020603050405020304" pitchFamily="18" charset="0"/>
-              </a:rPr>
-              <a:t>,   e.g.: </a:t>
-            </a:r>
-            <a:r>
-              <a:rPr lang="pt-BR" sz="2400" dirty="0" err="1">
-                <a:solidFill>
-                  <a:schemeClr val="tx1"/>
-                </a:solidFill>
-                <a:latin typeface="Times New Roman" panose="02020603050405020304" pitchFamily="18" charset="0"/>
-                <a:cs typeface="Times New Roman" panose="02020603050405020304" pitchFamily="18" charset="0"/>
-              </a:rPr>
-              <a:t>VSCode</a:t>
-            </a:r>
-            <a:r>
-              <a:rPr lang="pt-BR" sz="2400" dirty="0">
-                <a:solidFill>
-                  <a:schemeClr val="tx1"/>
-                </a:solidFill>
-                <a:latin typeface="Times New Roman" panose="02020603050405020304" pitchFamily="18" charset="0"/>
-                <a:cs typeface="Times New Roman" panose="02020603050405020304" pitchFamily="18" charset="0"/>
-              </a:rPr>
-              <a:t>, WhatsApp p/Computador, Chat </a:t>
-            </a:r>
-            <a:r>
-              <a:rPr lang="pt-BR" sz="2400" dirty="0" err="1">
-                <a:solidFill>
-                  <a:schemeClr val="tx1"/>
-                </a:solidFill>
-                <a:latin typeface="Times New Roman" panose="02020603050405020304" pitchFamily="18" charset="0"/>
-                <a:cs typeface="Times New Roman" panose="02020603050405020304" pitchFamily="18" charset="0"/>
-              </a:rPr>
-              <a:t>Discord</a:t>
-            </a:r>
-            <a:r>
-              <a:rPr lang="pt-BR" sz="2400" dirty="0">
-                <a:solidFill>
-                  <a:schemeClr val="tx1"/>
-                </a:solidFill>
-                <a:latin typeface="Times New Roman" panose="02020603050405020304" pitchFamily="18" charset="0"/>
-                <a:cs typeface="Times New Roman" panose="02020603050405020304" pitchFamily="18" charset="0"/>
-              </a:rPr>
-              <a:t>);</a:t>
-            </a:r>
-          </a:p>
-          <a:p>
-            <a:pPr marL="0" indent="0" algn="just">
-              <a:buNone/>
-            </a:pPr>
-            <a:r>
-              <a:rPr lang="pt-BR" sz="2400" dirty="0">
-                <a:solidFill>
-                  <a:schemeClr val="tx1"/>
-                </a:solidFill>
-                <a:latin typeface="Times New Roman" panose="02020603050405020304" pitchFamily="18" charset="0"/>
-                <a:cs typeface="Times New Roman" panose="02020603050405020304" pitchFamily="18" charset="0"/>
-              </a:rPr>
-              <a:t>	    </a:t>
-            </a:r>
-            <a:r>
-              <a:rPr lang="pt-BR" sz="2400" dirty="0" err="1">
-                <a:solidFill>
-                  <a:schemeClr val="tx1"/>
-                </a:solidFill>
-                <a:latin typeface="Times New Roman" panose="02020603050405020304" pitchFamily="18" charset="0"/>
-                <a:cs typeface="Times New Roman" panose="02020603050405020304" pitchFamily="18" charset="0"/>
-              </a:rPr>
-              <a:t>Jquery</a:t>
-            </a:r>
-            <a:r>
-              <a:rPr lang="pt-BR" sz="2400" dirty="0">
-                <a:solidFill>
-                  <a:schemeClr val="tx1"/>
-                </a:solidFill>
-                <a:latin typeface="Times New Roman" panose="02020603050405020304" pitchFamily="18" charset="0"/>
-                <a:cs typeface="Times New Roman" panose="02020603050405020304" pitchFamily="18" charset="0"/>
-              </a:rPr>
-              <a:t>  (Bibliotecas/Mozilla); D3.JS; </a:t>
-            </a:r>
-            <a:r>
-              <a:rPr lang="pt-BR" sz="2400" dirty="0" err="1">
-                <a:solidFill>
-                  <a:schemeClr val="tx1"/>
-                </a:solidFill>
-                <a:latin typeface="Times New Roman" panose="02020603050405020304" pitchFamily="18" charset="0"/>
-                <a:cs typeface="Times New Roman" panose="02020603050405020304" pitchFamily="18" charset="0"/>
-              </a:rPr>
-              <a:t>Bootstrap</a:t>
-            </a:r>
-            <a:endParaRPr lang="pt-BR" sz="2400" dirty="0">
-              <a:solidFill>
-                <a:schemeClr val="tx1"/>
-              </a:solidFill>
-              <a:latin typeface="Times New Roman" panose="02020603050405020304" pitchFamily="18" charset="0"/>
-              <a:cs typeface="Times New Roman" panose="02020603050405020304" pitchFamily="18" charset="0"/>
-            </a:endParaRPr>
-          </a:p>
-          <a:p>
-            <a:pPr marL="0" indent="0" algn="just">
-              <a:buNone/>
-            </a:pPr>
-            <a:endParaRPr lang="pt-BR" sz="2400" dirty="0">
-              <a:solidFill>
-                <a:schemeClr val="tx1"/>
-              </a:solidFill>
-              <a:latin typeface="Times New Roman" panose="02020603050405020304" pitchFamily="18" charset="0"/>
-              <a:cs typeface="Times New Roman" panose="02020603050405020304" pitchFamily="18" charset="0"/>
-            </a:endParaRPr>
-          </a:p>
-        </p:txBody>
-      </p:sp>
-    </p:spTree>
-    <p:extLst>
-      <p:ext uri="{BB962C8B-B14F-4D97-AF65-F5344CB8AC3E}">
-        <p14:creationId xmlns:p14="http://schemas.microsoft.com/office/powerpoint/2010/main" val="1928729007"/>
-      </p:ext>
-    </p:extLst>
   </p:cSld>
   <p:clrMapOvr>
     <a:masterClrMapping/>

--- a/01 Classes/Aula 08 Desenvolvimento Web PHP - JS.pptx
+++ b/01 Classes/Aula 08 Desenvolvimento Web PHP - JS.pptx
@@ -7543,7 +7543,7 @@
         </p:nvSpPr>
         <p:spPr>
           <a:xfrm>
-            <a:off x="142865" y="1037312"/>
+            <a:off x="130165" y="1037312"/>
             <a:ext cx="8865056" cy="3900208"/>
           </a:xfrm>
         </p:spPr>
@@ -7646,7 +7646,7 @@
                 <a:latin typeface="Times New Roman" panose="02020603050405020304" pitchFamily="18" charset="0"/>
                 <a:cs typeface="Times New Roman" panose="02020603050405020304" pitchFamily="18" charset="0"/>
               </a:rPr>
-              <a:t>(‘</a:t>
+              <a:t>('</a:t>
             </a:r>
             <a:r>
               <a:rPr lang="pt-BR" sz="2000" dirty="0" err="1">
@@ -7686,7 +7686,7 @@
                 <a:latin typeface="Times New Roman" panose="02020603050405020304" pitchFamily="18" charset="0"/>
                 <a:cs typeface="Times New Roman" panose="02020603050405020304" pitchFamily="18" charset="0"/>
               </a:rPr>
-              <a:t>’).</a:t>
+              <a:t>').</a:t>
             </a:r>
             <a:r>
               <a:rPr lang="pt-BR" sz="2000" dirty="0" err="1">
@@ -7706,7 +7706,7 @@
                 <a:latin typeface="Times New Roman" panose="02020603050405020304" pitchFamily="18" charset="0"/>
                 <a:cs typeface="Times New Roman" panose="02020603050405020304" pitchFamily="18" charset="0"/>
               </a:rPr>
-              <a:t> = ‘</a:t>
+              <a:t> = '</a:t>
             </a:r>
             <a:r>
               <a:rPr lang="pt-BR" sz="2000" dirty="0" err="1">
@@ -7726,7 +7726,7 @@
                 <a:latin typeface="Times New Roman" panose="02020603050405020304" pitchFamily="18" charset="0"/>
                 <a:cs typeface="Times New Roman" panose="02020603050405020304" pitchFamily="18" charset="0"/>
               </a:rPr>
-              <a:t>’;</a:t>
+              <a:t>';</a:t>
             </a:r>
           </a:p>
           <a:p>
@@ -7771,7 +7771,7 @@
                 <a:latin typeface="Times New Roman" panose="02020603050405020304" pitchFamily="18" charset="0"/>
                 <a:cs typeface="Times New Roman" panose="02020603050405020304" pitchFamily="18" charset="0"/>
               </a:rPr>
-              <a:t>(‘h1</a:t>
+              <a:t>('h1</a:t>
             </a:r>
             <a:r>
               <a:rPr lang="pt-BR" sz="2000" b="1" dirty="0">
@@ -7791,7 +7791,7 @@
                 <a:latin typeface="Times New Roman" panose="02020603050405020304" pitchFamily="18" charset="0"/>
                 <a:cs typeface="Times New Roman" panose="02020603050405020304" pitchFamily="18" charset="0"/>
               </a:rPr>
-              <a:t>classH1’).</a:t>
+              <a:t>classH1').</a:t>
             </a:r>
             <a:r>
               <a:rPr lang="pt-BR" sz="2000" dirty="0" err="1">
@@ -7811,7 +7811,7 @@
                 <a:latin typeface="Times New Roman" panose="02020603050405020304" pitchFamily="18" charset="0"/>
                 <a:cs typeface="Times New Roman" panose="02020603050405020304" pitchFamily="18" charset="0"/>
               </a:rPr>
-              <a:t> = ‘Texto’;</a:t>
+              <a:t> = 'Texto';</a:t>
             </a:r>
           </a:p>
           <a:p>
@@ -7888,7 +7888,7 @@
                 <a:latin typeface="Times New Roman" panose="02020603050405020304" pitchFamily="18" charset="0"/>
                 <a:cs typeface="Times New Roman" panose="02020603050405020304" pitchFamily="18" charset="0"/>
               </a:rPr>
-              <a:t>(‘p’)[1] ); // </a:t>
+              <a:t>('p')[1] ); // </a:t>
             </a:r>
             <a:r>
               <a:rPr lang="pt-BR" sz="2000" b="1" dirty="0">
@@ -8359,7 +8359,7 @@
                 <a:latin typeface="Times New Roman" panose="02020603050405020304" pitchFamily="18" charset="0"/>
                 <a:cs typeface="Times New Roman" panose="02020603050405020304" pitchFamily="18" charset="0"/>
               </a:rPr>
-              <a:t>.body.style.backgroud</a:t>
+              <a:t>.body.style.background</a:t>
             </a:r>
             <a:r>
               <a:rPr lang="pt-BR" sz="2000" dirty="0">
@@ -8369,7 +8369,7 @@
                 <a:latin typeface="Times New Roman" panose="02020603050405020304" pitchFamily="18" charset="0"/>
                 <a:cs typeface="Times New Roman" panose="02020603050405020304" pitchFamily="18" charset="0"/>
               </a:rPr>
-              <a:t>= ‘</a:t>
+              <a:t>= '</a:t>
             </a:r>
             <a:r>
               <a:rPr lang="pt-BR" sz="2000" b="1" dirty="0">
@@ -8389,7 +8389,7 @@
                 <a:latin typeface="Times New Roman" panose="02020603050405020304" pitchFamily="18" charset="0"/>
                 <a:cs typeface="Times New Roman" panose="02020603050405020304" pitchFamily="18" charset="0"/>
               </a:rPr>
-              <a:t>’;</a:t>
+              <a:t>';</a:t>
             </a:r>
           </a:p>
           <a:p>
@@ -9451,7 +9451,7 @@
                 <a:latin typeface="Times New Roman" panose="02020603050405020304" pitchFamily="18" charset="0"/>
                 <a:cs typeface="Times New Roman" panose="02020603050405020304" pitchFamily="18" charset="0"/>
               </a:rPr>
-              <a:t>(‘Olá, mundo!!!’)</a:t>
+              <a:t>('Olá, mundo!!! ')</a:t>
             </a:r>
           </a:p>
           <a:p>
@@ -9686,7 +9686,7 @@
                 <a:latin typeface="Times New Roman" panose="02020603050405020304" pitchFamily="18" charset="0"/>
                 <a:cs typeface="Times New Roman" panose="02020603050405020304" pitchFamily="18" charset="0"/>
               </a:rPr>
-              <a:t>(‘</a:t>
+              <a:t>('</a:t>
             </a:r>
             <a:r>
               <a:rPr lang="pt-BR" sz="2400" dirty="0" err="1">
@@ -9706,7 +9706,7 @@
                 <a:latin typeface="Times New Roman" panose="02020603050405020304" pitchFamily="18" charset="0"/>
                 <a:cs typeface="Times New Roman" panose="02020603050405020304" pitchFamily="18" charset="0"/>
               </a:rPr>
-              <a:t>’).</a:t>
+              <a:t>').</a:t>
             </a:r>
             <a:r>
               <a:rPr lang="pt-BR" sz="2400" dirty="0" err="1">
@@ -9726,7 +9726,7 @@
                 <a:latin typeface="Times New Roman" panose="02020603050405020304" pitchFamily="18" charset="0"/>
                 <a:cs typeface="Times New Roman" panose="02020603050405020304" pitchFamily="18" charset="0"/>
               </a:rPr>
-              <a:t> := ‘Texto’;</a:t>
+              <a:t> := 'Texto';</a:t>
             </a:r>
           </a:p>
           <a:p>
@@ -9828,7 +9828,7 @@
                 <a:latin typeface="Times New Roman" panose="02020603050405020304" pitchFamily="18" charset="0"/>
                 <a:cs typeface="Times New Roman" panose="02020603050405020304" pitchFamily="18" charset="0"/>
               </a:rPr>
-              <a:t>(‘</a:t>
+              <a:t>('</a:t>
             </a:r>
             <a:r>
               <a:rPr lang="pt-BR" sz="2400" dirty="0" err="1">
@@ -9848,7 +9848,7 @@
                 <a:latin typeface="Times New Roman" panose="02020603050405020304" pitchFamily="18" charset="0"/>
                 <a:cs typeface="Times New Roman" panose="02020603050405020304" pitchFamily="18" charset="0"/>
               </a:rPr>
-              <a:t>’).</a:t>
+              <a:t>').</a:t>
             </a:r>
             <a:r>
               <a:rPr lang="pt-BR" sz="2400" dirty="0" err="1">
@@ -10869,7 +10869,7 @@
                 <a:latin typeface="Times New Roman" panose="02020603050405020304" pitchFamily="18" charset="0"/>
                 <a:cs typeface="Times New Roman" panose="02020603050405020304" pitchFamily="18" charset="0"/>
               </a:rPr>
-              <a:t> nome = ‘maria’;</a:t>
+              <a:t> nome = 'maria';</a:t>
             </a:r>
           </a:p>
           <a:p>
@@ -11249,27 +11249,7 @@
                 <a:latin typeface="Times New Roman" panose="02020603050405020304" pitchFamily="18" charset="0"/>
                 <a:cs typeface="Times New Roman" panose="02020603050405020304" pitchFamily="18" charset="0"/>
               </a:rPr>
-              <a:t> x, </a:t>
-            </a:r>
-            <a:r>
-              <a:rPr lang="pt-BR" sz="2400" dirty="0" err="1">
-                <a:solidFill>
-                  <a:schemeClr val="tx1"/>
-                </a:solidFill>
-                <a:latin typeface="Times New Roman" panose="02020603050405020304" pitchFamily="18" charset="0"/>
-                <a:cs typeface="Times New Roman" panose="02020603050405020304" pitchFamily="18" charset="0"/>
-              </a:rPr>
-              <a:t>y,z</a:t>
-            </a:r>
-            <a:r>
-              <a:rPr lang="pt-BR" sz="2400" dirty="0">
-                <a:solidFill>
-                  <a:schemeClr val="tx1"/>
-                </a:solidFill>
-                <a:latin typeface="Times New Roman" panose="02020603050405020304" pitchFamily="18" charset="0"/>
-                <a:cs typeface="Times New Roman" panose="02020603050405020304" pitchFamily="18" charset="0"/>
-              </a:rPr>
-              <a:t>; // Declaração de variáveis (</a:t>
+              <a:t> x, y, z; // Declaração de variáveis (</a:t>
             </a:r>
             <a:r>
               <a:rPr lang="pt-BR" sz="2400" dirty="0" err="1">
@@ -11911,7 +11891,7 @@
                 <a:latin typeface="Times New Roman" panose="02020603050405020304" pitchFamily="18" charset="0"/>
                 <a:cs typeface="Times New Roman" panose="02020603050405020304" pitchFamily="18" charset="0"/>
               </a:rPr>
-              <a:t> := ‘Texto &lt;b&gt;Alterado&lt;/b&gt;’;</a:t>
+              <a:t> := 'Texto &lt;b&gt;Alterado&lt;/b&gt;';</a:t>
             </a:r>
           </a:p>
         </p:txBody>
@@ -12499,7 +12479,7 @@
                 <a:latin typeface="Times New Roman" panose="02020603050405020304" pitchFamily="18" charset="0"/>
                 <a:cs typeface="Times New Roman" panose="02020603050405020304" pitchFamily="18" charset="0"/>
               </a:rPr>
-              <a:t>(‘Teste JS no terminal do desenvolvedor’):</a:t>
+              <a:t>(‘Testa JS no terminal do desenvolvedor’):</a:t>
             </a:r>
           </a:p>
           <a:p>
@@ -12560,7 +12540,7 @@
                 <a:latin typeface="Times New Roman" panose="02020603050405020304" pitchFamily="18" charset="0"/>
                 <a:cs typeface="Times New Roman" panose="02020603050405020304" pitchFamily="18" charset="0"/>
               </a:rPr>
-              <a:t> (‘Alerta na tela’);</a:t>
+              <a:t> ('Alerta na tela');</a:t>
             </a:r>
           </a:p>
           <a:p>

--- a/01 Classes/Aula 08 Desenvolvimento Web PHP - JS.pptx
+++ b/01 Classes/Aula 08 Desenvolvimento Web PHP - JS.pptx
@@ -9716,7 +9716,7 @@
                 <a:latin typeface="Times New Roman" panose="02020603050405020304" pitchFamily="18" charset="0"/>
                 <a:cs typeface="Times New Roman" panose="02020603050405020304" pitchFamily="18" charset="0"/>
               </a:rPr>
-              <a:t>InnerHTML</a:t>
+              <a:t>InnerText</a:t>
             </a:r>
             <a:r>
               <a:rPr lang="pt-BR" sz="2400" dirty="0">
@@ -9858,7 +9858,7 @@
                 <a:latin typeface="Times New Roman" panose="02020603050405020304" pitchFamily="18" charset="0"/>
                 <a:cs typeface="Times New Roman" panose="02020603050405020304" pitchFamily="18" charset="0"/>
               </a:rPr>
-              <a:t>InnerHTML</a:t>
+              <a:t>InnerText</a:t>
             </a:r>
             <a:r>
               <a:rPr lang="pt-BR" sz="2400" dirty="0">
@@ -12181,7 +12181,7 @@
                 <a:latin typeface="Times New Roman" panose="02020603050405020304" pitchFamily="18" charset="0"/>
                 <a:cs typeface="Times New Roman" panose="02020603050405020304" pitchFamily="18" charset="0"/>
               </a:rPr>
-              <a:t>: \u{1F609}; \u{1F449}; \u{1F3c1}</a:t>
+              <a:t>: \u{1F609}; \u{1F449}; \u{1F3c1}; &amp;#128521 no HTML</a:t>
             </a:r>
           </a:p>
           <a:p>
